--- a/clase_6/teoria/Clase_6.pptx
+++ b/clase_6/teoria/Clase_6.pptx
@@ -5,7 +5,7 @@
     <p:sldMasterId id="2147483648" r:id="rId1"/>
   </p:sldMasterIdLst>
   <p:notesMasterIdLst>
-    <p:notesMasterId r:id="rId36"/>
+    <p:notesMasterId r:id="rId37"/>
   </p:notesMasterIdLst>
   <p:sldIdLst>
     <p:sldId id="256" r:id="rId2"/>
@@ -25,33 +25,34 @@
     <p:sldId id="270" r:id="rId16"/>
     <p:sldId id="271" r:id="rId17"/>
     <p:sldId id="272" r:id="rId18"/>
-    <p:sldId id="273" r:id="rId19"/>
-    <p:sldId id="274" r:id="rId20"/>
-    <p:sldId id="275" r:id="rId21"/>
-    <p:sldId id="276" r:id="rId22"/>
-    <p:sldId id="277" r:id="rId23"/>
-    <p:sldId id="278" r:id="rId24"/>
-    <p:sldId id="279" r:id="rId25"/>
-    <p:sldId id="280" r:id="rId26"/>
-    <p:sldId id="281" r:id="rId27"/>
-    <p:sldId id="282" r:id="rId28"/>
-    <p:sldId id="283" r:id="rId29"/>
-    <p:sldId id="284" r:id="rId30"/>
-    <p:sldId id="285" r:id="rId31"/>
-    <p:sldId id="286" r:id="rId32"/>
-    <p:sldId id="287" r:id="rId33"/>
-    <p:sldId id="288" r:id="rId34"/>
-    <p:sldId id="289" r:id="rId35"/>
+    <p:sldId id="279" r:id="rId19"/>
+    <p:sldId id="273" r:id="rId20"/>
+    <p:sldId id="274" r:id="rId21"/>
+    <p:sldId id="275" r:id="rId22"/>
+    <p:sldId id="276" r:id="rId23"/>
+    <p:sldId id="277" r:id="rId24"/>
+    <p:sldId id="278" r:id="rId25"/>
+    <p:sldId id="290" r:id="rId26"/>
+    <p:sldId id="280" r:id="rId27"/>
+    <p:sldId id="281" r:id="rId28"/>
+    <p:sldId id="282" r:id="rId29"/>
+    <p:sldId id="283" r:id="rId30"/>
+    <p:sldId id="284" r:id="rId31"/>
+    <p:sldId id="285" r:id="rId32"/>
+    <p:sldId id="286" r:id="rId33"/>
+    <p:sldId id="287" r:id="rId34"/>
+    <p:sldId id="288" r:id="rId35"/>
+    <p:sldId id="289" r:id="rId36"/>
   </p:sldIdLst>
   <p:sldSz cx="9144000" cy="5143500" type="screen16x9"/>
   <p:notesSz cx="6858000" cy="9144000"/>
   <p:embeddedFontLst>
     <p:embeddedFont>
       <p:font typeface="Roboto" panose="02000000000000000000" pitchFamily="2" charset="0"/>
-      <p:regular r:id="rId37"/>
-      <p:bold r:id="rId38"/>
-      <p:italic r:id="rId39"/>
-      <p:boldItalic r:id="rId40"/>
+      <p:regular r:id="rId38"/>
+      <p:bold r:id="rId39"/>
+      <p:italic r:id="rId40"/>
+      <p:boldItalic r:id="rId41"/>
     </p:embeddedFont>
   </p:embeddedFontLst>
   <p:defaultTextStyle>
@@ -305,8 +306,132 @@
 </p:presentation>
 </file>
 
+<file path=ppt/revisionInfo.xml><?xml version="1.0" encoding="utf-8"?>
+<p1510:revInfo xmlns:a="http://schemas.openxmlformats.org/drawingml/2006/main" xmlns:r="http://schemas.openxmlformats.org/officeDocument/2006/relationships" xmlns:p1510="http://schemas.microsoft.com/office/powerpoint/2015/10/main">
+  <p1510:revLst>
+    <p1510:client id="{EE2FC811-F246-4E28-936B-C5BA500BDF68}" v="2" dt="2024-10-01T23:22:51.549"/>
+  </p1510:revLst>
+</p1510:revInfo>
+</file>
+
 <file path=ppt/changesInfos/changesInfo1.xml><?xml version="1.0" encoding="utf-8"?>
 <pc:chgInfo xmlns:a="http://schemas.openxmlformats.org/drawingml/2006/main" xmlns:r="http://schemas.openxmlformats.org/officeDocument/2006/relationships" xmlns:ac="http://schemas.microsoft.com/office/drawing/2013/main/command" xmlns:pc="http://schemas.microsoft.com/office/powerpoint/2013/main/command">
+  <pc:docChgLst>
+    <pc:chgData name="Marcos Maillot" userId="fa14b39d-e966-4ebb-a436-4f96f84b9577" providerId="ADAL" clId="{EE2FC811-F246-4E28-936B-C5BA500BDF68}"/>
+    <pc:docChg chg="undo custSel addSld modSld sldOrd">
+      <pc:chgData name="Marcos Maillot" userId="fa14b39d-e966-4ebb-a436-4f96f84b9577" providerId="ADAL" clId="{EE2FC811-F246-4E28-936B-C5BA500BDF68}" dt="2024-10-01T23:23:19.274" v="36"/>
+      <pc:docMkLst>
+        <pc:docMk/>
+      </pc:docMkLst>
+      <pc:sldChg chg="modSp mod">
+        <pc:chgData name="Marcos Maillot" userId="fa14b39d-e966-4ebb-a436-4f96f84b9577" providerId="ADAL" clId="{EE2FC811-F246-4E28-936B-C5BA500BDF68}" dt="2024-10-01T16:27:37.771" v="3" actId="14100"/>
+        <pc:sldMkLst>
+          <pc:docMk/>
+          <pc:sldMk cId="0" sldId="263"/>
+        </pc:sldMkLst>
+        <pc:spChg chg="mod">
+          <ac:chgData name="Marcos Maillot" userId="fa14b39d-e966-4ebb-a436-4f96f84b9577" providerId="ADAL" clId="{EE2FC811-F246-4E28-936B-C5BA500BDF68}" dt="2024-10-01T16:27:37.771" v="3" actId="14100"/>
+          <ac:spMkLst>
+            <pc:docMk/>
+            <pc:sldMk cId="0" sldId="263"/>
+            <ac:spMk id="140" creationId="{00000000-0000-0000-0000-000000000000}"/>
+          </ac:spMkLst>
+        </pc:spChg>
+      </pc:sldChg>
+      <pc:sldChg chg="modSp mod">
+        <pc:chgData name="Marcos Maillot" userId="fa14b39d-e966-4ebb-a436-4f96f84b9577" providerId="ADAL" clId="{EE2FC811-F246-4E28-936B-C5BA500BDF68}" dt="2024-10-01T16:28:12.091" v="11" actId="5793"/>
+        <pc:sldMkLst>
+          <pc:docMk/>
+          <pc:sldMk cId="0" sldId="272"/>
+        </pc:sldMkLst>
+        <pc:spChg chg="mod">
+          <ac:chgData name="Marcos Maillot" userId="fa14b39d-e966-4ebb-a436-4f96f84b9577" providerId="ADAL" clId="{EE2FC811-F246-4E28-936B-C5BA500BDF68}" dt="2024-10-01T16:28:07.892" v="7" actId="5793"/>
+          <ac:spMkLst>
+            <pc:docMk/>
+            <pc:sldMk cId="0" sldId="272"/>
+            <ac:spMk id="237" creationId="{00000000-0000-0000-0000-000000000000}"/>
+          </ac:spMkLst>
+        </pc:spChg>
+        <pc:spChg chg="mod">
+          <ac:chgData name="Marcos Maillot" userId="fa14b39d-e966-4ebb-a436-4f96f84b9577" providerId="ADAL" clId="{EE2FC811-F246-4E28-936B-C5BA500BDF68}" dt="2024-10-01T16:28:12.091" v="11" actId="5793"/>
+          <ac:spMkLst>
+            <pc:docMk/>
+            <pc:sldMk cId="0" sldId="272"/>
+            <ac:spMk id="238" creationId="{00000000-0000-0000-0000-000000000000}"/>
+          </ac:spMkLst>
+        </pc:spChg>
+      </pc:sldChg>
+      <pc:sldChg chg="modSp mod">
+        <pc:chgData name="Marcos Maillot" userId="fa14b39d-e966-4ebb-a436-4f96f84b9577" providerId="ADAL" clId="{EE2FC811-F246-4E28-936B-C5BA500BDF68}" dt="2024-10-01T23:22:22.814" v="15" actId="27636"/>
+        <pc:sldMkLst>
+          <pc:docMk/>
+          <pc:sldMk cId="0" sldId="273"/>
+        </pc:sldMkLst>
+        <pc:spChg chg="mod">
+          <ac:chgData name="Marcos Maillot" userId="fa14b39d-e966-4ebb-a436-4f96f84b9577" providerId="ADAL" clId="{EE2FC811-F246-4E28-936B-C5BA500BDF68}" dt="2024-10-01T23:22:22.814" v="15" actId="27636"/>
+          <ac:spMkLst>
+            <pc:docMk/>
+            <pc:sldMk cId="0" sldId="273"/>
+            <ac:spMk id="246" creationId="{00000000-0000-0000-0000-000000000000}"/>
+          </ac:spMkLst>
+        </pc:spChg>
+      </pc:sldChg>
+      <pc:sldChg chg="ord">
+        <pc:chgData name="Marcos Maillot" userId="fa14b39d-e966-4ebb-a436-4f96f84b9577" providerId="ADAL" clId="{EE2FC811-F246-4E28-936B-C5BA500BDF68}" dt="2024-10-01T23:21:50.675" v="13"/>
+        <pc:sldMkLst>
+          <pc:docMk/>
+          <pc:sldMk cId="0" sldId="279"/>
+        </pc:sldMkLst>
+      </pc:sldChg>
+      <pc:sldChg chg="addSp delSp modSp add mod">
+        <pc:chgData name="Marcos Maillot" userId="fa14b39d-e966-4ebb-a436-4f96f84b9577" providerId="ADAL" clId="{EE2FC811-F246-4E28-936B-C5BA500BDF68}" dt="2024-10-01T23:23:19.274" v="36"/>
+        <pc:sldMkLst>
+          <pc:docMk/>
+          <pc:sldMk cId="2515468531" sldId="290"/>
+        </pc:sldMkLst>
+        <pc:spChg chg="mod">
+          <ac:chgData name="Marcos Maillot" userId="fa14b39d-e966-4ebb-a436-4f96f84b9577" providerId="ADAL" clId="{EE2FC811-F246-4E28-936B-C5BA500BDF68}" dt="2024-10-01T23:23:04.215" v="34" actId="1076"/>
+          <ac:spMkLst>
+            <pc:docMk/>
+            <pc:sldMk cId="2515468531" sldId="290"/>
+            <ac:spMk id="302" creationId="{00000000-0000-0000-0000-000000000000}"/>
+          </ac:spMkLst>
+        </pc:spChg>
+        <pc:spChg chg="mod">
+          <ac:chgData name="Marcos Maillot" userId="fa14b39d-e966-4ebb-a436-4f96f84b9577" providerId="ADAL" clId="{EE2FC811-F246-4E28-936B-C5BA500BDF68}" dt="2024-10-01T23:23:19.274" v="36"/>
+          <ac:spMkLst>
+            <pc:docMk/>
+            <pc:sldMk cId="2515468531" sldId="290"/>
+            <ac:spMk id="305" creationId="{00000000-0000-0000-0000-000000000000}"/>
+          </ac:spMkLst>
+        </pc:spChg>
+        <pc:picChg chg="add mod">
+          <ac:chgData name="Marcos Maillot" userId="fa14b39d-e966-4ebb-a436-4f96f84b9577" providerId="ADAL" clId="{EE2FC811-F246-4E28-936B-C5BA500BDF68}" dt="2024-10-01T23:23:01.878" v="33" actId="1076"/>
+          <ac:picMkLst>
+            <pc:docMk/>
+            <pc:sldMk cId="2515468531" sldId="290"/>
+            <ac:picMk id="2" creationId="{8EE2EC0A-B294-4082-D5F3-773F74E5542E}"/>
+          </ac:picMkLst>
+        </pc:picChg>
+        <pc:picChg chg="del">
+          <ac:chgData name="Marcos Maillot" userId="fa14b39d-e966-4ebb-a436-4f96f84b9577" providerId="ADAL" clId="{EE2FC811-F246-4E28-936B-C5BA500BDF68}" dt="2024-10-01T23:22:41.514" v="26" actId="478"/>
+          <ac:picMkLst>
+            <pc:docMk/>
+            <pc:sldMk cId="2515468531" sldId="290"/>
+            <ac:picMk id="303" creationId="{00000000-0000-0000-0000-000000000000}"/>
+          </ac:picMkLst>
+        </pc:picChg>
+        <pc:picChg chg="del">
+          <ac:chgData name="Marcos Maillot" userId="fa14b39d-e966-4ebb-a436-4f96f84b9577" providerId="ADAL" clId="{EE2FC811-F246-4E28-936B-C5BA500BDF68}" dt="2024-10-01T23:22:42.183" v="27" actId="478"/>
+          <ac:picMkLst>
+            <pc:docMk/>
+            <pc:sldMk cId="2515468531" sldId="290"/>
+            <ac:picMk id="304" creationId="{00000000-0000-0000-0000-000000000000}"/>
+          </ac:picMkLst>
+        </pc:picChg>
+      </pc:sldChg>
+    </pc:docChg>
+  </pc:docChgLst>
   <pc:docChgLst>
     <pc:chgData name="Marcos Maillot" userId="fa14b39d-e966-4ebb-a436-4f96f84b9577" providerId="ADAL" clId="{8ACB5DE9-95AA-4FA1-BB62-A7FBF6739BEF}"/>
     <pc:docChg chg="custSel modSld">
@@ -1884,8 +2009,8 @@
         </p:nvSpPr>
         <p:spPr>
           <a:xfrm>
-            <a:off x="1143225" y="685800"/>
-            <a:ext cx="4572225" cy="3429000"/>
+            <a:off x="381000" y="685800"/>
+            <a:ext cx="6096000" cy="3429000"/>
           </a:xfrm>
           <a:custGeom>
             <a:avLst/>
@@ -1922,6 +2047,110 @@
 </file>
 
 <file path=ppt/notesSlides/notesSlide18.xml><?xml version="1.0" encoding="utf-8"?>
+<p:notes xmlns:a="http://schemas.openxmlformats.org/drawingml/2006/main" xmlns:r="http://schemas.openxmlformats.org/officeDocument/2006/relationships" xmlns:p="http://schemas.openxmlformats.org/presentationml/2006/main" showMasterSp="0" showMasterPhAnim="0">
+  <p:cSld>
+    <p:spTree>
+      <p:nvGrpSpPr>
+        <p:cNvPr id="1" name="Shape 296"/>
+        <p:cNvGrpSpPr/>
+        <p:nvPr/>
+      </p:nvGrpSpPr>
+      <p:grpSpPr>
+        <a:xfrm>
+          <a:off x="0" y="0"/>
+          <a:ext cx="0" cy="0"/>
+          <a:chOff x="0" y="0"/>
+          <a:chExt cx="0" cy="0"/>
+        </a:xfrm>
+      </p:grpSpPr>
+      <p:sp>
+        <p:nvSpPr>
+          <p:cNvPr id="297" name="Google Shape;297;g21c03c1d1e6_1_187:notes"/>
+          <p:cNvSpPr txBox="1">
+            <a:spLocks noGrp="1"/>
+          </p:cNvSpPr>
+          <p:nvPr>
+            <p:ph type="body" idx="1"/>
+          </p:nvPr>
+        </p:nvSpPr>
+        <p:spPr>
+          <a:xfrm>
+            <a:off x="685800" y="4343400"/>
+            <a:ext cx="5486400" cy="4114800"/>
+          </a:xfrm>
+          <a:prstGeom prst="rect">
+            <a:avLst/>
+          </a:prstGeom>
+        </p:spPr>
+        <p:txBody>
+          <a:bodyPr spcFirstLastPara="1" wrap="square" lIns="91425" tIns="91425" rIns="91425" bIns="91425" anchor="t" anchorCtr="0">
+            <a:noAutofit/>
+          </a:bodyPr>
+          <a:lstStyle/>
+          <a:p>
+            <a:pPr marL="0" lvl="0" indent="0" algn="l" rtl="0">
+              <a:spcBef>
+                <a:spcPts val="0"/>
+              </a:spcBef>
+              <a:spcAft>
+                <a:spcPts val="0"/>
+              </a:spcAft>
+              <a:buNone/>
+            </a:pPr>
+            <a:endParaRPr/>
+          </a:p>
+        </p:txBody>
+      </p:sp>
+      <p:sp>
+        <p:nvSpPr>
+          <p:cNvPr id="298" name="Google Shape;298;g21c03c1d1e6_1_187:notes"/>
+          <p:cNvSpPr>
+            <a:spLocks noGrp="1" noRot="1" noChangeAspect="1"/>
+          </p:cNvSpPr>
+          <p:nvPr>
+            <p:ph type="sldImg" idx="2"/>
+          </p:nvPr>
+        </p:nvSpPr>
+        <p:spPr>
+          <a:xfrm>
+            <a:off x="381000" y="685800"/>
+            <a:ext cx="6096000" cy="3429000"/>
+          </a:xfrm>
+          <a:custGeom>
+            <a:avLst/>
+            <a:gdLst/>
+            <a:ahLst/>
+            <a:cxnLst/>
+            <a:rect l="l" t="t" r="r" b="b"/>
+            <a:pathLst>
+              <a:path w="120000" h="120000" extrusionOk="0">
+                <a:moveTo>
+                  <a:pt x="0" y="0"/>
+                </a:moveTo>
+                <a:lnTo>
+                  <a:pt x="120000" y="0"/>
+                </a:lnTo>
+                <a:lnTo>
+                  <a:pt x="120000" y="120000"/>
+                </a:lnTo>
+                <a:lnTo>
+                  <a:pt x="0" y="120000"/>
+                </a:lnTo>
+                <a:close/>
+              </a:path>
+            </a:pathLst>
+          </a:custGeom>
+        </p:spPr>
+      </p:sp>
+    </p:spTree>
+  </p:cSld>
+  <p:clrMapOvr>
+    <a:masterClrMapping/>
+  </p:clrMapOvr>
+</p:notes>
+</file>
+
+<file path=ppt/notesSlides/notesSlide19.xml><?xml version="1.0" encoding="utf-8"?>
 <p:notes xmlns:a="http://schemas.openxmlformats.org/drawingml/2006/main" xmlns:r="http://schemas.openxmlformats.org/officeDocument/2006/relationships" xmlns:p="http://schemas.openxmlformats.org/presentationml/2006/main" showMasterSp="0" showMasterPhAnim="0">
   <p:cSld>
     <p:spTree>
@@ -1988,112 +2217,8 @@
         </p:nvSpPr>
         <p:spPr>
           <a:xfrm>
-            <a:off x="1143225" y="685800"/>
-            <a:ext cx="4572225" cy="3429000"/>
-          </a:xfrm>
-          <a:custGeom>
-            <a:avLst/>
-            <a:gdLst/>
-            <a:ahLst/>
-            <a:cxnLst/>
-            <a:rect l="l" t="t" r="r" b="b"/>
-            <a:pathLst>
-              <a:path w="120000" h="120000" extrusionOk="0">
-                <a:moveTo>
-                  <a:pt x="0" y="0"/>
-                </a:moveTo>
-                <a:lnTo>
-                  <a:pt x="120000" y="0"/>
-                </a:lnTo>
-                <a:lnTo>
-                  <a:pt x="120000" y="120000"/>
-                </a:lnTo>
-                <a:lnTo>
-                  <a:pt x="0" y="120000"/>
-                </a:lnTo>
-                <a:close/>
-              </a:path>
-            </a:pathLst>
-          </a:custGeom>
-        </p:spPr>
-      </p:sp>
-    </p:spTree>
-  </p:cSld>
-  <p:clrMapOvr>
-    <a:masterClrMapping/>
-  </p:clrMapOvr>
-</p:notes>
-</file>
-
-<file path=ppt/notesSlides/notesSlide19.xml><?xml version="1.0" encoding="utf-8"?>
-<p:notes xmlns:a="http://schemas.openxmlformats.org/drawingml/2006/main" xmlns:r="http://schemas.openxmlformats.org/officeDocument/2006/relationships" xmlns:p="http://schemas.openxmlformats.org/presentationml/2006/main" showMasterSp="0" showMasterPhAnim="0">
-  <p:cSld>
-    <p:spTree>
-      <p:nvGrpSpPr>
-        <p:cNvPr id="1" name="Shape 247"/>
-        <p:cNvGrpSpPr/>
-        <p:nvPr/>
-      </p:nvGrpSpPr>
-      <p:grpSpPr>
-        <a:xfrm>
-          <a:off x="0" y="0"/>
-          <a:ext cx="0" cy="0"/>
-          <a:chOff x="0" y="0"/>
-          <a:chExt cx="0" cy="0"/>
-        </a:xfrm>
-      </p:grpSpPr>
-      <p:sp>
-        <p:nvSpPr>
-          <p:cNvPr id="248" name="Google Shape;248;g21c03c1d1e6_1_145:notes"/>
-          <p:cNvSpPr txBox="1">
-            <a:spLocks noGrp="1"/>
-          </p:cNvSpPr>
-          <p:nvPr>
-            <p:ph type="body" idx="1"/>
-          </p:nvPr>
-        </p:nvSpPr>
-        <p:spPr>
-          <a:xfrm>
-            <a:off x="685800" y="4343400"/>
-            <a:ext cx="5486400" cy="4114800"/>
-          </a:xfrm>
-          <a:prstGeom prst="rect">
-            <a:avLst/>
-          </a:prstGeom>
-        </p:spPr>
-        <p:txBody>
-          <a:bodyPr spcFirstLastPara="1" wrap="square" lIns="91425" tIns="91425" rIns="91425" bIns="91425" anchor="t" anchorCtr="0">
-            <a:noAutofit/>
-          </a:bodyPr>
-          <a:lstStyle/>
-          <a:p>
-            <a:pPr marL="0" lvl="0" indent="0" algn="l" rtl="0">
-              <a:spcBef>
-                <a:spcPts val="0"/>
-              </a:spcBef>
-              <a:spcAft>
-                <a:spcPts val="0"/>
-              </a:spcAft>
-              <a:buNone/>
-            </a:pPr>
-            <a:endParaRPr/>
-          </a:p>
-        </p:txBody>
-      </p:sp>
-      <p:sp>
-        <p:nvSpPr>
-          <p:cNvPr id="249" name="Google Shape;249;g21c03c1d1e6_1_145:notes"/>
-          <p:cNvSpPr>
-            <a:spLocks noGrp="1" noRot="1" noChangeAspect="1"/>
-          </p:cNvSpPr>
-          <p:nvPr>
-            <p:ph type="sldImg" idx="2"/>
-          </p:nvPr>
-        </p:nvSpPr>
-        <p:spPr>
-          <a:xfrm>
-            <a:off x="1143225" y="685800"/>
-            <a:ext cx="4572225" cy="3429000"/>
+            <a:off x="381000" y="685800"/>
+            <a:ext cx="6096000" cy="3429000"/>
           </a:xfrm>
           <a:custGeom>
             <a:avLst/>
@@ -2256,7 +2381,7 @@
   <p:cSld>
     <p:spTree>
       <p:nvGrpSpPr>
-        <p:cNvPr id="1" name="Shape 255"/>
+        <p:cNvPr id="1" name="Shape 247"/>
         <p:cNvGrpSpPr/>
         <p:nvPr/>
       </p:nvGrpSpPr>
@@ -2270,7 +2395,7 @@
       </p:grpSpPr>
       <p:sp>
         <p:nvSpPr>
-          <p:cNvPr id="256" name="Google Shape;256;g21c03c1d1e6_1_151:notes"/>
+          <p:cNvPr id="248" name="Google Shape;248;g21c03c1d1e6_1_145:notes"/>
           <p:cNvSpPr txBox="1">
             <a:spLocks noGrp="1"/>
           </p:cNvSpPr>
@@ -2308,7 +2433,7 @@
       </p:sp>
       <p:sp>
         <p:nvSpPr>
-          <p:cNvPr id="257" name="Google Shape;257;g21c03c1d1e6_1_151:notes"/>
+          <p:cNvPr id="249" name="Google Shape;249;g21c03c1d1e6_1_145:notes"/>
           <p:cNvSpPr>
             <a:spLocks noGrp="1" noRot="1" noChangeAspect="1"/>
           </p:cNvSpPr>
@@ -2356,6 +2481,110 @@
 </file>
 
 <file path=ppt/notesSlides/notesSlide21.xml><?xml version="1.0" encoding="utf-8"?>
+<p:notes xmlns:a="http://schemas.openxmlformats.org/drawingml/2006/main" xmlns:r="http://schemas.openxmlformats.org/officeDocument/2006/relationships" xmlns:p="http://schemas.openxmlformats.org/presentationml/2006/main" showMasterSp="0" showMasterPhAnim="0">
+  <p:cSld>
+    <p:spTree>
+      <p:nvGrpSpPr>
+        <p:cNvPr id="1" name="Shape 255"/>
+        <p:cNvGrpSpPr/>
+        <p:nvPr/>
+      </p:nvGrpSpPr>
+      <p:grpSpPr>
+        <a:xfrm>
+          <a:off x="0" y="0"/>
+          <a:ext cx="0" cy="0"/>
+          <a:chOff x="0" y="0"/>
+          <a:chExt cx="0" cy="0"/>
+        </a:xfrm>
+      </p:grpSpPr>
+      <p:sp>
+        <p:nvSpPr>
+          <p:cNvPr id="256" name="Google Shape;256;g21c03c1d1e6_1_151:notes"/>
+          <p:cNvSpPr txBox="1">
+            <a:spLocks noGrp="1"/>
+          </p:cNvSpPr>
+          <p:nvPr>
+            <p:ph type="body" idx="1"/>
+          </p:nvPr>
+        </p:nvSpPr>
+        <p:spPr>
+          <a:xfrm>
+            <a:off x="685800" y="4343400"/>
+            <a:ext cx="5486400" cy="4114800"/>
+          </a:xfrm>
+          <a:prstGeom prst="rect">
+            <a:avLst/>
+          </a:prstGeom>
+        </p:spPr>
+        <p:txBody>
+          <a:bodyPr spcFirstLastPara="1" wrap="square" lIns="91425" tIns="91425" rIns="91425" bIns="91425" anchor="t" anchorCtr="0">
+            <a:noAutofit/>
+          </a:bodyPr>
+          <a:lstStyle/>
+          <a:p>
+            <a:pPr marL="0" lvl="0" indent="0" algn="l" rtl="0">
+              <a:spcBef>
+                <a:spcPts val="0"/>
+              </a:spcBef>
+              <a:spcAft>
+                <a:spcPts val="0"/>
+              </a:spcAft>
+              <a:buNone/>
+            </a:pPr>
+            <a:endParaRPr/>
+          </a:p>
+        </p:txBody>
+      </p:sp>
+      <p:sp>
+        <p:nvSpPr>
+          <p:cNvPr id="257" name="Google Shape;257;g21c03c1d1e6_1_151:notes"/>
+          <p:cNvSpPr>
+            <a:spLocks noGrp="1" noRot="1" noChangeAspect="1"/>
+          </p:cNvSpPr>
+          <p:nvPr>
+            <p:ph type="sldImg" idx="2"/>
+          </p:nvPr>
+        </p:nvSpPr>
+        <p:spPr>
+          <a:xfrm>
+            <a:off x="1143225" y="685800"/>
+            <a:ext cx="4572225" cy="3429000"/>
+          </a:xfrm>
+          <a:custGeom>
+            <a:avLst/>
+            <a:gdLst/>
+            <a:ahLst/>
+            <a:cxnLst/>
+            <a:rect l="l" t="t" r="r" b="b"/>
+            <a:pathLst>
+              <a:path w="120000" h="120000" extrusionOk="0">
+                <a:moveTo>
+                  <a:pt x="0" y="0"/>
+                </a:moveTo>
+                <a:lnTo>
+                  <a:pt x="120000" y="0"/>
+                </a:lnTo>
+                <a:lnTo>
+                  <a:pt x="120000" y="120000"/>
+                </a:lnTo>
+                <a:lnTo>
+                  <a:pt x="0" y="120000"/>
+                </a:lnTo>
+                <a:close/>
+              </a:path>
+            </a:pathLst>
+          </a:custGeom>
+        </p:spPr>
+      </p:sp>
+    </p:spTree>
+  </p:cSld>
+  <p:clrMapOvr>
+    <a:masterClrMapping/>
+  </p:clrMapOvr>
+</p:notes>
+</file>
+
+<file path=ppt/notesSlides/notesSlide22.xml><?xml version="1.0" encoding="utf-8"?>
 <p:notes xmlns:a="http://schemas.openxmlformats.org/drawingml/2006/main" xmlns:r="http://schemas.openxmlformats.org/officeDocument/2006/relationships" xmlns:p="http://schemas.openxmlformats.org/presentationml/2006/main" showMasterSp="0" showMasterPhAnim="0">
   <p:cSld>
     <p:spTree>
@@ -2459,7 +2688,7 @@
 </p:notes>
 </file>
 
-<file path=ppt/notesSlides/notesSlide22.xml><?xml version="1.0" encoding="utf-8"?>
+<file path=ppt/notesSlides/notesSlide23.xml><?xml version="1.0" encoding="utf-8"?>
 <p:notes xmlns:a="http://schemas.openxmlformats.org/drawingml/2006/main" xmlns:r="http://schemas.openxmlformats.org/officeDocument/2006/relationships" xmlns:p="http://schemas.openxmlformats.org/presentationml/2006/main" showMasterSp="0" showMasterPhAnim="0">
   <p:cSld>
     <p:spTree>
@@ -2563,7 +2792,7 @@
 </p:notes>
 </file>
 
-<file path=ppt/notesSlides/notesSlide23.xml><?xml version="1.0" encoding="utf-8"?>
+<file path=ppt/notesSlides/notesSlide24.xml><?xml version="1.0" encoding="utf-8"?>
 <p:notes xmlns:a="http://schemas.openxmlformats.org/drawingml/2006/main" xmlns:r="http://schemas.openxmlformats.org/officeDocument/2006/relationships" xmlns:p="http://schemas.openxmlformats.org/presentationml/2006/main" showMasterSp="0" showMasterPhAnim="0">
   <p:cSld>
     <p:spTree>
@@ -2667,7 +2896,7 @@
 </p:notes>
 </file>
 
-<file path=ppt/notesSlides/notesSlide24.xml><?xml version="1.0" encoding="utf-8"?>
+<file path=ppt/notesSlides/notesSlide25.xml><?xml version="1.0" encoding="utf-8"?>
 <p:notes xmlns:a="http://schemas.openxmlformats.org/drawingml/2006/main" xmlns:r="http://schemas.openxmlformats.org/officeDocument/2006/relationships" xmlns:p="http://schemas.openxmlformats.org/presentationml/2006/main" showMasterSp="0" showMasterPhAnim="0">
   <p:cSld>
     <p:spTree>
@@ -2764,6 +2993,11 @@
         </p:spPr>
       </p:sp>
     </p:spTree>
+    <p:extLst>
+      <p:ext uri="{BB962C8B-B14F-4D97-AF65-F5344CB8AC3E}">
+        <p14:creationId xmlns:p14="http://schemas.microsoft.com/office/powerpoint/2010/main" val="1551990216"/>
+      </p:ext>
+    </p:extLst>
   </p:cSld>
   <p:clrMapOvr>
     <a:masterClrMapping/>
@@ -2771,7 +3005,7 @@
 </p:notes>
 </file>
 
-<file path=ppt/notesSlides/notesSlide25.xml><?xml version="1.0" encoding="utf-8"?>
+<file path=ppt/notesSlides/notesSlide26.xml><?xml version="1.0" encoding="utf-8"?>
 <p:notes xmlns:a="http://schemas.openxmlformats.org/drawingml/2006/main" xmlns:r="http://schemas.openxmlformats.org/officeDocument/2006/relationships" xmlns:p="http://schemas.openxmlformats.org/presentationml/2006/main" showMasterSp="0" showMasterPhAnim="0">
   <p:cSld>
     <p:spTree>
@@ -2875,7 +3109,7 @@
 </p:notes>
 </file>
 
-<file path=ppt/notesSlides/notesSlide26.xml><?xml version="1.0" encoding="utf-8"?>
+<file path=ppt/notesSlides/notesSlide27.xml><?xml version="1.0" encoding="utf-8"?>
 <p:notes xmlns:a="http://schemas.openxmlformats.org/drawingml/2006/main" xmlns:r="http://schemas.openxmlformats.org/officeDocument/2006/relationships" xmlns:p="http://schemas.openxmlformats.org/presentationml/2006/main" showMasterSp="0" showMasterPhAnim="0">
   <p:cSld>
     <p:spTree>
@@ -2979,7 +3213,7 @@
 </p:notes>
 </file>
 
-<file path=ppt/notesSlides/notesSlide27.xml><?xml version="1.0" encoding="utf-8"?>
+<file path=ppt/notesSlides/notesSlide28.xml><?xml version="1.0" encoding="utf-8"?>
 <p:notes xmlns:a="http://schemas.openxmlformats.org/drawingml/2006/main" xmlns:r="http://schemas.openxmlformats.org/officeDocument/2006/relationships" xmlns:p="http://schemas.openxmlformats.org/presentationml/2006/main" showMasterSp="0" showMasterPhAnim="0">
   <p:cSld>
     <p:spTree>
@@ -3083,7 +3317,7 @@
 </p:notes>
 </file>
 
-<file path=ppt/notesSlides/notesSlide28.xml><?xml version="1.0" encoding="utf-8"?>
+<file path=ppt/notesSlides/notesSlide29.xml><?xml version="1.0" encoding="utf-8"?>
 <p:notes xmlns:a="http://schemas.openxmlformats.org/drawingml/2006/main" xmlns:r="http://schemas.openxmlformats.org/officeDocument/2006/relationships" xmlns:p="http://schemas.openxmlformats.org/presentationml/2006/main" showMasterSp="0" showMasterPhAnim="0">
   <p:cSld>
     <p:spTree>
@@ -3141,110 +3375,6 @@
       <p:sp>
         <p:nvSpPr>
           <p:cNvPr id="336" name="Google Shape;336;g21c03c1d1e6_1_219:notes"/>
-          <p:cNvSpPr>
-            <a:spLocks noGrp="1" noRot="1" noChangeAspect="1"/>
-          </p:cNvSpPr>
-          <p:nvPr>
-            <p:ph type="sldImg" idx="2"/>
-          </p:nvPr>
-        </p:nvSpPr>
-        <p:spPr>
-          <a:xfrm>
-            <a:off x="1143225" y="685800"/>
-            <a:ext cx="4572225" cy="3429000"/>
-          </a:xfrm>
-          <a:custGeom>
-            <a:avLst/>
-            <a:gdLst/>
-            <a:ahLst/>
-            <a:cxnLst/>
-            <a:rect l="l" t="t" r="r" b="b"/>
-            <a:pathLst>
-              <a:path w="120000" h="120000" extrusionOk="0">
-                <a:moveTo>
-                  <a:pt x="0" y="0"/>
-                </a:moveTo>
-                <a:lnTo>
-                  <a:pt x="120000" y="0"/>
-                </a:lnTo>
-                <a:lnTo>
-                  <a:pt x="120000" y="120000"/>
-                </a:lnTo>
-                <a:lnTo>
-                  <a:pt x="0" y="120000"/>
-                </a:lnTo>
-                <a:close/>
-              </a:path>
-            </a:pathLst>
-          </a:custGeom>
-        </p:spPr>
-      </p:sp>
-    </p:spTree>
-  </p:cSld>
-  <p:clrMapOvr>
-    <a:masterClrMapping/>
-  </p:clrMapOvr>
-</p:notes>
-</file>
-
-<file path=ppt/notesSlides/notesSlide29.xml><?xml version="1.0" encoding="utf-8"?>
-<p:notes xmlns:a="http://schemas.openxmlformats.org/drawingml/2006/main" xmlns:r="http://schemas.openxmlformats.org/officeDocument/2006/relationships" xmlns:p="http://schemas.openxmlformats.org/presentationml/2006/main" showMasterSp="0" showMasterPhAnim="0">
-  <p:cSld>
-    <p:spTree>
-      <p:nvGrpSpPr>
-        <p:cNvPr id="1" name="Shape 346"/>
-        <p:cNvGrpSpPr/>
-        <p:nvPr/>
-      </p:nvGrpSpPr>
-      <p:grpSpPr>
-        <a:xfrm>
-          <a:off x="0" y="0"/>
-          <a:ext cx="0" cy="0"/>
-          <a:chOff x="0" y="0"/>
-          <a:chExt cx="0" cy="0"/>
-        </a:xfrm>
-      </p:grpSpPr>
-      <p:sp>
-        <p:nvSpPr>
-          <p:cNvPr id="347" name="Google Shape;347;g21c03c1d1e6_1_229:notes"/>
-          <p:cNvSpPr txBox="1">
-            <a:spLocks noGrp="1"/>
-          </p:cNvSpPr>
-          <p:nvPr>
-            <p:ph type="body" idx="1"/>
-          </p:nvPr>
-        </p:nvSpPr>
-        <p:spPr>
-          <a:xfrm>
-            <a:off x="685800" y="4343400"/>
-            <a:ext cx="5486400" cy="4114800"/>
-          </a:xfrm>
-          <a:prstGeom prst="rect">
-            <a:avLst/>
-          </a:prstGeom>
-        </p:spPr>
-        <p:txBody>
-          <a:bodyPr spcFirstLastPara="1" wrap="square" lIns="91425" tIns="91425" rIns="91425" bIns="91425" anchor="t" anchorCtr="0">
-            <a:noAutofit/>
-          </a:bodyPr>
-          <a:lstStyle/>
-          <a:p>
-            <a:pPr marL="0" lvl="0" indent="0" algn="l" rtl="0">
-              <a:spcBef>
-                <a:spcPts val="0"/>
-              </a:spcBef>
-              <a:spcAft>
-                <a:spcPts val="0"/>
-              </a:spcAft>
-              <a:buNone/>
-            </a:pPr>
-            <a:endParaRPr/>
-          </a:p>
-        </p:txBody>
-      </p:sp>
-      <p:sp>
-        <p:nvSpPr>
-          <p:cNvPr id="348" name="Google Shape;348;g21c03c1d1e6_1_229:notes"/>
           <p:cNvSpPr>
             <a:spLocks noGrp="1" noRot="1" noChangeAspect="1"/>
           </p:cNvSpPr>
@@ -3400,7 +3530,7 @@
   <p:cSld>
     <p:spTree>
       <p:nvGrpSpPr>
-        <p:cNvPr id="1" name="Shape 363"/>
+        <p:cNvPr id="1" name="Shape 346"/>
         <p:cNvGrpSpPr/>
         <p:nvPr/>
       </p:nvGrpSpPr>
@@ -3414,7 +3544,7 @@
       </p:grpSpPr>
       <p:sp>
         <p:nvSpPr>
-          <p:cNvPr id="364" name="Google Shape;364;g21c03c1d1e6_1_244:notes"/>
+          <p:cNvPr id="347" name="Google Shape;347;g21c03c1d1e6_1_229:notes"/>
           <p:cNvSpPr txBox="1">
             <a:spLocks noGrp="1"/>
           </p:cNvSpPr>
@@ -3452,7 +3582,7 @@
       </p:sp>
       <p:sp>
         <p:nvSpPr>
-          <p:cNvPr id="365" name="Google Shape;365;g21c03c1d1e6_1_244:notes"/>
+          <p:cNvPr id="348" name="Google Shape;348;g21c03c1d1e6_1_229:notes"/>
           <p:cNvSpPr>
             <a:spLocks noGrp="1" noRot="1" noChangeAspect="1"/>
           </p:cNvSpPr>
@@ -3500,6 +3630,110 @@
 </file>
 
 <file path=ppt/notesSlides/notesSlide31.xml><?xml version="1.0" encoding="utf-8"?>
+<p:notes xmlns:a="http://schemas.openxmlformats.org/drawingml/2006/main" xmlns:r="http://schemas.openxmlformats.org/officeDocument/2006/relationships" xmlns:p="http://schemas.openxmlformats.org/presentationml/2006/main" showMasterSp="0" showMasterPhAnim="0">
+  <p:cSld>
+    <p:spTree>
+      <p:nvGrpSpPr>
+        <p:cNvPr id="1" name="Shape 363"/>
+        <p:cNvGrpSpPr/>
+        <p:nvPr/>
+      </p:nvGrpSpPr>
+      <p:grpSpPr>
+        <a:xfrm>
+          <a:off x="0" y="0"/>
+          <a:ext cx="0" cy="0"/>
+          <a:chOff x="0" y="0"/>
+          <a:chExt cx="0" cy="0"/>
+        </a:xfrm>
+      </p:grpSpPr>
+      <p:sp>
+        <p:nvSpPr>
+          <p:cNvPr id="364" name="Google Shape;364;g21c03c1d1e6_1_244:notes"/>
+          <p:cNvSpPr txBox="1">
+            <a:spLocks noGrp="1"/>
+          </p:cNvSpPr>
+          <p:nvPr>
+            <p:ph type="body" idx="1"/>
+          </p:nvPr>
+        </p:nvSpPr>
+        <p:spPr>
+          <a:xfrm>
+            <a:off x="685800" y="4343400"/>
+            <a:ext cx="5486400" cy="4114800"/>
+          </a:xfrm>
+          <a:prstGeom prst="rect">
+            <a:avLst/>
+          </a:prstGeom>
+        </p:spPr>
+        <p:txBody>
+          <a:bodyPr spcFirstLastPara="1" wrap="square" lIns="91425" tIns="91425" rIns="91425" bIns="91425" anchor="t" anchorCtr="0">
+            <a:noAutofit/>
+          </a:bodyPr>
+          <a:lstStyle/>
+          <a:p>
+            <a:pPr marL="0" lvl="0" indent="0" algn="l" rtl="0">
+              <a:spcBef>
+                <a:spcPts val="0"/>
+              </a:spcBef>
+              <a:spcAft>
+                <a:spcPts val="0"/>
+              </a:spcAft>
+              <a:buNone/>
+            </a:pPr>
+            <a:endParaRPr/>
+          </a:p>
+        </p:txBody>
+      </p:sp>
+      <p:sp>
+        <p:nvSpPr>
+          <p:cNvPr id="365" name="Google Shape;365;g21c03c1d1e6_1_244:notes"/>
+          <p:cNvSpPr>
+            <a:spLocks noGrp="1" noRot="1" noChangeAspect="1"/>
+          </p:cNvSpPr>
+          <p:nvPr>
+            <p:ph type="sldImg" idx="2"/>
+          </p:nvPr>
+        </p:nvSpPr>
+        <p:spPr>
+          <a:xfrm>
+            <a:off x="1143225" y="685800"/>
+            <a:ext cx="4572225" cy="3429000"/>
+          </a:xfrm>
+          <a:custGeom>
+            <a:avLst/>
+            <a:gdLst/>
+            <a:ahLst/>
+            <a:cxnLst/>
+            <a:rect l="l" t="t" r="r" b="b"/>
+            <a:pathLst>
+              <a:path w="120000" h="120000" extrusionOk="0">
+                <a:moveTo>
+                  <a:pt x="0" y="0"/>
+                </a:moveTo>
+                <a:lnTo>
+                  <a:pt x="120000" y="0"/>
+                </a:lnTo>
+                <a:lnTo>
+                  <a:pt x="120000" y="120000"/>
+                </a:lnTo>
+                <a:lnTo>
+                  <a:pt x="0" y="120000"/>
+                </a:lnTo>
+                <a:close/>
+              </a:path>
+            </a:pathLst>
+          </a:custGeom>
+        </p:spPr>
+      </p:sp>
+    </p:spTree>
+  </p:cSld>
+  <p:clrMapOvr>
+    <a:masterClrMapping/>
+  </p:clrMapOvr>
+</p:notes>
+</file>
+
+<file path=ppt/notesSlides/notesSlide32.xml><?xml version="1.0" encoding="utf-8"?>
 <p:notes xmlns:a="http://schemas.openxmlformats.org/drawingml/2006/main" xmlns:r="http://schemas.openxmlformats.org/officeDocument/2006/relationships" xmlns:p="http://schemas.openxmlformats.org/presentationml/2006/main" showMasterSp="0" showMasterPhAnim="0">
   <p:cSld>
     <p:spTree>
@@ -3603,7 +3837,7 @@
 </p:notes>
 </file>
 
-<file path=ppt/notesSlides/notesSlide32.xml><?xml version="1.0" encoding="utf-8"?>
+<file path=ppt/notesSlides/notesSlide33.xml><?xml version="1.0" encoding="utf-8"?>
 <p:notes xmlns:a="http://schemas.openxmlformats.org/drawingml/2006/main" xmlns:r="http://schemas.openxmlformats.org/officeDocument/2006/relationships" xmlns:p="http://schemas.openxmlformats.org/presentationml/2006/main" showMasterSp="0" showMasterPhAnim="0">
   <p:cSld>
     <p:spTree>
@@ -3707,7 +3941,7 @@
 </p:notes>
 </file>
 
-<file path=ppt/notesSlides/notesSlide33.xml><?xml version="1.0" encoding="utf-8"?>
+<file path=ppt/notesSlides/notesSlide34.xml><?xml version="1.0" encoding="utf-8"?>
 <p:notes xmlns:a="http://schemas.openxmlformats.org/drawingml/2006/main" xmlns:r="http://schemas.openxmlformats.org/officeDocument/2006/relationships" xmlns:p="http://schemas.openxmlformats.org/presentationml/2006/main" showMasterSp="0" showMasterPhAnim="0">
   <p:cSld>
     <p:spTree>
@@ -3811,7 +4045,7 @@
 </p:notes>
 </file>
 
-<file path=ppt/notesSlides/notesSlide34.xml><?xml version="1.0" encoding="utf-8"?>
+<file path=ppt/notesSlides/notesSlide35.xml><?xml version="1.0" encoding="utf-8"?>
 <p:notes xmlns:a="http://schemas.openxmlformats.org/drawingml/2006/main" xmlns:r="http://schemas.openxmlformats.org/officeDocument/2006/relationships" xmlns:p="http://schemas.openxmlformats.org/presentationml/2006/main" showMasterSp="0" showMasterPhAnim="0">
   <p:cSld>
     <p:spTree>
@@ -4398,8 +4632,8 @@
         </p:nvSpPr>
         <p:spPr>
           <a:xfrm>
-            <a:off x="1143225" y="685800"/>
-            <a:ext cx="4572225" cy="3429000"/>
+            <a:off x="381000" y="685800"/>
+            <a:ext cx="6096000" cy="3429000"/>
           </a:xfrm>
           <a:custGeom>
             <a:avLst/>
@@ -20181,7 +20415,7 @@
               <a:buNone/>
             </a:pPr>
             <a:r>
-              <a:rPr lang="en" sz="2100" b="1">
+              <a:rPr lang="en" sz="2100" b="1" dirty="0">
                 <a:solidFill>
                   <a:srgbClr val="FF0000"/>
                 </a:solidFill>
@@ -20190,9 +20424,33 @@
                 <a:cs typeface="Twentieth Century"/>
                 <a:sym typeface="Twentieth Century"/>
               </a:rPr>
-              <a:t>Vanishing gradient 🡪  pérdida de aportes de long-term states</a:t>
+              <a:t>Vanishing gradient </a:t>
             </a:r>
-            <a:endParaRPr sz="2100" b="1">
+            <a:r>
+              <a:rPr lang="en" sz="2100" b="1" dirty="0">
+                <a:solidFill>
+                  <a:srgbClr val="FF0000"/>
+                </a:solidFill>
+                <a:latin typeface="Twentieth Century"/>
+                <a:ea typeface="Twentieth Century"/>
+                <a:cs typeface="Twentieth Century"/>
+                <a:sym typeface="Wingdings" panose="05000000000000000000" pitchFamily="2" charset="2"/>
+              </a:rPr>
+              <a:t></a:t>
+            </a:r>
+            <a:r>
+              <a:rPr lang="en" sz="2100" b="1" dirty="0">
+                <a:solidFill>
+                  <a:srgbClr val="FF0000"/>
+                </a:solidFill>
+                <a:latin typeface="Twentieth Century"/>
+                <a:ea typeface="Twentieth Century"/>
+                <a:cs typeface="Twentieth Century"/>
+                <a:sym typeface="Twentieth Century"/>
+              </a:rPr>
+              <a:t>  pérdida de aportes de long-term states</a:t>
+            </a:r>
+            <a:endParaRPr sz="2100" b="1" dirty="0">
               <a:solidFill>
                 <a:srgbClr val="FF0000"/>
               </a:solidFill>
@@ -20213,7 +20471,7 @@
               <a:buNone/>
             </a:pPr>
             <a:r>
-              <a:rPr lang="en" sz="2100" b="1">
+              <a:rPr lang="en" sz="2100" b="1" dirty="0">
                 <a:solidFill>
                   <a:srgbClr val="FF0000"/>
                 </a:solidFill>
@@ -20224,7 +20482,7 @@
               </a:rPr>
               <a:t>(gradientes próximos a cero)</a:t>
             </a:r>
-            <a:endParaRPr sz="2100" b="1">
+            <a:endParaRPr sz="2100" b="1" dirty="0">
               <a:solidFill>
                 <a:srgbClr val="FF0000"/>
               </a:solidFill>
@@ -20271,7 +20529,7 @@
               <a:buNone/>
             </a:pPr>
             <a:r>
-              <a:rPr lang="en" sz="2100" b="1">
+              <a:rPr lang="en" sz="2100" b="1" dirty="0">
                 <a:solidFill>
                   <a:srgbClr val="FF0000"/>
                 </a:solidFill>
@@ -20280,9 +20538,33 @@
                 <a:cs typeface="Twentieth Century"/>
                 <a:sym typeface="Twentieth Century"/>
               </a:rPr>
-              <a:t> Exploding gradient 🡪 se soluciona con clipping gradient</a:t>
+              <a:t> Exploding gradient </a:t>
             </a:r>
-            <a:endParaRPr sz="2100" b="1">
+            <a:r>
+              <a:rPr lang="en" sz="2100" b="1" dirty="0">
+                <a:solidFill>
+                  <a:srgbClr val="FF0000"/>
+                </a:solidFill>
+                <a:latin typeface="Twentieth Century"/>
+                <a:ea typeface="Twentieth Century"/>
+                <a:cs typeface="Twentieth Century"/>
+                <a:sym typeface="Wingdings" panose="05000000000000000000" pitchFamily="2" charset="2"/>
+              </a:rPr>
+              <a:t></a:t>
+            </a:r>
+            <a:r>
+              <a:rPr lang="en" sz="2100" b="1" dirty="0">
+                <a:solidFill>
+                  <a:srgbClr val="FF0000"/>
+                </a:solidFill>
+                <a:latin typeface="Twentieth Century"/>
+                <a:ea typeface="Twentieth Century"/>
+                <a:cs typeface="Twentieth Century"/>
+                <a:sym typeface="Twentieth Century"/>
+              </a:rPr>
+              <a:t> se soluciona con clipping gradient</a:t>
+            </a:r>
+            <a:endParaRPr sz="2100" b="1" dirty="0">
               <a:solidFill>
                 <a:srgbClr val="FF0000"/>
               </a:solidFill>
@@ -20303,7 +20585,7 @@
               <a:buNone/>
             </a:pPr>
             <a:r>
-              <a:rPr lang="en" sz="2100" b="1">
+              <a:rPr lang="en" sz="2100" b="1" dirty="0">
                 <a:solidFill>
                   <a:srgbClr val="FF0000"/>
                 </a:solidFill>
@@ -20314,7 +20596,7 @@
               </a:rPr>
               <a:t>(gradientes mayores a 1)</a:t>
             </a:r>
-            <a:endParaRPr sz="2100" b="1">
+            <a:endParaRPr sz="2100" b="1" dirty="0">
               <a:solidFill>
                 <a:srgbClr val="FF0000"/>
               </a:solidFill>
@@ -20427,2428 +20709,6 @@
 </file>
 
 <file path=ppt/slides/slide18.xml><?xml version="1.0" encoding="utf-8"?>
-<p:sld xmlns:a="http://schemas.openxmlformats.org/drawingml/2006/main" xmlns:r="http://schemas.openxmlformats.org/officeDocument/2006/relationships" xmlns:p="http://schemas.openxmlformats.org/presentationml/2006/main">
-  <p:cSld>
-    <p:spTree>
-      <p:nvGrpSpPr>
-        <p:cNvPr id="1" name="Shape 244"/>
-        <p:cNvGrpSpPr/>
-        <p:nvPr/>
-      </p:nvGrpSpPr>
-      <p:grpSpPr>
-        <a:xfrm>
-          <a:off x="0" y="0"/>
-          <a:ext cx="0" cy="0"/>
-          <a:chOff x="0" y="0"/>
-          <a:chExt cx="0" cy="0"/>
-        </a:xfrm>
-      </p:grpSpPr>
-      <p:pic>
-        <p:nvPicPr>
-          <p:cNvPr id="245" name="Google Shape;245;g21c03c1d1e6_1_140"/>
-          <p:cNvPicPr preferRelativeResize="0"/>
-          <p:nvPr/>
-        </p:nvPicPr>
-        <p:blipFill rotWithShape="1">
-          <a:blip r:embed="rId3">
-            <a:alphaModFix/>
-          </a:blip>
-          <a:srcRect/>
-          <a:stretch/>
-        </p:blipFill>
-        <p:spPr>
-          <a:xfrm>
-            <a:off x="598867" y="1043643"/>
-            <a:ext cx="8080892" cy="3674905"/>
-          </a:xfrm>
-          <a:prstGeom prst="rect">
-            <a:avLst/>
-          </a:prstGeom>
-          <a:noFill/>
-          <a:ln>
-            <a:noFill/>
-          </a:ln>
-        </p:spPr>
-      </p:pic>
-      <p:sp>
-        <p:nvSpPr>
-          <p:cNvPr id="246" name="Google Shape;246;g21c03c1d1e6_1_140"/>
-          <p:cNvSpPr txBox="1">
-            <a:spLocks noGrp="1"/>
-          </p:cNvSpPr>
-          <p:nvPr>
-            <p:ph type="title"/>
-          </p:nvPr>
-        </p:nvSpPr>
-        <p:spPr>
-          <a:xfrm>
-            <a:off x="98250" y="16350"/>
-            <a:ext cx="8826600" cy="602700"/>
-          </a:xfrm>
-          <a:prstGeom prst="rect">
-            <a:avLst/>
-          </a:prstGeom>
-        </p:spPr>
-        <p:txBody>
-          <a:bodyPr spcFirstLastPara="1" wrap="square" lIns="91425" tIns="91425" rIns="91425" bIns="91425" anchor="ctr" anchorCtr="0">
-            <a:normAutofit fontScale="90000"/>
-          </a:bodyPr>
-          <a:lstStyle/>
-          <a:p>
-            <a:pPr marL="0" lvl="0" indent="0" algn="ctr" rtl="0">
-              <a:lnSpc>
-                <a:spcPct val="90000"/>
-              </a:lnSpc>
-              <a:spcBef>
-                <a:spcPts val="0"/>
-              </a:spcBef>
-              <a:spcAft>
-                <a:spcPts val="0"/>
-              </a:spcAft>
-              <a:buClr>
-                <a:srgbClr val="FF0000"/>
-              </a:buClr>
-              <a:buSzPct val="100000"/>
-              <a:buFont typeface="Arial"/>
-              <a:buNone/>
-            </a:pPr>
-            <a:r>
-              <a:rPr lang="en" sz="2400" b="1">
-                <a:solidFill>
-                  <a:srgbClr val="FF0000"/>
-                </a:solidFill>
-                <a:latin typeface="Twentieth Century"/>
-                <a:ea typeface="Twentieth Century"/>
-                <a:cs typeface="Twentieth Century"/>
-                <a:sym typeface="Twentieth Century"/>
-              </a:rPr>
-              <a:t>¡Un merecido descanso!</a:t>
-            </a:r>
-            <a:endParaRPr sz="1100">
-              <a:solidFill>
-                <a:srgbClr val="000000"/>
-              </a:solidFill>
-              <a:latin typeface="Arial"/>
-              <a:ea typeface="Arial"/>
-              <a:cs typeface="Arial"/>
-              <a:sym typeface="Arial"/>
-            </a:endParaRPr>
-          </a:p>
-          <a:p>
-            <a:pPr marL="0" lvl="0" indent="0" algn="l" rtl="0">
-              <a:spcBef>
-                <a:spcPts val="0"/>
-              </a:spcBef>
-              <a:spcAft>
-                <a:spcPts val="0"/>
-              </a:spcAft>
-              <a:buNone/>
-            </a:pPr>
-            <a:endParaRPr/>
-          </a:p>
-        </p:txBody>
-      </p:sp>
-    </p:spTree>
-  </p:cSld>
-  <p:clrMapOvr>
-    <a:masterClrMapping/>
-  </p:clrMapOvr>
-</p:sld>
-</file>
-
-<file path=ppt/slides/slide19.xml><?xml version="1.0" encoding="utf-8"?>
-<p:sld xmlns:a="http://schemas.openxmlformats.org/drawingml/2006/main" xmlns:r="http://schemas.openxmlformats.org/officeDocument/2006/relationships" xmlns:p="http://schemas.openxmlformats.org/presentationml/2006/main">
-  <p:cSld>
-    <p:spTree>
-      <p:nvGrpSpPr>
-        <p:cNvPr id="1" name="Shape 250"/>
-        <p:cNvGrpSpPr/>
-        <p:nvPr/>
-      </p:nvGrpSpPr>
-      <p:grpSpPr>
-        <a:xfrm>
-          <a:off x="0" y="0"/>
-          <a:ext cx="0" cy="0"/>
-          <a:chOff x="0" y="0"/>
-          <a:chExt cx="0" cy="0"/>
-        </a:xfrm>
-      </p:grpSpPr>
-      <p:sp>
-        <p:nvSpPr>
-          <p:cNvPr id="251" name="Google Shape;251;g21c03c1d1e6_1_145"/>
-          <p:cNvSpPr txBox="1"/>
-          <p:nvPr/>
-        </p:nvSpPr>
-        <p:spPr>
-          <a:xfrm>
-            <a:off x="2044342" y="774713"/>
-            <a:ext cx="4813500" cy="608400"/>
-          </a:xfrm>
-          <a:prstGeom prst="rect">
-            <a:avLst/>
-          </a:prstGeom>
-          <a:noFill/>
-          <a:ln>
-            <a:noFill/>
-          </a:ln>
-        </p:spPr>
-        <p:txBody>
-          <a:bodyPr spcFirstLastPara="1" wrap="square" lIns="68575" tIns="34275" rIns="68575" bIns="34275" anchor="t" anchorCtr="0">
-            <a:noAutofit/>
-          </a:bodyPr>
-          <a:lstStyle/>
-          <a:p>
-            <a:pPr marL="0" marR="0" lvl="0" indent="0" algn="ctr" rtl="0">
-              <a:lnSpc>
-                <a:spcPct val="120000"/>
-              </a:lnSpc>
-              <a:spcBef>
-                <a:spcPts val="800"/>
-              </a:spcBef>
-              <a:spcAft>
-                <a:spcPts val="0"/>
-              </a:spcAft>
-              <a:buClr>
-                <a:schemeClr val="dk1"/>
-              </a:buClr>
-              <a:buSzPts val="3000"/>
-              <a:buFont typeface="Arial"/>
-              <a:buNone/>
-            </a:pPr>
-            <a:r>
-              <a:rPr lang="en" sz="2400">
-                <a:latin typeface="Twentieth Century"/>
-                <a:ea typeface="Twentieth Century"/>
-                <a:cs typeface="Twentieth Century"/>
-                <a:sym typeface="Twentieth Century"/>
-              </a:rPr>
-              <a:t>Bi-directional </a:t>
-            </a:r>
-            <a:endParaRPr sz="2400">
-              <a:latin typeface="Twentieth Century"/>
-              <a:ea typeface="Twentieth Century"/>
-              <a:cs typeface="Twentieth Century"/>
-              <a:sym typeface="Twentieth Century"/>
-            </a:endParaRPr>
-          </a:p>
-        </p:txBody>
-      </p:sp>
-      <p:sp>
-        <p:nvSpPr>
-          <p:cNvPr id="252" name="Google Shape;252;g21c03c1d1e6_1_145"/>
-          <p:cNvSpPr txBox="1"/>
-          <p:nvPr/>
-        </p:nvSpPr>
-        <p:spPr>
-          <a:xfrm>
-            <a:off x="1173245" y="4210024"/>
-            <a:ext cx="6555668" cy="392518"/>
-          </a:xfrm>
-          <a:prstGeom prst="rect">
-            <a:avLst/>
-          </a:prstGeom>
-          <a:noFill/>
-          <a:ln>
-            <a:noFill/>
-          </a:ln>
-        </p:spPr>
-        <p:txBody>
-          <a:bodyPr spcFirstLastPara="1" wrap="square" lIns="68575" tIns="34275" rIns="68575" bIns="34275" anchor="t" anchorCtr="0">
-            <a:noAutofit/>
-          </a:bodyPr>
-          <a:lstStyle/>
-          <a:p>
-            <a:pPr marL="0" marR="0" lvl="0" indent="0" algn="ctr" rtl="0">
-              <a:lnSpc>
-                <a:spcPct val="90000"/>
-              </a:lnSpc>
-              <a:spcBef>
-                <a:spcPts val="0"/>
-              </a:spcBef>
-              <a:spcAft>
-                <a:spcPts val="0"/>
-              </a:spcAft>
-              <a:buClr>
-                <a:schemeClr val="dk1"/>
-              </a:buClr>
-              <a:buSzPts val="1800"/>
-              <a:buFont typeface="Arial"/>
-              <a:buNone/>
-            </a:pPr>
-            <a:r>
-              <a:rPr lang="en" sz="1800">
-                <a:latin typeface="Twentieth Century"/>
-                <a:ea typeface="Twentieth Century"/>
-                <a:cs typeface="Twentieth Century"/>
-                <a:sym typeface="Twentieth Century"/>
-              </a:rPr>
-              <a:t>Para la traducción, suele ser útil tener la frase entera.</a:t>
-            </a:r>
-            <a:endParaRPr sz="1100"/>
-          </a:p>
-        </p:txBody>
-      </p:sp>
-      <p:pic>
-        <p:nvPicPr>
-          <p:cNvPr id="253" name="Google Shape;253;g21c03c1d1e6_1_145"/>
-          <p:cNvPicPr preferRelativeResize="0"/>
-          <p:nvPr/>
-        </p:nvPicPr>
-        <p:blipFill rotWithShape="1">
-          <a:blip r:embed="rId3">
-            <a:alphaModFix/>
-          </a:blip>
-          <a:srcRect/>
-          <a:stretch/>
-        </p:blipFill>
-        <p:spPr>
-          <a:xfrm>
-            <a:off x="1016911" y="1555124"/>
-            <a:ext cx="6868339" cy="2427292"/>
-          </a:xfrm>
-          <a:prstGeom prst="rect">
-            <a:avLst/>
-          </a:prstGeom>
-          <a:noFill/>
-          <a:ln>
-            <a:noFill/>
-          </a:ln>
-        </p:spPr>
-      </p:pic>
-      <p:sp>
-        <p:nvSpPr>
-          <p:cNvPr id="254" name="Google Shape;254;g21c03c1d1e6_1_145"/>
-          <p:cNvSpPr txBox="1">
-            <a:spLocks noGrp="1"/>
-          </p:cNvSpPr>
-          <p:nvPr>
-            <p:ph type="title"/>
-          </p:nvPr>
-        </p:nvSpPr>
-        <p:spPr>
-          <a:xfrm>
-            <a:off x="0" y="0"/>
-            <a:ext cx="8826600" cy="602700"/>
-          </a:xfrm>
-          <a:prstGeom prst="rect">
-            <a:avLst/>
-          </a:prstGeom>
-        </p:spPr>
-        <p:txBody>
-          <a:bodyPr spcFirstLastPara="1" wrap="square" lIns="91425" tIns="91425" rIns="91425" bIns="91425" anchor="ctr" anchorCtr="0">
-            <a:normAutofit/>
-          </a:bodyPr>
-          <a:lstStyle/>
-          <a:p>
-            <a:pPr marL="0" lvl="0" indent="0" algn="l" rtl="0">
-              <a:spcBef>
-                <a:spcPts val="0"/>
-              </a:spcBef>
-              <a:spcAft>
-                <a:spcPts val="0"/>
-              </a:spcAft>
-              <a:buNone/>
-            </a:pPr>
-            <a:r>
-              <a:rPr lang="en"/>
-              <a:t>Redes recurrentes - Birideccionalidad</a:t>
-            </a:r>
-            <a:endParaRPr/>
-          </a:p>
-        </p:txBody>
-      </p:sp>
-    </p:spTree>
-  </p:cSld>
-  <p:clrMapOvr>
-    <a:masterClrMapping/>
-  </p:clrMapOvr>
-</p:sld>
-</file>
-
-<file path=ppt/slides/slide2.xml><?xml version="1.0" encoding="utf-8"?>
-<p:sld xmlns:a="http://schemas.openxmlformats.org/drawingml/2006/main" xmlns:r="http://schemas.openxmlformats.org/officeDocument/2006/relationships" xmlns:p="http://schemas.openxmlformats.org/presentationml/2006/main">
-  <p:cSld>
-    <p:spTree>
-      <p:nvGrpSpPr>
-        <p:cNvPr id="1" name="Shape 80"/>
-        <p:cNvGrpSpPr/>
-        <p:nvPr/>
-      </p:nvGrpSpPr>
-      <p:grpSpPr>
-        <a:xfrm>
-          <a:off x="0" y="0"/>
-          <a:ext cx="0" cy="0"/>
-          <a:chOff x="0" y="0"/>
-          <a:chExt cx="0" cy="0"/>
-        </a:xfrm>
-      </p:grpSpPr>
-      <p:sp>
-        <p:nvSpPr>
-          <p:cNvPr id="81" name="Google Shape;81;p2"/>
-          <p:cNvSpPr txBox="1">
-            <a:spLocks noGrp="1"/>
-          </p:cNvSpPr>
-          <p:nvPr>
-            <p:ph type="title"/>
-          </p:nvPr>
-        </p:nvSpPr>
-        <p:spPr>
-          <a:xfrm>
-            <a:off x="471900" y="174125"/>
-            <a:ext cx="8222100" cy="1332300"/>
-          </a:xfrm>
-          <a:prstGeom prst="rect">
-            <a:avLst/>
-          </a:prstGeom>
-          <a:noFill/>
-          <a:ln>
-            <a:noFill/>
-          </a:ln>
-        </p:spPr>
-        <p:txBody>
-          <a:bodyPr spcFirstLastPara="1" wrap="square" lIns="91425" tIns="91425" rIns="91425" bIns="91425" anchor="b" anchorCtr="0">
-            <a:noAutofit/>
-          </a:bodyPr>
-          <a:lstStyle/>
-          <a:p>
-            <a:pPr marL="0" lvl="0" indent="0" algn="ctr" rtl="0">
-              <a:lnSpc>
-                <a:spcPct val="120000"/>
-              </a:lnSpc>
-              <a:spcBef>
-                <a:spcPts val="1000"/>
-              </a:spcBef>
-              <a:spcAft>
-                <a:spcPts val="0"/>
-              </a:spcAft>
-              <a:buSzPts val="990"/>
-              <a:buNone/>
-            </a:pPr>
-            <a:r>
-              <a:rPr lang="en" sz="2818">
-                <a:latin typeface="Arial"/>
-                <a:ea typeface="Arial"/>
-                <a:cs typeface="Arial"/>
-                <a:sym typeface="Arial"/>
-              </a:rPr>
-              <a:t>Redes Recurrentes</a:t>
-            </a:r>
-            <a:endParaRPr sz="2818">
-              <a:latin typeface="Arial"/>
-              <a:ea typeface="Arial"/>
-              <a:cs typeface="Arial"/>
-              <a:sym typeface="Arial"/>
-            </a:endParaRPr>
-          </a:p>
-          <a:p>
-            <a:pPr marL="0" lvl="0" indent="0" algn="ctr" rtl="0">
-              <a:lnSpc>
-                <a:spcPct val="120000"/>
-              </a:lnSpc>
-              <a:spcBef>
-                <a:spcPts val="1000"/>
-              </a:spcBef>
-              <a:spcAft>
-                <a:spcPts val="0"/>
-              </a:spcAft>
-              <a:buSzPts val="990"/>
-              <a:buNone/>
-            </a:pPr>
-            <a:r>
-              <a:rPr lang="en" sz="2818">
-                <a:latin typeface="Arial"/>
-                <a:ea typeface="Arial"/>
-                <a:cs typeface="Arial"/>
-                <a:sym typeface="Arial"/>
-              </a:rPr>
-              <a:t>Recurrent Neural Network (RNN)</a:t>
-            </a:r>
-            <a:endParaRPr sz="2208"/>
-          </a:p>
-        </p:txBody>
-      </p:sp>
-      <p:sp>
-        <p:nvSpPr>
-          <p:cNvPr id="82" name="Google Shape;82;p2"/>
-          <p:cNvSpPr txBox="1">
-            <a:spLocks noGrp="1"/>
-          </p:cNvSpPr>
-          <p:nvPr>
-            <p:ph type="body" idx="1"/>
-          </p:nvPr>
-        </p:nvSpPr>
-        <p:spPr>
-          <a:xfrm>
-            <a:off x="471900" y="1986025"/>
-            <a:ext cx="3358800" cy="3050400"/>
-          </a:xfrm>
-          <a:prstGeom prst="rect">
-            <a:avLst/>
-          </a:prstGeom>
-          <a:noFill/>
-          <a:ln>
-            <a:noFill/>
-          </a:ln>
-        </p:spPr>
-        <p:txBody>
-          <a:bodyPr spcFirstLastPara="1" wrap="square" lIns="91425" tIns="91425" rIns="91425" bIns="91425" anchor="t" anchorCtr="0">
-            <a:noAutofit/>
-          </a:bodyPr>
-          <a:lstStyle/>
-          <a:p>
-            <a:pPr marL="0" lvl="0" indent="0" algn="l" rtl="0">
-              <a:lnSpc>
-                <a:spcPct val="95000"/>
-              </a:lnSpc>
-              <a:spcBef>
-                <a:spcPts val="0"/>
-              </a:spcBef>
-              <a:spcAft>
-                <a:spcPts val="0"/>
-              </a:spcAft>
-              <a:buSzPts val="1018"/>
-              <a:buNone/>
-            </a:pPr>
-            <a:r>
-              <a:rPr lang="en">
-                <a:solidFill>
-                  <a:schemeClr val="dk2"/>
-                </a:solidFill>
-              </a:rPr>
-              <a:t>. Introducción</a:t>
-            </a:r>
-            <a:endParaRPr>
-              <a:solidFill>
-                <a:schemeClr val="dk2"/>
-              </a:solidFill>
-            </a:endParaRPr>
-          </a:p>
-          <a:p>
-            <a:pPr marL="0" lvl="0" indent="0" algn="l" rtl="0">
-              <a:lnSpc>
-                <a:spcPct val="95000"/>
-              </a:lnSpc>
-              <a:spcBef>
-                <a:spcPts val="1200"/>
-              </a:spcBef>
-              <a:spcAft>
-                <a:spcPts val="0"/>
-              </a:spcAft>
-              <a:buSzPts val="1018"/>
-              <a:buNone/>
-            </a:pPr>
-            <a:r>
-              <a:rPr lang="en">
-                <a:solidFill>
-                  <a:schemeClr val="dk2"/>
-                </a:solidFill>
-              </a:rPr>
-              <a:t>. Neurona recurrente básica</a:t>
-            </a:r>
-            <a:endParaRPr>
-              <a:solidFill>
-                <a:schemeClr val="dk2"/>
-              </a:solidFill>
-            </a:endParaRPr>
-          </a:p>
-          <a:p>
-            <a:pPr marL="0" lvl="0" indent="0" algn="l" rtl="0">
-              <a:lnSpc>
-                <a:spcPct val="95000"/>
-              </a:lnSpc>
-              <a:spcBef>
-                <a:spcPts val="1200"/>
-              </a:spcBef>
-              <a:spcAft>
-                <a:spcPts val="0"/>
-              </a:spcAft>
-              <a:buSzPts val="1018"/>
-              <a:buNone/>
-            </a:pPr>
-            <a:r>
-              <a:rPr lang="en">
-                <a:solidFill>
-                  <a:schemeClr val="dk2"/>
-                </a:solidFill>
-              </a:rPr>
-              <a:t>. Implementación en pytorch</a:t>
-            </a:r>
-            <a:endParaRPr>
-              <a:solidFill>
-                <a:schemeClr val="dk2"/>
-              </a:solidFill>
-            </a:endParaRPr>
-          </a:p>
-          <a:p>
-            <a:pPr marL="0" lvl="0" indent="0" algn="l" rtl="0">
-              <a:lnSpc>
-                <a:spcPct val="95000"/>
-              </a:lnSpc>
-              <a:spcBef>
-                <a:spcPts val="1200"/>
-              </a:spcBef>
-              <a:spcAft>
-                <a:spcPts val="0"/>
-              </a:spcAft>
-              <a:buSzPts val="1018"/>
-              <a:buNone/>
-            </a:pPr>
-            <a:r>
-              <a:rPr lang="en">
-                <a:solidFill>
-                  <a:schemeClr val="dk2"/>
-                </a:solidFill>
-              </a:rPr>
-              <a:t>. Back propagation through time (BPTT)</a:t>
-            </a:r>
-            <a:endParaRPr>
-              <a:solidFill>
-                <a:schemeClr val="dk2"/>
-              </a:solidFill>
-            </a:endParaRPr>
-          </a:p>
-        </p:txBody>
-      </p:sp>
-      <p:pic>
-        <p:nvPicPr>
-          <p:cNvPr id="83" name="Google Shape;83;p2"/>
-          <p:cNvPicPr preferRelativeResize="0"/>
-          <p:nvPr/>
-        </p:nvPicPr>
-        <p:blipFill rotWithShape="1">
-          <a:blip r:embed="rId3">
-            <a:alphaModFix/>
-          </a:blip>
-          <a:srcRect/>
-          <a:stretch/>
-        </p:blipFill>
-        <p:spPr>
-          <a:xfrm>
-            <a:off x="8130475" y="4138900"/>
-            <a:ext cx="790275" cy="790275"/>
-          </a:xfrm>
-          <a:prstGeom prst="rect">
-            <a:avLst/>
-          </a:prstGeom>
-          <a:noFill/>
-          <a:ln>
-            <a:noFill/>
-          </a:ln>
-        </p:spPr>
-      </p:pic>
-      <p:sp>
-        <p:nvSpPr>
-          <p:cNvPr id="84" name="Google Shape;84;p2"/>
-          <p:cNvSpPr txBox="1">
-            <a:spLocks noGrp="1"/>
-          </p:cNvSpPr>
-          <p:nvPr>
-            <p:ph type="body" idx="1"/>
-          </p:nvPr>
-        </p:nvSpPr>
-        <p:spPr>
-          <a:xfrm>
-            <a:off x="4070850" y="1928300"/>
-            <a:ext cx="4100100" cy="3050400"/>
-          </a:xfrm>
-          <a:prstGeom prst="rect">
-            <a:avLst/>
-          </a:prstGeom>
-          <a:noFill/>
-          <a:ln>
-            <a:noFill/>
-          </a:ln>
-        </p:spPr>
-        <p:txBody>
-          <a:bodyPr spcFirstLastPara="1" wrap="square" lIns="91425" tIns="91425" rIns="91425" bIns="91425" anchor="t" anchorCtr="0">
-            <a:normAutofit/>
-          </a:bodyPr>
-          <a:lstStyle/>
-          <a:p>
-            <a:pPr marL="0" lvl="0" indent="0" algn="l" rtl="0">
-              <a:lnSpc>
-                <a:spcPct val="115000"/>
-              </a:lnSpc>
-              <a:spcBef>
-                <a:spcPts val="0"/>
-              </a:spcBef>
-              <a:spcAft>
-                <a:spcPts val="0"/>
-              </a:spcAft>
-              <a:buSzPts val="1800"/>
-              <a:buNone/>
-            </a:pPr>
-            <a:r>
-              <a:rPr lang="en">
-                <a:solidFill>
-                  <a:schemeClr val="dk2"/>
-                </a:solidFill>
-              </a:rPr>
-              <a:t>. Birideccionalidad </a:t>
-            </a:r>
-            <a:endParaRPr>
-              <a:solidFill>
-                <a:schemeClr val="dk2"/>
-              </a:solidFill>
-            </a:endParaRPr>
-          </a:p>
-          <a:p>
-            <a:pPr marL="0" lvl="0" indent="0" algn="l" rtl="0">
-              <a:lnSpc>
-                <a:spcPct val="115000"/>
-              </a:lnSpc>
-              <a:spcBef>
-                <a:spcPts val="1200"/>
-              </a:spcBef>
-              <a:spcAft>
-                <a:spcPts val="0"/>
-              </a:spcAft>
-              <a:buSzPts val="1800"/>
-              <a:buNone/>
-            </a:pPr>
-            <a:r>
-              <a:rPr lang="en">
-                <a:solidFill>
-                  <a:schemeClr val="dk2"/>
-                </a:solidFill>
-              </a:rPr>
-              <a:t>. Arquitectura enconder-decoder (seq to seq)</a:t>
-            </a:r>
-            <a:endParaRPr>
-              <a:solidFill>
-                <a:schemeClr val="dk2"/>
-              </a:solidFill>
-            </a:endParaRPr>
-          </a:p>
-          <a:p>
-            <a:pPr marL="0" lvl="0" indent="0" algn="l" rtl="0">
-              <a:lnSpc>
-                <a:spcPct val="115000"/>
-              </a:lnSpc>
-              <a:spcBef>
-                <a:spcPts val="1200"/>
-              </a:spcBef>
-              <a:spcAft>
-                <a:spcPts val="0"/>
-              </a:spcAft>
-              <a:buSzPts val="1800"/>
-              <a:buNone/>
-            </a:pPr>
-            <a:r>
-              <a:rPr lang="en">
-                <a:solidFill>
-                  <a:schemeClr val="dk2"/>
-                </a:solidFill>
-              </a:rPr>
-              <a:t>. Mecanismos de atención</a:t>
-            </a:r>
-            <a:endParaRPr>
-              <a:solidFill>
-                <a:schemeClr val="dk2"/>
-              </a:solidFill>
-            </a:endParaRPr>
-          </a:p>
-        </p:txBody>
-      </p:sp>
-    </p:spTree>
-  </p:cSld>
-  <p:clrMapOvr>
-    <a:masterClrMapping/>
-  </p:clrMapOvr>
-</p:sld>
-</file>
-
-<file path=ppt/slides/slide20.xml><?xml version="1.0" encoding="utf-8"?>
-<p:sld xmlns:a="http://schemas.openxmlformats.org/drawingml/2006/main" xmlns:r="http://schemas.openxmlformats.org/officeDocument/2006/relationships" xmlns:p="http://schemas.openxmlformats.org/presentationml/2006/main">
-  <p:cSld>
-    <p:spTree>
-      <p:nvGrpSpPr>
-        <p:cNvPr id="1" name="Shape 258"/>
-        <p:cNvGrpSpPr/>
-        <p:nvPr/>
-      </p:nvGrpSpPr>
-      <p:grpSpPr>
-        <a:xfrm>
-          <a:off x="0" y="0"/>
-          <a:ext cx="0" cy="0"/>
-          <a:chOff x="0" y="0"/>
-          <a:chExt cx="0" cy="0"/>
-        </a:xfrm>
-      </p:grpSpPr>
-      <p:sp>
-        <p:nvSpPr>
-          <p:cNvPr id="259" name="Google Shape;259;g21c03c1d1e6_1_151"/>
-          <p:cNvSpPr/>
-          <p:nvPr/>
-        </p:nvSpPr>
-        <p:spPr>
-          <a:xfrm>
-            <a:off x="222159" y="4901126"/>
-            <a:ext cx="7988122" cy="276999"/>
-          </a:xfrm>
-          <a:prstGeom prst="rect">
-            <a:avLst/>
-          </a:prstGeom>
-          <a:noFill/>
-          <a:ln>
-            <a:noFill/>
-          </a:ln>
-        </p:spPr>
-        <p:txBody>
-          <a:bodyPr spcFirstLastPara="1" wrap="square" lIns="68575" tIns="34275" rIns="68575" bIns="34275" anchor="t" anchorCtr="0">
-            <a:noAutofit/>
-          </a:bodyPr>
-          <a:lstStyle/>
-          <a:p>
-            <a:pPr marL="0" marR="0" lvl="0" indent="0" algn="l" rtl="0">
-              <a:spcBef>
-                <a:spcPts val="0"/>
-              </a:spcBef>
-              <a:spcAft>
-                <a:spcPts val="0"/>
-              </a:spcAft>
-              <a:buNone/>
-            </a:pPr>
-            <a:r>
-              <a:rPr lang="en" sz="1400">
-                <a:solidFill>
-                  <a:schemeClr val="dk2"/>
-                </a:solidFill>
-                <a:latin typeface="Twentieth Century"/>
-                <a:ea typeface="Twentieth Century"/>
-                <a:cs typeface="Twentieth Century"/>
-                <a:sym typeface="Twentieth Century"/>
-              </a:rPr>
-              <a:t>https://towardsdatascience.com/what-is-an-encoder-decoder-model-86b3d57c5e1a</a:t>
-            </a:r>
-            <a:endParaRPr sz="1100">
-              <a:solidFill>
-                <a:schemeClr val="dk2"/>
-              </a:solidFill>
-            </a:endParaRPr>
-          </a:p>
-        </p:txBody>
-      </p:sp>
-      <p:pic>
-        <p:nvPicPr>
-          <p:cNvPr id="260" name="Google Shape;260;g21c03c1d1e6_1_151"/>
-          <p:cNvPicPr preferRelativeResize="0"/>
-          <p:nvPr/>
-        </p:nvPicPr>
-        <p:blipFill rotWithShape="1">
-          <a:blip r:embed="rId3">
-            <a:alphaModFix/>
-          </a:blip>
-          <a:srcRect t="16398" b="28055"/>
-          <a:stretch/>
-        </p:blipFill>
-        <p:spPr>
-          <a:xfrm>
-            <a:off x="902929" y="1070598"/>
-            <a:ext cx="7307351" cy="2145451"/>
-          </a:xfrm>
-          <a:prstGeom prst="rect">
-            <a:avLst/>
-          </a:prstGeom>
-          <a:noFill/>
-          <a:ln>
-            <a:noFill/>
-          </a:ln>
-        </p:spPr>
-      </p:pic>
-      <p:sp>
-        <p:nvSpPr>
-          <p:cNvPr id="261" name="Google Shape;261;g21c03c1d1e6_1_151"/>
-          <p:cNvSpPr/>
-          <p:nvPr/>
-        </p:nvSpPr>
-        <p:spPr>
-          <a:xfrm>
-            <a:off x="3860355" y="3216049"/>
-            <a:ext cx="4868303" cy="1685077"/>
-          </a:xfrm>
-          <a:prstGeom prst="rect">
-            <a:avLst/>
-          </a:prstGeom>
-          <a:noFill/>
-          <a:ln>
-            <a:noFill/>
-          </a:ln>
-        </p:spPr>
-        <p:txBody>
-          <a:bodyPr spcFirstLastPara="1" wrap="square" lIns="68575" tIns="34275" rIns="68575" bIns="34275" anchor="t" anchorCtr="0">
-            <a:noAutofit/>
-          </a:bodyPr>
-          <a:lstStyle/>
-          <a:p>
-            <a:pPr marL="0" marR="0" lvl="0" indent="0" algn="l" rtl="0">
-              <a:spcBef>
-                <a:spcPts val="0"/>
-              </a:spcBef>
-              <a:spcAft>
-                <a:spcPts val="0"/>
-              </a:spcAft>
-              <a:buNone/>
-            </a:pPr>
-            <a:r>
-              <a:rPr lang="en" sz="1500">
-                <a:solidFill>
-                  <a:srgbClr val="FF0000"/>
-                </a:solidFill>
-                <a:latin typeface="Twentieth Century"/>
-                <a:ea typeface="Twentieth Century"/>
-                <a:cs typeface="Twentieth Century"/>
-                <a:sym typeface="Twentieth Century"/>
-              </a:rPr>
-              <a:t>2 RNN de distinto tamaño</a:t>
-            </a:r>
-            <a:endParaRPr sz="1100"/>
-          </a:p>
-          <a:p>
-            <a:pPr marL="0" marR="0" lvl="0" indent="0" algn="l" rtl="0">
-              <a:spcBef>
-                <a:spcPts val="0"/>
-              </a:spcBef>
-              <a:spcAft>
-                <a:spcPts val="0"/>
-              </a:spcAft>
-              <a:buNone/>
-            </a:pPr>
-            <a:endParaRPr sz="1500">
-              <a:solidFill>
-                <a:srgbClr val="FF0000"/>
-              </a:solidFill>
-              <a:latin typeface="Twentieth Century"/>
-              <a:ea typeface="Twentieth Century"/>
-              <a:cs typeface="Twentieth Century"/>
-              <a:sym typeface="Twentieth Century"/>
-            </a:endParaRPr>
-          </a:p>
-          <a:p>
-            <a:pPr marL="0" marR="0" lvl="0" indent="0" algn="l" rtl="0">
-              <a:spcBef>
-                <a:spcPts val="0"/>
-              </a:spcBef>
-              <a:spcAft>
-                <a:spcPts val="0"/>
-              </a:spcAft>
-              <a:buNone/>
-            </a:pPr>
-            <a:r>
-              <a:rPr lang="en" sz="1500">
-                <a:solidFill>
-                  <a:srgbClr val="FF0000"/>
-                </a:solidFill>
-                <a:latin typeface="Twentieth Century"/>
-                <a:ea typeface="Twentieth Century"/>
-                <a:cs typeface="Twentieth Century"/>
-                <a:sym typeface="Twentieth Century"/>
-              </a:rPr>
-              <a:t>1 Hidden state que “resume” toda la información de la input.</a:t>
-            </a:r>
-            <a:endParaRPr sz="1100"/>
-          </a:p>
-          <a:p>
-            <a:pPr marL="0" marR="0" lvl="0" indent="0" algn="l" rtl="0">
-              <a:spcBef>
-                <a:spcPts val="0"/>
-              </a:spcBef>
-              <a:spcAft>
-                <a:spcPts val="0"/>
-              </a:spcAft>
-              <a:buNone/>
-            </a:pPr>
-            <a:endParaRPr sz="1500">
-              <a:solidFill>
-                <a:srgbClr val="FF0000"/>
-              </a:solidFill>
-              <a:latin typeface="Twentieth Century"/>
-              <a:ea typeface="Twentieth Century"/>
-              <a:cs typeface="Twentieth Century"/>
-              <a:sym typeface="Twentieth Century"/>
-            </a:endParaRPr>
-          </a:p>
-          <a:p>
-            <a:pPr marL="0" marR="0" lvl="0" indent="0" algn="l" rtl="0">
-              <a:spcBef>
-                <a:spcPts val="0"/>
-              </a:spcBef>
-              <a:spcAft>
-                <a:spcPts val="0"/>
-              </a:spcAft>
-              <a:buNone/>
-            </a:pPr>
-            <a:r>
-              <a:rPr lang="en" sz="1500">
-                <a:solidFill>
-                  <a:srgbClr val="FF0000"/>
-                </a:solidFill>
-                <a:latin typeface="Twentieth Century"/>
-                <a:ea typeface="Twentieth Century"/>
-                <a:cs typeface="Twentieth Century"/>
-                <a:sym typeface="Twentieth Century"/>
-              </a:rPr>
-              <a:t>Flexibilidad máxima para inputs/outputs de distinta longitud</a:t>
-            </a:r>
-            <a:endParaRPr sz="1100"/>
-          </a:p>
-        </p:txBody>
-      </p:sp>
-      <p:pic>
-        <p:nvPicPr>
-          <p:cNvPr id="262" name="Google Shape;262;g21c03c1d1e6_1_151"/>
-          <p:cNvPicPr preferRelativeResize="0"/>
-          <p:nvPr/>
-        </p:nvPicPr>
-        <p:blipFill rotWithShape="1">
-          <a:blip r:embed="rId4">
-            <a:alphaModFix/>
-          </a:blip>
-          <a:srcRect l="3577" t="7243" r="3320" b="11375"/>
-          <a:stretch/>
-        </p:blipFill>
-        <p:spPr>
-          <a:xfrm>
-            <a:off x="222160" y="3351542"/>
-            <a:ext cx="2946044" cy="1552480"/>
-          </a:xfrm>
-          <a:prstGeom prst="rect">
-            <a:avLst/>
-          </a:prstGeom>
-          <a:noFill/>
-          <a:ln>
-            <a:noFill/>
-          </a:ln>
-        </p:spPr>
-      </p:pic>
-      <p:sp>
-        <p:nvSpPr>
-          <p:cNvPr id="263" name="Google Shape;263;g21c03c1d1e6_1_151"/>
-          <p:cNvSpPr txBox="1">
-            <a:spLocks noGrp="1"/>
-          </p:cNvSpPr>
-          <p:nvPr>
-            <p:ph type="title"/>
-          </p:nvPr>
-        </p:nvSpPr>
-        <p:spPr>
-          <a:xfrm>
-            <a:off x="0" y="0"/>
-            <a:ext cx="8826600" cy="602700"/>
-          </a:xfrm>
-          <a:prstGeom prst="rect">
-            <a:avLst/>
-          </a:prstGeom>
-        </p:spPr>
-        <p:txBody>
-          <a:bodyPr spcFirstLastPara="1" wrap="square" lIns="91425" tIns="91425" rIns="91425" bIns="91425" anchor="ctr" anchorCtr="0">
-            <a:normAutofit/>
-          </a:bodyPr>
-          <a:lstStyle/>
-          <a:p>
-            <a:pPr marL="0" lvl="0" indent="0" algn="l" rtl="0">
-              <a:spcBef>
-                <a:spcPts val="0"/>
-              </a:spcBef>
-              <a:spcAft>
-                <a:spcPts val="0"/>
-              </a:spcAft>
-              <a:buNone/>
-            </a:pPr>
-            <a:r>
-              <a:rPr lang="en"/>
-              <a:t>Redes recurrentes - Arquitectura enconder-decoder (seq to seq)</a:t>
-            </a:r>
-            <a:endParaRPr/>
-          </a:p>
-        </p:txBody>
-      </p:sp>
-    </p:spTree>
-  </p:cSld>
-  <p:clrMapOvr>
-    <a:masterClrMapping/>
-  </p:clrMapOvr>
-</p:sld>
-</file>
-
-<file path=ppt/slides/slide21.xml><?xml version="1.0" encoding="utf-8"?>
-<p:sld xmlns:a="http://schemas.openxmlformats.org/drawingml/2006/main" xmlns:r="http://schemas.openxmlformats.org/officeDocument/2006/relationships" xmlns:p="http://schemas.openxmlformats.org/presentationml/2006/main">
-  <p:cSld>
-    <p:spTree>
-      <p:nvGrpSpPr>
-        <p:cNvPr id="1" name="Shape 267"/>
-        <p:cNvGrpSpPr/>
-        <p:nvPr/>
-      </p:nvGrpSpPr>
-      <p:grpSpPr>
-        <a:xfrm>
-          <a:off x="0" y="0"/>
-          <a:ext cx="0" cy="0"/>
-          <a:chOff x="0" y="0"/>
-          <a:chExt cx="0" cy="0"/>
-        </a:xfrm>
-      </p:grpSpPr>
-      <p:pic>
-        <p:nvPicPr>
-          <p:cNvPr id="268" name="Google Shape;268;g21c03c1d1e6_1_159"/>
-          <p:cNvPicPr preferRelativeResize="0"/>
-          <p:nvPr/>
-        </p:nvPicPr>
-        <p:blipFill rotWithShape="1">
-          <a:blip r:embed="rId3">
-            <a:alphaModFix/>
-          </a:blip>
-          <a:srcRect/>
-          <a:stretch/>
-        </p:blipFill>
-        <p:spPr>
-          <a:xfrm>
-            <a:off x="222160" y="1724126"/>
-            <a:ext cx="8592315" cy="1838402"/>
-          </a:xfrm>
-          <a:prstGeom prst="rect">
-            <a:avLst/>
-          </a:prstGeom>
-          <a:noFill/>
-          <a:ln>
-            <a:noFill/>
-          </a:ln>
-        </p:spPr>
-      </p:pic>
-      <p:sp>
-        <p:nvSpPr>
-          <p:cNvPr id="269" name="Google Shape;269;g21c03c1d1e6_1_159"/>
-          <p:cNvSpPr/>
-          <p:nvPr/>
-        </p:nvSpPr>
-        <p:spPr>
-          <a:xfrm>
-            <a:off x="222160" y="4678127"/>
-            <a:ext cx="4535136" cy="276999"/>
-          </a:xfrm>
-          <a:prstGeom prst="rect">
-            <a:avLst/>
-          </a:prstGeom>
-          <a:noFill/>
-          <a:ln>
-            <a:noFill/>
-          </a:ln>
-        </p:spPr>
-        <p:txBody>
-          <a:bodyPr spcFirstLastPara="1" wrap="square" lIns="68575" tIns="34275" rIns="68575" bIns="34275" anchor="t" anchorCtr="0">
-            <a:noAutofit/>
-          </a:bodyPr>
-          <a:lstStyle/>
-          <a:p>
-            <a:pPr marL="0" marR="0" lvl="0" indent="0" algn="l" rtl="0">
-              <a:spcBef>
-                <a:spcPts val="0"/>
-              </a:spcBef>
-              <a:spcAft>
-                <a:spcPts val="0"/>
-              </a:spcAft>
-              <a:buNone/>
-            </a:pPr>
-            <a:r>
-              <a:rPr lang="en" sz="1400">
-                <a:solidFill>
-                  <a:schemeClr val="dk2"/>
-                </a:solidFill>
-                <a:latin typeface="Twentieth Century"/>
-                <a:ea typeface="Twentieth Century"/>
-                <a:cs typeface="Twentieth Century"/>
-                <a:sym typeface="Twentieth Century"/>
-              </a:rPr>
-              <a:t>https://brunomaga.github.io/AI-Supercomputing-2</a:t>
-            </a:r>
-            <a:endParaRPr sz="1100">
-              <a:solidFill>
-                <a:schemeClr val="dk2"/>
-              </a:solidFill>
-            </a:endParaRPr>
-          </a:p>
-        </p:txBody>
-      </p:sp>
-      <p:sp>
-        <p:nvSpPr>
-          <p:cNvPr id="270" name="Google Shape;270;g21c03c1d1e6_1_159"/>
-          <p:cNvSpPr/>
-          <p:nvPr/>
-        </p:nvSpPr>
-        <p:spPr>
-          <a:xfrm>
-            <a:off x="3097280" y="3726450"/>
-            <a:ext cx="1215900" cy="300000"/>
-          </a:xfrm>
-          <a:prstGeom prst="rect">
-            <a:avLst/>
-          </a:prstGeom>
-          <a:noFill/>
-          <a:ln>
-            <a:noFill/>
-          </a:ln>
-        </p:spPr>
-        <p:txBody>
-          <a:bodyPr spcFirstLastPara="1" wrap="square" lIns="68575" tIns="34275" rIns="68575" bIns="34275" anchor="t" anchorCtr="0">
-            <a:noAutofit/>
-          </a:bodyPr>
-          <a:lstStyle/>
-          <a:p>
-            <a:pPr marL="0" marR="0" lvl="0" indent="0" algn="l" rtl="0">
-              <a:spcBef>
-                <a:spcPts val="0"/>
-              </a:spcBef>
-              <a:spcAft>
-                <a:spcPts val="0"/>
-              </a:spcAft>
-              <a:buNone/>
-            </a:pPr>
-            <a:r>
-              <a:rPr lang="en" sz="1800">
-                <a:solidFill>
-                  <a:srgbClr val="FF0000"/>
-                </a:solidFill>
-                <a:latin typeface="Twentieth Century"/>
-                <a:ea typeface="Twentieth Century"/>
-                <a:cs typeface="Twentieth Century"/>
-                <a:sym typeface="Twentieth Century"/>
-              </a:rPr>
-              <a:t>Unfolded!!!!</a:t>
-            </a:r>
-            <a:endParaRPr/>
-          </a:p>
-        </p:txBody>
-      </p:sp>
-      <p:sp>
-        <p:nvSpPr>
-          <p:cNvPr id="271" name="Google Shape;271;g21c03c1d1e6_1_159"/>
-          <p:cNvSpPr txBox="1">
-            <a:spLocks noGrp="1"/>
-          </p:cNvSpPr>
-          <p:nvPr>
-            <p:ph type="title"/>
-          </p:nvPr>
-        </p:nvSpPr>
-        <p:spPr>
-          <a:xfrm>
-            <a:off x="0" y="0"/>
-            <a:ext cx="8826600" cy="602700"/>
-          </a:xfrm>
-          <a:prstGeom prst="rect">
-            <a:avLst/>
-          </a:prstGeom>
-        </p:spPr>
-        <p:txBody>
-          <a:bodyPr spcFirstLastPara="1" wrap="square" lIns="91425" tIns="91425" rIns="91425" bIns="91425" anchor="ctr" anchorCtr="0">
-            <a:normAutofit/>
-          </a:bodyPr>
-          <a:lstStyle/>
-          <a:p>
-            <a:pPr marL="0" lvl="0" indent="0" algn="l" rtl="0">
-              <a:spcBef>
-                <a:spcPts val="0"/>
-              </a:spcBef>
-              <a:spcAft>
-                <a:spcPts val="0"/>
-              </a:spcAft>
-              <a:buNone/>
-            </a:pPr>
-            <a:r>
-              <a:rPr lang="en"/>
-              <a:t>Redes recurrentes - Arquitectura enconder-decoder (seq to seq)</a:t>
-            </a:r>
-            <a:endParaRPr/>
-          </a:p>
-        </p:txBody>
-      </p:sp>
-    </p:spTree>
-  </p:cSld>
-  <p:clrMapOvr>
-    <a:masterClrMapping/>
-  </p:clrMapOvr>
-</p:sld>
-</file>
-
-<file path=ppt/slides/slide22.xml><?xml version="1.0" encoding="utf-8"?>
-<p:sld xmlns:a="http://schemas.openxmlformats.org/drawingml/2006/main" xmlns:r="http://schemas.openxmlformats.org/officeDocument/2006/relationships" xmlns:p="http://schemas.openxmlformats.org/presentationml/2006/main">
-  <p:cSld>
-    <p:spTree>
-      <p:nvGrpSpPr>
-        <p:cNvPr id="1" name="Shape 275"/>
-        <p:cNvGrpSpPr/>
-        <p:nvPr/>
-      </p:nvGrpSpPr>
-      <p:grpSpPr>
-        <a:xfrm>
-          <a:off x="0" y="0"/>
-          <a:ext cx="0" cy="0"/>
-          <a:chOff x="0" y="0"/>
-          <a:chExt cx="0" cy="0"/>
-        </a:xfrm>
-      </p:grpSpPr>
-      <p:pic>
-        <p:nvPicPr>
-          <p:cNvPr id="276" name="Google Shape;276;g21c03c1d1e6_1_166"/>
-          <p:cNvPicPr preferRelativeResize="0"/>
-          <p:nvPr/>
-        </p:nvPicPr>
-        <p:blipFill rotWithShape="1">
-          <a:blip r:embed="rId3">
-            <a:alphaModFix/>
-          </a:blip>
-          <a:srcRect l="37785"/>
-          <a:stretch/>
-        </p:blipFill>
-        <p:spPr>
-          <a:xfrm>
-            <a:off x="3646955" y="1112010"/>
-            <a:ext cx="5345718" cy="1838402"/>
-          </a:xfrm>
-          <a:prstGeom prst="rect">
-            <a:avLst/>
-          </a:prstGeom>
-          <a:noFill/>
-          <a:ln>
-            <a:noFill/>
-          </a:ln>
-        </p:spPr>
-      </p:pic>
-      <p:sp>
-        <p:nvSpPr>
-          <p:cNvPr id="277" name="Google Shape;277;g21c03c1d1e6_1_166"/>
-          <p:cNvSpPr/>
-          <p:nvPr/>
-        </p:nvSpPr>
-        <p:spPr>
-          <a:xfrm>
-            <a:off x="222160" y="4678127"/>
-            <a:ext cx="4535136" cy="276999"/>
-          </a:xfrm>
-          <a:prstGeom prst="rect">
-            <a:avLst/>
-          </a:prstGeom>
-          <a:noFill/>
-          <a:ln>
-            <a:noFill/>
-          </a:ln>
-        </p:spPr>
-        <p:txBody>
-          <a:bodyPr spcFirstLastPara="1" wrap="square" lIns="68575" tIns="34275" rIns="68575" bIns="34275" anchor="t" anchorCtr="0">
-            <a:noAutofit/>
-          </a:bodyPr>
-          <a:lstStyle/>
-          <a:p>
-            <a:pPr marL="0" marR="0" lvl="0" indent="0" algn="l" rtl="0">
-              <a:spcBef>
-                <a:spcPts val="0"/>
-              </a:spcBef>
-              <a:spcAft>
-                <a:spcPts val="0"/>
-              </a:spcAft>
-              <a:buNone/>
-            </a:pPr>
-            <a:r>
-              <a:rPr lang="en" sz="1400">
-                <a:solidFill>
-                  <a:schemeClr val="dk2"/>
-                </a:solidFill>
-                <a:latin typeface="Twentieth Century"/>
-                <a:ea typeface="Twentieth Century"/>
-                <a:cs typeface="Twentieth Century"/>
-                <a:sym typeface="Twentieth Century"/>
-              </a:rPr>
-              <a:t>https://brunomaga.github.io/AI-Supercomputing-2</a:t>
-            </a:r>
-            <a:endParaRPr sz="1100">
-              <a:solidFill>
-                <a:schemeClr val="dk2"/>
-              </a:solidFill>
-            </a:endParaRPr>
-          </a:p>
-        </p:txBody>
-      </p:sp>
-      <p:sp>
-        <p:nvSpPr>
-          <p:cNvPr id="278" name="Google Shape;278;g21c03c1d1e6_1_166"/>
-          <p:cNvSpPr/>
-          <p:nvPr/>
-        </p:nvSpPr>
-        <p:spPr>
-          <a:xfrm>
-            <a:off x="504296" y="3191198"/>
-            <a:ext cx="2667413" cy="530914"/>
-          </a:xfrm>
-          <a:prstGeom prst="rect">
-            <a:avLst/>
-          </a:prstGeom>
-          <a:noFill/>
-          <a:ln>
-            <a:noFill/>
-          </a:ln>
-        </p:spPr>
-        <p:txBody>
-          <a:bodyPr spcFirstLastPara="1" wrap="square" lIns="68575" tIns="34275" rIns="68575" bIns="34275" anchor="t" anchorCtr="0">
-            <a:noAutofit/>
-          </a:bodyPr>
-          <a:lstStyle/>
-          <a:p>
-            <a:pPr marL="0" marR="0" lvl="0" indent="0" algn="l" rtl="0">
-              <a:spcBef>
-                <a:spcPts val="0"/>
-              </a:spcBef>
-              <a:spcAft>
-                <a:spcPts val="0"/>
-              </a:spcAft>
-              <a:buNone/>
-            </a:pPr>
-            <a:r>
-              <a:rPr lang="en" sz="1500">
-                <a:solidFill>
-                  <a:srgbClr val="FF0000"/>
-                </a:solidFill>
-                <a:latin typeface="Twentieth Century"/>
-                <a:ea typeface="Twentieth Century"/>
-                <a:cs typeface="Twentieth Century"/>
-                <a:sym typeface="Twentieth Century"/>
-              </a:rPr>
-              <a:t>ENCODER</a:t>
-            </a:r>
-            <a:endParaRPr sz="1100"/>
-          </a:p>
-          <a:p>
-            <a:pPr marL="0" marR="0" lvl="0" indent="0" algn="l" rtl="0">
-              <a:spcBef>
-                <a:spcPts val="0"/>
-              </a:spcBef>
-              <a:spcAft>
-                <a:spcPts val="0"/>
-              </a:spcAft>
-              <a:buNone/>
-            </a:pPr>
-            <a:r>
-              <a:rPr lang="en" sz="1500">
-                <a:solidFill>
-                  <a:srgbClr val="FF0000"/>
-                </a:solidFill>
-                <a:latin typeface="Twentieth Century"/>
-                <a:ea typeface="Twentieth Century"/>
-                <a:cs typeface="Twentieth Century"/>
-                <a:sym typeface="Twentieth Century"/>
-              </a:rPr>
-              <a:t>Siempre leen la secuencia entera</a:t>
-            </a:r>
-            <a:endParaRPr sz="1100"/>
-          </a:p>
-        </p:txBody>
-      </p:sp>
-      <p:pic>
-        <p:nvPicPr>
-          <p:cNvPr id="279" name="Google Shape;279;g21c03c1d1e6_1_166"/>
-          <p:cNvPicPr preferRelativeResize="0"/>
-          <p:nvPr/>
-        </p:nvPicPr>
-        <p:blipFill rotWithShape="1">
-          <a:blip r:embed="rId3">
-            <a:alphaModFix/>
-          </a:blip>
-          <a:srcRect r="62273"/>
-          <a:stretch/>
-        </p:blipFill>
-        <p:spPr>
-          <a:xfrm>
-            <a:off x="227129" y="1112010"/>
-            <a:ext cx="3241627" cy="1838402"/>
-          </a:xfrm>
-          <a:prstGeom prst="rect">
-            <a:avLst/>
-          </a:prstGeom>
-          <a:noFill/>
-          <a:ln>
-            <a:noFill/>
-          </a:ln>
-        </p:spPr>
-      </p:pic>
-      <p:sp>
-        <p:nvSpPr>
-          <p:cNvPr id="280" name="Google Shape;280;g21c03c1d1e6_1_166"/>
-          <p:cNvSpPr/>
-          <p:nvPr/>
-        </p:nvSpPr>
-        <p:spPr>
-          <a:xfrm>
-            <a:off x="504296" y="3900038"/>
-            <a:ext cx="2667413" cy="300082"/>
-          </a:xfrm>
-          <a:prstGeom prst="rect">
-            <a:avLst/>
-          </a:prstGeom>
-          <a:noFill/>
-          <a:ln>
-            <a:noFill/>
-          </a:ln>
-        </p:spPr>
-        <p:txBody>
-          <a:bodyPr spcFirstLastPara="1" wrap="square" lIns="68575" tIns="34275" rIns="68575" bIns="34275" anchor="t" anchorCtr="0">
-            <a:noAutofit/>
-          </a:bodyPr>
-          <a:lstStyle/>
-          <a:p>
-            <a:pPr marL="0" marR="0" lvl="0" indent="0" algn="l" rtl="0">
-              <a:spcBef>
-                <a:spcPts val="0"/>
-              </a:spcBef>
-              <a:spcAft>
-                <a:spcPts val="0"/>
-              </a:spcAft>
-              <a:buNone/>
-            </a:pPr>
-            <a:r>
-              <a:rPr lang="en" sz="1500">
-                <a:solidFill>
-                  <a:srgbClr val="FF0000"/>
-                </a:solidFill>
-                <a:latin typeface="Twentieth Century"/>
-                <a:ea typeface="Twentieth Century"/>
-                <a:cs typeface="Twentieth Century"/>
-                <a:sym typeface="Twentieth Century"/>
-              </a:rPr>
-              <a:t>Emiten un hidden state final</a:t>
-            </a:r>
-            <a:endParaRPr sz="1100"/>
-          </a:p>
-        </p:txBody>
-      </p:sp>
-      <p:sp>
-        <p:nvSpPr>
-          <p:cNvPr id="281" name="Google Shape;281;g21c03c1d1e6_1_166"/>
-          <p:cNvSpPr/>
-          <p:nvPr/>
-        </p:nvSpPr>
-        <p:spPr>
-          <a:xfrm>
-            <a:off x="3652400" y="3191198"/>
-            <a:ext cx="4885544" cy="1454244"/>
-          </a:xfrm>
-          <a:prstGeom prst="rect">
-            <a:avLst/>
-          </a:prstGeom>
-          <a:noFill/>
-          <a:ln>
-            <a:noFill/>
-          </a:ln>
-        </p:spPr>
-        <p:txBody>
-          <a:bodyPr spcFirstLastPara="1" wrap="square" lIns="68575" tIns="34275" rIns="68575" bIns="34275" anchor="t" anchorCtr="0">
-            <a:noAutofit/>
-          </a:bodyPr>
-          <a:lstStyle/>
-          <a:p>
-            <a:pPr marL="0" marR="0" lvl="0" indent="0" algn="l" rtl="0">
-              <a:spcBef>
-                <a:spcPts val="0"/>
-              </a:spcBef>
-              <a:spcAft>
-                <a:spcPts val="0"/>
-              </a:spcAft>
-              <a:buNone/>
-            </a:pPr>
-            <a:r>
-              <a:rPr lang="en" sz="1500" dirty="0">
-                <a:solidFill>
-                  <a:srgbClr val="FF0000"/>
-                </a:solidFill>
-                <a:latin typeface="Twentieth Century"/>
-                <a:ea typeface="Twentieth Century"/>
-                <a:cs typeface="Twentieth Century"/>
-                <a:sym typeface="Twentieth Century"/>
-              </a:rPr>
-              <a:t>DECODER</a:t>
-            </a:r>
-            <a:endParaRPr sz="1100" dirty="0"/>
-          </a:p>
-          <a:p>
-            <a:pPr marL="0" marR="0" lvl="0" indent="0" algn="l" rtl="0">
-              <a:spcBef>
-                <a:spcPts val="0"/>
-              </a:spcBef>
-              <a:spcAft>
-                <a:spcPts val="0"/>
-              </a:spcAft>
-              <a:buNone/>
-            </a:pPr>
-            <a:r>
-              <a:rPr lang="en" sz="1500" dirty="0">
-                <a:solidFill>
-                  <a:srgbClr val="FF0000"/>
-                </a:solidFill>
-                <a:latin typeface="Twentieth Century"/>
-                <a:ea typeface="Twentieth Century"/>
-                <a:cs typeface="Twentieth Century"/>
-                <a:sym typeface="Twentieth Century"/>
-              </a:rPr>
-              <a:t>Entrenamiento </a:t>
-            </a:r>
-            <a:r>
-              <a:rPr lang="en" sz="1500" dirty="0">
-                <a:solidFill>
-                  <a:srgbClr val="FF0000"/>
-                </a:solidFill>
-                <a:latin typeface="Twentieth Century"/>
-                <a:ea typeface="Twentieth Century"/>
-                <a:cs typeface="Twentieth Century"/>
-                <a:sym typeface="Wingdings" panose="05000000000000000000" pitchFamily="2" charset="2"/>
-              </a:rPr>
-              <a:t></a:t>
-            </a:r>
-            <a:r>
-              <a:rPr lang="en" sz="1500" dirty="0">
-                <a:solidFill>
-                  <a:srgbClr val="FF0000"/>
-                </a:solidFill>
-                <a:latin typeface="Twentieth Century"/>
-                <a:ea typeface="Twentieth Century"/>
-                <a:cs typeface="Twentieth Century"/>
-                <a:sym typeface="Twentieth Century"/>
-              </a:rPr>
-              <a:t> for i in range(len(y_deseado):</a:t>
-            </a:r>
-            <a:endParaRPr sz="1100" dirty="0"/>
-          </a:p>
-          <a:p>
-            <a:pPr marL="0" marR="0" lvl="0" indent="0" algn="l" rtl="0">
-              <a:spcBef>
-                <a:spcPts val="0"/>
-              </a:spcBef>
-              <a:spcAft>
-                <a:spcPts val="0"/>
-              </a:spcAft>
-              <a:buNone/>
-            </a:pPr>
-            <a:r>
-              <a:rPr lang="en" sz="1500" dirty="0">
-                <a:solidFill>
-                  <a:srgbClr val="FF0000"/>
-                </a:solidFill>
-                <a:latin typeface="Twentieth Century"/>
-                <a:ea typeface="Twentieth Century"/>
-                <a:cs typeface="Twentieth Century"/>
-                <a:sym typeface="Twentieth Century"/>
-              </a:rPr>
-              <a:t>			genero_token</a:t>
-            </a:r>
-            <a:endParaRPr sz="1500" dirty="0">
-              <a:solidFill>
-                <a:srgbClr val="FF0000"/>
-              </a:solidFill>
-              <a:latin typeface="Twentieth Century"/>
-              <a:ea typeface="Twentieth Century"/>
-              <a:cs typeface="Twentieth Century"/>
-              <a:sym typeface="Twentieth Century"/>
-            </a:endParaRPr>
-          </a:p>
-          <a:p>
-            <a:pPr marL="0" marR="0" lvl="0" indent="0" algn="l" rtl="0">
-              <a:spcBef>
-                <a:spcPts val="0"/>
-              </a:spcBef>
-              <a:spcAft>
-                <a:spcPts val="0"/>
-              </a:spcAft>
-              <a:buNone/>
-            </a:pPr>
-            <a:endParaRPr sz="1500" dirty="0">
-              <a:solidFill>
-                <a:srgbClr val="FF0000"/>
-              </a:solidFill>
-              <a:latin typeface="Twentieth Century"/>
-              <a:ea typeface="Twentieth Century"/>
-              <a:cs typeface="Twentieth Century"/>
-              <a:sym typeface="Twentieth Century"/>
-            </a:endParaRPr>
-          </a:p>
-          <a:p>
-            <a:pPr marL="0" marR="0" lvl="0" indent="0" algn="l" rtl="0">
-              <a:spcBef>
-                <a:spcPts val="0"/>
-              </a:spcBef>
-              <a:spcAft>
-                <a:spcPts val="0"/>
-              </a:spcAft>
-              <a:buNone/>
-            </a:pPr>
-            <a:r>
-              <a:rPr lang="en" sz="1500" dirty="0">
-                <a:solidFill>
-                  <a:srgbClr val="FF0000"/>
-                </a:solidFill>
-                <a:latin typeface="Twentieth Century"/>
-                <a:ea typeface="Twentieth Century"/>
-                <a:cs typeface="Twentieth Century"/>
-                <a:sym typeface="Twentieth Century"/>
-              </a:rPr>
-              <a:t>Uso </a:t>
-            </a:r>
-            <a:r>
-              <a:rPr lang="en" sz="1500" dirty="0">
-                <a:solidFill>
-                  <a:srgbClr val="FF0000"/>
-                </a:solidFill>
-                <a:latin typeface="Twentieth Century"/>
-                <a:ea typeface="Twentieth Century"/>
-                <a:cs typeface="Twentieth Century"/>
-                <a:sym typeface="Wingdings" panose="05000000000000000000" pitchFamily="2" charset="2"/>
-              </a:rPr>
-              <a:t></a:t>
-            </a:r>
-            <a:r>
-              <a:rPr lang="en" sz="1500" dirty="0">
-                <a:solidFill>
-                  <a:srgbClr val="FF0000"/>
-                </a:solidFill>
-                <a:latin typeface="Twentieth Century"/>
-                <a:ea typeface="Twentieth Century"/>
-                <a:cs typeface="Twentieth Century"/>
-                <a:sym typeface="Twentieth Century"/>
-              </a:rPr>
-              <a:t> while last_token =! &lt;EOS&gt;:</a:t>
-            </a:r>
-            <a:endParaRPr sz="1100" dirty="0"/>
-          </a:p>
-          <a:p>
-            <a:pPr marL="0" marR="0" lvl="0" indent="0" algn="l" rtl="0">
-              <a:spcBef>
-                <a:spcPts val="0"/>
-              </a:spcBef>
-              <a:spcAft>
-                <a:spcPts val="0"/>
-              </a:spcAft>
-              <a:buNone/>
-            </a:pPr>
-            <a:r>
-              <a:rPr lang="en" sz="1500" dirty="0">
-                <a:solidFill>
-                  <a:srgbClr val="FF0000"/>
-                </a:solidFill>
-                <a:latin typeface="Twentieth Century"/>
-                <a:ea typeface="Twentieth Century"/>
-                <a:cs typeface="Twentieth Century"/>
-                <a:sym typeface="Twentieth Century"/>
-              </a:rPr>
-              <a:t>		genero_token</a:t>
-            </a:r>
-            <a:endParaRPr sz="1500" dirty="0">
-              <a:solidFill>
-                <a:srgbClr val="FF0000"/>
-              </a:solidFill>
-              <a:latin typeface="Twentieth Century"/>
-              <a:ea typeface="Twentieth Century"/>
-              <a:cs typeface="Twentieth Century"/>
-              <a:sym typeface="Twentieth Century"/>
-            </a:endParaRPr>
-          </a:p>
-        </p:txBody>
-      </p:sp>
-      <p:sp>
-        <p:nvSpPr>
-          <p:cNvPr id="282" name="Google Shape;282;g21c03c1d1e6_1_166"/>
-          <p:cNvSpPr/>
-          <p:nvPr/>
-        </p:nvSpPr>
-        <p:spPr>
-          <a:xfrm>
-            <a:off x="7125838" y="4736501"/>
-            <a:ext cx="1960500" cy="300000"/>
-          </a:xfrm>
-          <a:prstGeom prst="rect">
-            <a:avLst/>
-          </a:prstGeom>
-          <a:noFill/>
-          <a:ln>
-            <a:noFill/>
-          </a:ln>
-        </p:spPr>
-        <p:txBody>
-          <a:bodyPr spcFirstLastPara="1" wrap="square" lIns="68575" tIns="34275" rIns="68575" bIns="34275" anchor="t" anchorCtr="0">
-            <a:noAutofit/>
-          </a:bodyPr>
-          <a:lstStyle/>
-          <a:p>
-            <a:pPr marL="0" marR="0" lvl="0" indent="0" algn="l" rtl="0">
-              <a:spcBef>
-                <a:spcPts val="0"/>
-              </a:spcBef>
-              <a:spcAft>
-                <a:spcPts val="0"/>
-              </a:spcAft>
-              <a:buNone/>
-            </a:pPr>
-            <a:r>
-              <a:rPr lang="en" sz="1500" dirty="0">
-                <a:solidFill>
-                  <a:srgbClr val="FF0000"/>
-                </a:solidFill>
-                <a:latin typeface="Twentieth Century"/>
-                <a:ea typeface="Twentieth Century"/>
-                <a:cs typeface="Twentieth Century"/>
-                <a:sym typeface="Twentieth Century"/>
-              </a:rPr>
-              <a:t>TEACHER FORCING!!!</a:t>
-            </a:r>
-            <a:endParaRPr sz="1500" dirty="0">
-              <a:solidFill>
-                <a:srgbClr val="FF0000"/>
-              </a:solidFill>
-              <a:latin typeface="Twentieth Century"/>
-              <a:ea typeface="Twentieth Century"/>
-              <a:cs typeface="Twentieth Century"/>
-              <a:sym typeface="Twentieth Century"/>
-            </a:endParaRPr>
-          </a:p>
-        </p:txBody>
-      </p:sp>
-      <p:sp>
-        <p:nvSpPr>
-          <p:cNvPr id="283" name="Google Shape;283;g21c03c1d1e6_1_166"/>
-          <p:cNvSpPr txBox="1">
-            <a:spLocks noGrp="1"/>
-          </p:cNvSpPr>
-          <p:nvPr>
-            <p:ph type="title"/>
-          </p:nvPr>
-        </p:nvSpPr>
-        <p:spPr>
-          <a:xfrm>
-            <a:off x="0" y="0"/>
-            <a:ext cx="8826600" cy="602700"/>
-          </a:xfrm>
-          <a:prstGeom prst="rect">
-            <a:avLst/>
-          </a:prstGeom>
-        </p:spPr>
-        <p:txBody>
-          <a:bodyPr spcFirstLastPara="1" wrap="square" lIns="91425" tIns="91425" rIns="91425" bIns="91425" anchor="ctr" anchorCtr="0">
-            <a:normAutofit/>
-          </a:bodyPr>
-          <a:lstStyle/>
-          <a:p>
-            <a:pPr marL="0" lvl="0" indent="0" algn="l" rtl="0">
-              <a:spcBef>
-                <a:spcPts val="0"/>
-              </a:spcBef>
-              <a:spcAft>
-                <a:spcPts val="0"/>
-              </a:spcAft>
-              <a:buNone/>
-            </a:pPr>
-            <a:r>
-              <a:rPr lang="en"/>
-              <a:t>Redes recurrentes - Arquitectura enconder-decoder (seq to seq) entrenamiento</a:t>
-            </a:r>
-            <a:endParaRPr/>
-          </a:p>
-        </p:txBody>
-      </p:sp>
-    </p:spTree>
-  </p:cSld>
-  <p:clrMapOvr>
-    <a:masterClrMapping/>
-  </p:clrMapOvr>
-</p:sld>
-</file>
-
-<file path=ppt/slides/slide23.xml><?xml version="1.0" encoding="utf-8"?>
-<p:sld xmlns:a="http://schemas.openxmlformats.org/drawingml/2006/main" xmlns:r="http://schemas.openxmlformats.org/officeDocument/2006/relationships" xmlns:p="http://schemas.openxmlformats.org/presentationml/2006/main">
-  <p:cSld>
-    <p:spTree>
-      <p:nvGrpSpPr>
-        <p:cNvPr id="1" name="Shape 287"/>
-        <p:cNvGrpSpPr/>
-        <p:nvPr/>
-      </p:nvGrpSpPr>
-      <p:grpSpPr>
-        <a:xfrm>
-          <a:off x="0" y="0"/>
-          <a:ext cx="0" cy="0"/>
-          <a:chOff x="0" y="0"/>
-          <a:chExt cx="0" cy="0"/>
-        </a:xfrm>
-      </p:grpSpPr>
-      <p:sp>
-        <p:nvSpPr>
-          <p:cNvPr id="288" name="Google Shape;288;g21c03c1d1e6_1_177"/>
-          <p:cNvSpPr txBox="1"/>
-          <p:nvPr/>
-        </p:nvSpPr>
-        <p:spPr>
-          <a:xfrm>
-            <a:off x="1185903" y="669650"/>
-            <a:ext cx="6454800" cy="608400"/>
-          </a:xfrm>
-          <a:prstGeom prst="rect">
-            <a:avLst/>
-          </a:prstGeom>
-          <a:noFill/>
-          <a:ln>
-            <a:noFill/>
-          </a:ln>
-        </p:spPr>
-        <p:txBody>
-          <a:bodyPr spcFirstLastPara="1" wrap="square" lIns="68575" tIns="34275" rIns="68575" bIns="34275" anchor="t" anchorCtr="0">
-            <a:noAutofit/>
-          </a:bodyPr>
-          <a:lstStyle/>
-          <a:p>
-            <a:pPr marL="0" marR="0" lvl="0" indent="0" algn="ctr" rtl="0">
-              <a:lnSpc>
-                <a:spcPct val="120000"/>
-              </a:lnSpc>
-              <a:spcBef>
-                <a:spcPts val="0"/>
-              </a:spcBef>
-              <a:spcAft>
-                <a:spcPts val="0"/>
-              </a:spcAft>
-              <a:buClr>
-                <a:schemeClr val="dk1"/>
-              </a:buClr>
-              <a:buSzPts val="3000"/>
-              <a:buFont typeface="Arial"/>
-              <a:buNone/>
-            </a:pPr>
-            <a:r>
-              <a:rPr lang="en" sz="2400">
-                <a:solidFill>
-                  <a:schemeClr val="dk2"/>
-                </a:solidFill>
-                <a:latin typeface="Twentieth Century"/>
-                <a:ea typeface="Twentieth Century"/>
-                <a:cs typeface="Twentieth Century"/>
-                <a:sym typeface="Twentieth Century"/>
-              </a:rPr>
-              <a:t>Arquitecturas flexibles IN/OUT</a:t>
-            </a:r>
-            <a:endParaRPr sz="1100">
-              <a:solidFill>
-                <a:schemeClr val="dk2"/>
-              </a:solidFill>
-            </a:endParaRPr>
-          </a:p>
-        </p:txBody>
-      </p:sp>
-      <p:pic>
-        <p:nvPicPr>
-          <p:cNvPr id="289" name="Google Shape;289;g21c03c1d1e6_1_177"/>
-          <p:cNvPicPr preferRelativeResize="0"/>
-          <p:nvPr/>
-        </p:nvPicPr>
-        <p:blipFill rotWithShape="1">
-          <a:blip r:embed="rId3">
-            <a:alphaModFix/>
-          </a:blip>
-          <a:srcRect/>
-          <a:stretch/>
-        </p:blipFill>
-        <p:spPr>
-          <a:xfrm>
-            <a:off x="0" y="1078939"/>
-            <a:ext cx="9143998" cy="2862230"/>
-          </a:xfrm>
-          <a:prstGeom prst="rect">
-            <a:avLst/>
-          </a:prstGeom>
-          <a:noFill/>
-          <a:ln>
-            <a:noFill/>
-          </a:ln>
-        </p:spPr>
-      </p:pic>
-      <p:sp>
-        <p:nvSpPr>
-          <p:cNvPr id="290" name="Google Shape;290;g21c03c1d1e6_1_177"/>
-          <p:cNvSpPr txBox="1"/>
-          <p:nvPr/>
-        </p:nvSpPr>
-        <p:spPr>
-          <a:xfrm>
-            <a:off x="330020" y="4045863"/>
-            <a:ext cx="560232" cy="271779"/>
-          </a:xfrm>
-          <a:prstGeom prst="rect">
-            <a:avLst/>
-          </a:prstGeom>
-          <a:noFill/>
-          <a:ln>
-            <a:noFill/>
-          </a:ln>
-        </p:spPr>
-        <p:txBody>
-          <a:bodyPr spcFirstLastPara="1" wrap="square" lIns="68575" tIns="34275" rIns="68575" bIns="34275" anchor="t" anchorCtr="0">
-            <a:noAutofit/>
-          </a:bodyPr>
-          <a:lstStyle/>
-          <a:p>
-            <a:pPr marL="0" marR="0" lvl="0" indent="0" algn="l" rtl="0">
-              <a:lnSpc>
-                <a:spcPct val="90000"/>
-              </a:lnSpc>
-              <a:spcBef>
-                <a:spcPts val="0"/>
-              </a:spcBef>
-              <a:spcAft>
-                <a:spcPts val="0"/>
-              </a:spcAft>
-              <a:buClr>
-                <a:schemeClr val="dk1"/>
-              </a:buClr>
-              <a:buSzPts val="1500"/>
-              <a:buFont typeface="Arial"/>
-              <a:buNone/>
-            </a:pPr>
-            <a:r>
-              <a:rPr lang="en" sz="1500">
-                <a:latin typeface="Twentieth Century"/>
-                <a:ea typeface="Twentieth Century"/>
-                <a:cs typeface="Twentieth Century"/>
-                <a:sym typeface="Twentieth Century"/>
-              </a:rPr>
-              <a:t>MLP</a:t>
-            </a:r>
-            <a:endParaRPr sz="1100"/>
-          </a:p>
-        </p:txBody>
-      </p:sp>
-      <p:sp>
-        <p:nvSpPr>
-          <p:cNvPr id="291" name="Google Shape;291;g21c03c1d1e6_1_177"/>
-          <p:cNvSpPr txBox="1"/>
-          <p:nvPr/>
-        </p:nvSpPr>
-        <p:spPr>
-          <a:xfrm>
-            <a:off x="1418285" y="4045863"/>
-            <a:ext cx="1382870" cy="392518"/>
-          </a:xfrm>
-          <a:prstGeom prst="rect">
-            <a:avLst/>
-          </a:prstGeom>
-          <a:noFill/>
-          <a:ln>
-            <a:noFill/>
-          </a:ln>
-        </p:spPr>
-        <p:txBody>
-          <a:bodyPr spcFirstLastPara="1" wrap="square" lIns="68575" tIns="34275" rIns="68575" bIns="34275" anchor="t" anchorCtr="0">
-            <a:noAutofit/>
-          </a:bodyPr>
-          <a:lstStyle/>
-          <a:p>
-            <a:pPr marL="0" marR="0" lvl="0" indent="0" algn="l" rtl="0">
-              <a:lnSpc>
-                <a:spcPct val="90000"/>
-              </a:lnSpc>
-              <a:spcBef>
-                <a:spcPts val="0"/>
-              </a:spcBef>
-              <a:spcAft>
-                <a:spcPts val="0"/>
-              </a:spcAft>
-              <a:buClr>
-                <a:schemeClr val="dk1"/>
-              </a:buClr>
-              <a:buSzPts val="1400"/>
-              <a:buFont typeface="Arial"/>
-              <a:buNone/>
-            </a:pPr>
-            <a:r>
-              <a:rPr lang="en" sz="1400">
-                <a:latin typeface="Twentieth Century"/>
-                <a:ea typeface="Twentieth Century"/>
-                <a:cs typeface="Twentieth Century"/>
-                <a:sym typeface="Twentieth Century"/>
-              </a:rPr>
-              <a:t>Img captioning</a:t>
-            </a:r>
-            <a:endParaRPr sz="1400">
-              <a:latin typeface="Twentieth Century"/>
-              <a:ea typeface="Twentieth Century"/>
-              <a:cs typeface="Twentieth Century"/>
-              <a:sym typeface="Twentieth Century"/>
-            </a:endParaRPr>
-          </a:p>
-        </p:txBody>
-      </p:sp>
-      <p:sp>
-        <p:nvSpPr>
-          <p:cNvPr id="292" name="Google Shape;292;g21c03c1d1e6_1_177"/>
-          <p:cNvSpPr txBox="1"/>
-          <p:nvPr/>
-        </p:nvSpPr>
-        <p:spPr>
-          <a:xfrm>
-            <a:off x="3189130" y="3740938"/>
-            <a:ext cx="1485901" cy="609850"/>
-          </a:xfrm>
-          <a:prstGeom prst="rect">
-            <a:avLst/>
-          </a:prstGeom>
-          <a:noFill/>
-          <a:ln>
-            <a:noFill/>
-          </a:ln>
-        </p:spPr>
-        <p:txBody>
-          <a:bodyPr spcFirstLastPara="1" wrap="square" lIns="68575" tIns="34275" rIns="68575" bIns="34275" anchor="t" anchorCtr="0">
-            <a:noAutofit/>
-          </a:bodyPr>
-          <a:lstStyle/>
-          <a:p>
-            <a:pPr marL="0" marR="0" lvl="0" indent="0" algn="l" rtl="0">
-              <a:lnSpc>
-                <a:spcPct val="90000"/>
-              </a:lnSpc>
-              <a:spcBef>
-                <a:spcPts val="0"/>
-              </a:spcBef>
-              <a:spcAft>
-                <a:spcPts val="0"/>
-              </a:spcAft>
-              <a:buClr>
-                <a:schemeClr val="dk1"/>
-              </a:buClr>
-              <a:buSzPts val="1400"/>
-              <a:buFont typeface="Arial"/>
-              <a:buNone/>
-            </a:pPr>
-            <a:r>
-              <a:rPr lang="en" sz="1400">
-                <a:latin typeface="Twentieth Century"/>
-                <a:ea typeface="Twentieth Century"/>
-                <a:cs typeface="Twentieth Century"/>
-                <a:sym typeface="Twentieth Century"/>
-              </a:rPr>
-              <a:t>Regresión</a:t>
-            </a:r>
-            <a:endParaRPr sz="1100"/>
-          </a:p>
-          <a:p>
-            <a:pPr marL="0" marR="0" lvl="0" indent="0" algn="l" rtl="0">
-              <a:lnSpc>
-                <a:spcPct val="90000"/>
-              </a:lnSpc>
-              <a:spcBef>
-                <a:spcPts val="800"/>
-              </a:spcBef>
-              <a:spcAft>
-                <a:spcPts val="0"/>
-              </a:spcAft>
-              <a:buClr>
-                <a:schemeClr val="dk1"/>
-              </a:buClr>
-              <a:buSzPts val="1400"/>
-              <a:buFont typeface="Arial"/>
-              <a:buNone/>
-            </a:pPr>
-            <a:r>
-              <a:rPr lang="en" sz="1400">
-                <a:latin typeface="Twentieth Century"/>
-                <a:ea typeface="Twentieth Century"/>
-                <a:cs typeface="Twentieth Century"/>
-                <a:sym typeface="Twentieth Century"/>
-              </a:rPr>
-              <a:t>Classificacion</a:t>
-            </a:r>
-            <a:endParaRPr sz="1400">
-              <a:latin typeface="Twentieth Century"/>
-              <a:ea typeface="Twentieth Century"/>
-              <a:cs typeface="Twentieth Century"/>
-              <a:sym typeface="Twentieth Century"/>
-            </a:endParaRPr>
-          </a:p>
-          <a:p>
-            <a:pPr marL="0" marR="0" lvl="0" indent="0" algn="l" rtl="0">
-              <a:lnSpc>
-                <a:spcPct val="90000"/>
-              </a:lnSpc>
-              <a:spcBef>
-                <a:spcPts val="800"/>
-              </a:spcBef>
-              <a:spcAft>
-                <a:spcPts val="0"/>
-              </a:spcAft>
-              <a:buClr>
-                <a:schemeClr val="dk1"/>
-              </a:buClr>
-              <a:buSzPts val="1400"/>
-              <a:buFont typeface="Arial"/>
-              <a:buNone/>
-            </a:pPr>
-            <a:r>
-              <a:rPr lang="en" sz="1400">
-                <a:latin typeface="Twentieth Century"/>
-                <a:ea typeface="Twentieth Century"/>
-                <a:cs typeface="Twentieth Century"/>
-                <a:sym typeface="Twentieth Century"/>
-              </a:rPr>
-              <a:t>Sentiment classification</a:t>
-            </a:r>
-            <a:endParaRPr sz="1400">
-              <a:latin typeface="Twentieth Century"/>
-              <a:ea typeface="Twentieth Century"/>
-              <a:cs typeface="Twentieth Century"/>
-              <a:sym typeface="Twentieth Century"/>
-            </a:endParaRPr>
-          </a:p>
-          <a:p>
-            <a:pPr marL="0" marR="0" lvl="0" indent="0" algn="l" rtl="0">
-              <a:lnSpc>
-                <a:spcPct val="90000"/>
-              </a:lnSpc>
-              <a:spcBef>
-                <a:spcPts val="800"/>
-              </a:spcBef>
-              <a:spcAft>
-                <a:spcPts val="0"/>
-              </a:spcAft>
-              <a:buClr>
-                <a:schemeClr val="dk1"/>
-              </a:buClr>
-              <a:buSzPts val="1400"/>
-              <a:buFont typeface="Arial"/>
-              <a:buNone/>
-            </a:pPr>
-            <a:r>
-              <a:rPr lang="en" sz="1400">
-                <a:latin typeface="Twentieth Century"/>
-                <a:ea typeface="Twentieth Century"/>
-                <a:cs typeface="Twentieth Century"/>
-                <a:sym typeface="Twentieth Century"/>
-              </a:rPr>
-              <a:t>Resumen de videos</a:t>
-            </a:r>
-            <a:endParaRPr sz="1100"/>
-          </a:p>
-          <a:p>
-            <a:pPr marL="0" marR="0" lvl="0" indent="0" algn="l" rtl="0">
-              <a:lnSpc>
-                <a:spcPct val="90000"/>
-              </a:lnSpc>
-              <a:spcBef>
-                <a:spcPts val="800"/>
-              </a:spcBef>
-              <a:spcAft>
-                <a:spcPts val="0"/>
-              </a:spcAft>
-              <a:buClr>
-                <a:schemeClr val="lt1"/>
-              </a:buClr>
-              <a:buSzPts val="1400"/>
-              <a:buFont typeface="Arial"/>
-              <a:buNone/>
-            </a:pPr>
-            <a:endParaRPr sz="1400">
-              <a:latin typeface="Twentieth Century"/>
-              <a:ea typeface="Twentieth Century"/>
-              <a:cs typeface="Twentieth Century"/>
-              <a:sym typeface="Twentieth Century"/>
-            </a:endParaRPr>
-          </a:p>
-        </p:txBody>
-      </p:sp>
-      <p:sp>
-        <p:nvSpPr>
-          <p:cNvPr id="293" name="Google Shape;293;g21c03c1d1e6_1_177"/>
-          <p:cNvSpPr txBox="1"/>
-          <p:nvPr/>
-        </p:nvSpPr>
-        <p:spPr>
-          <a:xfrm>
-            <a:off x="5100033" y="4045863"/>
-            <a:ext cx="2327857" cy="392518"/>
-          </a:xfrm>
-          <a:prstGeom prst="rect">
-            <a:avLst/>
-          </a:prstGeom>
-          <a:noFill/>
-          <a:ln>
-            <a:noFill/>
-          </a:ln>
-        </p:spPr>
-        <p:txBody>
-          <a:bodyPr spcFirstLastPara="1" wrap="square" lIns="68575" tIns="34275" rIns="68575" bIns="34275" anchor="t" anchorCtr="0">
-            <a:noAutofit/>
-          </a:bodyPr>
-          <a:lstStyle/>
-          <a:p>
-            <a:pPr marL="0" marR="0" lvl="0" indent="0" algn="l" rtl="0">
-              <a:lnSpc>
-                <a:spcPct val="90000"/>
-              </a:lnSpc>
-              <a:spcBef>
-                <a:spcPts val="0"/>
-              </a:spcBef>
-              <a:spcAft>
-                <a:spcPts val="0"/>
-              </a:spcAft>
-              <a:buClr>
-                <a:schemeClr val="dk1"/>
-              </a:buClr>
-              <a:buSzPts val="1400"/>
-              <a:buFont typeface="Arial"/>
-              <a:buNone/>
-            </a:pPr>
-            <a:r>
-              <a:rPr lang="en" sz="1400">
-                <a:latin typeface="Twentieth Century"/>
-                <a:ea typeface="Twentieth Century"/>
-                <a:cs typeface="Twentieth Century"/>
-                <a:sym typeface="Twentieth Century"/>
-              </a:rPr>
-              <a:t>Regresión varios futuros</a:t>
-            </a:r>
-            <a:endParaRPr sz="1100"/>
-          </a:p>
-          <a:p>
-            <a:pPr marL="0" marR="0" lvl="0" indent="0" algn="l" rtl="0">
-              <a:lnSpc>
-                <a:spcPct val="90000"/>
-              </a:lnSpc>
-              <a:spcBef>
-                <a:spcPts val="800"/>
-              </a:spcBef>
-              <a:spcAft>
-                <a:spcPts val="0"/>
-              </a:spcAft>
-              <a:buClr>
-                <a:schemeClr val="dk1"/>
-              </a:buClr>
-              <a:buSzPts val="1400"/>
-              <a:buFont typeface="Arial"/>
-              <a:buNone/>
-            </a:pPr>
-            <a:r>
-              <a:rPr lang="en" sz="1400">
-                <a:latin typeface="Twentieth Century"/>
-                <a:ea typeface="Twentieth Century"/>
-                <a:cs typeface="Twentieth Century"/>
-                <a:sym typeface="Twentieth Century"/>
-              </a:rPr>
-              <a:t>Traducción</a:t>
-            </a:r>
-            <a:endParaRPr sz="1100"/>
-          </a:p>
-        </p:txBody>
-      </p:sp>
-      <p:sp>
-        <p:nvSpPr>
-          <p:cNvPr id="294" name="Google Shape;294;g21c03c1d1e6_1_177"/>
-          <p:cNvSpPr txBox="1"/>
-          <p:nvPr/>
-        </p:nvSpPr>
-        <p:spPr>
-          <a:xfrm>
-            <a:off x="7532531" y="4045863"/>
-            <a:ext cx="1276618" cy="392518"/>
-          </a:xfrm>
-          <a:prstGeom prst="rect">
-            <a:avLst/>
-          </a:prstGeom>
-          <a:noFill/>
-          <a:ln>
-            <a:noFill/>
-          </a:ln>
-        </p:spPr>
-        <p:txBody>
-          <a:bodyPr spcFirstLastPara="1" wrap="square" lIns="68575" tIns="34275" rIns="68575" bIns="34275" anchor="t" anchorCtr="0">
-            <a:noAutofit/>
-          </a:bodyPr>
-          <a:lstStyle/>
-          <a:p>
-            <a:pPr marL="0" marR="0" lvl="0" indent="0" algn="l" rtl="0">
-              <a:lnSpc>
-                <a:spcPct val="90000"/>
-              </a:lnSpc>
-              <a:spcBef>
-                <a:spcPts val="0"/>
-              </a:spcBef>
-              <a:spcAft>
-                <a:spcPts val="0"/>
-              </a:spcAft>
-              <a:buClr>
-                <a:schemeClr val="dk1"/>
-              </a:buClr>
-              <a:buSzPts val="1400"/>
-              <a:buFont typeface="Arial"/>
-              <a:buNone/>
-            </a:pPr>
-            <a:r>
-              <a:rPr lang="en" sz="1400">
-                <a:latin typeface="Twentieth Century"/>
-                <a:ea typeface="Twentieth Century"/>
-                <a:cs typeface="Twentieth Century"/>
-                <a:sym typeface="Twentieth Century"/>
-              </a:rPr>
-              <a:t>Video class frame lvl</a:t>
-            </a:r>
-            <a:endParaRPr sz="1400">
-              <a:latin typeface="Twentieth Century"/>
-              <a:ea typeface="Twentieth Century"/>
-              <a:cs typeface="Twentieth Century"/>
-              <a:sym typeface="Twentieth Century"/>
-            </a:endParaRPr>
-          </a:p>
-        </p:txBody>
-      </p:sp>
-      <p:sp>
-        <p:nvSpPr>
-          <p:cNvPr id="295" name="Google Shape;295;g21c03c1d1e6_1_177"/>
-          <p:cNvSpPr txBox="1">
-            <a:spLocks noGrp="1"/>
-          </p:cNvSpPr>
-          <p:nvPr>
-            <p:ph type="title"/>
-          </p:nvPr>
-        </p:nvSpPr>
-        <p:spPr>
-          <a:xfrm>
-            <a:off x="0" y="0"/>
-            <a:ext cx="8826600" cy="602700"/>
-          </a:xfrm>
-          <a:prstGeom prst="rect">
-            <a:avLst/>
-          </a:prstGeom>
-        </p:spPr>
-        <p:txBody>
-          <a:bodyPr spcFirstLastPara="1" wrap="square" lIns="91425" tIns="91425" rIns="91425" bIns="91425" anchor="ctr" anchorCtr="0">
-            <a:normAutofit/>
-          </a:bodyPr>
-          <a:lstStyle/>
-          <a:p>
-            <a:pPr marL="0" lvl="0" indent="0" algn="l" rtl="0">
-              <a:spcBef>
-                <a:spcPts val="0"/>
-              </a:spcBef>
-              <a:spcAft>
-                <a:spcPts val="0"/>
-              </a:spcAft>
-              <a:buNone/>
-            </a:pPr>
-            <a:r>
-              <a:rPr lang="en"/>
-              <a:t>Redes recurrentes - Arquitectura enconder-decoder (seq to seq)</a:t>
-            </a:r>
-            <a:endParaRPr/>
-          </a:p>
-        </p:txBody>
-      </p:sp>
-    </p:spTree>
-  </p:cSld>
-  <p:clrMapOvr>
-    <a:masterClrMapping/>
-  </p:clrMapOvr>
-</p:sld>
-</file>
-
-<file path=ppt/slides/slide24.xml><?xml version="1.0" encoding="utf-8"?>
 <p:sld xmlns:a="http://schemas.openxmlformats.org/drawingml/2006/main" xmlns:r="http://schemas.openxmlformats.org/officeDocument/2006/relationships" xmlns:p="http://schemas.openxmlformats.org/presentationml/2006/main">
   <p:cSld>
     <p:spTree>
@@ -23817,7 +21677,3382 @@
 </p:sld>
 </file>
 
+<file path=ppt/slides/slide19.xml><?xml version="1.0" encoding="utf-8"?>
+<p:sld xmlns:a="http://schemas.openxmlformats.org/drawingml/2006/main" xmlns:r="http://schemas.openxmlformats.org/officeDocument/2006/relationships" xmlns:p="http://schemas.openxmlformats.org/presentationml/2006/main">
+  <p:cSld>
+    <p:spTree>
+      <p:nvGrpSpPr>
+        <p:cNvPr id="1" name="Shape 244"/>
+        <p:cNvGrpSpPr/>
+        <p:nvPr/>
+      </p:nvGrpSpPr>
+      <p:grpSpPr>
+        <a:xfrm>
+          <a:off x="0" y="0"/>
+          <a:ext cx="0" cy="0"/>
+          <a:chOff x="0" y="0"/>
+          <a:chExt cx="0" cy="0"/>
+        </a:xfrm>
+      </p:grpSpPr>
+      <p:pic>
+        <p:nvPicPr>
+          <p:cNvPr id="245" name="Google Shape;245;g21c03c1d1e6_1_140"/>
+          <p:cNvPicPr preferRelativeResize="0"/>
+          <p:nvPr/>
+        </p:nvPicPr>
+        <p:blipFill rotWithShape="1">
+          <a:blip r:embed="rId3">
+            <a:alphaModFix/>
+          </a:blip>
+          <a:srcRect/>
+          <a:stretch/>
+        </p:blipFill>
+        <p:spPr>
+          <a:xfrm>
+            <a:off x="598867" y="1043643"/>
+            <a:ext cx="8080892" cy="3674905"/>
+          </a:xfrm>
+          <a:prstGeom prst="rect">
+            <a:avLst/>
+          </a:prstGeom>
+          <a:noFill/>
+          <a:ln>
+            <a:noFill/>
+          </a:ln>
+        </p:spPr>
+      </p:pic>
+      <p:sp>
+        <p:nvSpPr>
+          <p:cNvPr id="246" name="Google Shape;246;g21c03c1d1e6_1_140"/>
+          <p:cNvSpPr txBox="1">
+            <a:spLocks noGrp="1"/>
+          </p:cNvSpPr>
+          <p:nvPr>
+            <p:ph type="title"/>
+          </p:nvPr>
+        </p:nvSpPr>
+        <p:spPr>
+          <a:xfrm>
+            <a:off x="98250" y="16350"/>
+            <a:ext cx="8826600" cy="602700"/>
+          </a:xfrm>
+          <a:prstGeom prst="rect">
+            <a:avLst/>
+          </a:prstGeom>
+        </p:spPr>
+        <p:txBody>
+          <a:bodyPr spcFirstLastPara="1" wrap="square" lIns="91425" tIns="91425" rIns="91425" bIns="91425" anchor="ctr" anchorCtr="0">
+            <a:normAutofit/>
+          </a:bodyPr>
+          <a:lstStyle/>
+          <a:p>
+            <a:pPr marL="0" lvl="0" indent="0" algn="ctr" rtl="0">
+              <a:lnSpc>
+                <a:spcPct val="90000"/>
+              </a:lnSpc>
+              <a:spcBef>
+                <a:spcPts val="0"/>
+              </a:spcBef>
+              <a:spcAft>
+                <a:spcPts val="0"/>
+              </a:spcAft>
+              <a:buClr>
+                <a:srgbClr val="FF0000"/>
+              </a:buClr>
+              <a:buSzPct val="100000"/>
+              <a:buFont typeface="Arial"/>
+              <a:buNone/>
+            </a:pPr>
+            <a:r>
+              <a:rPr lang="en" sz="2400" b="1">
+                <a:solidFill>
+                  <a:srgbClr val="FF0000"/>
+                </a:solidFill>
+                <a:latin typeface="Twentieth Century"/>
+                <a:ea typeface="Twentieth Century"/>
+                <a:cs typeface="Twentieth Century"/>
+                <a:sym typeface="Twentieth Century"/>
+              </a:rPr>
+              <a:t>¡Un merecido descanso!</a:t>
+            </a:r>
+            <a:endParaRPr sz="1100">
+              <a:solidFill>
+                <a:srgbClr val="000000"/>
+              </a:solidFill>
+              <a:latin typeface="Arial"/>
+              <a:ea typeface="Arial"/>
+              <a:cs typeface="Arial"/>
+              <a:sym typeface="Arial"/>
+            </a:endParaRPr>
+          </a:p>
+          <a:p>
+            <a:pPr marL="0" lvl="0" indent="0" algn="l" rtl="0">
+              <a:spcBef>
+                <a:spcPts val="0"/>
+              </a:spcBef>
+              <a:spcAft>
+                <a:spcPts val="0"/>
+              </a:spcAft>
+              <a:buNone/>
+            </a:pPr>
+            <a:endParaRPr/>
+          </a:p>
+        </p:txBody>
+      </p:sp>
+    </p:spTree>
+  </p:cSld>
+  <p:clrMapOvr>
+    <a:masterClrMapping/>
+  </p:clrMapOvr>
+</p:sld>
+</file>
+
+<file path=ppt/slides/slide2.xml><?xml version="1.0" encoding="utf-8"?>
+<p:sld xmlns:a="http://schemas.openxmlformats.org/drawingml/2006/main" xmlns:r="http://schemas.openxmlformats.org/officeDocument/2006/relationships" xmlns:p="http://schemas.openxmlformats.org/presentationml/2006/main">
+  <p:cSld>
+    <p:spTree>
+      <p:nvGrpSpPr>
+        <p:cNvPr id="1" name="Shape 80"/>
+        <p:cNvGrpSpPr/>
+        <p:nvPr/>
+      </p:nvGrpSpPr>
+      <p:grpSpPr>
+        <a:xfrm>
+          <a:off x="0" y="0"/>
+          <a:ext cx="0" cy="0"/>
+          <a:chOff x="0" y="0"/>
+          <a:chExt cx="0" cy="0"/>
+        </a:xfrm>
+      </p:grpSpPr>
+      <p:sp>
+        <p:nvSpPr>
+          <p:cNvPr id="81" name="Google Shape;81;p2"/>
+          <p:cNvSpPr txBox="1">
+            <a:spLocks noGrp="1"/>
+          </p:cNvSpPr>
+          <p:nvPr>
+            <p:ph type="title"/>
+          </p:nvPr>
+        </p:nvSpPr>
+        <p:spPr>
+          <a:xfrm>
+            <a:off x="471900" y="174125"/>
+            <a:ext cx="8222100" cy="1332300"/>
+          </a:xfrm>
+          <a:prstGeom prst="rect">
+            <a:avLst/>
+          </a:prstGeom>
+          <a:noFill/>
+          <a:ln>
+            <a:noFill/>
+          </a:ln>
+        </p:spPr>
+        <p:txBody>
+          <a:bodyPr spcFirstLastPara="1" wrap="square" lIns="91425" tIns="91425" rIns="91425" bIns="91425" anchor="b" anchorCtr="0">
+            <a:noAutofit/>
+          </a:bodyPr>
+          <a:lstStyle/>
+          <a:p>
+            <a:pPr marL="0" lvl="0" indent="0" algn="ctr" rtl="0">
+              <a:lnSpc>
+                <a:spcPct val="120000"/>
+              </a:lnSpc>
+              <a:spcBef>
+                <a:spcPts val="1000"/>
+              </a:spcBef>
+              <a:spcAft>
+                <a:spcPts val="0"/>
+              </a:spcAft>
+              <a:buSzPts val="990"/>
+              <a:buNone/>
+            </a:pPr>
+            <a:r>
+              <a:rPr lang="en" sz="2818">
+                <a:latin typeface="Arial"/>
+                <a:ea typeface="Arial"/>
+                <a:cs typeface="Arial"/>
+                <a:sym typeface="Arial"/>
+              </a:rPr>
+              <a:t>Redes Recurrentes</a:t>
+            </a:r>
+            <a:endParaRPr sz="2818">
+              <a:latin typeface="Arial"/>
+              <a:ea typeface="Arial"/>
+              <a:cs typeface="Arial"/>
+              <a:sym typeface="Arial"/>
+            </a:endParaRPr>
+          </a:p>
+          <a:p>
+            <a:pPr marL="0" lvl="0" indent="0" algn="ctr" rtl="0">
+              <a:lnSpc>
+                <a:spcPct val="120000"/>
+              </a:lnSpc>
+              <a:spcBef>
+                <a:spcPts val="1000"/>
+              </a:spcBef>
+              <a:spcAft>
+                <a:spcPts val="0"/>
+              </a:spcAft>
+              <a:buSzPts val="990"/>
+              <a:buNone/>
+            </a:pPr>
+            <a:r>
+              <a:rPr lang="en" sz="2818">
+                <a:latin typeface="Arial"/>
+                <a:ea typeface="Arial"/>
+                <a:cs typeface="Arial"/>
+                <a:sym typeface="Arial"/>
+              </a:rPr>
+              <a:t>Recurrent Neural Network (RNN)</a:t>
+            </a:r>
+            <a:endParaRPr sz="2208"/>
+          </a:p>
+        </p:txBody>
+      </p:sp>
+      <p:sp>
+        <p:nvSpPr>
+          <p:cNvPr id="82" name="Google Shape;82;p2"/>
+          <p:cNvSpPr txBox="1">
+            <a:spLocks noGrp="1"/>
+          </p:cNvSpPr>
+          <p:nvPr>
+            <p:ph type="body" idx="1"/>
+          </p:nvPr>
+        </p:nvSpPr>
+        <p:spPr>
+          <a:xfrm>
+            <a:off x="471900" y="1986025"/>
+            <a:ext cx="3358800" cy="3050400"/>
+          </a:xfrm>
+          <a:prstGeom prst="rect">
+            <a:avLst/>
+          </a:prstGeom>
+          <a:noFill/>
+          <a:ln>
+            <a:noFill/>
+          </a:ln>
+        </p:spPr>
+        <p:txBody>
+          <a:bodyPr spcFirstLastPara="1" wrap="square" lIns="91425" tIns="91425" rIns="91425" bIns="91425" anchor="t" anchorCtr="0">
+            <a:noAutofit/>
+          </a:bodyPr>
+          <a:lstStyle/>
+          <a:p>
+            <a:pPr marL="0" lvl="0" indent="0" algn="l" rtl="0">
+              <a:lnSpc>
+                <a:spcPct val="95000"/>
+              </a:lnSpc>
+              <a:spcBef>
+                <a:spcPts val="0"/>
+              </a:spcBef>
+              <a:spcAft>
+                <a:spcPts val="0"/>
+              </a:spcAft>
+              <a:buSzPts val="1018"/>
+              <a:buNone/>
+            </a:pPr>
+            <a:r>
+              <a:rPr lang="en">
+                <a:solidFill>
+                  <a:schemeClr val="dk2"/>
+                </a:solidFill>
+              </a:rPr>
+              <a:t>. Introducción</a:t>
+            </a:r>
+            <a:endParaRPr>
+              <a:solidFill>
+                <a:schemeClr val="dk2"/>
+              </a:solidFill>
+            </a:endParaRPr>
+          </a:p>
+          <a:p>
+            <a:pPr marL="0" lvl="0" indent="0" algn="l" rtl="0">
+              <a:lnSpc>
+                <a:spcPct val="95000"/>
+              </a:lnSpc>
+              <a:spcBef>
+                <a:spcPts val="1200"/>
+              </a:spcBef>
+              <a:spcAft>
+                <a:spcPts val="0"/>
+              </a:spcAft>
+              <a:buSzPts val="1018"/>
+              <a:buNone/>
+            </a:pPr>
+            <a:r>
+              <a:rPr lang="en">
+                <a:solidFill>
+                  <a:schemeClr val="dk2"/>
+                </a:solidFill>
+              </a:rPr>
+              <a:t>. Neurona recurrente básica</a:t>
+            </a:r>
+            <a:endParaRPr>
+              <a:solidFill>
+                <a:schemeClr val="dk2"/>
+              </a:solidFill>
+            </a:endParaRPr>
+          </a:p>
+          <a:p>
+            <a:pPr marL="0" lvl="0" indent="0" algn="l" rtl="0">
+              <a:lnSpc>
+                <a:spcPct val="95000"/>
+              </a:lnSpc>
+              <a:spcBef>
+                <a:spcPts val="1200"/>
+              </a:spcBef>
+              <a:spcAft>
+                <a:spcPts val="0"/>
+              </a:spcAft>
+              <a:buSzPts val="1018"/>
+              <a:buNone/>
+            </a:pPr>
+            <a:r>
+              <a:rPr lang="en">
+                <a:solidFill>
+                  <a:schemeClr val="dk2"/>
+                </a:solidFill>
+              </a:rPr>
+              <a:t>. Implementación en pytorch</a:t>
+            </a:r>
+            <a:endParaRPr>
+              <a:solidFill>
+                <a:schemeClr val="dk2"/>
+              </a:solidFill>
+            </a:endParaRPr>
+          </a:p>
+          <a:p>
+            <a:pPr marL="0" lvl="0" indent="0" algn="l" rtl="0">
+              <a:lnSpc>
+                <a:spcPct val="95000"/>
+              </a:lnSpc>
+              <a:spcBef>
+                <a:spcPts val="1200"/>
+              </a:spcBef>
+              <a:spcAft>
+                <a:spcPts val="0"/>
+              </a:spcAft>
+              <a:buSzPts val="1018"/>
+              <a:buNone/>
+            </a:pPr>
+            <a:r>
+              <a:rPr lang="en">
+                <a:solidFill>
+                  <a:schemeClr val="dk2"/>
+                </a:solidFill>
+              </a:rPr>
+              <a:t>. Back propagation through time (BPTT)</a:t>
+            </a:r>
+            <a:endParaRPr>
+              <a:solidFill>
+                <a:schemeClr val="dk2"/>
+              </a:solidFill>
+            </a:endParaRPr>
+          </a:p>
+        </p:txBody>
+      </p:sp>
+      <p:pic>
+        <p:nvPicPr>
+          <p:cNvPr id="83" name="Google Shape;83;p2"/>
+          <p:cNvPicPr preferRelativeResize="0"/>
+          <p:nvPr/>
+        </p:nvPicPr>
+        <p:blipFill rotWithShape="1">
+          <a:blip r:embed="rId3">
+            <a:alphaModFix/>
+          </a:blip>
+          <a:srcRect/>
+          <a:stretch/>
+        </p:blipFill>
+        <p:spPr>
+          <a:xfrm>
+            <a:off x="8130475" y="4138900"/>
+            <a:ext cx="790275" cy="790275"/>
+          </a:xfrm>
+          <a:prstGeom prst="rect">
+            <a:avLst/>
+          </a:prstGeom>
+          <a:noFill/>
+          <a:ln>
+            <a:noFill/>
+          </a:ln>
+        </p:spPr>
+      </p:pic>
+      <p:sp>
+        <p:nvSpPr>
+          <p:cNvPr id="84" name="Google Shape;84;p2"/>
+          <p:cNvSpPr txBox="1">
+            <a:spLocks noGrp="1"/>
+          </p:cNvSpPr>
+          <p:nvPr>
+            <p:ph type="body" idx="1"/>
+          </p:nvPr>
+        </p:nvSpPr>
+        <p:spPr>
+          <a:xfrm>
+            <a:off x="4070850" y="1928300"/>
+            <a:ext cx="4100100" cy="3050400"/>
+          </a:xfrm>
+          <a:prstGeom prst="rect">
+            <a:avLst/>
+          </a:prstGeom>
+          <a:noFill/>
+          <a:ln>
+            <a:noFill/>
+          </a:ln>
+        </p:spPr>
+        <p:txBody>
+          <a:bodyPr spcFirstLastPara="1" wrap="square" lIns="91425" tIns="91425" rIns="91425" bIns="91425" anchor="t" anchorCtr="0">
+            <a:normAutofit/>
+          </a:bodyPr>
+          <a:lstStyle/>
+          <a:p>
+            <a:pPr marL="0" lvl="0" indent="0" algn="l" rtl="0">
+              <a:lnSpc>
+                <a:spcPct val="115000"/>
+              </a:lnSpc>
+              <a:spcBef>
+                <a:spcPts val="0"/>
+              </a:spcBef>
+              <a:spcAft>
+                <a:spcPts val="0"/>
+              </a:spcAft>
+              <a:buSzPts val="1800"/>
+              <a:buNone/>
+            </a:pPr>
+            <a:r>
+              <a:rPr lang="en">
+                <a:solidFill>
+                  <a:schemeClr val="dk2"/>
+                </a:solidFill>
+              </a:rPr>
+              <a:t>. Birideccionalidad </a:t>
+            </a:r>
+            <a:endParaRPr>
+              <a:solidFill>
+                <a:schemeClr val="dk2"/>
+              </a:solidFill>
+            </a:endParaRPr>
+          </a:p>
+          <a:p>
+            <a:pPr marL="0" lvl="0" indent="0" algn="l" rtl="0">
+              <a:lnSpc>
+                <a:spcPct val="115000"/>
+              </a:lnSpc>
+              <a:spcBef>
+                <a:spcPts val="1200"/>
+              </a:spcBef>
+              <a:spcAft>
+                <a:spcPts val="0"/>
+              </a:spcAft>
+              <a:buSzPts val="1800"/>
+              <a:buNone/>
+            </a:pPr>
+            <a:r>
+              <a:rPr lang="en">
+                <a:solidFill>
+                  <a:schemeClr val="dk2"/>
+                </a:solidFill>
+              </a:rPr>
+              <a:t>. Arquitectura enconder-decoder (seq to seq)</a:t>
+            </a:r>
+            <a:endParaRPr>
+              <a:solidFill>
+                <a:schemeClr val="dk2"/>
+              </a:solidFill>
+            </a:endParaRPr>
+          </a:p>
+          <a:p>
+            <a:pPr marL="0" lvl="0" indent="0" algn="l" rtl="0">
+              <a:lnSpc>
+                <a:spcPct val="115000"/>
+              </a:lnSpc>
+              <a:spcBef>
+                <a:spcPts val="1200"/>
+              </a:spcBef>
+              <a:spcAft>
+                <a:spcPts val="0"/>
+              </a:spcAft>
+              <a:buSzPts val="1800"/>
+              <a:buNone/>
+            </a:pPr>
+            <a:r>
+              <a:rPr lang="en">
+                <a:solidFill>
+                  <a:schemeClr val="dk2"/>
+                </a:solidFill>
+              </a:rPr>
+              <a:t>. Mecanismos de atención</a:t>
+            </a:r>
+            <a:endParaRPr>
+              <a:solidFill>
+                <a:schemeClr val="dk2"/>
+              </a:solidFill>
+            </a:endParaRPr>
+          </a:p>
+        </p:txBody>
+      </p:sp>
+    </p:spTree>
+  </p:cSld>
+  <p:clrMapOvr>
+    <a:masterClrMapping/>
+  </p:clrMapOvr>
+</p:sld>
+</file>
+
+<file path=ppt/slides/slide20.xml><?xml version="1.0" encoding="utf-8"?>
+<p:sld xmlns:a="http://schemas.openxmlformats.org/drawingml/2006/main" xmlns:r="http://schemas.openxmlformats.org/officeDocument/2006/relationships" xmlns:p="http://schemas.openxmlformats.org/presentationml/2006/main">
+  <p:cSld>
+    <p:spTree>
+      <p:nvGrpSpPr>
+        <p:cNvPr id="1" name="Shape 250"/>
+        <p:cNvGrpSpPr/>
+        <p:nvPr/>
+      </p:nvGrpSpPr>
+      <p:grpSpPr>
+        <a:xfrm>
+          <a:off x="0" y="0"/>
+          <a:ext cx="0" cy="0"/>
+          <a:chOff x="0" y="0"/>
+          <a:chExt cx="0" cy="0"/>
+        </a:xfrm>
+      </p:grpSpPr>
+      <p:sp>
+        <p:nvSpPr>
+          <p:cNvPr id="251" name="Google Shape;251;g21c03c1d1e6_1_145"/>
+          <p:cNvSpPr txBox="1"/>
+          <p:nvPr/>
+        </p:nvSpPr>
+        <p:spPr>
+          <a:xfrm>
+            <a:off x="2044342" y="774713"/>
+            <a:ext cx="4813500" cy="608400"/>
+          </a:xfrm>
+          <a:prstGeom prst="rect">
+            <a:avLst/>
+          </a:prstGeom>
+          <a:noFill/>
+          <a:ln>
+            <a:noFill/>
+          </a:ln>
+        </p:spPr>
+        <p:txBody>
+          <a:bodyPr spcFirstLastPara="1" wrap="square" lIns="68575" tIns="34275" rIns="68575" bIns="34275" anchor="t" anchorCtr="0">
+            <a:noAutofit/>
+          </a:bodyPr>
+          <a:lstStyle/>
+          <a:p>
+            <a:pPr marL="0" marR="0" lvl="0" indent="0" algn="ctr" rtl="0">
+              <a:lnSpc>
+                <a:spcPct val="120000"/>
+              </a:lnSpc>
+              <a:spcBef>
+                <a:spcPts val="800"/>
+              </a:spcBef>
+              <a:spcAft>
+                <a:spcPts val="0"/>
+              </a:spcAft>
+              <a:buClr>
+                <a:schemeClr val="dk1"/>
+              </a:buClr>
+              <a:buSzPts val="3000"/>
+              <a:buFont typeface="Arial"/>
+              <a:buNone/>
+            </a:pPr>
+            <a:r>
+              <a:rPr lang="en" sz="2400">
+                <a:latin typeface="Twentieth Century"/>
+                <a:ea typeface="Twentieth Century"/>
+                <a:cs typeface="Twentieth Century"/>
+                <a:sym typeface="Twentieth Century"/>
+              </a:rPr>
+              <a:t>Bi-directional </a:t>
+            </a:r>
+            <a:endParaRPr sz="2400">
+              <a:latin typeface="Twentieth Century"/>
+              <a:ea typeface="Twentieth Century"/>
+              <a:cs typeface="Twentieth Century"/>
+              <a:sym typeface="Twentieth Century"/>
+            </a:endParaRPr>
+          </a:p>
+        </p:txBody>
+      </p:sp>
+      <p:sp>
+        <p:nvSpPr>
+          <p:cNvPr id="252" name="Google Shape;252;g21c03c1d1e6_1_145"/>
+          <p:cNvSpPr txBox="1"/>
+          <p:nvPr/>
+        </p:nvSpPr>
+        <p:spPr>
+          <a:xfrm>
+            <a:off x="1173245" y="4210024"/>
+            <a:ext cx="6555668" cy="392518"/>
+          </a:xfrm>
+          <a:prstGeom prst="rect">
+            <a:avLst/>
+          </a:prstGeom>
+          <a:noFill/>
+          <a:ln>
+            <a:noFill/>
+          </a:ln>
+        </p:spPr>
+        <p:txBody>
+          <a:bodyPr spcFirstLastPara="1" wrap="square" lIns="68575" tIns="34275" rIns="68575" bIns="34275" anchor="t" anchorCtr="0">
+            <a:noAutofit/>
+          </a:bodyPr>
+          <a:lstStyle/>
+          <a:p>
+            <a:pPr marL="0" marR="0" lvl="0" indent="0" algn="ctr" rtl="0">
+              <a:lnSpc>
+                <a:spcPct val="90000"/>
+              </a:lnSpc>
+              <a:spcBef>
+                <a:spcPts val="0"/>
+              </a:spcBef>
+              <a:spcAft>
+                <a:spcPts val="0"/>
+              </a:spcAft>
+              <a:buClr>
+                <a:schemeClr val="dk1"/>
+              </a:buClr>
+              <a:buSzPts val="1800"/>
+              <a:buFont typeface="Arial"/>
+              <a:buNone/>
+            </a:pPr>
+            <a:r>
+              <a:rPr lang="en" sz="1800">
+                <a:latin typeface="Twentieth Century"/>
+                <a:ea typeface="Twentieth Century"/>
+                <a:cs typeface="Twentieth Century"/>
+                <a:sym typeface="Twentieth Century"/>
+              </a:rPr>
+              <a:t>Para la traducción, suele ser útil tener la frase entera.</a:t>
+            </a:r>
+            <a:endParaRPr sz="1100"/>
+          </a:p>
+        </p:txBody>
+      </p:sp>
+      <p:pic>
+        <p:nvPicPr>
+          <p:cNvPr id="253" name="Google Shape;253;g21c03c1d1e6_1_145"/>
+          <p:cNvPicPr preferRelativeResize="0"/>
+          <p:nvPr/>
+        </p:nvPicPr>
+        <p:blipFill rotWithShape="1">
+          <a:blip r:embed="rId3">
+            <a:alphaModFix/>
+          </a:blip>
+          <a:srcRect/>
+          <a:stretch/>
+        </p:blipFill>
+        <p:spPr>
+          <a:xfrm>
+            <a:off x="1016911" y="1555124"/>
+            <a:ext cx="6868339" cy="2427292"/>
+          </a:xfrm>
+          <a:prstGeom prst="rect">
+            <a:avLst/>
+          </a:prstGeom>
+          <a:noFill/>
+          <a:ln>
+            <a:noFill/>
+          </a:ln>
+        </p:spPr>
+      </p:pic>
+      <p:sp>
+        <p:nvSpPr>
+          <p:cNvPr id="254" name="Google Shape;254;g21c03c1d1e6_1_145"/>
+          <p:cNvSpPr txBox="1">
+            <a:spLocks noGrp="1"/>
+          </p:cNvSpPr>
+          <p:nvPr>
+            <p:ph type="title"/>
+          </p:nvPr>
+        </p:nvSpPr>
+        <p:spPr>
+          <a:xfrm>
+            <a:off x="0" y="0"/>
+            <a:ext cx="8826600" cy="602700"/>
+          </a:xfrm>
+          <a:prstGeom prst="rect">
+            <a:avLst/>
+          </a:prstGeom>
+        </p:spPr>
+        <p:txBody>
+          <a:bodyPr spcFirstLastPara="1" wrap="square" lIns="91425" tIns="91425" rIns="91425" bIns="91425" anchor="ctr" anchorCtr="0">
+            <a:normAutofit/>
+          </a:bodyPr>
+          <a:lstStyle/>
+          <a:p>
+            <a:pPr marL="0" lvl="0" indent="0" algn="l" rtl="0">
+              <a:spcBef>
+                <a:spcPts val="0"/>
+              </a:spcBef>
+              <a:spcAft>
+                <a:spcPts val="0"/>
+              </a:spcAft>
+              <a:buNone/>
+            </a:pPr>
+            <a:r>
+              <a:rPr lang="en"/>
+              <a:t>Redes recurrentes - Birideccionalidad</a:t>
+            </a:r>
+            <a:endParaRPr/>
+          </a:p>
+        </p:txBody>
+      </p:sp>
+    </p:spTree>
+  </p:cSld>
+  <p:clrMapOvr>
+    <a:masterClrMapping/>
+  </p:clrMapOvr>
+</p:sld>
+</file>
+
+<file path=ppt/slides/slide21.xml><?xml version="1.0" encoding="utf-8"?>
+<p:sld xmlns:a="http://schemas.openxmlformats.org/drawingml/2006/main" xmlns:r="http://schemas.openxmlformats.org/officeDocument/2006/relationships" xmlns:p="http://schemas.openxmlformats.org/presentationml/2006/main">
+  <p:cSld>
+    <p:spTree>
+      <p:nvGrpSpPr>
+        <p:cNvPr id="1" name="Shape 258"/>
+        <p:cNvGrpSpPr/>
+        <p:nvPr/>
+      </p:nvGrpSpPr>
+      <p:grpSpPr>
+        <a:xfrm>
+          <a:off x="0" y="0"/>
+          <a:ext cx="0" cy="0"/>
+          <a:chOff x="0" y="0"/>
+          <a:chExt cx="0" cy="0"/>
+        </a:xfrm>
+      </p:grpSpPr>
+      <p:sp>
+        <p:nvSpPr>
+          <p:cNvPr id="259" name="Google Shape;259;g21c03c1d1e6_1_151"/>
+          <p:cNvSpPr/>
+          <p:nvPr/>
+        </p:nvSpPr>
+        <p:spPr>
+          <a:xfrm>
+            <a:off x="222159" y="4901126"/>
+            <a:ext cx="7988122" cy="276999"/>
+          </a:xfrm>
+          <a:prstGeom prst="rect">
+            <a:avLst/>
+          </a:prstGeom>
+          <a:noFill/>
+          <a:ln>
+            <a:noFill/>
+          </a:ln>
+        </p:spPr>
+        <p:txBody>
+          <a:bodyPr spcFirstLastPara="1" wrap="square" lIns="68575" tIns="34275" rIns="68575" bIns="34275" anchor="t" anchorCtr="0">
+            <a:noAutofit/>
+          </a:bodyPr>
+          <a:lstStyle/>
+          <a:p>
+            <a:pPr marL="0" marR="0" lvl="0" indent="0" algn="l" rtl="0">
+              <a:spcBef>
+                <a:spcPts val="0"/>
+              </a:spcBef>
+              <a:spcAft>
+                <a:spcPts val="0"/>
+              </a:spcAft>
+              <a:buNone/>
+            </a:pPr>
+            <a:r>
+              <a:rPr lang="en" sz="1400">
+                <a:solidFill>
+                  <a:schemeClr val="dk2"/>
+                </a:solidFill>
+                <a:latin typeface="Twentieth Century"/>
+                <a:ea typeface="Twentieth Century"/>
+                <a:cs typeface="Twentieth Century"/>
+                <a:sym typeface="Twentieth Century"/>
+              </a:rPr>
+              <a:t>https://towardsdatascience.com/what-is-an-encoder-decoder-model-86b3d57c5e1a</a:t>
+            </a:r>
+            <a:endParaRPr sz="1100">
+              <a:solidFill>
+                <a:schemeClr val="dk2"/>
+              </a:solidFill>
+            </a:endParaRPr>
+          </a:p>
+        </p:txBody>
+      </p:sp>
+      <p:pic>
+        <p:nvPicPr>
+          <p:cNvPr id="260" name="Google Shape;260;g21c03c1d1e6_1_151"/>
+          <p:cNvPicPr preferRelativeResize="0"/>
+          <p:nvPr/>
+        </p:nvPicPr>
+        <p:blipFill rotWithShape="1">
+          <a:blip r:embed="rId3">
+            <a:alphaModFix/>
+          </a:blip>
+          <a:srcRect t="16398" b="28055"/>
+          <a:stretch/>
+        </p:blipFill>
+        <p:spPr>
+          <a:xfrm>
+            <a:off x="902929" y="1070598"/>
+            <a:ext cx="7307351" cy="2145451"/>
+          </a:xfrm>
+          <a:prstGeom prst="rect">
+            <a:avLst/>
+          </a:prstGeom>
+          <a:noFill/>
+          <a:ln>
+            <a:noFill/>
+          </a:ln>
+        </p:spPr>
+      </p:pic>
+      <p:sp>
+        <p:nvSpPr>
+          <p:cNvPr id="261" name="Google Shape;261;g21c03c1d1e6_1_151"/>
+          <p:cNvSpPr/>
+          <p:nvPr/>
+        </p:nvSpPr>
+        <p:spPr>
+          <a:xfrm>
+            <a:off x="3860355" y="3216049"/>
+            <a:ext cx="4868303" cy="1685077"/>
+          </a:xfrm>
+          <a:prstGeom prst="rect">
+            <a:avLst/>
+          </a:prstGeom>
+          <a:noFill/>
+          <a:ln>
+            <a:noFill/>
+          </a:ln>
+        </p:spPr>
+        <p:txBody>
+          <a:bodyPr spcFirstLastPara="1" wrap="square" lIns="68575" tIns="34275" rIns="68575" bIns="34275" anchor="t" anchorCtr="0">
+            <a:noAutofit/>
+          </a:bodyPr>
+          <a:lstStyle/>
+          <a:p>
+            <a:pPr marL="0" marR="0" lvl="0" indent="0" algn="l" rtl="0">
+              <a:spcBef>
+                <a:spcPts val="0"/>
+              </a:spcBef>
+              <a:spcAft>
+                <a:spcPts val="0"/>
+              </a:spcAft>
+              <a:buNone/>
+            </a:pPr>
+            <a:r>
+              <a:rPr lang="en" sz="1500">
+                <a:solidFill>
+                  <a:srgbClr val="FF0000"/>
+                </a:solidFill>
+                <a:latin typeface="Twentieth Century"/>
+                <a:ea typeface="Twentieth Century"/>
+                <a:cs typeface="Twentieth Century"/>
+                <a:sym typeface="Twentieth Century"/>
+              </a:rPr>
+              <a:t>2 RNN de distinto tamaño</a:t>
+            </a:r>
+            <a:endParaRPr sz="1100"/>
+          </a:p>
+          <a:p>
+            <a:pPr marL="0" marR="0" lvl="0" indent="0" algn="l" rtl="0">
+              <a:spcBef>
+                <a:spcPts val="0"/>
+              </a:spcBef>
+              <a:spcAft>
+                <a:spcPts val="0"/>
+              </a:spcAft>
+              <a:buNone/>
+            </a:pPr>
+            <a:endParaRPr sz="1500">
+              <a:solidFill>
+                <a:srgbClr val="FF0000"/>
+              </a:solidFill>
+              <a:latin typeface="Twentieth Century"/>
+              <a:ea typeface="Twentieth Century"/>
+              <a:cs typeface="Twentieth Century"/>
+              <a:sym typeface="Twentieth Century"/>
+            </a:endParaRPr>
+          </a:p>
+          <a:p>
+            <a:pPr marL="0" marR="0" lvl="0" indent="0" algn="l" rtl="0">
+              <a:spcBef>
+                <a:spcPts val="0"/>
+              </a:spcBef>
+              <a:spcAft>
+                <a:spcPts val="0"/>
+              </a:spcAft>
+              <a:buNone/>
+            </a:pPr>
+            <a:r>
+              <a:rPr lang="en" sz="1500">
+                <a:solidFill>
+                  <a:srgbClr val="FF0000"/>
+                </a:solidFill>
+                <a:latin typeface="Twentieth Century"/>
+                <a:ea typeface="Twentieth Century"/>
+                <a:cs typeface="Twentieth Century"/>
+                <a:sym typeface="Twentieth Century"/>
+              </a:rPr>
+              <a:t>1 Hidden state que “resume” toda la información de la input.</a:t>
+            </a:r>
+            <a:endParaRPr sz="1100"/>
+          </a:p>
+          <a:p>
+            <a:pPr marL="0" marR="0" lvl="0" indent="0" algn="l" rtl="0">
+              <a:spcBef>
+                <a:spcPts val="0"/>
+              </a:spcBef>
+              <a:spcAft>
+                <a:spcPts val="0"/>
+              </a:spcAft>
+              <a:buNone/>
+            </a:pPr>
+            <a:endParaRPr sz="1500">
+              <a:solidFill>
+                <a:srgbClr val="FF0000"/>
+              </a:solidFill>
+              <a:latin typeface="Twentieth Century"/>
+              <a:ea typeface="Twentieth Century"/>
+              <a:cs typeface="Twentieth Century"/>
+              <a:sym typeface="Twentieth Century"/>
+            </a:endParaRPr>
+          </a:p>
+          <a:p>
+            <a:pPr marL="0" marR="0" lvl="0" indent="0" algn="l" rtl="0">
+              <a:spcBef>
+                <a:spcPts val="0"/>
+              </a:spcBef>
+              <a:spcAft>
+                <a:spcPts val="0"/>
+              </a:spcAft>
+              <a:buNone/>
+            </a:pPr>
+            <a:r>
+              <a:rPr lang="en" sz="1500">
+                <a:solidFill>
+                  <a:srgbClr val="FF0000"/>
+                </a:solidFill>
+                <a:latin typeface="Twentieth Century"/>
+                <a:ea typeface="Twentieth Century"/>
+                <a:cs typeface="Twentieth Century"/>
+                <a:sym typeface="Twentieth Century"/>
+              </a:rPr>
+              <a:t>Flexibilidad máxima para inputs/outputs de distinta longitud</a:t>
+            </a:r>
+            <a:endParaRPr sz="1100"/>
+          </a:p>
+        </p:txBody>
+      </p:sp>
+      <p:pic>
+        <p:nvPicPr>
+          <p:cNvPr id="262" name="Google Shape;262;g21c03c1d1e6_1_151"/>
+          <p:cNvPicPr preferRelativeResize="0"/>
+          <p:nvPr/>
+        </p:nvPicPr>
+        <p:blipFill rotWithShape="1">
+          <a:blip r:embed="rId4">
+            <a:alphaModFix/>
+          </a:blip>
+          <a:srcRect l="3577" t="7243" r="3320" b="11375"/>
+          <a:stretch/>
+        </p:blipFill>
+        <p:spPr>
+          <a:xfrm>
+            <a:off x="222160" y="3351542"/>
+            <a:ext cx="2946044" cy="1552480"/>
+          </a:xfrm>
+          <a:prstGeom prst="rect">
+            <a:avLst/>
+          </a:prstGeom>
+          <a:noFill/>
+          <a:ln>
+            <a:noFill/>
+          </a:ln>
+        </p:spPr>
+      </p:pic>
+      <p:sp>
+        <p:nvSpPr>
+          <p:cNvPr id="263" name="Google Shape;263;g21c03c1d1e6_1_151"/>
+          <p:cNvSpPr txBox="1">
+            <a:spLocks noGrp="1"/>
+          </p:cNvSpPr>
+          <p:nvPr>
+            <p:ph type="title"/>
+          </p:nvPr>
+        </p:nvSpPr>
+        <p:spPr>
+          <a:xfrm>
+            <a:off x="0" y="0"/>
+            <a:ext cx="8826600" cy="602700"/>
+          </a:xfrm>
+          <a:prstGeom prst="rect">
+            <a:avLst/>
+          </a:prstGeom>
+        </p:spPr>
+        <p:txBody>
+          <a:bodyPr spcFirstLastPara="1" wrap="square" lIns="91425" tIns="91425" rIns="91425" bIns="91425" anchor="ctr" anchorCtr="0">
+            <a:normAutofit/>
+          </a:bodyPr>
+          <a:lstStyle/>
+          <a:p>
+            <a:pPr marL="0" lvl="0" indent="0" algn="l" rtl="0">
+              <a:spcBef>
+                <a:spcPts val="0"/>
+              </a:spcBef>
+              <a:spcAft>
+                <a:spcPts val="0"/>
+              </a:spcAft>
+              <a:buNone/>
+            </a:pPr>
+            <a:r>
+              <a:rPr lang="en"/>
+              <a:t>Redes recurrentes - Arquitectura enconder-decoder (seq to seq)</a:t>
+            </a:r>
+            <a:endParaRPr/>
+          </a:p>
+        </p:txBody>
+      </p:sp>
+    </p:spTree>
+  </p:cSld>
+  <p:clrMapOvr>
+    <a:masterClrMapping/>
+  </p:clrMapOvr>
+</p:sld>
+</file>
+
+<file path=ppt/slides/slide22.xml><?xml version="1.0" encoding="utf-8"?>
+<p:sld xmlns:a="http://schemas.openxmlformats.org/drawingml/2006/main" xmlns:r="http://schemas.openxmlformats.org/officeDocument/2006/relationships" xmlns:p="http://schemas.openxmlformats.org/presentationml/2006/main">
+  <p:cSld>
+    <p:spTree>
+      <p:nvGrpSpPr>
+        <p:cNvPr id="1" name="Shape 267"/>
+        <p:cNvGrpSpPr/>
+        <p:nvPr/>
+      </p:nvGrpSpPr>
+      <p:grpSpPr>
+        <a:xfrm>
+          <a:off x="0" y="0"/>
+          <a:ext cx="0" cy="0"/>
+          <a:chOff x="0" y="0"/>
+          <a:chExt cx="0" cy="0"/>
+        </a:xfrm>
+      </p:grpSpPr>
+      <p:pic>
+        <p:nvPicPr>
+          <p:cNvPr id="268" name="Google Shape;268;g21c03c1d1e6_1_159"/>
+          <p:cNvPicPr preferRelativeResize="0"/>
+          <p:nvPr/>
+        </p:nvPicPr>
+        <p:blipFill rotWithShape="1">
+          <a:blip r:embed="rId3">
+            <a:alphaModFix/>
+          </a:blip>
+          <a:srcRect/>
+          <a:stretch/>
+        </p:blipFill>
+        <p:spPr>
+          <a:xfrm>
+            <a:off x="222160" y="1724126"/>
+            <a:ext cx="8592315" cy="1838402"/>
+          </a:xfrm>
+          <a:prstGeom prst="rect">
+            <a:avLst/>
+          </a:prstGeom>
+          <a:noFill/>
+          <a:ln>
+            <a:noFill/>
+          </a:ln>
+        </p:spPr>
+      </p:pic>
+      <p:sp>
+        <p:nvSpPr>
+          <p:cNvPr id="269" name="Google Shape;269;g21c03c1d1e6_1_159"/>
+          <p:cNvSpPr/>
+          <p:nvPr/>
+        </p:nvSpPr>
+        <p:spPr>
+          <a:xfrm>
+            <a:off x="222160" y="4678127"/>
+            <a:ext cx="4535136" cy="276999"/>
+          </a:xfrm>
+          <a:prstGeom prst="rect">
+            <a:avLst/>
+          </a:prstGeom>
+          <a:noFill/>
+          <a:ln>
+            <a:noFill/>
+          </a:ln>
+        </p:spPr>
+        <p:txBody>
+          <a:bodyPr spcFirstLastPara="1" wrap="square" lIns="68575" tIns="34275" rIns="68575" bIns="34275" anchor="t" anchorCtr="0">
+            <a:noAutofit/>
+          </a:bodyPr>
+          <a:lstStyle/>
+          <a:p>
+            <a:pPr marL="0" marR="0" lvl="0" indent="0" algn="l" rtl="0">
+              <a:spcBef>
+                <a:spcPts val="0"/>
+              </a:spcBef>
+              <a:spcAft>
+                <a:spcPts val="0"/>
+              </a:spcAft>
+              <a:buNone/>
+            </a:pPr>
+            <a:r>
+              <a:rPr lang="en" sz="1400">
+                <a:solidFill>
+                  <a:schemeClr val="dk2"/>
+                </a:solidFill>
+                <a:latin typeface="Twentieth Century"/>
+                <a:ea typeface="Twentieth Century"/>
+                <a:cs typeface="Twentieth Century"/>
+                <a:sym typeface="Twentieth Century"/>
+              </a:rPr>
+              <a:t>https://brunomaga.github.io/AI-Supercomputing-2</a:t>
+            </a:r>
+            <a:endParaRPr sz="1100">
+              <a:solidFill>
+                <a:schemeClr val="dk2"/>
+              </a:solidFill>
+            </a:endParaRPr>
+          </a:p>
+        </p:txBody>
+      </p:sp>
+      <p:sp>
+        <p:nvSpPr>
+          <p:cNvPr id="270" name="Google Shape;270;g21c03c1d1e6_1_159"/>
+          <p:cNvSpPr/>
+          <p:nvPr/>
+        </p:nvSpPr>
+        <p:spPr>
+          <a:xfrm>
+            <a:off x="3097280" y="3726450"/>
+            <a:ext cx="1215900" cy="300000"/>
+          </a:xfrm>
+          <a:prstGeom prst="rect">
+            <a:avLst/>
+          </a:prstGeom>
+          <a:noFill/>
+          <a:ln>
+            <a:noFill/>
+          </a:ln>
+        </p:spPr>
+        <p:txBody>
+          <a:bodyPr spcFirstLastPara="1" wrap="square" lIns="68575" tIns="34275" rIns="68575" bIns="34275" anchor="t" anchorCtr="0">
+            <a:noAutofit/>
+          </a:bodyPr>
+          <a:lstStyle/>
+          <a:p>
+            <a:pPr marL="0" marR="0" lvl="0" indent="0" algn="l" rtl="0">
+              <a:spcBef>
+                <a:spcPts val="0"/>
+              </a:spcBef>
+              <a:spcAft>
+                <a:spcPts val="0"/>
+              </a:spcAft>
+              <a:buNone/>
+            </a:pPr>
+            <a:r>
+              <a:rPr lang="en" sz="1800">
+                <a:solidFill>
+                  <a:srgbClr val="FF0000"/>
+                </a:solidFill>
+                <a:latin typeface="Twentieth Century"/>
+                <a:ea typeface="Twentieth Century"/>
+                <a:cs typeface="Twentieth Century"/>
+                <a:sym typeface="Twentieth Century"/>
+              </a:rPr>
+              <a:t>Unfolded!!!!</a:t>
+            </a:r>
+            <a:endParaRPr/>
+          </a:p>
+        </p:txBody>
+      </p:sp>
+      <p:sp>
+        <p:nvSpPr>
+          <p:cNvPr id="271" name="Google Shape;271;g21c03c1d1e6_1_159"/>
+          <p:cNvSpPr txBox="1">
+            <a:spLocks noGrp="1"/>
+          </p:cNvSpPr>
+          <p:nvPr>
+            <p:ph type="title"/>
+          </p:nvPr>
+        </p:nvSpPr>
+        <p:spPr>
+          <a:xfrm>
+            <a:off x="0" y="0"/>
+            <a:ext cx="8826600" cy="602700"/>
+          </a:xfrm>
+          <a:prstGeom prst="rect">
+            <a:avLst/>
+          </a:prstGeom>
+        </p:spPr>
+        <p:txBody>
+          <a:bodyPr spcFirstLastPara="1" wrap="square" lIns="91425" tIns="91425" rIns="91425" bIns="91425" anchor="ctr" anchorCtr="0">
+            <a:normAutofit/>
+          </a:bodyPr>
+          <a:lstStyle/>
+          <a:p>
+            <a:pPr marL="0" lvl="0" indent="0" algn="l" rtl="0">
+              <a:spcBef>
+                <a:spcPts val="0"/>
+              </a:spcBef>
+              <a:spcAft>
+                <a:spcPts val="0"/>
+              </a:spcAft>
+              <a:buNone/>
+            </a:pPr>
+            <a:r>
+              <a:rPr lang="en"/>
+              <a:t>Redes recurrentes - Arquitectura enconder-decoder (seq to seq)</a:t>
+            </a:r>
+            <a:endParaRPr/>
+          </a:p>
+        </p:txBody>
+      </p:sp>
+    </p:spTree>
+  </p:cSld>
+  <p:clrMapOvr>
+    <a:masterClrMapping/>
+  </p:clrMapOvr>
+</p:sld>
+</file>
+
+<file path=ppt/slides/slide23.xml><?xml version="1.0" encoding="utf-8"?>
+<p:sld xmlns:a="http://schemas.openxmlformats.org/drawingml/2006/main" xmlns:r="http://schemas.openxmlformats.org/officeDocument/2006/relationships" xmlns:p="http://schemas.openxmlformats.org/presentationml/2006/main">
+  <p:cSld>
+    <p:spTree>
+      <p:nvGrpSpPr>
+        <p:cNvPr id="1" name="Shape 275"/>
+        <p:cNvGrpSpPr/>
+        <p:nvPr/>
+      </p:nvGrpSpPr>
+      <p:grpSpPr>
+        <a:xfrm>
+          <a:off x="0" y="0"/>
+          <a:ext cx="0" cy="0"/>
+          <a:chOff x="0" y="0"/>
+          <a:chExt cx="0" cy="0"/>
+        </a:xfrm>
+      </p:grpSpPr>
+      <p:pic>
+        <p:nvPicPr>
+          <p:cNvPr id="276" name="Google Shape;276;g21c03c1d1e6_1_166"/>
+          <p:cNvPicPr preferRelativeResize="0"/>
+          <p:nvPr/>
+        </p:nvPicPr>
+        <p:blipFill rotWithShape="1">
+          <a:blip r:embed="rId3">
+            <a:alphaModFix/>
+          </a:blip>
+          <a:srcRect l="37785"/>
+          <a:stretch/>
+        </p:blipFill>
+        <p:spPr>
+          <a:xfrm>
+            <a:off x="3646955" y="1112010"/>
+            <a:ext cx="5345718" cy="1838402"/>
+          </a:xfrm>
+          <a:prstGeom prst="rect">
+            <a:avLst/>
+          </a:prstGeom>
+          <a:noFill/>
+          <a:ln>
+            <a:noFill/>
+          </a:ln>
+        </p:spPr>
+      </p:pic>
+      <p:sp>
+        <p:nvSpPr>
+          <p:cNvPr id="277" name="Google Shape;277;g21c03c1d1e6_1_166"/>
+          <p:cNvSpPr/>
+          <p:nvPr/>
+        </p:nvSpPr>
+        <p:spPr>
+          <a:xfrm>
+            <a:off x="222160" y="4678127"/>
+            <a:ext cx="4535136" cy="276999"/>
+          </a:xfrm>
+          <a:prstGeom prst="rect">
+            <a:avLst/>
+          </a:prstGeom>
+          <a:noFill/>
+          <a:ln>
+            <a:noFill/>
+          </a:ln>
+        </p:spPr>
+        <p:txBody>
+          <a:bodyPr spcFirstLastPara="1" wrap="square" lIns="68575" tIns="34275" rIns="68575" bIns="34275" anchor="t" anchorCtr="0">
+            <a:noAutofit/>
+          </a:bodyPr>
+          <a:lstStyle/>
+          <a:p>
+            <a:pPr marL="0" marR="0" lvl="0" indent="0" algn="l" rtl="0">
+              <a:spcBef>
+                <a:spcPts val="0"/>
+              </a:spcBef>
+              <a:spcAft>
+                <a:spcPts val="0"/>
+              </a:spcAft>
+              <a:buNone/>
+            </a:pPr>
+            <a:r>
+              <a:rPr lang="en" sz="1400">
+                <a:solidFill>
+                  <a:schemeClr val="dk2"/>
+                </a:solidFill>
+                <a:latin typeface="Twentieth Century"/>
+                <a:ea typeface="Twentieth Century"/>
+                <a:cs typeface="Twentieth Century"/>
+                <a:sym typeface="Twentieth Century"/>
+              </a:rPr>
+              <a:t>https://brunomaga.github.io/AI-Supercomputing-2</a:t>
+            </a:r>
+            <a:endParaRPr sz="1100">
+              <a:solidFill>
+                <a:schemeClr val="dk2"/>
+              </a:solidFill>
+            </a:endParaRPr>
+          </a:p>
+        </p:txBody>
+      </p:sp>
+      <p:sp>
+        <p:nvSpPr>
+          <p:cNvPr id="278" name="Google Shape;278;g21c03c1d1e6_1_166"/>
+          <p:cNvSpPr/>
+          <p:nvPr/>
+        </p:nvSpPr>
+        <p:spPr>
+          <a:xfrm>
+            <a:off x="504296" y="3191198"/>
+            <a:ext cx="2667413" cy="530914"/>
+          </a:xfrm>
+          <a:prstGeom prst="rect">
+            <a:avLst/>
+          </a:prstGeom>
+          <a:noFill/>
+          <a:ln>
+            <a:noFill/>
+          </a:ln>
+        </p:spPr>
+        <p:txBody>
+          <a:bodyPr spcFirstLastPara="1" wrap="square" lIns="68575" tIns="34275" rIns="68575" bIns="34275" anchor="t" anchorCtr="0">
+            <a:noAutofit/>
+          </a:bodyPr>
+          <a:lstStyle/>
+          <a:p>
+            <a:pPr marL="0" marR="0" lvl="0" indent="0" algn="l" rtl="0">
+              <a:spcBef>
+                <a:spcPts val="0"/>
+              </a:spcBef>
+              <a:spcAft>
+                <a:spcPts val="0"/>
+              </a:spcAft>
+              <a:buNone/>
+            </a:pPr>
+            <a:r>
+              <a:rPr lang="en" sz="1500">
+                <a:solidFill>
+                  <a:srgbClr val="FF0000"/>
+                </a:solidFill>
+                <a:latin typeface="Twentieth Century"/>
+                <a:ea typeface="Twentieth Century"/>
+                <a:cs typeface="Twentieth Century"/>
+                <a:sym typeface="Twentieth Century"/>
+              </a:rPr>
+              <a:t>ENCODER</a:t>
+            </a:r>
+            <a:endParaRPr sz="1100"/>
+          </a:p>
+          <a:p>
+            <a:pPr marL="0" marR="0" lvl="0" indent="0" algn="l" rtl="0">
+              <a:spcBef>
+                <a:spcPts val="0"/>
+              </a:spcBef>
+              <a:spcAft>
+                <a:spcPts val="0"/>
+              </a:spcAft>
+              <a:buNone/>
+            </a:pPr>
+            <a:r>
+              <a:rPr lang="en" sz="1500">
+                <a:solidFill>
+                  <a:srgbClr val="FF0000"/>
+                </a:solidFill>
+                <a:latin typeface="Twentieth Century"/>
+                <a:ea typeface="Twentieth Century"/>
+                <a:cs typeface="Twentieth Century"/>
+                <a:sym typeface="Twentieth Century"/>
+              </a:rPr>
+              <a:t>Siempre leen la secuencia entera</a:t>
+            </a:r>
+            <a:endParaRPr sz="1100"/>
+          </a:p>
+        </p:txBody>
+      </p:sp>
+      <p:pic>
+        <p:nvPicPr>
+          <p:cNvPr id="279" name="Google Shape;279;g21c03c1d1e6_1_166"/>
+          <p:cNvPicPr preferRelativeResize="0"/>
+          <p:nvPr/>
+        </p:nvPicPr>
+        <p:blipFill rotWithShape="1">
+          <a:blip r:embed="rId3">
+            <a:alphaModFix/>
+          </a:blip>
+          <a:srcRect r="62273"/>
+          <a:stretch/>
+        </p:blipFill>
+        <p:spPr>
+          <a:xfrm>
+            <a:off x="227129" y="1112010"/>
+            <a:ext cx="3241627" cy="1838402"/>
+          </a:xfrm>
+          <a:prstGeom prst="rect">
+            <a:avLst/>
+          </a:prstGeom>
+          <a:noFill/>
+          <a:ln>
+            <a:noFill/>
+          </a:ln>
+        </p:spPr>
+      </p:pic>
+      <p:sp>
+        <p:nvSpPr>
+          <p:cNvPr id="280" name="Google Shape;280;g21c03c1d1e6_1_166"/>
+          <p:cNvSpPr/>
+          <p:nvPr/>
+        </p:nvSpPr>
+        <p:spPr>
+          <a:xfrm>
+            <a:off x="504296" y="3900038"/>
+            <a:ext cx="2667413" cy="300082"/>
+          </a:xfrm>
+          <a:prstGeom prst="rect">
+            <a:avLst/>
+          </a:prstGeom>
+          <a:noFill/>
+          <a:ln>
+            <a:noFill/>
+          </a:ln>
+        </p:spPr>
+        <p:txBody>
+          <a:bodyPr spcFirstLastPara="1" wrap="square" lIns="68575" tIns="34275" rIns="68575" bIns="34275" anchor="t" anchorCtr="0">
+            <a:noAutofit/>
+          </a:bodyPr>
+          <a:lstStyle/>
+          <a:p>
+            <a:pPr marL="0" marR="0" lvl="0" indent="0" algn="l" rtl="0">
+              <a:spcBef>
+                <a:spcPts val="0"/>
+              </a:spcBef>
+              <a:spcAft>
+                <a:spcPts val="0"/>
+              </a:spcAft>
+              <a:buNone/>
+            </a:pPr>
+            <a:r>
+              <a:rPr lang="en" sz="1500">
+                <a:solidFill>
+                  <a:srgbClr val="FF0000"/>
+                </a:solidFill>
+                <a:latin typeface="Twentieth Century"/>
+                <a:ea typeface="Twentieth Century"/>
+                <a:cs typeface="Twentieth Century"/>
+                <a:sym typeface="Twentieth Century"/>
+              </a:rPr>
+              <a:t>Emiten un hidden state final</a:t>
+            </a:r>
+            <a:endParaRPr sz="1100"/>
+          </a:p>
+        </p:txBody>
+      </p:sp>
+      <p:sp>
+        <p:nvSpPr>
+          <p:cNvPr id="281" name="Google Shape;281;g21c03c1d1e6_1_166"/>
+          <p:cNvSpPr/>
+          <p:nvPr/>
+        </p:nvSpPr>
+        <p:spPr>
+          <a:xfrm>
+            <a:off x="3652400" y="3191198"/>
+            <a:ext cx="4885544" cy="1454244"/>
+          </a:xfrm>
+          <a:prstGeom prst="rect">
+            <a:avLst/>
+          </a:prstGeom>
+          <a:noFill/>
+          <a:ln>
+            <a:noFill/>
+          </a:ln>
+        </p:spPr>
+        <p:txBody>
+          <a:bodyPr spcFirstLastPara="1" wrap="square" lIns="68575" tIns="34275" rIns="68575" bIns="34275" anchor="t" anchorCtr="0">
+            <a:noAutofit/>
+          </a:bodyPr>
+          <a:lstStyle/>
+          <a:p>
+            <a:pPr marL="0" marR="0" lvl="0" indent="0" algn="l" rtl="0">
+              <a:spcBef>
+                <a:spcPts val="0"/>
+              </a:spcBef>
+              <a:spcAft>
+                <a:spcPts val="0"/>
+              </a:spcAft>
+              <a:buNone/>
+            </a:pPr>
+            <a:r>
+              <a:rPr lang="en" sz="1500" dirty="0">
+                <a:solidFill>
+                  <a:srgbClr val="FF0000"/>
+                </a:solidFill>
+                <a:latin typeface="Twentieth Century"/>
+                <a:ea typeface="Twentieth Century"/>
+                <a:cs typeface="Twentieth Century"/>
+                <a:sym typeface="Twentieth Century"/>
+              </a:rPr>
+              <a:t>DECODER</a:t>
+            </a:r>
+            <a:endParaRPr sz="1100" dirty="0"/>
+          </a:p>
+          <a:p>
+            <a:pPr marL="0" marR="0" lvl="0" indent="0" algn="l" rtl="0">
+              <a:spcBef>
+                <a:spcPts val="0"/>
+              </a:spcBef>
+              <a:spcAft>
+                <a:spcPts val="0"/>
+              </a:spcAft>
+              <a:buNone/>
+            </a:pPr>
+            <a:r>
+              <a:rPr lang="en" sz="1500" dirty="0">
+                <a:solidFill>
+                  <a:srgbClr val="FF0000"/>
+                </a:solidFill>
+                <a:latin typeface="Twentieth Century"/>
+                <a:ea typeface="Twentieth Century"/>
+                <a:cs typeface="Twentieth Century"/>
+                <a:sym typeface="Twentieth Century"/>
+              </a:rPr>
+              <a:t>Entrenamiento </a:t>
+            </a:r>
+            <a:r>
+              <a:rPr lang="en" sz="1500" dirty="0">
+                <a:solidFill>
+                  <a:srgbClr val="FF0000"/>
+                </a:solidFill>
+                <a:latin typeface="Twentieth Century"/>
+                <a:ea typeface="Twentieth Century"/>
+                <a:cs typeface="Twentieth Century"/>
+                <a:sym typeface="Wingdings" panose="05000000000000000000" pitchFamily="2" charset="2"/>
+              </a:rPr>
+              <a:t></a:t>
+            </a:r>
+            <a:r>
+              <a:rPr lang="en" sz="1500" dirty="0">
+                <a:solidFill>
+                  <a:srgbClr val="FF0000"/>
+                </a:solidFill>
+                <a:latin typeface="Twentieth Century"/>
+                <a:ea typeface="Twentieth Century"/>
+                <a:cs typeface="Twentieth Century"/>
+                <a:sym typeface="Twentieth Century"/>
+              </a:rPr>
+              <a:t> for i in range(len(y_deseado):</a:t>
+            </a:r>
+            <a:endParaRPr sz="1100" dirty="0"/>
+          </a:p>
+          <a:p>
+            <a:pPr marL="0" marR="0" lvl="0" indent="0" algn="l" rtl="0">
+              <a:spcBef>
+                <a:spcPts val="0"/>
+              </a:spcBef>
+              <a:spcAft>
+                <a:spcPts val="0"/>
+              </a:spcAft>
+              <a:buNone/>
+            </a:pPr>
+            <a:r>
+              <a:rPr lang="en" sz="1500" dirty="0">
+                <a:solidFill>
+                  <a:srgbClr val="FF0000"/>
+                </a:solidFill>
+                <a:latin typeface="Twentieth Century"/>
+                <a:ea typeface="Twentieth Century"/>
+                <a:cs typeface="Twentieth Century"/>
+                <a:sym typeface="Twentieth Century"/>
+              </a:rPr>
+              <a:t>			genero_token</a:t>
+            </a:r>
+            <a:endParaRPr sz="1500" dirty="0">
+              <a:solidFill>
+                <a:srgbClr val="FF0000"/>
+              </a:solidFill>
+              <a:latin typeface="Twentieth Century"/>
+              <a:ea typeface="Twentieth Century"/>
+              <a:cs typeface="Twentieth Century"/>
+              <a:sym typeface="Twentieth Century"/>
+            </a:endParaRPr>
+          </a:p>
+          <a:p>
+            <a:pPr marL="0" marR="0" lvl="0" indent="0" algn="l" rtl="0">
+              <a:spcBef>
+                <a:spcPts val="0"/>
+              </a:spcBef>
+              <a:spcAft>
+                <a:spcPts val="0"/>
+              </a:spcAft>
+              <a:buNone/>
+            </a:pPr>
+            <a:endParaRPr sz="1500" dirty="0">
+              <a:solidFill>
+                <a:srgbClr val="FF0000"/>
+              </a:solidFill>
+              <a:latin typeface="Twentieth Century"/>
+              <a:ea typeface="Twentieth Century"/>
+              <a:cs typeface="Twentieth Century"/>
+              <a:sym typeface="Twentieth Century"/>
+            </a:endParaRPr>
+          </a:p>
+          <a:p>
+            <a:pPr marL="0" marR="0" lvl="0" indent="0" algn="l" rtl="0">
+              <a:spcBef>
+                <a:spcPts val="0"/>
+              </a:spcBef>
+              <a:spcAft>
+                <a:spcPts val="0"/>
+              </a:spcAft>
+              <a:buNone/>
+            </a:pPr>
+            <a:r>
+              <a:rPr lang="en" sz="1500" dirty="0">
+                <a:solidFill>
+                  <a:srgbClr val="FF0000"/>
+                </a:solidFill>
+                <a:latin typeface="Twentieth Century"/>
+                <a:ea typeface="Twentieth Century"/>
+                <a:cs typeface="Twentieth Century"/>
+                <a:sym typeface="Twentieth Century"/>
+              </a:rPr>
+              <a:t>Uso </a:t>
+            </a:r>
+            <a:r>
+              <a:rPr lang="en" sz="1500" dirty="0">
+                <a:solidFill>
+                  <a:srgbClr val="FF0000"/>
+                </a:solidFill>
+                <a:latin typeface="Twentieth Century"/>
+                <a:ea typeface="Twentieth Century"/>
+                <a:cs typeface="Twentieth Century"/>
+                <a:sym typeface="Wingdings" panose="05000000000000000000" pitchFamily="2" charset="2"/>
+              </a:rPr>
+              <a:t></a:t>
+            </a:r>
+            <a:r>
+              <a:rPr lang="en" sz="1500" dirty="0">
+                <a:solidFill>
+                  <a:srgbClr val="FF0000"/>
+                </a:solidFill>
+                <a:latin typeface="Twentieth Century"/>
+                <a:ea typeface="Twentieth Century"/>
+                <a:cs typeface="Twentieth Century"/>
+                <a:sym typeface="Twentieth Century"/>
+              </a:rPr>
+              <a:t> while last_token =! &lt;EOS&gt;:</a:t>
+            </a:r>
+            <a:endParaRPr sz="1100" dirty="0"/>
+          </a:p>
+          <a:p>
+            <a:pPr marL="0" marR="0" lvl="0" indent="0" algn="l" rtl="0">
+              <a:spcBef>
+                <a:spcPts val="0"/>
+              </a:spcBef>
+              <a:spcAft>
+                <a:spcPts val="0"/>
+              </a:spcAft>
+              <a:buNone/>
+            </a:pPr>
+            <a:r>
+              <a:rPr lang="en" sz="1500" dirty="0">
+                <a:solidFill>
+                  <a:srgbClr val="FF0000"/>
+                </a:solidFill>
+                <a:latin typeface="Twentieth Century"/>
+                <a:ea typeface="Twentieth Century"/>
+                <a:cs typeface="Twentieth Century"/>
+                <a:sym typeface="Twentieth Century"/>
+              </a:rPr>
+              <a:t>		genero_token</a:t>
+            </a:r>
+            <a:endParaRPr sz="1500" dirty="0">
+              <a:solidFill>
+                <a:srgbClr val="FF0000"/>
+              </a:solidFill>
+              <a:latin typeface="Twentieth Century"/>
+              <a:ea typeface="Twentieth Century"/>
+              <a:cs typeface="Twentieth Century"/>
+              <a:sym typeface="Twentieth Century"/>
+            </a:endParaRPr>
+          </a:p>
+        </p:txBody>
+      </p:sp>
+      <p:sp>
+        <p:nvSpPr>
+          <p:cNvPr id="282" name="Google Shape;282;g21c03c1d1e6_1_166"/>
+          <p:cNvSpPr/>
+          <p:nvPr/>
+        </p:nvSpPr>
+        <p:spPr>
+          <a:xfrm>
+            <a:off x="7125838" y="4736501"/>
+            <a:ext cx="1960500" cy="300000"/>
+          </a:xfrm>
+          <a:prstGeom prst="rect">
+            <a:avLst/>
+          </a:prstGeom>
+          <a:noFill/>
+          <a:ln>
+            <a:noFill/>
+          </a:ln>
+        </p:spPr>
+        <p:txBody>
+          <a:bodyPr spcFirstLastPara="1" wrap="square" lIns="68575" tIns="34275" rIns="68575" bIns="34275" anchor="t" anchorCtr="0">
+            <a:noAutofit/>
+          </a:bodyPr>
+          <a:lstStyle/>
+          <a:p>
+            <a:pPr marL="0" marR="0" lvl="0" indent="0" algn="l" rtl="0">
+              <a:spcBef>
+                <a:spcPts val="0"/>
+              </a:spcBef>
+              <a:spcAft>
+                <a:spcPts val="0"/>
+              </a:spcAft>
+              <a:buNone/>
+            </a:pPr>
+            <a:r>
+              <a:rPr lang="en" sz="1500" dirty="0">
+                <a:solidFill>
+                  <a:srgbClr val="FF0000"/>
+                </a:solidFill>
+                <a:latin typeface="Twentieth Century"/>
+                <a:ea typeface="Twentieth Century"/>
+                <a:cs typeface="Twentieth Century"/>
+                <a:sym typeface="Twentieth Century"/>
+              </a:rPr>
+              <a:t>TEACHER FORCING!!!</a:t>
+            </a:r>
+            <a:endParaRPr sz="1500" dirty="0">
+              <a:solidFill>
+                <a:srgbClr val="FF0000"/>
+              </a:solidFill>
+              <a:latin typeface="Twentieth Century"/>
+              <a:ea typeface="Twentieth Century"/>
+              <a:cs typeface="Twentieth Century"/>
+              <a:sym typeface="Twentieth Century"/>
+            </a:endParaRPr>
+          </a:p>
+        </p:txBody>
+      </p:sp>
+      <p:sp>
+        <p:nvSpPr>
+          <p:cNvPr id="283" name="Google Shape;283;g21c03c1d1e6_1_166"/>
+          <p:cNvSpPr txBox="1">
+            <a:spLocks noGrp="1"/>
+          </p:cNvSpPr>
+          <p:nvPr>
+            <p:ph type="title"/>
+          </p:nvPr>
+        </p:nvSpPr>
+        <p:spPr>
+          <a:xfrm>
+            <a:off x="0" y="0"/>
+            <a:ext cx="8826600" cy="602700"/>
+          </a:xfrm>
+          <a:prstGeom prst="rect">
+            <a:avLst/>
+          </a:prstGeom>
+        </p:spPr>
+        <p:txBody>
+          <a:bodyPr spcFirstLastPara="1" wrap="square" lIns="91425" tIns="91425" rIns="91425" bIns="91425" anchor="ctr" anchorCtr="0">
+            <a:normAutofit/>
+          </a:bodyPr>
+          <a:lstStyle/>
+          <a:p>
+            <a:pPr marL="0" lvl="0" indent="0" algn="l" rtl="0">
+              <a:spcBef>
+                <a:spcPts val="0"/>
+              </a:spcBef>
+              <a:spcAft>
+                <a:spcPts val="0"/>
+              </a:spcAft>
+              <a:buNone/>
+            </a:pPr>
+            <a:r>
+              <a:rPr lang="en"/>
+              <a:t>Redes recurrentes - Arquitectura enconder-decoder (seq to seq) entrenamiento</a:t>
+            </a:r>
+            <a:endParaRPr/>
+          </a:p>
+        </p:txBody>
+      </p:sp>
+    </p:spTree>
+  </p:cSld>
+  <p:clrMapOvr>
+    <a:masterClrMapping/>
+  </p:clrMapOvr>
+</p:sld>
+</file>
+
+<file path=ppt/slides/slide24.xml><?xml version="1.0" encoding="utf-8"?>
+<p:sld xmlns:a="http://schemas.openxmlformats.org/drawingml/2006/main" xmlns:r="http://schemas.openxmlformats.org/officeDocument/2006/relationships" xmlns:p="http://schemas.openxmlformats.org/presentationml/2006/main">
+  <p:cSld>
+    <p:spTree>
+      <p:nvGrpSpPr>
+        <p:cNvPr id="1" name="Shape 287"/>
+        <p:cNvGrpSpPr/>
+        <p:nvPr/>
+      </p:nvGrpSpPr>
+      <p:grpSpPr>
+        <a:xfrm>
+          <a:off x="0" y="0"/>
+          <a:ext cx="0" cy="0"/>
+          <a:chOff x="0" y="0"/>
+          <a:chExt cx="0" cy="0"/>
+        </a:xfrm>
+      </p:grpSpPr>
+      <p:sp>
+        <p:nvSpPr>
+          <p:cNvPr id="288" name="Google Shape;288;g21c03c1d1e6_1_177"/>
+          <p:cNvSpPr txBox="1"/>
+          <p:nvPr/>
+        </p:nvSpPr>
+        <p:spPr>
+          <a:xfrm>
+            <a:off x="1185903" y="669650"/>
+            <a:ext cx="6454800" cy="608400"/>
+          </a:xfrm>
+          <a:prstGeom prst="rect">
+            <a:avLst/>
+          </a:prstGeom>
+          <a:noFill/>
+          <a:ln>
+            <a:noFill/>
+          </a:ln>
+        </p:spPr>
+        <p:txBody>
+          <a:bodyPr spcFirstLastPara="1" wrap="square" lIns="68575" tIns="34275" rIns="68575" bIns="34275" anchor="t" anchorCtr="0">
+            <a:noAutofit/>
+          </a:bodyPr>
+          <a:lstStyle/>
+          <a:p>
+            <a:pPr marL="0" marR="0" lvl="0" indent="0" algn="ctr" rtl="0">
+              <a:lnSpc>
+                <a:spcPct val="120000"/>
+              </a:lnSpc>
+              <a:spcBef>
+                <a:spcPts val="0"/>
+              </a:spcBef>
+              <a:spcAft>
+                <a:spcPts val="0"/>
+              </a:spcAft>
+              <a:buClr>
+                <a:schemeClr val="dk1"/>
+              </a:buClr>
+              <a:buSzPts val="3000"/>
+              <a:buFont typeface="Arial"/>
+              <a:buNone/>
+            </a:pPr>
+            <a:r>
+              <a:rPr lang="en" sz="2400">
+                <a:solidFill>
+                  <a:schemeClr val="dk2"/>
+                </a:solidFill>
+                <a:latin typeface="Twentieth Century"/>
+                <a:ea typeface="Twentieth Century"/>
+                <a:cs typeface="Twentieth Century"/>
+                <a:sym typeface="Twentieth Century"/>
+              </a:rPr>
+              <a:t>Arquitecturas flexibles IN/OUT</a:t>
+            </a:r>
+            <a:endParaRPr sz="1100">
+              <a:solidFill>
+                <a:schemeClr val="dk2"/>
+              </a:solidFill>
+            </a:endParaRPr>
+          </a:p>
+        </p:txBody>
+      </p:sp>
+      <p:pic>
+        <p:nvPicPr>
+          <p:cNvPr id="289" name="Google Shape;289;g21c03c1d1e6_1_177"/>
+          <p:cNvPicPr preferRelativeResize="0"/>
+          <p:nvPr/>
+        </p:nvPicPr>
+        <p:blipFill rotWithShape="1">
+          <a:blip r:embed="rId3">
+            <a:alphaModFix/>
+          </a:blip>
+          <a:srcRect/>
+          <a:stretch/>
+        </p:blipFill>
+        <p:spPr>
+          <a:xfrm>
+            <a:off x="0" y="1078939"/>
+            <a:ext cx="9143998" cy="2862230"/>
+          </a:xfrm>
+          <a:prstGeom prst="rect">
+            <a:avLst/>
+          </a:prstGeom>
+          <a:noFill/>
+          <a:ln>
+            <a:noFill/>
+          </a:ln>
+        </p:spPr>
+      </p:pic>
+      <p:sp>
+        <p:nvSpPr>
+          <p:cNvPr id="290" name="Google Shape;290;g21c03c1d1e6_1_177"/>
+          <p:cNvSpPr txBox="1"/>
+          <p:nvPr/>
+        </p:nvSpPr>
+        <p:spPr>
+          <a:xfrm>
+            <a:off x="330020" y="4045863"/>
+            <a:ext cx="560232" cy="271779"/>
+          </a:xfrm>
+          <a:prstGeom prst="rect">
+            <a:avLst/>
+          </a:prstGeom>
+          <a:noFill/>
+          <a:ln>
+            <a:noFill/>
+          </a:ln>
+        </p:spPr>
+        <p:txBody>
+          <a:bodyPr spcFirstLastPara="1" wrap="square" lIns="68575" tIns="34275" rIns="68575" bIns="34275" anchor="t" anchorCtr="0">
+            <a:noAutofit/>
+          </a:bodyPr>
+          <a:lstStyle/>
+          <a:p>
+            <a:pPr marL="0" marR="0" lvl="0" indent="0" algn="l" rtl="0">
+              <a:lnSpc>
+                <a:spcPct val="90000"/>
+              </a:lnSpc>
+              <a:spcBef>
+                <a:spcPts val="0"/>
+              </a:spcBef>
+              <a:spcAft>
+                <a:spcPts val="0"/>
+              </a:spcAft>
+              <a:buClr>
+                <a:schemeClr val="dk1"/>
+              </a:buClr>
+              <a:buSzPts val="1500"/>
+              <a:buFont typeface="Arial"/>
+              <a:buNone/>
+            </a:pPr>
+            <a:r>
+              <a:rPr lang="en" sz="1500">
+                <a:latin typeface="Twentieth Century"/>
+                <a:ea typeface="Twentieth Century"/>
+                <a:cs typeface="Twentieth Century"/>
+                <a:sym typeface="Twentieth Century"/>
+              </a:rPr>
+              <a:t>MLP</a:t>
+            </a:r>
+            <a:endParaRPr sz="1100"/>
+          </a:p>
+        </p:txBody>
+      </p:sp>
+      <p:sp>
+        <p:nvSpPr>
+          <p:cNvPr id="291" name="Google Shape;291;g21c03c1d1e6_1_177"/>
+          <p:cNvSpPr txBox="1"/>
+          <p:nvPr/>
+        </p:nvSpPr>
+        <p:spPr>
+          <a:xfrm>
+            <a:off x="1418285" y="4045863"/>
+            <a:ext cx="1382870" cy="392518"/>
+          </a:xfrm>
+          <a:prstGeom prst="rect">
+            <a:avLst/>
+          </a:prstGeom>
+          <a:noFill/>
+          <a:ln>
+            <a:noFill/>
+          </a:ln>
+        </p:spPr>
+        <p:txBody>
+          <a:bodyPr spcFirstLastPara="1" wrap="square" lIns="68575" tIns="34275" rIns="68575" bIns="34275" anchor="t" anchorCtr="0">
+            <a:noAutofit/>
+          </a:bodyPr>
+          <a:lstStyle/>
+          <a:p>
+            <a:pPr marL="0" marR="0" lvl="0" indent="0" algn="l" rtl="0">
+              <a:lnSpc>
+                <a:spcPct val="90000"/>
+              </a:lnSpc>
+              <a:spcBef>
+                <a:spcPts val="0"/>
+              </a:spcBef>
+              <a:spcAft>
+                <a:spcPts val="0"/>
+              </a:spcAft>
+              <a:buClr>
+                <a:schemeClr val="dk1"/>
+              </a:buClr>
+              <a:buSzPts val="1400"/>
+              <a:buFont typeface="Arial"/>
+              <a:buNone/>
+            </a:pPr>
+            <a:r>
+              <a:rPr lang="en" sz="1400">
+                <a:latin typeface="Twentieth Century"/>
+                <a:ea typeface="Twentieth Century"/>
+                <a:cs typeface="Twentieth Century"/>
+                <a:sym typeface="Twentieth Century"/>
+              </a:rPr>
+              <a:t>Img captioning</a:t>
+            </a:r>
+            <a:endParaRPr sz="1400">
+              <a:latin typeface="Twentieth Century"/>
+              <a:ea typeface="Twentieth Century"/>
+              <a:cs typeface="Twentieth Century"/>
+              <a:sym typeface="Twentieth Century"/>
+            </a:endParaRPr>
+          </a:p>
+        </p:txBody>
+      </p:sp>
+      <p:sp>
+        <p:nvSpPr>
+          <p:cNvPr id="292" name="Google Shape;292;g21c03c1d1e6_1_177"/>
+          <p:cNvSpPr txBox="1"/>
+          <p:nvPr/>
+        </p:nvSpPr>
+        <p:spPr>
+          <a:xfrm>
+            <a:off x="3189130" y="3740938"/>
+            <a:ext cx="1485901" cy="609850"/>
+          </a:xfrm>
+          <a:prstGeom prst="rect">
+            <a:avLst/>
+          </a:prstGeom>
+          <a:noFill/>
+          <a:ln>
+            <a:noFill/>
+          </a:ln>
+        </p:spPr>
+        <p:txBody>
+          <a:bodyPr spcFirstLastPara="1" wrap="square" lIns="68575" tIns="34275" rIns="68575" bIns="34275" anchor="t" anchorCtr="0">
+            <a:noAutofit/>
+          </a:bodyPr>
+          <a:lstStyle/>
+          <a:p>
+            <a:pPr marL="0" marR="0" lvl="0" indent="0" algn="l" rtl="0">
+              <a:lnSpc>
+                <a:spcPct val="90000"/>
+              </a:lnSpc>
+              <a:spcBef>
+                <a:spcPts val="0"/>
+              </a:spcBef>
+              <a:spcAft>
+                <a:spcPts val="0"/>
+              </a:spcAft>
+              <a:buClr>
+                <a:schemeClr val="dk1"/>
+              </a:buClr>
+              <a:buSzPts val="1400"/>
+              <a:buFont typeface="Arial"/>
+              <a:buNone/>
+            </a:pPr>
+            <a:r>
+              <a:rPr lang="en" sz="1400">
+                <a:latin typeface="Twentieth Century"/>
+                <a:ea typeface="Twentieth Century"/>
+                <a:cs typeface="Twentieth Century"/>
+                <a:sym typeface="Twentieth Century"/>
+              </a:rPr>
+              <a:t>Regresión</a:t>
+            </a:r>
+            <a:endParaRPr sz="1100"/>
+          </a:p>
+          <a:p>
+            <a:pPr marL="0" marR="0" lvl="0" indent="0" algn="l" rtl="0">
+              <a:lnSpc>
+                <a:spcPct val="90000"/>
+              </a:lnSpc>
+              <a:spcBef>
+                <a:spcPts val="800"/>
+              </a:spcBef>
+              <a:spcAft>
+                <a:spcPts val="0"/>
+              </a:spcAft>
+              <a:buClr>
+                <a:schemeClr val="dk1"/>
+              </a:buClr>
+              <a:buSzPts val="1400"/>
+              <a:buFont typeface="Arial"/>
+              <a:buNone/>
+            </a:pPr>
+            <a:r>
+              <a:rPr lang="en" sz="1400">
+                <a:latin typeface="Twentieth Century"/>
+                <a:ea typeface="Twentieth Century"/>
+                <a:cs typeface="Twentieth Century"/>
+                <a:sym typeface="Twentieth Century"/>
+              </a:rPr>
+              <a:t>Classificacion</a:t>
+            </a:r>
+            <a:endParaRPr sz="1400">
+              <a:latin typeface="Twentieth Century"/>
+              <a:ea typeface="Twentieth Century"/>
+              <a:cs typeface="Twentieth Century"/>
+              <a:sym typeface="Twentieth Century"/>
+            </a:endParaRPr>
+          </a:p>
+          <a:p>
+            <a:pPr marL="0" marR="0" lvl="0" indent="0" algn="l" rtl="0">
+              <a:lnSpc>
+                <a:spcPct val="90000"/>
+              </a:lnSpc>
+              <a:spcBef>
+                <a:spcPts val="800"/>
+              </a:spcBef>
+              <a:spcAft>
+                <a:spcPts val="0"/>
+              </a:spcAft>
+              <a:buClr>
+                <a:schemeClr val="dk1"/>
+              </a:buClr>
+              <a:buSzPts val="1400"/>
+              <a:buFont typeface="Arial"/>
+              <a:buNone/>
+            </a:pPr>
+            <a:r>
+              <a:rPr lang="en" sz="1400">
+                <a:latin typeface="Twentieth Century"/>
+                <a:ea typeface="Twentieth Century"/>
+                <a:cs typeface="Twentieth Century"/>
+                <a:sym typeface="Twentieth Century"/>
+              </a:rPr>
+              <a:t>Sentiment classification</a:t>
+            </a:r>
+            <a:endParaRPr sz="1400">
+              <a:latin typeface="Twentieth Century"/>
+              <a:ea typeface="Twentieth Century"/>
+              <a:cs typeface="Twentieth Century"/>
+              <a:sym typeface="Twentieth Century"/>
+            </a:endParaRPr>
+          </a:p>
+          <a:p>
+            <a:pPr marL="0" marR="0" lvl="0" indent="0" algn="l" rtl="0">
+              <a:lnSpc>
+                <a:spcPct val="90000"/>
+              </a:lnSpc>
+              <a:spcBef>
+                <a:spcPts val="800"/>
+              </a:spcBef>
+              <a:spcAft>
+                <a:spcPts val="0"/>
+              </a:spcAft>
+              <a:buClr>
+                <a:schemeClr val="dk1"/>
+              </a:buClr>
+              <a:buSzPts val="1400"/>
+              <a:buFont typeface="Arial"/>
+              <a:buNone/>
+            </a:pPr>
+            <a:r>
+              <a:rPr lang="en" sz="1400">
+                <a:latin typeface="Twentieth Century"/>
+                <a:ea typeface="Twentieth Century"/>
+                <a:cs typeface="Twentieth Century"/>
+                <a:sym typeface="Twentieth Century"/>
+              </a:rPr>
+              <a:t>Resumen de videos</a:t>
+            </a:r>
+            <a:endParaRPr sz="1100"/>
+          </a:p>
+          <a:p>
+            <a:pPr marL="0" marR="0" lvl="0" indent="0" algn="l" rtl="0">
+              <a:lnSpc>
+                <a:spcPct val="90000"/>
+              </a:lnSpc>
+              <a:spcBef>
+                <a:spcPts val="800"/>
+              </a:spcBef>
+              <a:spcAft>
+                <a:spcPts val="0"/>
+              </a:spcAft>
+              <a:buClr>
+                <a:schemeClr val="lt1"/>
+              </a:buClr>
+              <a:buSzPts val="1400"/>
+              <a:buFont typeface="Arial"/>
+              <a:buNone/>
+            </a:pPr>
+            <a:endParaRPr sz="1400">
+              <a:latin typeface="Twentieth Century"/>
+              <a:ea typeface="Twentieth Century"/>
+              <a:cs typeface="Twentieth Century"/>
+              <a:sym typeface="Twentieth Century"/>
+            </a:endParaRPr>
+          </a:p>
+        </p:txBody>
+      </p:sp>
+      <p:sp>
+        <p:nvSpPr>
+          <p:cNvPr id="293" name="Google Shape;293;g21c03c1d1e6_1_177"/>
+          <p:cNvSpPr txBox="1"/>
+          <p:nvPr/>
+        </p:nvSpPr>
+        <p:spPr>
+          <a:xfrm>
+            <a:off x="5100033" y="4045863"/>
+            <a:ext cx="2327857" cy="392518"/>
+          </a:xfrm>
+          <a:prstGeom prst="rect">
+            <a:avLst/>
+          </a:prstGeom>
+          <a:noFill/>
+          <a:ln>
+            <a:noFill/>
+          </a:ln>
+        </p:spPr>
+        <p:txBody>
+          <a:bodyPr spcFirstLastPara="1" wrap="square" lIns="68575" tIns="34275" rIns="68575" bIns="34275" anchor="t" anchorCtr="0">
+            <a:noAutofit/>
+          </a:bodyPr>
+          <a:lstStyle/>
+          <a:p>
+            <a:pPr marL="0" marR="0" lvl="0" indent="0" algn="l" rtl="0">
+              <a:lnSpc>
+                <a:spcPct val="90000"/>
+              </a:lnSpc>
+              <a:spcBef>
+                <a:spcPts val="0"/>
+              </a:spcBef>
+              <a:spcAft>
+                <a:spcPts val="0"/>
+              </a:spcAft>
+              <a:buClr>
+                <a:schemeClr val="dk1"/>
+              </a:buClr>
+              <a:buSzPts val="1400"/>
+              <a:buFont typeface="Arial"/>
+              <a:buNone/>
+            </a:pPr>
+            <a:r>
+              <a:rPr lang="en" sz="1400">
+                <a:latin typeface="Twentieth Century"/>
+                <a:ea typeface="Twentieth Century"/>
+                <a:cs typeface="Twentieth Century"/>
+                <a:sym typeface="Twentieth Century"/>
+              </a:rPr>
+              <a:t>Regresión varios futuros</a:t>
+            </a:r>
+            <a:endParaRPr sz="1100"/>
+          </a:p>
+          <a:p>
+            <a:pPr marL="0" marR="0" lvl="0" indent="0" algn="l" rtl="0">
+              <a:lnSpc>
+                <a:spcPct val="90000"/>
+              </a:lnSpc>
+              <a:spcBef>
+                <a:spcPts val="800"/>
+              </a:spcBef>
+              <a:spcAft>
+                <a:spcPts val="0"/>
+              </a:spcAft>
+              <a:buClr>
+                <a:schemeClr val="dk1"/>
+              </a:buClr>
+              <a:buSzPts val="1400"/>
+              <a:buFont typeface="Arial"/>
+              <a:buNone/>
+            </a:pPr>
+            <a:r>
+              <a:rPr lang="en" sz="1400">
+                <a:latin typeface="Twentieth Century"/>
+                <a:ea typeface="Twentieth Century"/>
+                <a:cs typeface="Twentieth Century"/>
+                <a:sym typeface="Twentieth Century"/>
+              </a:rPr>
+              <a:t>Traducción</a:t>
+            </a:r>
+            <a:endParaRPr sz="1100"/>
+          </a:p>
+        </p:txBody>
+      </p:sp>
+      <p:sp>
+        <p:nvSpPr>
+          <p:cNvPr id="294" name="Google Shape;294;g21c03c1d1e6_1_177"/>
+          <p:cNvSpPr txBox="1"/>
+          <p:nvPr/>
+        </p:nvSpPr>
+        <p:spPr>
+          <a:xfrm>
+            <a:off x="7532531" y="4045863"/>
+            <a:ext cx="1276618" cy="392518"/>
+          </a:xfrm>
+          <a:prstGeom prst="rect">
+            <a:avLst/>
+          </a:prstGeom>
+          <a:noFill/>
+          <a:ln>
+            <a:noFill/>
+          </a:ln>
+        </p:spPr>
+        <p:txBody>
+          <a:bodyPr spcFirstLastPara="1" wrap="square" lIns="68575" tIns="34275" rIns="68575" bIns="34275" anchor="t" anchorCtr="0">
+            <a:noAutofit/>
+          </a:bodyPr>
+          <a:lstStyle/>
+          <a:p>
+            <a:pPr marL="0" marR="0" lvl="0" indent="0" algn="l" rtl="0">
+              <a:lnSpc>
+                <a:spcPct val="90000"/>
+              </a:lnSpc>
+              <a:spcBef>
+                <a:spcPts val="0"/>
+              </a:spcBef>
+              <a:spcAft>
+                <a:spcPts val="0"/>
+              </a:spcAft>
+              <a:buClr>
+                <a:schemeClr val="dk1"/>
+              </a:buClr>
+              <a:buSzPts val="1400"/>
+              <a:buFont typeface="Arial"/>
+              <a:buNone/>
+            </a:pPr>
+            <a:r>
+              <a:rPr lang="en" sz="1400">
+                <a:latin typeface="Twentieth Century"/>
+                <a:ea typeface="Twentieth Century"/>
+                <a:cs typeface="Twentieth Century"/>
+                <a:sym typeface="Twentieth Century"/>
+              </a:rPr>
+              <a:t>Video class frame lvl</a:t>
+            </a:r>
+            <a:endParaRPr sz="1400">
+              <a:latin typeface="Twentieth Century"/>
+              <a:ea typeface="Twentieth Century"/>
+              <a:cs typeface="Twentieth Century"/>
+              <a:sym typeface="Twentieth Century"/>
+            </a:endParaRPr>
+          </a:p>
+        </p:txBody>
+      </p:sp>
+      <p:sp>
+        <p:nvSpPr>
+          <p:cNvPr id="295" name="Google Shape;295;g21c03c1d1e6_1_177"/>
+          <p:cNvSpPr txBox="1">
+            <a:spLocks noGrp="1"/>
+          </p:cNvSpPr>
+          <p:nvPr>
+            <p:ph type="title"/>
+          </p:nvPr>
+        </p:nvSpPr>
+        <p:spPr>
+          <a:xfrm>
+            <a:off x="0" y="0"/>
+            <a:ext cx="8826600" cy="602700"/>
+          </a:xfrm>
+          <a:prstGeom prst="rect">
+            <a:avLst/>
+          </a:prstGeom>
+        </p:spPr>
+        <p:txBody>
+          <a:bodyPr spcFirstLastPara="1" wrap="square" lIns="91425" tIns="91425" rIns="91425" bIns="91425" anchor="ctr" anchorCtr="0">
+            <a:normAutofit/>
+          </a:bodyPr>
+          <a:lstStyle/>
+          <a:p>
+            <a:pPr marL="0" lvl="0" indent="0" algn="l" rtl="0">
+              <a:spcBef>
+                <a:spcPts val="0"/>
+              </a:spcBef>
+              <a:spcAft>
+                <a:spcPts val="0"/>
+              </a:spcAft>
+              <a:buNone/>
+            </a:pPr>
+            <a:r>
+              <a:rPr lang="en" dirty="0"/>
+              <a:t>Redes recurrentes - Arquitectura enconder-decoder (seq to seq)</a:t>
+            </a:r>
+            <a:endParaRPr dirty="0"/>
+          </a:p>
+        </p:txBody>
+      </p:sp>
+    </p:spTree>
+  </p:cSld>
+  <p:clrMapOvr>
+    <a:masterClrMapping/>
+  </p:clrMapOvr>
+</p:sld>
+</file>
+
 <file path=ppt/slides/slide25.xml><?xml version="1.0" encoding="utf-8"?>
+<p:sld xmlns:a="http://schemas.openxmlformats.org/drawingml/2006/main" xmlns:r="http://schemas.openxmlformats.org/officeDocument/2006/relationships" xmlns:p="http://schemas.openxmlformats.org/presentationml/2006/main">
+  <p:cSld>
+    <p:spTree>
+      <p:nvGrpSpPr>
+        <p:cNvPr id="1" name="Shape 299"/>
+        <p:cNvGrpSpPr/>
+        <p:nvPr/>
+      </p:nvGrpSpPr>
+      <p:grpSpPr>
+        <a:xfrm>
+          <a:off x="0" y="0"/>
+          <a:ext cx="0" cy="0"/>
+          <a:chOff x="0" y="0"/>
+          <a:chExt cx="0" cy="0"/>
+        </a:xfrm>
+      </p:grpSpPr>
+      <p:sp>
+        <p:nvSpPr>
+          <p:cNvPr id="300" name="Google Shape;300;g21c03c1d1e6_1_187"/>
+          <p:cNvSpPr txBox="1"/>
+          <p:nvPr/>
+        </p:nvSpPr>
+        <p:spPr>
+          <a:xfrm>
+            <a:off x="-119743" y="0"/>
+            <a:ext cx="9383486" cy="608527"/>
+          </a:xfrm>
+          <a:prstGeom prst="rect">
+            <a:avLst/>
+          </a:prstGeom>
+          <a:noFill/>
+          <a:ln>
+            <a:noFill/>
+          </a:ln>
+        </p:spPr>
+        <p:txBody>
+          <a:bodyPr spcFirstLastPara="1" wrap="square" lIns="68575" tIns="34275" rIns="68575" bIns="34275" anchor="t" anchorCtr="0">
+            <a:noAutofit/>
+          </a:bodyPr>
+          <a:lstStyle/>
+          <a:p>
+            <a:pPr marL="0" marR="0" lvl="0" indent="0" algn="ctr" rtl="0">
+              <a:lnSpc>
+                <a:spcPct val="120000"/>
+              </a:lnSpc>
+              <a:spcBef>
+                <a:spcPts val="0"/>
+              </a:spcBef>
+              <a:spcAft>
+                <a:spcPts val="0"/>
+              </a:spcAft>
+              <a:buClr>
+                <a:schemeClr val="dk1"/>
+              </a:buClr>
+              <a:buSzPts val="3000"/>
+              <a:buFont typeface="Arial"/>
+              <a:buNone/>
+            </a:pPr>
+            <a:r>
+              <a:rPr lang="en" sz="2400">
+                <a:solidFill>
+                  <a:schemeClr val="dk1"/>
+                </a:solidFill>
+                <a:latin typeface="Twentieth Century"/>
+                <a:ea typeface="Twentieth Century"/>
+                <a:cs typeface="Twentieth Century"/>
+                <a:sym typeface="Twentieth Century"/>
+              </a:rPr>
+              <a:t>Recurrent Neural Network (RNN) vs Tapped Delayed MLP</a:t>
+            </a:r>
+            <a:endParaRPr sz="1100"/>
+          </a:p>
+        </p:txBody>
+      </p:sp>
+      <p:graphicFrame>
+        <p:nvGraphicFramePr>
+          <p:cNvPr id="301" name="Google Shape;301;g21c03c1d1e6_1_187"/>
+          <p:cNvGraphicFramePr/>
+          <p:nvPr/>
+        </p:nvGraphicFramePr>
+        <p:xfrm>
+          <a:off x="714776" y="1185909"/>
+          <a:ext cx="7389000" cy="432000"/>
+        </p:xfrm>
+        <a:graphic>
+          <a:graphicData uri="http://schemas.openxmlformats.org/drawingml/2006/table">
+            <a:tbl>
+              <a:tblPr>
+                <a:noFill/>
+                <a:tableStyleId>{D3E55744-8061-4CE5-AF87-22040F36E0A0}</a:tableStyleId>
+              </a:tblPr>
+              <a:tblGrid>
+                <a:gridCol w="738900">
+                  <a:extLst>
+                    <a:ext uri="{9D8B030D-6E8A-4147-A177-3AD203B41FA5}">
+                      <a16:colId xmlns:a16="http://schemas.microsoft.com/office/drawing/2014/main" val="20000"/>
+                    </a:ext>
+                  </a:extLst>
+                </a:gridCol>
+                <a:gridCol w="738900">
+                  <a:extLst>
+                    <a:ext uri="{9D8B030D-6E8A-4147-A177-3AD203B41FA5}">
+                      <a16:colId xmlns:a16="http://schemas.microsoft.com/office/drawing/2014/main" val="20001"/>
+                    </a:ext>
+                  </a:extLst>
+                </a:gridCol>
+                <a:gridCol w="738900">
+                  <a:extLst>
+                    <a:ext uri="{9D8B030D-6E8A-4147-A177-3AD203B41FA5}">
+                      <a16:colId xmlns:a16="http://schemas.microsoft.com/office/drawing/2014/main" val="20002"/>
+                    </a:ext>
+                  </a:extLst>
+                </a:gridCol>
+                <a:gridCol w="738900">
+                  <a:extLst>
+                    <a:ext uri="{9D8B030D-6E8A-4147-A177-3AD203B41FA5}">
+                      <a16:colId xmlns:a16="http://schemas.microsoft.com/office/drawing/2014/main" val="20003"/>
+                    </a:ext>
+                  </a:extLst>
+                </a:gridCol>
+                <a:gridCol w="738900">
+                  <a:extLst>
+                    <a:ext uri="{9D8B030D-6E8A-4147-A177-3AD203B41FA5}">
+                      <a16:colId xmlns:a16="http://schemas.microsoft.com/office/drawing/2014/main" val="20004"/>
+                    </a:ext>
+                  </a:extLst>
+                </a:gridCol>
+                <a:gridCol w="738900">
+                  <a:extLst>
+                    <a:ext uri="{9D8B030D-6E8A-4147-A177-3AD203B41FA5}">
+                      <a16:colId xmlns:a16="http://schemas.microsoft.com/office/drawing/2014/main" val="20005"/>
+                    </a:ext>
+                  </a:extLst>
+                </a:gridCol>
+                <a:gridCol w="738900">
+                  <a:extLst>
+                    <a:ext uri="{9D8B030D-6E8A-4147-A177-3AD203B41FA5}">
+                      <a16:colId xmlns:a16="http://schemas.microsoft.com/office/drawing/2014/main" val="20006"/>
+                    </a:ext>
+                  </a:extLst>
+                </a:gridCol>
+                <a:gridCol w="738900">
+                  <a:extLst>
+                    <a:ext uri="{9D8B030D-6E8A-4147-A177-3AD203B41FA5}">
+                      <a16:colId xmlns:a16="http://schemas.microsoft.com/office/drawing/2014/main" val="20007"/>
+                    </a:ext>
+                  </a:extLst>
+                </a:gridCol>
+                <a:gridCol w="738900">
+                  <a:extLst>
+                    <a:ext uri="{9D8B030D-6E8A-4147-A177-3AD203B41FA5}">
+                      <a16:colId xmlns:a16="http://schemas.microsoft.com/office/drawing/2014/main" val="20008"/>
+                    </a:ext>
+                  </a:extLst>
+                </a:gridCol>
+                <a:gridCol w="738900">
+                  <a:extLst>
+                    <a:ext uri="{9D8B030D-6E8A-4147-A177-3AD203B41FA5}">
+                      <a16:colId xmlns:a16="http://schemas.microsoft.com/office/drawing/2014/main" val="20009"/>
+                    </a:ext>
+                  </a:extLst>
+                </a:gridCol>
+              </a:tblGrid>
+              <a:tr h="432000">
+                <a:tc>
+                  <a:txBody>
+                    <a:bodyPr/>
+                    <a:lstStyle/>
+                    <a:p>
+                      <a:pPr marL="0" marR="0" lvl="0" indent="0" algn="ctr" rtl="0">
+                        <a:spcBef>
+                          <a:spcPts val="0"/>
+                        </a:spcBef>
+                        <a:spcAft>
+                          <a:spcPts val="0"/>
+                        </a:spcAft>
+                        <a:buNone/>
+                      </a:pPr>
+                      <a:r>
+                        <a:rPr lang="en" sz="1400"/>
+                        <a:t>X(t=0)</a:t>
+                      </a:r>
+                      <a:endParaRPr sz="1100"/>
+                    </a:p>
+                  </a:txBody>
+                  <a:tcPr marL="68600" marR="68600" marT="34300" marB="34300" anchor="ctr">
+                    <a:lnL w="38100" cap="flat" cmpd="sng">
+                      <a:solidFill>
+                        <a:schemeClr val="dk1"/>
+                      </a:solidFill>
+                      <a:prstDash val="solid"/>
+                      <a:round/>
+                      <a:headEnd type="none" w="sm" len="sm"/>
+                      <a:tailEnd type="none" w="sm" len="sm"/>
+                    </a:lnL>
+                    <a:lnR w="38100" cap="flat" cmpd="sng">
+                      <a:solidFill>
+                        <a:schemeClr val="dk1"/>
+                      </a:solidFill>
+                      <a:prstDash val="solid"/>
+                      <a:round/>
+                      <a:headEnd type="none" w="sm" len="sm"/>
+                      <a:tailEnd type="none" w="sm" len="sm"/>
+                    </a:lnR>
+                    <a:lnT w="38100" cap="flat" cmpd="sng">
+                      <a:solidFill>
+                        <a:schemeClr val="dk1"/>
+                      </a:solidFill>
+                      <a:prstDash val="solid"/>
+                      <a:round/>
+                      <a:headEnd type="none" w="sm" len="sm"/>
+                      <a:tailEnd type="none" w="sm" len="sm"/>
+                    </a:lnT>
+                    <a:lnB w="38100" cap="flat" cmpd="sng">
+                      <a:solidFill>
+                        <a:schemeClr val="dk1"/>
+                      </a:solidFill>
+                      <a:prstDash val="solid"/>
+                      <a:round/>
+                      <a:headEnd type="none" w="sm" len="sm"/>
+                      <a:tailEnd type="none" w="sm" len="sm"/>
+                    </a:lnB>
+                  </a:tcPr>
+                </a:tc>
+                <a:tc>
+                  <a:txBody>
+                    <a:bodyPr/>
+                    <a:lstStyle/>
+                    <a:p>
+                      <a:pPr marL="0" marR="0" lvl="0" indent="0" algn="ctr" rtl="0">
+                        <a:spcBef>
+                          <a:spcPts val="0"/>
+                        </a:spcBef>
+                        <a:spcAft>
+                          <a:spcPts val="0"/>
+                        </a:spcAft>
+                        <a:buNone/>
+                      </a:pPr>
+                      <a:r>
+                        <a:rPr lang="en" sz="1400"/>
+                        <a:t>X(t=1)</a:t>
+                      </a:r>
+                      <a:endParaRPr sz="1100"/>
+                    </a:p>
+                  </a:txBody>
+                  <a:tcPr marL="68600" marR="68600" marT="34300" marB="34300" anchor="ctr">
+                    <a:lnL w="38100" cap="flat" cmpd="sng">
+                      <a:solidFill>
+                        <a:schemeClr val="dk1"/>
+                      </a:solidFill>
+                      <a:prstDash val="solid"/>
+                      <a:round/>
+                      <a:headEnd type="none" w="sm" len="sm"/>
+                      <a:tailEnd type="none" w="sm" len="sm"/>
+                    </a:lnL>
+                    <a:lnR w="38100" cap="flat" cmpd="sng">
+                      <a:solidFill>
+                        <a:schemeClr val="dk1"/>
+                      </a:solidFill>
+                      <a:prstDash val="solid"/>
+                      <a:round/>
+                      <a:headEnd type="none" w="sm" len="sm"/>
+                      <a:tailEnd type="none" w="sm" len="sm"/>
+                    </a:lnR>
+                    <a:lnT w="38100" cap="flat" cmpd="sng">
+                      <a:solidFill>
+                        <a:schemeClr val="dk1"/>
+                      </a:solidFill>
+                      <a:prstDash val="solid"/>
+                      <a:round/>
+                      <a:headEnd type="none" w="sm" len="sm"/>
+                      <a:tailEnd type="none" w="sm" len="sm"/>
+                    </a:lnT>
+                    <a:lnB w="38100" cap="flat" cmpd="sng">
+                      <a:solidFill>
+                        <a:schemeClr val="dk1"/>
+                      </a:solidFill>
+                      <a:prstDash val="solid"/>
+                      <a:round/>
+                      <a:headEnd type="none" w="sm" len="sm"/>
+                      <a:tailEnd type="none" w="sm" len="sm"/>
+                    </a:lnB>
+                  </a:tcPr>
+                </a:tc>
+                <a:tc>
+                  <a:txBody>
+                    <a:bodyPr/>
+                    <a:lstStyle/>
+                    <a:p>
+                      <a:pPr marL="0" marR="0" lvl="0" indent="0" algn="ctr" rtl="0">
+                        <a:spcBef>
+                          <a:spcPts val="0"/>
+                        </a:spcBef>
+                        <a:spcAft>
+                          <a:spcPts val="0"/>
+                        </a:spcAft>
+                        <a:buNone/>
+                      </a:pPr>
+                      <a:r>
+                        <a:rPr lang="en" sz="1400"/>
+                        <a:t>X(t=2)</a:t>
+                      </a:r>
+                      <a:endParaRPr sz="1100"/>
+                    </a:p>
+                  </a:txBody>
+                  <a:tcPr marL="68600" marR="68600" marT="34300" marB="34300" anchor="ctr">
+                    <a:lnL w="38100" cap="flat" cmpd="sng">
+                      <a:solidFill>
+                        <a:schemeClr val="dk1"/>
+                      </a:solidFill>
+                      <a:prstDash val="solid"/>
+                      <a:round/>
+                      <a:headEnd type="none" w="sm" len="sm"/>
+                      <a:tailEnd type="none" w="sm" len="sm"/>
+                    </a:lnL>
+                    <a:lnR w="38100" cap="flat" cmpd="sng">
+                      <a:solidFill>
+                        <a:schemeClr val="dk1"/>
+                      </a:solidFill>
+                      <a:prstDash val="solid"/>
+                      <a:round/>
+                      <a:headEnd type="none" w="sm" len="sm"/>
+                      <a:tailEnd type="none" w="sm" len="sm"/>
+                    </a:lnR>
+                    <a:lnT w="38100" cap="flat" cmpd="sng">
+                      <a:solidFill>
+                        <a:schemeClr val="dk1"/>
+                      </a:solidFill>
+                      <a:prstDash val="solid"/>
+                      <a:round/>
+                      <a:headEnd type="none" w="sm" len="sm"/>
+                      <a:tailEnd type="none" w="sm" len="sm"/>
+                    </a:lnT>
+                    <a:lnB w="38100" cap="flat" cmpd="sng">
+                      <a:solidFill>
+                        <a:schemeClr val="dk1"/>
+                      </a:solidFill>
+                      <a:prstDash val="solid"/>
+                      <a:round/>
+                      <a:headEnd type="none" w="sm" len="sm"/>
+                      <a:tailEnd type="none" w="sm" len="sm"/>
+                    </a:lnB>
+                  </a:tcPr>
+                </a:tc>
+                <a:tc>
+                  <a:txBody>
+                    <a:bodyPr/>
+                    <a:lstStyle/>
+                    <a:p>
+                      <a:pPr marL="0" marR="0" lvl="0" indent="0" algn="ctr" rtl="0">
+                        <a:spcBef>
+                          <a:spcPts val="0"/>
+                        </a:spcBef>
+                        <a:spcAft>
+                          <a:spcPts val="0"/>
+                        </a:spcAft>
+                        <a:buNone/>
+                      </a:pPr>
+                      <a:r>
+                        <a:rPr lang="en" sz="1400"/>
+                        <a:t>X(t=3)</a:t>
+                      </a:r>
+                      <a:endParaRPr sz="1100"/>
+                    </a:p>
+                  </a:txBody>
+                  <a:tcPr marL="68600" marR="68600" marT="34300" marB="34300" anchor="ctr">
+                    <a:lnL w="38100" cap="flat" cmpd="sng">
+                      <a:solidFill>
+                        <a:schemeClr val="dk1"/>
+                      </a:solidFill>
+                      <a:prstDash val="solid"/>
+                      <a:round/>
+                      <a:headEnd type="none" w="sm" len="sm"/>
+                      <a:tailEnd type="none" w="sm" len="sm"/>
+                    </a:lnL>
+                    <a:lnR w="38100" cap="flat" cmpd="sng">
+                      <a:solidFill>
+                        <a:schemeClr val="dk1"/>
+                      </a:solidFill>
+                      <a:prstDash val="solid"/>
+                      <a:round/>
+                      <a:headEnd type="none" w="sm" len="sm"/>
+                      <a:tailEnd type="none" w="sm" len="sm"/>
+                    </a:lnR>
+                    <a:lnT w="38100" cap="flat" cmpd="sng">
+                      <a:solidFill>
+                        <a:schemeClr val="dk1"/>
+                      </a:solidFill>
+                      <a:prstDash val="solid"/>
+                      <a:round/>
+                      <a:headEnd type="none" w="sm" len="sm"/>
+                      <a:tailEnd type="none" w="sm" len="sm"/>
+                    </a:lnT>
+                    <a:lnB w="38100" cap="flat" cmpd="sng">
+                      <a:solidFill>
+                        <a:schemeClr val="dk1"/>
+                      </a:solidFill>
+                      <a:prstDash val="solid"/>
+                      <a:round/>
+                      <a:headEnd type="none" w="sm" len="sm"/>
+                      <a:tailEnd type="none" w="sm" len="sm"/>
+                    </a:lnB>
+                  </a:tcPr>
+                </a:tc>
+                <a:tc>
+                  <a:txBody>
+                    <a:bodyPr/>
+                    <a:lstStyle/>
+                    <a:p>
+                      <a:pPr marL="0" marR="0" lvl="0" indent="0" algn="ctr" rtl="0">
+                        <a:spcBef>
+                          <a:spcPts val="0"/>
+                        </a:spcBef>
+                        <a:spcAft>
+                          <a:spcPts val="0"/>
+                        </a:spcAft>
+                        <a:buNone/>
+                      </a:pPr>
+                      <a:r>
+                        <a:rPr lang="en" sz="1400"/>
+                        <a:t>X(t=4)</a:t>
+                      </a:r>
+                      <a:endParaRPr sz="1100"/>
+                    </a:p>
+                  </a:txBody>
+                  <a:tcPr marL="68600" marR="68600" marT="34300" marB="34300" anchor="ctr">
+                    <a:lnL w="38100" cap="flat" cmpd="sng">
+                      <a:solidFill>
+                        <a:schemeClr val="dk1"/>
+                      </a:solidFill>
+                      <a:prstDash val="solid"/>
+                      <a:round/>
+                      <a:headEnd type="none" w="sm" len="sm"/>
+                      <a:tailEnd type="none" w="sm" len="sm"/>
+                    </a:lnL>
+                    <a:lnR w="38100" cap="flat" cmpd="sng">
+                      <a:solidFill>
+                        <a:schemeClr val="dk1"/>
+                      </a:solidFill>
+                      <a:prstDash val="solid"/>
+                      <a:round/>
+                      <a:headEnd type="none" w="sm" len="sm"/>
+                      <a:tailEnd type="none" w="sm" len="sm"/>
+                    </a:lnR>
+                    <a:lnT w="38100" cap="flat" cmpd="sng">
+                      <a:solidFill>
+                        <a:schemeClr val="dk1"/>
+                      </a:solidFill>
+                      <a:prstDash val="solid"/>
+                      <a:round/>
+                      <a:headEnd type="none" w="sm" len="sm"/>
+                      <a:tailEnd type="none" w="sm" len="sm"/>
+                    </a:lnT>
+                    <a:lnB w="38100" cap="flat" cmpd="sng">
+                      <a:solidFill>
+                        <a:schemeClr val="dk1"/>
+                      </a:solidFill>
+                      <a:prstDash val="solid"/>
+                      <a:round/>
+                      <a:headEnd type="none" w="sm" len="sm"/>
+                      <a:tailEnd type="none" w="sm" len="sm"/>
+                    </a:lnB>
+                  </a:tcPr>
+                </a:tc>
+                <a:tc>
+                  <a:txBody>
+                    <a:bodyPr/>
+                    <a:lstStyle/>
+                    <a:p>
+                      <a:pPr marL="0" marR="0" lvl="0" indent="0" algn="ctr" rtl="0">
+                        <a:spcBef>
+                          <a:spcPts val="0"/>
+                        </a:spcBef>
+                        <a:spcAft>
+                          <a:spcPts val="0"/>
+                        </a:spcAft>
+                        <a:buNone/>
+                      </a:pPr>
+                      <a:r>
+                        <a:rPr lang="en" sz="1400"/>
+                        <a:t>X(t=5)</a:t>
+                      </a:r>
+                      <a:endParaRPr sz="1100"/>
+                    </a:p>
+                  </a:txBody>
+                  <a:tcPr marL="68600" marR="68600" marT="34300" marB="34300" anchor="ctr">
+                    <a:lnL w="38100" cap="flat" cmpd="sng">
+                      <a:solidFill>
+                        <a:schemeClr val="dk1"/>
+                      </a:solidFill>
+                      <a:prstDash val="solid"/>
+                      <a:round/>
+                      <a:headEnd type="none" w="sm" len="sm"/>
+                      <a:tailEnd type="none" w="sm" len="sm"/>
+                    </a:lnL>
+                    <a:lnR w="38100" cap="flat" cmpd="sng">
+                      <a:solidFill>
+                        <a:schemeClr val="dk1"/>
+                      </a:solidFill>
+                      <a:prstDash val="solid"/>
+                      <a:round/>
+                      <a:headEnd type="none" w="sm" len="sm"/>
+                      <a:tailEnd type="none" w="sm" len="sm"/>
+                    </a:lnR>
+                    <a:lnT w="38100" cap="flat" cmpd="sng">
+                      <a:solidFill>
+                        <a:schemeClr val="dk1"/>
+                      </a:solidFill>
+                      <a:prstDash val="solid"/>
+                      <a:round/>
+                      <a:headEnd type="none" w="sm" len="sm"/>
+                      <a:tailEnd type="none" w="sm" len="sm"/>
+                    </a:lnT>
+                    <a:lnB w="38100" cap="flat" cmpd="sng">
+                      <a:solidFill>
+                        <a:schemeClr val="dk1"/>
+                      </a:solidFill>
+                      <a:prstDash val="solid"/>
+                      <a:round/>
+                      <a:headEnd type="none" w="sm" len="sm"/>
+                      <a:tailEnd type="none" w="sm" len="sm"/>
+                    </a:lnB>
+                  </a:tcPr>
+                </a:tc>
+                <a:tc>
+                  <a:txBody>
+                    <a:bodyPr/>
+                    <a:lstStyle/>
+                    <a:p>
+                      <a:pPr marL="0" marR="0" lvl="0" indent="0" algn="ctr" rtl="0">
+                        <a:spcBef>
+                          <a:spcPts val="0"/>
+                        </a:spcBef>
+                        <a:spcAft>
+                          <a:spcPts val="0"/>
+                        </a:spcAft>
+                        <a:buNone/>
+                      </a:pPr>
+                      <a:r>
+                        <a:rPr lang="en" sz="1400"/>
+                        <a:t>X(t=6)</a:t>
+                      </a:r>
+                      <a:endParaRPr sz="1100"/>
+                    </a:p>
+                  </a:txBody>
+                  <a:tcPr marL="68600" marR="68600" marT="34300" marB="34300" anchor="ctr">
+                    <a:lnL w="38100" cap="flat" cmpd="sng">
+                      <a:solidFill>
+                        <a:schemeClr val="dk1"/>
+                      </a:solidFill>
+                      <a:prstDash val="solid"/>
+                      <a:round/>
+                      <a:headEnd type="none" w="sm" len="sm"/>
+                      <a:tailEnd type="none" w="sm" len="sm"/>
+                    </a:lnL>
+                    <a:lnR w="38100" cap="flat" cmpd="sng">
+                      <a:solidFill>
+                        <a:schemeClr val="dk1"/>
+                      </a:solidFill>
+                      <a:prstDash val="solid"/>
+                      <a:round/>
+                      <a:headEnd type="none" w="sm" len="sm"/>
+                      <a:tailEnd type="none" w="sm" len="sm"/>
+                    </a:lnR>
+                    <a:lnT w="38100" cap="flat" cmpd="sng">
+                      <a:solidFill>
+                        <a:schemeClr val="dk1"/>
+                      </a:solidFill>
+                      <a:prstDash val="solid"/>
+                      <a:round/>
+                      <a:headEnd type="none" w="sm" len="sm"/>
+                      <a:tailEnd type="none" w="sm" len="sm"/>
+                    </a:lnT>
+                    <a:lnB w="38100" cap="flat" cmpd="sng">
+                      <a:solidFill>
+                        <a:schemeClr val="dk1"/>
+                      </a:solidFill>
+                      <a:prstDash val="solid"/>
+                      <a:round/>
+                      <a:headEnd type="none" w="sm" len="sm"/>
+                      <a:tailEnd type="none" w="sm" len="sm"/>
+                    </a:lnB>
+                  </a:tcPr>
+                </a:tc>
+                <a:tc>
+                  <a:txBody>
+                    <a:bodyPr/>
+                    <a:lstStyle/>
+                    <a:p>
+                      <a:pPr marL="0" marR="0" lvl="0" indent="0" algn="ctr" rtl="0">
+                        <a:lnSpc>
+                          <a:spcPct val="100000"/>
+                        </a:lnSpc>
+                        <a:spcBef>
+                          <a:spcPts val="0"/>
+                        </a:spcBef>
+                        <a:spcAft>
+                          <a:spcPts val="0"/>
+                        </a:spcAft>
+                        <a:buClr>
+                          <a:schemeClr val="lt1"/>
+                        </a:buClr>
+                        <a:buSzPts val="1400"/>
+                        <a:buFont typeface="Twentieth Century"/>
+                        <a:buNone/>
+                      </a:pPr>
+                      <a:r>
+                        <a:rPr lang="en" sz="1400"/>
+                        <a:t>X(t=7)</a:t>
+                      </a:r>
+                      <a:endParaRPr sz="1100"/>
+                    </a:p>
+                  </a:txBody>
+                  <a:tcPr marL="68600" marR="68600" marT="34300" marB="34300" anchor="ctr">
+                    <a:lnL w="38100" cap="flat" cmpd="sng">
+                      <a:solidFill>
+                        <a:schemeClr val="dk1"/>
+                      </a:solidFill>
+                      <a:prstDash val="solid"/>
+                      <a:round/>
+                      <a:headEnd type="none" w="sm" len="sm"/>
+                      <a:tailEnd type="none" w="sm" len="sm"/>
+                    </a:lnL>
+                    <a:lnR w="38100" cap="flat" cmpd="sng">
+                      <a:solidFill>
+                        <a:schemeClr val="dk1"/>
+                      </a:solidFill>
+                      <a:prstDash val="solid"/>
+                      <a:round/>
+                      <a:headEnd type="none" w="sm" len="sm"/>
+                      <a:tailEnd type="none" w="sm" len="sm"/>
+                    </a:lnR>
+                    <a:lnT w="38100" cap="flat" cmpd="sng">
+                      <a:solidFill>
+                        <a:schemeClr val="dk1"/>
+                      </a:solidFill>
+                      <a:prstDash val="solid"/>
+                      <a:round/>
+                      <a:headEnd type="none" w="sm" len="sm"/>
+                      <a:tailEnd type="none" w="sm" len="sm"/>
+                    </a:lnT>
+                    <a:lnB w="38100" cap="flat" cmpd="sng">
+                      <a:solidFill>
+                        <a:schemeClr val="dk1"/>
+                      </a:solidFill>
+                      <a:prstDash val="solid"/>
+                      <a:round/>
+                      <a:headEnd type="none" w="sm" len="sm"/>
+                      <a:tailEnd type="none" w="sm" len="sm"/>
+                    </a:lnB>
+                  </a:tcPr>
+                </a:tc>
+                <a:tc>
+                  <a:txBody>
+                    <a:bodyPr/>
+                    <a:lstStyle/>
+                    <a:p>
+                      <a:pPr marL="0" marR="0" lvl="0" indent="0" algn="ctr" rtl="0">
+                        <a:spcBef>
+                          <a:spcPts val="0"/>
+                        </a:spcBef>
+                        <a:spcAft>
+                          <a:spcPts val="0"/>
+                        </a:spcAft>
+                        <a:buNone/>
+                      </a:pPr>
+                      <a:r>
+                        <a:rPr lang="en" sz="1400"/>
+                        <a:t>…</a:t>
+                      </a:r>
+                      <a:endParaRPr sz="1100"/>
+                    </a:p>
+                  </a:txBody>
+                  <a:tcPr marL="68600" marR="68600" marT="34300" marB="34300" anchor="ctr">
+                    <a:lnL w="38100" cap="flat" cmpd="sng">
+                      <a:solidFill>
+                        <a:schemeClr val="dk1"/>
+                      </a:solidFill>
+                      <a:prstDash val="solid"/>
+                      <a:round/>
+                      <a:headEnd type="none" w="sm" len="sm"/>
+                      <a:tailEnd type="none" w="sm" len="sm"/>
+                    </a:lnL>
+                    <a:lnR w="38100" cap="flat" cmpd="sng">
+                      <a:solidFill>
+                        <a:schemeClr val="dk1"/>
+                      </a:solidFill>
+                      <a:prstDash val="solid"/>
+                      <a:round/>
+                      <a:headEnd type="none" w="sm" len="sm"/>
+                      <a:tailEnd type="none" w="sm" len="sm"/>
+                    </a:lnR>
+                    <a:lnT w="38100" cap="flat" cmpd="sng">
+                      <a:solidFill>
+                        <a:schemeClr val="dk1"/>
+                      </a:solidFill>
+                      <a:prstDash val="solid"/>
+                      <a:round/>
+                      <a:headEnd type="none" w="sm" len="sm"/>
+                      <a:tailEnd type="none" w="sm" len="sm"/>
+                    </a:lnT>
+                    <a:lnB w="38100" cap="flat" cmpd="sng">
+                      <a:solidFill>
+                        <a:schemeClr val="dk1"/>
+                      </a:solidFill>
+                      <a:prstDash val="solid"/>
+                      <a:round/>
+                      <a:headEnd type="none" w="sm" len="sm"/>
+                      <a:tailEnd type="none" w="sm" len="sm"/>
+                    </a:lnB>
+                  </a:tcPr>
+                </a:tc>
+                <a:tc>
+                  <a:txBody>
+                    <a:bodyPr/>
+                    <a:lstStyle/>
+                    <a:p>
+                      <a:pPr marL="0" marR="0" lvl="0" indent="0" algn="ctr" rtl="0">
+                        <a:lnSpc>
+                          <a:spcPct val="100000"/>
+                        </a:lnSpc>
+                        <a:spcBef>
+                          <a:spcPts val="0"/>
+                        </a:spcBef>
+                        <a:spcAft>
+                          <a:spcPts val="0"/>
+                        </a:spcAft>
+                        <a:buClr>
+                          <a:schemeClr val="lt1"/>
+                        </a:buClr>
+                        <a:buSzPts val="1400"/>
+                        <a:buFont typeface="Twentieth Century"/>
+                        <a:buNone/>
+                      </a:pPr>
+                      <a:r>
+                        <a:rPr lang="en" sz="1400"/>
+                        <a:t>X(t=</a:t>
+                      </a:r>
+                      <a:r>
+                        <a:rPr lang="en" sz="1800"/>
+                        <a:t>τ</a:t>
+                      </a:r>
+                      <a:r>
+                        <a:rPr lang="en" sz="1400"/>
+                        <a:t>)</a:t>
+                      </a:r>
+                      <a:endParaRPr sz="1100"/>
+                    </a:p>
+                  </a:txBody>
+                  <a:tcPr marL="68600" marR="68600" marT="34300" marB="34300" anchor="ctr">
+                    <a:lnL w="38100" cap="flat" cmpd="sng">
+                      <a:solidFill>
+                        <a:schemeClr val="dk1"/>
+                      </a:solidFill>
+                      <a:prstDash val="solid"/>
+                      <a:round/>
+                      <a:headEnd type="none" w="sm" len="sm"/>
+                      <a:tailEnd type="none" w="sm" len="sm"/>
+                    </a:lnL>
+                    <a:lnR w="38100" cap="flat" cmpd="sng">
+                      <a:solidFill>
+                        <a:schemeClr val="dk1"/>
+                      </a:solidFill>
+                      <a:prstDash val="solid"/>
+                      <a:round/>
+                      <a:headEnd type="none" w="sm" len="sm"/>
+                      <a:tailEnd type="none" w="sm" len="sm"/>
+                    </a:lnR>
+                    <a:lnT w="38100" cap="flat" cmpd="sng">
+                      <a:solidFill>
+                        <a:schemeClr val="dk1"/>
+                      </a:solidFill>
+                      <a:prstDash val="solid"/>
+                      <a:round/>
+                      <a:headEnd type="none" w="sm" len="sm"/>
+                      <a:tailEnd type="none" w="sm" len="sm"/>
+                    </a:lnT>
+                    <a:lnB w="38100" cap="flat" cmpd="sng">
+                      <a:solidFill>
+                        <a:schemeClr val="dk1"/>
+                      </a:solidFill>
+                      <a:prstDash val="solid"/>
+                      <a:round/>
+                      <a:headEnd type="none" w="sm" len="sm"/>
+                      <a:tailEnd type="none" w="sm" len="sm"/>
+                    </a:lnB>
+                  </a:tcPr>
+                </a:tc>
+                <a:extLst>
+                  <a:ext uri="{0D108BD9-81ED-4DB2-BD59-A6C34878D82A}">
+                    <a16:rowId xmlns:a16="http://schemas.microsoft.com/office/drawing/2014/main" val="10000"/>
+                  </a:ext>
+                </a:extLst>
+              </a:tr>
+            </a:tbl>
+          </a:graphicData>
+        </a:graphic>
+      </p:graphicFrame>
+      <p:sp>
+        <p:nvSpPr>
+          <p:cNvPr id="302" name="Google Shape;302;g21c03c1d1e6_1_187"/>
+          <p:cNvSpPr txBox="1"/>
+          <p:nvPr/>
+        </p:nvSpPr>
+        <p:spPr>
+          <a:xfrm>
+            <a:off x="2349236" y="3957591"/>
+            <a:ext cx="3679984" cy="378317"/>
+          </a:xfrm>
+          <a:prstGeom prst="rect">
+            <a:avLst/>
+          </a:prstGeom>
+          <a:noFill/>
+          <a:ln>
+            <a:noFill/>
+          </a:ln>
+        </p:spPr>
+        <p:txBody>
+          <a:bodyPr spcFirstLastPara="1" wrap="square" lIns="68575" tIns="34275" rIns="68575" bIns="34275" anchor="t" anchorCtr="0">
+            <a:noAutofit/>
+          </a:bodyPr>
+          <a:lstStyle/>
+          <a:p>
+            <a:pPr marL="0" marR="0" lvl="0" indent="0" algn="ctr" rtl="0">
+              <a:lnSpc>
+                <a:spcPct val="120000"/>
+              </a:lnSpc>
+              <a:spcBef>
+                <a:spcPts val="0"/>
+              </a:spcBef>
+              <a:spcAft>
+                <a:spcPts val="0"/>
+              </a:spcAft>
+              <a:buClr>
+                <a:srgbClr val="FF0000"/>
+              </a:buClr>
+              <a:buSzPts val="2300"/>
+              <a:buFont typeface="Arial"/>
+              <a:buNone/>
+            </a:pPr>
+            <a:r>
+              <a:rPr lang="en" sz="1800" b="1" dirty="0">
+                <a:solidFill>
+                  <a:srgbClr val="FF0000"/>
+                </a:solidFill>
+                <a:latin typeface="Twentieth Century"/>
+                <a:ea typeface="Twentieth Century"/>
+                <a:cs typeface="Twentieth Century"/>
+                <a:sym typeface="Twentieth Century"/>
+              </a:rPr>
+              <a:t>Ver colab RNN_enc_dec.ipynb</a:t>
+            </a:r>
+            <a:endParaRPr sz="1800" b="1" dirty="0">
+              <a:solidFill>
+                <a:srgbClr val="FF0000"/>
+              </a:solidFill>
+              <a:latin typeface="Twentieth Century"/>
+              <a:ea typeface="Twentieth Century"/>
+              <a:cs typeface="Twentieth Century"/>
+              <a:sym typeface="Twentieth Century"/>
+            </a:endParaRPr>
+          </a:p>
+        </p:txBody>
+      </p:sp>
+      <p:sp>
+        <p:nvSpPr>
+          <p:cNvPr id="305" name="Google Shape;305;g21c03c1d1e6_1_187"/>
+          <p:cNvSpPr txBox="1">
+            <a:spLocks noGrp="1"/>
+          </p:cNvSpPr>
+          <p:nvPr>
+            <p:ph type="title"/>
+          </p:nvPr>
+        </p:nvSpPr>
+        <p:spPr>
+          <a:xfrm>
+            <a:off x="0" y="0"/>
+            <a:ext cx="8826600" cy="602700"/>
+          </a:xfrm>
+          <a:prstGeom prst="rect">
+            <a:avLst/>
+          </a:prstGeom>
+        </p:spPr>
+        <p:txBody>
+          <a:bodyPr spcFirstLastPara="1" wrap="square" lIns="91425" tIns="91425" rIns="91425" bIns="91425" anchor="ctr" anchorCtr="0">
+            <a:normAutofit/>
+          </a:bodyPr>
+          <a:lstStyle/>
+          <a:p>
+            <a:pPr marL="0" lvl="0" indent="0" algn="l" rtl="0">
+              <a:spcBef>
+                <a:spcPts val="0"/>
+              </a:spcBef>
+              <a:spcAft>
+                <a:spcPts val="0"/>
+              </a:spcAft>
+              <a:buNone/>
+            </a:pPr>
+            <a:r>
+              <a:rPr lang="en" dirty="0"/>
+              <a:t>Redes recurrentes - Implementación de modelos enconder-decoder</a:t>
+            </a:r>
+            <a:endParaRPr dirty="0"/>
+          </a:p>
+        </p:txBody>
+      </p:sp>
+      <p:pic>
+        <p:nvPicPr>
+          <p:cNvPr id="2" name="Google Shape;268;g21c03c1d1e6_1_159">
+            <a:extLst>
+              <a:ext uri="{FF2B5EF4-FFF2-40B4-BE49-F238E27FC236}">
+                <a16:creationId xmlns:a16="http://schemas.microsoft.com/office/drawing/2014/main" id="{8EE2EC0A-B294-4082-D5F3-773F74E5542E}"/>
+              </a:ext>
+            </a:extLst>
+          </p:cNvPr>
+          <p:cNvPicPr preferRelativeResize="0"/>
+          <p:nvPr/>
+        </p:nvPicPr>
+        <p:blipFill rotWithShape="1">
+          <a:blip r:embed="rId3">
+            <a:alphaModFix/>
+          </a:blip>
+          <a:srcRect/>
+          <a:stretch/>
+        </p:blipFill>
+        <p:spPr>
+          <a:xfrm>
+            <a:off x="940939" y="2204095"/>
+            <a:ext cx="7262122" cy="1499812"/>
+          </a:xfrm>
+          <a:prstGeom prst="rect">
+            <a:avLst/>
+          </a:prstGeom>
+          <a:noFill/>
+          <a:ln>
+            <a:noFill/>
+          </a:ln>
+        </p:spPr>
+      </p:pic>
+    </p:spTree>
+    <p:extLst>
+      <p:ext uri="{BB962C8B-B14F-4D97-AF65-F5344CB8AC3E}">
+        <p14:creationId xmlns:p14="http://schemas.microsoft.com/office/powerpoint/2010/main" val="2515468531"/>
+      </p:ext>
+    </p:extLst>
+  </p:cSld>
+  <p:clrMapOvr>
+    <a:masterClrMapping/>
+  </p:clrMapOvr>
+</p:sld>
+</file>
+
+<file path=ppt/slides/slide26.xml><?xml version="1.0" encoding="utf-8"?>
 <p:sld xmlns:a="http://schemas.openxmlformats.org/drawingml/2006/main" xmlns:r="http://schemas.openxmlformats.org/officeDocument/2006/relationships" xmlns:p="http://schemas.openxmlformats.org/presentationml/2006/main">
   <p:cSld>
     <p:spTree>
@@ -24131,7 +25366,7 @@
 </p:sld>
 </file>
 
-<file path=ppt/slides/slide26.xml><?xml version="1.0" encoding="utf-8"?>
+<file path=ppt/slides/slide27.xml><?xml version="1.0" encoding="utf-8"?>
 <p:sld xmlns:a="http://schemas.openxmlformats.org/drawingml/2006/main" xmlns:r="http://schemas.openxmlformats.org/officeDocument/2006/relationships" xmlns:p="http://schemas.openxmlformats.org/presentationml/2006/main">
   <p:cSld>
     <p:spTree>
@@ -24443,7 +25678,7 @@
 </p:sld>
 </file>
 
-<file path=ppt/slides/slide27.xml><?xml version="1.0" encoding="utf-8"?>
+<file path=ppt/slides/slide28.xml><?xml version="1.0" encoding="utf-8"?>
 <p:sld xmlns:a="http://schemas.openxmlformats.org/drawingml/2006/main" xmlns:r="http://schemas.openxmlformats.org/officeDocument/2006/relationships" xmlns:p="http://schemas.openxmlformats.org/presentationml/2006/main">
   <p:cSld>
     <p:spTree>
@@ -24757,7 +25992,7 @@
 </p:sld>
 </file>
 
-<file path=ppt/slides/slide28.xml><?xml version="1.0" encoding="utf-8"?>
+<file path=ppt/slides/slide29.xml><?xml version="1.0" encoding="utf-8"?>
 <p:sld xmlns:a="http://schemas.openxmlformats.org/drawingml/2006/main" xmlns:r="http://schemas.openxmlformats.org/officeDocument/2006/relationships" xmlns:p="http://schemas.openxmlformats.org/presentationml/2006/main">
   <p:cSld>
     <p:spTree>
@@ -25132,698 +26367,6 @@
       <p:sp>
         <p:nvSpPr>
           <p:cNvPr id="345" name="Google Shape;345;g21c03c1d1e6_1_219"/>
-          <p:cNvSpPr txBox="1">
-            <a:spLocks noGrp="1"/>
-          </p:cNvSpPr>
-          <p:nvPr>
-            <p:ph type="title"/>
-          </p:nvPr>
-        </p:nvSpPr>
-        <p:spPr>
-          <a:xfrm>
-            <a:off x="0" y="0"/>
-            <a:ext cx="8826600" cy="602700"/>
-          </a:xfrm>
-          <a:prstGeom prst="rect">
-            <a:avLst/>
-          </a:prstGeom>
-        </p:spPr>
-        <p:txBody>
-          <a:bodyPr spcFirstLastPara="1" wrap="square" lIns="91425" tIns="91425" rIns="91425" bIns="91425" anchor="ctr" anchorCtr="0">
-            <a:normAutofit/>
-          </a:bodyPr>
-          <a:lstStyle/>
-          <a:p>
-            <a:pPr marL="0" lvl="0" indent="0" algn="l" rtl="0">
-              <a:spcBef>
-                <a:spcPts val="0"/>
-              </a:spcBef>
-              <a:spcAft>
-                <a:spcPts val="0"/>
-              </a:spcAft>
-              <a:buNone/>
-            </a:pPr>
-            <a:r>
-              <a:rPr lang="en"/>
-              <a:t>Redes recurrentes - Mecanismos de atención</a:t>
-            </a:r>
-            <a:endParaRPr/>
-          </a:p>
-        </p:txBody>
-      </p:sp>
-    </p:spTree>
-  </p:cSld>
-  <p:clrMapOvr>
-    <a:masterClrMapping/>
-  </p:clrMapOvr>
-</p:sld>
-</file>
-
-<file path=ppt/slides/slide29.xml><?xml version="1.0" encoding="utf-8"?>
-<p:sld xmlns:a="http://schemas.openxmlformats.org/drawingml/2006/main" xmlns:r="http://schemas.openxmlformats.org/officeDocument/2006/relationships" xmlns:p="http://schemas.openxmlformats.org/presentationml/2006/main">
-  <p:cSld>
-    <p:spTree>
-      <p:nvGrpSpPr>
-        <p:cNvPr id="1" name="Shape 349"/>
-        <p:cNvGrpSpPr/>
-        <p:nvPr/>
-      </p:nvGrpSpPr>
-      <p:grpSpPr>
-        <a:xfrm>
-          <a:off x="0" y="0"/>
-          <a:ext cx="0" cy="0"/>
-          <a:chOff x="0" y="0"/>
-          <a:chExt cx="0" cy="0"/>
-        </a:xfrm>
-      </p:grpSpPr>
-      <p:sp>
-        <p:nvSpPr>
-          <p:cNvPr id="350" name="Google Shape;350;g21c03c1d1e6_1_229"/>
-          <p:cNvSpPr/>
-          <p:nvPr/>
-        </p:nvSpPr>
-        <p:spPr>
-          <a:xfrm>
-            <a:off x="2221653" y="2496191"/>
-            <a:ext cx="357117" cy="300083"/>
-          </a:xfrm>
-          <a:prstGeom prst="rect">
-            <a:avLst/>
-          </a:prstGeom>
-          <a:blipFill rotWithShape="1">
-            <a:blip r:embed="rId3">
-              <a:alphaModFix/>
-            </a:blip>
-            <a:stretch>
-              <a:fillRect/>
-            </a:stretch>
-          </a:blipFill>
-          <a:ln>
-            <a:noFill/>
-          </a:ln>
-        </p:spPr>
-        <p:txBody>
-          <a:bodyPr spcFirstLastPara="1" wrap="square" lIns="68575" tIns="34275" rIns="68575" bIns="34275" anchor="t" anchorCtr="0">
-            <a:noAutofit/>
-          </a:bodyPr>
-          <a:lstStyle/>
-          <a:p>
-            <a:pPr marL="0" marR="0" lvl="0" indent="0" algn="l" rtl="0">
-              <a:spcBef>
-                <a:spcPts val="0"/>
-              </a:spcBef>
-              <a:spcAft>
-                <a:spcPts val="0"/>
-              </a:spcAft>
-              <a:buNone/>
-            </a:pPr>
-            <a:r>
-              <a:rPr lang="en" sz="1400">
-                <a:latin typeface="Twentieth Century"/>
-                <a:ea typeface="Twentieth Century"/>
-                <a:cs typeface="Twentieth Century"/>
-                <a:sym typeface="Twentieth Century"/>
-              </a:rPr>
-              <a:t> </a:t>
-            </a:r>
-            <a:endParaRPr sz="1100"/>
-          </a:p>
-        </p:txBody>
-      </p:sp>
-      <p:sp>
-        <p:nvSpPr>
-          <p:cNvPr id="351" name="Google Shape;351;g21c03c1d1e6_1_229"/>
-          <p:cNvSpPr/>
-          <p:nvPr/>
-        </p:nvSpPr>
-        <p:spPr>
-          <a:xfrm>
-            <a:off x="2785889" y="4044690"/>
-            <a:ext cx="3408145" cy="346249"/>
-          </a:xfrm>
-          <a:prstGeom prst="rect">
-            <a:avLst/>
-          </a:prstGeom>
-          <a:blipFill rotWithShape="1">
-            <a:blip r:embed="rId4">
-              <a:alphaModFix/>
-            </a:blip>
-            <a:stretch>
-              <a:fillRect t="-10666" b="-30664"/>
-            </a:stretch>
-          </a:blipFill>
-          <a:ln>
-            <a:noFill/>
-          </a:ln>
-        </p:spPr>
-        <p:txBody>
-          <a:bodyPr spcFirstLastPara="1" wrap="square" lIns="68575" tIns="34275" rIns="68575" bIns="34275" anchor="t" anchorCtr="0">
-            <a:noAutofit/>
-          </a:bodyPr>
-          <a:lstStyle/>
-          <a:p>
-            <a:pPr marL="0" marR="0" lvl="0" indent="0" algn="l" rtl="0">
-              <a:spcBef>
-                <a:spcPts val="0"/>
-              </a:spcBef>
-              <a:spcAft>
-                <a:spcPts val="0"/>
-              </a:spcAft>
-              <a:buNone/>
-            </a:pPr>
-            <a:r>
-              <a:rPr lang="en" sz="1400">
-                <a:latin typeface="Twentieth Century"/>
-                <a:ea typeface="Twentieth Century"/>
-                <a:cs typeface="Twentieth Century"/>
-                <a:sym typeface="Twentieth Century"/>
-              </a:rPr>
-              <a:t> </a:t>
-            </a:r>
-            <a:endParaRPr sz="1100"/>
-          </a:p>
-        </p:txBody>
-      </p:sp>
-      <p:sp>
-        <p:nvSpPr>
-          <p:cNvPr id="352" name="Google Shape;352;g21c03c1d1e6_1_229"/>
-          <p:cNvSpPr/>
-          <p:nvPr/>
-        </p:nvSpPr>
-        <p:spPr>
-          <a:xfrm>
-            <a:off x="2400212" y="3114222"/>
-            <a:ext cx="344999" cy="293735"/>
-          </a:xfrm>
-          <a:prstGeom prst="rect">
-            <a:avLst/>
-          </a:prstGeom>
-          <a:blipFill rotWithShape="1">
-            <a:blip r:embed="rId5">
-              <a:alphaModFix/>
-            </a:blip>
-            <a:stretch>
-              <a:fillRect b="-9374"/>
-            </a:stretch>
-          </a:blipFill>
-          <a:ln>
-            <a:noFill/>
-          </a:ln>
-        </p:spPr>
-        <p:txBody>
-          <a:bodyPr spcFirstLastPara="1" wrap="square" lIns="68575" tIns="34275" rIns="68575" bIns="34275" anchor="t" anchorCtr="0">
-            <a:noAutofit/>
-          </a:bodyPr>
-          <a:lstStyle/>
-          <a:p>
-            <a:pPr marL="0" marR="0" lvl="0" indent="0" algn="l" rtl="0">
-              <a:spcBef>
-                <a:spcPts val="0"/>
-              </a:spcBef>
-              <a:spcAft>
-                <a:spcPts val="0"/>
-              </a:spcAft>
-              <a:buNone/>
-            </a:pPr>
-            <a:r>
-              <a:rPr lang="en" sz="1400">
-                <a:latin typeface="Twentieth Century"/>
-                <a:ea typeface="Twentieth Century"/>
-                <a:cs typeface="Twentieth Century"/>
-                <a:sym typeface="Twentieth Century"/>
-              </a:rPr>
-              <a:t> </a:t>
-            </a:r>
-            <a:endParaRPr sz="1100"/>
-          </a:p>
-        </p:txBody>
-      </p:sp>
-      <p:pic>
-        <p:nvPicPr>
-          <p:cNvPr id="353" name="Google Shape;353;g21c03c1d1e6_1_229"/>
-          <p:cNvPicPr preferRelativeResize="0"/>
-          <p:nvPr/>
-        </p:nvPicPr>
-        <p:blipFill rotWithShape="1">
-          <a:blip r:embed="rId6">
-            <a:alphaModFix/>
-          </a:blip>
-          <a:srcRect/>
-          <a:stretch/>
-        </p:blipFill>
-        <p:spPr>
-          <a:xfrm>
-            <a:off x="1008850" y="1127985"/>
-            <a:ext cx="5693569" cy="3579019"/>
-          </a:xfrm>
-          <a:prstGeom prst="rect">
-            <a:avLst/>
-          </a:prstGeom>
-          <a:noFill/>
-          <a:ln>
-            <a:noFill/>
-          </a:ln>
-        </p:spPr>
-      </p:pic>
-      <p:sp>
-        <p:nvSpPr>
-          <p:cNvPr id="354" name="Google Shape;354;g21c03c1d1e6_1_229"/>
-          <p:cNvSpPr txBox="1"/>
-          <p:nvPr/>
-        </p:nvSpPr>
-        <p:spPr>
-          <a:xfrm>
-            <a:off x="2944999" y="3130957"/>
-            <a:ext cx="653497" cy="300082"/>
-          </a:xfrm>
-          <a:prstGeom prst="rect">
-            <a:avLst/>
-          </a:prstGeom>
-          <a:blipFill rotWithShape="1">
-            <a:blip r:embed="rId7">
-              <a:alphaModFix/>
-            </a:blip>
-            <a:stretch>
-              <a:fillRect/>
-            </a:stretch>
-          </a:blipFill>
-          <a:ln>
-            <a:noFill/>
-          </a:ln>
-        </p:spPr>
-        <p:txBody>
-          <a:bodyPr spcFirstLastPara="1" wrap="square" lIns="68575" tIns="34275" rIns="68575" bIns="34275" anchor="t" anchorCtr="0">
-            <a:noAutofit/>
-          </a:bodyPr>
-          <a:lstStyle/>
-          <a:p>
-            <a:pPr marL="0" marR="0" lvl="0" indent="0" algn="l" rtl="0">
-              <a:spcBef>
-                <a:spcPts val="0"/>
-              </a:spcBef>
-              <a:spcAft>
-                <a:spcPts val="0"/>
-              </a:spcAft>
-              <a:buNone/>
-            </a:pPr>
-            <a:r>
-              <a:rPr lang="en" sz="1400">
-                <a:latin typeface="Twentieth Century"/>
-                <a:ea typeface="Twentieth Century"/>
-                <a:cs typeface="Twentieth Century"/>
-                <a:sym typeface="Twentieth Century"/>
-              </a:rPr>
-              <a:t> </a:t>
-            </a:r>
-            <a:endParaRPr sz="1100"/>
-          </a:p>
-        </p:txBody>
-      </p:sp>
-      <p:sp>
-        <p:nvSpPr>
-          <p:cNvPr id="355" name="Google Shape;355;g21c03c1d1e6_1_229"/>
-          <p:cNvSpPr txBox="1"/>
-          <p:nvPr/>
-        </p:nvSpPr>
-        <p:spPr>
-          <a:xfrm>
-            <a:off x="61972" y="2487158"/>
-            <a:ext cx="1170333" cy="318597"/>
-          </a:xfrm>
-          <a:prstGeom prst="rect">
-            <a:avLst/>
-          </a:prstGeom>
-          <a:blipFill rotWithShape="1">
-            <a:blip r:embed="rId8">
-              <a:alphaModFix/>
-            </a:blip>
-            <a:stretch>
-              <a:fillRect b="-8570"/>
-            </a:stretch>
-          </a:blipFill>
-          <a:ln>
-            <a:noFill/>
-          </a:ln>
-        </p:spPr>
-        <p:txBody>
-          <a:bodyPr spcFirstLastPara="1" wrap="square" lIns="68575" tIns="34275" rIns="68575" bIns="34275" anchor="t" anchorCtr="0">
-            <a:noAutofit/>
-          </a:bodyPr>
-          <a:lstStyle/>
-          <a:p>
-            <a:pPr marL="0" marR="0" lvl="0" indent="0" algn="l" rtl="0">
-              <a:spcBef>
-                <a:spcPts val="0"/>
-              </a:spcBef>
-              <a:spcAft>
-                <a:spcPts val="0"/>
-              </a:spcAft>
-              <a:buNone/>
-            </a:pPr>
-            <a:r>
-              <a:rPr lang="en" sz="1400">
-                <a:latin typeface="Twentieth Century"/>
-                <a:ea typeface="Twentieth Century"/>
-                <a:cs typeface="Twentieth Century"/>
-                <a:sym typeface="Twentieth Century"/>
-              </a:rPr>
-              <a:t> </a:t>
-            </a:r>
-            <a:endParaRPr sz="1100"/>
-          </a:p>
-        </p:txBody>
-      </p:sp>
-      <p:sp>
-        <p:nvSpPr>
-          <p:cNvPr id="356" name="Google Shape;356;g21c03c1d1e6_1_229"/>
-          <p:cNvSpPr txBox="1"/>
-          <p:nvPr/>
-        </p:nvSpPr>
-        <p:spPr>
-          <a:xfrm>
-            <a:off x="-13056" y="1532788"/>
-            <a:ext cx="1536781" cy="549430"/>
-          </a:xfrm>
-          <a:prstGeom prst="rect">
-            <a:avLst/>
-          </a:prstGeom>
-          <a:blipFill rotWithShape="1">
-            <a:blip r:embed="rId9">
-              <a:alphaModFix/>
-            </a:blip>
-            <a:stretch>
-              <a:fillRect b="-14166"/>
-            </a:stretch>
-          </a:blipFill>
-          <a:ln>
-            <a:noFill/>
-          </a:ln>
-        </p:spPr>
-        <p:txBody>
-          <a:bodyPr spcFirstLastPara="1" wrap="square" lIns="68575" tIns="34275" rIns="68575" bIns="34275" anchor="t" anchorCtr="0">
-            <a:noAutofit/>
-          </a:bodyPr>
-          <a:lstStyle/>
-          <a:p>
-            <a:pPr marL="0" marR="0" lvl="0" indent="0" algn="l" rtl="0">
-              <a:spcBef>
-                <a:spcPts val="0"/>
-              </a:spcBef>
-              <a:spcAft>
-                <a:spcPts val="0"/>
-              </a:spcAft>
-              <a:buNone/>
-            </a:pPr>
-            <a:r>
-              <a:rPr lang="en" sz="1400">
-                <a:latin typeface="Twentieth Century"/>
-                <a:ea typeface="Twentieth Century"/>
-                <a:cs typeface="Twentieth Century"/>
-                <a:sym typeface="Twentieth Century"/>
-              </a:rPr>
-              <a:t> </a:t>
-            </a:r>
-            <a:endParaRPr sz="1100"/>
-          </a:p>
-        </p:txBody>
-      </p:sp>
-      <p:sp>
-        <p:nvSpPr>
-          <p:cNvPr id="357" name="Google Shape;357;g21c03c1d1e6_1_229"/>
-          <p:cNvSpPr txBox="1"/>
-          <p:nvPr/>
-        </p:nvSpPr>
-        <p:spPr>
-          <a:xfrm>
-            <a:off x="1523726" y="742479"/>
-            <a:ext cx="1358162" cy="530914"/>
-          </a:xfrm>
-          <a:prstGeom prst="rect">
-            <a:avLst/>
-          </a:prstGeom>
-          <a:blipFill rotWithShape="1">
-            <a:blip r:embed="rId10">
-              <a:alphaModFix/>
-            </a:blip>
-            <a:stretch>
-              <a:fillRect b="-13672"/>
-            </a:stretch>
-          </a:blipFill>
-          <a:ln>
-            <a:noFill/>
-          </a:ln>
-        </p:spPr>
-        <p:txBody>
-          <a:bodyPr spcFirstLastPara="1" wrap="square" lIns="68575" tIns="34275" rIns="68575" bIns="34275" anchor="t" anchorCtr="0">
-            <a:noAutofit/>
-          </a:bodyPr>
-          <a:lstStyle/>
-          <a:p>
-            <a:pPr marL="0" marR="0" lvl="0" indent="0" algn="l" rtl="0">
-              <a:spcBef>
-                <a:spcPts val="0"/>
-              </a:spcBef>
-              <a:spcAft>
-                <a:spcPts val="0"/>
-              </a:spcAft>
-              <a:buNone/>
-            </a:pPr>
-            <a:r>
-              <a:rPr lang="en" sz="1400">
-                <a:latin typeface="Twentieth Century"/>
-                <a:ea typeface="Twentieth Century"/>
-                <a:cs typeface="Twentieth Century"/>
-                <a:sym typeface="Twentieth Century"/>
-              </a:rPr>
-              <a:t> </a:t>
-            </a:r>
-            <a:endParaRPr sz="1100"/>
-          </a:p>
-        </p:txBody>
-      </p:sp>
-      <p:sp>
-        <p:nvSpPr>
-          <p:cNvPr id="358" name="Google Shape;358;g21c03c1d1e6_1_229"/>
-          <p:cNvSpPr txBox="1"/>
-          <p:nvPr/>
-        </p:nvSpPr>
-        <p:spPr>
-          <a:xfrm>
-            <a:off x="2715467" y="4812341"/>
-            <a:ext cx="2459183" cy="249347"/>
-          </a:xfrm>
-          <a:prstGeom prst="rect">
-            <a:avLst/>
-          </a:prstGeom>
-          <a:blipFill rotWithShape="1">
-            <a:blip r:embed="rId11">
-              <a:alphaModFix/>
-            </a:blip>
-            <a:stretch>
-              <a:fillRect l="-556" t="-1851" r="-2229" b="-27776"/>
-            </a:stretch>
-          </a:blipFill>
-          <a:ln>
-            <a:noFill/>
-          </a:ln>
-        </p:spPr>
-        <p:txBody>
-          <a:bodyPr spcFirstLastPara="1" wrap="square" lIns="68575" tIns="34275" rIns="68575" bIns="34275" anchor="t" anchorCtr="0">
-            <a:noAutofit/>
-          </a:bodyPr>
-          <a:lstStyle/>
-          <a:p>
-            <a:pPr marL="0" marR="0" lvl="0" indent="0" algn="l" rtl="0">
-              <a:spcBef>
-                <a:spcPts val="0"/>
-              </a:spcBef>
-              <a:spcAft>
-                <a:spcPts val="0"/>
-              </a:spcAft>
-              <a:buNone/>
-            </a:pPr>
-            <a:r>
-              <a:rPr lang="en" sz="1400">
-                <a:latin typeface="Twentieth Century"/>
-                <a:ea typeface="Twentieth Century"/>
-                <a:cs typeface="Twentieth Century"/>
-                <a:sym typeface="Twentieth Century"/>
-              </a:rPr>
-              <a:t> </a:t>
-            </a:r>
-            <a:endParaRPr sz="1100"/>
-          </a:p>
-        </p:txBody>
-      </p:sp>
-      <p:sp>
-        <p:nvSpPr>
-          <p:cNvPr id="359" name="Google Shape;359;g21c03c1d1e6_1_229"/>
-          <p:cNvSpPr txBox="1"/>
-          <p:nvPr/>
-        </p:nvSpPr>
-        <p:spPr>
-          <a:xfrm>
-            <a:off x="134240" y="4823819"/>
-            <a:ext cx="2090188" cy="249347"/>
-          </a:xfrm>
-          <a:prstGeom prst="rect">
-            <a:avLst/>
-          </a:prstGeom>
-          <a:blipFill rotWithShape="1">
-            <a:blip r:embed="rId12">
-              <a:alphaModFix/>
-            </a:blip>
-            <a:stretch>
-              <a:fillRect l="-1527" r="-2836" b="-25453"/>
-            </a:stretch>
-          </a:blipFill>
-          <a:ln>
-            <a:noFill/>
-          </a:ln>
-        </p:spPr>
-        <p:txBody>
-          <a:bodyPr spcFirstLastPara="1" wrap="square" lIns="68575" tIns="34275" rIns="68575" bIns="34275" anchor="t" anchorCtr="0">
-            <a:noAutofit/>
-          </a:bodyPr>
-          <a:lstStyle/>
-          <a:p>
-            <a:pPr marL="0" marR="0" lvl="0" indent="0" algn="l" rtl="0">
-              <a:spcBef>
-                <a:spcPts val="0"/>
-              </a:spcBef>
-              <a:spcAft>
-                <a:spcPts val="0"/>
-              </a:spcAft>
-              <a:buNone/>
-            </a:pPr>
-            <a:r>
-              <a:rPr lang="en" sz="1400">
-                <a:latin typeface="Twentieth Century"/>
-                <a:ea typeface="Twentieth Century"/>
-                <a:cs typeface="Twentieth Century"/>
-                <a:sym typeface="Twentieth Century"/>
-              </a:rPr>
-              <a:t> </a:t>
-            </a:r>
-            <a:endParaRPr sz="1100"/>
-          </a:p>
-        </p:txBody>
-      </p:sp>
-      <p:sp>
-        <p:nvSpPr>
-          <p:cNvPr id="360" name="Google Shape;360;g21c03c1d1e6_1_229"/>
-          <p:cNvSpPr txBox="1"/>
-          <p:nvPr/>
-        </p:nvSpPr>
-        <p:spPr>
-          <a:xfrm>
-            <a:off x="5400065" y="4513340"/>
-            <a:ext cx="1197058" cy="586314"/>
-          </a:xfrm>
-          <a:prstGeom prst="rect">
-            <a:avLst/>
-          </a:prstGeom>
-          <a:blipFill rotWithShape="1">
-            <a:blip r:embed="rId13">
-              <a:alphaModFix/>
-            </a:blip>
-            <a:stretch>
-              <a:fillRect/>
-            </a:stretch>
-          </a:blipFill>
-          <a:ln>
-            <a:noFill/>
-          </a:ln>
-        </p:spPr>
-        <p:txBody>
-          <a:bodyPr spcFirstLastPara="1" wrap="square" lIns="68575" tIns="34275" rIns="68575" bIns="34275" anchor="t" anchorCtr="0">
-            <a:noAutofit/>
-          </a:bodyPr>
-          <a:lstStyle/>
-          <a:p>
-            <a:pPr marL="0" marR="0" lvl="0" indent="0" algn="l" rtl="0">
-              <a:spcBef>
-                <a:spcPts val="0"/>
-              </a:spcBef>
-              <a:spcAft>
-                <a:spcPts val="0"/>
-              </a:spcAft>
-              <a:buNone/>
-            </a:pPr>
-            <a:r>
-              <a:rPr lang="en" sz="1400">
-                <a:latin typeface="Twentieth Century"/>
-                <a:ea typeface="Twentieth Century"/>
-                <a:cs typeface="Twentieth Century"/>
-                <a:sym typeface="Twentieth Century"/>
-              </a:rPr>
-              <a:t> </a:t>
-            </a:r>
-            <a:endParaRPr sz="1100"/>
-          </a:p>
-        </p:txBody>
-      </p:sp>
-      <p:sp>
-        <p:nvSpPr>
-          <p:cNvPr id="361" name="Google Shape;361;g21c03c1d1e6_1_229"/>
-          <p:cNvSpPr txBox="1"/>
-          <p:nvPr/>
-        </p:nvSpPr>
-        <p:spPr>
-          <a:xfrm>
-            <a:off x="69574" y="40993"/>
-            <a:ext cx="8770513" cy="608527"/>
-          </a:xfrm>
-          <a:prstGeom prst="rect">
-            <a:avLst/>
-          </a:prstGeom>
-          <a:noFill/>
-          <a:ln>
-            <a:noFill/>
-          </a:ln>
-        </p:spPr>
-        <p:txBody>
-          <a:bodyPr spcFirstLastPara="1" wrap="square" lIns="68575" tIns="34275" rIns="68575" bIns="34275" anchor="t" anchorCtr="0">
-            <a:noAutofit/>
-          </a:bodyPr>
-          <a:lstStyle/>
-          <a:p>
-            <a:pPr marL="0" marR="0" lvl="0" indent="0" algn="ctr" rtl="0">
-              <a:lnSpc>
-                <a:spcPct val="120000"/>
-              </a:lnSpc>
-              <a:spcBef>
-                <a:spcPts val="0"/>
-              </a:spcBef>
-              <a:spcAft>
-                <a:spcPts val="0"/>
-              </a:spcAft>
-              <a:buClr>
-                <a:schemeClr val="dk1"/>
-              </a:buClr>
-              <a:buSzPts val="3000"/>
-              <a:buFont typeface="Arial"/>
-              <a:buNone/>
-            </a:pPr>
-            <a:r>
-              <a:rPr lang="en" sz="2400">
-                <a:solidFill>
-                  <a:schemeClr val="dk1"/>
-                </a:solidFill>
-                <a:latin typeface="Twentieth Century"/>
-                <a:ea typeface="Twentieth Century"/>
-                <a:cs typeface="Twentieth Century"/>
-                <a:sym typeface="Twentieth Century"/>
-              </a:rPr>
-              <a:t>Recurrent Neural Network (RNN) – Self Attention!!</a:t>
-            </a:r>
-            <a:endParaRPr sz="1100"/>
-          </a:p>
-        </p:txBody>
-      </p:sp>
-      <p:sp>
-        <p:nvSpPr>
-          <p:cNvPr id="362" name="Google Shape;362;g21c03c1d1e6_1_229"/>
           <p:cNvSpPr txBox="1">
             <a:spLocks noGrp="1"/>
           </p:cNvSpPr>
@@ -26263,6 +26806,698 @@
   <p:cSld>
     <p:spTree>
       <p:nvGrpSpPr>
+        <p:cNvPr id="1" name="Shape 349"/>
+        <p:cNvGrpSpPr/>
+        <p:nvPr/>
+      </p:nvGrpSpPr>
+      <p:grpSpPr>
+        <a:xfrm>
+          <a:off x="0" y="0"/>
+          <a:ext cx="0" cy="0"/>
+          <a:chOff x="0" y="0"/>
+          <a:chExt cx="0" cy="0"/>
+        </a:xfrm>
+      </p:grpSpPr>
+      <p:sp>
+        <p:nvSpPr>
+          <p:cNvPr id="350" name="Google Shape;350;g21c03c1d1e6_1_229"/>
+          <p:cNvSpPr/>
+          <p:nvPr/>
+        </p:nvSpPr>
+        <p:spPr>
+          <a:xfrm>
+            <a:off x="2221653" y="2496191"/>
+            <a:ext cx="357117" cy="300083"/>
+          </a:xfrm>
+          <a:prstGeom prst="rect">
+            <a:avLst/>
+          </a:prstGeom>
+          <a:blipFill rotWithShape="1">
+            <a:blip r:embed="rId3">
+              <a:alphaModFix/>
+            </a:blip>
+            <a:stretch>
+              <a:fillRect/>
+            </a:stretch>
+          </a:blipFill>
+          <a:ln>
+            <a:noFill/>
+          </a:ln>
+        </p:spPr>
+        <p:txBody>
+          <a:bodyPr spcFirstLastPara="1" wrap="square" lIns="68575" tIns="34275" rIns="68575" bIns="34275" anchor="t" anchorCtr="0">
+            <a:noAutofit/>
+          </a:bodyPr>
+          <a:lstStyle/>
+          <a:p>
+            <a:pPr marL="0" marR="0" lvl="0" indent="0" algn="l" rtl="0">
+              <a:spcBef>
+                <a:spcPts val="0"/>
+              </a:spcBef>
+              <a:spcAft>
+                <a:spcPts val="0"/>
+              </a:spcAft>
+              <a:buNone/>
+            </a:pPr>
+            <a:r>
+              <a:rPr lang="en" sz="1400">
+                <a:latin typeface="Twentieth Century"/>
+                <a:ea typeface="Twentieth Century"/>
+                <a:cs typeface="Twentieth Century"/>
+                <a:sym typeface="Twentieth Century"/>
+              </a:rPr>
+              <a:t> </a:t>
+            </a:r>
+            <a:endParaRPr sz="1100"/>
+          </a:p>
+        </p:txBody>
+      </p:sp>
+      <p:sp>
+        <p:nvSpPr>
+          <p:cNvPr id="351" name="Google Shape;351;g21c03c1d1e6_1_229"/>
+          <p:cNvSpPr/>
+          <p:nvPr/>
+        </p:nvSpPr>
+        <p:spPr>
+          <a:xfrm>
+            <a:off x="2785889" y="4044690"/>
+            <a:ext cx="3408145" cy="346249"/>
+          </a:xfrm>
+          <a:prstGeom prst="rect">
+            <a:avLst/>
+          </a:prstGeom>
+          <a:blipFill rotWithShape="1">
+            <a:blip r:embed="rId4">
+              <a:alphaModFix/>
+            </a:blip>
+            <a:stretch>
+              <a:fillRect t="-10666" b="-30664"/>
+            </a:stretch>
+          </a:blipFill>
+          <a:ln>
+            <a:noFill/>
+          </a:ln>
+        </p:spPr>
+        <p:txBody>
+          <a:bodyPr spcFirstLastPara="1" wrap="square" lIns="68575" tIns="34275" rIns="68575" bIns="34275" anchor="t" anchorCtr="0">
+            <a:noAutofit/>
+          </a:bodyPr>
+          <a:lstStyle/>
+          <a:p>
+            <a:pPr marL="0" marR="0" lvl="0" indent="0" algn="l" rtl="0">
+              <a:spcBef>
+                <a:spcPts val="0"/>
+              </a:spcBef>
+              <a:spcAft>
+                <a:spcPts val="0"/>
+              </a:spcAft>
+              <a:buNone/>
+            </a:pPr>
+            <a:r>
+              <a:rPr lang="en" sz="1400">
+                <a:latin typeface="Twentieth Century"/>
+                <a:ea typeface="Twentieth Century"/>
+                <a:cs typeface="Twentieth Century"/>
+                <a:sym typeface="Twentieth Century"/>
+              </a:rPr>
+              <a:t> </a:t>
+            </a:r>
+            <a:endParaRPr sz="1100"/>
+          </a:p>
+        </p:txBody>
+      </p:sp>
+      <p:sp>
+        <p:nvSpPr>
+          <p:cNvPr id="352" name="Google Shape;352;g21c03c1d1e6_1_229"/>
+          <p:cNvSpPr/>
+          <p:nvPr/>
+        </p:nvSpPr>
+        <p:spPr>
+          <a:xfrm>
+            <a:off x="2400212" y="3114222"/>
+            <a:ext cx="344999" cy="293735"/>
+          </a:xfrm>
+          <a:prstGeom prst="rect">
+            <a:avLst/>
+          </a:prstGeom>
+          <a:blipFill rotWithShape="1">
+            <a:blip r:embed="rId5">
+              <a:alphaModFix/>
+            </a:blip>
+            <a:stretch>
+              <a:fillRect b="-9374"/>
+            </a:stretch>
+          </a:blipFill>
+          <a:ln>
+            <a:noFill/>
+          </a:ln>
+        </p:spPr>
+        <p:txBody>
+          <a:bodyPr spcFirstLastPara="1" wrap="square" lIns="68575" tIns="34275" rIns="68575" bIns="34275" anchor="t" anchorCtr="0">
+            <a:noAutofit/>
+          </a:bodyPr>
+          <a:lstStyle/>
+          <a:p>
+            <a:pPr marL="0" marR="0" lvl="0" indent="0" algn="l" rtl="0">
+              <a:spcBef>
+                <a:spcPts val="0"/>
+              </a:spcBef>
+              <a:spcAft>
+                <a:spcPts val="0"/>
+              </a:spcAft>
+              <a:buNone/>
+            </a:pPr>
+            <a:r>
+              <a:rPr lang="en" sz="1400">
+                <a:latin typeface="Twentieth Century"/>
+                <a:ea typeface="Twentieth Century"/>
+                <a:cs typeface="Twentieth Century"/>
+                <a:sym typeface="Twentieth Century"/>
+              </a:rPr>
+              <a:t> </a:t>
+            </a:r>
+            <a:endParaRPr sz="1100"/>
+          </a:p>
+        </p:txBody>
+      </p:sp>
+      <p:pic>
+        <p:nvPicPr>
+          <p:cNvPr id="353" name="Google Shape;353;g21c03c1d1e6_1_229"/>
+          <p:cNvPicPr preferRelativeResize="0"/>
+          <p:nvPr/>
+        </p:nvPicPr>
+        <p:blipFill rotWithShape="1">
+          <a:blip r:embed="rId6">
+            <a:alphaModFix/>
+          </a:blip>
+          <a:srcRect/>
+          <a:stretch/>
+        </p:blipFill>
+        <p:spPr>
+          <a:xfrm>
+            <a:off x="1008850" y="1127985"/>
+            <a:ext cx="5693569" cy="3579019"/>
+          </a:xfrm>
+          <a:prstGeom prst="rect">
+            <a:avLst/>
+          </a:prstGeom>
+          <a:noFill/>
+          <a:ln>
+            <a:noFill/>
+          </a:ln>
+        </p:spPr>
+      </p:pic>
+      <p:sp>
+        <p:nvSpPr>
+          <p:cNvPr id="354" name="Google Shape;354;g21c03c1d1e6_1_229"/>
+          <p:cNvSpPr txBox="1"/>
+          <p:nvPr/>
+        </p:nvSpPr>
+        <p:spPr>
+          <a:xfrm>
+            <a:off x="2944999" y="3130957"/>
+            <a:ext cx="653497" cy="300082"/>
+          </a:xfrm>
+          <a:prstGeom prst="rect">
+            <a:avLst/>
+          </a:prstGeom>
+          <a:blipFill rotWithShape="1">
+            <a:blip r:embed="rId7">
+              <a:alphaModFix/>
+            </a:blip>
+            <a:stretch>
+              <a:fillRect/>
+            </a:stretch>
+          </a:blipFill>
+          <a:ln>
+            <a:noFill/>
+          </a:ln>
+        </p:spPr>
+        <p:txBody>
+          <a:bodyPr spcFirstLastPara="1" wrap="square" lIns="68575" tIns="34275" rIns="68575" bIns="34275" anchor="t" anchorCtr="0">
+            <a:noAutofit/>
+          </a:bodyPr>
+          <a:lstStyle/>
+          <a:p>
+            <a:pPr marL="0" marR="0" lvl="0" indent="0" algn="l" rtl="0">
+              <a:spcBef>
+                <a:spcPts val="0"/>
+              </a:spcBef>
+              <a:spcAft>
+                <a:spcPts val="0"/>
+              </a:spcAft>
+              <a:buNone/>
+            </a:pPr>
+            <a:r>
+              <a:rPr lang="en" sz="1400">
+                <a:latin typeface="Twentieth Century"/>
+                <a:ea typeface="Twentieth Century"/>
+                <a:cs typeface="Twentieth Century"/>
+                <a:sym typeface="Twentieth Century"/>
+              </a:rPr>
+              <a:t> </a:t>
+            </a:r>
+            <a:endParaRPr sz="1100"/>
+          </a:p>
+        </p:txBody>
+      </p:sp>
+      <p:sp>
+        <p:nvSpPr>
+          <p:cNvPr id="355" name="Google Shape;355;g21c03c1d1e6_1_229"/>
+          <p:cNvSpPr txBox="1"/>
+          <p:nvPr/>
+        </p:nvSpPr>
+        <p:spPr>
+          <a:xfrm>
+            <a:off x="61972" y="2487158"/>
+            <a:ext cx="1170333" cy="318597"/>
+          </a:xfrm>
+          <a:prstGeom prst="rect">
+            <a:avLst/>
+          </a:prstGeom>
+          <a:blipFill rotWithShape="1">
+            <a:blip r:embed="rId8">
+              <a:alphaModFix/>
+            </a:blip>
+            <a:stretch>
+              <a:fillRect b="-8570"/>
+            </a:stretch>
+          </a:blipFill>
+          <a:ln>
+            <a:noFill/>
+          </a:ln>
+        </p:spPr>
+        <p:txBody>
+          <a:bodyPr spcFirstLastPara="1" wrap="square" lIns="68575" tIns="34275" rIns="68575" bIns="34275" anchor="t" anchorCtr="0">
+            <a:noAutofit/>
+          </a:bodyPr>
+          <a:lstStyle/>
+          <a:p>
+            <a:pPr marL="0" marR="0" lvl="0" indent="0" algn="l" rtl="0">
+              <a:spcBef>
+                <a:spcPts val="0"/>
+              </a:spcBef>
+              <a:spcAft>
+                <a:spcPts val="0"/>
+              </a:spcAft>
+              <a:buNone/>
+            </a:pPr>
+            <a:r>
+              <a:rPr lang="en" sz="1400">
+                <a:latin typeface="Twentieth Century"/>
+                <a:ea typeface="Twentieth Century"/>
+                <a:cs typeface="Twentieth Century"/>
+                <a:sym typeface="Twentieth Century"/>
+              </a:rPr>
+              <a:t> </a:t>
+            </a:r>
+            <a:endParaRPr sz="1100"/>
+          </a:p>
+        </p:txBody>
+      </p:sp>
+      <p:sp>
+        <p:nvSpPr>
+          <p:cNvPr id="356" name="Google Shape;356;g21c03c1d1e6_1_229"/>
+          <p:cNvSpPr txBox="1"/>
+          <p:nvPr/>
+        </p:nvSpPr>
+        <p:spPr>
+          <a:xfrm>
+            <a:off x="-13056" y="1532788"/>
+            <a:ext cx="1536781" cy="549430"/>
+          </a:xfrm>
+          <a:prstGeom prst="rect">
+            <a:avLst/>
+          </a:prstGeom>
+          <a:blipFill rotWithShape="1">
+            <a:blip r:embed="rId9">
+              <a:alphaModFix/>
+            </a:blip>
+            <a:stretch>
+              <a:fillRect b="-14166"/>
+            </a:stretch>
+          </a:blipFill>
+          <a:ln>
+            <a:noFill/>
+          </a:ln>
+        </p:spPr>
+        <p:txBody>
+          <a:bodyPr spcFirstLastPara="1" wrap="square" lIns="68575" tIns="34275" rIns="68575" bIns="34275" anchor="t" anchorCtr="0">
+            <a:noAutofit/>
+          </a:bodyPr>
+          <a:lstStyle/>
+          <a:p>
+            <a:pPr marL="0" marR="0" lvl="0" indent="0" algn="l" rtl="0">
+              <a:spcBef>
+                <a:spcPts val="0"/>
+              </a:spcBef>
+              <a:spcAft>
+                <a:spcPts val="0"/>
+              </a:spcAft>
+              <a:buNone/>
+            </a:pPr>
+            <a:r>
+              <a:rPr lang="en" sz="1400">
+                <a:latin typeface="Twentieth Century"/>
+                <a:ea typeface="Twentieth Century"/>
+                <a:cs typeface="Twentieth Century"/>
+                <a:sym typeface="Twentieth Century"/>
+              </a:rPr>
+              <a:t> </a:t>
+            </a:r>
+            <a:endParaRPr sz="1100"/>
+          </a:p>
+        </p:txBody>
+      </p:sp>
+      <p:sp>
+        <p:nvSpPr>
+          <p:cNvPr id="357" name="Google Shape;357;g21c03c1d1e6_1_229"/>
+          <p:cNvSpPr txBox="1"/>
+          <p:nvPr/>
+        </p:nvSpPr>
+        <p:spPr>
+          <a:xfrm>
+            <a:off x="1523726" y="742479"/>
+            <a:ext cx="1358162" cy="530914"/>
+          </a:xfrm>
+          <a:prstGeom prst="rect">
+            <a:avLst/>
+          </a:prstGeom>
+          <a:blipFill rotWithShape="1">
+            <a:blip r:embed="rId10">
+              <a:alphaModFix/>
+            </a:blip>
+            <a:stretch>
+              <a:fillRect b="-13672"/>
+            </a:stretch>
+          </a:blipFill>
+          <a:ln>
+            <a:noFill/>
+          </a:ln>
+        </p:spPr>
+        <p:txBody>
+          <a:bodyPr spcFirstLastPara="1" wrap="square" lIns="68575" tIns="34275" rIns="68575" bIns="34275" anchor="t" anchorCtr="0">
+            <a:noAutofit/>
+          </a:bodyPr>
+          <a:lstStyle/>
+          <a:p>
+            <a:pPr marL="0" marR="0" lvl="0" indent="0" algn="l" rtl="0">
+              <a:spcBef>
+                <a:spcPts val="0"/>
+              </a:spcBef>
+              <a:spcAft>
+                <a:spcPts val="0"/>
+              </a:spcAft>
+              <a:buNone/>
+            </a:pPr>
+            <a:r>
+              <a:rPr lang="en" sz="1400">
+                <a:latin typeface="Twentieth Century"/>
+                <a:ea typeface="Twentieth Century"/>
+                <a:cs typeface="Twentieth Century"/>
+                <a:sym typeface="Twentieth Century"/>
+              </a:rPr>
+              <a:t> </a:t>
+            </a:r>
+            <a:endParaRPr sz="1100"/>
+          </a:p>
+        </p:txBody>
+      </p:sp>
+      <p:sp>
+        <p:nvSpPr>
+          <p:cNvPr id="358" name="Google Shape;358;g21c03c1d1e6_1_229"/>
+          <p:cNvSpPr txBox="1"/>
+          <p:nvPr/>
+        </p:nvSpPr>
+        <p:spPr>
+          <a:xfrm>
+            <a:off x="2715467" y="4812341"/>
+            <a:ext cx="2459183" cy="249347"/>
+          </a:xfrm>
+          <a:prstGeom prst="rect">
+            <a:avLst/>
+          </a:prstGeom>
+          <a:blipFill rotWithShape="1">
+            <a:blip r:embed="rId11">
+              <a:alphaModFix/>
+            </a:blip>
+            <a:stretch>
+              <a:fillRect l="-556" t="-1851" r="-2229" b="-27776"/>
+            </a:stretch>
+          </a:blipFill>
+          <a:ln>
+            <a:noFill/>
+          </a:ln>
+        </p:spPr>
+        <p:txBody>
+          <a:bodyPr spcFirstLastPara="1" wrap="square" lIns="68575" tIns="34275" rIns="68575" bIns="34275" anchor="t" anchorCtr="0">
+            <a:noAutofit/>
+          </a:bodyPr>
+          <a:lstStyle/>
+          <a:p>
+            <a:pPr marL="0" marR="0" lvl="0" indent="0" algn="l" rtl="0">
+              <a:spcBef>
+                <a:spcPts val="0"/>
+              </a:spcBef>
+              <a:spcAft>
+                <a:spcPts val="0"/>
+              </a:spcAft>
+              <a:buNone/>
+            </a:pPr>
+            <a:r>
+              <a:rPr lang="en" sz="1400">
+                <a:latin typeface="Twentieth Century"/>
+                <a:ea typeface="Twentieth Century"/>
+                <a:cs typeface="Twentieth Century"/>
+                <a:sym typeface="Twentieth Century"/>
+              </a:rPr>
+              <a:t> </a:t>
+            </a:r>
+            <a:endParaRPr sz="1100"/>
+          </a:p>
+        </p:txBody>
+      </p:sp>
+      <p:sp>
+        <p:nvSpPr>
+          <p:cNvPr id="359" name="Google Shape;359;g21c03c1d1e6_1_229"/>
+          <p:cNvSpPr txBox="1"/>
+          <p:nvPr/>
+        </p:nvSpPr>
+        <p:spPr>
+          <a:xfrm>
+            <a:off x="134240" y="4823819"/>
+            <a:ext cx="2090188" cy="249347"/>
+          </a:xfrm>
+          <a:prstGeom prst="rect">
+            <a:avLst/>
+          </a:prstGeom>
+          <a:blipFill rotWithShape="1">
+            <a:blip r:embed="rId12">
+              <a:alphaModFix/>
+            </a:blip>
+            <a:stretch>
+              <a:fillRect l="-1527" r="-2836" b="-25453"/>
+            </a:stretch>
+          </a:blipFill>
+          <a:ln>
+            <a:noFill/>
+          </a:ln>
+        </p:spPr>
+        <p:txBody>
+          <a:bodyPr spcFirstLastPara="1" wrap="square" lIns="68575" tIns="34275" rIns="68575" bIns="34275" anchor="t" anchorCtr="0">
+            <a:noAutofit/>
+          </a:bodyPr>
+          <a:lstStyle/>
+          <a:p>
+            <a:pPr marL="0" marR="0" lvl="0" indent="0" algn="l" rtl="0">
+              <a:spcBef>
+                <a:spcPts val="0"/>
+              </a:spcBef>
+              <a:spcAft>
+                <a:spcPts val="0"/>
+              </a:spcAft>
+              <a:buNone/>
+            </a:pPr>
+            <a:r>
+              <a:rPr lang="en" sz="1400">
+                <a:latin typeface="Twentieth Century"/>
+                <a:ea typeface="Twentieth Century"/>
+                <a:cs typeface="Twentieth Century"/>
+                <a:sym typeface="Twentieth Century"/>
+              </a:rPr>
+              <a:t> </a:t>
+            </a:r>
+            <a:endParaRPr sz="1100"/>
+          </a:p>
+        </p:txBody>
+      </p:sp>
+      <p:sp>
+        <p:nvSpPr>
+          <p:cNvPr id="360" name="Google Shape;360;g21c03c1d1e6_1_229"/>
+          <p:cNvSpPr txBox="1"/>
+          <p:nvPr/>
+        </p:nvSpPr>
+        <p:spPr>
+          <a:xfrm>
+            <a:off x="5400065" y="4513340"/>
+            <a:ext cx="1197058" cy="586314"/>
+          </a:xfrm>
+          <a:prstGeom prst="rect">
+            <a:avLst/>
+          </a:prstGeom>
+          <a:blipFill rotWithShape="1">
+            <a:blip r:embed="rId13">
+              <a:alphaModFix/>
+            </a:blip>
+            <a:stretch>
+              <a:fillRect/>
+            </a:stretch>
+          </a:blipFill>
+          <a:ln>
+            <a:noFill/>
+          </a:ln>
+        </p:spPr>
+        <p:txBody>
+          <a:bodyPr spcFirstLastPara="1" wrap="square" lIns="68575" tIns="34275" rIns="68575" bIns="34275" anchor="t" anchorCtr="0">
+            <a:noAutofit/>
+          </a:bodyPr>
+          <a:lstStyle/>
+          <a:p>
+            <a:pPr marL="0" marR="0" lvl="0" indent="0" algn="l" rtl="0">
+              <a:spcBef>
+                <a:spcPts val="0"/>
+              </a:spcBef>
+              <a:spcAft>
+                <a:spcPts val="0"/>
+              </a:spcAft>
+              <a:buNone/>
+            </a:pPr>
+            <a:r>
+              <a:rPr lang="en" sz="1400">
+                <a:latin typeface="Twentieth Century"/>
+                <a:ea typeface="Twentieth Century"/>
+                <a:cs typeface="Twentieth Century"/>
+                <a:sym typeface="Twentieth Century"/>
+              </a:rPr>
+              <a:t> </a:t>
+            </a:r>
+            <a:endParaRPr sz="1100"/>
+          </a:p>
+        </p:txBody>
+      </p:sp>
+      <p:sp>
+        <p:nvSpPr>
+          <p:cNvPr id="361" name="Google Shape;361;g21c03c1d1e6_1_229"/>
+          <p:cNvSpPr txBox="1"/>
+          <p:nvPr/>
+        </p:nvSpPr>
+        <p:spPr>
+          <a:xfrm>
+            <a:off x="69574" y="40993"/>
+            <a:ext cx="8770513" cy="608527"/>
+          </a:xfrm>
+          <a:prstGeom prst="rect">
+            <a:avLst/>
+          </a:prstGeom>
+          <a:noFill/>
+          <a:ln>
+            <a:noFill/>
+          </a:ln>
+        </p:spPr>
+        <p:txBody>
+          <a:bodyPr spcFirstLastPara="1" wrap="square" lIns="68575" tIns="34275" rIns="68575" bIns="34275" anchor="t" anchorCtr="0">
+            <a:noAutofit/>
+          </a:bodyPr>
+          <a:lstStyle/>
+          <a:p>
+            <a:pPr marL="0" marR="0" lvl="0" indent="0" algn="ctr" rtl="0">
+              <a:lnSpc>
+                <a:spcPct val="120000"/>
+              </a:lnSpc>
+              <a:spcBef>
+                <a:spcPts val="0"/>
+              </a:spcBef>
+              <a:spcAft>
+                <a:spcPts val="0"/>
+              </a:spcAft>
+              <a:buClr>
+                <a:schemeClr val="dk1"/>
+              </a:buClr>
+              <a:buSzPts val="3000"/>
+              <a:buFont typeface="Arial"/>
+              <a:buNone/>
+            </a:pPr>
+            <a:r>
+              <a:rPr lang="en" sz="2400">
+                <a:solidFill>
+                  <a:schemeClr val="dk1"/>
+                </a:solidFill>
+                <a:latin typeface="Twentieth Century"/>
+                <a:ea typeface="Twentieth Century"/>
+                <a:cs typeface="Twentieth Century"/>
+                <a:sym typeface="Twentieth Century"/>
+              </a:rPr>
+              <a:t>Recurrent Neural Network (RNN) – Self Attention!!</a:t>
+            </a:r>
+            <a:endParaRPr sz="1100"/>
+          </a:p>
+        </p:txBody>
+      </p:sp>
+      <p:sp>
+        <p:nvSpPr>
+          <p:cNvPr id="362" name="Google Shape;362;g21c03c1d1e6_1_229"/>
+          <p:cNvSpPr txBox="1">
+            <a:spLocks noGrp="1"/>
+          </p:cNvSpPr>
+          <p:nvPr>
+            <p:ph type="title"/>
+          </p:nvPr>
+        </p:nvSpPr>
+        <p:spPr>
+          <a:xfrm>
+            <a:off x="0" y="0"/>
+            <a:ext cx="8826600" cy="602700"/>
+          </a:xfrm>
+          <a:prstGeom prst="rect">
+            <a:avLst/>
+          </a:prstGeom>
+        </p:spPr>
+        <p:txBody>
+          <a:bodyPr spcFirstLastPara="1" wrap="square" lIns="91425" tIns="91425" rIns="91425" bIns="91425" anchor="ctr" anchorCtr="0">
+            <a:normAutofit/>
+          </a:bodyPr>
+          <a:lstStyle/>
+          <a:p>
+            <a:pPr marL="0" lvl="0" indent="0" algn="l" rtl="0">
+              <a:spcBef>
+                <a:spcPts val="0"/>
+              </a:spcBef>
+              <a:spcAft>
+                <a:spcPts val="0"/>
+              </a:spcAft>
+              <a:buNone/>
+            </a:pPr>
+            <a:r>
+              <a:rPr lang="en"/>
+              <a:t>Redes recurrentes - Mecanismos de atención</a:t>
+            </a:r>
+            <a:endParaRPr/>
+          </a:p>
+        </p:txBody>
+      </p:sp>
+    </p:spTree>
+  </p:cSld>
+  <p:clrMapOvr>
+    <a:masterClrMapping/>
+  </p:clrMapOvr>
+</p:sld>
+</file>
+
+<file path=ppt/slides/slide31.xml><?xml version="1.0" encoding="utf-8"?>
+<p:sld xmlns:a="http://schemas.openxmlformats.org/drawingml/2006/main" xmlns:r="http://schemas.openxmlformats.org/officeDocument/2006/relationships" xmlns:p="http://schemas.openxmlformats.org/presentationml/2006/main">
+  <p:cSld>
+    <p:spTree>
+      <p:nvGrpSpPr>
         <p:cNvPr id="1" name="Shape 366"/>
         <p:cNvGrpSpPr/>
         <p:nvPr/>
@@ -27112,7 +28347,7 @@
 </p:sld>
 </file>
 
-<file path=ppt/slides/slide31.xml><?xml version="1.0" encoding="utf-8"?>
+<file path=ppt/slides/slide32.xml><?xml version="1.0" encoding="utf-8"?>
 <p:sld xmlns:a="http://schemas.openxmlformats.org/drawingml/2006/main" xmlns:r="http://schemas.openxmlformats.org/officeDocument/2006/relationships" xmlns:p="http://schemas.openxmlformats.org/presentationml/2006/main">
   <p:cSld>
     <p:spTree>
@@ -28110,7 +29345,7 @@
 </p:sld>
 </file>
 
-<file path=ppt/slides/slide32.xml><?xml version="1.0" encoding="utf-8"?>
+<file path=ppt/slides/slide33.xml><?xml version="1.0" encoding="utf-8"?>
 <p:sld xmlns:a="http://schemas.openxmlformats.org/drawingml/2006/main" xmlns:r="http://schemas.openxmlformats.org/officeDocument/2006/relationships" xmlns:p="http://schemas.openxmlformats.org/presentationml/2006/main">
   <p:cSld>
     <p:spTree>
@@ -28709,7 +29944,7 @@
 </p:sld>
 </file>
 
-<file path=ppt/slides/slide33.xml><?xml version="1.0" encoding="utf-8"?>
+<file path=ppt/slides/slide34.xml><?xml version="1.0" encoding="utf-8"?>
 <p:sld xmlns:a="http://schemas.openxmlformats.org/drawingml/2006/main" xmlns:r="http://schemas.openxmlformats.org/officeDocument/2006/relationships" xmlns:p="http://schemas.openxmlformats.org/presentationml/2006/main">
   <p:cSld>
     <p:spTree>
@@ -29205,7 +30440,7 @@
 </p:sld>
 </file>
 
-<file path=ppt/slides/slide34.xml><?xml version="1.0" encoding="utf-8"?>
+<file path=ppt/slides/slide35.xml><?xml version="1.0" encoding="utf-8"?>
 <p:sld xmlns:a="http://schemas.openxmlformats.org/drawingml/2006/main" xmlns:r="http://schemas.openxmlformats.org/officeDocument/2006/relationships" xmlns:p="http://schemas.openxmlformats.org/presentationml/2006/main">
   <p:cSld>
     <p:spTree>
@@ -32012,7 +33247,7 @@
         <p:spPr>
           <a:xfrm>
             <a:off x="492617" y="4216893"/>
-            <a:ext cx="6879624" cy="807914"/>
+            <a:ext cx="7449904" cy="807914"/>
           </a:xfrm>
           <a:prstGeom prst="rect">
             <a:avLst/>
@@ -32038,7 +33273,7 @@
               <a:buNone/>
             </a:pPr>
             <a:r>
-              <a:rPr lang="en" sz="1500" b="1" i="0" u="none" strike="noStrike" cap="none">
+              <a:rPr lang="en" sz="1500" b="1" i="0" u="none" strike="noStrike" cap="none" dirty="0">
                 <a:solidFill>
                   <a:schemeClr val="dk2"/>
                 </a:solidFill>
@@ -32050,7 +33285,7 @@
               <a:t>torch.nn.RNN(</a:t>
             </a:r>
             <a:r>
-              <a:rPr lang="en" sz="1500">
+              <a:rPr lang="en" sz="1500" dirty="0">
                 <a:solidFill>
                   <a:schemeClr val="dk2"/>
                 </a:solidFill>
@@ -32062,7 +33297,7 @@
               <a:t>input_size, hidden_size, num_layers=1, nonlinearity=‘tanh’, …</a:t>
             </a:r>
             <a:br>
-              <a:rPr lang="en" sz="1500">
+              <a:rPr lang="en" sz="1500" dirty="0">
                 <a:solidFill>
                   <a:schemeClr val="dk2"/>
                 </a:solidFill>
@@ -32073,7 +33308,7 @@
               </a:rPr>
             </a:br>
             <a:r>
-              <a:rPr lang="en" sz="1500">
+              <a:rPr lang="en" sz="1500" dirty="0">
                 <a:solidFill>
                   <a:schemeClr val="dk2"/>
                 </a:solidFill>
@@ -32085,7 +33320,7 @@
               <a:t>		bias=True, batch_first=False, dropout=0, bidirectional=False</a:t>
             </a:r>
             <a:r>
-              <a:rPr lang="en" sz="1500" b="1">
+              <a:rPr lang="en" sz="1500" b="1" dirty="0">
                 <a:solidFill>
                   <a:schemeClr val="dk2"/>
                 </a:solidFill>
@@ -32097,7 +33332,7 @@
               <a:t> </a:t>
             </a:r>
             <a:r>
-              <a:rPr lang="en" sz="1500" b="1" i="0" u="none" strike="noStrike" cap="none">
+              <a:rPr lang="en" sz="1500" b="1" i="0" u="none" strike="noStrike" cap="none" dirty="0">
                 <a:solidFill>
                   <a:schemeClr val="dk2"/>
                 </a:solidFill>
@@ -32109,7 +33344,7 @@
               <a:t>)</a:t>
             </a:r>
             <a:r>
-              <a:rPr lang="en" sz="3300" b="1" i="0" u="none" strike="noStrike" cap="none">
+              <a:rPr lang="en" sz="3300" b="1" i="0" u="none" strike="noStrike" cap="none" dirty="0">
                 <a:solidFill>
                   <a:schemeClr val="dk2"/>
                 </a:solidFill>
@@ -32120,7 +33355,7 @@
               </a:rPr>
               <a:t> </a:t>
             </a:r>
-            <a:endParaRPr sz="1100">
+            <a:endParaRPr sz="1100" dirty="0">
               <a:solidFill>
                 <a:schemeClr val="dk2"/>
               </a:solidFill>

--- a/clase_6/teoria/Clase_6.pptx
+++ b/clase_6/teoria/Clase_6.pptx
@@ -5,7 +5,7 @@
     <p:sldMasterId id="2147483648" r:id="rId1"/>
   </p:sldMasterIdLst>
   <p:notesMasterIdLst>
-    <p:notesMasterId r:id="rId37"/>
+    <p:notesMasterId r:id="rId41"/>
   </p:notesMasterIdLst>
   <p:sldIdLst>
     <p:sldId id="256" r:id="rId2"/>
@@ -24,35 +24,39 @@
     <p:sldId id="269" r:id="rId15"/>
     <p:sldId id="270" r:id="rId16"/>
     <p:sldId id="271" r:id="rId17"/>
-    <p:sldId id="272" r:id="rId18"/>
-    <p:sldId id="279" r:id="rId19"/>
-    <p:sldId id="273" r:id="rId20"/>
-    <p:sldId id="274" r:id="rId21"/>
-    <p:sldId id="275" r:id="rId22"/>
-    <p:sldId id="276" r:id="rId23"/>
-    <p:sldId id="277" r:id="rId24"/>
-    <p:sldId id="278" r:id="rId25"/>
-    <p:sldId id="290" r:id="rId26"/>
-    <p:sldId id="280" r:id="rId27"/>
-    <p:sldId id="281" r:id="rId28"/>
-    <p:sldId id="282" r:id="rId29"/>
-    <p:sldId id="283" r:id="rId30"/>
-    <p:sldId id="284" r:id="rId31"/>
-    <p:sldId id="285" r:id="rId32"/>
-    <p:sldId id="286" r:id="rId33"/>
-    <p:sldId id="287" r:id="rId34"/>
-    <p:sldId id="288" r:id="rId35"/>
-    <p:sldId id="289" r:id="rId36"/>
+    <p:sldId id="291" r:id="rId18"/>
+    <p:sldId id="292" r:id="rId19"/>
+    <p:sldId id="293" r:id="rId20"/>
+    <p:sldId id="294" r:id="rId21"/>
+    <p:sldId id="272" r:id="rId22"/>
+    <p:sldId id="279" r:id="rId23"/>
+    <p:sldId id="273" r:id="rId24"/>
+    <p:sldId id="274" r:id="rId25"/>
+    <p:sldId id="275" r:id="rId26"/>
+    <p:sldId id="276" r:id="rId27"/>
+    <p:sldId id="277" r:id="rId28"/>
+    <p:sldId id="278" r:id="rId29"/>
+    <p:sldId id="290" r:id="rId30"/>
+    <p:sldId id="280" r:id="rId31"/>
+    <p:sldId id="281" r:id="rId32"/>
+    <p:sldId id="282" r:id="rId33"/>
+    <p:sldId id="283" r:id="rId34"/>
+    <p:sldId id="284" r:id="rId35"/>
+    <p:sldId id="285" r:id="rId36"/>
+    <p:sldId id="286" r:id="rId37"/>
+    <p:sldId id="287" r:id="rId38"/>
+    <p:sldId id="288" r:id="rId39"/>
+    <p:sldId id="289" r:id="rId40"/>
   </p:sldIdLst>
   <p:sldSz cx="9144000" cy="5143500" type="screen16x9"/>
   <p:notesSz cx="6858000" cy="9144000"/>
   <p:embeddedFontLst>
     <p:embeddedFont>
       <p:font typeface="Roboto" panose="02000000000000000000" pitchFamily="2" charset="0"/>
-      <p:regular r:id="rId38"/>
-      <p:bold r:id="rId39"/>
-      <p:italic r:id="rId40"/>
-      <p:boldItalic r:id="rId41"/>
+      <p:regular r:id="rId42"/>
+      <p:bold r:id="rId43"/>
+      <p:italic r:id="rId44"/>
+      <p:boldItalic r:id="rId45"/>
     </p:embeddedFont>
   </p:embeddedFontLst>
   <p:defaultTextStyle>
@@ -300,7 +304,7 @@
       </p15:sldGuideLst>
     </p:ext>
     <p:ext uri="GoogleSlidesCustomDataVersion2">
-      <go:slidesCustomData xmlns="" xmlns:mc="http://schemas.openxmlformats.org/markup-compatibility/2006" xmlns:mv="urn:schemas-microsoft-com:mac:vml" xmlns:c="http://schemas.openxmlformats.org/drawingml/2006/chart" xmlns:dgm="http://schemas.openxmlformats.org/drawingml/2006/diagram" xmlns:o="urn:schemas-microsoft-com:office:office" xmlns:v="urn:schemas-microsoft-com:vml" xmlns:pvml="urn:schemas-microsoft-com:office:powerpoint" xmlns:com="http://schemas.openxmlformats.org/drawingml/2006/compatibility" xmlns:p14="http://schemas.microsoft.com/office/powerpoint/2010/main" xmlns:p15="http://schemas.microsoft.com/office/powerpoint/2012/main" xmlns:ahyp="http://schemas.microsoft.com/office/drawing/2018/hyperlinkcolor" xmlns:go="http://customooxmlschemas.google.com/" r:id="rId45" roundtripDataSignature="AMtx7mi43qeBuG6xuqWiq1Kh9QyGOyIiNg=="/>
+      <go:slidesCustomData xmlns:go="http://customooxmlschemas.google.com/" xmlns:ahyp="http://schemas.microsoft.com/office/drawing/2018/hyperlinkcolor" xmlns:p15="http://schemas.microsoft.com/office/powerpoint/2012/main" xmlns:p14="http://schemas.microsoft.com/office/powerpoint/2010/main" xmlns:com="http://schemas.openxmlformats.org/drawingml/2006/compatibility" xmlns:pvml="urn:schemas-microsoft-com:office:powerpoint" xmlns:v="urn:schemas-microsoft-com:vml" xmlns:o="urn:schemas-microsoft-com:office:office" xmlns:dgm="http://schemas.openxmlformats.org/drawingml/2006/diagram" xmlns:c="http://schemas.openxmlformats.org/drawingml/2006/chart" xmlns:mv="urn:schemas-microsoft-com:mac:vml" xmlns:mc="http://schemas.openxmlformats.org/markup-compatibility/2006" xmlns="" r:id="rId46" roundtripDataSignature="AMtx7mi43qeBuG6xuqWiq1Kh9QyGOyIiNg=="/>
     </p:ext>
   </p:extLst>
 </p:presentation>
@@ -309,13 +313,201 @@
 <file path=ppt/revisionInfo.xml><?xml version="1.0" encoding="utf-8"?>
 <p1510:revInfo xmlns:a="http://schemas.openxmlformats.org/drawingml/2006/main" xmlns:r="http://schemas.openxmlformats.org/officeDocument/2006/relationships" xmlns:p1510="http://schemas.microsoft.com/office/powerpoint/2015/10/main">
   <p1510:revLst>
-    <p1510:client id="{EE2FC811-F246-4E28-936B-C5BA500BDF68}" v="2" dt="2024-10-01T23:22:51.549"/>
+    <p1510:client id="{6875A249-7888-4363-9F92-056EB10F7CD5}" v="4" dt="2024-11-29T21:38:32.764"/>
   </p1510:revLst>
 </p1510:revInfo>
 </file>
 
 <file path=ppt/changesInfos/changesInfo1.xml><?xml version="1.0" encoding="utf-8"?>
 <pc:chgInfo xmlns:a="http://schemas.openxmlformats.org/drawingml/2006/main" xmlns:r="http://schemas.openxmlformats.org/officeDocument/2006/relationships" xmlns:ac="http://schemas.microsoft.com/office/drawing/2013/main/command" xmlns:pc="http://schemas.microsoft.com/office/powerpoint/2013/main/command">
+  <pc:docChgLst>
+    <pc:chgData name="Marcos Maillot" userId="fa14b39d-e966-4ebb-a436-4f96f84b9577" providerId="ADAL" clId="{6875A249-7888-4363-9F92-056EB10F7CD5}"/>
+    <pc:docChg chg="custSel addSld modSld">
+      <pc:chgData name="Marcos Maillot" userId="fa14b39d-e966-4ebb-a436-4f96f84b9577" providerId="ADAL" clId="{6875A249-7888-4363-9F92-056EB10F7CD5}" dt="2024-11-29T21:45:30.394" v="57" actId="14100"/>
+      <pc:docMkLst>
+        <pc:docMk/>
+      </pc:docMkLst>
+      <pc:sldChg chg="modSp mod">
+        <pc:chgData name="Marcos Maillot" userId="fa14b39d-e966-4ebb-a436-4f96f84b9577" providerId="ADAL" clId="{6875A249-7888-4363-9F92-056EB10F7CD5}" dt="2024-11-29T21:45:30.394" v="57" actId="14100"/>
+        <pc:sldMkLst>
+          <pc:docMk/>
+          <pc:sldMk cId="0" sldId="278"/>
+        </pc:sldMkLst>
+        <pc:spChg chg="mod">
+          <ac:chgData name="Marcos Maillot" userId="fa14b39d-e966-4ebb-a436-4f96f84b9577" providerId="ADAL" clId="{6875A249-7888-4363-9F92-056EB10F7CD5}" dt="2024-11-29T21:45:30.394" v="57" actId="14100"/>
+          <ac:spMkLst>
+            <pc:docMk/>
+            <pc:sldMk cId="0" sldId="278"/>
+            <ac:spMk id="292" creationId="{00000000-0000-0000-0000-000000000000}"/>
+          </ac:spMkLst>
+        </pc:spChg>
+      </pc:sldChg>
+      <pc:sldChg chg="addSp delSp modSp add mod">
+        <pc:chgData name="Marcos Maillot" userId="fa14b39d-e966-4ebb-a436-4f96f84b9577" providerId="ADAL" clId="{6875A249-7888-4363-9F92-056EB10F7CD5}" dt="2024-11-29T21:34:44.944" v="9" actId="1076"/>
+        <pc:sldMkLst>
+          <pc:docMk/>
+          <pc:sldMk cId="3137623413" sldId="291"/>
+        </pc:sldMkLst>
+        <pc:spChg chg="del">
+          <ac:chgData name="Marcos Maillot" userId="fa14b39d-e966-4ebb-a436-4f96f84b9577" providerId="ADAL" clId="{6875A249-7888-4363-9F92-056EB10F7CD5}" dt="2024-11-29T21:34:16.974" v="3" actId="478"/>
+          <ac:spMkLst>
+            <pc:docMk/>
+            <pc:sldMk cId="3137623413" sldId="291"/>
+            <ac:spMk id="228" creationId="{00000000-0000-0000-0000-000000000000}"/>
+          </ac:spMkLst>
+        </pc:spChg>
+        <pc:picChg chg="add mod">
+          <ac:chgData name="Marcos Maillot" userId="fa14b39d-e966-4ebb-a436-4f96f84b9577" providerId="ADAL" clId="{6875A249-7888-4363-9F92-056EB10F7CD5}" dt="2024-11-29T21:34:44.944" v="9" actId="1076"/>
+          <ac:picMkLst>
+            <pc:docMk/>
+            <pc:sldMk cId="3137623413" sldId="291"/>
+            <ac:picMk id="3" creationId="{8F1DAAD6-642B-8E32-7DA6-4C42DEB7AE84}"/>
+          </ac:picMkLst>
+        </pc:picChg>
+        <pc:picChg chg="del">
+          <ac:chgData name="Marcos Maillot" userId="fa14b39d-e966-4ebb-a436-4f96f84b9577" providerId="ADAL" clId="{6875A249-7888-4363-9F92-056EB10F7CD5}" dt="2024-11-29T21:34:14.845" v="1" actId="478"/>
+          <ac:picMkLst>
+            <pc:docMk/>
+            <pc:sldMk cId="3137623413" sldId="291"/>
+            <ac:picMk id="229" creationId="{00000000-0000-0000-0000-000000000000}"/>
+          </ac:picMkLst>
+        </pc:picChg>
+        <pc:picChg chg="del">
+          <ac:chgData name="Marcos Maillot" userId="fa14b39d-e966-4ebb-a436-4f96f84b9577" providerId="ADAL" clId="{6875A249-7888-4363-9F92-056EB10F7CD5}" dt="2024-11-29T21:34:15.364" v="2" actId="478"/>
+          <ac:picMkLst>
+            <pc:docMk/>
+            <pc:sldMk cId="3137623413" sldId="291"/>
+            <ac:picMk id="230" creationId="{00000000-0000-0000-0000-000000000000}"/>
+          </ac:picMkLst>
+        </pc:picChg>
+      </pc:sldChg>
+      <pc:sldChg chg="addSp modSp add mod">
+        <pc:chgData name="Marcos Maillot" userId="fa14b39d-e966-4ebb-a436-4f96f84b9577" providerId="ADAL" clId="{6875A249-7888-4363-9F92-056EB10F7CD5}" dt="2024-11-29T21:36:07.654" v="22" actId="1076"/>
+        <pc:sldMkLst>
+          <pc:docMk/>
+          <pc:sldMk cId="4139229005" sldId="292"/>
+        </pc:sldMkLst>
+        <pc:picChg chg="add mod">
+          <ac:chgData name="Marcos Maillot" userId="fa14b39d-e966-4ebb-a436-4f96f84b9577" providerId="ADAL" clId="{6875A249-7888-4363-9F92-056EB10F7CD5}" dt="2024-11-29T21:36:06.744" v="21" actId="1076"/>
+          <ac:picMkLst>
+            <pc:docMk/>
+            <pc:sldMk cId="4139229005" sldId="292"/>
+            <ac:picMk id="3" creationId="{9D03D3F5-78BB-F2CD-C53D-8B1DBEE3127E}"/>
+          </ac:picMkLst>
+        </pc:picChg>
+        <pc:picChg chg="add mod">
+          <ac:chgData name="Marcos Maillot" userId="fa14b39d-e966-4ebb-a436-4f96f84b9577" providerId="ADAL" clId="{6875A249-7888-4363-9F92-056EB10F7CD5}" dt="2024-11-29T21:36:07.654" v="22" actId="1076"/>
+          <ac:picMkLst>
+            <pc:docMk/>
+            <pc:sldMk cId="4139229005" sldId="292"/>
+            <ac:picMk id="5" creationId="{110F3932-C008-1E37-1FF6-D1612E5685BF}"/>
+          </ac:picMkLst>
+        </pc:picChg>
+        <pc:picChg chg="add mod">
+          <ac:chgData name="Marcos Maillot" userId="fa14b39d-e966-4ebb-a436-4f96f84b9577" providerId="ADAL" clId="{6875A249-7888-4363-9F92-056EB10F7CD5}" dt="2024-11-29T21:36:03.634" v="20" actId="1076"/>
+          <ac:picMkLst>
+            <pc:docMk/>
+            <pc:sldMk cId="4139229005" sldId="292"/>
+            <ac:picMk id="7" creationId="{B086223D-3C92-320C-FDA4-2986A3EC8B24}"/>
+          </ac:picMkLst>
+        </pc:picChg>
+      </pc:sldChg>
+      <pc:sldChg chg="addSp delSp modSp add mod">
+        <pc:chgData name="Marcos Maillot" userId="fa14b39d-e966-4ebb-a436-4f96f84b9577" providerId="ADAL" clId="{6875A249-7888-4363-9F92-056EB10F7CD5}" dt="2024-11-29T21:37:21.674" v="39" actId="1076"/>
+        <pc:sldMkLst>
+          <pc:docMk/>
+          <pc:sldMk cId="3179616302" sldId="293"/>
+        </pc:sldMkLst>
+        <pc:picChg chg="add mod">
+          <ac:chgData name="Marcos Maillot" userId="fa14b39d-e966-4ebb-a436-4f96f84b9577" providerId="ADAL" clId="{6875A249-7888-4363-9F92-056EB10F7CD5}" dt="2024-11-29T21:36:33.314" v="24" actId="1076"/>
+          <ac:picMkLst>
+            <pc:docMk/>
+            <pc:sldMk cId="3179616302" sldId="293"/>
+            <ac:picMk id="3" creationId="{07F6C8A2-6E4B-CC35-FBCA-FE785C2AC540}"/>
+          </ac:picMkLst>
+        </pc:picChg>
+        <pc:picChg chg="add del mod">
+          <ac:chgData name="Marcos Maillot" userId="fa14b39d-e966-4ebb-a436-4f96f84b9577" providerId="ADAL" clId="{6875A249-7888-4363-9F92-056EB10F7CD5}" dt="2024-11-29T21:36:55.644" v="29" actId="478"/>
+          <ac:picMkLst>
+            <pc:docMk/>
+            <pc:sldMk cId="3179616302" sldId="293"/>
+            <ac:picMk id="5" creationId="{A4DF4F69-9F50-704D-18F5-7AC6F118922E}"/>
+          </ac:picMkLst>
+        </pc:picChg>
+        <pc:picChg chg="add mod">
+          <ac:chgData name="Marcos Maillot" userId="fa14b39d-e966-4ebb-a436-4f96f84b9577" providerId="ADAL" clId="{6875A249-7888-4363-9F92-056EB10F7CD5}" dt="2024-11-29T21:37:20.124" v="38" actId="1076"/>
+          <ac:picMkLst>
+            <pc:docMk/>
+            <pc:sldMk cId="3179616302" sldId="293"/>
+            <ac:picMk id="7" creationId="{E9CEA9F8-4C91-6372-E31C-322AD64E5DF3}"/>
+          </ac:picMkLst>
+        </pc:picChg>
+        <pc:picChg chg="add mod">
+          <ac:chgData name="Marcos Maillot" userId="fa14b39d-e966-4ebb-a436-4f96f84b9577" providerId="ADAL" clId="{6875A249-7888-4363-9F92-056EB10F7CD5}" dt="2024-11-29T21:37:21.674" v="39" actId="1076"/>
+          <ac:picMkLst>
+            <pc:docMk/>
+            <pc:sldMk cId="3179616302" sldId="293"/>
+            <ac:picMk id="9" creationId="{6F1E6A7D-9012-4072-5AB5-CCB5A5C9F10B}"/>
+          </ac:picMkLst>
+        </pc:picChg>
+      </pc:sldChg>
+      <pc:sldChg chg="addSp delSp modSp add mod">
+        <pc:chgData name="Marcos Maillot" userId="fa14b39d-e966-4ebb-a436-4f96f84b9577" providerId="ADAL" clId="{6875A249-7888-4363-9F92-056EB10F7CD5}" dt="2024-11-29T21:39:33.364" v="55" actId="1076"/>
+        <pc:sldMkLst>
+          <pc:docMk/>
+          <pc:sldMk cId="1421602177" sldId="294"/>
+        </pc:sldMkLst>
+        <pc:picChg chg="del">
+          <ac:chgData name="Marcos Maillot" userId="fa14b39d-e966-4ebb-a436-4f96f84b9577" providerId="ADAL" clId="{6875A249-7888-4363-9F92-056EB10F7CD5}" dt="2024-11-29T21:38:36.184" v="42" actId="478"/>
+          <ac:picMkLst>
+            <pc:docMk/>
+            <pc:sldMk cId="1421602177" sldId="294"/>
+            <ac:picMk id="3" creationId="{07F6C8A2-6E4B-CC35-FBCA-FE785C2AC540}"/>
+          </ac:picMkLst>
+        </pc:picChg>
+        <pc:picChg chg="add mod">
+          <ac:chgData name="Marcos Maillot" userId="fa14b39d-e966-4ebb-a436-4f96f84b9577" providerId="ADAL" clId="{6875A249-7888-4363-9F92-056EB10F7CD5}" dt="2024-11-29T21:39:05.294" v="45" actId="1076"/>
+          <ac:picMkLst>
+            <pc:docMk/>
+            <pc:sldMk cId="1421602177" sldId="294"/>
+            <ac:picMk id="4" creationId="{B1E56B2D-1A7E-B595-8FDB-6BA836414150}"/>
+          </ac:picMkLst>
+        </pc:picChg>
+        <pc:picChg chg="add mod">
+          <ac:chgData name="Marcos Maillot" userId="fa14b39d-e966-4ebb-a436-4f96f84b9577" providerId="ADAL" clId="{6875A249-7888-4363-9F92-056EB10F7CD5}" dt="2024-11-29T21:39:33.364" v="55" actId="1076"/>
+          <ac:picMkLst>
+            <pc:docMk/>
+            <pc:sldMk cId="1421602177" sldId="294"/>
+            <ac:picMk id="6" creationId="{3B87B3A4-251A-0315-F9EE-DAD61ADCB9DF}"/>
+          </ac:picMkLst>
+        </pc:picChg>
+        <pc:picChg chg="del">
+          <ac:chgData name="Marcos Maillot" userId="fa14b39d-e966-4ebb-a436-4f96f84b9577" providerId="ADAL" clId="{6875A249-7888-4363-9F92-056EB10F7CD5}" dt="2024-11-29T21:38:36.664" v="43" actId="478"/>
+          <ac:picMkLst>
+            <pc:docMk/>
+            <pc:sldMk cId="1421602177" sldId="294"/>
+            <ac:picMk id="7" creationId="{E9CEA9F8-4C91-6372-E31C-322AD64E5DF3}"/>
+          </ac:picMkLst>
+        </pc:picChg>
+        <pc:picChg chg="del">
+          <ac:chgData name="Marcos Maillot" userId="fa14b39d-e966-4ebb-a436-4f96f84b9577" providerId="ADAL" clId="{6875A249-7888-4363-9F92-056EB10F7CD5}" dt="2024-11-29T21:38:35.204" v="41" actId="478"/>
+          <ac:picMkLst>
+            <pc:docMk/>
+            <pc:sldMk cId="1421602177" sldId="294"/>
+            <ac:picMk id="9" creationId="{6F1E6A7D-9012-4072-5AB5-CCB5A5C9F10B}"/>
+          </ac:picMkLst>
+        </pc:picChg>
+        <pc:picChg chg="add mod">
+          <ac:chgData name="Marcos Maillot" userId="fa14b39d-e966-4ebb-a436-4f96f84b9577" providerId="ADAL" clId="{6875A249-7888-4363-9F92-056EB10F7CD5}" dt="2024-11-29T21:39:31.909" v="54" actId="1076"/>
+          <ac:picMkLst>
+            <pc:docMk/>
+            <pc:sldMk cId="1421602177" sldId="294"/>
+            <ac:picMk id="10" creationId="{21ECE62E-087E-6FA4-B8E1-ECB992A69997}"/>
+          </ac:picMkLst>
+        </pc:picChg>
+      </pc:sldChg>
+    </pc:docChg>
+  </pc:docChgLst>
   <pc:docChgLst>
     <pc:chgData name="Marcos Maillot" userId="fa14b39d-e966-4ebb-a436-4f96f84b9577" providerId="ADAL" clId="{EE2FC811-F246-4E28-936B-C5BA500BDF68}"/>
     <pc:docChg chg="undo custSel addSld modSld sldOrd">
@@ -1947,7 +2139,7 @@
   <p:cSld>
     <p:spTree>
       <p:nvGrpSpPr>
-        <p:cNvPr id="1" name="Shape 232"/>
+        <p:cNvPr id="1" name="Shape 223"/>
         <p:cNvGrpSpPr/>
         <p:nvPr/>
       </p:nvGrpSpPr>
@@ -1961,7 +2153,7 @@
       </p:grpSpPr>
       <p:sp>
         <p:nvSpPr>
-          <p:cNvPr id="233" name="Google Shape;233;g21c03c1d1e6_1_133:notes"/>
+          <p:cNvPr id="224" name="Google Shape;224;g21c03c1d1e6_1_126:notes"/>
           <p:cNvSpPr txBox="1">
             <a:spLocks noGrp="1"/>
           </p:cNvSpPr>
@@ -1999,7 +2191,7 @@
       </p:sp>
       <p:sp>
         <p:nvSpPr>
-          <p:cNvPr id="234" name="Google Shape;234;g21c03c1d1e6_1_133:notes"/>
+          <p:cNvPr id="225" name="Google Shape;225;g21c03c1d1e6_1_126:notes"/>
           <p:cNvSpPr>
             <a:spLocks noGrp="1" noRot="1" noChangeAspect="1"/>
           </p:cNvSpPr>
@@ -2039,6 +2231,11 @@
         </p:spPr>
       </p:sp>
     </p:spTree>
+    <p:extLst>
+      <p:ext uri="{BB962C8B-B14F-4D97-AF65-F5344CB8AC3E}">
+        <p14:creationId xmlns:p14="http://schemas.microsoft.com/office/powerpoint/2010/main" val="3494220003"/>
+      </p:ext>
+    </p:extLst>
   </p:cSld>
   <p:clrMapOvr>
     <a:masterClrMapping/>
@@ -2051,7 +2248,7 @@
   <p:cSld>
     <p:spTree>
       <p:nvGrpSpPr>
-        <p:cNvPr id="1" name="Shape 296"/>
+        <p:cNvPr id="1" name="Shape 223"/>
         <p:cNvGrpSpPr/>
         <p:nvPr/>
       </p:nvGrpSpPr>
@@ -2065,7 +2262,7 @@
       </p:grpSpPr>
       <p:sp>
         <p:nvSpPr>
-          <p:cNvPr id="297" name="Google Shape;297;g21c03c1d1e6_1_187:notes"/>
+          <p:cNvPr id="224" name="Google Shape;224;g21c03c1d1e6_1_126:notes"/>
           <p:cNvSpPr txBox="1">
             <a:spLocks noGrp="1"/>
           </p:cNvSpPr>
@@ -2103,7 +2300,7 @@
       </p:sp>
       <p:sp>
         <p:nvSpPr>
-          <p:cNvPr id="298" name="Google Shape;298;g21c03c1d1e6_1_187:notes"/>
+          <p:cNvPr id="225" name="Google Shape;225;g21c03c1d1e6_1_126:notes"/>
           <p:cNvSpPr>
             <a:spLocks noGrp="1" noRot="1" noChangeAspect="1"/>
           </p:cNvSpPr>
@@ -2143,6 +2340,11 @@
         </p:spPr>
       </p:sp>
     </p:spTree>
+    <p:extLst>
+      <p:ext uri="{BB962C8B-B14F-4D97-AF65-F5344CB8AC3E}">
+        <p14:creationId xmlns:p14="http://schemas.microsoft.com/office/powerpoint/2010/main" val="1872074978"/>
+      </p:ext>
+    </p:extLst>
   </p:cSld>
   <p:clrMapOvr>
     <a:masterClrMapping/>
@@ -2155,7 +2357,7 @@
   <p:cSld>
     <p:spTree>
       <p:nvGrpSpPr>
-        <p:cNvPr id="1" name="Shape 241"/>
+        <p:cNvPr id="1" name="Shape 223"/>
         <p:cNvGrpSpPr/>
         <p:nvPr/>
       </p:nvGrpSpPr>
@@ -2169,7 +2371,7 @@
       </p:grpSpPr>
       <p:sp>
         <p:nvSpPr>
-          <p:cNvPr id="242" name="Google Shape;242;g21c03c1d1e6_1_140:notes"/>
+          <p:cNvPr id="224" name="Google Shape;224;g21c03c1d1e6_1_126:notes"/>
           <p:cNvSpPr txBox="1">
             <a:spLocks noGrp="1"/>
           </p:cNvSpPr>
@@ -2207,7 +2409,7 @@
       </p:sp>
       <p:sp>
         <p:nvSpPr>
-          <p:cNvPr id="243" name="Google Shape;243;g21c03c1d1e6_1_140:notes"/>
+          <p:cNvPr id="225" name="Google Shape;225;g21c03c1d1e6_1_126:notes"/>
           <p:cNvSpPr>
             <a:spLocks noGrp="1" noRot="1" noChangeAspect="1"/>
           </p:cNvSpPr>
@@ -2247,6 +2449,11 @@
         </p:spPr>
       </p:sp>
     </p:spTree>
+    <p:extLst>
+      <p:ext uri="{BB962C8B-B14F-4D97-AF65-F5344CB8AC3E}">
+        <p14:creationId xmlns:p14="http://schemas.microsoft.com/office/powerpoint/2010/main" val="2235866427"/>
+      </p:ext>
+    </p:extLst>
   </p:cSld>
   <p:clrMapOvr>
     <a:masterClrMapping/>
@@ -2381,6 +2588,427 @@
   <p:cSld>
     <p:spTree>
       <p:nvGrpSpPr>
+        <p:cNvPr id="1" name="Shape 223"/>
+        <p:cNvGrpSpPr/>
+        <p:nvPr/>
+      </p:nvGrpSpPr>
+      <p:grpSpPr>
+        <a:xfrm>
+          <a:off x="0" y="0"/>
+          <a:ext cx="0" cy="0"/>
+          <a:chOff x="0" y="0"/>
+          <a:chExt cx="0" cy="0"/>
+        </a:xfrm>
+      </p:grpSpPr>
+      <p:sp>
+        <p:nvSpPr>
+          <p:cNvPr id="224" name="Google Shape;224;g21c03c1d1e6_1_126:notes"/>
+          <p:cNvSpPr txBox="1">
+            <a:spLocks noGrp="1"/>
+          </p:cNvSpPr>
+          <p:nvPr>
+            <p:ph type="body" idx="1"/>
+          </p:nvPr>
+        </p:nvSpPr>
+        <p:spPr>
+          <a:xfrm>
+            <a:off x="685800" y="4343400"/>
+            <a:ext cx="5486400" cy="4114800"/>
+          </a:xfrm>
+          <a:prstGeom prst="rect">
+            <a:avLst/>
+          </a:prstGeom>
+        </p:spPr>
+        <p:txBody>
+          <a:bodyPr spcFirstLastPara="1" wrap="square" lIns="91425" tIns="91425" rIns="91425" bIns="91425" anchor="t" anchorCtr="0">
+            <a:noAutofit/>
+          </a:bodyPr>
+          <a:lstStyle/>
+          <a:p>
+            <a:pPr marL="0" lvl="0" indent="0" algn="l" rtl="0">
+              <a:spcBef>
+                <a:spcPts val="0"/>
+              </a:spcBef>
+              <a:spcAft>
+                <a:spcPts val="0"/>
+              </a:spcAft>
+              <a:buNone/>
+            </a:pPr>
+            <a:endParaRPr/>
+          </a:p>
+        </p:txBody>
+      </p:sp>
+      <p:sp>
+        <p:nvSpPr>
+          <p:cNvPr id="225" name="Google Shape;225;g21c03c1d1e6_1_126:notes"/>
+          <p:cNvSpPr>
+            <a:spLocks noGrp="1" noRot="1" noChangeAspect="1"/>
+          </p:cNvSpPr>
+          <p:nvPr>
+            <p:ph type="sldImg" idx="2"/>
+          </p:nvPr>
+        </p:nvSpPr>
+        <p:spPr>
+          <a:xfrm>
+            <a:off x="381000" y="685800"/>
+            <a:ext cx="6096000" cy="3429000"/>
+          </a:xfrm>
+          <a:custGeom>
+            <a:avLst/>
+            <a:gdLst/>
+            <a:ahLst/>
+            <a:cxnLst/>
+            <a:rect l="l" t="t" r="r" b="b"/>
+            <a:pathLst>
+              <a:path w="120000" h="120000" extrusionOk="0">
+                <a:moveTo>
+                  <a:pt x="0" y="0"/>
+                </a:moveTo>
+                <a:lnTo>
+                  <a:pt x="120000" y="0"/>
+                </a:lnTo>
+                <a:lnTo>
+                  <a:pt x="120000" y="120000"/>
+                </a:lnTo>
+                <a:lnTo>
+                  <a:pt x="0" y="120000"/>
+                </a:lnTo>
+                <a:close/>
+              </a:path>
+            </a:pathLst>
+          </a:custGeom>
+        </p:spPr>
+      </p:sp>
+    </p:spTree>
+    <p:extLst>
+      <p:ext uri="{BB962C8B-B14F-4D97-AF65-F5344CB8AC3E}">
+        <p14:creationId xmlns:p14="http://schemas.microsoft.com/office/powerpoint/2010/main" val="1271076808"/>
+      </p:ext>
+    </p:extLst>
+  </p:cSld>
+  <p:clrMapOvr>
+    <a:masterClrMapping/>
+  </p:clrMapOvr>
+</p:notes>
+</file>
+
+<file path=ppt/notesSlides/notesSlide21.xml><?xml version="1.0" encoding="utf-8"?>
+<p:notes xmlns:a="http://schemas.openxmlformats.org/drawingml/2006/main" xmlns:r="http://schemas.openxmlformats.org/officeDocument/2006/relationships" xmlns:p="http://schemas.openxmlformats.org/presentationml/2006/main" showMasterSp="0" showMasterPhAnim="0">
+  <p:cSld>
+    <p:spTree>
+      <p:nvGrpSpPr>
+        <p:cNvPr id="1" name="Shape 232"/>
+        <p:cNvGrpSpPr/>
+        <p:nvPr/>
+      </p:nvGrpSpPr>
+      <p:grpSpPr>
+        <a:xfrm>
+          <a:off x="0" y="0"/>
+          <a:ext cx="0" cy="0"/>
+          <a:chOff x="0" y="0"/>
+          <a:chExt cx="0" cy="0"/>
+        </a:xfrm>
+      </p:grpSpPr>
+      <p:sp>
+        <p:nvSpPr>
+          <p:cNvPr id="233" name="Google Shape;233;g21c03c1d1e6_1_133:notes"/>
+          <p:cNvSpPr txBox="1">
+            <a:spLocks noGrp="1"/>
+          </p:cNvSpPr>
+          <p:nvPr>
+            <p:ph type="body" idx="1"/>
+          </p:nvPr>
+        </p:nvSpPr>
+        <p:spPr>
+          <a:xfrm>
+            <a:off x="685800" y="4343400"/>
+            <a:ext cx="5486400" cy="4114800"/>
+          </a:xfrm>
+          <a:prstGeom prst="rect">
+            <a:avLst/>
+          </a:prstGeom>
+        </p:spPr>
+        <p:txBody>
+          <a:bodyPr spcFirstLastPara="1" wrap="square" lIns="91425" tIns="91425" rIns="91425" bIns="91425" anchor="t" anchorCtr="0">
+            <a:noAutofit/>
+          </a:bodyPr>
+          <a:lstStyle/>
+          <a:p>
+            <a:pPr marL="0" lvl="0" indent="0" algn="l" rtl="0">
+              <a:spcBef>
+                <a:spcPts val="0"/>
+              </a:spcBef>
+              <a:spcAft>
+                <a:spcPts val="0"/>
+              </a:spcAft>
+              <a:buNone/>
+            </a:pPr>
+            <a:endParaRPr/>
+          </a:p>
+        </p:txBody>
+      </p:sp>
+      <p:sp>
+        <p:nvSpPr>
+          <p:cNvPr id="234" name="Google Shape;234;g21c03c1d1e6_1_133:notes"/>
+          <p:cNvSpPr>
+            <a:spLocks noGrp="1" noRot="1" noChangeAspect="1"/>
+          </p:cNvSpPr>
+          <p:nvPr>
+            <p:ph type="sldImg" idx="2"/>
+          </p:nvPr>
+        </p:nvSpPr>
+        <p:spPr>
+          <a:xfrm>
+            <a:off x="381000" y="685800"/>
+            <a:ext cx="6096000" cy="3429000"/>
+          </a:xfrm>
+          <a:custGeom>
+            <a:avLst/>
+            <a:gdLst/>
+            <a:ahLst/>
+            <a:cxnLst/>
+            <a:rect l="l" t="t" r="r" b="b"/>
+            <a:pathLst>
+              <a:path w="120000" h="120000" extrusionOk="0">
+                <a:moveTo>
+                  <a:pt x="0" y="0"/>
+                </a:moveTo>
+                <a:lnTo>
+                  <a:pt x="120000" y="0"/>
+                </a:lnTo>
+                <a:lnTo>
+                  <a:pt x="120000" y="120000"/>
+                </a:lnTo>
+                <a:lnTo>
+                  <a:pt x="0" y="120000"/>
+                </a:lnTo>
+                <a:close/>
+              </a:path>
+            </a:pathLst>
+          </a:custGeom>
+        </p:spPr>
+      </p:sp>
+    </p:spTree>
+  </p:cSld>
+  <p:clrMapOvr>
+    <a:masterClrMapping/>
+  </p:clrMapOvr>
+</p:notes>
+</file>
+
+<file path=ppt/notesSlides/notesSlide22.xml><?xml version="1.0" encoding="utf-8"?>
+<p:notes xmlns:a="http://schemas.openxmlformats.org/drawingml/2006/main" xmlns:r="http://schemas.openxmlformats.org/officeDocument/2006/relationships" xmlns:p="http://schemas.openxmlformats.org/presentationml/2006/main" showMasterSp="0" showMasterPhAnim="0">
+  <p:cSld>
+    <p:spTree>
+      <p:nvGrpSpPr>
+        <p:cNvPr id="1" name="Shape 296"/>
+        <p:cNvGrpSpPr/>
+        <p:nvPr/>
+      </p:nvGrpSpPr>
+      <p:grpSpPr>
+        <a:xfrm>
+          <a:off x="0" y="0"/>
+          <a:ext cx="0" cy="0"/>
+          <a:chOff x="0" y="0"/>
+          <a:chExt cx="0" cy="0"/>
+        </a:xfrm>
+      </p:grpSpPr>
+      <p:sp>
+        <p:nvSpPr>
+          <p:cNvPr id="297" name="Google Shape;297;g21c03c1d1e6_1_187:notes"/>
+          <p:cNvSpPr txBox="1">
+            <a:spLocks noGrp="1"/>
+          </p:cNvSpPr>
+          <p:nvPr>
+            <p:ph type="body" idx="1"/>
+          </p:nvPr>
+        </p:nvSpPr>
+        <p:spPr>
+          <a:xfrm>
+            <a:off x="685800" y="4343400"/>
+            <a:ext cx="5486400" cy="4114800"/>
+          </a:xfrm>
+          <a:prstGeom prst="rect">
+            <a:avLst/>
+          </a:prstGeom>
+        </p:spPr>
+        <p:txBody>
+          <a:bodyPr spcFirstLastPara="1" wrap="square" lIns="91425" tIns="91425" rIns="91425" bIns="91425" anchor="t" anchorCtr="0">
+            <a:noAutofit/>
+          </a:bodyPr>
+          <a:lstStyle/>
+          <a:p>
+            <a:pPr marL="0" lvl="0" indent="0" algn="l" rtl="0">
+              <a:spcBef>
+                <a:spcPts val="0"/>
+              </a:spcBef>
+              <a:spcAft>
+                <a:spcPts val="0"/>
+              </a:spcAft>
+              <a:buNone/>
+            </a:pPr>
+            <a:endParaRPr/>
+          </a:p>
+        </p:txBody>
+      </p:sp>
+      <p:sp>
+        <p:nvSpPr>
+          <p:cNvPr id="298" name="Google Shape;298;g21c03c1d1e6_1_187:notes"/>
+          <p:cNvSpPr>
+            <a:spLocks noGrp="1" noRot="1" noChangeAspect="1"/>
+          </p:cNvSpPr>
+          <p:nvPr>
+            <p:ph type="sldImg" idx="2"/>
+          </p:nvPr>
+        </p:nvSpPr>
+        <p:spPr>
+          <a:xfrm>
+            <a:off x="381000" y="685800"/>
+            <a:ext cx="6096000" cy="3429000"/>
+          </a:xfrm>
+          <a:custGeom>
+            <a:avLst/>
+            <a:gdLst/>
+            <a:ahLst/>
+            <a:cxnLst/>
+            <a:rect l="l" t="t" r="r" b="b"/>
+            <a:pathLst>
+              <a:path w="120000" h="120000" extrusionOk="0">
+                <a:moveTo>
+                  <a:pt x="0" y="0"/>
+                </a:moveTo>
+                <a:lnTo>
+                  <a:pt x="120000" y="0"/>
+                </a:lnTo>
+                <a:lnTo>
+                  <a:pt x="120000" y="120000"/>
+                </a:lnTo>
+                <a:lnTo>
+                  <a:pt x="0" y="120000"/>
+                </a:lnTo>
+                <a:close/>
+              </a:path>
+            </a:pathLst>
+          </a:custGeom>
+        </p:spPr>
+      </p:sp>
+    </p:spTree>
+  </p:cSld>
+  <p:clrMapOvr>
+    <a:masterClrMapping/>
+  </p:clrMapOvr>
+</p:notes>
+</file>
+
+<file path=ppt/notesSlides/notesSlide23.xml><?xml version="1.0" encoding="utf-8"?>
+<p:notes xmlns:a="http://schemas.openxmlformats.org/drawingml/2006/main" xmlns:r="http://schemas.openxmlformats.org/officeDocument/2006/relationships" xmlns:p="http://schemas.openxmlformats.org/presentationml/2006/main" showMasterSp="0" showMasterPhAnim="0">
+  <p:cSld>
+    <p:spTree>
+      <p:nvGrpSpPr>
+        <p:cNvPr id="1" name="Shape 241"/>
+        <p:cNvGrpSpPr/>
+        <p:nvPr/>
+      </p:nvGrpSpPr>
+      <p:grpSpPr>
+        <a:xfrm>
+          <a:off x="0" y="0"/>
+          <a:ext cx="0" cy="0"/>
+          <a:chOff x="0" y="0"/>
+          <a:chExt cx="0" cy="0"/>
+        </a:xfrm>
+      </p:grpSpPr>
+      <p:sp>
+        <p:nvSpPr>
+          <p:cNvPr id="242" name="Google Shape;242;g21c03c1d1e6_1_140:notes"/>
+          <p:cNvSpPr txBox="1">
+            <a:spLocks noGrp="1"/>
+          </p:cNvSpPr>
+          <p:nvPr>
+            <p:ph type="body" idx="1"/>
+          </p:nvPr>
+        </p:nvSpPr>
+        <p:spPr>
+          <a:xfrm>
+            <a:off x="685800" y="4343400"/>
+            <a:ext cx="5486400" cy="4114800"/>
+          </a:xfrm>
+          <a:prstGeom prst="rect">
+            <a:avLst/>
+          </a:prstGeom>
+        </p:spPr>
+        <p:txBody>
+          <a:bodyPr spcFirstLastPara="1" wrap="square" lIns="91425" tIns="91425" rIns="91425" bIns="91425" anchor="t" anchorCtr="0">
+            <a:noAutofit/>
+          </a:bodyPr>
+          <a:lstStyle/>
+          <a:p>
+            <a:pPr marL="0" lvl="0" indent="0" algn="l" rtl="0">
+              <a:spcBef>
+                <a:spcPts val="0"/>
+              </a:spcBef>
+              <a:spcAft>
+                <a:spcPts val="0"/>
+              </a:spcAft>
+              <a:buNone/>
+            </a:pPr>
+            <a:endParaRPr/>
+          </a:p>
+        </p:txBody>
+      </p:sp>
+      <p:sp>
+        <p:nvSpPr>
+          <p:cNvPr id="243" name="Google Shape;243;g21c03c1d1e6_1_140:notes"/>
+          <p:cNvSpPr>
+            <a:spLocks noGrp="1" noRot="1" noChangeAspect="1"/>
+          </p:cNvSpPr>
+          <p:nvPr>
+            <p:ph type="sldImg" idx="2"/>
+          </p:nvPr>
+        </p:nvSpPr>
+        <p:spPr>
+          <a:xfrm>
+            <a:off x="381000" y="685800"/>
+            <a:ext cx="6096000" cy="3429000"/>
+          </a:xfrm>
+          <a:custGeom>
+            <a:avLst/>
+            <a:gdLst/>
+            <a:ahLst/>
+            <a:cxnLst/>
+            <a:rect l="l" t="t" r="r" b="b"/>
+            <a:pathLst>
+              <a:path w="120000" h="120000" extrusionOk="0">
+                <a:moveTo>
+                  <a:pt x="0" y="0"/>
+                </a:moveTo>
+                <a:lnTo>
+                  <a:pt x="120000" y="0"/>
+                </a:lnTo>
+                <a:lnTo>
+                  <a:pt x="120000" y="120000"/>
+                </a:lnTo>
+                <a:lnTo>
+                  <a:pt x="0" y="120000"/>
+                </a:lnTo>
+                <a:close/>
+              </a:path>
+            </a:pathLst>
+          </a:custGeom>
+        </p:spPr>
+      </p:sp>
+    </p:spTree>
+  </p:cSld>
+  <p:clrMapOvr>
+    <a:masterClrMapping/>
+  </p:clrMapOvr>
+</p:notes>
+</file>
+
+<file path=ppt/notesSlides/notesSlide24.xml><?xml version="1.0" encoding="utf-8"?>
+<p:notes xmlns:a="http://schemas.openxmlformats.org/drawingml/2006/main" xmlns:r="http://schemas.openxmlformats.org/officeDocument/2006/relationships" xmlns:p="http://schemas.openxmlformats.org/presentationml/2006/main" showMasterSp="0" showMasterPhAnim="0">
+  <p:cSld>
+    <p:spTree>
+      <p:nvGrpSpPr>
         <p:cNvPr id="1" name="Shape 247"/>
         <p:cNvGrpSpPr/>
         <p:nvPr/>
@@ -2480,7 +3108,7 @@
 </p:notes>
 </file>
 
-<file path=ppt/notesSlides/notesSlide21.xml><?xml version="1.0" encoding="utf-8"?>
+<file path=ppt/notesSlides/notesSlide25.xml><?xml version="1.0" encoding="utf-8"?>
 <p:notes xmlns:a="http://schemas.openxmlformats.org/drawingml/2006/main" xmlns:r="http://schemas.openxmlformats.org/officeDocument/2006/relationships" xmlns:p="http://schemas.openxmlformats.org/presentationml/2006/main" showMasterSp="0" showMasterPhAnim="0">
   <p:cSld>
     <p:spTree>
@@ -2584,7 +3212,7 @@
 </p:notes>
 </file>
 
-<file path=ppt/notesSlides/notesSlide22.xml><?xml version="1.0" encoding="utf-8"?>
+<file path=ppt/notesSlides/notesSlide26.xml><?xml version="1.0" encoding="utf-8"?>
 <p:notes xmlns:a="http://schemas.openxmlformats.org/drawingml/2006/main" xmlns:r="http://schemas.openxmlformats.org/officeDocument/2006/relationships" xmlns:p="http://schemas.openxmlformats.org/presentationml/2006/main" showMasterSp="0" showMasterPhAnim="0">
   <p:cSld>
     <p:spTree>
@@ -2688,7 +3316,7 @@
 </p:notes>
 </file>
 
-<file path=ppt/notesSlides/notesSlide23.xml><?xml version="1.0" encoding="utf-8"?>
+<file path=ppt/notesSlides/notesSlide27.xml><?xml version="1.0" encoding="utf-8"?>
 <p:notes xmlns:a="http://schemas.openxmlformats.org/drawingml/2006/main" xmlns:r="http://schemas.openxmlformats.org/officeDocument/2006/relationships" xmlns:p="http://schemas.openxmlformats.org/presentationml/2006/main" showMasterSp="0" showMasterPhAnim="0">
   <p:cSld>
     <p:spTree>
@@ -2792,7 +3420,7 @@
 </p:notes>
 </file>
 
-<file path=ppt/notesSlides/notesSlide24.xml><?xml version="1.0" encoding="utf-8"?>
+<file path=ppt/notesSlides/notesSlide28.xml><?xml version="1.0" encoding="utf-8"?>
 <p:notes xmlns:a="http://schemas.openxmlformats.org/drawingml/2006/main" xmlns:r="http://schemas.openxmlformats.org/officeDocument/2006/relationships" xmlns:p="http://schemas.openxmlformats.org/presentationml/2006/main" showMasterSp="0" showMasterPhAnim="0">
   <p:cSld>
     <p:spTree>
@@ -2859,8 +3487,8 @@
         </p:nvSpPr>
         <p:spPr>
           <a:xfrm>
-            <a:off x="1143225" y="685800"/>
-            <a:ext cx="4572225" cy="3429000"/>
+            <a:off x="381000" y="685800"/>
+            <a:ext cx="6096000" cy="3429000"/>
           </a:xfrm>
           <a:custGeom>
             <a:avLst/>
@@ -2896,7 +3524,7 @@
 </p:notes>
 </file>
 
-<file path=ppt/notesSlides/notesSlide25.xml><?xml version="1.0" encoding="utf-8"?>
+<file path=ppt/notesSlides/notesSlide29.xml><?xml version="1.0" encoding="utf-8"?>
 <p:notes xmlns:a="http://schemas.openxmlformats.org/drawingml/2006/main" xmlns:r="http://schemas.openxmlformats.org/officeDocument/2006/relationships" xmlns:p="http://schemas.openxmlformats.org/presentationml/2006/main" showMasterSp="0" showMasterPhAnim="0">
   <p:cSld>
     <p:spTree>
@@ -2998,422 +3626,6 @@
         <p14:creationId xmlns:p14="http://schemas.microsoft.com/office/powerpoint/2010/main" val="1551990216"/>
       </p:ext>
     </p:extLst>
-  </p:cSld>
-  <p:clrMapOvr>
-    <a:masterClrMapping/>
-  </p:clrMapOvr>
-</p:notes>
-</file>
-
-<file path=ppt/notesSlides/notesSlide26.xml><?xml version="1.0" encoding="utf-8"?>
-<p:notes xmlns:a="http://schemas.openxmlformats.org/drawingml/2006/main" xmlns:r="http://schemas.openxmlformats.org/officeDocument/2006/relationships" xmlns:p="http://schemas.openxmlformats.org/presentationml/2006/main" showMasterSp="0" showMasterPhAnim="0">
-  <p:cSld>
-    <p:spTree>
-      <p:nvGrpSpPr>
-        <p:cNvPr id="1" name="Shape 306"/>
-        <p:cNvGrpSpPr/>
-        <p:nvPr/>
-      </p:nvGrpSpPr>
-      <p:grpSpPr>
-        <a:xfrm>
-          <a:off x="0" y="0"/>
-          <a:ext cx="0" cy="0"/>
-          <a:chOff x="0" y="0"/>
-          <a:chExt cx="0" cy="0"/>
-        </a:xfrm>
-      </p:grpSpPr>
-      <p:sp>
-        <p:nvSpPr>
-          <p:cNvPr id="307" name="Google Shape;307;g21c03c1d1e6_1_196:notes"/>
-          <p:cNvSpPr txBox="1">
-            <a:spLocks noGrp="1"/>
-          </p:cNvSpPr>
-          <p:nvPr>
-            <p:ph type="body" idx="1"/>
-          </p:nvPr>
-        </p:nvSpPr>
-        <p:spPr>
-          <a:xfrm>
-            <a:off x="685800" y="4343400"/>
-            <a:ext cx="5486400" cy="4114800"/>
-          </a:xfrm>
-          <a:prstGeom prst="rect">
-            <a:avLst/>
-          </a:prstGeom>
-        </p:spPr>
-        <p:txBody>
-          <a:bodyPr spcFirstLastPara="1" wrap="square" lIns="91425" tIns="91425" rIns="91425" bIns="91425" anchor="t" anchorCtr="0">
-            <a:noAutofit/>
-          </a:bodyPr>
-          <a:lstStyle/>
-          <a:p>
-            <a:pPr marL="0" lvl="0" indent="0" algn="l" rtl="0">
-              <a:spcBef>
-                <a:spcPts val="0"/>
-              </a:spcBef>
-              <a:spcAft>
-                <a:spcPts val="0"/>
-              </a:spcAft>
-              <a:buNone/>
-            </a:pPr>
-            <a:endParaRPr/>
-          </a:p>
-        </p:txBody>
-      </p:sp>
-      <p:sp>
-        <p:nvSpPr>
-          <p:cNvPr id="308" name="Google Shape;308;g21c03c1d1e6_1_196:notes"/>
-          <p:cNvSpPr>
-            <a:spLocks noGrp="1" noRot="1" noChangeAspect="1"/>
-          </p:cNvSpPr>
-          <p:nvPr>
-            <p:ph type="sldImg" idx="2"/>
-          </p:nvPr>
-        </p:nvSpPr>
-        <p:spPr>
-          <a:xfrm>
-            <a:off x="1143225" y="685800"/>
-            <a:ext cx="4572225" cy="3429000"/>
-          </a:xfrm>
-          <a:custGeom>
-            <a:avLst/>
-            <a:gdLst/>
-            <a:ahLst/>
-            <a:cxnLst/>
-            <a:rect l="l" t="t" r="r" b="b"/>
-            <a:pathLst>
-              <a:path w="120000" h="120000" extrusionOk="0">
-                <a:moveTo>
-                  <a:pt x="0" y="0"/>
-                </a:moveTo>
-                <a:lnTo>
-                  <a:pt x="120000" y="0"/>
-                </a:lnTo>
-                <a:lnTo>
-                  <a:pt x="120000" y="120000"/>
-                </a:lnTo>
-                <a:lnTo>
-                  <a:pt x="0" y="120000"/>
-                </a:lnTo>
-                <a:close/>
-              </a:path>
-            </a:pathLst>
-          </a:custGeom>
-        </p:spPr>
-      </p:sp>
-    </p:spTree>
-  </p:cSld>
-  <p:clrMapOvr>
-    <a:masterClrMapping/>
-  </p:clrMapOvr>
-</p:notes>
-</file>
-
-<file path=ppt/notesSlides/notesSlide27.xml><?xml version="1.0" encoding="utf-8"?>
-<p:notes xmlns:a="http://schemas.openxmlformats.org/drawingml/2006/main" xmlns:r="http://schemas.openxmlformats.org/officeDocument/2006/relationships" xmlns:p="http://schemas.openxmlformats.org/presentationml/2006/main" showMasterSp="0" showMasterPhAnim="0">
-  <p:cSld>
-    <p:spTree>
-      <p:nvGrpSpPr>
-        <p:cNvPr id="1" name="Shape 314"/>
-        <p:cNvGrpSpPr/>
-        <p:nvPr/>
-      </p:nvGrpSpPr>
-      <p:grpSpPr>
-        <a:xfrm>
-          <a:off x="0" y="0"/>
-          <a:ext cx="0" cy="0"/>
-          <a:chOff x="0" y="0"/>
-          <a:chExt cx="0" cy="0"/>
-        </a:xfrm>
-      </p:grpSpPr>
-      <p:sp>
-        <p:nvSpPr>
-          <p:cNvPr id="315" name="Google Shape;315;g21c03c1d1e6_1_202:notes"/>
-          <p:cNvSpPr txBox="1">
-            <a:spLocks noGrp="1"/>
-          </p:cNvSpPr>
-          <p:nvPr>
-            <p:ph type="body" idx="1"/>
-          </p:nvPr>
-        </p:nvSpPr>
-        <p:spPr>
-          <a:xfrm>
-            <a:off x="685800" y="4343400"/>
-            <a:ext cx="5486400" cy="4114800"/>
-          </a:xfrm>
-          <a:prstGeom prst="rect">
-            <a:avLst/>
-          </a:prstGeom>
-        </p:spPr>
-        <p:txBody>
-          <a:bodyPr spcFirstLastPara="1" wrap="square" lIns="91425" tIns="91425" rIns="91425" bIns="91425" anchor="t" anchorCtr="0">
-            <a:noAutofit/>
-          </a:bodyPr>
-          <a:lstStyle/>
-          <a:p>
-            <a:pPr marL="0" lvl="0" indent="0" algn="l" rtl="0">
-              <a:spcBef>
-                <a:spcPts val="0"/>
-              </a:spcBef>
-              <a:spcAft>
-                <a:spcPts val="0"/>
-              </a:spcAft>
-              <a:buNone/>
-            </a:pPr>
-            <a:endParaRPr/>
-          </a:p>
-        </p:txBody>
-      </p:sp>
-      <p:sp>
-        <p:nvSpPr>
-          <p:cNvPr id="316" name="Google Shape;316;g21c03c1d1e6_1_202:notes"/>
-          <p:cNvSpPr>
-            <a:spLocks noGrp="1" noRot="1" noChangeAspect="1"/>
-          </p:cNvSpPr>
-          <p:nvPr>
-            <p:ph type="sldImg" idx="2"/>
-          </p:nvPr>
-        </p:nvSpPr>
-        <p:spPr>
-          <a:xfrm>
-            <a:off x="1143225" y="685800"/>
-            <a:ext cx="4572225" cy="3429000"/>
-          </a:xfrm>
-          <a:custGeom>
-            <a:avLst/>
-            <a:gdLst/>
-            <a:ahLst/>
-            <a:cxnLst/>
-            <a:rect l="l" t="t" r="r" b="b"/>
-            <a:pathLst>
-              <a:path w="120000" h="120000" extrusionOk="0">
-                <a:moveTo>
-                  <a:pt x="0" y="0"/>
-                </a:moveTo>
-                <a:lnTo>
-                  <a:pt x="120000" y="0"/>
-                </a:lnTo>
-                <a:lnTo>
-                  <a:pt x="120000" y="120000"/>
-                </a:lnTo>
-                <a:lnTo>
-                  <a:pt x="0" y="120000"/>
-                </a:lnTo>
-                <a:close/>
-              </a:path>
-            </a:pathLst>
-          </a:custGeom>
-        </p:spPr>
-      </p:sp>
-    </p:spTree>
-  </p:cSld>
-  <p:clrMapOvr>
-    <a:masterClrMapping/>
-  </p:clrMapOvr>
-</p:notes>
-</file>
-
-<file path=ppt/notesSlides/notesSlide28.xml><?xml version="1.0" encoding="utf-8"?>
-<p:notes xmlns:a="http://schemas.openxmlformats.org/drawingml/2006/main" xmlns:r="http://schemas.openxmlformats.org/officeDocument/2006/relationships" xmlns:p="http://schemas.openxmlformats.org/presentationml/2006/main" showMasterSp="0" showMasterPhAnim="0">
-  <p:cSld>
-    <p:spTree>
-      <p:nvGrpSpPr>
-        <p:cNvPr id="1" name="Shape 324"/>
-        <p:cNvGrpSpPr/>
-        <p:nvPr/>
-      </p:nvGrpSpPr>
-      <p:grpSpPr>
-        <a:xfrm>
-          <a:off x="0" y="0"/>
-          <a:ext cx="0" cy="0"/>
-          <a:chOff x="0" y="0"/>
-          <a:chExt cx="0" cy="0"/>
-        </a:xfrm>
-      </p:grpSpPr>
-      <p:sp>
-        <p:nvSpPr>
-          <p:cNvPr id="325" name="Google Shape;325;g21c03c1d1e6_1_210:notes"/>
-          <p:cNvSpPr txBox="1">
-            <a:spLocks noGrp="1"/>
-          </p:cNvSpPr>
-          <p:nvPr>
-            <p:ph type="body" idx="1"/>
-          </p:nvPr>
-        </p:nvSpPr>
-        <p:spPr>
-          <a:xfrm>
-            <a:off x="685800" y="4343400"/>
-            <a:ext cx="5486400" cy="4114800"/>
-          </a:xfrm>
-          <a:prstGeom prst="rect">
-            <a:avLst/>
-          </a:prstGeom>
-        </p:spPr>
-        <p:txBody>
-          <a:bodyPr spcFirstLastPara="1" wrap="square" lIns="91425" tIns="91425" rIns="91425" bIns="91425" anchor="t" anchorCtr="0">
-            <a:noAutofit/>
-          </a:bodyPr>
-          <a:lstStyle/>
-          <a:p>
-            <a:pPr marL="0" lvl="0" indent="0" algn="l" rtl="0">
-              <a:spcBef>
-                <a:spcPts val="0"/>
-              </a:spcBef>
-              <a:spcAft>
-                <a:spcPts val="0"/>
-              </a:spcAft>
-              <a:buNone/>
-            </a:pPr>
-            <a:endParaRPr/>
-          </a:p>
-        </p:txBody>
-      </p:sp>
-      <p:sp>
-        <p:nvSpPr>
-          <p:cNvPr id="326" name="Google Shape;326;g21c03c1d1e6_1_210:notes"/>
-          <p:cNvSpPr>
-            <a:spLocks noGrp="1" noRot="1" noChangeAspect="1"/>
-          </p:cNvSpPr>
-          <p:nvPr>
-            <p:ph type="sldImg" idx="2"/>
-          </p:nvPr>
-        </p:nvSpPr>
-        <p:spPr>
-          <a:xfrm>
-            <a:off x="1143225" y="685800"/>
-            <a:ext cx="4572225" cy="3429000"/>
-          </a:xfrm>
-          <a:custGeom>
-            <a:avLst/>
-            <a:gdLst/>
-            <a:ahLst/>
-            <a:cxnLst/>
-            <a:rect l="l" t="t" r="r" b="b"/>
-            <a:pathLst>
-              <a:path w="120000" h="120000" extrusionOk="0">
-                <a:moveTo>
-                  <a:pt x="0" y="0"/>
-                </a:moveTo>
-                <a:lnTo>
-                  <a:pt x="120000" y="0"/>
-                </a:lnTo>
-                <a:lnTo>
-                  <a:pt x="120000" y="120000"/>
-                </a:lnTo>
-                <a:lnTo>
-                  <a:pt x="0" y="120000"/>
-                </a:lnTo>
-                <a:close/>
-              </a:path>
-            </a:pathLst>
-          </a:custGeom>
-        </p:spPr>
-      </p:sp>
-    </p:spTree>
-  </p:cSld>
-  <p:clrMapOvr>
-    <a:masterClrMapping/>
-  </p:clrMapOvr>
-</p:notes>
-</file>
-
-<file path=ppt/notesSlides/notesSlide29.xml><?xml version="1.0" encoding="utf-8"?>
-<p:notes xmlns:a="http://schemas.openxmlformats.org/drawingml/2006/main" xmlns:r="http://schemas.openxmlformats.org/officeDocument/2006/relationships" xmlns:p="http://schemas.openxmlformats.org/presentationml/2006/main" showMasterSp="0" showMasterPhAnim="0">
-  <p:cSld>
-    <p:spTree>
-      <p:nvGrpSpPr>
-        <p:cNvPr id="1" name="Shape 334"/>
-        <p:cNvGrpSpPr/>
-        <p:nvPr/>
-      </p:nvGrpSpPr>
-      <p:grpSpPr>
-        <a:xfrm>
-          <a:off x="0" y="0"/>
-          <a:ext cx="0" cy="0"/>
-          <a:chOff x="0" y="0"/>
-          <a:chExt cx="0" cy="0"/>
-        </a:xfrm>
-      </p:grpSpPr>
-      <p:sp>
-        <p:nvSpPr>
-          <p:cNvPr id="335" name="Google Shape;335;g21c03c1d1e6_1_219:notes"/>
-          <p:cNvSpPr txBox="1">
-            <a:spLocks noGrp="1"/>
-          </p:cNvSpPr>
-          <p:nvPr>
-            <p:ph type="body" idx="1"/>
-          </p:nvPr>
-        </p:nvSpPr>
-        <p:spPr>
-          <a:xfrm>
-            <a:off x="685800" y="4343400"/>
-            <a:ext cx="5486400" cy="4114800"/>
-          </a:xfrm>
-          <a:prstGeom prst="rect">
-            <a:avLst/>
-          </a:prstGeom>
-        </p:spPr>
-        <p:txBody>
-          <a:bodyPr spcFirstLastPara="1" wrap="square" lIns="91425" tIns="91425" rIns="91425" bIns="91425" anchor="t" anchorCtr="0">
-            <a:noAutofit/>
-          </a:bodyPr>
-          <a:lstStyle/>
-          <a:p>
-            <a:pPr marL="0" lvl="0" indent="0" algn="l" rtl="0">
-              <a:spcBef>
-                <a:spcPts val="0"/>
-              </a:spcBef>
-              <a:spcAft>
-                <a:spcPts val="0"/>
-              </a:spcAft>
-              <a:buNone/>
-            </a:pPr>
-            <a:endParaRPr/>
-          </a:p>
-        </p:txBody>
-      </p:sp>
-      <p:sp>
-        <p:nvSpPr>
-          <p:cNvPr id="336" name="Google Shape;336;g21c03c1d1e6_1_219:notes"/>
-          <p:cNvSpPr>
-            <a:spLocks noGrp="1" noRot="1" noChangeAspect="1"/>
-          </p:cNvSpPr>
-          <p:nvPr>
-            <p:ph type="sldImg" idx="2"/>
-          </p:nvPr>
-        </p:nvSpPr>
-        <p:spPr>
-          <a:xfrm>
-            <a:off x="1143225" y="685800"/>
-            <a:ext cx="4572225" cy="3429000"/>
-          </a:xfrm>
-          <a:custGeom>
-            <a:avLst/>
-            <a:gdLst/>
-            <a:ahLst/>
-            <a:cxnLst/>
-            <a:rect l="l" t="t" r="r" b="b"/>
-            <a:pathLst>
-              <a:path w="120000" h="120000" extrusionOk="0">
-                <a:moveTo>
-                  <a:pt x="0" y="0"/>
-                </a:moveTo>
-                <a:lnTo>
-                  <a:pt x="120000" y="0"/>
-                </a:lnTo>
-                <a:lnTo>
-                  <a:pt x="120000" y="120000"/>
-                </a:lnTo>
-                <a:lnTo>
-                  <a:pt x="0" y="120000"/>
-                </a:lnTo>
-                <a:close/>
-              </a:path>
-            </a:pathLst>
-          </a:custGeom>
-        </p:spPr>
-      </p:sp>
-    </p:spTree>
   </p:cSld>
   <p:clrMapOvr>
     <a:masterClrMapping/>
@@ -3530,6 +3742,422 @@
   <p:cSld>
     <p:spTree>
       <p:nvGrpSpPr>
+        <p:cNvPr id="1" name="Shape 306"/>
+        <p:cNvGrpSpPr/>
+        <p:nvPr/>
+      </p:nvGrpSpPr>
+      <p:grpSpPr>
+        <a:xfrm>
+          <a:off x="0" y="0"/>
+          <a:ext cx="0" cy="0"/>
+          <a:chOff x="0" y="0"/>
+          <a:chExt cx="0" cy="0"/>
+        </a:xfrm>
+      </p:grpSpPr>
+      <p:sp>
+        <p:nvSpPr>
+          <p:cNvPr id="307" name="Google Shape;307;g21c03c1d1e6_1_196:notes"/>
+          <p:cNvSpPr txBox="1">
+            <a:spLocks noGrp="1"/>
+          </p:cNvSpPr>
+          <p:nvPr>
+            <p:ph type="body" idx="1"/>
+          </p:nvPr>
+        </p:nvSpPr>
+        <p:spPr>
+          <a:xfrm>
+            <a:off x="685800" y="4343400"/>
+            <a:ext cx="5486400" cy="4114800"/>
+          </a:xfrm>
+          <a:prstGeom prst="rect">
+            <a:avLst/>
+          </a:prstGeom>
+        </p:spPr>
+        <p:txBody>
+          <a:bodyPr spcFirstLastPara="1" wrap="square" lIns="91425" tIns="91425" rIns="91425" bIns="91425" anchor="t" anchorCtr="0">
+            <a:noAutofit/>
+          </a:bodyPr>
+          <a:lstStyle/>
+          <a:p>
+            <a:pPr marL="0" lvl="0" indent="0" algn="l" rtl="0">
+              <a:spcBef>
+                <a:spcPts val="0"/>
+              </a:spcBef>
+              <a:spcAft>
+                <a:spcPts val="0"/>
+              </a:spcAft>
+              <a:buNone/>
+            </a:pPr>
+            <a:endParaRPr/>
+          </a:p>
+        </p:txBody>
+      </p:sp>
+      <p:sp>
+        <p:nvSpPr>
+          <p:cNvPr id="308" name="Google Shape;308;g21c03c1d1e6_1_196:notes"/>
+          <p:cNvSpPr>
+            <a:spLocks noGrp="1" noRot="1" noChangeAspect="1"/>
+          </p:cNvSpPr>
+          <p:nvPr>
+            <p:ph type="sldImg" idx="2"/>
+          </p:nvPr>
+        </p:nvSpPr>
+        <p:spPr>
+          <a:xfrm>
+            <a:off x="1143225" y="685800"/>
+            <a:ext cx="4572225" cy="3429000"/>
+          </a:xfrm>
+          <a:custGeom>
+            <a:avLst/>
+            <a:gdLst/>
+            <a:ahLst/>
+            <a:cxnLst/>
+            <a:rect l="l" t="t" r="r" b="b"/>
+            <a:pathLst>
+              <a:path w="120000" h="120000" extrusionOk="0">
+                <a:moveTo>
+                  <a:pt x="0" y="0"/>
+                </a:moveTo>
+                <a:lnTo>
+                  <a:pt x="120000" y="0"/>
+                </a:lnTo>
+                <a:lnTo>
+                  <a:pt x="120000" y="120000"/>
+                </a:lnTo>
+                <a:lnTo>
+                  <a:pt x="0" y="120000"/>
+                </a:lnTo>
+                <a:close/>
+              </a:path>
+            </a:pathLst>
+          </a:custGeom>
+        </p:spPr>
+      </p:sp>
+    </p:spTree>
+  </p:cSld>
+  <p:clrMapOvr>
+    <a:masterClrMapping/>
+  </p:clrMapOvr>
+</p:notes>
+</file>
+
+<file path=ppt/notesSlides/notesSlide31.xml><?xml version="1.0" encoding="utf-8"?>
+<p:notes xmlns:a="http://schemas.openxmlformats.org/drawingml/2006/main" xmlns:r="http://schemas.openxmlformats.org/officeDocument/2006/relationships" xmlns:p="http://schemas.openxmlformats.org/presentationml/2006/main" showMasterSp="0" showMasterPhAnim="0">
+  <p:cSld>
+    <p:spTree>
+      <p:nvGrpSpPr>
+        <p:cNvPr id="1" name="Shape 314"/>
+        <p:cNvGrpSpPr/>
+        <p:nvPr/>
+      </p:nvGrpSpPr>
+      <p:grpSpPr>
+        <a:xfrm>
+          <a:off x="0" y="0"/>
+          <a:ext cx="0" cy="0"/>
+          <a:chOff x="0" y="0"/>
+          <a:chExt cx="0" cy="0"/>
+        </a:xfrm>
+      </p:grpSpPr>
+      <p:sp>
+        <p:nvSpPr>
+          <p:cNvPr id="315" name="Google Shape;315;g21c03c1d1e6_1_202:notes"/>
+          <p:cNvSpPr txBox="1">
+            <a:spLocks noGrp="1"/>
+          </p:cNvSpPr>
+          <p:nvPr>
+            <p:ph type="body" idx="1"/>
+          </p:nvPr>
+        </p:nvSpPr>
+        <p:spPr>
+          <a:xfrm>
+            <a:off x="685800" y="4343400"/>
+            <a:ext cx="5486400" cy="4114800"/>
+          </a:xfrm>
+          <a:prstGeom prst="rect">
+            <a:avLst/>
+          </a:prstGeom>
+        </p:spPr>
+        <p:txBody>
+          <a:bodyPr spcFirstLastPara="1" wrap="square" lIns="91425" tIns="91425" rIns="91425" bIns="91425" anchor="t" anchorCtr="0">
+            <a:noAutofit/>
+          </a:bodyPr>
+          <a:lstStyle/>
+          <a:p>
+            <a:pPr marL="0" lvl="0" indent="0" algn="l" rtl="0">
+              <a:spcBef>
+                <a:spcPts val="0"/>
+              </a:spcBef>
+              <a:spcAft>
+                <a:spcPts val="0"/>
+              </a:spcAft>
+              <a:buNone/>
+            </a:pPr>
+            <a:endParaRPr/>
+          </a:p>
+        </p:txBody>
+      </p:sp>
+      <p:sp>
+        <p:nvSpPr>
+          <p:cNvPr id="316" name="Google Shape;316;g21c03c1d1e6_1_202:notes"/>
+          <p:cNvSpPr>
+            <a:spLocks noGrp="1" noRot="1" noChangeAspect="1"/>
+          </p:cNvSpPr>
+          <p:nvPr>
+            <p:ph type="sldImg" idx="2"/>
+          </p:nvPr>
+        </p:nvSpPr>
+        <p:spPr>
+          <a:xfrm>
+            <a:off x="1143225" y="685800"/>
+            <a:ext cx="4572225" cy="3429000"/>
+          </a:xfrm>
+          <a:custGeom>
+            <a:avLst/>
+            <a:gdLst/>
+            <a:ahLst/>
+            <a:cxnLst/>
+            <a:rect l="l" t="t" r="r" b="b"/>
+            <a:pathLst>
+              <a:path w="120000" h="120000" extrusionOk="0">
+                <a:moveTo>
+                  <a:pt x="0" y="0"/>
+                </a:moveTo>
+                <a:lnTo>
+                  <a:pt x="120000" y="0"/>
+                </a:lnTo>
+                <a:lnTo>
+                  <a:pt x="120000" y="120000"/>
+                </a:lnTo>
+                <a:lnTo>
+                  <a:pt x="0" y="120000"/>
+                </a:lnTo>
+                <a:close/>
+              </a:path>
+            </a:pathLst>
+          </a:custGeom>
+        </p:spPr>
+      </p:sp>
+    </p:spTree>
+  </p:cSld>
+  <p:clrMapOvr>
+    <a:masterClrMapping/>
+  </p:clrMapOvr>
+</p:notes>
+</file>
+
+<file path=ppt/notesSlides/notesSlide32.xml><?xml version="1.0" encoding="utf-8"?>
+<p:notes xmlns:a="http://schemas.openxmlformats.org/drawingml/2006/main" xmlns:r="http://schemas.openxmlformats.org/officeDocument/2006/relationships" xmlns:p="http://schemas.openxmlformats.org/presentationml/2006/main" showMasterSp="0" showMasterPhAnim="0">
+  <p:cSld>
+    <p:spTree>
+      <p:nvGrpSpPr>
+        <p:cNvPr id="1" name="Shape 324"/>
+        <p:cNvGrpSpPr/>
+        <p:nvPr/>
+      </p:nvGrpSpPr>
+      <p:grpSpPr>
+        <a:xfrm>
+          <a:off x="0" y="0"/>
+          <a:ext cx="0" cy="0"/>
+          <a:chOff x="0" y="0"/>
+          <a:chExt cx="0" cy="0"/>
+        </a:xfrm>
+      </p:grpSpPr>
+      <p:sp>
+        <p:nvSpPr>
+          <p:cNvPr id="325" name="Google Shape;325;g21c03c1d1e6_1_210:notes"/>
+          <p:cNvSpPr txBox="1">
+            <a:spLocks noGrp="1"/>
+          </p:cNvSpPr>
+          <p:nvPr>
+            <p:ph type="body" idx="1"/>
+          </p:nvPr>
+        </p:nvSpPr>
+        <p:spPr>
+          <a:xfrm>
+            <a:off x="685800" y="4343400"/>
+            <a:ext cx="5486400" cy="4114800"/>
+          </a:xfrm>
+          <a:prstGeom prst="rect">
+            <a:avLst/>
+          </a:prstGeom>
+        </p:spPr>
+        <p:txBody>
+          <a:bodyPr spcFirstLastPara="1" wrap="square" lIns="91425" tIns="91425" rIns="91425" bIns="91425" anchor="t" anchorCtr="0">
+            <a:noAutofit/>
+          </a:bodyPr>
+          <a:lstStyle/>
+          <a:p>
+            <a:pPr marL="0" lvl="0" indent="0" algn="l" rtl="0">
+              <a:spcBef>
+                <a:spcPts val="0"/>
+              </a:spcBef>
+              <a:spcAft>
+                <a:spcPts val="0"/>
+              </a:spcAft>
+              <a:buNone/>
+            </a:pPr>
+            <a:endParaRPr/>
+          </a:p>
+        </p:txBody>
+      </p:sp>
+      <p:sp>
+        <p:nvSpPr>
+          <p:cNvPr id="326" name="Google Shape;326;g21c03c1d1e6_1_210:notes"/>
+          <p:cNvSpPr>
+            <a:spLocks noGrp="1" noRot="1" noChangeAspect="1"/>
+          </p:cNvSpPr>
+          <p:nvPr>
+            <p:ph type="sldImg" idx="2"/>
+          </p:nvPr>
+        </p:nvSpPr>
+        <p:spPr>
+          <a:xfrm>
+            <a:off x="1143225" y="685800"/>
+            <a:ext cx="4572225" cy="3429000"/>
+          </a:xfrm>
+          <a:custGeom>
+            <a:avLst/>
+            <a:gdLst/>
+            <a:ahLst/>
+            <a:cxnLst/>
+            <a:rect l="l" t="t" r="r" b="b"/>
+            <a:pathLst>
+              <a:path w="120000" h="120000" extrusionOk="0">
+                <a:moveTo>
+                  <a:pt x="0" y="0"/>
+                </a:moveTo>
+                <a:lnTo>
+                  <a:pt x="120000" y="0"/>
+                </a:lnTo>
+                <a:lnTo>
+                  <a:pt x="120000" y="120000"/>
+                </a:lnTo>
+                <a:lnTo>
+                  <a:pt x="0" y="120000"/>
+                </a:lnTo>
+                <a:close/>
+              </a:path>
+            </a:pathLst>
+          </a:custGeom>
+        </p:spPr>
+      </p:sp>
+    </p:spTree>
+  </p:cSld>
+  <p:clrMapOvr>
+    <a:masterClrMapping/>
+  </p:clrMapOvr>
+</p:notes>
+</file>
+
+<file path=ppt/notesSlides/notesSlide33.xml><?xml version="1.0" encoding="utf-8"?>
+<p:notes xmlns:a="http://schemas.openxmlformats.org/drawingml/2006/main" xmlns:r="http://schemas.openxmlformats.org/officeDocument/2006/relationships" xmlns:p="http://schemas.openxmlformats.org/presentationml/2006/main" showMasterSp="0" showMasterPhAnim="0">
+  <p:cSld>
+    <p:spTree>
+      <p:nvGrpSpPr>
+        <p:cNvPr id="1" name="Shape 334"/>
+        <p:cNvGrpSpPr/>
+        <p:nvPr/>
+      </p:nvGrpSpPr>
+      <p:grpSpPr>
+        <a:xfrm>
+          <a:off x="0" y="0"/>
+          <a:ext cx="0" cy="0"/>
+          <a:chOff x="0" y="0"/>
+          <a:chExt cx="0" cy="0"/>
+        </a:xfrm>
+      </p:grpSpPr>
+      <p:sp>
+        <p:nvSpPr>
+          <p:cNvPr id="335" name="Google Shape;335;g21c03c1d1e6_1_219:notes"/>
+          <p:cNvSpPr txBox="1">
+            <a:spLocks noGrp="1"/>
+          </p:cNvSpPr>
+          <p:nvPr>
+            <p:ph type="body" idx="1"/>
+          </p:nvPr>
+        </p:nvSpPr>
+        <p:spPr>
+          <a:xfrm>
+            <a:off x="685800" y="4343400"/>
+            <a:ext cx="5486400" cy="4114800"/>
+          </a:xfrm>
+          <a:prstGeom prst="rect">
+            <a:avLst/>
+          </a:prstGeom>
+        </p:spPr>
+        <p:txBody>
+          <a:bodyPr spcFirstLastPara="1" wrap="square" lIns="91425" tIns="91425" rIns="91425" bIns="91425" anchor="t" anchorCtr="0">
+            <a:noAutofit/>
+          </a:bodyPr>
+          <a:lstStyle/>
+          <a:p>
+            <a:pPr marL="0" lvl="0" indent="0" algn="l" rtl="0">
+              <a:spcBef>
+                <a:spcPts val="0"/>
+              </a:spcBef>
+              <a:spcAft>
+                <a:spcPts val="0"/>
+              </a:spcAft>
+              <a:buNone/>
+            </a:pPr>
+            <a:endParaRPr/>
+          </a:p>
+        </p:txBody>
+      </p:sp>
+      <p:sp>
+        <p:nvSpPr>
+          <p:cNvPr id="336" name="Google Shape;336;g21c03c1d1e6_1_219:notes"/>
+          <p:cNvSpPr>
+            <a:spLocks noGrp="1" noRot="1" noChangeAspect="1"/>
+          </p:cNvSpPr>
+          <p:nvPr>
+            <p:ph type="sldImg" idx="2"/>
+          </p:nvPr>
+        </p:nvSpPr>
+        <p:spPr>
+          <a:xfrm>
+            <a:off x="1143225" y="685800"/>
+            <a:ext cx="4572225" cy="3429000"/>
+          </a:xfrm>
+          <a:custGeom>
+            <a:avLst/>
+            <a:gdLst/>
+            <a:ahLst/>
+            <a:cxnLst/>
+            <a:rect l="l" t="t" r="r" b="b"/>
+            <a:pathLst>
+              <a:path w="120000" h="120000" extrusionOk="0">
+                <a:moveTo>
+                  <a:pt x="0" y="0"/>
+                </a:moveTo>
+                <a:lnTo>
+                  <a:pt x="120000" y="0"/>
+                </a:lnTo>
+                <a:lnTo>
+                  <a:pt x="120000" y="120000"/>
+                </a:lnTo>
+                <a:lnTo>
+                  <a:pt x="0" y="120000"/>
+                </a:lnTo>
+                <a:close/>
+              </a:path>
+            </a:pathLst>
+          </a:custGeom>
+        </p:spPr>
+      </p:sp>
+    </p:spTree>
+  </p:cSld>
+  <p:clrMapOvr>
+    <a:masterClrMapping/>
+  </p:clrMapOvr>
+</p:notes>
+</file>
+
+<file path=ppt/notesSlides/notesSlide34.xml><?xml version="1.0" encoding="utf-8"?>
+<p:notes xmlns:a="http://schemas.openxmlformats.org/drawingml/2006/main" xmlns:r="http://schemas.openxmlformats.org/officeDocument/2006/relationships" xmlns:p="http://schemas.openxmlformats.org/presentationml/2006/main" showMasterSp="0" showMasterPhAnim="0">
+  <p:cSld>
+    <p:spTree>
+      <p:nvGrpSpPr>
         <p:cNvPr id="1" name="Shape 346"/>
         <p:cNvGrpSpPr/>
         <p:nvPr/>
@@ -3629,7 +4257,7 @@
 </p:notes>
 </file>
 
-<file path=ppt/notesSlides/notesSlide31.xml><?xml version="1.0" encoding="utf-8"?>
+<file path=ppt/notesSlides/notesSlide35.xml><?xml version="1.0" encoding="utf-8"?>
 <p:notes xmlns:a="http://schemas.openxmlformats.org/drawingml/2006/main" xmlns:r="http://schemas.openxmlformats.org/officeDocument/2006/relationships" xmlns:p="http://schemas.openxmlformats.org/presentationml/2006/main" showMasterSp="0" showMasterPhAnim="0">
   <p:cSld>
     <p:spTree>
@@ -3733,7 +4361,7 @@
 </p:notes>
 </file>
 
-<file path=ppt/notesSlides/notesSlide32.xml><?xml version="1.0" encoding="utf-8"?>
+<file path=ppt/notesSlides/notesSlide36.xml><?xml version="1.0" encoding="utf-8"?>
 <p:notes xmlns:a="http://schemas.openxmlformats.org/drawingml/2006/main" xmlns:r="http://schemas.openxmlformats.org/officeDocument/2006/relationships" xmlns:p="http://schemas.openxmlformats.org/presentationml/2006/main" showMasterSp="0" showMasterPhAnim="0">
   <p:cSld>
     <p:spTree>
@@ -3837,7 +4465,7 @@
 </p:notes>
 </file>
 
-<file path=ppt/notesSlides/notesSlide33.xml><?xml version="1.0" encoding="utf-8"?>
+<file path=ppt/notesSlides/notesSlide37.xml><?xml version="1.0" encoding="utf-8"?>
 <p:notes xmlns:a="http://schemas.openxmlformats.org/drawingml/2006/main" xmlns:r="http://schemas.openxmlformats.org/officeDocument/2006/relationships" xmlns:p="http://schemas.openxmlformats.org/presentationml/2006/main" showMasterSp="0" showMasterPhAnim="0">
   <p:cSld>
     <p:spTree>
@@ -3941,7 +4569,7 @@
 </p:notes>
 </file>
 
-<file path=ppt/notesSlides/notesSlide34.xml><?xml version="1.0" encoding="utf-8"?>
+<file path=ppt/notesSlides/notesSlide38.xml><?xml version="1.0" encoding="utf-8"?>
 <p:notes xmlns:a="http://schemas.openxmlformats.org/drawingml/2006/main" xmlns:r="http://schemas.openxmlformats.org/officeDocument/2006/relationships" xmlns:p="http://schemas.openxmlformats.org/presentationml/2006/main" showMasterSp="0" showMasterPhAnim="0">
   <p:cSld>
     <p:spTree>
@@ -4045,7 +4673,7 @@
 </p:notes>
 </file>
 
-<file path=ppt/notesSlides/notesSlide35.xml><?xml version="1.0" encoding="utf-8"?>
+<file path=ppt/notesSlides/notesSlide39.xml><?xml version="1.0" encoding="utf-8"?>
 <p:notes xmlns:a="http://schemas.openxmlformats.org/drawingml/2006/main" xmlns:r="http://schemas.openxmlformats.org/officeDocument/2006/relationships" xmlns:p="http://schemas.openxmlformats.org/presentationml/2006/main" showMasterSp="0" showMasterPhAnim="0">
   <p:cSld>
     <p:spTree>
@@ -20306,6 +20934,1219 @@
   <p:cSld>
     <p:spTree>
       <p:nvGrpSpPr>
+        <p:cNvPr id="1" name="Shape 226"/>
+        <p:cNvGrpSpPr/>
+        <p:nvPr/>
+      </p:nvGrpSpPr>
+      <p:grpSpPr>
+        <a:xfrm>
+          <a:off x="0" y="0"/>
+          <a:ext cx="0" cy="0"/>
+          <a:chOff x="0" y="0"/>
+          <a:chExt cx="0" cy="0"/>
+        </a:xfrm>
+      </p:grpSpPr>
+      <p:sp>
+        <p:nvSpPr>
+          <p:cNvPr id="227" name="Google Shape;227;g21c03c1d1e6_1_126"/>
+          <p:cNvSpPr txBox="1"/>
+          <p:nvPr/>
+        </p:nvSpPr>
+        <p:spPr>
+          <a:xfrm>
+            <a:off x="222160" y="0"/>
+            <a:ext cx="8770513" cy="608527"/>
+          </a:xfrm>
+          <a:prstGeom prst="rect">
+            <a:avLst/>
+          </a:prstGeom>
+          <a:noFill/>
+          <a:ln>
+            <a:noFill/>
+          </a:ln>
+        </p:spPr>
+        <p:txBody>
+          <a:bodyPr spcFirstLastPara="1" wrap="square" lIns="68575" tIns="34275" rIns="68575" bIns="34275" anchor="t" anchorCtr="0">
+            <a:noAutofit/>
+          </a:bodyPr>
+          <a:lstStyle/>
+          <a:p>
+            <a:pPr marL="0" marR="0" lvl="0" indent="0" algn="ctr" rtl="0">
+              <a:lnSpc>
+                <a:spcPct val="120000"/>
+              </a:lnSpc>
+              <a:spcBef>
+                <a:spcPts val="0"/>
+              </a:spcBef>
+              <a:spcAft>
+                <a:spcPts val="0"/>
+              </a:spcAft>
+              <a:buClr>
+                <a:schemeClr val="dk1"/>
+              </a:buClr>
+              <a:buSzPts val="3000"/>
+              <a:buFont typeface="Arial"/>
+              <a:buNone/>
+            </a:pPr>
+            <a:r>
+              <a:rPr lang="en" sz="2400">
+                <a:solidFill>
+                  <a:schemeClr val="dk1"/>
+                </a:solidFill>
+                <a:latin typeface="Twentieth Century"/>
+                <a:ea typeface="Twentieth Century"/>
+                <a:cs typeface="Twentieth Century"/>
+                <a:sym typeface="Twentieth Century"/>
+              </a:rPr>
+              <a:t>Recurrent Neural Network (RNN)</a:t>
+            </a:r>
+            <a:endParaRPr sz="1100"/>
+          </a:p>
+        </p:txBody>
+      </p:sp>
+      <p:sp>
+        <p:nvSpPr>
+          <p:cNvPr id="231" name="Google Shape;231;g21c03c1d1e6_1_126"/>
+          <p:cNvSpPr txBox="1">
+            <a:spLocks noGrp="1"/>
+          </p:cNvSpPr>
+          <p:nvPr>
+            <p:ph type="title"/>
+          </p:nvPr>
+        </p:nvSpPr>
+        <p:spPr>
+          <a:xfrm>
+            <a:off x="98250" y="16350"/>
+            <a:ext cx="8826600" cy="602700"/>
+          </a:xfrm>
+          <a:prstGeom prst="rect">
+            <a:avLst/>
+          </a:prstGeom>
+        </p:spPr>
+        <p:txBody>
+          <a:bodyPr spcFirstLastPara="1" wrap="square" lIns="91425" tIns="91425" rIns="91425" bIns="91425" anchor="ctr" anchorCtr="0">
+            <a:normAutofit/>
+          </a:bodyPr>
+          <a:lstStyle/>
+          <a:p>
+            <a:pPr marL="0" lvl="0" indent="0" algn="l" rtl="0">
+              <a:spcBef>
+                <a:spcPts val="0"/>
+              </a:spcBef>
+              <a:spcAft>
+                <a:spcPts val="0"/>
+              </a:spcAft>
+              <a:buNone/>
+            </a:pPr>
+            <a:r>
+              <a:rPr lang="en"/>
+              <a:t>Redes recurrentes - Back propagation through time (BPTT)</a:t>
+            </a:r>
+            <a:endParaRPr/>
+          </a:p>
+        </p:txBody>
+      </p:sp>
+      <p:pic>
+        <p:nvPicPr>
+          <p:cNvPr id="3" name="Imagen 2">
+            <a:extLst>
+              <a:ext uri="{FF2B5EF4-FFF2-40B4-BE49-F238E27FC236}">
+                <a16:creationId xmlns:a16="http://schemas.microsoft.com/office/drawing/2014/main" id="{8F1DAAD6-642B-8E32-7DA6-4C42DEB7AE84}"/>
+              </a:ext>
+            </a:extLst>
+          </p:cNvPr>
+          <p:cNvPicPr>
+            <a:picLocks noChangeAspect="1"/>
+          </p:cNvPicPr>
+          <p:nvPr/>
+        </p:nvPicPr>
+        <p:blipFill>
+          <a:blip r:embed="rId3"/>
+          <a:stretch>
+            <a:fillRect/>
+          </a:stretch>
+        </p:blipFill>
+        <p:spPr>
+          <a:xfrm>
+            <a:off x="1024567" y="743184"/>
+            <a:ext cx="6820387" cy="4185662"/>
+          </a:xfrm>
+          <a:prstGeom prst="rect">
+            <a:avLst/>
+          </a:prstGeom>
+        </p:spPr>
+      </p:pic>
+    </p:spTree>
+    <p:extLst>
+      <p:ext uri="{BB962C8B-B14F-4D97-AF65-F5344CB8AC3E}">
+        <p14:creationId xmlns:p14="http://schemas.microsoft.com/office/powerpoint/2010/main" val="3137623413"/>
+      </p:ext>
+    </p:extLst>
+  </p:cSld>
+  <p:clrMapOvr>
+    <a:masterClrMapping/>
+  </p:clrMapOvr>
+</p:sld>
+</file>
+
+<file path=ppt/slides/slide18.xml><?xml version="1.0" encoding="utf-8"?>
+<p:sld xmlns:a="http://schemas.openxmlformats.org/drawingml/2006/main" xmlns:r="http://schemas.openxmlformats.org/officeDocument/2006/relationships" xmlns:p="http://schemas.openxmlformats.org/presentationml/2006/main">
+  <p:cSld>
+    <p:spTree>
+      <p:nvGrpSpPr>
+        <p:cNvPr id="1" name="Shape 226"/>
+        <p:cNvGrpSpPr/>
+        <p:nvPr/>
+      </p:nvGrpSpPr>
+      <p:grpSpPr>
+        <a:xfrm>
+          <a:off x="0" y="0"/>
+          <a:ext cx="0" cy="0"/>
+          <a:chOff x="0" y="0"/>
+          <a:chExt cx="0" cy="0"/>
+        </a:xfrm>
+      </p:grpSpPr>
+      <p:sp>
+        <p:nvSpPr>
+          <p:cNvPr id="227" name="Google Shape;227;g21c03c1d1e6_1_126"/>
+          <p:cNvSpPr txBox="1"/>
+          <p:nvPr/>
+        </p:nvSpPr>
+        <p:spPr>
+          <a:xfrm>
+            <a:off x="222160" y="0"/>
+            <a:ext cx="8770513" cy="608527"/>
+          </a:xfrm>
+          <a:prstGeom prst="rect">
+            <a:avLst/>
+          </a:prstGeom>
+          <a:noFill/>
+          <a:ln>
+            <a:noFill/>
+          </a:ln>
+        </p:spPr>
+        <p:txBody>
+          <a:bodyPr spcFirstLastPara="1" wrap="square" lIns="68575" tIns="34275" rIns="68575" bIns="34275" anchor="t" anchorCtr="0">
+            <a:noAutofit/>
+          </a:bodyPr>
+          <a:lstStyle/>
+          <a:p>
+            <a:pPr marL="0" marR="0" lvl="0" indent="0" algn="ctr" rtl="0">
+              <a:lnSpc>
+                <a:spcPct val="120000"/>
+              </a:lnSpc>
+              <a:spcBef>
+                <a:spcPts val="0"/>
+              </a:spcBef>
+              <a:spcAft>
+                <a:spcPts val="0"/>
+              </a:spcAft>
+              <a:buClr>
+                <a:schemeClr val="dk1"/>
+              </a:buClr>
+              <a:buSzPts val="3000"/>
+              <a:buFont typeface="Arial"/>
+              <a:buNone/>
+            </a:pPr>
+            <a:r>
+              <a:rPr lang="en" sz="2400">
+                <a:solidFill>
+                  <a:schemeClr val="dk1"/>
+                </a:solidFill>
+                <a:latin typeface="Twentieth Century"/>
+                <a:ea typeface="Twentieth Century"/>
+                <a:cs typeface="Twentieth Century"/>
+                <a:sym typeface="Twentieth Century"/>
+              </a:rPr>
+              <a:t>Recurrent Neural Network (RNN)</a:t>
+            </a:r>
+            <a:endParaRPr sz="1100"/>
+          </a:p>
+        </p:txBody>
+      </p:sp>
+      <p:sp>
+        <p:nvSpPr>
+          <p:cNvPr id="231" name="Google Shape;231;g21c03c1d1e6_1_126"/>
+          <p:cNvSpPr txBox="1">
+            <a:spLocks noGrp="1"/>
+          </p:cNvSpPr>
+          <p:nvPr>
+            <p:ph type="title"/>
+          </p:nvPr>
+        </p:nvSpPr>
+        <p:spPr>
+          <a:xfrm>
+            <a:off x="98250" y="16350"/>
+            <a:ext cx="8826600" cy="602700"/>
+          </a:xfrm>
+          <a:prstGeom prst="rect">
+            <a:avLst/>
+          </a:prstGeom>
+        </p:spPr>
+        <p:txBody>
+          <a:bodyPr spcFirstLastPara="1" wrap="square" lIns="91425" tIns="91425" rIns="91425" bIns="91425" anchor="ctr" anchorCtr="0">
+            <a:normAutofit/>
+          </a:bodyPr>
+          <a:lstStyle/>
+          <a:p>
+            <a:pPr marL="0" lvl="0" indent="0" algn="l" rtl="0">
+              <a:spcBef>
+                <a:spcPts val="0"/>
+              </a:spcBef>
+              <a:spcAft>
+                <a:spcPts val="0"/>
+              </a:spcAft>
+              <a:buNone/>
+            </a:pPr>
+            <a:r>
+              <a:rPr lang="en"/>
+              <a:t>Redes recurrentes - Back propagation through time (BPTT)</a:t>
+            </a:r>
+            <a:endParaRPr/>
+          </a:p>
+        </p:txBody>
+      </p:sp>
+      <p:pic>
+        <p:nvPicPr>
+          <p:cNvPr id="3" name="Imagen 2">
+            <a:extLst>
+              <a:ext uri="{FF2B5EF4-FFF2-40B4-BE49-F238E27FC236}">
+                <a16:creationId xmlns:a16="http://schemas.microsoft.com/office/drawing/2014/main" id="{9D03D3F5-78BB-F2CD-C53D-8B1DBEE3127E}"/>
+              </a:ext>
+            </a:extLst>
+          </p:cNvPr>
+          <p:cNvPicPr>
+            <a:picLocks noChangeAspect="1"/>
+          </p:cNvPicPr>
+          <p:nvPr/>
+        </p:nvPicPr>
+        <p:blipFill>
+          <a:blip r:embed="rId3"/>
+          <a:stretch>
+            <a:fillRect/>
+          </a:stretch>
+        </p:blipFill>
+        <p:spPr>
+          <a:xfrm>
+            <a:off x="222160" y="1183753"/>
+            <a:ext cx="3003975" cy="1127278"/>
+          </a:xfrm>
+          <a:prstGeom prst="rect">
+            <a:avLst/>
+          </a:prstGeom>
+        </p:spPr>
+      </p:pic>
+      <p:pic>
+        <p:nvPicPr>
+          <p:cNvPr id="5" name="Imagen 4">
+            <a:extLst>
+              <a:ext uri="{FF2B5EF4-FFF2-40B4-BE49-F238E27FC236}">
+                <a16:creationId xmlns:a16="http://schemas.microsoft.com/office/drawing/2014/main" id="{110F3932-C008-1E37-1FF6-D1612E5685BF}"/>
+              </a:ext>
+            </a:extLst>
+          </p:cNvPr>
+          <p:cNvPicPr>
+            <a:picLocks noChangeAspect="1"/>
+          </p:cNvPicPr>
+          <p:nvPr/>
+        </p:nvPicPr>
+        <p:blipFill>
+          <a:blip r:embed="rId4"/>
+          <a:stretch>
+            <a:fillRect/>
+          </a:stretch>
+        </p:blipFill>
+        <p:spPr>
+          <a:xfrm>
+            <a:off x="3816984" y="1159608"/>
+            <a:ext cx="4638403" cy="2302846"/>
+          </a:xfrm>
+          <a:prstGeom prst="rect">
+            <a:avLst/>
+          </a:prstGeom>
+        </p:spPr>
+      </p:pic>
+      <p:pic>
+        <p:nvPicPr>
+          <p:cNvPr id="7" name="Imagen 6">
+            <a:extLst>
+              <a:ext uri="{FF2B5EF4-FFF2-40B4-BE49-F238E27FC236}">
+                <a16:creationId xmlns:a16="http://schemas.microsoft.com/office/drawing/2014/main" id="{B086223D-3C92-320C-FDA4-2986A3EC8B24}"/>
+              </a:ext>
+            </a:extLst>
+          </p:cNvPr>
+          <p:cNvPicPr>
+            <a:picLocks noChangeAspect="1"/>
+          </p:cNvPicPr>
+          <p:nvPr/>
+        </p:nvPicPr>
+        <p:blipFill>
+          <a:blip r:embed="rId5"/>
+          <a:stretch>
+            <a:fillRect/>
+          </a:stretch>
+        </p:blipFill>
+        <p:spPr>
+          <a:xfrm>
+            <a:off x="1008416" y="3557727"/>
+            <a:ext cx="7127167" cy="1384236"/>
+          </a:xfrm>
+          <a:prstGeom prst="rect">
+            <a:avLst/>
+          </a:prstGeom>
+        </p:spPr>
+      </p:pic>
+    </p:spTree>
+    <p:extLst>
+      <p:ext uri="{BB962C8B-B14F-4D97-AF65-F5344CB8AC3E}">
+        <p14:creationId xmlns:p14="http://schemas.microsoft.com/office/powerpoint/2010/main" val="4139229005"/>
+      </p:ext>
+    </p:extLst>
+  </p:cSld>
+  <p:clrMapOvr>
+    <a:masterClrMapping/>
+  </p:clrMapOvr>
+</p:sld>
+</file>
+
+<file path=ppt/slides/slide19.xml><?xml version="1.0" encoding="utf-8"?>
+<p:sld xmlns:a="http://schemas.openxmlformats.org/drawingml/2006/main" xmlns:r="http://schemas.openxmlformats.org/officeDocument/2006/relationships" xmlns:p="http://schemas.openxmlformats.org/presentationml/2006/main">
+  <p:cSld>
+    <p:spTree>
+      <p:nvGrpSpPr>
+        <p:cNvPr id="1" name="Shape 226"/>
+        <p:cNvGrpSpPr/>
+        <p:nvPr/>
+      </p:nvGrpSpPr>
+      <p:grpSpPr>
+        <a:xfrm>
+          <a:off x="0" y="0"/>
+          <a:ext cx="0" cy="0"/>
+          <a:chOff x="0" y="0"/>
+          <a:chExt cx="0" cy="0"/>
+        </a:xfrm>
+      </p:grpSpPr>
+      <p:sp>
+        <p:nvSpPr>
+          <p:cNvPr id="227" name="Google Shape;227;g21c03c1d1e6_1_126"/>
+          <p:cNvSpPr txBox="1"/>
+          <p:nvPr/>
+        </p:nvSpPr>
+        <p:spPr>
+          <a:xfrm>
+            <a:off x="222160" y="0"/>
+            <a:ext cx="8770513" cy="608527"/>
+          </a:xfrm>
+          <a:prstGeom prst="rect">
+            <a:avLst/>
+          </a:prstGeom>
+          <a:noFill/>
+          <a:ln>
+            <a:noFill/>
+          </a:ln>
+        </p:spPr>
+        <p:txBody>
+          <a:bodyPr spcFirstLastPara="1" wrap="square" lIns="68575" tIns="34275" rIns="68575" bIns="34275" anchor="t" anchorCtr="0">
+            <a:noAutofit/>
+          </a:bodyPr>
+          <a:lstStyle/>
+          <a:p>
+            <a:pPr marL="0" marR="0" lvl="0" indent="0" algn="ctr" rtl="0">
+              <a:lnSpc>
+                <a:spcPct val="120000"/>
+              </a:lnSpc>
+              <a:spcBef>
+                <a:spcPts val="0"/>
+              </a:spcBef>
+              <a:spcAft>
+                <a:spcPts val="0"/>
+              </a:spcAft>
+              <a:buClr>
+                <a:schemeClr val="dk1"/>
+              </a:buClr>
+              <a:buSzPts val="3000"/>
+              <a:buFont typeface="Arial"/>
+              <a:buNone/>
+            </a:pPr>
+            <a:r>
+              <a:rPr lang="en" sz="2400">
+                <a:solidFill>
+                  <a:schemeClr val="dk1"/>
+                </a:solidFill>
+                <a:latin typeface="Twentieth Century"/>
+                <a:ea typeface="Twentieth Century"/>
+                <a:cs typeface="Twentieth Century"/>
+                <a:sym typeface="Twentieth Century"/>
+              </a:rPr>
+              <a:t>Recurrent Neural Network (RNN)</a:t>
+            </a:r>
+            <a:endParaRPr sz="1100"/>
+          </a:p>
+        </p:txBody>
+      </p:sp>
+      <p:sp>
+        <p:nvSpPr>
+          <p:cNvPr id="231" name="Google Shape;231;g21c03c1d1e6_1_126"/>
+          <p:cNvSpPr txBox="1">
+            <a:spLocks noGrp="1"/>
+          </p:cNvSpPr>
+          <p:nvPr>
+            <p:ph type="title"/>
+          </p:nvPr>
+        </p:nvSpPr>
+        <p:spPr>
+          <a:xfrm>
+            <a:off x="98250" y="16350"/>
+            <a:ext cx="8826600" cy="602700"/>
+          </a:xfrm>
+          <a:prstGeom prst="rect">
+            <a:avLst/>
+          </a:prstGeom>
+        </p:spPr>
+        <p:txBody>
+          <a:bodyPr spcFirstLastPara="1" wrap="square" lIns="91425" tIns="91425" rIns="91425" bIns="91425" anchor="ctr" anchorCtr="0">
+            <a:normAutofit/>
+          </a:bodyPr>
+          <a:lstStyle/>
+          <a:p>
+            <a:pPr marL="0" lvl="0" indent="0" algn="l" rtl="0">
+              <a:spcBef>
+                <a:spcPts val="0"/>
+              </a:spcBef>
+              <a:spcAft>
+                <a:spcPts val="0"/>
+              </a:spcAft>
+              <a:buNone/>
+            </a:pPr>
+            <a:r>
+              <a:rPr lang="en"/>
+              <a:t>Redes recurrentes - Back propagation through time (BPTT)</a:t>
+            </a:r>
+            <a:endParaRPr/>
+          </a:p>
+        </p:txBody>
+      </p:sp>
+      <p:pic>
+        <p:nvPicPr>
+          <p:cNvPr id="3" name="Imagen 2">
+            <a:extLst>
+              <a:ext uri="{FF2B5EF4-FFF2-40B4-BE49-F238E27FC236}">
+                <a16:creationId xmlns:a16="http://schemas.microsoft.com/office/drawing/2014/main" id="{07F6C8A2-6E4B-CC35-FBCA-FE785C2AC540}"/>
+              </a:ext>
+            </a:extLst>
+          </p:cNvPr>
+          <p:cNvPicPr>
+            <a:picLocks noChangeAspect="1"/>
+          </p:cNvPicPr>
+          <p:nvPr/>
+        </p:nvPicPr>
+        <p:blipFill>
+          <a:blip r:embed="rId3"/>
+          <a:stretch>
+            <a:fillRect/>
+          </a:stretch>
+        </p:blipFill>
+        <p:spPr>
+          <a:xfrm>
+            <a:off x="222160" y="885652"/>
+            <a:ext cx="4733925" cy="485775"/>
+          </a:xfrm>
+          <a:prstGeom prst="rect">
+            <a:avLst/>
+          </a:prstGeom>
+        </p:spPr>
+      </p:pic>
+      <p:pic>
+        <p:nvPicPr>
+          <p:cNvPr id="7" name="Imagen 6">
+            <a:extLst>
+              <a:ext uri="{FF2B5EF4-FFF2-40B4-BE49-F238E27FC236}">
+                <a16:creationId xmlns:a16="http://schemas.microsoft.com/office/drawing/2014/main" id="{E9CEA9F8-4C91-6372-E31C-322AD64E5DF3}"/>
+              </a:ext>
+            </a:extLst>
+          </p:cNvPr>
+          <p:cNvPicPr>
+            <a:picLocks noChangeAspect="1"/>
+          </p:cNvPicPr>
+          <p:nvPr/>
+        </p:nvPicPr>
+        <p:blipFill>
+          <a:blip r:embed="rId4"/>
+          <a:stretch>
+            <a:fillRect/>
+          </a:stretch>
+        </p:blipFill>
+        <p:spPr>
+          <a:xfrm>
+            <a:off x="4344981" y="885652"/>
+            <a:ext cx="4377049" cy="2134819"/>
+          </a:xfrm>
+          <a:prstGeom prst="rect">
+            <a:avLst/>
+          </a:prstGeom>
+        </p:spPr>
+      </p:pic>
+      <p:pic>
+        <p:nvPicPr>
+          <p:cNvPr id="9" name="Imagen 8">
+            <a:extLst>
+              <a:ext uri="{FF2B5EF4-FFF2-40B4-BE49-F238E27FC236}">
+                <a16:creationId xmlns:a16="http://schemas.microsoft.com/office/drawing/2014/main" id="{6F1E6A7D-9012-4072-5AB5-CCB5A5C9F10B}"/>
+              </a:ext>
+            </a:extLst>
+          </p:cNvPr>
+          <p:cNvPicPr>
+            <a:picLocks noChangeAspect="1"/>
+          </p:cNvPicPr>
+          <p:nvPr/>
+        </p:nvPicPr>
+        <p:blipFill>
+          <a:blip r:embed="rId5"/>
+          <a:stretch>
+            <a:fillRect/>
+          </a:stretch>
+        </p:blipFill>
+        <p:spPr>
+          <a:xfrm>
+            <a:off x="914485" y="3102531"/>
+            <a:ext cx="7194129" cy="1916269"/>
+          </a:xfrm>
+          <a:prstGeom prst="rect">
+            <a:avLst/>
+          </a:prstGeom>
+        </p:spPr>
+      </p:pic>
+    </p:spTree>
+    <p:extLst>
+      <p:ext uri="{BB962C8B-B14F-4D97-AF65-F5344CB8AC3E}">
+        <p14:creationId xmlns:p14="http://schemas.microsoft.com/office/powerpoint/2010/main" val="3179616302"/>
+      </p:ext>
+    </p:extLst>
+  </p:cSld>
+  <p:clrMapOvr>
+    <a:masterClrMapping/>
+  </p:clrMapOvr>
+</p:sld>
+</file>
+
+<file path=ppt/slides/slide2.xml><?xml version="1.0" encoding="utf-8"?>
+<p:sld xmlns:a="http://schemas.openxmlformats.org/drawingml/2006/main" xmlns:r="http://schemas.openxmlformats.org/officeDocument/2006/relationships" xmlns:p="http://schemas.openxmlformats.org/presentationml/2006/main">
+  <p:cSld>
+    <p:spTree>
+      <p:nvGrpSpPr>
+        <p:cNvPr id="1" name="Shape 80"/>
+        <p:cNvGrpSpPr/>
+        <p:nvPr/>
+      </p:nvGrpSpPr>
+      <p:grpSpPr>
+        <a:xfrm>
+          <a:off x="0" y="0"/>
+          <a:ext cx="0" cy="0"/>
+          <a:chOff x="0" y="0"/>
+          <a:chExt cx="0" cy="0"/>
+        </a:xfrm>
+      </p:grpSpPr>
+      <p:sp>
+        <p:nvSpPr>
+          <p:cNvPr id="81" name="Google Shape;81;p2"/>
+          <p:cNvSpPr txBox="1">
+            <a:spLocks noGrp="1"/>
+          </p:cNvSpPr>
+          <p:nvPr>
+            <p:ph type="title"/>
+          </p:nvPr>
+        </p:nvSpPr>
+        <p:spPr>
+          <a:xfrm>
+            <a:off x="471900" y="174125"/>
+            <a:ext cx="8222100" cy="1332300"/>
+          </a:xfrm>
+          <a:prstGeom prst="rect">
+            <a:avLst/>
+          </a:prstGeom>
+          <a:noFill/>
+          <a:ln>
+            <a:noFill/>
+          </a:ln>
+        </p:spPr>
+        <p:txBody>
+          <a:bodyPr spcFirstLastPara="1" wrap="square" lIns="91425" tIns="91425" rIns="91425" bIns="91425" anchor="b" anchorCtr="0">
+            <a:noAutofit/>
+          </a:bodyPr>
+          <a:lstStyle/>
+          <a:p>
+            <a:pPr marL="0" lvl="0" indent="0" algn="ctr" rtl="0">
+              <a:lnSpc>
+                <a:spcPct val="120000"/>
+              </a:lnSpc>
+              <a:spcBef>
+                <a:spcPts val="1000"/>
+              </a:spcBef>
+              <a:spcAft>
+                <a:spcPts val="0"/>
+              </a:spcAft>
+              <a:buSzPts val="990"/>
+              <a:buNone/>
+            </a:pPr>
+            <a:r>
+              <a:rPr lang="en" sz="2818">
+                <a:latin typeface="Arial"/>
+                <a:ea typeface="Arial"/>
+                <a:cs typeface="Arial"/>
+                <a:sym typeface="Arial"/>
+              </a:rPr>
+              <a:t>Redes Recurrentes</a:t>
+            </a:r>
+            <a:endParaRPr sz="2818">
+              <a:latin typeface="Arial"/>
+              <a:ea typeface="Arial"/>
+              <a:cs typeface="Arial"/>
+              <a:sym typeface="Arial"/>
+            </a:endParaRPr>
+          </a:p>
+          <a:p>
+            <a:pPr marL="0" lvl="0" indent="0" algn="ctr" rtl="0">
+              <a:lnSpc>
+                <a:spcPct val="120000"/>
+              </a:lnSpc>
+              <a:spcBef>
+                <a:spcPts val="1000"/>
+              </a:spcBef>
+              <a:spcAft>
+                <a:spcPts val="0"/>
+              </a:spcAft>
+              <a:buSzPts val="990"/>
+              <a:buNone/>
+            </a:pPr>
+            <a:r>
+              <a:rPr lang="en" sz="2818">
+                <a:latin typeface="Arial"/>
+                <a:ea typeface="Arial"/>
+                <a:cs typeface="Arial"/>
+                <a:sym typeface="Arial"/>
+              </a:rPr>
+              <a:t>Recurrent Neural Network (RNN)</a:t>
+            </a:r>
+            <a:endParaRPr sz="2208"/>
+          </a:p>
+        </p:txBody>
+      </p:sp>
+      <p:sp>
+        <p:nvSpPr>
+          <p:cNvPr id="82" name="Google Shape;82;p2"/>
+          <p:cNvSpPr txBox="1">
+            <a:spLocks noGrp="1"/>
+          </p:cNvSpPr>
+          <p:nvPr>
+            <p:ph type="body" idx="1"/>
+          </p:nvPr>
+        </p:nvSpPr>
+        <p:spPr>
+          <a:xfrm>
+            <a:off x="471900" y="1986025"/>
+            <a:ext cx="3358800" cy="3050400"/>
+          </a:xfrm>
+          <a:prstGeom prst="rect">
+            <a:avLst/>
+          </a:prstGeom>
+          <a:noFill/>
+          <a:ln>
+            <a:noFill/>
+          </a:ln>
+        </p:spPr>
+        <p:txBody>
+          <a:bodyPr spcFirstLastPara="1" wrap="square" lIns="91425" tIns="91425" rIns="91425" bIns="91425" anchor="t" anchorCtr="0">
+            <a:noAutofit/>
+          </a:bodyPr>
+          <a:lstStyle/>
+          <a:p>
+            <a:pPr marL="0" lvl="0" indent="0" algn="l" rtl="0">
+              <a:lnSpc>
+                <a:spcPct val="95000"/>
+              </a:lnSpc>
+              <a:spcBef>
+                <a:spcPts val="0"/>
+              </a:spcBef>
+              <a:spcAft>
+                <a:spcPts val="0"/>
+              </a:spcAft>
+              <a:buSzPts val="1018"/>
+              <a:buNone/>
+            </a:pPr>
+            <a:r>
+              <a:rPr lang="en">
+                <a:solidFill>
+                  <a:schemeClr val="dk2"/>
+                </a:solidFill>
+              </a:rPr>
+              <a:t>. Introducción</a:t>
+            </a:r>
+            <a:endParaRPr>
+              <a:solidFill>
+                <a:schemeClr val="dk2"/>
+              </a:solidFill>
+            </a:endParaRPr>
+          </a:p>
+          <a:p>
+            <a:pPr marL="0" lvl="0" indent="0" algn="l" rtl="0">
+              <a:lnSpc>
+                <a:spcPct val="95000"/>
+              </a:lnSpc>
+              <a:spcBef>
+                <a:spcPts val="1200"/>
+              </a:spcBef>
+              <a:spcAft>
+                <a:spcPts val="0"/>
+              </a:spcAft>
+              <a:buSzPts val="1018"/>
+              <a:buNone/>
+            </a:pPr>
+            <a:r>
+              <a:rPr lang="en">
+                <a:solidFill>
+                  <a:schemeClr val="dk2"/>
+                </a:solidFill>
+              </a:rPr>
+              <a:t>. Neurona recurrente básica</a:t>
+            </a:r>
+            <a:endParaRPr>
+              <a:solidFill>
+                <a:schemeClr val="dk2"/>
+              </a:solidFill>
+            </a:endParaRPr>
+          </a:p>
+          <a:p>
+            <a:pPr marL="0" lvl="0" indent="0" algn="l" rtl="0">
+              <a:lnSpc>
+                <a:spcPct val="95000"/>
+              </a:lnSpc>
+              <a:spcBef>
+                <a:spcPts val="1200"/>
+              </a:spcBef>
+              <a:spcAft>
+                <a:spcPts val="0"/>
+              </a:spcAft>
+              <a:buSzPts val="1018"/>
+              <a:buNone/>
+            </a:pPr>
+            <a:r>
+              <a:rPr lang="en">
+                <a:solidFill>
+                  <a:schemeClr val="dk2"/>
+                </a:solidFill>
+              </a:rPr>
+              <a:t>. Implementación en pytorch</a:t>
+            </a:r>
+            <a:endParaRPr>
+              <a:solidFill>
+                <a:schemeClr val="dk2"/>
+              </a:solidFill>
+            </a:endParaRPr>
+          </a:p>
+          <a:p>
+            <a:pPr marL="0" lvl="0" indent="0" algn="l" rtl="0">
+              <a:lnSpc>
+                <a:spcPct val="95000"/>
+              </a:lnSpc>
+              <a:spcBef>
+                <a:spcPts val="1200"/>
+              </a:spcBef>
+              <a:spcAft>
+                <a:spcPts val="0"/>
+              </a:spcAft>
+              <a:buSzPts val="1018"/>
+              <a:buNone/>
+            </a:pPr>
+            <a:r>
+              <a:rPr lang="en">
+                <a:solidFill>
+                  <a:schemeClr val="dk2"/>
+                </a:solidFill>
+              </a:rPr>
+              <a:t>. Back propagation through time (BPTT)</a:t>
+            </a:r>
+            <a:endParaRPr>
+              <a:solidFill>
+                <a:schemeClr val="dk2"/>
+              </a:solidFill>
+            </a:endParaRPr>
+          </a:p>
+        </p:txBody>
+      </p:sp>
+      <p:pic>
+        <p:nvPicPr>
+          <p:cNvPr id="83" name="Google Shape;83;p2"/>
+          <p:cNvPicPr preferRelativeResize="0"/>
+          <p:nvPr/>
+        </p:nvPicPr>
+        <p:blipFill rotWithShape="1">
+          <a:blip r:embed="rId3">
+            <a:alphaModFix/>
+          </a:blip>
+          <a:srcRect/>
+          <a:stretch/>
+        </p:blipFill>
+        <p:spPr>
+          <a:xfrm>
+            <a:off x="8130475" y="4138900"/>
+            <a:ext cx="790275" cy="790275"/>
+          </a:xfrm>
+          <a:prstGeom prst="rect">
+            <a:avLst/>
+          </a:prstGeom>
+          <a:noFill/>
+          <a:ln>
+            <a:noFill/>
+          </a:ln>
+        </p:spPr>
+      </p:pic>
+      <p:sp>
+        <p:nvSpPr>
+          <p:cNvPr id="84" name="Google Shape;84;p2"/>
+          <p:cNvSpPr txBox="1">
+            <a:spLocks noGrp="1"/>
+          </p:cNvSpPr>
+          <p:nvPr>
+            <p:ph type="body" idx="1"/>
+          </p:nvPr>
+        </p:nvSpPr>
+        <p:spPr>
+          <a:xfrm>
+            <a:off x="4070850" y="1928300"/>
+            <a:ext cx="4100100" cy="3050400"/>
+          </a:xfrm>
+          <a:prstGeom prst="rect">
+            <a:avLst/>
+          </a:prstGeom>
+          <a:noFill/>
+          <a:ln>
+            <a:noFill/>
+          </a:ln>
+        </p:spPr>
+        <p:txBody>
+          <a:bodyPr spcFirstLastPara="1" wrap="square" lIns="91425" tIns="91425" rIns="91425" bIns="91425" anchor="t" anchorCtr="0">
+            <a:normAutofit/>
+          </a:bodyPr>
+          <a:lstStyle/>
+          <a:p>
+            <a:pPr marL="0" lvl="0" indent="0" algn="l" rtl="0">
+              <a:lnSpc>
+                <a:spcPct val="115000"/>
+              </a:lnSpc>
+              <a:spcBef>
+                <a:spcPts val="0"/>
+              </a:spcBef>
+              <a:spcAft>
+                <a:spcPts val="0"/>
+              </a:spcAft>
+              <a:buSzPts val="1800"/>
+              <a:buNone/>
+            </a:pPr>
+            <a:r>
+              <a:rPr lang="en">
+                <a:solidFill>
+                  <a:schemeClr val="dk2"/>
+                </a:solidFill>
+              </a:rPr>
+              <a:t>. Birideccionalidad </a:t>
+            </a:r>
+            <a:endParaRPr>
+              <a:solidFill>
+                <a:schemeClr val="dk2"/>
+              </a:solidFill>
+            </a:endParaRPr>
+          </a:p>
+          <a:p>
+            <a:pPr marL="0" lvl="0" indent="0" algn="l" rtl="0">
+              <a:lnSpc>
+                <a:spcPct val="115000"/>
+              </a:lnSpc>
+              <a:spcBef>
+                <a:spcPts val="1200"/>
+              </a:spcBef>
+              <a:spcAft>
+                <a:spcPts val="0"/>
+              </a:spcAft>
+              <a:buSzPts val="1800"/>
+              <a:buNone/>
+            </a:pPr>
+            <a:r>
+              <a:rPr lang="en">
+                <a:solidFill>
+                  <a:schemeClr val="dk2"/>
+                </a:solidFill>
+              </a:rPr>
+              <a:t>. Arquitectura enconder-decoder (seq to seq)</a:t>
+            </a:r>
+            <a:endParaRPr>
+              <a:solidFill>
+                <a:schemeClr val="dk2"/>
+              </a:solidFill>
+            </a:endParaRPr>
+          </a:p>
+          <a:p>
+            <a:pPr marL="0" lvl="0" indent="0" algn="l" rtl="0">
+              <a:lnSpc>
+                <a:spcPct val="115000"/>
+              </a:lnSpc>
+              <a:spcBef>
+                <a:spcPts val="1200"/>
+              </a:spcBef>
+              <a:spcAft>
+                <a:spcPts val="0"/>
+              </a:spcAft>
+              <a:buSzPts val="1800"/>
+              <a:buNone/>
+            </a:pPr>
+            <a:r>
+              <a:rPr lang="en">
+                <a:solidFill>
+                  <a:schemeClr val="dk2"/>
+                </a:solidFill>
+              </a:rPr>
+              <a:t>. Mecanismos de atención</a:t>
+            </a:r>
+            <a:endParaRPr>
+              <a:solidFill>
+                <a:schemeClr val="dk2"/>
+              </a:solidFill>
+            </a:endParaRPr>
+          </a:p>
+        </p:txBody>
+      </p:sp>
+    </p:spTree>
+  </p:cSld>
+  <p:clrMapOvr>
+    <a:masterClrMapping/>
+  </p:clrMapOvr>
+</p:sld>
+</file>
+
+<file path=ppt/slides/slide20.xml><?xml version="1.0" encoding="utf-8"?>
+<p:sld xmlns:a="http://schemas.openxmlformats.org/drawingml/2006/main" xmlns:r="http://schemas.openxmlformats.org/officeDocument/2006/relationships" xmlns:p="http://schemas.openxmlformats.org/presentationml/2006/main">
+  <p:cSld>
+    <p:spTree>
+      <p:nvGrpSpPr>
+        <p:cNvPr id="1" name="Shape 226"/>
+        <p:cNvGrpSpPr/>
+        <p:nvPr/>
+      </p:nvGrpSpPr>
+      <p:grpSpPr>
+        <a:xfrm>
+          <a:off x="0" y="0"/>
+          <a:ext cx="0" cy="0"/>
+          <a:chOff x="0" y="0"/>
+          <a:chExt cx="0" cy="0"/>
+        </a:xfrm>
+      </p:grpSpPr>
+      <p:sp>
+        <p:nvSpPr>
+          <p:cNvPr id="227" name="Google Shape;227;g21c03c1d1e6_1_126"/>
+          <p:cNvSpPr txBox="1"/>
+          <p:nvPr/>
+        </p:nvSpPr>
+        <p:spPr>
+          <a:xfrm>
+            <a:off x="222160" y="0"/>
+            <a:ext cx="8770513" cy="608527"/>
+          </a:xfrm>
+          <a:prstGeom prst="rect">
+            <a:avLst/>
+          </a:prstGeom>
+          <a:noFill/>
+          <a:ln>
+            <a:noFill/>
+          </a:ln>
+        </p:spPr>
+        <p:txBody>
+          <a:bodyPr spcFirstLastPara="1" wrap="square" lIns="68575" tIns="34275" rIns="68575" bIns="34275" anchor="t" anchorCtr="0">
+            <a:noAutofit/>
+          </a:bodyPr>
+          <a:lstStyle/>
+          <a:p>
+            <a:pPr marL="0" marR="0" lvl="0" indent="0" algn="ctr" rtl="0">
+              <a:lnSpc>
+                <a:spcPct val="120000"/>
+              </a:lnSpc>
+              <a:spcBef>
+                <a:spcPts val="0"/>
+              </a:spcBef>
+              <a:spcAft>
+                <a:spcPts val="0"/>
+              </a:spcAft>
+              <a:buClr>
+                <a:schemeClr val="dk1"/>
+              </a:buClr>
+              <a:buSzPts val="3000"/>
+              <a:buFont typeface="Arial"/>
+              <a:buNone/>
+            </a:pPr>
+            <a:r>
+              <a:rPr lang="en" sz="2400">
+                <a:solidFill>
+                  <a:schemeClr val="dk1"/>
+                </a:solidFill>
+                <a:latin typeface="Twentieth Century"/>
+                <a:ea typeface="Twentieth Century"/>
+                <a:cs typeface="Twentieth Century"/>
+                <a:sym typeface="Twentieth Century"/>
+              </a:rPr>
+              <a:t>Recurrent Neural Network (RNN)</a:t>
+            </a:r>
+            <a:endParaRPr sz="1100"/>
+          </a:p>
+        </p:txBody>
+      </p:sp>
+      <p:sp>
+        <p:nvSpPr>
+          <p:cNvPr id="231" name="Google Shape;231;g21c03c1d1e6_1_126"/>
+          <p:cNvSpPr txBox="1">
+            <a:spLocks noGrp="1"/>
+          </p:cNvSpPr>
+          <p:nvPr>
+            <p:ph type="title"/>
+          </p:nvPr>
+        </p:nvSpPr>
+        <p:spPr>
+          <a:xfrm>
+            <a:off x="98250" y="16350"/>
+            <a:ext cx="8826600" cy="602700"/>
+          </a:xfrm>
+          <a:prstGeom prst="rect">
+            <a:avLst/>
+          </a:prstGeom>
+        </p:spPr>
+        <p:txBody>
+          <a:bodyPr spcFirstLastPara="1" wrap="square" lIns="91425" tIns="91425" rIns="91425" bIns="91425" anchor="ctr" anchorCtr="0">
+            <a:normAutofit/>
+          </a:bodyPr>
+          <a:lstStyle/>
+          <a:p>
+            <a:pPr marL="0" lvl="0" indent="0" algn="l" rtl="0">
+              <a:spcBef>
+                <a:spcPts val="0"/>
+              </a:spcBef>
+              <a:spcAft>
+                <a:spcPts val="0"/>
+              </a:spcAft>
+              <a:buNone/>
+            </a:pPr>
+            <a:r>
+              <a:rPr lang="en"/>
+              <a:t>Redes recurrentes - Back propagation through time (BPTT)</a:t>
+            </a:r>
+            <a:endParaRPr/>
+          </a:p>
+        </p:txBody>
+      </p:sp>
+      <p:pic>
+        <p:nvPicPr>
+          <p:cNvPr id="4" name="Imagen 3">
+            <a:extLst>
+              <a:ext uri="{FF2B5EF4-FFF2-40B4-BE49-F238E27FC236}">
+                <a16:creationId xmlns:a16="http://schemas.microsoft.com/office/drawing/2014/main" id="{B1E56B2D-1A7E-B595-8FDB-6BA836414150}"/>
+              </a:ext>
+            </a:extLst>
+          </p:cNvPr>
+          <p:cNvPicPr>
+            <a:picLocks noChangeAspect="1"/>
+          </p:cNvPicPr>
+          <p:nvPr/>
+        </p:nvPicPr>
+        <p:blipFill>
+          <a:blip r:embed="rId3"/>
+          <a:stretch>
+            <a:fillRect/>
+          </a:stretch>
+        </p:blipFill>
+        <p:spPr>
+          <a:xfrm>
+            <a:off x="222160" y="844856"/>
+            <a:ext cx="3343275" cy="457200"/>
+          </a:xfrm>
+          <a:prstGeom prst="rect">
+            <a:avLst/>
+          </a:prstGeom>
+        </p:spPr>
+      </p:pic>
+      <p:pic>
+        <p:nvPicPr>
+          <p:cNvPr id="6" name="Imagen 5">
+            <a:extLst>
+              <a:ext uri="{FF2B5EF4-FFF2-40B4-BE49-F238E27FC236}">
+                <a16:creationId xmlns:a16="http://schemas.microsoft.com/office/drawing/2014/main" id="{3B87B3A4-251A-0315-F9EE-DAD61ADCB9DF}"/>
+              </a:ext>
+            </a:extLst>
+          </p:cNvPr>
+          <p:cNvPicPr>
+            <a:picLocks noChangeAspect="1"/>
+          </p:cNvPicPr>
+          <p:nvPr/>
+        </p:nvPicPr>
+        <p:blipFill>
+          <a:blip r:embed="rId4"/>
+          <a:stretch>
+            <a:fillRect/>
+          </a:stretch>
+        </p:blipFill>
+        <p:spPr>
+          <a:xfrm>
+            <a:off x="4146641" y="954899"/>
+            <a:ext cx="4611769" cy="2176646"/>
+          </a:xfrm>
+          <a:prstGeom prst="rect">
+            <a:avLst/>
+          </a:prstGeom>
+        </p:spPr>
+      </p:pic>
+      <p:pic>
+        <p:nvPicPr>
+          <p:cNvPr id="10" name="Imagen 9">
+            <a:extLst>
+              <a:ext uri="{FF2B5EF4-FFF2-40B4-BE49-F238E27FC236}">
+                <a16:creationId xmlns:a16="http://schemas.microsoft.com/office/drawing/2014/main" id="{21ECE62E-087E-6FA4-B8E1-ECB992A69997}"/>
+              </a:ext>
+            </a:extLst>
+          </p:cNvPr>
+          <p:cNvPicPr>
+            <a:picLocks noChangeAspect="1"/>
+          </p:cNvPicPr>
+          <p:nvPr/>
+        </p:nvPicPr>
+        <p:blipFill>
+          <a:blip r:embed="rId5"/>
+          <a:stretch>
+            <a:fillRect/>
+          </a:stretch>
+        </p:blipFill>
+        <p:spPr>
+          <a:xfrm>
+            <a:off x="1039529" y="3131545"/>
+            <a:ext cx="7135774" cy="1891021"/>
+          </a:xfrm>
+          <a:prstGeom prst="rect">
+            <a:avLst/>
+          </a:prstGeom>
+        </p:spPr>
+      </p:pic>
+    </p:spTree>
+    <p:extLst>
+      <p:ext uri="{BB962C8B-B14F-4D97-AF65-F5344CB8AC3E}">
+        <p14:creationId xmlns:p14="http://schemas.microsoft.com/office/powerpoint/2010/main" val="1421602177"/>
+      </p:ext>
+    </p:extLst>
+  </p:cSld>
+  <p:clrMapOvr>
+    <a:masterClrMapping/>
+  </p:clrMapOvr>
+</p:sld>
+</file>
+
+<file path=ppt/slides/slide21.xml><?xml version="1.0" encoding="utf-8"?>
+<p:sld xmlns:a="http://schemas.openxmlformats.org/drawingml/2006/main" xmlns:r="http://schemas.openxmlformats.org/officeDocument/2006/relationships" xmlns:p="http://schemas.openxmlformats.org/presentationml/2006/main">
+  <p:cSld>
+    <p:spTree>
+      <p:nvGrpSpPr>
         <p:cNvPr id="1" name="Shape 235"/>
         <p:cNvGrpSpPr/>
         <p:nvPr/>
@@ -20708,7 +22549,7 @@
 </p:sld>
 </file>
 
-<file path=ppt/slides/slide18.xml><?xml version="1.0" encoding="utf-8"?>
+<file path=ppt/slides/slide22.xml><?xml version="1.0" encoding="utf-8"?>
 <p:sld xmlns:a="http://schemas.openxmlformats.org/drawingml/2006/main" xmlns:r="http://schemas.openxmlformats.org/officeDocument/2006/relationships" xmlns:p="http://schemas.openxmlformats.org/presentationml/2006/main">
   <p:cSld>
     <p:spTree>
@@ -21677,7 +23518,7 @@
 </p:sld>
 </file>
 
-<file path=ppt/slides/slide19.xml><?xml version="1.0" encoding="utf-8"?>
+<file path=ppt/slides/slide23.xml><?xml version="1.0" encoding="utf-8"?>
 <p:sld xmlns:a="http://schemas.openxmlformats.org/drawingml/2006/main" xmlns:r="http://schemas.openxmlformats.org/officeDocument/2006/relationships" xmlns:p="http://schemas.openxmlformats.org/presentationml/2006/main">
   <p:cSld>
     <p:spTree>
@@ -21807,400 +23648,7 @@
 </p:sld>
 </file>
 
-<file path=ppt/slides/slide2.xml><?xml version="1.0" encoding="utf-8"?>
-<p:sld xmlns:a="http://schemas.openxmlformats.org/drawingml/2006/main" xmlns:r="http://schemas.openxmlformats.org/officeDocument/2006/relationships" xmlns:p="http://schemas.openxmlformats.org/presentationml/2006/main">
-  <p:cSld>
-    <p:spTree>
-      <p:nvGrpSpPr>
-        <p:cNvPr id="1" name="Shape 80"/>
-        <p:cNvGrpSpPr/>
-        <p:nvPr/>
-      </p:nvGrpSpPr>
-      <p:grpSpPr>
-        <a:xfrm>
-          <a:off x="0" y="0"/>
-          <a:ext cx="0" cy="0"/>
-          <a:chOff x="0" y="0"/>
-          <a:chExt cx="0" cy="0"/>
-        </a:xfrm>
-      </p:grpSpPr>
-      <p:sp>
-        <p:nvSpPr>
-          <p:cNvPr id="81" name="Google Shape;81;p2"/>
-          <p:cNvSpPr txBox="1">
-            <a:spLocks noGrp="1"/>
-          </p:cNvSpPr>
-          <p:nvPr>
-            <p:ph type="title"/>
-          </p:nvPr>
-        </p:nvSpPr>
-        <p:spPr>
-          <a:xfrm>
-            <a:off x="471900" y="174125"/>
-            <a:ext cx="8222100" cy="1332300"/>
-          </a:xfrm>
-          <a:prstGeom prst="rect">
-            <a:avLst/>
-          </a:prstGeom>
-          <a:noFill/>
-          <a:ln>
-            <a:noFill/>
-          </a:ln>
-        </p:spPr>
-        <p:txBody>
-          <a:bodyPr spcFirstLastPara="1" wrap="square" lIns="91425" tIns="91425" rIns="91425" bIns="91425" anchor="b" anchorCtr="0">
-            <a:noAutofit/>
-          </a:bodyPr>
-          <a:lstStyle/>
-          <a:p>
-            <a:pPr marL="0" lvl="0" indent="0" algn="ctr" rtl="0">
-              <a:lnSpc>
-                <a:spcPct val="120000"/>
-              </a:lnSpc>
-              <a:spcBef>
-                <a:spcPts val="1000"/>
-              </a:spcBef>
-              <a:spcAft>
-                <a:spcPts val="0"/>
-              </a:spcAft>
-              <a:buSzPts val="990"/>
-              <a:buNone/>
-            </a:pPr>
-            <a:r>
-              <a:rPr lang="en" sz="2818">
-                <a:latin typeface="Arial"/>
-                <a:ea typeface="Arial"/>
-                <a:cs typeface="Arial"/>
-                <a:sym typeface="Arial"/>
-              </a:rPr>
-              <a:t>Redes Recurrentes</a:t>
-            </a:r>
-            <a:endParaRPr sz="2818">
-              <a:latin typeface="Arial"/>
-              <a:ea typeface="Arial"/>
-              <a:cs typeface="Arial"/>
-              <a:sym typeface="Arial"/>
-            </a:endParaRPr>
-          </a:p>
-          <a:p>
-            <a:pPr marL="0" lvl="0" indent="0" algn="ctr" rtl="0">
-              <a:lnSpc>
-                <a:spcPct val="120000"/>
-              </a:lnSpc>
-              <a:spcBef>
-                <a:spcPts val="1000"/>
-              </a:spcBef>
-              <a:spcAft>
-                <a:spcPts val="0"/>
-              </a:spcAft>
-              <a:buSzPts val="990"/>
-              <a:buNone/>
-            </a:pPr>
-            <a:r>
-              <a:rPr lang="en" sz="2818">
-                <a:latin typeface="Arial"/>
-                <a:ea typeface="Arial"/>
-                <a:cs typeface="Arial"/>
-                <a:sym typeface="Arial"/>
-              </a:rPr>
-              <a:t>Recurrent Neural Network (RNN)</a:t>
-            </a:r>
-            <a:endParaRPr sz="2208"/>
-          </a:p>
-        </p:txBody>
-      </p:sp>
-      <p:sp>
-        <p:nvSpPr>
-          <p:cNvPr id="82" name="Google Shape;82;p2"/>
-          <p:cNvSpPr txBox="1">
-            <a:spLocks noGrp="1"/>
-          </p:cNvSpPr>
-          <p:nvPr>
-            <p:ph type="body" idx="1"/>
-          </p:nvPr>
-        </p:nvSpPr>
-        <p:spPr>
-          <a:xfrm>
-            <a:off x="471900" y="1986025"/>
-            <a:ext cx="3358800" cy="3050400"/>
-          </a:xfrm>
-          <a:prstGeom prst="rect">
-            <a:avLst/>
-          </a:prstGeom>
-          <a:noFill/>
-          <a:ln>
-            <a:noFill/>
-          </a:ln>
-        </p:spPr>
-        <p:txBody>
-          <a:bodyPr spcFirstLastPara="1" wrap="square" lIns="91425" tIns="91425" rIns="91425" bIns="91425" anchor="t" anchorCtr="0">
-            <a:noAutofit/>
-          </a:bodyPr>
-          <a:lstStyle/>
-          <a:p>
-            <a:pPr marL="0" lvl="0" indent="0" algn="l" rtl="0">
-              <a:lnSpc>
-                <a:spcPct val="95000"/>
-              </a:lnSpc>
-              <a:spcBef>
-                <a:spcPts val="0"/>
-              </a:spcBef>
-              <a:spcAft>
-                <a:spcPts val="0"/>
-              </a:spcAft>
-              <a:buSzPts val="1018"/>
-              <a:buNone/>
-            </a:pPr>
-            <a:r>
-              <a:rPr lang="en">
-                <a:solidFill>
-                  <a:schemeClr val="dk2"/>
-                </a:solidFill>
-              </a:rPr>
-              <a:t>. Introducción</a:t>
-            </a:r>
-            <a:endParaRPr>
-              <a:solidFill>
-                <a:schemeClr val="dk2"/>
-              </a:solidFill>
-            </a:endParaRPr>
-          </a:p>
-          <a:p>
-            <a:pPr marL="0" lvl="0" indent="0" algn="l" rtl="0">
-              <a:lnSpc>
-                <a:spcPct val="95000"/>
-              </a:lnSpc>
-              <a:spcBef>
-                <a:spcPts val="1200"/>
-              </a:spcBef>
-              <a:spcAft>
-                <a:spcPts val="0"/>
-              </a:spcAft>
-              <a:buSzPts val="1018"/>
-              <a:buNone/>
-            </a:pPr>
-            <a:r>
-              <a:rPr lang="en">
-                <a:solidFill>
-                  <a:schemeClr val="dk2"/>
-                </a:solidFill>
-              </a:rPr>
-              <a:t>. Neurona recurrente básica</a:t>
-            </a:r>
-            <a:endParaRPr>
-              <a:solidFill>
-                <a:schemeClr val="dk2"/>
-              </a:solidFill>
-            </a:endParaRPr>
-          </a:p>
-          <a:p>
-            <a:pPr marL="0" lvl="0" indent="0" algn="l" rtl="0">
-              <a:lnSpc>
-                <a:spcPct val="95000"/>
-              </a:lnSpc>
-              <a:spcBef>
-                <a:spcPts val="1200"/>
-              </a:spcBef>
-              <a:spcAft>
-                <a:spcPts val="0"/>
-              </a:spcAft>
-              <a:buSzPts val="1018"/>
-              <a:buNone/>
-            </a:pPr>
-            <a:r>
-              <a:rPr lang="en">
-                <a:solidFill>
-                  <a:schemeClr val="dk2"/>
-                </a:solidFill>
-              </a:rPr>
-              <a:t>. Implementación en pytorch</a:t>
-            </a:r>
-            <a:endParaRPr>
-              <a:solidFill>
-                <a:schemeClr val="dk2"/>
-              </a:solidFill>
-            </a:endParaRPr>
-          </a:p>
-          <a:p>
-            <a:pPr marL="0" lvl="0" indent="0" algn="l" rtl="0">
-              <a:lnSpc>
-                <a:spcPct val="95000"/>
-              </a:lnSpc>
-              <a:spcBef>
-                <a:spcPts val="1200"/>
-              </a:spcBef>
-              <a:spcAft>
-                <a:spcPts val="0"/>
-              </a:spcAft>
-              <a:buSzPts val="1018"/>
-              <a:buNone/>
-            </a:pPr>
-            <a:r>
-              <a:rPr lang="en">
-                <a:solidFill>
-                  <a:schemeClr val="dk2"/>
-                </a:solidFill>
-              </a:rPr>
-              <a:t>. Back propagation through time (BPTT)</a:t>
-            </a:r>
-            <a:endParaRPr>
-              <a:solidFill>
-                <a:schemeClr val="dk2"/>
-              </a:solidFill>
-            </a:endParaRPr>
-          </a:p>
-        </p:txBody>
-      </p:sp>
-      <p:pic>
-        <p:nvPicPr>
-          <p:cNvPr id="83" name="Google Shape;83;p2"/>
-          <p:cNvPicPr preferRelativeResize="0"/>
-          <p:nvPr/>
-        </p:nvPicPr>
-        <p:blipFill rotWithShape="1">
-          <a:blip r:embed="rId3">
-            <a:alphaModFix/>
-          </a:blip>
-          <a:srcRect/>
-          <a:stretch/>
-        </p:blipFill>
-        <p:spPr>
-          <a:xfrm>
-            <a:off x="8130475" y="4138900"/>
-            <a:ext cx="790275" cy="790275"/>
-          </a:xfrm>
-          <a:prstGeom prst="rect">
-            <a:avLst/>
-          </a:prstGeom>
-          <a:noFill/>
-          <a:ln>
-            <a:noFill/>
-          </a:ln>
-        </p:spPr>
-      </p:pic>
-      <p:sp>
-        <p:nvSpPr>
-          <p:cNvPr id="84" name="Google Shape;84;p2"/>
-          <p:cNvSpPr txBox="1">
-            <a:spLocks noGrp="1"/>
-          </p:cNvSpPr>
-          <p:nvPr>
-            <p:ph type="body" idx="1"/>
-          </p:nvPr>
-        </p:nvSpPr>
-        <p:spPr>
-          <a:xfrm>
-            <a:off x="4070850" y="1928300"/>
-            <a:ext cx="4100100" cy="3050400"/>
-          </a:xfrm>
-          <a:prstGeom prst="rect">
-            <a:avLst/>
-          </a:prstGeom>
-          <a:noFill/>
-          <a:ln>
-            <a:noFill/>
-          </a:ln>
-        </p:spPr>
-        <p:txBody>
-          <a:bodyPr spcFirstLastPara="1" wrap="square" lIns="91425" tIns="91425" rIns="91425" bIns="91425" anchor="t" anchorCtr="0">
-            <a:normAutofit/>
-          </a:bodyPr>
-          <a:lstStyle/>
-          <a:p>
-            <a:pPr marL="0" lvl="0" indent="0" algn="l" rtl="0">
-              <a:lnSpc>
-                <a:spcPct val="115000"/>
-              </a:lnSpc>
-              <a:spcBef>
-                <a:spcPts val="0"/>
-              </a:spcBef>
-              <a:spcAft>
-                <a:spcPts val="0"/>
-              </a:spcAft>
-              <a:buSzPts val="1800"/>
-              <a:buNone/>
-            </a:pPr>
-            <a:r>
-              <a:rPr lang="en">
-                <a:solidFill>
-                  <a:schemeClr val="dk2"/>
-                </a:solidFill>
-              </a:rPr>
-              <a:t>. Birideccionalidad </a:t>
-            </a:r>
-            <a:endParaRPr>
-              <a:solidFill>
-                <a:schemeClr val="dk2"/>
-              </a:solidFill>
-            </a:endParaRPr>
-          </a:p>
-          <a:p>
-            <a:pPr marL="0" lvl="0" indent="0" algn="l" rtl="0">
-              <a:lnSpc>
-                <a:spcPct val="115000"/>
-              </a:lnSpc>
-              <a:spcBef>
-                <a:spcPts val="1200"/>
-              </a:spcBef>
-              <a:spcAft>
-                <a:spcPts val="0"/>
-              </a:spcAft>
-              <a:buSzPts val="1800"/>
-              <a:buNone/>
-            </a:pPr>
-            <a:r>
-              <a:rPr lang="en">
-                <a:solidFill>
-                  <a:schemeClr val="dk2"/>
-                </a:solidFill>
-              </a:rPr>
-              <a:t>. Arquitectura enconder-decoder (seq to seq)</a:t>
-            </a:r>
-            <a:endParaRPr>
-              <a:solidFill>
-                <a:schemeClr val="dk2"/>
-              </a:solidFill>
-            </a:endParaRPr>
-          </a:p>
-          <a:p>
-            <a:pPr marL="0" lvl="0" indent="0" algn="l" rtl="0">
-              <a:lnSpc>
-                <a:spcPct val="115000"/>
-              </a:lnSpc>
-              <a:spcBef>
-                <a:spcPts val="1200"/>
-              </a:spcBef>
-              <a:spcAft>
-                <a:spcPts val="0"/>
-              </a:spcAft>
-              <a:buSzPts val="1800"/>
-              <a:buNone/>
-            </a:pPr>
-            <a:r>
-              <a:rPr lang="en">
-                <a:solidFill>
-                  <a:schemeClr val="dk2"/>
-                </a:solidFill>
-              </a:rPr>
-              <a:t>. Mecanismos de atención</a:t>
-            </a:r>
-            <a:endParaRPr>
-              <a:solidFill>
-                <a:schemeClr val="dk2"/>
-              </a:solidFill>
-            </a:endParaRPr>
-          </a:p>
-        </p:txBody>
-      </p:sp>
-    </p:spTree>
-  </p:cSld>
-  <p:clrMapOvr>
-    <a:masterClrMapping/>
-  </p:clrMapOvr>
-</p:sld>
-</file>
-
-<file path=ppt/slides/slide20.xml><?xml version="1.0" encoding="utf-8"?>
+<file path=ppt/slides/slide24.xml><?xml version="1.0" encoding="utf-8"?>
 <p:sld xmlns:a="http://schemas.openxmlformats.org/drawingml/2006/main" xmlns:r="http://schemas.openxmlformats.org/officeDocument/2006/relationships" xmlns:p="http://schemas.openxmlformats.org/presentationml/2006/main">
   <p:cSld>
     <p:spTree>
@@ -22409,7 +23857,7 @@
 </p:sld>
 </file>
 
-<file path=ppt/slides/slide21.xml><?xml version="1.0" encoding="utf-8"?>
+<file path=ppt/slides/slide25.xml><?xml version="1.0" encoding="utf-8"?>
 <p:sld xmlns:a="http://schemas.openxmlformats.org/drawingml/2006/main" xmlns:r="http://schemas.openxmlformats.org/officeDocument/2006/relationships" xmlns:p="http://schemas.openxmlformats.org/presentationml/2006/main">
   <p:cSld>
     <p:spTree>
@@ -22722,7 +24170,7 @@
 </p:sld>
 </file>
 
-<file path=ppt/slides/slide22.xml><?xml version="1.0" encoding="utf-8"?>
+<file path=ppt/slides/slide26.xml><?xml version="1.0" encoding="utf-8"?>
 <p:sld xmlns:a="http://schemas.openxmlformats.org/drawingml/2006/main" xmlns:r="http://schemas.openxmlformats.org/officeDocument/2006/relationships" xmlns:p="http://schemas.openxmlformats.org/presentationml/2006/main">
   <p:cSld>
     <p:spTree>
@@ -22920,7 +24368,7 @@
 </p:sld>
 </file>
 
-<file path=ppt/slides/slide23.xml><?xml version="1.0" encoding="utf-8"?>
+<file path=ppt/slides/slide27.xml><?xml version="1.0" encoding="utf-8"?>
 <p:sld xmlns:a="http://schemas.openxmlformats.org/drawingml/2006/main" xmlns:r="http://schemas.openxmlformats.org/officeDocument/2006/relationships" xmlns:p="http://schemas.openxmlformats.org/presentationml/2006/main">
   <p:cSld>
     <p:spTree>
@@ -23507,7 +24955,7 @@
 </p:sld>
 </file>
 
-<file path=ppt/slides/slide24.xml><?xml version="1.0" encoding="utf-8"?>
+<file path=ppt/slides/slide28.xml><?xml version="1.0" encoding="utf-8"?>
 <p:sld xmlns:a="http://schemas.openxmlformats.org/drawingml/2006/main" xmlns:r="http://schemas.openxmlformats.org/officeDocument/2006/relationships" xmlns:p="http://schemas.openxmlformats.org/presentationml/2006/main">
   <p:cSld>
     <p:spTree>
@@ -23736,8 +25184,8 @@
         </p:nvSpPr>
         <p:spPr>
           <a:xfrm>
-            <a:off x="3189130" y="3740938"/>
-            <a:ext cx="1485901" cy="609850"/>
+            <a:off x="3189130" y="3729921"/>
+            <a:ext cx="1658292" cy="609850"/>
           </a:xfrm>
           <a:prstGeom prst="rect">
             <a:avLst/>
@@ -23771,7 +25219,7 @@
               <a:buNone/>
             </a:pPr>
             <a:r>
-              <a:rPr lang="en" sz="1400">
+              <a:rPr lang="en" sz="1400" dirty="0">
                 <a:latin typeface="Twentieth Century"/>
                 <a:ea typeface="Twentieth Century"/>
                 <a:cs typeface="Twentieth Century"/>
@@ -23779,7 +25227,7 @@
               </a:rPr>
               <a:t>Regresión</a:t>
             </a:r>
-            <a:endParaRPr sz="1100"/>
+            <a:endParaRPr sz="1100" dirty="0"/>
           </a:p>
           <a:p>
             <a:pPr marL="0" marR="0" lvl="0" indent="0" algn="l" rtl="0">
@@ -23800,7 +25248,7 @@
               <a:buNone/>
             </a:pPr>
             <a:r>
-              <a:rPr lang="en" sz="1400">
+              <a:rPr lang="en" sz="1400" dirty="0">
                 <a:latin typeface="Twentieth Century"/>
                 <a:ea typeface="Twentieth Century"/>
                 <a:cs typeface="Twentieth Century"/>
@@ -23808,7 +25256,7 @@
               </a:rPr>
               <a:t>Classificacion</a:t>
             </a:r>
-            <a:endParaRPr sz="1400">
+            <a:endParaRPr sz="1400" dirty="0">
               <a:latin typeface="Twentieth Century"/>
               <a:ea typeface="Twentieth Century"/>
               <a:cs typeface="Twentieth Century"/>
@@ -23834,7 +25282,7 @@
               <a:buNone/>
             </a:pPr>
             <a:r>
-              <a:rPr lang="en" sz="1400">
+              <a:rPr lang="en" sz="1400" dirty="0">
                 <a:latin typeface="Twentieth Century"/>
                 <a:ea typeface="Twentieth Century"/>
                 <a:cs typeface="Twentieth Century"/>
@@ -23842,7 +25290,7 @@
               </a:rPr>
               <a:t>Sentiment classification</a:t>
             </a:r>
-            <a:endParaRPr sz="1400">
+            <a:endParaRPr sz="1400" dirty="0">
               <a:latin typeface="Twentieth Century"/>
               <a:ea typeface="Twentieth Century"/>
               <a:cs typeface="Twentieth Century"/>
@@ -23868,7 +25316,7 @@
               <a:buNone/>
             </a:pPr>
             <a:r>
-              <a:rPr lang="en" sz="1400">
+              <a:rPr lang="en" sz="1400" dirty="0">
                 <a:latin typeface="Twentieth Century"/>
                 <a:ea typeface="Twentieth Century"/>
                 <a:cs typeface="Twentieth Century"/>
@@ -23876,7 +25324,7 @@
               </a:rPr>
               <a:t>Resumen de videos</a:t>
             </a:r>
-            <a:endParaRPr sz="1100"/>
+            <a:endParaRPr sz="1100" dirty="0"/>
           </a:p>
           <a:p>
             <a:pPr marL="0" marR="0" lvl="0" indent="0" algn="l" rtl="0">
@@ -23896,7 +25344,7 @@
               <a:buFont typeface="Arial"/>
               <a:buNone/>
             </a:pPr>
-            <a:endParaRPr sz="1400">
+            <a:endParaRPr sz="1400" dirty="0">
               <a:latin typeface="Twentieth Century"/>
               <a:ea typeface="Twentieth Century"/>
               <a:cs typeface="Twentieth Century"/>
@@ -24099,7 +25547,7 @@
 </p:sld>
 </file>
 
-<file path=ppt/slides/slide25.xml><?xml version="1.0" encoding="utf-8"?>
+<file path=ppt/slides/slide29.xml><?xml version="1.0" encoding="utf-8"?>
 <p:sld xmlns:a="http://schemas.openxmlformats.org/drawingml/2006/main" xmlns:r="http://schemas.openxmlformats.org/officeDocument/2006/relationships" xmlns:p="http://schemas.openxmlformats.org/presentationml/2006/main">
   <p:cSld>
     <p:spTree>
@@ -25052,7 +26500,394 @@
 </p:sld>
 </file>
 
-<file path=ppt/slides/slide26.xml><?xml version="1.0" encoding="utf-8"?>
+<file path=ppt/slides/slide3.xml><?xml version="1.0" encoding="utf-8"?>
+<p:sld xmlns:a="http://schemas.openxmlformats.org/drawingml/2006/main" xmlns:r="http://schemas.openxmlformats.org/officeDocument/2006/relationships" xmlns:p="http://schemas.openxmlformats.org/presentationml/2006/main">
+  <p:cSld>
+    <p:spTree>
+      <p:nvGrpSpPr>
+        <p:cNvPr id="1" name="Shape 88"/>
+        <p:cNvGrpSpPr/>
+        <p:nvPr/>
+      </p:nvGrpSpPr>
+      <p:grpSpPr>
+        <a:xfrm>
+          <a:off x="0" y="0"/>
+          <a:ext cx="0" cy="0"/>
+          <a:chOff x="0" y="0"/>
+          <a:chExt cx="0" cy="0"/>
+        </a:xfrm>
+      </p:grpSpPr>
+      <p:sp>
+        <p:nvSpPr>
+          <p:cNvPr id="89" name="Google Shape;89;g21c03c1d1e6_1_8"/>
+          <p:cNvSpPr txBox="1"/>
+          <p:nvPr/>
+        </p:nvSpPr>
+        <p:spPr>
+          <a:xfrm>
+            <a:off x="251252" y="1021834"/>
+            <a:ext cx="8641500" cy="814500"/>
+          </a:xfrm>
+          <a:prstGeom prst="rect">
+            <a:avLst/>
+          </a:prstGeom>
+          <a:noFill/>
+          <a:ln>
+            <a:noFill/>
+          </a:ln>
+        </p:spPr>
+        <p:txBody>
+          <a:bodyPr spcFirstLastPara="1" wrap="square" lIns="68575" tIns="34275" rIns="68575" bIns="34275" anchor="t" anchorCtr="0">
+            <a:noAutofit/>
+          </a:bodyPr>
+          <a:lstStyle/>
+          <a:p>
+            <a:pPr marL="0" marR="0" lvl="0" indent="0" algn="l" rtl="0">
+              <a:lnSpc>
+                <a:spcPct val="90000"/>
+              </a:lnSpc>
+              <a:spcBef>
+                <a:spcPts val="0"/>
+              </a:spcBef>
+              <a:spcAft>
+                <a:spcPts val="0"/>
+              </a:spcAft>
+              <a:buClr>
+                <a:schemeClr val="dk1"/>
+              </a:buClr>
+              <a:buSzPts val="2100"/>
+              <a:buFont typeface="Arial"/>
+              <a:buNone/>
+            </a:pPr>
+            <a:r>
+              <a:rPr lang="en" sz="2100" b="0" i="0" u="none" strike="noStrike" cap="none">
+                <a:latin typeface="Twentieth Century"/>
+                <a:ea typeface="Twentieth Century"/>
+                <a:cs typeface="Twentieth Century"/>
+                <a:sym typeface="Twentieth Century"/>
+              </a:rPr>
+              <a:t>Red neuronal </a:t>
+            </a:r>
+            <a:r>
+              <a:rPr lang="en" sz="2100" b="1" i="0" u="none" strike="noStrike" cap="none">
+                <a:latin typeface="Twentieth Century"/>
+                <a:ea typeface="Twentieth Century"/>
+                <a:cs typeface="Twentieth Century"/>
+                <a:sym typeface="Twentieth Century"/>
+              </a:rPr>
+              <a:t>favorita</a:t>
+            </a:r>
+            <a:r>
+              <a:rPr lang="en" sz="2100" b="0" i="0" u="none" strike="noStrike" cap="none">
+                <a:latin typeface="Twentieth Century"/>
+                <a:ea typeface="Twentieth Century"/>
+                <a:cs typeface="Twentieth Century"/>
+                <a:sym typeface="Twentieth Century"/>
+              </a:rPr>
+              <a:t> para el trabajo secuencias ( datos que en cuya naturaleza exista un </a:t>
+            </a:r>
+            <a:r>
+              <a:rPr lang="en" sz="2100" b="1" i="0" u="none" strike="noStrike" cap="none">
+                <a:latin typeface="Twentieth Century"/>
+                <a:ea typeface="Twentieth Century"/>
+                <a:cs typeface="Twentieth Century"/>
+                <a:sym typeface="Twentieth Century"/>
+              </a:rPr>
+              <a:t>comportamiento secuencial</a:t>
+            </a:r>
+            <a:r>
+              <a:rPr lang="en" sz="2100" b="0" i="0" u="none" strike="noStrike" cap="none">
+                <a:latin typeface="Twentieth Century"/>
+                <a:ea typeface="Twentieth Century"/>
+                <a:cs typeface="Twentieth Century"/>
+                <a:sym typeface="Twentieth Century"/>
+              </a:rPr>
+              <a:t>):</a:t>
+            </a:r>
+            <a:endParaRPr sz="1100"/>
+          </a:p>
+          <a:p>
+            <a:pPr marL="0" marR="0" lvl="0" indent="0" algn="l" rtl="0">
+              <a:lnSpc>
+                <a:spcPct val="90000"/>
+              </a:lnSpc>
+              <a:spcBef>
+                <a:spcPts val="800"/>
+              </a:spcBef>
+              <a:spcAft>
+                <a:spcPts val="0"/>
+              </a:spcAft>
+              <a:buClr>
+                <a:schemeClr val="lt1"/>
+              </a:buClr>
+              <a:buSzPts val="2100"/>
+              <a:buFont typeface="Arial"/>
+              <a:buNone/>
+            </a:pPr>
+            <a:endParaRPr sz="2100" b="0" i="0" u="none" strike="noStrike" cap="none">
+              <a:latin typeface="Twentieth Century"/>
+              <a:ea typeface="Twentieth Century"/>
+              <a:cs typeface="Twentieth Century"/>
+              <a:sym typeface="Twentieth Century"/>
+            </a:endParaRPr>
+          </a:p>
+          <a:p>
+            <a:pPr marL="0" marR="0" lvl="0" indent="0" algn="l" rtl="0">
+              <a:lnSpc>
+                <a:spcPct val="90000"/>
+              </a:lnSpc>
+              <a:spcBef>
+                <a:spcPts val="800"/>
+              </a:spcBef>
+              <a:spcAft>
+                <a:spcPts val="0"/>
+              </a:spcAft>
+              <a:buClr>
+                <a:schemeClr val="dk1"/>
+              </a:buClr>
+              <a:buSzPts val="2100"/>
+              <a:buFont typeface="Arial"/>
+              <a:buNone/>
+            </a:pPr>
+            <a:r>
+              <a:rPr lang="en" sz="2100" b="0" i="0" u="none" strike="noStrike" cap="none">
+                <a:latin typeface="Twentieth Century"/>
+                <a:ea typeface="Twentieth Century"/>
+                <a:cs typeface="Twentieth Century"/>
+                <a:sym typeface="Twentieth Century"/>
+              </a:rPr>
+              <a:t>	- señales temporales</a:t>
+            </a:r>
+            <a:endParaRPr sz="1100"/>
+          </a:p>
+          <a:p>
+            <a:pPr marL="0" marR="0" lvl="0" indent="0" algn="l" rtl="0">
+              <a:lnSpc>
+                <a:spcPct val="90000"/>
+              </a:lnSpc>
+              <a:spcBef>
+                <a:spcPts val="800"/>
+              </a:spcBef>
+              <a:spcAft>
+                <a:spcPts val="0"/>
+              </a:spcAft>
+              <a:buClr>
+                <a:schemeClr val="dk1"/>
+              </a:buClr>
+              <a:buSzPts val="2100"/>
+              <a:buFont typeface="Arial"/>
+              <a:buNone/>
+            </a:pPr>
+            <a:r>
+              <a:rPr lang="en" sz="2100" b="0" i="0" u="none" strike="noStrike" cap="none">
+                <a:latin typeface="Twentieth Century"/>
+                <a:ea typeface="Twentieth Century"/>
+                <a:cs typeface="Twentieth Century"/>
+                <a:sym typeface="Twentieth Century"/>
+              </a:rPr>
+              <a:t>	- series temporales</a:t>
+            </a:r>
+            <a:endParaRPr sz="1100"/>
+          </a:p>
+          <a:p>
+            <a:pPr marL="0" marR="0" lvl="0" indent="0" algn="l" rtl="0">
+              <a:lnSpc>
+                <a:spcPct val="90000"/>
+              </a:lnSpc>
+              <a:spcBef>
+                <a:spcPts val="800"/>
+              </a:spcBef>
+              <a:spcAft>
+                <a:spcPts val="0"/>
+              </a:spcAft>
+              <a:buClr>
+                <a:schemeClr val="dk1"/>
+              </a:buClr>
+              <a:buSzPts val="2100"/>
+              <a:buFont typeface="Arial"/>
+              <a:buNone/>
+            </a:pPr>
+            <a:r>
+              <a:rPr lang="en" sz="2100" b="0" i="0" u="none" strike="noStrike" cap="none">
+                <a:latin typeface="Twentieth Century"/>
+                <a:ea typeface="Twentieth Century"/>
+                <a:cs typeface="Twentieth Century"/>
+                <a:sym typeface="Twentieth Century"/>
+              </a:rPr>
+              <a:t>	- texto</a:t>
+            </a:r>
+            <a:endParaRPr sz="1100"/>
+          </a:p>
+          <a:p>
+            <a:pPr marL="0" marR="0" lvl="0" indent="0" algn="l" rtl="0">
+              <a:lnSpc>
+                <a:spcPct val="90000"/>
+              </a:lnSpc>
+              <a:spcBef>
+                <a:spcPts val="800"/>
+              </a:spcBef>
+              <a:spcAft>
+                <a:spcPts val="0"/>
+              </a:spcAft>
+              <a:buClr>
+                <a:schemeClr val="dk1"/>
+              </a:buClr>
+              <a:buSzPts val="2100"/>
+              <a:buFont typeface="Arial"/>
+              <a:buNone/>
+            </a:pPr>
+            <a:r>
+              <a:rPr lang="en" sz="2100" b="0" i="0" u="none" strike="noStrike" cap="none">
+                <a:latin typeface="Twentieth Century"/>
+                <a:ea typeface="Twentieth Century"/>
+                <a:cs typeface="Twentieth Century"/>
+                <a:sym typeface="Twentieth Century"/>
+              </a:rPr>
+              <a:t>	- habla</a:t>
+            </a:r>
+            <a:endParaRPr sz="1100"/>
+          </a:p>
+          <a:p>
+            <a:pPr marL="0" marR="0" lvl="0" indent="0" algn="l" rtl="0">
+              <a:lnSpc>
+                <a:spcPct val="90000"/>
+              </a:lnSpc>
+              <a:spcBef>
+                <a:spcPts val="800"/>
+              </a:spcBef>
+              <a:spcAft>
+                <a:spcPts val="0"/>
+              </a:spcAft>
+              <a:buClr>
+                <a:schemeClr val="dk1"/>
+              </a:buClr>
+              <a:buSzPts val="2100"/>
+              <a:buFont typeface="Arial"/>
+              <a:buNone/>
+            </a:pPr>
+            <a:r>
+              <a:rPr lang="en" sz="2100" b="0" i="0" u="none" strike="noStrike" cap="none">
+                <a:latin typeface="Twentieth Century"/>
+                <a:ea typeface="Twentieth Century"/>
+                <a:cs typeface="Twentieth Century"/>
+                <a:sym typeface="Twentieth Century"/>
+              </a:rPr>
+              <a:t>	- música</a:t>
+            </a:r>
+            <a:endParaRPr sz="1100"/>
+          </a:p>
+          <a:p>
+            <a:pPr marL="0" marR="0" lvl="0" indent="0" algn="l" rtl="0">
+              <a:lnSpc>
+                <a:spcPct val="90000"/>
+              </a:lnSpc>
+              <a:spcBef>
+                <a:spcPts val="800"/>
+              </a:spcBef>
+              <a:spcAft>
+                <a:spcPts val="0"/>
+              </a:spcAft>
+              <a:buClr>
+                <a:schemeClr val="dk1"/>
+              </a:buClr>
+              <a:buSzPts val="2100"/>
+              <a:buFont typeface="Arial"/>
+              <a:buNone/>
+            </a:pPr>
+            <a:r>
+              <a:rPr lang="en" sz="2100" b="0" i="0" u="none" strike="noStrike" cap="none">
+                <a:latin typeface="Twentieth Century"/>
+                <a:ea typeface="Twentieth Century"/>
+                <a:cs typeface="Twentieth Century"/>
+                <a:sym typeface="Twentieth Century"/>
+              </a:rPr>
+              <a:t>	- etc</a:t>
+            </a:r>
+            <a:endParaRPr sz="2100" b="0" i="0" u="none" strike="noStrike" cap="none">
+              <a:latin typeface="Twentieth Century"/>
+              <a:ea typeface="Twentieth Century"/>
+              <a:cs typeface="Twentieth Century"/>
+              <a:sym typeface="Twentieth Century"/>
+            </a:endParaRPr>
+          </a:p>
+          <a:p>
+            <a:pPr marL="0" marR="0" lvl="0" indent="0" algn="l" rtl="0">
+              <a:lnSpc>
+                <a:spcPct val="90000"/>
+              </a:lnSpc>
+              <a:spcBef>
+                <a:spcPts val="800"/>
+              </a:spcBef>
+              <a:spcAft>
+                <a:spcPts val="0"/>
+              </a:spcAft>
+              <a:buClr>
+                <a:schemeClr val="lt1"/>
+              </a:buClr>
+              <a:buSzPts val="2100"/>
+              <a:buFont typeface="Arial"/>
+              <a:buNone/>
+            </a:pPr>
+            <a:endParaRPr sz="2100" b="0" i="0" u="none" strike="noStrike" cap="none">
+              <a:latin typeface="Twentieth Century"/>
+              <a:ea typeface="Twentieth Century"/>
+              <a:cs typeface="Twentieth Century"/>
+              <a:sym typeface="Twentieth Century"/>
+            </a:endParaRPr>
+          </a:p>
+        </p:txBody>
+      </p:sp>
+      <p:sp>
+        <p:nvSpPr>
+          <p:cNvPr id="90" name="Google Shape;90;g21c03c1d1e6_1_8"/>
+          <p:cNvSpPr txBox="1">
+            <a:spLocks noGrp="1"/>
+          </p:cNvSpPr>
+          <p:nvPr>
+            <p:ph type="title"/>
+          </p:nvPr>
+        </p:nvSpPr>
+        <p:spPr>
+          <a:xfrm>
+            <a:off x="98250" y="16350"/>
+            <a:ext cx="8826600" cy="602700"/>
+          </a:xfrm>
+          <a:prstGeom prst="rect">
+            <a:avLst/>
+          </a:prstGeom>
+        </p:spPr>
+        <p:txBody>
+          <a:bodyPr spcFirstLastPara="1" wrap="square" lIns="91425" tIns="91425" rIns="91425" bIns="91425" anchor="ctr" anchorCtr="0">
+            <a:normAutofit/>
+          </a:bodyPr>
+          <a:lstStyle/>
+          <a:p>
+            <a:pPr marL="0" lvl="0" indent="0" algn="l" rtl="0">
+              <a:spcBef>
+                <a:spcPts val="0"/>
+              </a:spcBef>
+              <a:spcAft>
+                <a:spcPts val="0"/>
+              </a:spcAft>
+              <a:buNone/>
+            </a:pPr>
+            <a:r>
+              <a:rPr lang="en"/>
+              <a:t>Redes recurrentes - Introducción</a:t>
+            </a:r>
+            <a:endParaRPr/>
+          </a:p>
+        </p:txBody>
+      </p:sp>
+    </p:spTree>
+  </p:cSld>
+  <p:clrMapOvr>
+    <a:masterClrMapping/>
+  </p:clrMapOvr>
+</p:sld>
+</file>
+
+<file path=ppt/slides/slide30.xml><?xml version="1.0" encoding="utf-8"?>
 <p:sld xmlns:a="http://schemas.openxmlformats.org/drawingml/2006/main" xmlns:r="http://schemas.openxmlformats.org/officeDocument/2006/relationships" xmlns:p="http://schemas.openxmlformats.org/presentationml/2006/main">
   <p:cSld>
     <p:spTree>
@@ -25366,7 +27201,7 @@
 </p:sld>
 </file>
 
-<file path=ppt/slides/slide27.xml><?xml version="1.0" encoding="utf-8"?>
+<file path=ppt/slides/slide31.xml><?xml version="1.0" encoding="utf-8"?>
 <p:sld xmlns:a="http://schemas.openxmlformats.org/drawingml/2006/main" xmlns:r="http://schemas.openxmlformats.org/officeDocument/2006/relationships" xmlns:p="http://schemas.openxmlformats.org/presentationml/2006/main">
   <p:cSld>
     <p:spTree>
@@ -25678,7 +27513,7 @@
 </p:sld>
 </file>
 
-<file path=ppt/slides/slide28.xml><?xml version="1.0" encoding="utf-8"?>
+<file path=ppt/slides/slide32.xml><?xml version="1.0" encoding="utf-8"?>
 <p:sld xmlns:a="http://schemas.openxmlformats.org/drawingml/2006/main" xmlns:r="http://schemas.openxmlformats.org/officeDocument/2006/relationships" xmlns:p="http://schemas.openxmlformats.org/presentationml/2006/main">
   <p:cSld>
     <p:spTree>
@@ -25992,7 +27827,7 @@
 </p:sld>
 </file>
 
-<file path=ppt/slides/slide29.xml><?xml version="1.0" encoding="utf-8"?>
+<file path=ppt/slides/slide33.xml><?xml version="1.0" encoding="utf-8"?>
 <p:sld xmlns:a="http://schemas.openxmlformats.org/drawingml/2006/main" xmlns:r="http://schemas.openxmlformats.org/officeDocument/2006/relationships" xmlns:p="http://schemas.openxmlformats.org/presentationml/2006/main">
   <p:cSld>
     <p:spTree>
@@ -26414,394 +28249,7 @@
 </p:sld>
 </file>
 
-<file path=ppt/slides/slide3.xml><?xml version="1.0" encoding="utf-8"?>
-<p:sld xmlns:a="http://schemas.openxmlformats.org/drawingml/2006/main" xmlns:r="http://schemas.openxmlformats.org/officeDocument/2006/relationships" xmlns:p="http://schemas.openxmlformats.org/presentationml/2006/main">
-  <p:cSld>
-    <p:spTree>
-      <p:nvGrpSpPr>
-        <p:cNvPr id="1" name="Shape 88"/>
-        <p:cNvGrpSpPr/>
-        <p:nvPr/>
-      </p:nvGrpSpPr>
-      <p:grpSpPr>
-        <a:xfrm>
-          <a:off x="0" y="0"/>
-          <a:ext cx="0" cy="0"/>
-          <a:chOff x="0" y="0"/>
-          <a:chExt cx="0" cy="0"/>
-        </a:xfrm>
-      </p:grpSpPr>
-      <p:sp>
-        <p:nvSpPr>
-          <p:cNvPr id="89" name="Google Shape;89;g21c03c1d1e6_1_8"/>
-          <p:cNvSpPr txBox="1"/>
-          <p:nvPr/>
-        </p:nvSpPr>
-        <p:spPr>
-          <a:xfrm>
-            <a:off x="251252" y="1021834"/>
-            <a:ext cx="8641500" cy="814500"/>
-          </a:xfrm>
-          <a:prstGeom prst="rect">
-            <a:avLst/>
-          </a:prstGeom>
-          <a:noFill/>
-          <a:ln>
-            <a:noFill/>
-          </a:ln>
-        </p:spPr>
-        <p:txBody>
-          <a:bodyPr spcFirstLastPara="1" wrap="square" lIns="68575" tIns="34275" rIns="68575" bIns="34275" anchor="t" anchorCtr="0">
-            <a:noAutofit/>
-          </a:bodyPr>
-          <a:lstStyle/>
-          <a:p>
-            <a:pPr marL="0" marR="0" lvl="0" indent="0" algn="l" rtl="0">
-              <a:lnSpc>
-                <a:spcPct val="90000"/>
-              </a:lnSpc>
-              <a:spcBef>
-                <a:spcPts val="0"/>
-              </a:spcBef>
-              <a:spcAft>
-                <a:spcPts val="0"/>
-              </a:spcAft>
-              <a:buClr>
-                <a:schemeClr val="dk1"/>
-              </a:buClr>
-              <a:buSzPts val="2100"/>
-              <a:buFont typeface="Arial"/>
-              <a:buNone/>
-            </a:pPr>
-            <a:r>
-              <a:rPr lang="en" sz="2100" b="0" i="0" u="none" strike="noStrike" cap="none">
-                <a:latin typeface="Twentieth Century"/>
-                <a:ea typeface="Twentieth Century"/>
-                <a:cs typeface="Twentieth Century"/>
-                <a:sym typeface="Twentieth Century"/>
-              </a:rPr>
-              <a:t>Red neuronal </a:t>
-            </a:r>
-            <a:r>
-              <a:rPr lang="en" sz="2100" b="1" i="0" u="none" strike="noStrike" cap="none">
-                <a:latin typeface="Twentieth Century"/>
-                <a:ea typeface="Twentieth Century"/>
-                <a:cs typeface="Twentieth Century"/>
-                <a:sym typeface="Twentieth Century"/>
-              </a:rPr>
-              <a:t>favorita</a:t>
-            </a:r>
-            <a:r>
-              <a:rPr lang="en" sz="2100" b="0" i="0" u="none" strike="noStrike" cap="none">
-                <a:latin typeface="Twentieth Century"/>
-                <a:ea typeface="Twentieth Century"/>
-                <a:cs typeface="Twentieth Century"/>
-                <a:sym typeface="Twentieth Century"/>
-              </a:rPr>
-              <a:t> para el trabajo secuencias ( datos que en cuya naturaleza exista un </a:t>
-            </a:r>
-            <a:r>
-              <a:rPr lang="en" sz="2100" b="1" i="0" u="none" strike="noStrike" cap="none">
-                <a:latin typeface="Twentieth Century"/>
-                <a:ea typeface="Twentieth Century"/>
-                <a:cs typeface="Twentieth Century"/>
-                <a:sym typeface="Twentieth Century"/>
-              </a:rPr>
-              <a:t>comportamiento secuencial</a:t>
-            </a:r>
-            <a:r>
-              <a:rPr lang="en" sz="2100" b="0" i="0" u="none" strike="noStrike" cap="none">
-                <a:latin typeface="Twentieth Century"/>
-                <a:ea typeface="Twentieth Century"/>
-                <a:cs typeface="Twentieth Century"/>
-                <a:sym typeface="Twentieth Century"/>
-              </a:rPr>
-              <a:t>):</a:t>
-            </a:r>
-            <a:endParaRPr sz="1100"/>
-          </a:p>
-          <a:p>
-            <a:pPr marL="0" marR="0" lvl="0" indent="0" algn="l" rtl="0">
-              <a:lnSpc>
-                <a:spcPct val="90000"/>
-              </a:lnSpc>
-              <a:spcBef>
-                <a:spcPts val="800"/>
-              </a:spcBef>
-              <a:spcAft>
-                <a:spcPts val="0"/>
-              </a:spcAft>
-              <a:buClr>
-                <a:schemeClr val="lt1"/>
-              </a:buClr>
-              <a:buSzPts val="2100"/>
-              <a:buFont typeface="Arial"/>
-              <a:buNone/>
-            </a:pPr>
-            <a:endParaRPr sz="2100" b="0" i="0" u="none" strike="noStrike" cap="none">
-              <a:latin typeface="Twentieth Century"/>
-              <a:ea typeface="Twentieth Century"/>
-              <a:cs typeface="Twentieth Century"/>
-              <a:sym typeface="Twentieth Century"/>
-            </a:endParaRPr>
-          </a:p>
-          <a:p>
-            <a:pPr marL="0" marR="0" lvl="0" indent="0" algn="l" rtl="0">
-              <a:lnSpc>
-                <a:spcPct val="90000"/>
-              </a:lnSpc>
-              <a:spcBef>
-                <a:spcPts val="800"/>
-              </a:spcBef>
-              <a:spcAft>
-                <a:spcPts val="0"/>
-              </a:spcAft>
-              <a:buClr>
-                <a:schemeClr val="dk1"/>
-              </a:buClr>
-              <a:buSzPts val="2100"/>
-              <a:buFont typeface="Arial"/>
-              <a:buNone/>
-            </a:pPr>
-            <a:r>
-              <a:rPr lang="en" sz="2100" b="0" i="0" u="none" strike="noStrike" cap="none">
-                <a:latin typeface="Twentieth Century"/>
-                <a:ea typeface="Twentieth Century"/>
-                <a:cs typeface="Twentieth Century"/>
-                <a:sym typeface="Twentieth Century"/>
-              </a:rPr>
-              <a:t>	- señales temporales</a:t>
-            </a:r>
-            <a:endParaRPr sz="1100"/>
-          </a:p>
-          <a:p>
-            <a:pPr marL="0" marR="0" lvl="0" indent="0" algn="l" rtl="0">
-              <a:lnSpc>
-                <a:spcPct val="90000"/>
-              </a:lnSpc>
-              <a:spcBef>
-                <a:spcPts val="800"/>
-              </a:spcBef>
-              <a:spcAft>
-                <a:spcPts val="0"/>
-              </a:spcAft>
-              <a:buClr>
-                <a:schemeClr val="dk1"/>
-              </a:buClr>
-              <a:buSzPts val="2100"/>
-              <a:buFont typeface="Arial"/>
-              <a:buNone/>
-            </a:pPr>
-            <a:r>
-              <a:rPr lang="en" sz="2100" b="0" i="0" u="none" strike="noStrike" cap="none">
-                <a:latin typeface="Twentieth Century"/>
-                <a:ea typeface="Twentieth Century"/>
-                <a:cs typeface="Twentieth Century"/>
-                <a:sym typeface="Twentieth Century"/>
-              </a:rPr>
-              <a:t>	- series temporales</a:t>
-            </a:r>
-            <a:endParaRPr sz="1100"/>
-          </a:p>
-          <a:p>
-            <a:pPr marL="0" marR="0" lvl="0" indent="0" algn="l" rtl="0">
-              <a:lnSpc>
-                <a:spcPct val="90000"/>
-              </a:lnSpc>
-              <a:spcBef>
-                <a:spcPts val="800"/>
-              </a:spcBef>
-              <a:spcAft>
-                <a:spcPts val="0"/>
-              </a:spcAft>
-              <a:buClr>
-                <a:schemeClr val="dk1"/>
-              </a:buClr>
-              <a:buSzPts val="2100"/>
-              <a:buFont typeface="Arial"/>
-              <a:buNone/>
-            </a:pPr>
-            <a:r>
-              <a:rPr lang="en" sz="2100" b="0" i="0" u="none" strike="noStrike" cap="none">
-                <a:latin typeface="Twentieth Century"/>
-                <a:ea typeface="Twentieth Century"/>
-                <a:cs typeface="Twentieth Century"/>
-                <a:sym typeface="Twentieth Century"/>
-              </a:rPr>
-              <a:t>	- texto</a:t>
-            </a:r>
-            <a:endParaRPr sz="1100"/>
-          </a:p>
-          <a:p>
-            <a:pPr marL="0" marR="0" lvl="0" indent="0" algn="l" rtl="0">
-              <a:lnSpc>
-                <a:spcPct val="90000"/>
-              </a:lnSpc>
-              <a:spcBef>
-                <a:spcPts val="800"/>
-              </a:spcBef>
-              <a:spcAft>
-                <a:spcPts val="0"/>
-              </a:spcAft>
-              <a:buClr>
-                <a:schemeClr val="dk1"/>
-              </a:buClr>
-              <a:buSzPts val="2100"/>
-              <a:buFont typeface="Arial"/>
-              <a:buNone/>
-            </a:pPr>
-            <a:r>
-              <a:rPr lang="en" sz="2100" b="0" i="0" u="none" strike="noStrike" cap="none">
-                <a:latin typeface="Twentieth Century"/>
-                <a:ea typeface="Twentieth Century"/>
-                <a:cs typeface="Twentieth Century"/>
-                <a:sym typeface="Twentieth Century"/>
-              </a:rPr>
-              <a:t>	- habla</a:t>
-            </a:r>
-            <a:endParaRPr sz="1100"/>
-          </a:p>
-          <a:p>
-            <a:pPr marL="0" marR="0" lvl="0" indent="0" algn="l" rtl="0">
-              <a:lnSpc>
-                <a:spcPct val="90000"/>
-              </a:lnSpc>
-              <a:spcBef>
-                <a:spcPts val="800"/>
-              </a:spcBef>
-              <a:spcAft>
-                <a:spcPts val="0"/>
-              </a:spcAft>
-              <a:buClr>
-                <a:schemeClr val="dk1"/>
-              </a:buClr>
-              <a:buSzPts val="2100"/>
-              <a:buFont typeface="Arial"/>
-              <a:buNone/>
-            </a:pPr>
-            <a:r>
-              <a:rPr lang="en" sz="2100" b="0" i="0" u="none" strike="noStrike" cap="none">
-                <a:latin typeface="Twentieth Century"/>
-                <a:ea typeface="Twentieth Century"/>
-                <a:cs typeface="Twentieth Century"/>
-                <a:sym typeface="Twentieth Century"/>
-              </a:rPr>
-              <a:t>	- música</a:t>
-            </a:r>
-            <a:endParaRPr sz="1100"/>
-          </a:p>
-          <a:p>
-            <a:pPr marL="0" marR="0" lvl="0" indent="0" algn="l" rtl="0">
-              <a:lnSpc>
-                <a:spcPct val="90000"/>
-              </a:lnSpc>
-              <a:spcBef>
-                <a:spcPts val="800"/>
-              </a:spcBef>
-              <a:spcAft>
-                <a:spcPts val="0"/>
-              </a:spcAft>
-              <a:buClr>
-                <a:schemeClr val="dk1"/>
-              </a:buClr>
-              <a:buSzPts val="2100"/>
-              <a:buFont typeface="Arial"/>
-              <a:buNone/>
-            </a:pPr>
-            <a:r>
-              <a:rPr lang="en" sz="2100" b="0" i="0" u="none" strike="noStrike" cap="none">
-                <a:latin typeface="Twentieth Century"/>
-                <a:ea typeface="Twentieth Century"/>
-                <a:cs typeface="Twentieth Century"/>
-                <a:sym typeface="Twentieth Century"/>
-              </a:rPr>
-              <a:t>	- etc</a:t>
-            </a:r>
-            <a:endParaRPr sz="2100" b="0" i="0" u="none" strike="noStrike" cap="none">
-              <a:latin typeface="Twentieth Century"/>
-              <a:ea typeface="Twentieth Century"/>
-              <a:cs typeface="Twentieth Century"/>
-              <a:sym typeface="Twentieth Century"/>
-            </a:endParaRPr>
-          </a:p>
-          <a:p>
-            <a:pPr marL="0" marR="0" lvl="0" indent="0" algn="l" rtl="0">
-              <a:lnSpc>
-                <a:spcPct val="90000"/>
-              </a:lnSpc>
-              <a:spcBef>
-                <a:spcPts val="800"/>
-              </a:spcBef>
-              <a:spcAft>
-                <a:spcPts val="0"/>
-              </a:spcAft>
-              <a:buClr>
-                <a:schemeClr val="lt1"/>
-              </a:buClr>
-              <a:buSzPts val="2100"/>
-              <a:buFont typeface="Arial"/>
-              <a:buNone/>
-            </a:pPr>
-            <a:endParaRPr sz="2100" b="0" i="0" u="none" strike="noStrike" cap="none">
-              <a:latin typeface="Twentieth Century"/>
-              <a:ea typeface="Twentieth Century"/>
-              <a:cs typeface="Twentieth Century"/>
-              <a:sym typeface="Twentieth Century"/>
-            </a:endParaRPr>
-          </a:p>
-        </p:txBody>
-      </p:sp>
-      <p:sp>
-        <p:nvSpPr>
-          <p:cNvPr id="90" name="Google Shape;90;g21c03c1d1e6_1_8"/>
-          <p:cNvSpPr txBox="1">
-            <a:spLocks noGrp="1"/>
-          </p:cNvSpPr>
-          <p:nvPr>
-            <p:ph type="title"/>
-          </p:nvPr>
-        </p:nvSpPr>
-        <p:spPr>
-          <a:xfrm>
-            <a:off x="98250" y="16350"/>
-            <a:ext cx="8826600" cy="602700"/>
-          </a:xfrm>
-          <a:prstGeom prst="rect">
-            <a:avLst/>
-          </a:prstGeom>
-        </p:spPr>
-        <p:txBody>
-          <a:bodyPr spcFirstLastPara="1" wrap="square" lIns="91425" tIns="91425" rIns="91425" bIns="91425" anchor="ctr" anchorCtr="0">
-            <a:normAutofit/>
-          </a:bodyPr>
-          <a:lstStyle/>
-          <a:p>
-            <a:pPr marL="0" lvl="0" indent="0" algn="l" rtl="0">
-              <a:spcBef>
-                <a:spcPts val="0"/>
-              </a:spcBef>
-              <a:spcAft>
-                <a:spcPts val="0"/>
-              </a:spcAft>
-              <a:buNone/>
-            </a:pPr>
-            <a:r>
-              <a:rPr lang="en"/>
-              <a:t>Redes recurrentes - Introducción</a:t>
-            </a:r>
-            <a:endParaRPr/>
-          </a:p>
-        </p:txBody>
-      </p:sp>
-    </p:spTree>
-  </p:cSld>
-  <p:clrMapOvr>
-    <a:masterClrMapping/>
-  </p:clrMapOvr>
-</p:sld>
-</file>
-
-<file path=ppt/slides/slide30.xml><?xml version="1.0" encoding="utf-8"?>
+<file path=ppt/slides/slide34.xml><?xml version="1.0" encoding="utf-8"?>
 <p:sld xmlns:a="http://schemas.openxmlformats.org/drawingml/2006/main" xmlns:r="http://schemas.openxmlformats.org/officeDocument/2006/relationships" xmlns:p="http://schemas.openxmlformats.org/presentationml/2006/main">
   <p:cSld>
     <p:spTree>
@@ -27493,7 +28941,7 @@
 </p:sld>
 </file>
 
-<file path=ppt/slides/slide31.xml><?xml version="1.0" encoding="utf-8"?>
+<file path=ppt/slides/slide35.xml><?xml version="1.0" encoding="utf-8"?>
 <p:sld xmlns:a="http://schemas.openxmlformats.org/drawingml/2006/main" xmlns:r="http://schemas.openxmlformats.org/officeDocument/2006/relationships" xmlns:p="http://schemas.openxmlformats.org/presentationml/2006/main">
   <p:cSld>
     <p:spTree>
@@ -28347,7 +29795,7 @@
 </p:sld>
 </file>
 
-<file path=ppt/slides/slide32.xml><?xml version="1.0" encoding="utf-8"?>
+<file path=ppt/slides/slide36.xml><?xml version="1.0" encoding="utf-8"?>
 <p:sld xmlns:a="http://schemas.openxmlformats.org/drawingml/2006/main" xmlns:r="http://schemas.openxmlformats.org/officeDocument/2006/relationships" xmlns:p="http://schemas.openxmlformats.org/presentationml/2006/main">
   <p:cSld>
     <p:spTree>
@@ -29345,7 +30793,7 @@
 </p:sld>
 </file>
 
-<file path=ppt/slides/slide33.xml><?xml version="1.0" encoding="utf-8"?>
+<file path=ppt/slides/slide37.xml><?xml version="1.0" encoding="utf-8"?>
 <p:sld xmlns:a="http://schemas.openxmlformats.org/drawingml/2006/main" xmlns:r="http://schemas.openxmlformats.org/officeDocument/2006/relationships" xmlns:p="http://schemas.openxmlformats.org/presentationml/2006/main">
   <p:cSld>
     <p:spTree>
@@ -29944,7 +31392,7 @@
 </p:sld>
 </file>
 
-<file path=ppt/slides/slide34.xml><?xml version="1.0" encoding="utf-8"?>
+<file path=ppt/slides/slide38.xml><?xml version="1.0" encoding="utf-8"?>
 <p:sld xmlns:a="http://schemas.openxmlformats.org/drawingml/2006/main" xmlns:r="http://schemas.openxmlformats.org/officeDocument/2006/relationships" xmlns:p="http://schemas.openxmlformats.org/presentationml/2006/main">
   <p:cSld>
     <p:spTree>
@@ -30440,7 +31888,7 @@
 </p:sld>
 </file>
 
-<file path=ppt/slides/slide35.xml><?xml version="1.0" encoding="utf-8"?>
+<file path=ppt/slides/slide39.xml><?xml version="1.0" encoding="utf-8"?>
 <p:sld xmlns:a="http://schemas.openxmlformats.org/drawingml/2006/main" xmlns:r="http://schemas.openxmlformats.org/officeDocument/2006/relationships" xmlns:p="http://schemas.openxmlformats.org/presentationml/2006/main">
   <p:cSld>
     <p:spTree>

--- a/clase_6/teoria/Clase_6.pptx
+++ b/clase_6/teoria/Clase_6.pptx
@@ -5,7 +5,7 @@
     <p:sldMasterId id="2147483648" r:id="rId1"/>
   </p:sldMasterIdLst>
   <p:notesMasterIdLst>
-    <p:notesMasterId r:id="rId41"/>
+    <p:notesMasterId r:id="rId43"/>
   </p:notesMasterIdLst>
   <p:sldIdLst>
     <p:sldId id="256" r:id="rId2"/>
@@ -16,47 +16,49 @@
     <p:sldId id="261" r:id="rId7"/>
     <p:sldId id="262" r:id="rId8"/>
     <p:sldId id="263" r:id="rId9"/>
-    <p:sldId id="264" r:id="rId10"/>
-    <p:sldId id="265" r:id="rId11"/>
-    <p:sldId id="266" r:id="rId12"/>
-    <p:sldId id="267" r:id="rId13"/>
-    <p:sldId id="268" r:id="rId14"/>
-    <p:sldId id="269" r:id="rId15"/>
-    <p:sldId id="270" r:id="rId16"/>
-    <p:sldId id="271" r:id="rId17"/>
-    <p:sldId id="291" r:id="rId18"/>
-    <p:sldId id="292" r:id="rId19"/>
-    <p:sldId id="293" r:id="rId20"/>
-    <p:sldId id="294" r:id="rId21"/>
-    <p:sldId id="272" r:id="rId22"/>
-    <p:sldId id="279" r:id="rId23"/>
-    <p:sldId id="273" r:id="rId24"/>
-    <p:sldId id="274" r:id="rId25"/>
-    <p:sldId id="275" r:id="rId26"/>
-    <p:sldId id="276" r:id="rId27"/>
-    <p:sldId id="277" r:id="rId28"/>
-    <p:sldId id="278" r:id="rId29"/>
-    <p:sldId id="290" r:id="rId30"/>
-    <p:sldId id="280" r:id="rId31"/>
-    <p:sldId id="281" r:id="rId32"/>
-    <p:sldId id="282" r:id="rId33"/>
-    <p:sldId id="283" r:id="rId34"/>
-    <p:sldId id="284" r:id="rId35"/>
-    <p:sldId id="285" r:id="rId36"/>
-    <p:sldId id="286" r:id="rId37"/>
-    <p:sldId id="287" r:id="rId38"/>
-    <p:sldId id="288" r:id="rId39"/>
-    <p:sldId id="289" r:id="rId40"/>
+    <p:sldId id="274" r:id="rId10"/>
+    <p:sldId id="264" r:id="rId11"/>
+    <p:sldId id="265" r:id="rId12"/>
+    <p:sldId id="266" r:id="rId13"/>
+    <p:sldId id="267" r:id="rId14"/>
+    <p:sldId id="268" r:id="rId15"/>
+    <p:sldId id="269" r:id="rId16"/>
+    <p:sldId id="270" r:id="rId17"/>
+    <p:sldId id="271" r:id="rId18"/>
+    <p:sldId id="291" r:id="rId19"/>
+    <p:sldId id="292" r:id="rId20"/>
+    <p:sldId id="293" r:id="rId21"/>
+    <p:sldId id="294" r:id="rId22"/>
+    <p:sldId id="272" r:id="rId23"/>
+    <p:sldId id="295" r:id="rId24"/>
+    <p:sldId id="296" r:id="rId25"/>
+    <p:sldId id="279" r:id="rId26"/>
+    <p:sldId id="273" r:id="rId27"/>
+    <p:sldId id="275" r:id="rId28"/>
+    <p:sldId id="276" r:id="rId29"/>
+    <p:sldId id="277" r:id="rId30"/>
+    <p:sldId id="278" r:id="rId31"/>
+    <p:sldId id="290" r:id="rId32"/>
+    <p:sldId id="280" r:id="rId33"/>
+    <p:sldId id="281" r:id="rId34"/>
+    <p:sldId id="282" r:id="rId35"/>
+    <p:sldId id="283" r:id="rId36"/>
+    <p:sldId id="284" r:id="rId37"/>
+    <p:sldId id="285" r:id="rId38"/>
+    <p:sldId id="286" r:id="rId39"/>
+    <p:sldId id="287" r:id="rId40"/>
+    <p:sldId id="288" r:id="rId41"/>
+    <p:sldId id="289" r:id="rId42"/>
   </p:sldIdLst>
   <p:sldSz cx="9144000" cy="5143500" type="screen16x9"/>
   <p:notesSz cx="6858000" cy="9144000"/>
   <p:embeddedFontLst>
     <p:embeddedFont>
       <p:font typeface="Roboto" panose="02000000000000000000" pitchFamily="2" charset="0"/>
-      <p:regular r:id="rId42"/>
-      <p:bold r:id="rId43"/>
-      <p:italic r:id="rId44"/>
-      <p:boldItalic r:id="rId45"/>
+      <p:regular r:id="rId44"/>
+      <p:bold r:id="rId45"/>
+      <p:italic r:id="rId46"/>
+      <p:boldItalic r:id="rId47"/>
     </p:embeddedFont>
   </p:embeddedFontLst>
   <p:defaultTextStyle>
@@ -304,7 +306,7 @@
       </p15:sldGuideLst>
     </p:ext>
     <p:ext uri="GoogleSlidesCustomDataVersion2">
-      <go:slidesCustomData xmlns:go="http://customooxmlschemas.google.com/" xmlns:ahyp="http://schemas.microsoft.com/office/drawing/2018/hyperlinkcolor" xmlns:p15="http://schemas.microsoft.com/office/powerpoint/2012/main" xmlns:p14="http://schemas.microsoft.com/office/powerpoint/2010/main" xmlns:com="http://schemas.openxmlformats.org/drawingml/2006/compatibility" xmlns:pvml="urn:schemas-microsoft-com:office:powerpoint" xmlns:v="urn:schemas-microsoft-com:vml" xmlns:o="urn:schemas-microsoft-com:office:office" xmlns:dgm="http://schemas.openxmlformats.org/drawingml/2006/diagram" xmlns:c="http://schemas.openxmlformats.org/drawingml/2006/chart" xmlns:mv="urn:schemas-microsoft-com:mac:vml" xmlns:mc="http://schemas.openxmlformats.org/markup-compatibility/2006" xmlns="" r:id="rId46" roundtripDataSignature="AMtx7mi43qeBuG6xuqWiq1Kh9QyGOyIiNg=="/>
+      <go:slidesCustomData xmlns="" xmlns:mc="http://schemas.openxmlformats.org/markup-compatibility/2006" xmlns:mv="urn:schemas-microsoft-com:mac:vml" xmlns:c="http://schemas.openxmlformats.org/drawingml/2006/chart" xmlns:dgm="http://schemas.openxmlformats.org/drawingml/2006/diagram" xmlns:o="urn:schemas-microsoft-com:office:office" xmlns:v="urn:schemas-microsoft-com:vml" xmlns:pvml="urn:schemas-microsoft-com:office:powerpoint" xmlns:com="http://schemas.openxmlformats.org/drawingml/2006/compatibility" xmlns:p14="http://schemas.microsoft.com/office/powerpoint/2010/main" xmlns:p15="http://schemas.microsoft.com/office/powerpoint/2012/main" xmlns:ahyp="http://schemas.microsoft.com/office/drawing/2018/hyperlinkcolor" xmlns:go="http://customooxmlschemas.google.com/" r:id="rId48" roundtripDataSignature="AMtx7mi43qeBuG6xuqWiq1Kh9QyGOyIiNg=="/>
     </p:ext>
   </p:extLst>
 </p:presentation>
@@ -313,7 +315,7 @@
 <file path=ppt/revisionInfo.xml><?xml version="1.0" encoding="utf-8"?>
 <p1510:revInfo xmlns:a="http://schemas.openxmlformats.org/drawingml/2006/main" xmlns:r="http://schemas.openxmlformats.org/officeDocument/2006/relationships" xmlns:p1510="http://schemas.microsoft.com/office/powerpoint/2015/10/main">
   <p1510:revLst>
-    <p1510:client id="{6875A249-7888-4363-9F92-056EB10F7CD5}" v="4" dt="2024-11-29T21:38:32.764"/>
+    <p1510:client id="{99863556-EDB4-416E-A189-D7BEBC9D2890}" v="8" dt="2025-04-08T20:00:38.035"/>
   </p1510:revLst>
 </p1510:revInfo>
 </file>
@@ -333,14 +335,6 @@
           <pc:docMk/>
           <pc:sldMk cId="0" sldId="278"/>
         </pc:sldMkLst>
-        <pc:spChg chg="mod">
-          <ac:chgData name="Marcos Maillot" userId="fa14b39d-e966-4ebb-a436-4f96f84b9577" providerId="ADAL" clId="{6875A249-7888-4363-9F92-056EB10F7CD5}" dt="2024-11-29T21:45:30.394" v="57" actId="14100"/>
-          <ac:spMkLst>
-            <pc:docMk/>
-            <pc:sldMk cId="0" sldId="278"/>
-            <ac:spMk id="292" creationId="{00000000-0000-0000-0000-000000000000}"/>
-          </ac:spMkLst>
-        </pc:spChg>
       </pc:sldChg>
       <pc:sldChg chg="addSp delSp modSp add mod">
         <pc:chgData name="Marcos Maillot" userId="fa14b39d-e966-4ebb-a436-4f96f84b9577" providerId="ADAL" clId="{6875A249-7888-4363-9F92-056EB10F7CD5}" dt="2024-11-29T21:34:44.944" v="9" actId="1076"/>
@@ -348,38 +342,6 @@
           <pc:docMk/>
           <pc:sldMk cId="3137623413" sldId="291"/>
         </pc:sldMkLst>
-        <pc:spChg chg="del">
-          <ac:chgData name="Marcos Maillot" userId="fa14b39d-e966-4ebb-a436-4f96f84b9577" providerId="ADAL" clId="{6875A249-7888-4363-9F92-056EB10F7CD5}" dt="2024-11-29T21:34:16.974" v="3" actId="478"/>
-          <ac:spMkLst>
-            <pc:docMk/>
-            <pc:sldMk cId="3137623413" sldId="291"/>
-            <ac:spMk id="228" creationId="{00000000-0000-0000-0000-000000000000}"/>
-          </ac:spMkLst>
-        </pc:spChg>
-        <pc:picChg chg="add mod">
-          <ac:chgData name="Marcos Maillot" userId="fa14b39d-e966-4ebb-a436-4f96f84b9577" providerId="ADAL" clId="{6875A249-7888-4363-9F92-056EB10F7CD5}" dt="2024-11-29T21:34:44.944" v="9" actId="1076"/>
-          <ac:picMkLst>
-            <pc:docMk/>
-            <pc:sldMk cId="3137623413" sldId="291"/>
-            <ac:picMk id="3" creationId="{8F1DAAD6-642B-8E32-7DA6-4C42DEB7AE84}"/>
-          </ac:picMkLst>
-        </pc:picChg>
-        <pc:picChg chg="del">
-          <ac:chgData name="Marcos Maillot" userId="fa14b39d-e966-4ebb-a436-4f96f84b9577" providerId="ADAL" clId="{6875A249-7888-4363-9F92-056EB10F7CD5}" dt="2024-11-29T21:34:14.845" v="1" actId="478"/>
-          <ac:picMkLst>
-            <pc:docMk/>
-            <pc:sldMk cId="3137623413" sldId="291"/>
-            <ac:picMk id="229" creationId="{00000000-0000-0000-0000-000000000000}"/>
-          </ac:picMkLst>
-        </pc:picChg>
-        <pc:picChg chg="del">
-          <ac:chgData name="Marcos Maillot" userId="fa14b39d-e966-4ebb-a436-4f96f84b9577" providerId="ADAL" clId="{6875A249-7888-4363-9F92-056EB10F7CD5}" dt="2024-11-29T21:34:15.364" v="2" actId="478"/>
-          <ac:picMkLst>
-            <pc:docMk/>
-            <pc:sldMk cId="3137623413" sldId="291"/>
-            <ac:picMk id="230" creationId="{00000000-0000-0000-0000-000000000000}"/>
-          </ac:picMkLst>
-        </pc:picChg>
       </pc:sldChg>
       <pc:sldChg chg="addSp modSp add mod">
         <pc:chgData name="Marcos Maillot" userId="fa14b39d-e966-4ebb-a436-4f96f84b9577" providerId="ADAL" clId="{6875A249-7888-4363-9F92-056EB10F7CD5}" dt="2024-11-29T21:36:07.654" v="22" actId="1076"/>
@@ -387,30 +349,6 @@
           <pc:docMk/>
           <pc:sldMk cId="4139229005" sldId="292"/>
         </pc:sldMkLst>
-        <pc:picChg chg="add mod">
-          <ac:chgData name="Marcos Maillot" userId="fa14b39d-e966-4ebb-a436-4f96f84b9577" providerId="ADAL" clId="{6875A249-7888-4363-9F92-056EB10F7CD5}" dt="2024-11-29T21:36:06.744" v="21" actId="1076"/>
-          <ac:picMkLst>
-            <pc:docMk/>
-            <pc:sldMk cId="4139229005" sldId="292"/>
-            <ac:picMk id="3" creationId="{9D03D3F5-78BB-F2CD-C53D-8B1DBEE3127E}"/>
-          </ac:picMkLst>
-        </pc:picChg>
-        <pc:picChg chg="add mod">
-          <ac:chgData name="Marcos Maillot" userId="fa14b39d-e966-4ebb-a436-4f96f84b9577" providerId="ADAL" clId="{6875A249-7888-4363-9F92-056EB10F7CD5}" dt="2024-11-29T21:36:07.654" v="22" actId="1076"/>
-          <ac:picMkLst>
-            <pc:docMk/>
-            <pc:sldMk cId="4139229005" sldId="292"/>
-            <ac:picMk id="5" creationId="{110F3932-C008-1E37-1FF6-D1612E5685BF}"/>
-          </ac:picMkLst>
-        </pc:picChg>
-        <pc:picChg chg="add mod">
-          <ac:chgData name="Marcos Maillot" userId="fa14b39d-e966-4ebb-a436-4f96f84b9577" providerId="ADAL" clId="{6875A249-7888-4363-9F92-056EB10F7CD5}" dt="2024-11-29T21:36:03.634" v="20" actId="1076"/>
-          <ac:picMkLst>
-            <pc:docMk/>
-            <pc:sldMk cId="4139229005" sldId="292"/>
-            <ac:picMk id="7" creationId="{B086223D-3C92-320C-FDA4-2986A3EC8B24}"/>
-          </ac:picMkLst>
-        </pc:picChg>
       </pc:sldChg>
       <pc:sldChg chg="addSp delSp modSp add mod">
         <pc:chgData name="Marcos Maillot" userId="fa14b39d-e966-4ebb-a436-4f96f84b9577" providerId="ADAL" clId="{6875A249-7888-4363-9F92-056EB10F7CD5}" dt="2024-11-29T21:37:21.674" v="39" actId="1076"/>
@@ -418,38 +356,6 @@
           <pc:docMk/>
           <pc:sldMk cId="3179616302" sldId="293"/>
         </pc:sldMkLst>
-        <pc:picChg chg="add mod">
-          <ac:chgData name="Marcos Maillot" userId="fa14b39d-e966-4ebb-a436-4f96f84b9577" providerId="ADAL" clId="{6875A249-7888-4363-9F92-056EB10F7CD5}" dt="2024-11-29T21:36:33.314" v="24" actId="1076"/>
-          <ac:picMkLst>
-            <pc:docMk/>
-            <pc:sldMk cId="3179616302" sldId="293"/>
-            <ac:picMk id="3" creationId="{07F6C8A2-6E4B-CC35-FBCA-FE785C2AC540}"/>
-          </ac:picMkLst>
-        </pc:picChg>
-        <pc:picChg chg="add del mod">
-          <ac:chgData name="Marcos Maillot" userId="fa14b39d-e966-4ebb-a436-4f96f84b9577" providerId="ADAL" clId="{6875A249-7888-4363-9F92-056EB10F7CD5}" dt="2024-11-29T21:36:55.644" v="29" actId="478"/>
-          <ac:picMkLst>
-            <pc:docMk/>
-            <pc:sldMk cId="3179616302" sldId="293"/>
-            <ac:picMk id="5" creationId="{A4DF4F69-9F50-704D-18F5-7AC6F118922E}"/>
-          </ac:picMkLst>
-        </pc:picChg>
-        <pc:picChg chg="add mod">
-          <ac:chgData name="Marcos Maillot" userId="fa14b39d-e966-4ebb-a436-4f96f84b9577" providerId="ADAL" clId="{6875A249-7888-4363-9F92-056EB10F7CD5}" dt="2024-11-29T21:37:20.124" v="38" actId="1076"/>
-          <ac:picMkLst>
-            <pc:docMk/>
-            <pc:sldMk cId="3179616302" sldId="293"/>
-            <ac:picMk id="7" creationId="{E9CEA9F8-4C91-6372-E31C-322AD64E5DF3}"/>
-          </ac:picMkLst>
-        </pc:picChg>
-        <pc:picChg chg="add mod">
-          <ac:chgData name="Marcos Maillot" userId="fa14b39d-e966-4ebb-a436-4f96f84b9577" providerId="ADAL" clId="{6875A249-7888-4363-9F92-056EB10F7CD5}" dt="2024-11-29T21:37:21.674" v="39" actId="1076"/>
-          <ac:picMkLst>
-            <pc:docMk/>
-            <pc:sldMk cId="3179616302" sldId="293"/>
-            <ac:picMk id="9" creationId="{6F1E6A7D-9012-4072-5AB5-CCB5A5C9F10B}"/>
-          </ac:picMkLst>
-        </pc:picChg>
       </pc:sldChg>
       <pc:sldChg chg="addSp delSp modSp add mod">
         <pc:chgData name="Marcos Maillot" userId="fa14b39d-e966-4ebb-a436-4f96f84b9577" providerId="ADAL" clId="{6875A249-7888-4363-9F92-056EB10F7CD5}" dt="2024-11-29T21:39:33.364" v="55" actId="1076"/>
@@ -457,52 +363,263 @@
           <pc:docMk/>
           <pc:sldMk cId="1421602177" sldId="294"/>
         </pc:sldMkLst>
-        <pc:picChg chg="del">
-          <ac:chgData name="Marcos Maillot" userId="fa14b39d-e966-4ebb-a436-4f96f84b9577" providerId="ADAL" clId="{6875A249-7888-4363-9F92-056EB10F7CD5}" dt="2024-11-29T21:38:36.184" v="42" actId="478"/>
+      </pc:sldChg>
+    </pc:docChg>
+  </pc:docChgLst>
+  <pc:docChgLst>
+    <pc:chgData name="Marcos Maillot" userId="fa14b39d-e966-4ebb-a436-4f96f84b9577" providerId="ADAL" clId="{99863556-EDB4-416E-A189-D7BEBC9D2890}"/>
+    <pc:docChg chg="custSel addSld modSld sldOrd">
+      <pc:chgData name="Marcos Maillot" userId="fa14b39d-e966-4ebb-a436-4f96f84b9577" providerId="ADAL" clId="{99863556-EDB4-416E-A189-D7BEBC9D2890}" dt="2025-04-08T20:00:51.115" v="134" actId="478"/>
+      <pc:docMkLst>
+        <pc:docMk/>
+      </pc:docMkLst>
+      <pc:sldChg chg="modSp mod">
+        <pc:chgData name="Marcos Maillot" userId="fa14b39d-e966-4ebb-a436-4f96f84b9577" providerId="ADAL" clId="{99863556-EDB4-416E-A189-D7BEBC9D2890}" dt="2025-04-08T19:39:40.991" v="2" actId="20577"/>
+        <pc:sldMkLst>
+          <pc:docMk/>
+          <pc:sldMk cId="0" sldId="256"/>
+        </pc:sldMkLst>
+        <pc:spChg chg="mod">
+          <ac:chgData name="Marcos Maillot" userId="fa14b39d-e966-4ebb-a436-4f96f84b9577" providerId="ADAL" clId="{99863556-EDB4-416E-A189-D7BEBC9D2890}" dt="2025-04-08T19:39:40.991" v="2" actId="20577"/>
+          <ac:spMkLst>
+            <pc:docMk/>
+            <pc:sldMk cId="0" sldId="256"/>
+            <ac:spMk id="75" creationId="{00000000-0000-0000-0000-000000000000}"/>
+          </ac:spMkLst>
+        </pc:spChg>
+      </pc:sldChg>
+      <pc:sldChg chg="modSp mod">
+        <pc:chgData name="Marcos Maillot" userId="fa14b39d-e966-4ebb-a436-4f96f84b9577" providerId="ADAL" clId="{99863556-EDB4-416E-A189-D7BEBC9D2890}" dt="2025-04-08T19:41:13.160" v="75" actId="20577"/>
+        <pc:sldMkLst>
+          <pc:docMk/>
+          <pc:sldMk cId="0" sldId="257"/>
+        </pc:sldMkLst>
+        <pc:spChg chg="mod">
+          <ac:chgData name="Marcos Maillot" userId="fa14b39d-e966-4ebb-a436-4f96f84b9577" providerId="ADAL" clId="{99863556-EDB4-416E-A189-D7BEBC9D2890}" dt="2025-04-08T19:40:19.680" v="24" actId="20577"/>
+          <ac:spMkLst>
+            <pc:docMk/>
+            <pc:sldMk cId="0" sldId="257"/>
+            <ac:spMk id="82" creationId="{00000000-0000-0000-0000-000000000000}"/>
+          </ac:spMkLst>
+        </pc:spChg>
+        <pc:spChg chg="mod">
+          <ac:chgData name="Marcos Maillot" userId="fa14b39d-e966-4ebb-a436-4f96f84b9577" providerId="ADAL" clId="{99863556-EDB4-416E-A189-D7BEBC9D2890}" dt="2025-04-08T19:41:13.160" v="75" actId="20577"/>
+          <ac:spMkLst>
+            <pc:docMk/>
+            <pc:sldMk cId="0" sldId="257"/>
+            <ac:spMk id="84" creationId="{00000000-0000-0000-0000-000000000000}"/>
+          </ac:spMkLst>
+        </pc:spChg>
+      </pc:sldChg>
+      <pc:sldChg chg="addSp delSp mod">
+        <pc:chgData name="Marcos Maillot" userId="fa14b39d-e966-4ebb-a436-4f96f84b9577" providerId="ADAL" clId="{99863556-EDB4-416E-A189-D7BEBC9D2890}" dt="2025-04-08T19:48:44.570" v="80" actId="478"/>
+        <pc:sldMkLst>
+          <pc:docMk/>
+          <pc:sldMk cId="0" sldId="272"/>
+        </pc:sldMkLst>
+        <pc:spChg chg="add del">
+          <ac:chgData name="Marcos Maillot" userId="fa14b39d-e966-4ebb-a436-4f96f84b9577" providerId="ADAL" clId="{99863556-EDB4-416E-A189-D7BEBC9D2890}" dt="2025-04-08T19:48:44.570" v="80" actId="478"/>
+          <ac:spMkLst>
+            <pc:docMk/>
+            <pc:sldMk cId="0" sldId="272"/>
+            <ac:spMk id="3" creationId="{899DED05-402B-B716-4F97-AD78274BF56E}"/>
+          </ac:spMkLst>
+        </pc:spChg>
+      </pc:sldChg>
+      <pc:sldChg chg="ord modNotes">
+        <pc:chgData name="Marcos Maillot" userId="fa14b39d-e966-4ebb-a436-4f96f84b9577" providerId="ADAL" clId="{99863556-EDB4-416E-A189-D7BEBC9D2890}" dt="2025-04-08T19:42:14.891" v="77"/>
+        <pc:sldMkLst>
+          <pc:docMk/>
+          <pc:sldMk cId="0" sldId="274"/>
+        </pc:sldMkLst>
+      </pc:sldChg>
+      <pc:sldChg chg="addSp delSp modSp add mod">
+        <pc:chgData name="Marcos Maillot" userId="fa14b39d-e966-4ebb-a436-4f96f84b9577" providerId="ADAL" clId="{99863556-EDB4-416E-A189-D7BEBC9D2890}" dt="2025-04-08T20:00:43.352" v="133" actId="14100"/>
+        <pc:sldMkLst>
+          <pc:docMk/>
+          <pc:sldMk cId="3064181911" sldId="295"/>
+        </pc:sldMkLst>
+        <pc:spChg chg="del">
+          <ac:chgData name="Marcos Maillot" userId="fa14b39d-e966-4ebb-a436-4f96f84b9577" providerId="ADAL" clId="{99863556-EDB4-416E-A189-D7BEBC9D2890}" dt="2025-04-08T19:48:49.240" v="81" actId="478"/>
+          <ac:spMkLst>
+            <pc:docMk/>
+            <pc:sldMk cId="3064181911" sldId="295"/>
+            <ac:spMk id="3" creationId="{0C262A9C-495F-BD05-0676-3CBD2D138E30}"/>
+          </ac:spMkLst>
+        </pc:spChg>
+        <pc:spChg chg="add del mod">
+          <ac:chgData name="Marcos Maillot" userId="fa14b39d-e966-4ebb-a436-4f96f84b9577" providerId="ADAL" clId="{99863556-EDB4-416E-A189-D7BEBC9D2890}" dt="2025-04-08T19:50:30.182" v="101" actId="478"/>
+          <ac:spMkLst>
+            <pc:docMk/>
+            <pc:sldMk cId="3064181911" sldId="295"/>
+            <ac:spMk id="4" creationId="{A1141550-684F-4D36-969A-96D6A430975F}"/>
+          </ac:spMkLst>
+        </pc:spChg>
+        <pc:spChg chg="add mod">
+          <ac:chgData name="Marcos Maillot" userId="fa14b39d-e966-4ebb-a436-4f96f84b9577" providerId="ADAL" clId="{99863556-EDB4-416E-A189-D7BEBC9D2890}" dt="2025-04-08T19:50:01.535" v="94" actId="1076"/>
+          <ac:spMkLst>
+            <pc:docMk/>
+            <pc:sldMk cId="3064181911" sldId="295"/>
+            <ac:spMk id="6" creationId="{680751A2-BC9E-0E52-827C-A35BA93EDF5F}"/>
+          </ac:spMkLst>
+        </pc:spChg>
+        <pc:spChg chg="add mod">
+          <ac:chgData name="Marcos Maillot" userId="fa14b39d-e966-4ebb-a436-4f96f84b9577" providerId="ADAL" clId="{99863556-EDB4-416E-A189-D7BEBC9D2890}" dt="2025-04-08T19:50:11.735" v="97" actId="1076"/>
+          <ac:spMkLst>
+            <pc:docMk/>
+            <pc:sldMk cId="3064181911" sldId="295"/>
+            <ac:spMk id="8" creationId="{9F734DE2-F282-0BE7-B8DD-4BF48C91805E}"/>
+          </ac:spMkLst>
+        </pc:spChg>
+        <pc:spChg chg="add mod">
+          <ac:chgData name="Marcos Maillot" userId="fa14b39d-e966-4ebb-a436-4f96f84b9577" providerId="ADAL" clId="{99863556-EDB4-416E-A189-D7BEBC9D2890}" dt="2025-04-08T19:50:21.720" v="100" actId="1076"/>
+          <ac:spMkLst>
+            <pc:docMk/>
+            <pc:sldMk cId="3064181911" sldId="295"/>
+            <ac:spMk id="10" creationId="{6B4A93BA-BBF1-200A-33A5-9EDC6860B6B2}"/>
+          </ac:spMkLst>
+        </pc:spChg>
+        <pc:spChg chg="add mod">
+          <ac:chgData name="Marcos Maillot" userId="fa14b39d-e966-4ebb-a436-4f96f84b9577" providerId="ADAL" clId="{99863556-EDB4-416E-A189-D7BEBC9D2890}" dt="2025-04-08T20:00:43.352" v="133" actId="14100"/>
+          <ac:spMkLst>
+            <pc:docMk/>
+            <pc:sldMk cId="3064181911" sldId="295"/>
+            <ac:spMk id="11" creationId="{6EE894D3-9313-884A-867C-991982DDDFD3}"/>
+          </ac:spMkLst>
+        </pc:spChg>
+        <pc:spChg chg="del">
+          <ac:chgData name="Marcos Maillot" userId="fa14b39d-e966-4ebb-a436-4f96f84b9577" providerId="ADAL" clId="{99863556-EDB4-416E-A189-D7BEBC9D2890}" dt="2025-04-08T19:48:54.980" v="82" actId="478"/>
+          <ac:spMkLst>
+            <pc:docMk/>
+            <pc:sldMk cId="3064181911" sldId="295"/>
+            <ac:spMk id="236" creationId="{ECD4885D-AB82-54C2-0178-204B4C7412DE}"/>
+          </ac:spMkLst>
+        </pc:spChg>
+        <pc:spChg chg="del">
+          <ac:chgData name="Marcos Maillot" userId="fa14b39d-e966-4ebb-a436-4f96f84b9577" providerId="ADAL" clId="{99863556-EDB4-416E-A189-D7BEBC9D2890}" dt="2025-04-08T19:48:57.170" v="83" actId="478"/>
+          <ac:spMkLst>
+            <pc:docMk/>
+            <pc:sldMk cId="3064181911" sldId="295"/>
+            <ac:spMk id="237" creationId="{8DB810FF-CFB6-84BD-52CF-5E9CBC1A6ECF}"/>
+          </ac:spMkLst>
+        </pc:spChg>
+        <pc:spChg chg="del">
+          <ac:chgData name="Marcos Maillot" userId="fa14b39d-e966-4ebb-a436-4f96f84b9577" providerId="ADAL" clId="{99863556-EDB4-416E-A189-D7BEBC9D2890}" dt="2025-04-08T19:48:58.430" v="84" actId="478"/>
+          <ac:spMkLst>
+            <pc:docMk/>
+            <pc:sldMk cId="3064181911" sldId="295"/>
+            <ac:spMk id="238" creationId="{33599D22-3C2C-51B8-02B3-56A15181C691}"/>
+          </ac:spMkLst>
+        </pc:spChg>
+        <pc:spChg chg="mod">
+          <ac:chgData name="Marcos Maillot" userId="fa14b39d-e966-4ebb-a436-4f96f84b9577" providerId="ADAL" clId="{99863556-EDB4-416E-A189-D7BEBC9D2890}" dt="2025-04-08T19:49:00.750" v="85" actId="1076"/>
+          <ac:spMkLst>
+            <pc:docMk/>
+            <pc:sldMk cId="3064181911" sldId="295"/>
+            <ac:spMk id="239" creationId="{59943719-B7F0-CEF9-97F4-CC2E49510DF5}"/>
+          </ac:spMkLst>
+        </pc:spChg>
+        <pc:picChg chg="add mod">
+          <ac:chgData name="Marcos Maillot" userId="fa14b39d-e966-4ebb-a436-4f96f84b9577" providerId="ADAL" clId="{99863556-EDB4-416E-A189-D7BEBC9D2890}" dt="2025-04-08T19:49:21.040" v="89" actId="14100"/>
           <ac:picMkLst>
             <pc:docMk/>
-            <pc:sldMk cId="1421602177" sldId="294"/>
-            <ac:picMk id="3" creationId="{07F6C8A2-6E4B-CC35-FBCA-FE785C2AC540}"/>
+            <pc:sldMk cId="3064181911" sldId="295"/>
+            <ac:picMk id="2" creationId="{CD5FBCD3-7FFB-B68B-0977-0638AF76795B}"/>
           </ac:picMkLst>
         </pc:picChg>
-        <pc:picChg chg="add mod">
-          <ac:chgData name="Marcos Maillot" userId="fa14b39d-e966-4ebb-a436-4f96f84b9577" providerId="ADAL" clId="{6875A249-7888-4363-9F92-056EB10F7CD5}" dt="2024-11-29T21:39:05.294" v="45" actId="1076"/>
+      </pc:sldChg>
+      <pc:sldChg chg="addSp delSp modSp add mod">
+        <pc:chgData name="Marcos Maillot" userId="fa14b39d-e966-4ebb-a436-4f96f84b9577" providerId="ADAL" clId="{99863556-EDB4-416E-A189-D7BEBC9D2890}" dt="2025-04-08T20:00:51.115" v="134" actId="478"/>
+        <pc:sldMkLst>
+          <pc:docMk/>
+          <pc:sldMk cId="238751435" sldId="296"/>
+        </pc:sldMkLst>
+        <pc:spChg chg="add mod">
+          <ac:chgData name="Marcos Maillot" userId="fa14b39d-e966-4ebb-a436-4f96f84b9577" providerId="ADAL" clId="{99863556-EDB4-416E-A189-D7BEBC9D2890}" dt="2025-04-08T19:57:46.170" v="123" actId="14100"/>
+          <ac:spMkLst>
+            <pc:docMk/>
+            <pc:sldMk cId="238751435" sldId="296"/>
+            <ac:spMk id="4" creationId="{DF83B887-C749-C288-7354-0A08D04B3CA0}"/>
+          </ac:spMkLst>
+        </pc:spChg>
+        <pc:spChg chg="mod">
+          <ac:chgData name="Marcos Maillot" userId="fa14b39d-e966-4ebb-a436-4f96f84b9577" providerId="ADAL" clId="{99863556-EDB4-416E-A189-D7BEBC9D2890}" dt="2025-04-08T19:56:29.610" v="120" actId="1076"/>
+          <ac:spMkLst>
+            <pc:docMk/>
+            <pc:sldMk cId="238751435" sldId="296"/>
+            <ac:spMk id="6" creationId="{AACFD0A2-88F0-4AE4-7F1B-9F16BBC3122C}"/>
+          </ac:spMkLst>
+        </pc:spChg>
+        <pc:spChg chg="mod">
+          <ac:chgData name="Marcos Maillot" userId="fa14b39d-e966-4ebb-a436-4f96f84b9577" providerId="ADAL" clId="{99863556-EDB4-416E-A189-D7BEBC9D2890}" dt="2025-04-08T19:55:27.820" v="114" actId="1076"/>
+          <ac:spMkLst>
+            <pc:docMk/>
+            <pc:sldMk cId="238751435" sldId="296"/>
+            <ac:spMk id="8" creationId="{BC4E8ACB-9FB5-EF51-BBFD-4D43E4723E28}"/>
+          </ac:spMkLst>
+        </pc:spChg>
+        <pc:spChg chg="del">
+          <ac:chgData name="Marcos Maillot" userId="fa14b39d-e966-4ebb-a436-4f96f84b9577" providerId="ADAL" clId="{99863556-EDB4-416E-A189-D7BEBC9D2890}" dt="2025-04-08T19:57:50.419" v="124" actId="478"/>
+          <ac:spMkLst>
+            <pc:docMk/>
+            <pc:sldMk cId="238751435" sldId="296"/>
+            <ac:spMk id="10" creationId="{0812F952-E29C-E7A6-00B6-0967590B352E}"/>
+          </ac:spMkLst>
+        </pc:spChg>
+        <pc:spChg chg="mod">
+          <ac:chgData name="Marcos Maillot" userId="fa14b39d-e966-4ebb-a436-4f96f84b9577" providerId="ADAL" clId="{99863556-EDB4-416E-A189-D7BEBC9D2890}" dt="2025-04-08T19:59:28.520" v="129" actId="1076"/>
+          <ac:spMkLst>
+            <pc:docMk/>
+            <pc:sldMk cId="238751435" sldId="296"/>
+            <ac:spMk id="239" creationId="{95CA89FD-2F4A-8478-5E4E-1D05F7CF1665}"/>
+          </ac:spMkLst>
+        </pc:spChg>
+        <pc:picChg chg="del">
+          <ac:chgData name="Marcos Maillot" userId="fa14b39d-e966-4ebb-a436-4f96f84b9577" providerId="ADAL" clId="{99863556-EDB4-416E-A189-D7BEBC9D2890}" dt="2025-04-08T19:54:51.865" v="103" actId="478"/>
           <ac:picMkLst>
             <pc:docMk/>
-            <pc:sldMk cId="1421602177" sldId="294"/>
-            <ac:picMk id="4" creationId="{B1E56B2D-1A7E-B595-8FDB-6BA836414150}"/>
+            <pc:sldMk cId="238751435" sldId="296"/>
+            <ac:picMk id="2" creationId="{B735EFB8-330B-612B-DA24-58B9F8DF04EA}"/>
           </ac:picMkLst>
         </pc:picChg>
-        <pc:picChg chg="add mod">
-          <ac:chgData name="Marcos Maillot" userId="fa14b39d-e966-4ebb-a436-4f96f84b9577" providerId="ADAL" clId="{6875A249-7888-4363-9F92-056EB10F7CD5}" dt="2024-11-29T21:39:33.364" v="55" actId="1076"/>
+        <pc:picChg chg="add mod ord">
+          <ac:chgData name="Marcos Maillot" userId="fa14b39d-e966-4ebb-a436-4f96f84b9577" providerId="ADAL" clId="{99863556-EDB4-416E-A189-D7BEBC9D2890}" dt="2025-04-08T19:59:30.073" v="130" actId="14100"/>
           <ac:picMkLst>
             <pc:docMk/>
-            <pc:sldMk cId="1421602177" sldId="294"/>
-            <ac:picMk id="6" creationId="{3B87B3A4-251A-0315-F9EE-DAD61ADCB9DF}"/>
+            <pc:sldMk cId="238751435" sldId="296"/>
+            <ac:picMk id="3" creationId="{BEBCD5B1-74EF-2478-979A-41633BC357D3}"/>
           </ac:picMkLst>
         </pc:picChg>
-        <pc:picChg chg="del">
-          <ac:chgData name="Marcos Maillot" userId="fa14b39d-e966-4ebb-a436-4f96f84b9577" providerId="ADAL" clId="{6875A249-7888-4363-9F92-056EB10F7CD5}" dt="2024-11-29T21:38:36.664" v="43" actId="478"/>
+        <pc:picChg chg="add del mod">
+          <ac:chgData name="Marcos Maillot" userId="fa14b39d-e966-4ebb-a436-4f96f84b9577" providerId="ADAL" clId="{99863556-EDB4-416E-A189-D7BEBC9D2890}" dt="2025-04-08T20:00:51.115" v="134" actId="478"/>
           <ac:picMkLst>
             <pc:docMk/>
-            <pc:sldMk cId="1421602177" sldId="294"/>
-            <ac:picMk id="7" creationId="{E9CEA9F8-4C91-6372-E31C-322AD64E5DF3}"/>
+            <pc:sldMk cId="238751435" sldId="296"/>
+            <ac:picMk id="5" creationId="{3904BC33-69EB-643D-AFFD-154A492245DC}"/>
           </ac:picMkLst>
         </pc:picChg>
-        <pc:picChg chg="del">
-          <ac:chgData name="Marcos Maillot" userId="fa14b39d-e966-4ebb-a436-4f96f84b9577" providerId="ADAL" clId="{6875A249-7888-4363-9F92-056EB10F7CD5}" dt="2024-11-29T21:38:35.204" v="41" actId="478"/>
+        <pc:picChg chg="add del mod">
+          <ac:chgData name="Marcos Maillot" userId="fa14b39d-e966-4ebb-a436-4f96f84b9577" providerId="ADAL" clId="{99863556-EDB4-416E-A189-D7BEBC9D2890}" dt="2025-04-08T20:00:51.115" v="134" actId="478"/>
           <ac:picMkLst>
             <pc:docMk/>
-            <pc:sldMk cId="1421602177" sldId="294"/>
-            <ac:picMk id="9" creationId="{6F1E6A7D-9012-4072-5AB5-CCB5A5C9F10B}"/>
+            <pc:sldMk cId="238751435" sldId="296"/>
+            <ac:picMk id="7" creationId="{1CBED918-56CB-4CD7-AE1E-024AE58D4827}"/>
           </ac:picMkLst>
         </pc:picChg>
-        <pc:picChg chg="add mod">
-          <ac:chgData name="Marcos Maillot" userId="fa14b39d-e966-4ebb-a436-4f96f84b9577" providerId="ADAL" clId="{6875A249-7888-4363-9F92-056EB10F7CD5}" dt="2024-11-29T21:39:31.909" v="54" actId="1076"/>
+        <pc:picChg chg="add del mod">
+          <ac:chgData name="Marcos Maillot" userId="fa14b39d-e966-4ebb-a436-4f96f84b9577" providerId="ADAL" clId="{99863556-EDB4-416E-A189-D7BEBC9D2890}" dt="2025-04-08T20:00:51.115" v="134" actId="478"/>
           <ac:picMkLst>
             <pc:docMk/>
-            <pc:sldMk cId="1421602177" sldId="294"/>
-            <ac:picMk id="10" creationId="{21ECE62E-087E-6FA4-B8E1-ECB992A69997}"/>
+            <pc:sldMk cId="238751435" sldId="296"/>
+            <ac:picMk id="9" creationId="{35E94561-B17B-3AAC-31B5-A5E4165F9614}"/>
+          </ac:picMkLst>
+        </pc:picChg>
+        <pc:picChg chg="add del mod">
+          <ac:chgData name="Marcos Maillot" userId="fa14b39d-e966-4ebb-a436-4f96f84b9577" providerId="ADAL" clId="{99863556-EDB4-416E-A189-D7BEBC9D2890}" dt="2025-04-08T20:00:51.115" v="134" actId="478"/>
+          <ac:picMkLst>
+            <pc:docMk/>
+            <pc:sldMk cId="238751435" sldId="296"/>
+            <ac:picMk id="11" creationId="{A5AC4C61-BB67-8248-9C16-48941FC60D1B}"/>
           </ac:picMkLst>
         </pc:picChg>
       </pc:sldChg>
@@ -521,14 +638,6 @@
           <pc:docMk/>
           <pc:sldMk cId="0" sldId="263"/>
         </pc:sldMkLst>
-        <pc:spChg chg="mod">
-          <ac:chgData name="Marcos Maillot" userId="fa14b39d-e966-4ebb-a436-4f96f84b9577" providerId="ADAL" clId="{EE2FC811-F246-4E28-936B-C5BA500BDF68}" dt="2024-10-01T16:27:37.771" v="3" actId="14100"/>
-          <ac:spMkLst>
-            <pc:docMk/>
-            <pc:sldMk cId="0" sldId="263"/>
-            <ac:spMk id="140" creationId="{00000000-0000-0000-0000-000000000000}"/>
-          </ac:spMkLst>
-        </pc:spChg>
       </pc:sldChg>
       <pc:sldChg chg="modSp mod">
         <pc:chgData name="Marcos Maillot" userId="fa14b39d-e966-4ebb-a436-4f96f84b9577" providerId="ADAL" clId="{EE2FC811-F246-4E28-936B-C5BA500BDF68}" dt="2024-10-01T16:28:12.091" v="11" actId="5793"/>
@@ -536,22 +645,6 @@
           <pc:docMk/>
           <pc:sldMk cId="0" sldId="272"/>
         </pc:sldMkLst>
-        <pc:spChg chg="mod">
-          <ac:chgData name="Marcos Maillot" userId="fa14b39d-e966-4ebb-a436-4f96f84b9577" providerId="ADAL" clId="{EE2FC811-F246-4E28-936B-C5BA500BDF68}" dt="2024-10-01T16:28:07.892" v="7" actId="5793"/>
-          <ac:spMkLst>
-            <pc:docMk/>
-            <pc:sldMk cId="0" sldId="272"/>
-            <ac:spMk id="237" creationId="{00000000-0000-0000-0000-000000000000}"/>
-          </ac:spMkLst>
-        </pc:spChg>
-        <pc:spChg chg="mod">
-          <ac:chgData name="Marcos Maillot" userId="fa14b39d-e966-4ebb-a436-4f96f84b9577" providerId="ADAL" clId="{EE2FC811-F246-4E28-936B-C5BA500BDF68}" dt="2024-10-01T16:28:12.091" v="11" actId="5793"/>
-          <ac:spMkLst>
-            <pc:docMk/>
-            <pc:sldMk cId="0" sldId="272"/>
-            <ac:spMk id="238" creationId="{00000000-0000-0000-0000-000000000000}"/>
-          </ac:spMkLst>
-        </pc:spChg>
       </pc:sldChg>
       <pc:sldChg chg="modSp mod">
         <pc:chgData name="Marcos Maillot" userId="fa14b39d-e966-4ebb-a436-4f96f84b9577" providerId="ADAL" clId="{EE2FC811-F246-4E28-936B-C5BA500BDF68}" dt="2024-10-01T23:22:22.814" v="15" actId="27636"/>
@@ -559,14 +652,6 @@
           <pc:docMk/>
           <pc:sldMk cId="0" sldId="273"/>
         </pc:sldMkLst>
-        <pc:spChg chg="mod">
-          <ac:chgData name="Marcos Maillot" userId="fa14b39d-e966-4ebb-a436-4f96f84b9577" providerId="ADAL" clId="{EE2FC811-F246-4E28-936B-C5BA500BDF68}" dt="2024-10-01T23:22:22.814" v="15" actId="27636"/>
-          <ac:spMkLst>
-            <pc:docMk/>
-            <pc:sldMk cId="0" sldId="273"/>
-            <ac:spMk id="246" creationId="{00000000-0000-0000-0000-000000000000}"/>
-          </ac:spMkLst>
-        </pc:spChg>
       </pc:sldChg>
       <pc:sldChg chg="ord">
         <pc:chgData name="Marcos Maillot" userId="fa14b39d-e966-4ebb-a436-4f96f84b9577" providerId="ADAL" clId="{EE2FC811-F246-4E28-936B-C5BA500BDF68}" dt="2024-10-01T23:21:50.675" v="13"/>
@@ -581,46 +666,6 @@
           <pc:docMk/>
           <pc:sldMk cId="2515468531" sldId="290"/>
         </pc:sldMkLst>
-        <pc:spChg chg="mod">
-          <ac:chgData name="Marcos Maillot" userId="fa14b39d-e966-4ebb-a436-4f96f84b9577" providerId="ADAL" clId="{EE2FC811-F246-4E28-936B-C5BA500BDF68}" dt="2024-10-01T23:23:04.215" v="34" actId="1076"/>
-          <ac:spMkLst>
-            <pc:docMk/>
-            <pc:sldMk cId="2515468531" sldId="290"/>
-            <ac:spMk id="302" creationId="{00000000-0000-0000-0000-000000000000}"/>
-          </ac:spMkLst>
-        </pc:spChg>
-        <pc:spChg chg="mod">
-          <ac:chgData name="Marcos Maillot" userId="fa14b39d-e966-4ebb-a436-4f96f84b9577" providerId="ADAL" clId="{EE2FC811-F246-4E28-936B-C5BA500BDF68}" dt="2024-10-01T23:23:19.274" v="36"/>
-          <ac:spMkLst>
-            <pc:docMk/>
-            <pc:sldMk cId="2515468531" sldId="290"/>
-            <ac:spMk id="305" creationId="{00000000-0000-0000-0000-000000000000}"/>
-          </ac:spMkLst>
-        </pc:spChg>
-        <pc:picChg chg="add mod">
-          <ac:chgData name="Marcos Maillot" userId="fa14b39d-e966-4ebb-a436-4f96f84b9577" providerId="ADAL" clId="{EE2FC811-F246-4E28-936B-C5BA500BDF68}" dt="2024-10-01T23:23:01.878" v="33" actId="1076"/>
-          <ac:picMkLst>
-            <pc:docMk/>
-            <pc:sldMk cId="2515468531" sldId="290"/>
-            <ac:picMk id="2" creationId="{8EE2EC0A-B294-4082-D5F3-773F74E5542E}"/>
-          </ac:picMkLst>
-        </pc:picChg>
-        <pc:picChg chg="del">
-          <ac:chgData name="Marcos Maillot" userId="fa14b39d-e966-4ebb-a436-4f96f84b9577" providerId="ADAL" clId="{EE2FC811-F246-4E28-936B-C5BA500BDF68}" dt="2024-10-01T23:22:41.514" v="26" actId="478"/>
-          <ac:picMkLst>
-            <pc:docMk/>
-            <pc:sldMk cId="2515468531" sldId="290"/>
-            <ac:picMk id="303" creationId="{00000000-0000-0000-0000-000000000000}"/>
-          </ac:picMkLst>
-        </pc:picChg>
-        <pc:picChg chg="del">
-          <ac:chgData name="Marcos Maillot" userId="fa14b39d-e966-4ebb-a436-4f96f84b9577" providerId="ADAL" clId="{EE2FC811-F246-4E28-936B-C5BA500BDF68}" dt="2024-10-01T23:22:42.183" v="27" actId="478"/>
-          <ac:picMkLst>
-            <pc:docMk/>
-            <pc:sldMk cId="2515468531" sldId="290"/>
-            <ac:picMk id="304" creationId="{00000000-0000-0000-0000-000000000000}"/>
-          </ac:picMkLst>
-        </pc:picChg>
       </pc:sldChg>
     </pc:docChg>
   </pc:docChgLst>
@@ -637,14 +682,6 @@
           <pc:docMk/>
           <pc:sldMk cId="0" sldId="256"/>
         </pc:sldMkLst>
-        <pc:spChg chg="mod">
-          <ac:chgData name="Marcos Maillot" userId="fa14b39d-e966-4ebb-a436-4f96f84b9577" providerId="ADAL" clId="{8ACB5DE9-95AA-4FA1-BB62-A7FBF6739BEF}" dt="2024-08-02T21:05:36.646" v="10" actId="20577"/>
-          <ac:spMkLst>
-            <pc:docMk/>
-            <pc:sldMk cId="0" sldId="256"/>
-            <ac:spMk id="75" creationId="{00000000-0000-0000-0000-000000000000}"/>
-          </ac:spMkLst>
-        </pc:spChg>
       </pc:sldChg>
       <pc:sldChg chg="modSp mod">
         <pc:chgData name="Marcos Maillot" userId="fa14b39d-e966-4ebb-a436-4f96f84b9577" providerId="ADAL" clId="{8ACB5DE9-95AA-4FA1-BB62-A7FBF6739BEF}" dt="2024-08-02T21:06:30.023" v="23" actId="14100"/>
@@ -652,14 +689,6 @@
           <pc:docMk/>
           <pc:sldMk cId="0" sldId="277"/>
         </pc:sldMkLst>
-        <pc:spChg chg="mod">
-          <ac:chgData name="Marcos Maillot" userId="fa14b39d-e966-4ebb-a436-4f96f84b9577" providerId="ADAL" clId="{8ACB5DE9-95AA-4FA1-BB62-A7FBF6739BEF}" dt="2024-08-02T21:06:30.023" v="23" actId="14100"/>
-          <ac:spMkLst>
-            <pc:docMk/>
-            <pc:sldMk cId="0" sldId="277"/>
-            <ac:spMk id="281" creationId="{00000000-0000-0000-0000-000000000000}"/>
-          </ac:spMkLst>
-        </pc:spChg>
       </pc:sldChg>
       <pc:sldChg chg="addSp delSp modSp mod">
         <pc:chgData name="Marcos Maillot" userId="fa14b39d-e966-4ebb-a436-4f96f84b9577" providerId="ADAL" clId="{8ACB5DE9-95AA-4FA1-BB62-A7FBF6739BEF}" dt="2024-08-03T00:55:09.122" v="28" actId="14100"/>
@@ -667,38 +696,6 @@
           <pc:docMk/>
           <pc:sldMk cId="0" sldId="289"/>
         </pc:sldMkLst>
-        <pc:spChg chg="add del mod">
-          <ac:chgData name="Marcos Maillot" userId="fa14b39d-e966-4ebb-a436-4f96f84b9577" providerId="ADAL" clId="{8ACB5DE9-95AA-4FA1-BB62-A7FBF6739BEF}" dt="2024-08-03T00:55:02.732" v="27" actId="478"/>
-          <ac:spMkLst>
-            <pc:docMk/>
-            <pc:sldMk cId="0" sldId="289"/>
-            <ac:spMk id="3" creationId="{91411B53-051B-6A97-538E-2AAB4A704582}"/>
-          </ac:spMkLst>
-        </pc:spChg>
-        <pc:spChg chg="mod">
-          <ac:chgData name="Marcos Maillot" userId="fa14b39d-e966-4ebb-a436-4f96f84b9577" providerId="ADAL" clId="{8ACB5DE9-95AA-4FA1-BB62-A7FBF6739BEF}" dt="2024-08-03T00:54:54.842" v="25" actId="207"/>
-          <ac:spMkLst>
-            <pc:docMk/>
-            <pc:sldMk cId="0" sldId="289"/>
-            <ac:spMk id="437" creationId="{00000000-0000-0000-0000-000000000000}"/>
-          </ac:spMkLst>
-        </pc:spChg>
-        <pc:spChg chg="del">
-          <ac:chgData name="Marcos Maillot" userId="fa14b39d-e966-4ebb-a436-4f96f84b9577" providerId="ADAL" clId="{8ACB5DE9-95AA-4FA1-BB62-A7FBF6739BEF}" dt="2024-08-03T00:54:47.390" v="24" actId="478"/>
-          <ac:spMkLst>
-            <pc:docMk/>
-            <pc:sldMk cId="0" sldId="289"/>
-            <ac:spMk id="438" creationId="{00000000-0000-0000-0000-000000000000}"/>
-          </ac:spMkLst>
-        </pc:spChg>
-        <pc:picChg chg="mod">
-          <ac:chgData name="Marcos Maillot" userId="fa14b39d-e966-4ebb-a436-4f96f84b9577" providerId="ADAL" clId="{8ACB5DE9-95AA-4FA1-BB62-A7FBF6739BEF}" dt="2024-08-03T00:55:09.122" v="28" actId="14100"/>
-          <ac:picMkLst>
-            <pc:docMk/>
-            <pc:sldMk cId="0" sldId="289"/>
-            <ac:picMk id="436" creationId="{00000000-0000-0000-0000-000000000000}"/>
-          </ac:picMkLst>
-        </pc:picChg>
       </pc:sldChg>
     </pc:docChg>
   </pc:docChgLst>
@@ -1411,6 +1408,110 @@
   <p:cSld>
     <p:spTree>
       <p:nvGrpSpPr>
+        <p:cNvPr id="1" name="Shape 143"/>
+        <p:cNvGrpSpPr/>
+        <p:nvPr/>
+      </p:nvGrpSpPr>
+      <p:grpSpPr>
+        <a:xfrm>
+          <a:off x="0" y="0"/>
+          <a:ext cx="0" cy="0"/>
+          <a:chOff x="0" y="0"/>
+          <a:chExt cx="0" cy="0"/>
+        </a:xfrm>
+      </p:grpSpPr>
+      <p:sp>
+        <p:nvSpPr>
+          <p:cNvPr id="144" name="Google Shape;144;g21c03c1d1e6_1_60:notes"/>
+          <p:cNvSpPr txBox="1">
+            <a:spLocks noGrp="1"/>
+          </p:cNvSpPr>
+          <p:nvPr>
+            <p:ph type="body" idx="1"/>
+          </p:nvPr>
+        </p:nvSpPr>
+        <p:spPr>
+          <a:xfrm>
+            <a:off x="685800" y="4343400"/>
+            <a:ext cx="5486400" cy="4114800"/>
+          </a:xfrm>
+          <a:prstGeom prst="rect">
+            <a:avLst/>
+          </a:prstGeom>
+        </p:spPr>
+        <p:txBody>
+          <a:bodyPr spcFirstLastPara="1" wrap="square" lIns="91425" tIns="91425" rIns="91425" bIns="91425" anchor="t" anchorCtr="0">
+            <a:noAutofit/>
+          </a:bodyPr>
+          <a:lstStyle/>
+          <a:p>
+            <a:pPr marL="0" lvl="0" indent="0" algn="l" rtl="0">
+              <a:spcBef>
+                <a:spcPts val="0"/>
+              </a:spcBef>
+              <a:spcAft>
+                <a:spcPts val="0"/>
+              </a:spcAft>
+              <a:buNone/>
+            </a:pPr>
+            <a:endParaRPr/>
+          </a:p>
+        </p:txBody>
+      </p:sp>
+      <p:sp>
+        <p:nvSpPr>
+          <p:cNvPr id="145" name="Google Shape;145;g21c03c1d1e6_1_60:notes"/>
+          <p:cNvSpPr>
+            <a:spLocks noGrp="1" noRot="1" noChangeAspect="1"/>
+          </p:cNvSpPr>
+          <p:nvPr>
+            <p:ph type="sldImg" idx="2"/>
+          </p:nvPr>
+        </p:nvSpPr>
+        <p:spPr>
+          <a:xfrm>
+            <a:off x="1143225" y="685800"/>
+            <a:ext cx="4572225" cy="3429000"/>
+          </a:xfrm>
+          <a:custGeom>
+            <a:avLst/>
+            <a:gdLst/>
+            <a:ahLst/>
+            <a:cxnLst/>
+            <a:rect l="l" t="t" r="r" b="b"/>
+            <a:pathLst>
+              <a:path w="120000" h="120000" extrusionOk="0">
+                <a:moveTo>
+                  <a:pt x="0" y="0"/>
+                </a:moveTo>
+                <a:lnTo>
+                  <a:pt x="120000" y="0"/>
+                </a:lnTo>
+                <a:lnTo>
+                  <a:pt x="120000" y="120000"/>
+                </a:lnTo>
+                <a:lnTo>
+                  <a:pt x="0" y="120000"/>
+                </a:lnTo>
+                <a:close/>
+              </a:path>
+            </a:pathLst>
+          </a:custGeom>
+        </p:spPr>
+      </p:sp>
+    </p:spTree>
+  </p:cSld>
+  <p:clrMapOvr>
+    <a:masterClrMapping/>
+  </p:clrMapOvr>
+</p:notes>
+</file>
+
+<file path=ppt/notesSlides/notesSlide11.xml><?xml version="1.0" encoding="utf-8"?>
+<p:notes xmlns:a="http://schemas.openxmlformats.org/drawingml/2006/main" xmlns:r="http://schemas.openxmlformats.org/officeDocument/2006/relationships" xmlns:p="http://schemas.openxmlformats.org/presentationml/2006/main" showMasterSp="0" showMasterPhAnim="0">
+  <p:cSld>
+    <p:spTree>
+      <p:nvGrpSpPr>
         <p:cNvPr id="1" name="Shape 160"/>
         <p:cNvGrpSpPr/>
         <p:nvPr/>
@@ -1510,7 +1611,7 @@
 </p:notes>
 </file>
 
-<file path=ppt/notesSlides/notesSlide11.xml><?xml version="1.0" encoding="utf-8"?>
+<file path=ppt/notesSlides/notesSlide12.xml><?xml version="1.0" encoding="utf-8"?>
 <p:notes xmlns:a="http://schemas.openxmlformats.org/drawingml/2006/main" xmlns:r="http://schemas.openxmlformats.org/officeDocument/2006/relationships" xmlns:p="http://schemas.openxmlformats.org/presentationml/2006/main" showMasterSp="0" showMasterPhAnim="0">
   <p:cSld>
     <p:spTree>
@@ -1614,7 +1715,7 @@
 </p:notes>
 </file>
 
-<file path=ppt/notesSlides/notesSlide12.xml><?xml version="1.0" encoding="utf-8"?>
+<file path=ppt/notesSlides/notesSlide13.xml><?xml version="1.0" encoding="utf-8"?>
 <p:notes xmlns:a="http://schemas.openxmlformats.org/drawingml/2006/main" xmlns:r="http://schemas.openxmlformats.org/officeDocument/2006/relationships" xmlns:p="http://schemas.openxmlformats.org/presentationml/2006/main" showMasterSp="0" showMasterPhAnim="0">
   <p:cSld>
     <p:spTree>
@@ -1718,7 +1819,7 @@
 </p:notes>
 </file>
 
-<file path=ppt/notesSlides/notesSlide13.xml><?xml version="1.0" encoding="utf-8"?>
+<file path=ppt/notesSlides/notesSlide14.xml><?xml version="1.0" encoding="utf-8"?>
 <p:notes xmlns:a="http://schemas.openxmlformats.org/drawingml/2006/main" xmlns:r="http://schemas.openxmlformats.org/officeDocument/2006/relationships" xmlns:p="http://schemas.openxmlformats.org/presentationml/2006/main" showMasterSp="0" showMasterPhAnim="0">
   <p:cSld>
     <p:spTree>
@@ -1822,7 +1923,7 @@
 </p:notes>
 </file>
 
-<file path=ppt/notesSlides/notesSlide14.xml><?xml version="1.0" encoding="utf-8"?>
+<file path=ppt/notesSlides/notesSlide15.xml><?xml version="1.0" encoding="utf-8"?>
 <p:notes xmlns:a="http://schemas.openxmlformats.org/drawingml/2006/main" xmlns:r="http://schemas.openxmlformats.org/officeDocument/2006/relationships" xmlns:p="http://schemas.openxmlformats.org/presentationml/2006/main" showMasterSp="0" showMasterPhAnim="0">
   <p:cSld>
     <p:spTree>
@@ -1926,7 +2027,7 @@
 </p:notes>
 </file>
 
-<file path=ppt/notesSlides/notesSlide15.xml><?xml version="1.0" encoding="utf-8"?>
+<file path=ppt/notesSlides/notesSlide16.xml><?xml version="1.0" encoding="utf-8"?>
 <p:notes xmlns:a="http://schemas.openxmlformats.org/drawingml/2006/main" xmlns:r="http://schemas.openxmlformats.org/officeDocument/2006/relationships" xmlns:p="http://schemas.openxmlformats.org/presentationml/2006/main" showMasterSp="0" showMasterPhAnim="0">
   <p:cSld>
     <p:spTree>
@@ -1984,110 +2085,6 @@
       <p:sp>
         <p:nvSpPr>
           <p:cNvPr id="217" name="Google Shape;217;g21c03c1d1e6_1_120:notes"/>
-          <p:cNvSpPr>
-            <a:spLocks noGrp="1" noRot="1" noChangeAspect="1"/>
-          </p:cNvSpPr>
-          <p:nvPr>
-            <p:ph type="sldImg" idx="2"/>
-          </p:nvPr>
-        </p:nvSpPr>
-        <p:spPr>
-          <a:xfrm>
-            <a:off x="1143225" y="685800"/>
-            <a:ext cx="4572225" cy="3429000"/>
-          </a:xfrm>
-          <a:custGeom>
-            <a:avLst/>
-            <a:gdLst/>
-            <a:ahLst/>
-            <a:cxnLst/>
-            <a:rect l="l" t="t" r="r" b="b"/>
-            <a:pathLst>
-              <a:path w="120000" h="120000" extrusionOk="0">
-                <a:moveTo>
-                  <a:pt x="0" y="0"/>
-                </a:moveTo>
-                <a:lnTo>
-                  <a:pt x="120000" y="0"/>
-                </a:lnTo>
-                <a:lnTo>
-                  <a:pt x="120000" y="120000"/>
-                </a:lnTo>
-                <a:lnTo>
-                  <a:pt x="0" y="120000"/>
-                </a:lnTo>
-                <a:close/>
-              </a:path>
-            </a:pathLst>
-          </a:custGeom>
-        </p:spPr>
-      </p:sp>
-    </p:spTree>
-  </p:cSld>
-  <p:clrMapOvr>
-    <a:masterClrMapping/>
-  </p:clrMapOvr>
-</p:notes>
-</file>
-
-<file path=ppt/notesSlides/notesSlide16.xml><?xml version="1.0" encoding="utf-8"?>
-<p:notes xmlns:a="http://schemas.openxmlformats.org/drawingml/2006/main" xmlns:r="http://schemas.openxmlformats.org/officeDocument/2006/relationships" xmlns:p="http://schemas.openxmlformats.org/presentationml/2006/main" showMasterSp="0" showMasterPhAnim="0">
-  <p:cSld>
-    <p:spTree>
-      <p:nvGrpSpPr>
-        <p:cNvPr id="1" name="Shape 223"/>
-        <p:cNvGrpSpPr/>
-        <p:nvPr/>
-      </p:nvGrpSpPr>
-      <p:grpSpPr>
-        <a:xfrm>
-          <a:off x="0" y="0"/>
-          <a:ext cx="0" cy="0"/>
-          <a:chOff x="0" y="0"/>
-          <a:chExt cx="0" cy="0"/>
-        </a:xfrm>
-      </p:grpSpPr>
-      <p:sp>
-        <p:nvSpPr>
-          <p:cNvPr id="224" name="Google Shape;224;g21c03c1d1e6_1_126:notes"/>
-          <p:cNvSpPr txBox="1">
-            <a:spLocks noGrp="1"/>
-          </p:cNvSpPr>
-          <p:nvPr>
-            <p:ph type="body" idx="1"/>
-          </p:nvPr>
-        </p:nvSpPr>
-        <p:spPr>
-          <a:xfrm>
-            <a:off x="685800" y="4343400"/>
-            <a:ext cx="5486400" cy="4114800"/>
-          </a:xfrm>
-          <a:prstGeom prst="rect">
-            <a:avLst/>
-          </a:prstGeom>
-        </p:spPr>
-        <p:txBody>
-          <a:bodyPr spcFirstLastPara="1" wrap="square" lIns="91425" tIns="91425" rIns="91425" bIns="91425" anchor="t" anchorCtr="0">
-            <a:noAutofit/>
-          </a:bodyPr>
-          <a:lstStyle/>
-          <a:p>
-            <a:pPr marL="0" lvl="0" indent="0" algn="l" rtl="0">
-              <a:spcBef>
-                <a:spcPts val="0"/>
-              </a:spcBef>
-              <a:spcAft>
-                <a:spcPts val="0"/>
-              </a:spcAft>
-              <a:buNone/>
-            </a:pPr>
-            <a:endParaRPr/>
-          </a:p>
-        </p:txBody>
-      </p:sp>
-      <p:sp>
-        <p:nvSpPr>
-          <p:cNvPr id="225" name="Google Shape;225;g21c03c1d1e6_1_126:notes"/>
           <p:cNvSpPr>
             <a:spLocks noGrp="1" noRot="1" noChangeAspect="1"/>
           </p:cNvSpPr>
@@ -2201,8 +2198,8 @@
         </p:nvSpPr>
         <p:spPr>
           <a:xfrm>
-            <a:off x="381000" y="685800"/>
-            <a:ext cx="6096000" cy="3429000"/>
+            <a:off x="1143225" y="685800"/>
+            <a:ext cx="4572225" cy="3429000"/>
           </a:xfrm>
           <a:custGeom>
             <a:avLst/>
@@ -2231,11 +2228,6 @@
         </p:spPr>
       </p:sp>
     </p:spTree>
-    <p:extLst>
-      <p:ext uri="{BB962C8B-B14F-4D97-AF65-F5344CB8AC3E}">
-        <p14:creationId xmlns:p14="http://schemas.microsoft.com/office/powerpoint/2010/main" val="3494220003"/>
-      </p:ext>
-    </p:extLst>
   </p:cSld>
   <p:clrMapOvr>
     <a:masterClrMapping/>
@@ -2342,7 +2334,7 @@
     </p:spTree>
     <p:extLst>
       <p:ext uri="{BB962C8B-B14F-4D97-AF65-F5344CB8AC3E}">
-        <p14:creationId xmlns:p14="http://schemas.microsoft.com/office/powerpoint/2010/main" val="1872074978"/>
+        <p14:creationId xmlns:p14="http://schemas.microsoft.com/office/powerpoint/2010/main" val="3494220003"/>
       </p:ext>
     </p:extLst>
   </p:cSld>
@@ -2451,7 +2443,7 @@
     </p:spTree>
     <p:extLst>
       <p:ext uri="{BB962C8B-B14F-4D97-AF65-F5344CB8AC3E}">
-        <p14:creationId xmlns:p14="http://schemas.microsoft.com/office/powerpoint/2010/main" val="2235866427"/>
+        <p14:creationId xmlns:p14="http://schemas.microsoft.com/office/powerpoint/2010/main" val="1872074978"/>
       </p:ext>
     </p:extLst>
   </p:cSld>
@@ -2490,7 +2482,7 @@
         </p:nvSpPr>
         <p:spPr>
           <a:xfrm>
-            <a:off x="381300" y="685800"/>
+            <a:off x="381000" y="685800"/>
             <a:ext cx="6096000" cy="3429000"/>
           </a:xfrm>
           <a:custGeom>
@@ -2682,6 +2674,115 @@
     </p:spTree>
     <p:extLst>
       <p:ext uri="{BB962C8B-B14F-4D97-AF65-F5344CB8AC3E}">
+        <p14:creationId xmlns:p14="http://schemas.microsoft.com/office/powerpoint/2010/main" val="2235866427"/>
+      </p:ext>
+    </p:extLst>
+  </p:cSld>
+  <p:clrMapOvr>
+    <a:masterClrMapping/>
+  </p:clrMapOvr>
+</p:notes>
+</file>
+
+<file path=ppt/notesSlides/notesSlide21.xml><?xml version="1.0" encoding="utf-8"?>
+<p:notes xmlns:a="http://schemas.openxmlformats.org/drawingml/2006/main" xmlns:r="http://schemas.openxmlformats.org/officeDocument/2006/relationships" xmlns:p="http://schemas.openxmlformats.org/presentationml/2006/main" showMasterSp="0" showMasterPhAnim="0">
+  <p:cSld>
+    <p:spTree>
+      <p:nvGrpSpPr>
+        <p:cNvPr id="1" name="Shape 223"/>
+        <p:cNvGrpSpPr/>
+        <p:nvPr/>
+      </p:nvGrpSpPr>
+      <p:grpSpPr>
+        <a:xfrm>
+          <a:off x="0" y="0"/>
+          <a:ext cx="0" cy="0"/>
+          <a:chOff x="0" y="0"/>
+          <a:chExt cx="0" cy="0"/>
+        </a:xfrm>
+      </p:grpSpPr>
+      <p:sp>
+        <p:nvSpPr>
+          <p:cNvPr id="224" name="Google Shape;224;g21c03c1d1e6_1_126:notes"/>
+          <p:cNvSpPr txBox="1">
+            <a:spLocks noGrp="1"/>
+          </p:cNvSpPr>
+          <p:nvPr>
+            <p:ph type="body" idx="1"/>
+          </p:nvPr>
+        </p:nvSpPr>
+        <p:spPr>
+          <a:xfrm>
+            <a:off x="685800" y="4343400"/>
+            <a:ext cx="5486400" cy="4114800"/>
+          </a:xfrm>
+          <a:prstGeom prst="rect">
+            <a:avLst/>
+          </a:prstGeom>
+        </p:spPr>
+        <p:txBody>
+          <a:bodyPr spcFirstLastPara="1" wrap="square" lIns="91425" tIns="91425" rIns="91425" bIns="91425" anchor="t" anchorCtr="0">
+            <a:noAutofit/>
+          </a:bodyPr>
+          <a:lstStyle/>
+          <a:p>
+            <a:pPr marL="0" lvl="0" indent="0" algn="l" rtl="0">
+              <a:spcBef>
+                <a:spcPts val="0"/>
+              </a:spcBef>
+              <a:spcAft>
+                <a:spcPts val="0"/>
+              </a:spcAft>
+              <a:buNone/>
+            </a:pPr>
+            <a:endParaRPr/>
+          </a:p>
+        </p:txBody>
+      </p:sp>
+      <p:sp>
+        <p:nvSpPr>
+          <p:cNvPr id="225" name="Google Shape;225;g21c03c1d1e6_1_126:notes"/>
+          <p:cNvSpPr>
+            <a:spLocks noGrp="1" noRot="1" noChangeAspect="1"/>
+          </p:cNvSpPr>
+          <p:nvPr>
+            <p:ph type="sldImg" idx="2"/>
+          </p:nvPr>
+        </p:nvSpPr>
+        <p:spPr>
+          <a:xfrm>
+            <a:off x="381000" y="685800"/>
+            <a:ext cx="6096000" cy="3429000"/>
+          </a:xfrm>
+          <a:custGeom>
+            <a:avLst/>
+            <a:gdLst/>
+            <a:ahLst/>
+            <a:cxnLst/>
+            <a:rect l="l" t="t" r="r" b="b"/>
+            <a:pathLst>
+              <a:path w="120000" h="120000" extrusionOk="0">
+                <a:moveTo>
+                  <a:pt x="0" y="0"/>
+                </a:moveTo>
+                <a:lnTo>
+                  <a:pt x="120000" y="0"/>
+                </a:lnTo>
+                <a:lnTo>
+                  <a:pt x="120000" y="120000"/>
+                </a:lnTo>
+                <a:lnTo>
+                  <a:pt x="0" y="120000"/>
+                </a:lnTo>
+                <a:close/>
+              </a:path>
+            </a:pathLst>
+          </a:custGeom>
+        </p:spPr>
+      </p:sp>
+    </p:spTree>
+    <p:extLst>
+      <p:ext uri="{BB962C8B-B14F-4D97-AF65-F5344CB8AC3E}">
         <p14:creationId xmlns:p14="http://schemas.microsoft.com/office/powerpoint/2010/main" val="1271076808"/>
       </p:ext>
     </p:extLst>
@@ -2692,7 +2793,7 @@
 </p:notes>
 </file>
 
-<file path=ppt/notesSlides/notesSlide21.xml><?xml version="1.0" encoding="utf-8"?>
+<file path=ppt/notesSlides/notesSlide22.xml><?xml version="1.0" encoding="utf-8"?>
 <p:notes xmlns:a="http://schemas.openxmlformats.org/drawingml/2006/main" xmlns:r="http://schemas.openxmlformats.org/officeDocument/2006/relationships" xmlns:p="http://schemas.openxmlformats.org/presentationml/2006/main" showMasterSp="0" showMasterPhAnim="0">
   <p:cSld>
     <p:spTree>
@@ -2796,7 +2897,261 @@
 </p:notes>
 </file>
 
-<file path=ppt/notesSlides/notesSlide22.xml><?xml version="1.0" encoding="utf-8"?>
+<file path=ppt/notesSlides/notesSlide23.xml><?xml version="1.0" encoding="utf-8"?>
+<p:notes xmlns:a="http://schemas.openxmlformats.org/drawingml/2006/main" xmlns:r="http://schemas.openxmlformats.org/officeDocument/2006/relationships" xmlns:p="http://schemas.openxmlformats.org/presentationml/2006/main" showMasterSp="0" showMasterPhAnim="0">
+  <p:cSld>
+    <p:spTree>
+      <p:nvGrpSpPr>
+        <p:cNvPr id="1" name="Shape 232">
+          <a:extLst>
+            <a:ext uri="{FF2B5EF4-FFF2-40B4-BE49-F238E27FC236}">
+              <a16:creationId xmlns:a16="http://schemas.microsoft.com/office/drawing/2014/main" id="{15F3D490-9250-E122-674D-A994A39299BD}"/>
+            </a:ext>
+          </a:extLst>
+        </p:cNvPr>
+        <p:cNvGrpSpPr/>
+        <p:nvPr/>
+      </p:nvGrpSpPr>
+      <p:grpSpPr>
+        <a:xfrm>
+          <a:off x="0" y="0"/>
+          <a:ext cx="0" cy="0"/>
+          <a:chOff x="0" y="0"/>
+          <a:chExt cx="0" cy="0"/>
+        </a:xfrm>
+      </p:grpSpPr>
+      <p:sp>
+        <p:nvSpPr>
+          <p:cNvPr id="233" name="Google Shape;233;g21c03c1d1e6_1_133:notes">
+            <a:extLst>
+              <a:ext uri="{FF2B5EF4-FFF2-40B4-BE49-F238E27FC236}">
+                <a16:creationId xmlns:a16="http://schemas.microsoft.com/office/drawing/2014/main" id="{DF1BF5C1-345C-DF2A-3031-571908C4072C}"/>
+              </a:ext>
+            </a:extLst>
+          </p:cNvPr>
+          <p:cNvSpPr txBox="1">
+            <a:spLocks noGrp="1"/>
+          </p:cNvSpPr>
+          <p:nvPr>
+            <p:ph type="body" idx="1"/>
+          </p:nvPr>
+        </p:nvSpPr>
+        <p:spPr>
+          <a:xfrm>
+            <a:off x="685800" y="4343400"/>
+            <a:ext cx="5486400" cy="4114800"/>
+          </a:xfrm>
+          <a:prstGeom prst="rect">
+            <a:avLst/>
+          </a:prstGeom>
+        </p:spPr>
+        <p:txBody>
+          <a:bodyPr spcFirstLastPara="1" wrap="square" lIns="91425" tIns="91425" rIns="91425" bIns="91425" anchor="t" anchorCtr="0">
+            <a:noAutofit/>
+          </a:bodyPr>
+          <a:lstStyle/>
+          <a:p>
+            <a:pPr marL="0" lvl="0" indent="0" algn="l" rtl="0">
+              <a:spcBef>
+                <a:spcPts val="0"/>
+              </a:spcBef>
+              <a:spcAft>
+                <a:spcPts val="0"/>
+              </a:spcAft>
+              <a:buNone/>
+            </a:pPr>
+            <a:endParaRPr/>
+          </a:p>
+        </p:txBody>
+      </p:sp>
+      <p:sp>
+        <p:nvSpPr>
+          <p:cNvPr id="234" name="Google Shape;234;g21c03c1d1e6_1_133:notes">
+            <a:extLst>
+              <a:ext uri="{FF2B5EF4-FFF2-40B4-BE49-F238E27FC236}">
+                <a16:creationId xmlns:a16="http://schemas.microsoft.com/office/drawing/2014/main" id="{4F4990A1-AC80-A1B2-1BA6-A3BFFB3B59CD}"/>
+              </a:ext>
+            </a:extLst>
+          </p:cNvPr>
+          <p:cNvSpPr>
+            <a:spLocks noGrp="1" noRot="1" noChangeAspect="1"/>
+          </p:cNvSpPr>
+          <p:nvPr>
+            <p:ph type="sldImg" idx="2"/>
+          </p:nvPr>
+        </p:nvSpPr>
+        <p:spPr>
+          <a:xfrm>
+            <a:off x="381000" y="685800"/>
+            <a:ext cx="6096000" cy="3429000"/>
+          </a:xfrm>
+          <a:custGeom>
+            <a:avLst/>
+            <a:gdLst/>
+            <a:ahLst/>
+            <a:cxnLst/>
+            <a:rect l="l" t="t" r="r" b="b"/>
+            <a:pathLst>
+              <a:path w="120000" h="120000" extrusionOk="0">
+                <a:moveTo>
+                  <a:pt x="0" y="0"/>
+                </a:moveTo>
+                <a:lnTo>
+                  <a:pt x="120000" y="0"/>
+                </a:lnTo>
+                <a:lnTo>
+                  <a:pt x="120000" y="120000"/>
+                </a:lnTo>
+                <a:lnTo>
+                  <a:pt x="0" y="120000"/>
+                </a:lnTo>
+                <a:close/>
+              </a:path>
+            </a:pathLst>
+          </a:custGeom>
+        </p:spPr>
+      </p:sp>
+    </p:spTree>
+    <p:extLst>
+      <p:ext uri="{BB962C8B-B14F-4D97-AF65-F5344CB8AC3E}">
+        <p14:creationId xmlns:p14="http://schemas.microsoft.com/office/powerpoint/2010/main" val="2824015609"/>
+      </p:ext>
+    </p:extLst>
+  </p:cSld>
+  <p:clrMapOvr>
+    <a:masterClrMapping/>
+  </p:clrMapOvr>
+</p:notes>
+</file>
+
+<file path=ppt/notesSlides/notesSlide24.xml><?xml version="1.0" encoding="utf-8"?>
+<p:notes xmlns:a="http://schemas.openxmlformats.org/drawingml/2006/main" xmlns:r="http://schemas.openxmlformats.org/officeDocument/2006/relationships" xmlns:p="http://schemas.openxmlformats.org/presentationml/2006/main" showMasterSp="0" showMasterPhAnim="0">
+  <p:cSld>
+    <p:spTree>
+      <p:nvGrpSpPr>
+        <p:cNvPr id="1" name="Shape 232">
+          <a:extLst>
+            <a:ext uri="{FF2B5EF4-FFF2-40B4-BE49-F238E27FC236}">
+              <a16:creationId xmlns:a16="http://schemas.microsoft.com/office/drawing/2014/main" id="{3B9BF6A6-A5D8-DDF0-73A9-E6A905F864CE}"/>
+            </a:ext>
+          </a:extLst>
+        </p:cNvPr>
+        <p:cNvGrpSpPr/>
+        <p:nvPr/>
+      </p:nvGrpSpPr>
+      <p:grpSpPr>
+        <a:xfrm>
+          <a:off x="0" y="0"/>
+          <a:ext cx="0" cy="0"/>
+          <a:chOff x="0" y="0"/>
+          <a:chExt cx="0" cy="0"/>
+        </a:xfrm>
+      </p:grpSpPr>
+      <p:sp>
+        <p:nvSpPr>
+          <p:cNvPr id="233" name="Google Shape;233;g21c03c1d1e6_1_133:notes">
+            <a:extLst>
+              <a:ext uri="{FF2B5EF4-FFF2-40B4-BE49-F238E27FC236}">
+                <a16:creationId xmlns:a16="http://schemas.microsoft.com/office/drawing/2014/main" id="{6C9E317F-F3CC-512F-FAB9-8D50B7AC8E5E}"/>
+              </a:ext>
+            </a:extLst>
+          </p:cNvPr>
+          <p:cNvSpPr txBox="1">
+            <a:spLocks noGrp="1"/>
+          </p:cNvSpPr>
+          <p:nvPr>
+            <p:ph type="body" idx="1"/>
+          </p:nvPr>
+        </p:nvSpPr>
+        <p:spPr>
+          <a:xfrm>
+            <a:off x="685800" y="4343400"/>
+            <a:ext cx="5486400" cy="4114800"/>
+          </a:xfrm>
+          <a:prstGeom prst="rect">
+            <a:avLst/>
+          </a:prstGeom>
+        </p:spPr>
+        <p:txBody>
+          <a:bodyPr spcFirstLastPara="1" wrap="square" lIns="91425" tIns="91425" rIns="91425" bIns="91425" anchor="t" anchorCtr="0">
+            <a:noAutofit/>
+          </a:bodyPr>
+          <a:lstStyle/>
+          <a:p>
+            <a:pPr marL="0" lvl="0" indent="0" algn="l" rtl="0">
+              <a:spcBef>
+                <a:spcPts val="0"/>
+              </a:spcBef>
+              <a:spcAft>
+                <a:spcPts val="0"/>
+              </a:spcAft>
+              <a:buNone/>
+            </a:pPr>
+            <a:endParaRPr/>
+          </a:p>
+        </p:txBody>
+      </p:sp>
+      <p:sp>
+        <p:nvSpPr>
+          <p:cNvPr id="234" name="Google Shape;234;g21c03c1d1e6_1_133:notes">
+            <a:extLst>
+              <a:ext uri="{FF2B5EF4-FFF2-40B4-BE49-F238E27FC236}">
+                <a16:creationId xmlns:a16="http://schemas.microsoft.com/office/drawing/2014/main" id="{E1B6E134-80D2-54B5-1741-3246407F301A}"/>
+              </a:ext>
+            </a:extLst>
+          </p:cNvPr>
+          <p:cNvSpPr>
+            <a:spLocks noGrp="1" noRot="1" noChangeAspect="1"/>
+          </p:cNvSpPr>
+          <p:nvPr>
+            <p:ph type="sldImg" idx="2"/>
+          </p:nvPr>
+        </p:nvSpPr>
+        <p:spPr>
+          <a:xfrm>
+            <a:off x="381000" y="685800"/>
+            <a:ext cx="6096000" cy="3429000"/>
+          </a:xfrm>
+          <a:custGeom>
+            <a:avLst/>
+            <a:gdLst/>
+            <a:ahLst/>
+            <a:cxnLst/>
+            <a:rect l="l" t="t" r="r" b="b"/>
+            <a:pathLst>
+              <a:path w="120000" h="120000" extrusionOk="0">
+                <a:moveTo>
+                  <a:pt x="0" y="0"/>
+                </a:moveTo>
+                <a:lnTo>
+                  <a:pt x="120000" y="0"/>
+                </a:lnTo>
+                <a:lnTo>
+                  <a:pt x="120000" y="120000"/>
+                </a:lnTo>
+                <a:lnTo>
+                  <a:pt x="0" y="120000"/>
+                </a:lnTo>
+                <a:close/>
+              </a:path>
+            </a:pathLst>
+          </a:custGeom>
+        </p:spPr>
+      </p:sp>
+    </p:spTree>
+    <p:extLst>
+      <p:ext uri="{BB962C8B-B14F-4D97-AF65-F5344CB8AC3E}">
+        <p14:creationId xmlns:p14="http://schemas.microsoft.com/office/powerpoint/2010/main" val="2895067417"/>
+      </p:ext>
+    </p:extLst>
+  </p:cSld>
+  <p:clrMapOvr>
+    <a:masterClrMapping/>
+  </p:clrMapOvr>
+</p:notes>
+</file>
+
+<file path=ppt/notesSlides/notesSlide25.xml><?xml version="1.0" encoding="utf-8"?>
 <p:notes xmlns:a="http://schemas.openxmlformats.org/drawingml/2006/main" xmlns:r="http://schemas.openxmlformats.org/officeDocument/2006/relationships" xmlns:p="http://schemas.openxmlformats.org/presentationml/2006/main" showMasterSp="0" showMasterPhAnim="0">
   <p:cSld>
     <p:spTree>
@@ -2900,7 +3255,7 @@
 </p:notes>
 </file>
 
-<file path=ppt/notesSlides/notesSlide23.xml><?xml version="1.0" encoding="utf-8"?>
+<file path=ppt/notesSlides/notesSlide26.xml><?xml version="1.0" encoding="utf-8"?>
 <p:notes xmlns:a="http://schemas.openxmlformats.org/drawingml/2006/main" xmlns:r="http://schemas.openxmlformats.org/officeDocument/2006/relationships" xmlns:p="http://schemas.openxmlformats.org/presentationml/2006/main" showMasterSp="0" showMasterPhAnim="0">
   <p:cSld>
     <p:spTree>
@@ -3004,111 +3359,7 @@
 </p:notes>
 </file>
 
-<file path=ppt/notesSlides/notesSlide24.xml><?xml version="1.0" encoding="utf-8"?>
-<p:notes xmlns:a="http://schemas.openxmlformats.org/drawingml/2006/main" xmlns:r="http://schemas.openxmlformats.org/officeDocument/2006/relationships" xmlns:p="http://schemas.openxmlformats.org/presentationml/2006/main" showMasterSp="0" showMasterPhAnim="0">
-  <p:cSld>
-    <p:spTree>
-      <p:nvGrpSpPr>
-        <p:cNvPr id="1" name="Shape 247"/>
-        <p:cNvGrpSpPr/>
-        <p:nvPr/>
-      </p:nvGrpSpPr>
-      <p:grpSpPr>
-        <a:xfrm>
-          <a:off x="0" y="0"/>
-          <a:ext cx="0" cy="0"/>
-          <a:chOff x="0" y="0"/>
-          <a:chExt cx="0" cy="0"/>
-        </a:xfrm>
-      </p:grpSpPr>
-      <p:sp>
-        <p:nvSpPr>
-          <p:cNvPr id="248" name="Google Shape;248;g21c03c1d1e6_1_145:notes"/>
-          <p:cNvSpPr txBox="1">
-            <a:spLocks noGrp="1"/>
-          </p:cNvSpPr>
-          <p:nvPr>
-            <p:ph type="body" idx="1"/>
-          </p:nvPr>
-        </p:nvSpPr>
-        <p:spPr>
-          <a:xfrm>
-            <a:off x="685800" y="4343400"/>
-            <a:ext cx="5486400" cy="4114800"/>
-          </a:xfrm>
-          <a:prstGeom prst="rect">
-            <a:avLst/>
-          </a:prstGeom>
-        </p:spPr>
-        <p:txBody>
-          <a:bodyPr spcFirstLastPara="1" wrap="square" lIns="91425" tIns="91425" rIns="91425" bIns="91425" anchor="t" anchorCtr="0">
-            <a:noAutofit/>
-          </a:bodyPr>
-          <a:lstStyle/>
-          <a:p>
-            <a:pPr marL="0" lvl="0" indent="0" algn="l" rtl="0">
-              <a:spcBef>
-                <a:spcPts val="0"/>
-              </a:spcBef>
-              <a:spcAft>
-                <a:spcPts val="0"/>
-              </a:spcAft>
-              <a:buNone/>
-            </a:pPr>
-            <a:endParaRPr/>
-          </a:p>
-        </p:txBody>
-      </p:sp>
-      <p:sp>
-        <p:nvSpPr>
-          <p:cNvPr id="249" name="Google Shape;249;g21c03c1d1e6_1_145:notes"/>
-          <p:cNvSpPr>
-            <a:spLocks noGrp="1" noRot="1" noChangeAspect="1"/>
-          </p:cNvSpPr>
-          <p:nvPr>
-            <p:ph type="sldImg" idx="2"/>
-          </p:nvPr>
-        </p:nvSpPr>
-        <p:spPr>
-          <a:xfrm>
-            <a:off x="1143225" y="685800"/>
-            <a:ext cx="4572225" cy="3429000"/>
-          </a:xfrm>
-          <a:custGeom>
-            <a:avLst/>
-            <a:gdLst/>
-            <a:ahLst/>
-            <a:cxnLst/>
-            <a:rect l="l" t="t" r="r" b="b"/>
-            <a:pathLst>
-              <a:path w="120000" h="120000" extrusionOk="0">
-                <a:moveTo>
-                  <a:pt x="0" y="0"/>
-                </a:moveTo>
-                <a:lnTo>
-                  <a:pt x="120000" y="0"/>
-                </a:lnTo>
-                <a:lnTo>
-                  <a:pt x="120000" y="120000"/>
-                </a:lnTo>
-                <a:lnTo>
-                  <a:pt x="0" y="120000"/>
-                </a:lnTo>
-                <a:close/>
-              </a:path>
-            </a:pathLst>
-          </a:custGeom>
-        </p:spPr>
-      </p:sp>
-    </p:spTree>
-  </p:cSld>
-  <p:clrMapOvr>
-    <a:masterClrMapping/>
-  </p:clrMapOvr>
-</p:notes>
-</file>
-
-<file path=ppt/notesSlides/notesSlide25.xml><?xml version="1.0" encoding="utf-8"?>
+<file path=ppt/notesSlides/notesSlide27.xml><?xml version="1.0" encoding="utf-8"?>
 <p:notes xmlns:a="http://schemas.openxmlformats.org/drawingml/2006/main" xmlns:r="http://schemas.openxmlformats.org/officeDocument/2006/relationships" xmlns:p="http://schemas.openxmlformats.org/presentationml/2006/main" showMasterSp="0" showMasterPhAnim="0">
   <p:cSld>
     <p:spTree>
@@ -3212,7 +3463,7 @@
 </p:notes>
 </file>
 
-<file path=ppt/notesSlides/notesSlide26.xml><?xml version="1.0" encoding="utf-8"?>
+<file path=ppt/notesSlides/notesSlide28.xml><?xml version="1.0" encoding="utf-8"?>
 <p:notes xmlns:a="http://schemas.openxmlformats.org/drawingml/2006/main" xmlns:r="http://schemas.openxmlformats.org/officeDocument/2006/relationships" xmlns:p="http://schemas.openxmlformats.org/presentationml/2006/main" showMasterSp="0" showMasterPhAnim="0">
   <p:cSld>
     <p:spTree>
@@ -3316,7 +3567,7 @@
 </p:notes>
 </file>
 
-<file path=ppt/notesSlides/notesSlide27.xml><?xml version="1.0" encoding="utf-8"?>
+<file path=ppt/notesSlides/notesSlide29.xml><?xml version="1.0" encoding="utf-8"?>
 <p:notes xmlns:a="http://schemas.openxmlformats.org/drawingml/2006/main" xmlns:r="http://schemas.openxmlformats.org/officeDocument/2006/relationships" xmlns:p="http://schemas.openxmlformats.org/presentationml/2006/main" showMasterSp="0" showMasterPhAnim="0">
   <p:cSld>
     <p:spTree>
@@ -3413,219 +3664,6 @@
         </p:spPr>
       </p:sp>
     </p:spTree>
-  </p:cSld>
-  <p:clrMapOvr>
-    <a:masterClrMapping/>
-  </p:clrMapOvr>
-</p:notes>
-</file>
-
-<file path=ppt/notesSlides/notesSlide28.xml><?xml version="1.0" encoding="utf-8"?>
-<p:notes xmlns:a="http://schemas.openxmlformats.org/drawingml/2006/main" xmlns:r="http://schemas.openxmlformats.org/officeDocument/2006/relationships" xmlns:p="http://schemas.openxmlformats.org/presentationml/2006/main" showMasterSp="0" showMasterPhAnim="0">
-  <p:cSld>
-    <p:spTree>
-      <p:nvGrpSpPr>
-        <p:cNvPr id="1" name="Shape 284"/>
-        <p:cNvGrpSpPr/>
-        <p:nvPr/>
-      </p:nvGrpSpPr>
-      <p:grpSpPr>
-        <a:xfrm>
-          <a:off x="0" y="0"/>
-          <a:ext cx="0" cy="0"/>
-          <a:chOff x="0" y="0"/>
-          <a:chExt cx="0" cy="0"/>
-        </a:xfrm>
-      </p:grpSpPr>
-      <p:sp>
-        <p:nvSpPr>
-          <p:cNvPr id="285" name="Google Shape;285;g21c03c1d1e6_1_177:notes"/>
-          <p:cNvSpPr txBox="1">
-            <a:spLocks noGrp="1"/>
-          </p:cNvSpPr>
-          <p:nvPr>
-            <p:ph type="body" idx="1"/>
-          </p:nvPr>
-        </p:nvSpPr>
-        <p:spPr>
-          <a:xfrm>
-            <a:off x="685800" y="4343400"/>
-            <a:ext cx="5486400" cy="4114800"/>
-          </a:xfrm>
-          <a:prstGeom prst="rect">
-            <a:avLst/>
-          </a:prstGeom>
-        </p:spPr>
-        <p:txBody>
-          <a:bodyPr spcFirstLastPara="1" wrap="square" lIns="91425" tIns="91425" rIns="91425" bIns="91425" anchor="t" anchorCtr="0">
-            <a:noAutofit/>
-          </a:bodyPr>
-          <a:lstStyle/>
-          <a:p>
-            <a:pPr marL="0" lvl="0" indent="0" algn="l" rtl="0">
-              <a:spcBef>
-                <a:spcPts val="0"/>
-              </a:spcBef>
-              <a:spcAft>
-                <a:spcPts val="0"/>
-              </a:spcAft>
-              <a:buNone/>
-            </a:pPr>
-            <a:endParaRPr/>
-          </a:p>
-        </p:txBody>
-      </p:sp>
-      <p:sp>
-        <p:nvSpPr>
-          <p:cNvPr id="286" name="Google Shape;286;g21c03c1d1e6_1_177:notes"/>
-          <p:cNvSpPr>
-            <a:spLocks noGrp="1" noRot="1" noChangeAspect="1"/>
-          </p:cNvSpPr>
-          <p:nvPr>
-            <p:ph type="sldImg" idx="2"/>
-          </p:nvPr>
-        </p:nvSpPr>
-        <p:spPr>
-          <a:xfrm>
-            <a:off x="381000" y="685800"/>
-            <a:ext cx="6096000" cy="3429000"/>
-          </a:xfrm>
-          <a:custGeom>
-            <a:avLst/>
-            <a:gdLst/>
-            <a:ahLst/>
-            <a:cxnLst/>
-            <a:rect l="l" t="t" r="r" b="b"/>
-            <a:pathLst>
-              <a:path w="120000" h="120000" extrusionOk="0">
-                <a:moveTo>
-                  <a:pt x="0" y="0"/>
-                </a:moveTo>
-                <a:lnTo>
-                  <a:pt x="120000" y="0"/>
-                </a:lnTo>
-                <a:lnTo>
-                  <a:pt x="120000" y="120000"/>
-                </a:lnTo>
-                <a:lnTo>
-                  <a:pt x="0" y="120000"/>
-                </a:lnTo>
-                <a:close/>
-              </a:path>
-            </a:pathLst>
-          </a:custGeom>
-        </p:spPr>
-      </p:sp>
-    </p:spTree>
-  </p:cSld>
-  <p:clrMapOvr>
-    <a:masterClrMapping/>
-  </p:clrMapOvr>
-</p:notes>
-</file>
-
-<file path=ppt/notesSlides/notesSlide29.xml><?xml version="1.0" encoding="utf-8"?>
-<p:notes xmlns:a="http://schemas.openxmlformats.org/drawingml/2006/main" xmlns:r="http://schemas.openxmlformats.org/officeDocument/2006/relationships" xmlns:p="http://schemas.openxmlformats.org/presentationml/2006/main" showMasterSp="0" showMasterPhAnim="0">
-  <p:cSld>
-    <p:spTree>
-      <p:nvGrpSpPr>
-        <p:cNvPr id="1" name="Shape 296"/>
-        <p:cNvGrpSpPr/>
-        <p:nvPr/>
-      </p:nvGrpSpPr>
-      <p:grpSpPr>
-        <a:xfrm>
-          <a:off x="0" y="0"/>
-          <a:ext cx="0" cy="0"/>
-          <a:chOff x="0" y="0"/>
-          <a:chExt cx="0" cy="0"/>
-        </a:xfrm>
-      </p:grpSpPr>
-      <p:sp>
-        <p:nvSpPr>
-          <p:cNvPr id="297" name="Google Shape;297;g21c03c1d1e6_1_187:notes"/>
-          <p:cNvSpPr txBox="1">
-            <a:spLocks noGrp="1"/>
-          </p:cNvSpPr>
-          <p:nvPr>
-            <p:ph type="body" idx="1"/>
-          </p:nvPr>
-        </p:nvSpPr>
-        <p:spPr>
-          <a:xfrm>
-            <a:off x="685800" y="4343400"/>
-            <a:ext cx="5486400" cy="4114800"/>
-          </a:xfrm>
-          <a:prstGeom prst="rect">
-            <a:avLst/>
-          </a:prstGeom>
-        </p:spPr>
-        <p:txBody>
-          <a:bodyPr spcFirstLastPara="1" wrap="square" lIns="91425" tIns="91425" rIns="91425" bIns="91425" anchor="t" anchorCtr="0">
-            <a:noAutofit/>
-          </a:bodyPr>
-          <a:lstStyle/>
-          <a:p>
-            <a:pPr marL="0" lvl="0" indent="0" algn="l" rtl="0">
-              <a:spcBef>
-                <a:spcPts val="0"/>
-              </a:spcBef>
-              <a:spcAft>
-                <a:spcPts val="0"/>
-              </a:spcAft>
-              <a:buNone/>
-            </a:pPr>
-            <a:endParaRPr/>
-          </a:p>
-        </p:txBody>
-      </p:sp>
-      <p:sp>
-        <p:nvSpPr>
-          <p:cNvPr id="298" name="Google Shape;298;g21c03c1d1e6_1_187:notes"/>
-          <p:cNvSpPr>
-            <a:spLocks noGrp="1" noRot="1" noChangeAspect="1"/>
-          </p:cNvSpPr>
-          <p:nvPr>
-            <p:ph type="sldImg" idx="2"/>
-          </p:nvPr>
-        </p:nvSpPr>
-        <p:spPr>
-          <a:xfrm>
-            <a:off x="381000" y="685800"/>
-            <a:ext cx="6096000" cy="3429000"/>
-          </a:xfrm>
-          <a:custGeom>
-            <a:avLst/>
-            <a:gdLst/>
-            <a:ahLst/>
-            <a:cxnLst/>
-            <a:rect l="l" t="t" r="r" b="b"/>
-            <a:pathLst>
-              <a:path w="120000" h="120000" extrusionOk="0">
-                <a:moveTo>
-                  <a:pt x="0" y="0"/>
-                </a:moveTo>
-                <a:lnTo>
-                  <a:pt x="120000" y="0"/>
-                </a:lnTo>
-                <a:lnTo>
-                  <a:pt x="120000" y="120000"/>
-                </a:lnTo>
-                <a:lnTo>
-                  <a:pt x="0" y="120000"/>
-                </a:lnTo>
-                <a:close/>
-              </a:path>
-            </a:pathLst>
-          </a:custGeom>
-        </p:spPr>
-      </p:sp>
-    </p:spTree>
-    <p:extLst>
-      <p:ext uri="{BB962C8B-B14F-4D97-AF65-F5344CB8AC3E}">
-        <p14:creationId xmlns:p14="http://schemas.microsoft.com/office/powerpoint/2010/main" val="1551990216"/>
-      </p:ext>
-    </p:extLst>
   </p:cSld>
   <p:clrMapOvr>
     <a:masterClrMapping/>
@@ -3742,6 +3780,219 @@
   <p:cSld>
     <p:spTree>
       <p:nvGrpSpPr>
+        <p:cNvPr id="1" name="Shape 284"/>
+        <p:cNvGrpSpPr/>
+        <p:nvPr/>
+      </p:nvGrpSpPr>
+      <p:grpSpPr>
+        <a:xfrm>
+          <a:off x="0" y="0"/>
+          <a:ext cx="0" cy="0"/>
+          <a:chOff x="0" y="0"/>
+          <a:chExt cx="0" cy="0"/>
+        </a:xfrm>
+      </p:grpSpPr>
+      <p:sp>
+        <p:nvSpPr>
+          <p:cNvPr id="285" name="Google Shape;285;g21c03c1d1e6_1_177:notes"/>
+          <p:cNvSpPr txBox="1">
+            <a:spLocks noGrp="1"/>
+          </p:cNvSpPr>
+          <p:nvPr>
+            <p:ph type="body" idx="1"/>
+          </p:nvPr>
+        </p:nvSpPr>
+        <p:spPr>
+          <a:xfrm>
+            <a:off x="685800" y="4343400"/>
+            <a:ext cx="5486400" cy="4114800"/>
+          </a:xfrm>
+          <a:prstGeom prst="rect">
+            <a:avLst/>
+          </a:prstGeom>
+        </p:spPr>
+        <p:txBody>
+          <a:bodyPr spcFirstLastPara="1" wrap="square" lIns="91425" tIns="91425" rIns="91425" bIns="91425" anchor="t" anchorCtr="0">
+            <a:noAutofit/>
+          </a:bodyPr>
+          <a:lstStyle/>
+          <a:p>
+            <a:pPr marL="0" lvl="0" indent="0" algn="l" rtl="0">
+              <a:spcBef>
+                <a:spcPts val="0"/>
+              </a:spcBef>
+              <a:spcAft>
+                <a:spcPts val="0"/>
+              </a:spcAft>
+              <a:buNone/>
+            </a:pPr>
+            <a:endParaRPr/>
+          </a:p>
+        </p:txBody>
+      </p:sp>
+      <p:sp>
+        <p:nvSpPr>
+          <p:cNvPr id="286" name="Google Shape;286;g21c03c1d1e6_1_177:notes"/>
+          <p:cNvSpPr>
+            <a:spLocks noGrp="1" noRot="1" noChangeAspect="1"/>
+          </p:cNvSpPr>
+          <p:nvPr>
+            <p:ph type="sldImg" idx="2"/>
+          </p:nvPr>
+        </p:nvSpPr>
+        <p:spPr>
+          <a:xfrm>
+            <a:off x="381000" y="685800"/>
+            <a:ext cx="6096000" cy="3429000"/>
+          </a:xfrm>
+          <a:custGeom>
+            <a:avLst/>
+            <a:gdLst/>
+            <a:ahLst/>
+            <a:cxnLst/>
+            <a:rect l="l" t="t" r="r" b="b"/>
+            <a:pathLst>
+              <a:path w="120000" h="120000" extrusionOk="0">
+                <a:moveTo>
+                  <a:pt x="0" y="0"/>
+                </a:moveTo>
+                <a:lnTo>
+                  <a:pt x="120000" y="0"/>
+                </a:lnTo>
+                <a:lnTo>
+                  <a:pt x="120000" y="120000"/>
+                </a:lnTo>
+                <a:lnTo>
+                  <a:pt x="0" y="120000"/>
+                </a:lnTo>
+                <a:close/>
+              </a:path>
+            </a:pathLst>
+          </a:custGeom>
+        </p:spPr>
+      </p:sp>
+    </p:spTree>
+  </p:cSld>
+  <p:clrMapOvr>
+    <a:masterClrMapping/>
+  </p:clrMapOvr>
+</p:notes>
+</file>
+
+<file path=ppt/notesSlides/notesSlide31.xml><?xml version="1.0" encoding="utf-8"?>
+<p:notes xmlns:a="http://schemas.openxmlformats.org/drawingml/2006/main" xmlns:r="http://schemas.openxmlformats.org/officeDocument/2006/relationships" xmlns:p="http://schemas.openxmlformats.org/presentationml/2006/main" showMasterSp="0" showMasterPhAnim="0">
+  <p:cSld>
+    <p:spTree>
+      <p:nvGrpSpPr>
+        <p:cNvPr id="1" name="Shape 296"/>
+        <p:cNvGrpSpPr/>
+        <p:nvPr/>
+      </p:nvGrpSpPr>
+      <p:grpSpPr>
+        <a:xfrm>
+          <a:off x="0" y="0"/>
+          <a:ext cx="0" cy="0"/>
+          <a:chOff x="0" y="0"/>
+          <a:chExt cx="0" cy="0"/>
+        </a:xfrm>
+      </p:grpSpPr>
+      <p:sp>
+        <p:nvSpPr>
+          <p:cNvPr id="297" name="Google Shape;297;g21c03c1d1e6_1_187:notes"/>
+          <p:cNvSpPr txBox="1">
+            <a:spLocks noGrp="1"/>
+          </p:cNvSpPr>
+          <p:nvPr>
+            <p:ph type="body" idx="1"/>
+          </p:nvPr>
+        </p:nvSpPr>
+        <p:spPr>
+          <a:xfrm>
+            <a:off x="685800" y="4343400"/>
+            <a:ext cx="5486400" cy="4114800"/>
+          </a:xfrm>
+          <a:prstGeom prst="rect">
+            <a:avLst/>
+          </a:prstGeom>
+        </p:spPr>
+        <p:txBody>
+          <a:bodyPr spcFirstLastPara="1" wrap="square" lIns="91425" tIns="91425" rIns="91425" bIns="91425" anchor="t" anchorCtr="0">
+            <a:noAutofit/>
+          </a:bodyPr>
+          <a:lstStyle/>
+          <a:p>
+            <a:pPr marL="0" lvl="0" indent="0" algn="l" rtl="0">
+              <a:spcBef>
+                <a:spcPts val="0"/>
+              </a:spcBef>
+              <a:spcAft>
+                <a:spcPts val="0"/>
+              </a:spcAft>
+              <a:buNone/>
+            </a:pPr>
+            <a:endParaRPr/>
+          </a:p>
+        </p:txBody>
+      </p:sp>
+      <p:sp>
+        <p:nvSpPr>
+          <p:cNvPr id="298" name="Google Shape;298;g21c03c1d1e6_1_187:notes"/>
+          <p:cNvSpPr>
+            <a:spLocks noGrp="1" noRot="1" noChangeAspect="1"/>
+          </p:cNvSpPr>
+          <p:nvPr>
+            <p:ph type="sldImg" idx="2"/>
+          </p:nvPr>
+        </p:nvSpPr>
+        <p:spPr>
+          <a:xfrm>
+            <a:off x="381000" y="685800"/>
+            <a:ext cx="6096000" cy="3429000"/>
+          </a:xfrm>
+          <a:custGeom>
+            <a:avLst/>
+            <a:gdLst/>
+            <a:ahLst/>
+            <a:cxnLst/>
+            <a:rect l="l" t="t" r="r" b="b"/>
+            <a:pathLst>
+              <a:path w="120000" h="120000" extrusionOk="0">
+                <a:moveTo>
+                  <a:pt x="0" y="0"/>
+                </a:moveTo>
+                <a:lnTo>
+                  <a:pt x="120000" y="0"/>
+                </a:lnTo>
+                <a:lnTo>
+                  <a:pt x="120000" y="120000"/>
+                </a:lnTo>
+                <a:lnTo>
+                  <a:pt x="0" y="120000"/>
+                </a:lnTo>
+                <a:close/>
+              </a:path>
+            </a:pathLst>
+          </a:custGeom>
+        </p:spPr>
+      </p:sp>
+    </p:spTree>
+    <p:extLst>
+      <p:ext uri="{BB962C8B-B14F-4D97-AF65-F5344CB8AC3E}">
+        <p14:creationId xmlns:p14="http://schemas.microsoft.com/office/powerpoint/2010/main" val="1551990216"/>
+      </p:ext>
+    </p:extLst>
+  </p:cSld>
+  <p:clrMapOvr>
+    <a:masterClrMapping/>
+  </p:clrMapOvr>
+</p:notes>
+</file>
+
+<file path=ppt/notesSlides/notesSlide32.xml><?xml version="1.0" encoding="utf-8"?>
+<p:notes xmlns:a="http://schemas.openxmlformats.org/drawingml/2006/main" xmlns:r="http://schemas.openxmlformats.org/officeDocument/2006/relationships" xmlns:p="http://schemas.openxmlformats.org/presentationml/2006/main" showMasterSp="0" showMasterPhAnim="0">
+  <p:cSld>
+    <p:spTree>
+      <p:nvGrpSpPr>
         <p:cNvPr id="1" name="Shape 306"/>
         <p:cNvGrpSpPr/>
         <p:nvPr/>
@@ -3841,7 +4092,7 @@
 </p:notes>
 </file>
 
-<file path=ppt/notesSlides/notesSlide31.xml><?xml version="1.0" encoding="utf-8"?>
+<file path=ppt/notesSlides/notesSlide33.xml><?xml version="1.0" encoding="utf-8"?>
 <p:notes xmlns:a="http://schemas.openxmlformats.org/drawingml/2006/main" xmlns:r="http://schemas.openxmlformats.org/officeDocument/2006/relationships" xmlns:p="http://schemas.openxmlformats.org/presentationml/2006/main" showMasterSp="0" showMasterPhAnim="0">
   <p:cSld>
     <p:spTree>
@@ -3945,7 +4196,7 @@
 </p:notes>
 </file>
 
-<file path=ppt/notesSlides/notesSlide32.xml><?xml version="1.0" encoding="utf-8"?>
+<file path=ppt/notesSlides/notesSlide34.xml><?xml version="1.0" encoding="utf-8"?>
 <p:notes xmlns:a="http://schemas.openxmlformats.org/drawingml/2006/main" xmlns:r="http://schemas.openxmlformats.org/officeDocument/2006/relationships" xmlns:p="http://schemas.openxmlformats.org/presentationml/2006/main" showMasterSp="0" showMasterPhAnim="0">
   <p:cSld>
     <p:spTree>
@@ -4049,7 +4300,7 @@
 </p:notes>
 </file>
 
-<file path=ppt/notesSlides/notesSlide33.xml><?xml version="1.0" encoding="utf-8"?>
+<file path=ppt/notesSlides/notesSlide35.xml><?xml version="1.0" encoding="utf-8"?>
 <p:notes xmlns:a="http://schemas.openxmlformats.org/drawingml/2006/main" xmlns:r="http://schemas.openxmlformats.org/officeDocument/2006/relationships" xmlns:p="http://schemas.openxmlformats.org/presentationml/2006/main" showMasterSp="0" showMasterPhAnim="0">
   <p:cSld>
     <p:spTree>
@@ -4153,7 +4404,7 @@
 </p:notes>
 </file>
 
-<file path=ppt/notesSlides/notesSlide34.xml><?xml version="1.0" encoding="utf-8"?>
+<file path=ppt/notesSlides/notesSlide36.xml><?xml version="1.0" encoding="utf-8"?>
 <p:notes xmlns:a="http://schemas.openxmlformats.org/drawingml/2006/main" xmlns:r="http://schemas.openxmlformats.org/officeDocument/2006/relationships" xmlns:p="http://schemas.openxmlformats.org/presentationml/2006/main" showMasterSp="0" showMasterPhAnim="0">
   <p:cSld>
     <p:spTree>
@@ -4257,7 +4508,7 @@
 </p:notes>
 </file>
 
-<file path=ppt/notesSlides/notesSlide35.xml><?xml version="1.0" encoding="utf-8"?>
+<file path=ppt/notesSlides/notesSlide37.xml><?xml version="1.0" encoding="utf-8"?>
 <p:notes xmlns:a="http://schemas.openxmlformats.org/drawingml/2006/main" xmlns:r="http://schemas.openxmlformats.org/officeDocument/2006/relationships" xmlns:p="http://schemas.openxmlformats.org/presentationml/2006/main" showMasterSp="0" showMasterPhAnim="0">
   <p:cSld>
     <p:spTree>
@@ -4361,7 +4612,7 @@
 </p:notes>
 </file>
 
-<file path=ppt/notesSlides/notesSlide36.xml><?xml version="1.0" encoding="utf-8"?>
+<file path=ppt/notesSlides/notesSlide38.xml><?xml version="1.0" encoding="utf-8"?>
 <p:notes xmlns:a="http://schemas.openxmlformats.org/drawingml/2006/main" xmlns:r="http://schemas.openxmlformats.org/officeDocument/2006/relationships" xmlns:p="http://schemas.openxmlformats.org/presentationml/2006/main" showMasterSp="0" showMasterPhAnim="0">
   <p:cSld>
     <p:spTree>
@@ -4465,7 +4716,7 @@
 </p:notes>
 </file>
 
-<file path=ppt/notesSlides/notesSlide37.xml><?xml version="1.0" encoding="utf-8"?>
+<file path=ppt/notesSlides/notesSlide39.xml><?xml version="1.0" encoding="utf-8"?>
 <p:notes xmlns:a="http://schemas.openxmlformats.org/drawingml/2006/main" xmlns:r="http://schemas.openxmlformats.org/officeDocument/2006/relationships" xmlns:p="http://schemas.openxmlformats.org/presentationml/2006/main" showMasterSp="0" showMasterPhAnim="0">
   <p:cSld>
     <p:spTree>
@@ -4534,214 +4785,6 @@
           <a:xfrm>
             <a:off x="1143225" y="685800"/>
             <a:ext cx="4572225" cy="3429000"/>
-          </a:xfrm>
-          <a:custGeom>
-            <a:avLst/>
-            <a:gdLst/>
-            <a:ahLst/>
-            <a:cxnLst/>
-            <a:rect l="l" t="t" r="r" b="b"/>
-            <a:pathLst>
-              <a:path w="120000" h="120000" extrusionOk="0">
-                <a:moveTo>
-                  <a:pt x="0" y="0"/>
-                </a:moveTo>
-                <a:lnTo>
-                  <a:pt x="120000" y="0"/>
-                </a:lnTo>
-                <a:lnTo>
-                  <a:pt x="120000" y="120000"/>
-                </a:lnTo>
-                <a:lnTo>
-                  <a:pt x="0" y="120000"/>
-                </a:lnTo>
-                <a:close/>
-              </a:path>
-            </a:pathLst>
-          </a:custGeom>
-        </p:spPr>
-      </p:sp>
-    </p:spTree>
-  </p:cSld>
-  <p:clrMapOvr>
-    <a:masterClrMapping/>
-  </p:clrMapOvr>
-</p:notes>
-</file>
-
-<file path=ppt/notesSlides/notesSlide38.xml><?xml version="1.0" encoding="utf-8"?>
-<p:notes xmlns:a="http://schemas.openxmlformats.org/drawingml/2006/main" xmlns:r="http://schemas.openxmlformats.org/officeDocument/2006/relationships" xmlns:p="http://schemas.openxmlformats.org/presentationml/2006/main" showMasterSp="0" showMasterPhAnim="0">
-  <p:cSld>
-    <p:spTree>
-      <p:nvGrpSpPr>
-        <p:cNvPr id="1" name="Shape 421"/>
-        <p:cNvGrpSpPr/>
-        <p:nvPr/>
-      </p:nvGrpSpPr>
-      <p:grpSpPr>
-        <a:xfrm>
-          <a:off x="0" y="0"/>
-          <a:ext cx="0" cy="0"/>
-          <a:chOff x="0" y="0"/>
-          <a:chExt cx="0" cy="0"/>
-        </a:xfrm>
-      </p:grpSpPr>
-      <p:sp>
-        <p:nvSpPr>
-          <p:cNvPr id="422" name="Google Shape;422;g21c03c1d1e6_1_296:notes"/>
-          <p:cNvSpPr txBox="1">
-            <a:spLocks noGrp="1"/>
-          </p:cNvSpPr>
-          <p:nvPr>
-            <p:ph type="body" idx="1"/>
-          </p:nvPr>
-        </p:nvSpPr>
-        <p:spPr>
-          <a:xfrm>
-            <a:off x="685800" y="4343400"/>
-            <a:ext cx="5486400" cy="4114800"/>
-          </a:xfrm>
-          <a:prstGeom prst="rect">
-            <a:avLst/>
-          </a:prstGeom>
-        </p:spPr>
-        <p:txBody>
-          <a:bodyPr spcFirstLastPara="1" wrap="square" lIns="91425" tIns="91425" rIns="91425" bIns="91425" anchor="t" anchorCtr="0">
-            <a:noAutofit/>
-          </a:bodyPr>
-          <a:lstStyle/>
-          <a:p>
-            <a:pPr marL="0" lvl="0" indent="0" algn="l" rtl="0">
-              <a:spcBef>
-                <a:spcPts val="0"/>
-              </a:spcBef>
-              <a:spcAft>
-                <a:spcPts val="0"/>
-              </a:spcAft>
-              <a:buNone/>
-            </a:pPr>
-            <a:endParaRPr/>
-          </a:p>
-        </p:txBody>
-      </p:sp>
-      <p:sp>
-        <p:nvSpPr>
-          <p:cNvPr id="423" name="Google Shape;423;g21c03c1d1e6_1_296:notes"/>
-          <p:cNvSpPr>
-            <a:spLocks noGrp="1" noRot="1" noChangeAspect="1"/>
-          </p:cNvSpPr>
-          <p:nvPr>
-            <p:ph type="sldImg" idx="2"/>
-          </p:nvPr>
-        </p:nvSpPr>
-        <p:spPr>
-          <a:xfrm>
-            <a:off x="1143225" y="685800"/>
-            <a:ext cx="4572225" cy="3429000"/>
-          </a:xfrm>
-          <a:custGeom>
-            <a:avLst/>
-            <a:gdLst/>
-            <a:ahLst/>
-            <a:cxnLst/>
-            <a:rect l="l" t="t" r="r" b="b"/>
-            <a:pathLst>
-              <a:path w="120000" h="120000" extrusionOk="0">
-                <a:moveTo>
-                  <a:pt x="0" y="0"/>
-                </a:moveTo>
-                <a:lnTo>
-                  <a:pt x="120000" y="0"/>
-                </a:lnTo>
-                <a:lnTo>
-                  <a:pt x="120000" y="120000"/>
-                </a:lnTo>
-                <a:lnTo>
-                  <a:pt x="0" y="120000"/>
-                </a:lnTo>
-                <a:close/>
-              </a:path>
-            </a:pathLst>
-          </a:custGeom>
-        </p:spPr>
-      </p:sp>
-    </p:spTree>
-  </p:cSld>
-  <p:clrMapOvr>
-    <a:masterClrMapping/>
-  </p:clrMapOvr>
-</p:notes>
-</file>
-
-<file path=ppt/notesSlides/notesSlide39.xml><?xml version="1.0" encoding="utf-8"?>
-<p:notes xmlns:a="http://schemas.openxmlformats.org/drawingml/2006/main" xmlns:r="http://schemas.openxmlformats.org/officeDocument/2006/relationships" xmlns:p="http://schemas.openxmlformats.org/presentationml/2006/main" showMasterSp="0" showMasterPhAnim="0">
-  <p:cSld>
-    <p:spTree>
-      <p:nvGrpSpPr>
-        <p:cNvPr id="1" name="Shape 432"/>
-        <p:cNvGrpSpPr/>
-        <p:nvPr/>
-      </p:nvGrpSpPr>
-      <p:grpSpPr>
-        <a:xfrm>
-          <a:off x="0" y="0"/>
-          <a:ext cx="0" cy="0"/>
-          <a:chOff x="0" y="0"/>
-          <a:chExt cx="0" cy="0"/>
-        </a:xfrm>
-      </p:grpSpPr>
-      <p:sp>
-        <p:nvSpPr>
-          <p:cNvPr id="433" name="Google Shape;433;g21c03c1d1e6_1_305:notes"/>
-          <p:cNvSpPr txBox="1">
-            <a:spLocks noGrp="1"/>
-          </p:cNvSpPr>
-          <p:nvPr>
-            <p:ph type="body" idx="1"/>
-          </p:nvPr>
-        </p:nvSpPr>
-        <p:spPr>
-          <a:xfrm>
-            <a:off x="685800" y="4343400"/>
-            <a:ext cx="5486400" cy="4114800"/>
-          </a:xfrm>
-          <a:prstGeom prst="rect">
-            <a:avLst/>
-          </a:prstGeom>
-        </p:spPr>
-        <p:txBody>
-          <a:bodyPr spcFirstLastPara="1" wrap="square" lIns="91425" tIns="91425" rIns="91425" bIns="91425" anchor="t" anchorCtr="0">
-            <a:noAutofit/>
-          </a:bodyPr>
-          <a:lstStyle/>
-          <a:p>
-            <a:pPr marL="0" lvl="0" indent="0" algn="l" rtl="0">
-              <a:spcBef>
-                <a:spcPts val="0"/>
-              </a:spcBef>
-              <a:spcAft>
-                <a:spcPts val="0"/>
-              </a:spcAft>
-              <a:buNone/>
-            </a:pPr>
-            <a:endParaRPr/>
-          </a:p>
-        </p:txBody>
-      </p:sp>
-      <p:sp>
-        <p:nvSpPr>
-          <p:cNvPr id="434" name="Google Shape;434;g21c03c1d1e6_1_305:notes"/>
-          <p:cNvSpPr>
-            <a:spLocks noGrp="1" noRot="1" noChangeAspect="1"/>
-          </p:cNvSpPr>
-          <p:nvPr>
-            <p:ph type="sldImg" idx="2"/>
-          </p:nvPr>
-        </p:nvSpPr>
-        <p:spPr>
-          <a:xfrm>
-            <a:off x="381000" y="685800"/>
-            <a:ext cx="6096000" cy="3429000"/>
           </a:xfrm>
           <a:custGeom>
             <a:avLst/>
@@ -4881,6 +4924,214 @@
 </p:notes>
 </file>
 
+<file path=ppt/notesSlides/notesSlide40.xml><?xml version="1.0" encoding="utf-8"?>
+<p:notes xmlns:a="http://schemas.openxmlformats.org/drawingml/2006/main" xmlns:r="http://schemas.openxmlformats.org/officeDocument/2006/relationships" xmlns:p="http://schemas.openxmlformats.org/presentationml/2006/main" showMasterSp="0" showMasterPhAnim="0">
+  <p:cSld>
+    <p:spTree>
+      <p:nvGrpSpPr>
+        <p:cNvPr id="1" name="Shape 421"/>
+        <p:cNvGrpSpPr/>
+        <p:nvPr/>
+      </p:nvGrpSpPr>
+      <p:grpSpPr>
+        <a:xfrm>
+          <a:off x="0" y="0"/>
+          <a:ext cx="0" cy="0"/>
+          <a:chOff x="0" y="0"/>
+          <a:chExt cx="0" cy="0"/>
+        </a:xfrm>
+      </p:grpSpPr>
+      <p:sp>
+        <p:nvSpPr>
+          <p:cNvPr id="422" name="Google Shape;422;g21c03c1d1e6_1_296:notes"/>
+          <p:cNvSpPr txBox="1">
+            <a:spLocks noGrp="1"/>
+          </p:cNvSpPr>
+          <p:nvPr>
+            <p:ph type="body" idx="1"/>
+          </p:nvPr>
+        </p:nvSpPr>
+        <p:spPr>
+          <a:xfrm>
+            <a:off x="685800" y="4343400"/>
+            <a:ext cx="5486400" cy="4114800"/>
+          </a:xfrm>
+          <a:prstGeom prst="rect">
+            <a:avLst/>
+          </a:prstGeom>
+        </p:spPr>
+        <p:txBody>
+          <a:bodyPr spcFirstLastPara="1" wrap="square" lIns="91425" tIns="91425" rIns="91425" bIns="91425" anchor="t" anchorCtr="0">
+            <a:noAutofit/>
+          </a:bodyPr>
+          <a:lstStyle/>
+          <a:p>
+            <a:pPr marL="0" lvl="0" indent="0" algn="l" rtl="0">
+              <a:spcBef>
+                <a:spcPts val="0"/>
+              </a:spcBef>
+              <a:spcAft>
+                <a:spcPts val="0"/>
+              </a:spcAft>
+              <a:buNone/>
+            </a:pPr>
+            <a:endParaRPr/>
+          </a:p>
+        </p:txBody>
+      </p:sp>
+      <p:sp>
+        <p:nvSpPr>
+          <p:cNvPr id="423" name="Google Shape;423;g21c03c1d1e6_1_296:notes"/>
+          <p:cNvSpPr>
+            <a:spLocks noGrp="1" noRot="1" noChangeAspect="1"/>
+          </p:cNvSpPr>
+          <p:nvPr>
+            <p:ph type="sldImg" idx="2"/>
+          </p:nvPr>
+        </p:nvSpPr>
+        <p:spPr>
+          <a:xfrm>
+            <a:off x="1143225" y="685800"/>
+            <a:ext cx="4572225" cy="3429000"/>
+          </a:xfrm>
+          <a:custGeom>
+            <a:avLst/>
+            <a:gdLst/>
+            <a:ahLst/>
+            <a:cxnLst/>
+            <a:rect l="l" t="t" r="r" b="b"/>
+            <a:pathLst>
+              <a:path w="120000" h="120000" extrusionOk="0">
+                <a:moveTo>
+                  <a:pt x="0" y="0"/>
+                </a:moveTo>
+                <a:lnTo>
+                  <a:pt x="120000" y="0"/>
+                </a:lnTo>
+                <a:lnTo>
+                  <a:pt x="120000" y="120000"/>
+                </a:lnTo>
+                <a:lnTo>
+                  <a:pt x="0" y="120000"/>
+                </a:lnTo>
+                <a:close/>
+              </a:path>
+            </a:pathLst>
+          </a:custGeom>
+        </p:spPr>
+      </p:sp>
+    </p:spTree>
+  </p:cSld>
+  <p:clrMapOvr>
+    <a:masterClrMapping/>
+  </p:clrMapOvr>
+</p:notes>
+</file>
+
+<file path=ppt/notesSlides/notesSlide41.xml><?xml version="1.0" encoding="utf-8"?>
+<p:notes xmlns:a="http://schemas.openxmlformats.org/drawingml/2006/main" xmlns:r="http://schemas.openxmlformats.org/officeDocument/2006/relationships" xmlns:p="http://schemas.openxmlformats.org/presentationml/2006/main" showMasterSp="0" showMasterPhAnim="0">
+  <p:cSld>
+    <p:spTree>
+      <p:nvGrpSpPr>
+        <p:cNvPr id="1" name="Shape 432"/>
+        <p:cNvGrpSpPr/>
+        <p:nvPr/>
+      </p:nvGrpSpPr>
+      <p:grpSpPr>
+        <a:xfrm>
+          <a:off x="0" y="0"/>
+          <a:ext cx="0" cy="0"/>
+          <a:chOff x="0" y="0"/>
+          <a:chExt cx="0" cy="0"/>
+        </a:xfrm>
+      </p:grpSpPr>
+      <p:sp>
+        <p:nvSpPr>
+          <p:cNvPr id="433" name="Google Shape;433;g21c03c1d1e6_1_305:notes"/>
+          <p:cNvSpPr txBox="1">
+            <a:spLocks noGrp="1"/>
+          </p:cNvSpPr>
+          <p:nvPr>
+            <p:ph type="body" idx="1"/>
+          </p:nvPr>
+        </p:nvSpPr>
+        <p:spPr>
+          <a:xfrm>
+            <a:off x="685800" y="4343400"/>
+            <a:ext cx="5486400" cy="4114800"/>
+          </a:xfrm>
+          <a:prstGeom prst="rect">
+            <a:avLst/>
+          </a:prstGeom>
+        </p:spPr>
+        <p:txBody>
+          <a:bodyPr spcFirstLastPara="1" wrap="square" lIns="91425" tIns="91425" rIns="91425" bIns="91425" anchor="t" anchorCtr="0">
+            <a:noAutofit/>
+          </a:bodyPr>
+          <a:lstStyle/>
+          <a:p>
+            <a:pPr marL="0" lvl="0" indent="0" algn="l" rtl="0">
+              <a:spcBef>
+                <a:spcPts val="0"/>
+              </a:spcBef>
+              <a:spcAft>
+                <a:spcPts val="0"/>
+              </a:spcAft>
+              <a:buNone/>
+            </a:pPr>
+            <a:endParaRPr/>
+          </a:p>
+        </p:txBody>
+      </p:sp>
+      <p:sp>
+        <p:nvSpPr>
+          <p:cNvPr id="434" name="Google Shape;434;g21c03c1d1e6_1_305:notes"/>
+          <p:cNvSpPr>
+            <a:spLocks noGrp="1" noRot="1" noChangeAspect="1"/>
+          </p:cNvSpPr>
+          <p:nvPr>
+            <p:ph type="sldImg" idx="2"/>
+          </p:nvPr>
+        </p:nvSpPr>
+        <p:spPr>
+          <a:xfrm>
+            <a:off x="381000" y="685800"/>
+            <a:ext cx="6096000" cy="3429000"/>
+          </a:xfrm>
+          <a:custGeom>
+            <a:avLst/>
+            <a:gdLst/>
+            <a:ahLst/>
+            <a:cxnLst/>
+            <a:rect l="l" t="t" r="r" b="b"/>
+            <a:pathLst>
+              <a:path w="120000" h="120000" extrusionOk="0">
+                <a:moveTo>
+                  <a:pt x="0" y="0"/>
+                </a:moveTo>
+                <a:lnTo>
+                  <a:pt x="120000" y="0"/>
+                </a:lnTo>
+                <a:lnTo>
+                  <a:pt x="120000" y="120000"/>
+                </a:lnTo>
+                <a:lnTo>
+                  <a:pt x="0" y="120000"/>
+                </a:lnTo>
+                <a:close/>
+              </a:path>
+            </a:pathLst>
+          </a:custGeom>
+        </p:spPr>
+      </p:sp>
+    </p:spTree>
+  </p:cSld>
+  <p:clrMapOvr>
+    <a:masterClrMapping/>
+  </p:clrMapOvr>
+</p:notes>
+</file>
+
 <file path=ppt/notesSlides/notesSlide5.xml><?xml version="1.0" encoding="utf-8"?>
 <p:notes xmlns:a="http://schemas.openxmlformats.org/drawingml/2006/main" xmlns:r="http://schemas.openxmlformats.org/officeDocument/2006/relationships" xmlns:p="http://schemas.openxmlformats.org/presentationml/2006/main" showMasterSp="0" showMasterPhAnim="0">
   <p:cSld>
@@ -5302,7 +5553,7 @@
   <p:cSld>
     <p:spTree>
       <p:nvGrpSpPr>
-        <p:cNvPr id="1" name="Shape 143"/>
+        <p:cNvPr id="1" name="Shape 247"/>
         <p:cNvGrpSpPr/>
         <p:nvPr/>
       </p:nvGrpSpPr>
@@ -5316,7 +5567,7 @@
       </p:grpSpPr>
       <p:sp>
         <p:nvSpPr>
-          <p:cNvPr id="144" name="Google Shape;144;g21c03c1d1e6_1_60:notes"/>
+          <p:cNvPr id="248" name="Google Shape;248;g21c03c1d1e6_1_145:notes"/>
           <p:cNvSpPr txBox="1">
             <a:spLocks noGrp="1"/>
           </p:cNvSpPr>
@@ -5354,7 +5605,7 @@
       </p:sp>
       <p:sp>
         <p:nvSpPr>
-          <p:cNvPr id="145" name="Google Shape;145;g21c03c1d1e6_1_60:notes"/>
+          <p:cNvPr id="249" name="Google Shape;249;g21c03c1d1e6_1_145:notes"/>
           <p:cNvSpPr>
             <a:spLocks noGrp="1" noRot="1" noChangeAspect="1"/>
           </p:cNvSpPr>
@@ -5364,8 +5615,8 @@
         </p:nvSpPr>
         <p:spPr>
           <a:xfrm>
-            <a:off x="1143225" y="685800"/>
-            <a:ext cx="4572225" cy="3429000"/>
+            <a:off x="381000" y="685800"/>
+            <a:ext cx="6096000" cy="3429000"/>
           </a:xfrm>
           <a:custGeom>
             <a:avLst/>
@@ -6192,7 +6443,7 @@
             </a:pPr>
             <a:fld id="{00000000-1234-1234-1234-123412341234}" type="slidenum">
               <a:rPr lang="en"/>
-              <a:t>‹Nº›</a:t>
+              <a:t>‹#›</a:t>
             </a:fld>
             <a:endParaRPr/>
           </a:p>
@@ -6891,7 +7142,7 @@
             </a:pPr>
             <a:fld id="{00000000-1234-1234-1234-123412341234}" type="slidenum">
               <a:rPr lang="en"/>
-              <a:t>‹Nº›</a:t>
+              <a:t>‹#›</a:t>
             </a:fld>
             <a:endParaRPr/>
           </a:p>
@@ -7205,7 +7456,7 @@
             </a:pPr>
             <a:fld id="{00000000-1234-1234-1234-123412341234}" type="slidenum">
               <a:rPr lang="en"/>
-              <a:t>‹Nº›</a:t>
+              <a:t>‹#›</a:t>
             </a:fld>
             <a:endParaRPr/>
           </a:p>
@@ -7932,7 +8183,7 @@
             </a:pPr>
             <a:fld id="{00000000-1234-1234-1234-123412341234}" type="slidenum">
               <a:rPr lang="en"/>
-              <a:t>‹Nº›</a:t>
+              <a:t>‹#›</a:t>
             </a:fld>
             <a:endParaRPr/>
           </a:p>
@@ -8684,7 +8935,7 @@
             </a:pPr>
             <a:fld id="{00000000-1234-1234-1234-123412341234}" type="slidenum">
               <a:rPr lang="en"/>
-              <a:t>‹Nº›</a:t>
+              <a:t>‹#›</a:t>
             </a:fld>
             <a:endParaRPr/>
           </a:p>
@@ -9276,7 +9527,7 @@
             </a:pPr>
             <a:fld id="{00000000-1234-1234-1234-123412341234}" type="slidenum">
               <a:rPr lang="en"/>
-              <a:t>‹Nº›</a:t>
+              <a:t>‹#›</a:t>
             </a:fld>
             <a:endParaRPr/>
           </a:p>
@@ -9742,7 +9993,7 @@
             </a:pPr>
             <a:fld id="{00000000-1234-1234-1234-123412341234}" type="slidenum">
               <a:rPr lang="en"/>
-              <a:t>‹Nº›</a:t>
+              <a:t>‹#›</a:t>
             </a:fld>
             <a:endParaRPr/>
           </a:p>
@@ -10654,7 +10905,7 @@
             </a:pPr>
             <a:fld id="{00000000-1234-1234-1234-123412341234}" type="slidenum">
               <a:rPr lang="en"/>
-              <a:t>‹Nº›</a:t>
+              <a:t>‹#›</a:t>
             </a:fld>
             <a:endParaRPr/>
           </a:p>
@@ -11469,7 +11720,7 @@
             </a:pPr>
             <a:fld id="{00000000-1234-1234-1234-123412341234}" type="slidenum">
               <a:rPr lang="en"/>
-              <a:t>‹Nº›</a:t>
+              <a:t>‹#›</a:t>
             </a:fld>
             <a:endParaRPr/>
           </a:p>
@@ -11935,7 +12186,7 @@
             </a:pPr>
             <a:fld id="{00000000-1234-1234-1234-123412341234}" type="slidenum">
               <a:rPr lang="en"/>
-              <a:t>‹Nº›</a:t>
+              <a:t>‹#›</a:t>
             </a:fld>
             <a:endParaRPr/>
           </a:p>
@@ -12973,7 +13224,7 @@
             </a:pPr>
             <a:fld id="{00000000-1234-1234-1234-123412341234}" type="slidenum">
               <a:rPr lang="en"/>
-              <a:t>‹Nº›</a:t>
+              <a:t>‹#›</a:t>
             </a:fld>
             <a:endParaRPr/>
           </a:p>
@@ -13460,7 +13711,7 @@
             </a:pPr>
             <a:fld id="{00000000-1234-1234-1234-123412341234}" type="slidenum">
               <a:rPr lang="en"/>
-              <a:t>‹Nº›</a:t>
+              <a:t>‹#›</a:t>
             </a:fld>
             <a:endParaRPr/>
           </a:p>
@@ -14310,7 +14561,7 @@
             </a:pPr>
             <a:fld id="{00000000-1234-1234-1234-123412341234}" type="slidenum">
               <a:rPr lang="en"/>
-              <a:t>‹Nº›</a:t>
+              <a:t>‹#›</a:t>
             </a:fld>
             <a:endParaRPr/>
           </a:p>
@@ -15188,7 +15439,7 @@
         </p:spPr>
         <p:txBody>
           <a:bodyPr spcFirstLastPara="1" wrap="square" lIns="91425" tIns="91425" rIns="91425" bIns="91425" anchor="t" anchorCtr="0">
-            <a:normAutofit/>
+            <a:normAutofit fontScale="92500" lnSpcReduction="20000"/>
           </a:bodyPr>
           <a:lstStyle/>
           <a:p>
@@ -15213,42 +15464,52 @@
           </a:p>
           <a:p>
             <a:pPr marL="0" lvl="0" indent="0" algn="l" rtl="0">
-              <a:lnSpc>
-                <a:spcPct val="100000"/>
-              </a:lnSpc>
-              <a:spcBef>
-                <a:spcPts val="0"/>
-              </a:spcBef>
-              <a:spcAft>
-                <a:spcPts val="0"/>
-              </a:spcAft>
-              <a:buSzPts val="1800"/>
+              <a:spcBef>
+                <a:spcPts val="0"/>
+              </a:spcBef>
+              <a:spcAft>
+                <a:spcPts val="0"/>
+              </a:spcAft>
               <a:buNone/>
             </a:pPr>
             <a:r>
               <a:rPr lang="en" sz="2600" dirty="0"/>
-              <a:t>	    Alfonso Rafael</a:t>
+              <a:t>		</a:t>
+            </a:r>
+            <a:r>
+              <a:rPr lang="pt-BR" sz="2600" dirty="0"/>
+              <a:t>Marcos Maillot</a:t>
             </a:r>
           </a:p>
           <a:p>
             <a:pPr marL="0" lvl="0" indent="0" algn="l" rtl="0">
-              <a:lnSpc>
-                <a:spcPct val="100000"/>
-              </a:lnSpc>
-              <a:spcBef>
-                <a:spcPts val="0"/>
-              </a:spcBef>
-              <a:spcAft>
-                <a:spcPts val="0"/>
-              </a:spcAft>
-              <a:buSzPts val="1800"/>
+              <a:spcBef>
+                <a:spcPts val="0"/>
+              </a:spcBef>
+              <a:spcAft>
+                <a:spcPts val="0"/>
+              </a:spcAft>
               <a:buNone/>
             </a:pPr>
             <a:r>
-              <a:rPr lang="en" sz="2600" dirty="0"/>
-              <a:t>	    Marcos Maillot	</a:t>
+              <a:rPr lang="pt-BR" sz="2600" dirty="0"/>
+              <a:t>		Antonio Zarauz</a:t>
             </a:r>
-            <a:endParaRPr sz="2600" dirty="0"/>
+          </a:p>
+          <a:p>
+            <a:pPr marL="0" lvl="0" indent="0" algn="l" rtl="0">
+              <a:spcBef>
+                <a:spcPts val="0"/>
+              </a:spcBef>
+              <a:spcAft>
+                <a:spcPts val="0"/>
+              </a:spcAft>
+              <a:buNone/>
+            </a:pPr>
+            <a:r>
+              <a:rPr lang="pt-BR" sz="2600" dirty="0"/>
+              <a:t>		Gerardo Vilcamiza</a:t>
+            </a:r>
           </a:p>
         </p:txBody>
       </p:sp>
@@ -15288,6 +15549,650 @@
 </file>
 
 <file path=ppt/slides/slide10.xml><?xml version="1.0" encoding="utf-8"?>
+<p:sld xmlns:a="http://schemas.openxmlformats.org/drawingml/2006/main" xmlns:r="http://schemas.openxmlformats.org/officeDocument/2006/relationships" xmlns:p="http://schemas.openxmlformats.org/presentationml/2006/main">
+  <p:cSld>
+    <p:spTree>
+      <p:nvGrpSpPr>
+        <p:cNvPr id="1" name="Shape 146"/>
+        <p:cNvGrpSpPr/>
+        <p:nvPr/>
+      </p:nvGrpSpPr>
+      <p:grpSpPr>
+        <a:xfrm>
+          <a:off x="0" y="0"/>
+          <a:ext cx="0" cy="0"/>
+          <a:chOff x="0" y="0"/>
+          <a:chExt cx="0" cy="0"/>
+        </a:xfrm>
+      </p:grpSpPr>
+      <p:sp>
+        <p:nvSpPr>
+          <p:cNvPr id="147" name="Google Shape;147;g21c03c1d1e6_1_60"/>
+          <p:cNvSpPr txBox="1"/>
+          <p:nvPr/>
+        </p:nvSpPr>
+        <p:spPr>
+          <a:xfrm>
+            <a:off x="-119743" y="0"/>
+            <a:ext cx="9383486" cy="608527"/>
+          </a:xfrm>
+          <a:prstGeom prst="rect">
+            <a:avLst/>
+          </a:prstGeom>
+          <a:noFill/>
+          <a:ln>
+            <a:noFill/>
+          </a:ln>
+        </p:spPr>
+        <p:txBody>
+          <a:bodyPr spcFirstLastPara="1" wrap="square" lIns="68575" tIns="34275" rIns="68575" bIns="34275" anchor="t" anchorCtr="0">
+            <a:noAutofit/>
+          </a:bodyPr>
+          <a:lstStyle/>
+          <a:p>
+            <a:pPr marL="0" marR="0" lvl="0" indent="0" algn="ctr" rtl="0">
+              <a:lnSpc>
+                <a:spcPct val="120000"/>
+              </a:lnSpc>
+              <a:spcBef>
+                <a:spcPts val="0"/>
+              </a:spcBef>
+              <a:spcAft>
+                <a:spcPts val="0"/>
+              </a:spcAft>
+              <a:buClr>
+                <a:schemeClr val="dk1"/>
+              </a:buClr>
+              <a:buSzPts val="3000"/>
+              <a:buFont typeface="Arial"/>
+              <a:buNone/>
+            </a:pPr>
+            <a:r>
+              <a:rPr lang="en" sz="2400">
+                <a:solidFill>
+                  <a:schemeClr val="dk1"/>
+                </a:solidFill>
+                <a:latin typeface="Twentieth Century"/>
+                <a:ea typeface="Twentieth Century"/>
+                <a:cs typeface="Twentieth Century"/>
+                <a:sym typeface="Twentieth Century"/>
+              </a:rPr>
+              <a:t>Recurrent Neural Network (RNN) - Dimensiones</a:t>
+            </a:r>
+            <a:endParaRPr sz="1100"/>
+          </a:p>
+        </p:txBody>
+      </p:sp>
+      <p:sp>
+        <p:nvSpPr>
+          <p:cNvPr id="148" name="Google Shape;148;g21c03c1d1e6_1_60"/>
+          <p:cNvSpPr txBox="1"/>
+          <p:nvPr/>
+        </p:nvSpPr>
+        <p:spPr>
+          <a:xfrm>
+            <a:off x="516181" y="4716035"/>
+            <a:ext cx="859665" cy="271779"/>
+          </a:xfrm>
+          <a:prstGeom prst="rect">
+            <a:avLst/>
+          </a:prstGeom>
+          <a:noFill/>
+          <a:ln>
+            <a:noFill/>
+          </a:ln>
+        </p:spPr>
+        <p:txBody>
+          <a:bodyPr spcFirstLastPara="1" wrap="square" lIns="68575" tIns="34275" rIns="68575" bIns="34275" anchor="t" anchorCtr="0">
+            <a:noAutofit/>
+          </a:bodyPr>
+          <a:lstStyle/>
+          <a:p>
+            <a:pPr marL="0" marR="0" lvl="0" indent="0" algn="ctr" rtl="0">
+              <a:lnSpc>
+                <a:spcPct val="90000"/>
+              </a:lnSpc>
+              <a:spcBef>
+                <a:spcPts val="0"/>
+              </a:spcBef>
+              <a:spcAft>
+                <a:spcPts val="0"/>
+              </a:spcAft>
+              <a:buClr>
+                <a:schemeClr val="dk1"/>
+              </a:buClr>
+              <a:buSzPts val="1500"/>
+              <a:buFont typeface="Arial"/>
+              <a:buNone/>
+            </a:pPr>
+            <a:r>
+              <a:rPr lang="en" sz="1500">
+                <a:solidFill>
+                  <a:schemeClr val="dk2"/>
+                </a:solidFill>
+                <a:latin typeface="Twentieth Century"/>
+                <a:ea typeface="Twentieth Century"/>
+                <a:cs typeface="Twentieth Century"/>
+                <a:sym typeface="Twentieth Century"/>
+              </a:rPr>
+              <a:t>Básica</a:t>
+            </a:r>
+            <a:endParaRPr sz="1100">
+              <a:solidFill>
+                <a:schemeClr val="dk2"/>
+              </a:solidFill>
+            </a:endParaRPr>
+          </a:p>
+        </p:txBody>
+      </p:sp>
+      <p:sp>
+        <p:nvSpPr>
+          <p:cNvPr id="149" name="Google Shape;149;g21c03c1d1e6_1_60"/>
+          <p:cNvSpPr txBox="1"/>
+          <p:nvPr/>
+        </p:nvSpPr>
+        <p:spPr>
+          <a:xfrm>
+            <a:off x="2608285" y="4696716"/>
+            <a:ext cx="1569838" cy="271779"/>
+          </a:xfrm>
+          <a:prstGeom prst="rect">
+            <a:avLst/>
+          </a:prstGeom>
+          <a:noFill/>
+          <a:ln>
+            <a:noFill/>
+          </a:ln>
+        </p:spPr>
+        <p:txBody>
+          <a:bodyPr spcFirstLastPara="1" wrap="square" lIns="68575" tIns="34275" rIns="68575" bIns="34275" anchor="t" anchorCtr="0">
+            <a:noAutofit/>
+          </a:bodyPr>
+          <a:lstStyle/>
+          <a:p>
+            <a:pPr marL="0" marR="0" lvl="0" indent="0" algn="ctr" rtl="0">
+              <a:lnSpc>
+                <a:spcPct val="90000"/>
+              </a:lnSpc>
+              <a:spcBef>
+                <a:spcPts val="0"/>
+              </a:spcBef>
+              <a:spcAft>
+                <a:spcPts val="0"/>
+              </a:spcAft>
+              <a:buClr>
+                <a:schemeClr val="dk1"/>
+              </a:buClr>
+              <a:buSzPts val="1500"/>
+              <a:buFont typeface="Arial"/>
+              <a:buNone/>
+            </a:pPr>
+            <a:r>
+              <a:rPr lang="en" sz="1500">
+                <a:solidFill>
+                  <a:schemeClr val="dk2"/>
+                </a:solidFill>
+                <a:latin typeface="Twentieth Century"/>
+                <a:ea typeface="Twentieth Century"/>
+                <a:cs typeface="Twentieth Century"/>
+                <a:sym typeface="Twentieth Century"/>
+              </a:rPr>
+              <a:t>Varias hidden</a:t>
+            </a:r>
+            <a:endParaRPr sz="1500">
+              <a:solidFill>
+                <a:schemeClr val="dk2"/>
+              </a:solidFill>
+              <a:latin typeface="Twentieth Century"/>
+              <a:ea typeface="Twentieth Century"/>
+              <a:cs typeface="Twentieth Century"/>
+              <a:sym typeface="Twentieth Century"/>
+            </a:endParaRPr>
+          </a:p>
+        </p:txBody>
+      </p:sp>
+      <p:sp>
+        <p:nvSpPr>
+          <p:cNvPr id="150" name="Google Shape;150;g21c03c1d1e6_1_60"/>
+          <p:cNvSpPr txBox="1"/>
+          <p:nvPr/>
+        </p:nvSpPr>
+        <p:spPr>
+          <a:xfrm>
+            <a:off x="5102092" y="4578347"/>
+            <a:ext cx="1569838" cy="271779"/>
+          </a:xfrm>
+          <a:prstGeom prst="rect">
+            <a:avLst/>
+          </a:prstGeom>
+          <a:noFill/>
+          <a:ln>
+            <a:noFill/>
+          </a:ln>
+        </p:spPr>
+        <p:txBody>
+          <a:bodyPr spcFirstLastPara="1" wrap="square" lIns="68575" tIns="34275" rIns="68575" bIns="34275" anchor="t" anchorCtr="0">
+            <a:noAutofit/>
+          </a:bodyPr>
+          <a:lstStyle/>
+          <a:p>
+            <a:pPr marL="0" marR="0" lvl="0" indent="0" algn="ctr" rtl="0">
+              <a:lnSpc>
+                <a:spcPct val="90000"/>
+              </a:lnSpc>
+              <a:spcBef>
+                <a:spcPts val="0"/>
+              </a:spcBef>
+              <a:spcAft>
+                <a:spcPts val="0"/>
+              </a:spcAft>
+              <a:buClr>
+                <a:schemeClr val="dk1"/>
+              </a:buClr>
+              <a:buSzPts val="1500"/>
+              <a:buFont typeface="Arial"/>
+              <a:buNone/>
+            </a:pPr>
+            <a:r>
+              <a:rPr lang="en" sz="1500">
+                <a:solidFill>
+                  <a:schemeClr val="dk2"/>
+                </a:solidFill>
+                <a:latin typeface="Twentieth Century"/>
+                <a:ea typeface="Twentieth Century"/>
+                <a:cs typeface="Twentieth Century"/>
+                <a:sym typeface="Twentieth Century"/>
+              </a:rPr>
+              <a:t>Input multivariable</a:t>
+            </a:r>
+            <a:endParaRPr sz="1500">
+              <a:solidFill>
+                <a:schemeClr val="dk2"/>
+              </a:solidFill>
+              <a:latin typeface="Twentieth Century"/>
+              <a:ea typeface="Twentieth Century"/>
+              <a:cs typeface="Twentieth Century"/>
+              <a:sym typeface="Twentieth Century"/>
+            </a:endParaRPr>
+          </a:p>
+        </p:txBody>
+      </p:sp>
+      <p:sp>
+        <p:nvSpPr>
+          <p:cNvPr id="151" name="Google Shape;151;g21c03c1d1e6_1_60"/>
+          <p:cNvSpPr txBox="1"/>
+          <p:nvPr/>
+        </p:nvSpPr>
+        <p:spPr>
+          <a:xfrm>
+            <a:off x="7243032" y="4695142"/>
+            <a:ext cx="1569838" cy="271779"/>
+          </a:xfrm>
+          <a:prstGeom prst="rect">
+            <a:avLst/>
+          </a:prstGeom>
+          <a:noFill/>
+          <a:ln>
+            <a:noFill/>
+          </a:ln>
+        </p:spPr>
+        <p:txBody>
+          <a:bodyPr spcFirstLastPara="1" wrap="square" lIns="68575" tIns="34275" rIns="68575" bIns="34275" anchor="t" anchorCtr="0">
+            <a:noAutofit/>
+          </a:bodyPr>
+          <a:lstStyle/>
+          <a:p>
+            <a:pPr marL="0" marR="0" lvl="0" indent="0" algn="ctr" rtl="0">
+              <a:lnSpc>
+                <a:spcPct val="90000"/>
+              </a:lnSpc>
+              <a:spcBef>
+                <a:spcPts val="0"/>
+              </a:spcBef>
+              <a:spcAft>
+                <a:spcPts val="0"/>
+              </a:spcAft>
+              <a:buClr>
+                <a:schemeClr val="dk1"/>
+              </a:buClr>
+              <a:buSzPts val="1500"/>
+              <a:buFont typeface="Arial"/>
+              <a:buNone/>
+            </a:pPr>
+            <a:r>
+              <a:rPr lang="en" sz="1500">
+                <a:solidFill>
+                  <a:schemeClr val="dk2"/>
+                </a:solidFill>
+                <a:latin typeface="Twentieth Century"/>
+                <a:ea typeface="Twentieth Century"/>
+                <a:cs typeface="Twentieth Century"/>
+                <a:sym typeface="Twentieth Century"/>
+              </a:rPr>
+              <a:t>2 layers</a:t>
+            </a:r>
+            <a:endParaRPr sz="1500">
+              <a:solidFill>
+                <a:schemeClr val="dk2"/>
+              </a:solidFill>
+              <a:latin typeface="Twentieth Century"/>
+              <a:ea typeface="Twentieth Century"/>
+              <a:cs typeface="Twentieth Century"/>
+              <a:sym typeface="Twentieth Century"/>
+            </a:endParaRPr>
+          </a:p>
+        </p:txBody>
+      </p:sp>
+      <p:pic>
+        <p:nvPicPr>
+          <p:cNvPr id="152" name="Google Shape;152;g21c03c1d1e6_1_60"/>
+          <p:cNvPicPr preferRelativeResize="0"/>
+          <p:nvPr/>
+        </p:nvPicPr>
+        <p:blipFill rotWithShape="1">
+          <a:blip r:embed="rId3">
+            <a:alphaModFix/>
+          </a:blip>
+          <a:srcRect/>
+          <a:stretch/>
+        </p:blipFill>
+        <p:spPr>
+          <a:xfrm>
+            <a:off x="448422" y="1052272"/>
+            <a:ext cx="3907631" cy="378619"/>
+          </a:xfrm>
+          <a:prstGeom prst="rect">
+            <a:avLst/>
+          </a:prstGeom>
+          <a:noFill/>
+          <a:ln>
+            <a:noFill/>
+          </a:ln>
+        </p:spPr>
+      </p:pic>
+      <p:sp>
+        <p:nvSpPr>
+          <p:cNvPr id="153" name="Google Shape;153;g21c03c1d1e6_1_60"/>
+          <p:cNvSpPr/>
+          <p:nvPr/>
+        </p:nvSpPr>
+        <p:spPr>
+          <a:xfrm>
+            <a:off x="2021003" y="740776"/>
+            <a:ext cx="762469" cy="276999"/>
+          </a:xfrm>
+          <a:prstGeom prst="rect">
+            <a:avLst/>
+          </a:prstGeom>
+          <a:noFill/>
+          <a:ln>
+            <a:noFill/>
+          </a:ln>
+        </p:spPr>
+        <p:txBody>
+          <a:bodyPr spcFirstLastPara="1" wrap="square" lIns="68575" tIns="34275" rIns="68575" bIns="34275" anchor="t" anchorCtr="0">
+            <a:noAutofit/>
+          </a:bodyPr>
+          <a:lstStyle/>
+          <a:p>
+            <a:pPr marL="0" marR="0" lvl="0" indent="0" algn="ctr" rtl="0">
+              <a:spcBef>
+                <a:spcPts val="0"/>
+              </a:spcBef>
+              <a:spcAft>
+                <a:spcPts val="0"/>
+              </a:spcAft>
+              <a:buNone/>
+            </a:pPr>
+            <a:r>
+              <a:rPr lang="en" sz="1400">
+                <a:solidFill>
+                  <a:schemeClr val="dk1"/>
+                </a:solidFill>
+                <a:latin typeface="Twentieth Century"/>
+                <a:ea typeface="Twentieth Century"/>
+                <a:cs typeface="Twentieth Century"/>
+                <a:sym typeface="Twentieth Century"/>
+              </a:rPr>
+              <a:t>Pytorch</a:t>
+            </a:r>
+            <a:endParaRPr sz="1400">
+              <a:solidFill>
+                <a:schemeClr val="dk1"/>
+              </a:solidFill>
+              <a:latin typeface="Twentieth Century"/>
+              <a:ea typeface="Twentieth Century"/>
+              <a:cs typeface="Twentieth Century"/>
+              <a:sym typeface="Twentieth Century"/>
+            </a:endParaRPr>
+          </a:p>
+        </p:txBody>
+      </p:sp>
+      <p:pic>
+        <p:nvPicPr>
+          <p:cNvPr id="154" name="Google Shape;154;g21c03c1d1e6_1_60"/>
+          <p:cNvPicPr preferRelativeResize="0"/>
+          <p:nvPr/>
+        </p:nvPicPr>
+        <p:blipFill rotWithShape="1">
+          <a:blip r:embed="rId4">
+            <a:alphaModFix/>
+          </a:blip>
+          <a:srcRect/>
+          <a:stretch/>
+        </p:blipFill>
+        <p:spPr>
+          <a:xfrm rot="-5400000">
+            <a:off x="78264" y="2720632"/>
+            <a:ext cx="1866275" cy="1583001"/>
+          </a:xfrm>
+          <a:prstGeom prst="rect">
+            <a:avLst/>
+          </a:prstGeom>
+          <a:noFill/>
+          <a:ln>
+            <a:noFill/>
+          </a:ln>
+        </p:spPr>
+      </p:pic>
+      <p:pic>
+        <p:nvPicPr>
+          <p:cNvPr id="155" name="Google Shape;155;g21c03c1d1e6_1_60"/>
+          <p:cNvPicPr preferRelativeResize="0"/>
+          <p:nvPr/>
+        </p:nvPicPr>
+        <p:blipFill rotWithShape="1">
+          <a:blip r:embed="rId5">
+            <a:alphaModFix/>
+          </a:blip>
+          <a:srcRect/>
+          <a:stretch/>
+        </p:blipFill>
+        <p:spPr>
+          <a:xfrm rot="-5400000">
+            <a:off x="2204006" y="2180339"/>
+            <a:ext cx="2344483" cy="2185382"/>
+          </a:xfrm>
+          <a:prstGeom prst="rect">
+            <a:avLst/>
+          </a:prstGeom>
+          <a:noFill/>
+          <a:ln>
+            <a:noFill/>
+          </a:ln>
+        </p:spPr>
+      </p:pic>
+      <p:pic>
+        <p:nvPicPr>
+          <p:cNvPr id="156" name="Google Shape;156;g21c03c1d1e6_1_60"/>
+          <p:cNvPicPr preferRelativeResize="0"/>
+          <p:nvPr/>
+        </p:nvPicPr>
+        <p:blipFill rotWithShape="1">
+          <a:blip r:embed="rId6">
+            <a:alphaModFix/>
+          </a:blip>
+          <a:srcRect/>
+          <a:stretch/>
+        </p:blipFill>
+        <p:spPr>
+          <a:xfrm rot="-5400000">
+            <a:off x="4596185" y="2369524"/>
+            <a:ext cx="2344481" cy="1807011"/>
+          </a:xfrm>
+          <a:prstGeom prst="rect">
+            <a:avLst/>
+          </a:prstGeom>
+          <a:noFill/>
+          <a:ln>
+            <a:noFill/>
+          </a:ln>
+        </p:spPr>
+      </p:pic>
+      <p:pic>
+        <p:nvPicPr>
+          <p:cNvPr id="157" name="Google Shape;157;g21c03c1d1e6_1_60"/>
+          <p:cNvPicPr preferRelativeResize="0"/>
+          <p:nvPr/>
+        </p:nvPicPr>
+        <p:blipFill rotWithShape="1">
+          <a:blip r:embed="rId7">
+            <a:alphaModFix/>
+          </a:blip>
+          <a:srcRect/>
+          <a:stretch/>
+        </p:blipFill>
+        <p:spPr>
+          <a:xfrm rot="-5400000">
+            <a:off x="6260084" y="1735063"/>
+            <a:ext cx="3315094" cy="2105321"/>
+          </a:xfrm>
+          <a:prstGeom prst="rect">
+            <a:avLst/>
+          </a:prstGeom>
+          <a:noFill/>
+          <a:ln>
+            <a:noFill/>
+          </a:ln>
+        </p:spPr>
+      </p:pic>
+      <p:sp>
+        <p:nvSpPr>
+          <p:cNvPr id="158" name="Google Shape;158;g21c03c1d1e6_1_60"/>
+          <p:cNvSpPr txBox="1"/>
+          <p:nvPr/>
+        </p:nvSpPr>
+        <p:spPr>
+          <a:xfrm>
+            <a:off x="4047019" y="615104"/>
+            <a:ext cx="3679985" cy="378317"/>
+          </a:xfrm>
+          <a:prstGeom prst="rect">
+            <a:avLst/>
+          </a:prstGeom>
+          <a:noFill/>
+          <a:ln>
+            <a:noFill/>
+          </a:ln>
+        </p:spPr>
+        <p:txBody>
+          <a:bodyPr spcFirstLastPara="1" wrap="square" lIns="68575" tIns="34275" rIns="68575" bIns="34275" anchor="t" anchorCtr="0">
+            <a:noAutofit/>
+          </a:bodyPr>
+          <a:lstStyle/>
+          <a:p>
+            <a:pPr marL="0" marR="0" lvl="0" indent="0" algn="ctr" rtl="0">
+              <a:lnSpc>
+                <a:spcPct val="120000"/>
+              </a:lnSpc>
+              <a:spcBef>
+                <a:spcPts val="0"/>
+              </a:spcBef>
+              <a:spcAft>
+                <a:spcPts val="0"/>
+              </a:spcAft>
+              <a:buClr>
+                <a:srgbClr val="FF0000"/>
+              </a:buClr>
+              <a:buSzPts val="2300"/>
+              <a:buFont typeface="Arial"/>
+              <a:buNone/>
+            </a:pPr>
+            <a:r>
+              <a:rPr lang="en" sz="1800" b="1">
+                <a:solidFill>
+                  <a:srgbClr val="FF0000"/>
+                </a:solidFill>
+                <a:latin typeface="Twentieth Century"/>
+                <a:ea typeface="Twentieth Century"/>
+                <a:cs typeface="Twentieth Century"/>
+                <a:sym typeface="Twentieth Century"/>
+              </a:rPr>
+              <a:t>Ver colab RNN_teoria.ipynb</a:t>
+            </a:r>
+            <a:endParaRPr sz="1800" b="1">
+              <a:solidFill>
+                <a:srgbClr val="FF0000"/>
+              </a:solidFill>
+              <a:latin typeface="Twentieth Century"/>
+              <a:ea typeface="Twentieth Century"/>
+              <a:cs typeface="Twentieth Century"/>
+              <a:sym typeface="Twentieth Century"/>
+            </a:endParaRPr>
+          </a:p>
+        </p:txBody>
+      </p:sp>
+      <p:sp>
+        <p:nvSpPr>
+          <p:cNvPr id="159" name="Google Shape;159;g21c03c1d1e6_1_60"/>
+          <p:cNvSpPr txBox="1">
+            <a:spLocks noGrp="1"/>
+          </p:cNvSpPr>
+          <p:nvPr>
+            <p:ph type="title"/>
+          </p:nvPr>
+        </p:nvSpPr>
+        <p:spPr>
+          <a:xfrm>
+            <a:off x="98250" y="16350"/>
+            <a:ext cx="8826600" cy="602700"/>
+          </a:xfrm>
+          <a:prstGeom prst="rect">
+            <a:avLst/>
+          </a:prstGeom>
+        </p:spPr>
+        <p:txBody>
+          <a:bodyPr spcFirstLastPara="1" wrap="square" lIns="91425" tIns="91425" rIns="91425" bIns="91425" anchor="ctr" anchorCtr="0">
+            <a:normAutofit/>
+          </a:bodyPr>
+          <a:lstStyle/>
+          <a:p>
+            <a:pPr marL="0" lvl="0" indent="0" algn="l" rtl="0">
+              <a:spcBef>
+                <a:spcPts val="0"/>
+              </a:spcBef>
+              <a:spcAft>
+                <a:spcPts val="0"/>
+              </a:spcAft>
+              <a:buNone/>
+            </a:pPr>
+            <a:r>
+              <a:rPr lang="en"/>
+              <a:t>Redes recurrentes - Implementación en pytorch</a:t>
+            </a:r>
+            <a:endParaRPr/>
+          </a:p>
+        </p:txBody>
+      </p:sp>
+    </p:spTree>
+  </p:cSld>
+  <p:clrMapOvr>
+    <a:masterClrMapping/>
+  </p:clrMapOvr>
+</p:sld>
+</file>
+
+<file path=ppt/slides/slide11.xml><?xml version="1.0" encoding="utf-8"?>
 <p:sld xmlns:a="http://schemas.openxmlformats.org/drawingml/2006/main" xmlns:r="http://schemas.openxmlformats.org/officeDocument/2006/relationships" xmlns:p="http://schemas.openxmlformats.org/presentationml/2006/main">
   <p:cSld>
     <p:spTree>
@@ -16212,7 +17117,7 @@
 </p:sld>
 </file>
 
-<file path=ppt/slides/slide11.xml><?xml version="1.0" encoding="utf-8"?>
+<file path=ppt/slides/slide12.xml><?xml version="1.0" encoding="utf-8"?>
 <p:sld xmlns:a="http://schemas.openxmlformats.org/drawingml/2006/main" xmlns:r="http://schemas.openxmlformats.org/officeDocument/2006/relationships" xmlns:p="http://schemas.openxmlformats.org/presentationml/2006/main">
   <p:cSld>
     <p:spTree>
@@ -16971,7 +17876,7 @@
 </p:sld>
 </file>
 
-<file path=ppt/slides/slide12.xml><?xml version="1.0" encoding="utf-8"?>
+<file path=ppt/slides/slide13.xml><?xml version="1.0" encoding="utf-8"?>
 <p:sld xmlns:a="http://schemas.openxmlformats.org/drawingml/2006/main" xmlns:r="http://schemas.openxmlformats.org/officeDocument/2006/relationships" xmlns:p="http://schemas.openxmlformats.org/presentationml/2006/main">
   <p:cSld>
     <p:spTree>
@@ -17730,7 +18635,7 @@
 </p:sld>
 </file>
 
-<file path=ppt/slides/slide13.xml><?xml version="1.0" encoding="utf-8"?>
+<file path=ppt/slides/slide14.xml><?xml version="1.0" encoding="utf-8"?>
 <p:sld xmlns:a="http://schemas.openxmlformats.org/drawingml/2006/main" xmlns:r="http://schemas.openxmlformats.org/officeDocument/2006/relationships" xmlns:p="http://schemas.openxmlformats.org/presentationml/2006/main">
   <p:cSld>
     <p:spTree>
@@ -18489,7 +19394,7 @@
 </p:sld>
 </file>
 
-<file path=ppt/slides/slide14.xml><?xml version="1.0" encoding="utf-8"?>
+<file path=ppt/slides/slide15.xml><?xml version="1.0" encoding="utf-8"?>
 <p:sld xmlns:a="http://schemas.openxmlformats.org/drawingml/2006/main" xmlns:r="http://schemas.openxmlformats.org/officeDocument/2006/relationships" xmlns:p="http://schemas.openxmlformats.org/presentationml/2006/main">
   <p:cSld>
     <p:spTree>
@@ -20442,7 +21347,7 @@
 </p:sld>
 </file>
 
-<file path=ppt/slides/slide15.xml><?xml version="1.0" encoding="utf-8"?>
+<file path=ppt/slides/slide16.xml><?xml version="1.0" encoding="utf-8"?>
 <p:sld xmlns:a="http://schemas.openxmlformats.org/drawingml/2006/main" xmlns:r="http://schemas.openxmlformats.org/officeDocument/2006/relationships" xmlns:p="http://schemas.openxmlformats.org/presentationml/2006/main">
   <p:cSld>
     <p:spTree>
@@ -20688,7 +21593,7 @@
 </p:sld>
 </file>
 
-<file path=ppt/slides/slide16.xml><?xml version="1.0" encoding="utf-8"?>
+<file path=ppt/slides/slide17.xml><?xml version="1.0" encoding="utf-8"?>
 <p:sld xmlns:a="http://schemas.openxmlformats.org/drawingml/2006/main" xmlns:r="http://schemas.openxmlformats.org/officeDocument/2006/relationships" xmlns:p="http://schemas.openxmlformats.org/presentationml/2006/main">
   <p:cSld>
     <p:spTree>
@@ -20929,7 +21834,7 @@
 </p:sld>
 </file>
 
-<file path=ppt/slides/slide17.xml><?xml version="1.0" encoding="utf-8"?>
+<file path=ppt/slides/slide18.xml><?xml version="1.0" encoding="utf-8"?>
 <p:sld xmlns:a="http://schemas.openxmlformats.org/drawingml/2006/main" xmlns:r="http://schemas.openxmlformats.org/officeDocument/2006/relationships" xmlns:p="http://schemas.openxmlformats.org/presentationml/2006/main">
   <p:cSld>
     <p:spTree>
@@ -21080,226 +21985,6 @@
     <p:extLst>
       <p:ext uri="{BB962C8B-B14F-4D97-AF65-F5344CB8AC3E}">
         <p14:creationId xmlns:p14="http://schemas.microsoft.com/office/powerpoint/2010/main" val="3137623413"/>
-      </p:ext>
-    </p:extLst>
-  </p:cSld>
-  <p:clrMapOvr>
-    <a:masterClrMapping/>
-  </p:clrMapOvr>
-</p:sld>
-</file>
-
-<file path=ppt/slides/slide18.xml><?xml version="1.0" encoding="utf-8"?>
-<p:sld xmlns:a="http://schemas.openxmlformats.org/drawingml/2006/main" xmlns:r="http://schemas.openxmlformats.org/officeDocument/2006/relationships" xmlns:p="http://schemas.openxmlformats.org/presentationml/2006/main">
-  <p:cSld>
-    <p:spTree>
-      <p:nvGrpSpPr>
-        <p:cNvPr id="1" name="Shape 226"/>
-        <p:cNvGrpSpPr/>
-        <p:nvPr/>
-      </p:nvGrpSpPr>
-      <p:grpSpPr>
-        <a:xfrm>
-          <a:off x="0" y="0"/>
-          <a:ext cx="0" cy="0"/>
-          <a:chOff x="0" y="0"/>
-          <a:chExt cx="0" cy="0"/>
-        </a:xfrm>
-      </p:grpSpPr>
-      <p:sp>
-        <p:nvSpPr>
-          <p:cNvPr id="227" name="Google Shape;227;g21c03c1d1e6_1_126"/>
-          <p:cNvSpPr txBox="1"/>
-          <p:nvPr/>
-        </p:nvSpPr>
-        <p:spPr>
-          <a:xfrm>
-            <a:off x="222160" y="0"/>
-            <a:ext cx="8770513" cy="608527"/>
-          </a:xfrm>
-          <a:prstGeom prst="rect">
-            <a:avLst/>
-          </a:prstGeom>
-          <a:noFill/>
-          <a:ln>
-            <a:noFill/>
-          </a:ln>
-        </p:spPr>
-        <p:txBody>
-          <a:bodyPr spcFirstLastPara="1" wrap="square" lIns="68575" tIns="34275" rIns="68575" bIns="34275" anchor="t" anchorCtr="0">
-            <a:noAutofit/>
-          </a:bodyPr>
-          <a:lstStyle/>
-          <a:p>
-            <a:pPr marL="0" marR="0" lvl="0" indent="0" algn="ctr" rtl="0">
-              <a:lnSpc>
-                <a:spcPct val="120000"/>
-              </a:lnSpc>
-              <a:spcBef>
-                <a:spcPts val="0"/>
-              </a:spcBef>
-              <a:spcAft>
-                <a:spcPts val="0"/>
-              </a:spcAft>
-              <a:buClr>
-                <a:schemeClr val="dk1"/>
-              </a:buClr>
-              <a:buSzPts val="3000"/>
-              <a:buFont typeface="Arial"/>
-              <a:buNone/>
-            </a:pPr>
-            <a:r>
-              <a:rPr lang="en" sz="2400">
-                <a:solidFill>
-                  <a:schemeClr val="dk1"/>
-                </a:solidFill>
-                <a:latin typeface="Twentieth Century"/>
-                <a:ea typeface="Twentieth Century"/>
-                <a:cs typeface="Twentieth Century"/>
-                <a:sym typeface="Twentieth Century"/>
-              </a:rPr>
-              <a:t>Recurrent Neural Network (RNN)</a:t>
-            </a:r>
-            <a:endParaRPr sz="1100"/>
-          </a:p>
-        </p:txBody>
-      </p:sp>
-      <p:sp>
-        <p:nvSpPr>
-          <p:cNvPr id="231" name="Google Shape;231;g21c03c1d1e6_1_126"/>
-          <p:cNvSpPr txBox="1">
-            <a:spLocks noGrp="1"/>
-          </p:cNvSpPr>
-          <p:nvPr>
-            <p:ph type="title"/>
-          </p:nvPr>
-        </p:nvSpPr>
-        <p:spPr>
-          <a:xfrm>
-            <a:off x="98250" y="16350"/>
-            <a:ext cx="8826600" cy="602700"/>
-          </a:xfrm>
-          <a:prstGeom prst="rect">
-            <a:avLst/>
-          </a:prstGeom>
-        </p:spPr>
-        <p:txBody>
-          <a:bodyPr spcFirstLastPara="1" wrap="square" lIns="91425" tIns="91425" rIns="91425" bIns="91425" anchor="ctr" anchorCtr="0">
-            <a:normAutofit/>
-          </a:bodyPr>
-          <a:lstStyle/>
-          <a:p>
-            <a:pPr marL="0" lvl="0" indent="0" algn="l" rtl="0">
-              <a:spcBef>
-                <a:spcPts val="0"/>
-              </a:spcBef>
-              <a:spcAft>
-                <a:spcPts val="0"/>
-              </a:spcAft>
-              <a:buNone/>
-            </a:pPr>
-            <a:r>
-              <a:rPr lang="en"/>
-              <a:t>Redes recurrentes - Back propagation through time (BPTT)</a:t>
-            </a:r>
-            <a:endParaRPr/>
-          </a:p>
-        </p:txBody>
-      </p:sp>
-      <p:pic>
-        <p:nvPicPr>
-          <p:cNvPr id="3" name="Imagen 2">
-            <a:extLst>
-              <a:ext uri="{FF2B5EF4-FFF2-40B4-BE49-F238E27FC236}">
-                <a16:creationId xmlns:a16="http://schemas.microsoft.com/office/drawing/2014/main" id="{9D03D3F5-78BB-F2CD-C53D-8B1DBEE3127E}"/>
-              </a:ext>
-            </a:extLst>
-          </p:cNvPr>
-          <p:cNvPicPr>
-            <a:picLocks noChangeAspect="1"/>
-          </p:cNvPicPr>
-          <p:nvPr/>
-        </p:nvPicPr>
-        <p:blipFill>
-          <a:blip r:embed="rId3"/>
-          <a:stretch>
-            <a:fillRect/>
-          </a:stretch>
-        </p:blipFill>
-        <p:spPr>
-          <a:xfrm>
-            <a:off x="222160" y="1183753"/>
-            <a:ext cx="3003975" cy="1127278"/>
-          </a:xfrm>
-          <a:prstGeom prst="rect">
-            <a:avLst/>
-          </a:prstGeom>
-        </p:spPr>
-      </p:pic>
-      <p:pic>
-        <p:nvPicPr>
-          <p:cNvPr id="5" name="Imagen 4">
-            <a:extLst>
-              <a:ext uri="{FF2B5EF4-FFF2-40B4-BE49-F238E27FC236}">
-                <a16:creationId xmlns:a16="http://schemas.microsoft.com/office/drawing/2014/main" id="{110F3932-C008-1E37-1FF6-D1612E5685BF}"/>
-              </a:ext>
-            </a:extLst>
-          </p:cNvPr>
-          <p:cNvPicPr>
-            <a:picLocks noChangeAspect="1"/>
-          </p:cNvPicPr>
-          <p:nvPr/>
-        </p:nvPicPr>
-        <p:blipFill>
-          <a:blip r:embed="rId4"/>
-          <a:stretch>
-            <a:fillRect/>
-          </a:stretch>
-        </p:blipFill>
-        <p:spPr>
-          <a:xfrm>
-            <a:off x="3816984" y="1159608"/>
-            <a:ext cx="4638403" cy="2302846"/>
-          </a:xfrm>
-          <a:prstGeom prst="rect">
-            <a:avLst/>
-          </a:prstGeom>
-        </p:spPr>
-      </p:pic>
-      <p:pic>
-        <p:nvPicPr>
-          <p:cNvPr id="7" name="Imagen 6">
-            <a:extLst>
-              <a:ext uri="{FF2B5EF4-FFF2-40B4-BE49-F238E27FC236}">
-                <a16:creationId xmlns:a16="http://schemas.microsoft.com/office/drawing/2014/main" id="{B086223D-3C92-320C-FDA4-2986A3EC8B24}"/>
-              </a:ext>
-            </a:extLst>
-          </p:cNvPr>
-          <p:cNvPicPr>
-            <a:picLocks noChangeAspect="1"/>
-          </p:cNvPicPr>
-          <p:nvPr/>
-        </p:nvPicPr>
-        <p:blipFill>
-          <a:blip r:embed="rId5"/>
-          <a:stretch>
-            <a:fillRect/>
-          </a:stretch>
-        </p:blipFill>
-        <p:spPr>
-          <a:xfrm>
-            <a:off x="1008416" y="3557727"/>
-            <a:ext cx="7127167" cy="1384236"/>
-          </a:xfrm>
-          <a:prstGeom prst="rect">
-            <a:avLst/>
-          </a:prstGeom>
-        </p:spPr>
-      </p:pic>
-    </p:spTree>
-    <p:extLst>
-      <p:ext uri="{BB962C8B-B14F-4D97-AF65-F5344CB8AC3E}">
-        <p14:creationId xmlns:p14="http://schemas.microsoft.com/office/powerpoint/2010/main" val="4139229005"/>
       </p:ext>
     </p:extLst>
   </p:cSld>
@@ -21431,7 +22116,7 @@
           <p:cNvPr id="3" name="Imagen 2">
             <a:extLst>
               <a:ext uri="{FF2B5EF4-FFF2-40B4-BE49-F238E27FC236}">
-                <a16:creationId xmlns:a16="http://schemas.microsoft.com/office/drawing/2014/main" id="{07F6C8A2-6E4B-CC35-FBCA-FE785C2AC540}"/>
+                <a16:creationId xmlns:a16="http://schemas.microsoft.com/office/drawing/2014/main" id="{9D03D3F5-78BB-F2CD-C53D-8B1DBEE3127E}"/>
               </a:ext>
             </a:extLst>
           </p:cNvPr>
@@ -21448,8 +22133,8 @@
         </p:blipFill>
         <p:spPr>
           <a:xfrm>
-            <a:off x="222160" y="885652"/>
-            <a:ext cx="4733925" cy="485775"/>
+            <a:off x="222160" y="1183753"/>
+            <a:ext cx="3003975" cy="1127278"/>
           </a:xfrm>
           <a:prstGeom prst="rect">
             <a:avLst/>
@@ -21458,10 +22143,10 @@
       </p:pic>
       <p:pic>
         <p:nvPicPr>
-          <p:cNvPr id="7" name="Imagen 6">
+          <p:cNvPr id="5" name="Imagen 4">
             <a:extLst>
               <a:ext uri="{FF2B5EF4-FFF2-40B4-BE49-F238E27FC236}">
-                <a16:creationId xmlns:a16="http://schemas.microsoft.com/office/drawing/2014/main" id="{E9CEA9F8-4C91-6372-E31C-322AD64E5DF3}"/>
+                <a16:creationId xmlns:a16="http://schemas.microsoft.com/office/drawing/2014/main" id="{110F3932-C008-1E37-1FF6-D1612E5685BF}"/>
               </a:ext>
             </a:extLst>
           </p:cNvPr>
@@ -21478,8 +22163,8 @@
         </p:blipFill>
         <p:spPr>
           <a:xfrm>
-            <a:off x="4344981" y="885652"/>
-            <a:ext cx="4377049" cy="2134819"/>
+            <a:off x="3816984" y="1159608"/>
+            <a:ext cx="4638403" cy="2302846"/>
           </a:xfrm>
           <a:prstGeom prst="rect">
             <a:avLst/>
@@ -21488,10 +22173,10 @@
       </p:pic>
       <p:pic>
         <p:nvPicPr>
-          <p:cNvPr id="9" name="Imagen 8">
+          <p:cNvPr id="7" name="Imagen 6">
             <a:extLst>
               <a:ext uri="{FF2B5EF4-FFF2-40B4-BE49-F238E27FC236}">
-                <a16:creationId xmlns:a16="http://schemas.microsoft.com/office/drawing/2014/main" id="{6F1E6A7D-9012-4072-5AB5-CCB5A5C9F10B}"/>
+                <a16:creationId xmlns:a16="http://schemas.microsoft.com/office/drawing/2014/main" id="{B086223D-3C92-320C-FDA4-2986A3EC8B24}"/>
               </a:ext>
             </a:extLst>
           </p:cNvPr>
@@ -21508,8 +22193,8 @@
         </p:blipFill>
         <p:spPr>
           <a:xfrm>
-            <a:off x="914485" y="3102531"/>
-            <a:ext cx="7194129" cy="1916269"/>
+            <a:off x="1008416" y="3557727"/>
+            <a:ext cx="7127167" cy="1384236"/>
           </a:xfrm>
           <a:prstGeom prst="rect">
             <a:avLst/>
@@ -21519,7 +22204,7 @@
     </p:spTree>
     <p:extLst>
       <p:ext uri="{BB962C8B-B14F-4D97-AF65-F5344CB8AC3E}">
-        <p14:creationId xmlns:p14="http://schemas.microsoft.com/office/powerpoint/2010/main" val="3179616302"/>
+        <p14:creationId xmlns:p14="http://schemas.microsoft.com/office/powerpoint/2010/main" val="4139229005"/>
       </p:ext>
     </p:extLst>
   </p:cSld>
@@ -21674,14 +22359,14 @@
               <a:buNone/>
             </a:pPr>
             <a:r>
-              <a:rPr lang="en">
+              <a:rPr lang="en" dirty="0">
                 <a:solidFill>
                   <a:schemeClr val="dk2"/>
                 </a:solidFill>
               </a:rPr>
               <a:t>. Introducción</a:t>
             </a:r>
-            <a:endParaRPr>
+            <a:endParaRPr dirty="0">
               <a:solidFill>
                 <a:schemeClr val="dk2"/>
               </a:solidFill>
@@ -21702,14 +22387,14 @@
               <a:buNone/>
             </a:pPr>
             <a:r>
-              <a:rPr lang="en">
+              <a:rPr lang="en" dirty="0">
                 <a:solidFill>
                   <a:schemeClr val="dk2"/>
                 </a:solidFill>
               </a:rPr>
               <a:t>. Neurona recurrente básica</a:t>
             </a:r>
-            <a:endParaRPr>
+            <a:endParaRPr dirty="0">
               <a:solidFill>
                 <a:schemeClr val="dk2"/>
               </a:solidFill>
@@ -21730,14 +22415,14 @@
               <a:buNone/>
             </a:pPr>
             <a:r>
-              <a:rPr lang="en">
+              <a:rPr lang="en" dirty="0">
                 <a:solidFill>
                   <a:schemeClr val="dk2"/>
                 </a:solidFill>
               </a:rPr>
-              <a:t>. Implementación en pytorch</a:t>
+              <a:t>. Implementación en pytorch (práctica 1)</a:t>
             </a:r>
-            <a:endParaRPr>
+            <a:endParaRPr dirty="0">
               <a:solidFill>
                 <a:schemeClr val="dk2"/>
               </a:solidFill>
@@ -21758,14 +22443,14 @@
               <a:buNone/>
             </a:pPr>
             <a:r>
-              <a:rPr lang="en">
+              <a:rPr lang="en" dirty="0">
                 <a:solidFill>
                   <a:schemeClr val="dk2"/>
                 </a:solidFill>
               </a:rPr>
-              <a:t>. Back propagation through time (BPTT)</a:t>
+              <a:t>. Back propagation through time (BPTT) (básico)</a:t>
             </a:r>
-            <a:endParaRPr>
+            <a:endParaRPr dirty="0">
               <a:solidFill>
                 <a:schemeClr val="dk2"/>
               </a:solidFill>
@@ -21843,14 +22528,14 @@
               <a:buNone/>
             </a:pPr>
             <a:r>
-              <a:rPr lang="en">
+              <a:rPr lang="en" dirty="0">
                 <a:solidFill>
                   <a:schemeClr val="dk2"/>
                 </a:solidFill>
               </a:rPr>
-              <a:t>. Birideccionalidad </a:t>
+              <a:t>. Implementación (práctica - predecir serie temporal) </a:t>
             </a:r>
-            <a:endParaRPr>
+            <a:endParaRPr dirty="0">
               <a:solidFill>
                 <a:schemeClr val="dk2"/>
               </a:solidFill>
@@ -21871,14 +22556,14 @@
               <a:buNone/>
             </a:pPr>
             <a:r>
-              <a:rPr lang="en">
+              <a:rPr lang="en" dirty="0">
                 <a:solidFill>
                   <a:schemeClr val="dk2"/>
                 </a:solidFill>
               </a:rPr>
               <a:t>. Arquitectura enconder-decoder (seq to seq)</a:t>
             </a:r>
-            <a:endParaRPr>
+            <a:endParaRPr dirty="0">
               <a:solidFill>
                 <a:schemeClr val="dk2"/>
               </a:solidFill>
@@ -21899,14 +22584,14 @@
               <a:buNone/>
             </a:pPr>
             <a:r>
-              <a:rPr lang="en">
+              <a:rPr lang="en" dirty="0">
                 <a:solidFill>
                   <a:schemeClr val="dk2"/>
                 </a:solidFill>
               </a:rPr>
               <a:t>. Mecanismos de atención</a:t>
             </a:r>
-            <a:endParaRPr>
+            <a:endParaRPr dirty="0">
               <a:solidFill>
                 <a:schemeClr val="dk2"/>
               </a:solidFill>
@@ -22041,6 +22726,226 @@
       </p:sp>
       <p:pic>
         <p:nvPicPr>
+          <p:cNvPr id="3" name="Imagen 2">
+            <a:extLst>
+              <a:ext uri="{FF2B5EF4-FFF2-40B4-BE49-F238E27FC236}">
+                <a16:creationId xmlns:a16="http://schemas.microsoft.com/office/drawing/2014/main" id="{07F6C8A2-6E4B-CC35-FBCA-FE785C2AC540}"/>
+              </a:ext>
+            </a:extLst>
+          </p:cNvPr>
+          <p:cNvPicPr>
+            <a:picLocks noChangeAspect="1"/>
+          </p:cNvPicPr>
+          <p:nvPr/>
+        </p:nvPicPr>
+        <p:blipFill>
+          <a:blip r:embed="rId3"/>
+          <a:stretch>
+            <a:fillRect/>
+          </a:stretch>
+        </p:blipFill>
+        <p:spPr>
+          <a:xfrm>
+            <a:off x="222160" y="885652"/>
+            <a:ext cx="4733925" cy="485775"/>
+          </a:xfrm>
+          <a:prstGeom prst="rect">
+            <a:avLst/>
+          </a:prstGeom>
+        </p:spPr>
+      </p:pic>
+      <p:pic>
+        <p:nvPicPr>
+          <p:cNvPr id="7" name="Imagen 6">
+            <a:extLst>
+              <a:ext uri="{FF2B5EF4-FFF2-40B4-BE49-F238E27FC236}">
+                <a16:creationId xmlns:a16="http://schemas.microsoft.com/office/drawing/2014/main" id="{E9CEA9F8-4C91-6372-E31C-322AD64E5DF3}"/>
+              </a:ext>
+            </a:extLst>
+          </p:cNvPr>
+          <p:cNvPicPr>
+            <a:picLocks noChangeAspect="1"/>
+          </p:cNvPicPr>
+          <p:nvPr/>
+        </p:nvPicPr>
+        <p:blipFill>
+          <a:blip r:embed="rId4"/>
+          <a:stretch>
+            <a:fillRect/>
+          </a:stretch>
+        </p:blipFill>
+        <p:spPr>
+          <a:xfrm>
+            <a:off x="4344981" y="885652"/>
+            <a:ext cx="4377049" cy="2134819"/>
+          </a:xfrm>
+          <a:prstGeom prst="rect">
+            <a:avLst/>
+          </a:prstGeom>
+        </p:spPr>
+      </p:pic>
+      <p:pic>
+        <p:nvPicPr>
+          <p:cNvPr id="9" name="Imagen 8">
+            <a:extLst>
+              <a:ext uri="{FF2B5EF4-FFF2-40B4-BE49-F238E27FC236}">
+                <a16:creationId xmlns:a16="http://schemas.microsoft.com/office/drawing/2014/main" id="{6F1E6A7D-9012-4072-5AB5-CCB5A5C9F10B}"/>
+              </a:ext>
+            </a:extLst>
+          </p:cNvPr>
+          <p:cNvPicPr>
+            <a:picLocks noChangeAspect="1"/>
+          </p:cNvPicPr>
+          <p:nvPr/>
+        </p:nvPicPr>
+        <p:blipFill>
+          <a:blip r:embed="rId5"/>
+          <a:stretch>
+            <a:fillRect/>
+          </a:stretch>
+        </p:blipFill>
+        <p:spPr>
+          <a:xfrm>
+            <a:off x="914485" y="3102531"/>
+            <a:ext cx="7194129" cy="1916269"/>
+          </a:xfrm>
+          <a:prstGeom prst="rect">
+            <a:avLst/>
+          </a:prstGeom>
+        </p:spPr>
+      </p:pic>
+    </p:spTree>
+    <p:extLst>
+      <p:ext uri="{BB962C8B-B14F-4D97-AF65-F5344CB8AC3E}">
+        <p14:creationId xmlns:p14="http://schemas.microsoft.com/office/powerpoint/2010/main" val="3179616302"/>
+      </p:ext>
+    </p:extLst>
+  </p:cSld>
+  <p:clrMapOvr>
+    <a:masterClrMapping/>
+  </p:clrMapOvr>
+</p:sld>
+</file>
+
+<file path=ppt/slides/slide21.xml><?xml version="1.0" encoding="utf-8"?>
+<p:sld xmlns:a="http://schemas.openxmlformats.org/drawingml/2006/main" xmlns:r="http://schemas.openxmlformats.org/officeDocument/2006/relationships" xmlns:p="http://schemas.openxmlformats.org/presentationml/2006/main">
+  <p:cSld>
+    <p:spTree>
+      <p:nvGrpSpPr>
+        <p:cNvPr id="1" name="Shape 226"/>
+        <p:cNvGrpSpPr/>
+        <p:nvPr/>
+      </p:nvGrpSpPr>
+      <p:grpSpPr>
+        <a:xfrm>
+          <a:off x="0" y="0"/>
+          <a:ext cx="0" cy="0"/>
+          <a:chOff x="0" y="0"/>
+          <a:chExt cx="0" cy="0"/>
+        </a:xfrm>
+      </p:grpSpPr>
+      <p:sp>
+        <p:nvSpPr>
+          <p:cNvPr id="227" name="Google Shape;227;g21c03c1d1e6_1_126"/>
+          <p:cNvSpPr txBox="1"/>
+          <p:nvPr/>
+        </p:nvSpPr>
+        <p:spPr>
+          <a:xfrm>
+            <a:off x="222160" y="0"/>
+            <a:ext cx="8770513" cy="608527"/>
+          </a:xfrm>
+          <a:prstGeom prst="rect">
+            <a:avLst/>
+          </a:prstGeom>
+          <a:noFill/>
+          <a:ln>
+            <a:noFill/>
+          </a:ln>
+        </p:spPr>
+        <p:txBody>
+          <a:bodyPr spcFirstLastPara="1" wrap="square" lIns="68575" tIns="34275" rIns="68575" bIns="34275" anchor="t" anchorCtr="0">
+            <a:noAutofit/>
+          </a:bodyPr>
+          <a:lstStyle/>
+          <a:p>
+            <a:pPr marL="0" marR="0" lvl="0" indent="0" algn="ctr" rtl="0">
+              <a:lnSpc>
+                <a:spcPct val="120000"/>
+              </a:lnSpc>
+              <a:spcBef>
+                <a:spcPts val="0"/>
+              </a:spcBef>
+              <a:spcAft>
+                <a:spcPts val="0"/>
+              </a:spcAft>
+              <a:buClr>
+                <a:schemeClr val="dk1"/>
+              </a:buClr>
+              <a:buSzPts val="3000"/>
+              <a:buFont typeface="Arial"/>
+              <a:buNone/>
+            </a:pPr>
+            <a:r>
+              <a:rPr lang="en" sz="2400">
+                <a:solidFill>
+                  <a:schemeClr val="dk1"/>
+                </a:solidFill>
+                <a:latin typeface="Twentieth Century"/>
+                <a:ea typeface="Twentieth Century"/>
+                <a:cs typeface="Twentieth Century"/>
+                <a:sym typeface="Twentieth Century"/>
+              </a:rPr>
+              <a:t>Recurrent Neural Network (RNN)</a:t>
+            </a:r>
+            <a:endParaRPr sz="1100"/>
+          </a:p>
+        </p:txBody>
+      </p:sp>
+      <p:sp>
+        <p:nvSpPr>
+          <p:cNvPr id="231" name="Google Shape;231;g21c03c1d1e6_1_126"/>
+          <p:cNvSpPr txBox="1">
+            <a:spLocks noGrp="1"/>
+          </p:cNvSpPr>
+          <p:nvPr>
+            <p:ph type="title"/>
+          </p:nvPr>
+        </p:nvSpPr>
+        <p:spPr>
+          <a:xfrm>
+            <a:off x="98250" y="16350"/>
+            <a:ext cx="8826600" cy="602700"/>
+          </a:xfrm>
+          <a:prstGeom prst="rect">
+            <a:avLst/>
+          </a:prstGeom>
+        </p:spPr>
+        <p:txBody>
+          <a:bodyPr spcFirstLastPara="1" wrap="square" lIns="91425" tIns="91425" rIns="91425" bIns="91425" anchor="ctr" anchorCtr="0">
+            <a:normAutofit/>
+          </a:bodyPr>
+          <a:lstStyle/>
+          <a:p>
+            <a:pPr marL="0" lvl="0" indent="0" algn="l" rtl="0">
+              <a:spcBef>
+                <a:spcPts val="0"/>
+              </a:spcBef>
+              <a:spcAft>
+                <a:spcPts val="0"/>
+              </a:spcAft>
+              <a:buNone/>
+            </a:pPr>
+            <a:r>
+              <a:rPr lang="en"/>
+              <a:t>Redes recurrentes - Back propagation through time (BPTT)</a:t>
+            </a:r>
+            <a:endParaRPr/>
+          </a:p>
+        </p:txBody>
+      </p:sp>
+      <p:pic>
+        <p:nvPicPr>
           <p:cNvPr id="4" name="Imagen 3">
             <a:extLst>
               <a:ext uri="{FF2B5EF4-FFF2-40B4-BE49-F238E27FC236}">
@@ -22142,7 +23047,7 @@
 </p:sld>
 </file>
 
-<file path=ppt/slides/slide21.xml><?xml version="1.0" encoding="utf-8"?>
+<file path=ppt/slides/slide22.xml><?xml version="1.0" encoding="utf-8"?>
 <p:sld xmlns:a="http://schemas.openxmlformats.org/drawingml/2006/main" xmlns:r="http://schemas.openxmlformats.org/officeDocument/2006/relationships" xmlns:p="http://schemas.openxmlformats.org/presentationml/2006/main">
   <p:cSld>
     <p:spTree>
@@ -22549,7 +23454,633 @@
 </p:sld>
 </file>
 
-<file path=ppt/slides/slide22.xml><?xml version="1.0" encoding="utf-8"?>
+<file path=ppt/slides/slide23.xml><?xml version="1.0" encoding="utf-8"?>
+<p:sld xmlns:a="http://schemas.openxmlformats.org/drawingml/2006/main" xmlns:r="http://schemas.openxmlformats.org/officeDocument/2006/relationships" xmlns:p="http://schemas.openxmlformats.org/presentationml/2006/main">
+  <p:cSld>
+    <p:spTree>
+      <p:nvGrpSpPr>
+        <p:cNvPr id="1" name="Shape 235">
+          <a:extLst>
+            <a:ext uri="{FF2B5EF4-FFF2-40B4-BE49-F238E27FC236}">
+              <a16:creationId xmlns:a16="http://schemas.microsoft.com/office/drawing/2014/main" id="{A5BFCBEE-6674-5364-871A-B54E1694996D}"/>
+            </a:ext>
+          </a:extLst>
+        </p:cNvPr>
+        <p:cNvGrpSpPr/>
+        <p:nvPr/>
+      </p:nvGrpSpPr>
+      <p:grpSpPr>
+        <a:xfrm>
+          <a:off x="0" y="0"/>
+          <a:ext cx="0" cy="0"/>
+          <a:chOff x="0" y="0"/>
+          <a:chExt cx="0" cy="0"/>
+        </a:xfrm>
+      </p:grpSpPr>
+      <p:sp>
+        <p:nvSpPr>
+          <p:cNvPr id="239" name="Google Shape;239;g21c03c1d1e6_1_133">
+            <a:extLst>
+              <a:ext uri="{FF2B5EF4-FFF2-40B4-BE49-F238E27FC236}">
+                <a16:creationId xmlns:a16="http://schemas.microsoft.com/office/drawing/2014/main" id="{59943719-B7F0-CEF9-97F4-CC2E49510DF5}"/>
+              </a:ext>
+            </a:extLst>
+          </p:cNvPr>
+          <p:cNvSpPr/>
+          <p:nvPr/>
+        </p:nvSpPr>
+        <p:spPr>
+          <a:xfrm>
+            <a:off x="10650" y="847946"/>
+            <a:ext cx="8914200" cy="392400"/>
+          </a:xfrm>
+          <a:prstGeom prst="rect">
+            <a:avLst/>
+          </a:prstGeom>
+          <a:noFill/>
+          <a:ln>
+            <a:noFill/>
+          </a:ln>
+        </p:spPr>
+        <p:txBody>
+          <a:bodyPr spcFirstLastPara="1" wrap="square" lIns="68575" tIns="34275" rIns="68575" bIns="34275" anchor="t" anchorCtr="0">
+            <a:noAutofit/>
+          </a:bodyPr>
+          <a:lstStyle/>
+          <a:p>
+            <a:pPr marL="0" marR="0" lvl="0" indent="0" algn="ctr" rtl="0">
+              <a:spcBef>
+                <a:spcPts val="0"/>
+              </a:spcBef>
+              <a:spcAft>
+                <a:spcPts val="0"/>
+              </a:spcAft>
+              <a:buNone/>
+            </a:pPr>
+            <a:r>
+              <a:rPr lang="en" sz="2100" b="1" dirty="0">
+                <a:solidFill>
+                  <a:srgbClr val="FF0000"/>
+                </a:solidFill>
+                <a:latin typeface="Twentieth Century"/>
+                <a:ea typeface="Twentieth Century"/>
+                <a:cs typeface="Twentieth Century"/>
+                <a:sym typeface="Twentieth Century"/>
+              </a:rPr>
+              <a:t>Solución con otras RNN mas avanzadas (LSTM y GRU)</a:t>
+            </a:r>
+            <a:endParaRPr sz="1100" dirty="0"/>
+          </a:p>
+        </p:txBody>
+      </p:sp>
+      <p:sp>
+        <p:nvSpPr>
+          <p:cNvPr id="240" name="Google Shape;240;g21c03c1d1e6_1_133">
+            <a:extLst>
+              <a:ext uri="{FF2B5EF4-FFF2-40B4-BE49-F238E27FC236}">
+                <a16:creationId xmlns:a16="http://schemas.microsoft.com/office/drawing/2014/main" id="{3BABCE10-BCB8-343F-0B95-7530854B2D63}"/>
+              </a:ext>
+            </a:extLst>
+          </p:cNvPr>
+          <p:cNvSpPr txBox="1">
+            <a:spLocks noGrp="1"/>
+          </p:cNvSpPr>
+          <p:nvPr>
+            <p:ph type="title"/>
+          </p:nvPr>
+        </p:nvSpPr>
+        <p:spPr>
+          <a:xfrm>
+            <a:off x="98250" y="16350"/>
+            <a:ext cx="8826600" cy="602700"/>
+          </a:xfrm>
+          <a:prstGeom prst="rect">
+            <a:avLst/>
+          </a:prstGeom>
+        </p:spPr>
+        <p:txBody>
+          <a:bodyPr spcFirstLastPara="1" wrap="square" lIns="91425" tIns="91425" rIns="91425" bIns="91425" anchor="ctr" anchorCtr="0">
+            <a:normAutofit/>
+          </a:bodyPr>
+          <a:lstStyle/>
+          <a:p>
+            <a:pPr marL="0" lvl="0" indent="0" algn="l" rtl="0">
+              <a:spcBef>
+                <a:spcPts val="0"/>
+              </a:spcBef>
+              <a:spcAft>
+                <a:spcPts val="0"/>
+              </a:spcAft>
+              <a:buNone/>
+            </a:pPr>
+            <a:r>
+              <a:rPr lang="en"/>
+              <a:t>Redes recurrentes - Back propagation through time (BPTT)</a:t>
+            </a:r>
+            <a:endParaRPr/>
+          </a:p>
+        </p:txBody>
+      </p:sp>
+      <p:pic>
+        <p:nvPicPr>
+          <p:cNvPr id="2" name="Picture 1">
+            <a:extLst>
+              <a:ext uri="{FF2B5EF4-FFF2-40B4-BE49-F238E27FC236}">
+                <a16:creationId xmlns:a16="http://schemas.microsoft.com/office/drawing/2014/main" id="{CD5FBCD3-7FFB-B68B-0977-0638AF76795B}"/>
+              </a:ext>
+            </a:extLst>
+          </p:cNvPr>
+          <p:cNvPicPr>
+            <a:picLocks noChangeAspect="1"/>
+          </p:cNvPicPr>
+          <p:nvPr/>
+        </p:nvPicPr>
+        <p:blipFill>
+          <a:blip r:embed="rId3"/>
+          <a:stretch>
+            <a:fillRect/>
+          </a:stretch>
+        </p:blipFill>
+        <p:spPr>
+          <a:xfrm>
+            <a:off x="528809" y="1587791"/>
+            <a:ext cx="5805890" cy="2902946"/>
+          </a:xfrm>
+          <a:prstGeom prst="rect">
+            <a:avLst/>
+          </a:prstGeom>
+        </p:spPr>
+      </p:pic>
+      <p:sp>
+        <p:nvSpPr>
+          <p:cNvPr id="6" name="TextBox 5">
+            <a:extLst>
+              <a:ext uri="{FF2B5EF4-FFF2-40B4-BE49-F238E27FC236}">
+                <a16:creationId xmlns:a16="http://schemas.microsoft.com/office/drawing/2014/main" id="{680751A2-BC9E-0E52-827C-A35BA93EDF5F}"/>
+              </a:ext>
+            </a:extLst>
+          </p:cNvPr>
+          <p:cNvSpPr txBox="1"/>
+          <p:nvPr/>
+        </p:nvSpPr>
+        <p:spPr>
+          <a:xfrm>
+            <a:off x="2748709" y="3790151"/>
+            <a:ext cx="1151262" cy="307777"/>
+          </a:xfrm>
+          <a:prstGeom prst="rect">
+            <a:avLst/>
+          </a:prstGeom>
+          <a:noFill/>
+        </p:spPr>
+        <p:txBody>
+          <a:bodyPr wrap="square">
+            <a:spAutoFit/>
+          </a:bodyPr>
+          <a:lstStyle/>
+          <a:p>
+            <a:r>
+              <a:rPr lang="es-AR" sz="1400" dirty="0">
+                <a:solidFill>
+                  <a:srgbClr val="FF0000"/>
+                </a:solidFill>
+              </a:rPr>
+              <a:t>Input gate</a:t>
+            </a:r>
+          </a:p>
+        </p:txBody>
+      </p:sp>
+      <p:sp>
+        <p:nvSpPr>
+          <p:cNvPr id="8" name="TextBox 7">
+            <a:extLst>
+              <a:ext uri="{FF2B5EF4-FFF2-40B4-BE49-F238E27FC236}">
+                <a16:creationId xmlns:a16="http://schemas.microsoft.com/office/drawing/2014/main" id="{9F734DE2-F282-0BE7-B8DD-4BF48C91805E}"/>
+              </a:ext>
+            </a:extLst>
+          </p:cNvPr>
+          <p:cNvSpPr txBox="1"/>
+          <p:nvPr/>
+        </p:nvSpPr>
+        <p:spPr>
+          <a:xfrm>
+            <a:off x="1900410" y="2049485"/>
+            <a:ext cx="1151262" cy="307777"/>
+          </a:xfrm>
+          <a:prstGeom prst="rect">
+            <a:avLst/>
+          </a:prstGeom>
+          <a:noFill/>
+        </p:spPr>
+        <p:txBody>
+          <a:bodyPr wrap="square">
+            <a:spAutoFit/>
+          </a:bodyPr>
+          <a:lstStyle/>
+          <a:p>
+            <a:r>
+              <a:rPr lang="es-AR" sz="1400" dirty="0" err="1">
+                <a:solidFill>
+                  <a:srgbClr val="FF0000"/>
+                </a:solidFill>
+              </a:rPr>
+              <a:t>forget</a:t>
+            </a:r>
+            <a:r>
+              <a:rPr lang="es-AR" sz="1400" dirty="0">
+                <a:solidFill>
+                  <a:srgbClr val="FF0000"/>
+                </a:solidFill>
+              </a:rPr>
+              <a:t> gate</a:t>
+            </a:r>
+          </a:p>
+        </p:txBody>
+      </p:sp>
+      <p:sp>
+        <p:nvSpPr>
+          <p:cNvPr id="10" name="TextBox 9">
+            <a:extLst>
+              <a:ext uri="{FF2B5EF4-FFF2-40B4-BE49-F238E27FC236}">
+                <a16:creationId xmlns:a16="http://schemas.microsoft.com/office/drawing/2014/main" id="{6B4A93BA-BBF1-200A-33A5-9EDC6860B6B2}"/>
+              </a:ext>
+            </a:extLst>
+          </p:cNvPr>
+          <p:cNvSpPr txBox="1"/>
+          <p:nvPr/>
+        </p:nvSpPr>
+        <p:spPr>
+          <a:xfrm>
+            <a:off x="4092769" y="4076242"/>
+            <a:ext cx="1151262" cy="307777"/>
+          </a:xfrm>
+          <a:prstGeom prst="rect">
+            <a:avLst/>
+          </a:prstGeom>
+          <a:noFill/>
+        </p:spPr>
+        <p:txBody>
+          <a:bodyPr wrap="square">
+            <a:spAutoFit/>
+          </a:bodyPr>
+          <a:lstStyle/>
+          <a:p>
+            <a:r>
+              <a:rPr lang="es-AR" sz="1400" dirty="0">
+                <a:solidFill>
+                  <a:srgbClr val="FF0000"/>
+                </a:solidFill>
+              </a:rPr>
+              <a:t>output gate</a:t>
+            </a:r>
+          </a:p>
+        </p:txBody>
+      </p:sp>
+      <p:sp>
+        <p:nvSpPr>
+          <p:cNvPr id="11" name="Rectangle 10">
+            <a:extLst>
+              <a:ext uri="{FF2B5EF4-FFF2-40B4-BE49-F238E27FC236}">
+                <a16:creationId xmlns:a16="http://schemas.microsoft.com/office/drawing/2014/main" id="{6EE894D3-9313-884A-867C-991982DDDFD3}"/>
+              </a:ext>
+            </a:extLst>
+          </p:cNvPr>
+          <p:cNvSpPr/>
+          <p:nvPr/>
+        </p:nvSpPr>
+        <p:spPr>
+          <a:xfrm>
+            <a:off x="98250" y="4661047"/>
+            <a:ext cx="6666107" cy="307777"/>
+          </a:xfrm>
+          <a:prstGeom prst="rect">
+            <a:avLst/>
+          </a:prstGeom>
+        </p:spPr>
+        <p:txBody>
+          <a:bodyPr wrap="square">
+            <a:spAutoFit/>
+          </a:bodyPr>
+          <a:lstStyle/>
+          <a:p>
+            <a:r>
+              <a:rPr lang="es-AR" dirty="0"/>
+              <a:t>https://blog.floydhub.com/long-short-term-memory-from-zero-to-hero-with-pytorch/</a:t>
+            </a:r>
+          </a:p>
+        </p:txBody>
+      </p:sp>
+    </p:spTree>
+    <p:extLst>
+      <p:ext uri="{BB962C8B-B14F-4D97-AF65-F5344CB8AC3E}">
+        <p14:creationId xmlns:p14="http://schemas.microsoft.com/office/powerpoint/2010/main" val="3064181911"/>
+      </p:ext>
+    </p:extLst>
+  </p:cSld>
+  <p:clrMapOvr>
+    <a:masterClrMapping/>
+  </p:clrMapOvr>
+</p:sld>
+</file>
+
+<file path=ppt/slides/slide24.xml><?xml version="1.0" encoding="utf-8"?>
+<p:sld xmlns:a="http://schemas.openxmlformats.org/drawingml/2006/main" xmlns:r="http://schemas.openxmlformats.org/officeDocument/2006/relationships" xmlns:p="http://schemas.openxmlformats.org/presentationml/2006/main">
+  <p:cSld>
+    <p:spTree>
+      <p:nvGrpSpPr>
+        <p:cNvPr id="1" name="Shape 235">
+          <a:extLst>
+            <a:ext uri="{FF2B5EF4-FFF2-40B4-BE49-F238E27FC236}">
+              <a16:creationId xmlns:a16="http://schemas.microsoft.com/office/drawing/2014/main" id="{6748909B-8DF3-148F-A399-0EE473002FD0}"/>
+            </a:ext>
+          </a:extLst>
+        </p:cNvPr>
+        <p:cNvGrpSpPr/>
+        <p:nvPr/>
+      </p:nvGrpSpPr>
+      <p:grpSpPr>
+        <a:xfrm>
+          <a:off x="0" y="0"/>
+          <a:ext cx="0" cy="0"/>
+          <a:chOff x="0" y="0"/>
+          <a:chExt cx="0" cy="0"/>
+        </a:xfrm>
+      </p:grpSpPr>
+      <p:pic>
+        <p:nvPicPr>
+          <p:cNvPr id="3" name="Picture 2">
+            <a:extLst>
+              <a:ext uri="{FF2B5EF4-FFF2-40B4-BE49-F238E27FC236}">
+                <a16:creationId xmlns:a16="http://schemas.microsoft.com/office/drawing/2014/main" id="{BEBCD5B1-74EF-2478-979A-41633BC357D3}"/>
+              </a:ext>
+            </a:extLst>
+          </p:cNvPr>
+          <p:cNvPicPr>
+            <a:picLocks noChangeAspect="1"/>
+          </p:cNvPicPr>
+          <p:nvPr/>
+        </p:nvPicPr>
+        <p:blipFill rotWithShape="1">
+          <a:blip r:embed="rId3"/>
+          <a:srcRect l="18609" t="12548" r="18573" b="8029"/>
+          <a:stretch/>
+        </p:blipFill>
+        <p:spPr>
+          <a:xfrm>
+            <a:off x="466323" y="1180091"/>
+            <a:ext cx="5053127" cy="3591982"/>
+          </a:xfrm>
+          <a:prstGeom prst="rect">
+            <a:avLst/>
+          </a:prstGeom>
+        </p:spPr>
+      </p:pic>
+      <p:sp>
+        <p:nvSpPr>
+          <p:cNvPr id="239" name="Google Shape;239;g21c03c1d1e6_1_133">
+            <a:extLst>
+              <a:ext uri="{FF2B5EF4-FFF2-40B4-BE49-F238E27FC236}">
+                <a16:creationId xmlns:a16="http://schemas.microsoft.com/office/drawing/2014/main" id="{95CA89FD-2F4A-8478-5E4E-1D05F7CF1665}"/>
+              </a:ext>
+            </a:extLst>
+          </p:cNvPr>
+          <p:cNvSpPr/>
+          <p:nvPr/>
+        </p:nvSpPr>
+        <p:spPr>
+          <a:xfrm>
+            <a:off x="54450" y="727107"/>
+            <a:ext cx="8914200" cy="392400"/>
+          </a:xfrm>
+          <a:prstGeom prst="rect">
+            <a:avLst/>
+          </a:prstGeom>
+          <a:noFill/>
+          <a:ln>
+            <a:noFill/>
+          </a:ln>
+        </p:spPr>
+        <p:txBody>
+          <a:bodyPr spcFirstLastPara="1" wrap="square" lIns="68575" tIns="34275" rIns="68575" bIns="34275" anchor="t" anchorCtr="0">
+            <a:noAutofit/>
+          </a:bodyPr>
+          <a:lstStyle/>
+          <a:p>
+            <a:pPr marL="0" marR="0" lvl="0" indent="0" algn="ctr" rtl="0">
+              <a:spcBef>
+                <a:spcPts val="0"/>
+              </a:spcBef>
+              <a:spcAft>
+                <a:spcPts val="0"/>
+              </a:spcAft>
+              <a:buNone/>
+            </a:pPr>
+            <a:r>
+              <a:rPr lang="en" sz="2100" b="1" dirty="0">
+                <a:solidFill>
+                  <a:srgbClr val="FF0000"/>
+                </a:solidFill>
+                <a:latin typeface="Twentieth Century"/>
+                <a:ea typeface="Twentieth Century"/>
+                <a:cs typeface="Twentieth Century"/>
+                <a:sym typeface="Twentieth Century"/>
+              </a:rPr>
+              <a:t>Solución con otras RNN mas avanzadas (LSTM y GRU)</a:t>
+            </a:r>
+            <a:endParaRPr sz="1100" dirty="0"/>
+          </a:p>
+        </p:txBody>
+      </p:sp>
+      <p:sp>
+        <p:nvSpPr>
+          <p:cNvPr id="240" name="Google Shape;240;g21c03c1d1e6_1_133">
+            <a:extLst>
+              <a:ext uri="{FF2B5EF4-FFF2-40B4-BE49-F238E27FC236}">
+                <a16:creationId xmlns:a16="http://schemas.microsoft.com/office/drawing/2014/main" id="{3CBDDE66-D116-26DF-3BDF-09DC57CD7EB8}"/>
+              </a:ext>
+            </a:extLst>
+          </p:cNvPr>
+          <p:cNvSpPr txBox="1">
+            <a:spLocks noGrp="1"/>
+          </p:cNvSpPr>
+          <p:nvPr>
+            <p:ph type="title"/>
+          </p:nvPr>
+        </p:nvSpPr>
+        <p:spPr>
+          <a:xfrm>
+            <a:off x="98250" y="16350"/>
+            <a:ext cx="8826600" cy="602700"/>
+          </a:xfrm>
+          <a:prstGeom prst="rect">
+            <a:avLst/>
+          </a:prstGeom>
+        </p:spPr>
+        <p:txBody>
+          <a:bodyPr spcFirstLastPara="1" wrap="square" lIns="91425" tIns="91425" rIns="91425" bIns="91425" anchor="ctr" anchorCtr="0">
+            <a:normAutofit/>
+          </a:bodyPr>
+          <a:lstStyle/>
+          <a:p>
+            <a:pPr marL="0" lvl="0" indent="0" algn="l" rtl="0">
+              <a:spcBef>
+                <a:spcPts val="0"/>
+              </a:spcBef>
+              <a:spcAft>
+                <a:spcPts val="0"/>
+              </a:spcAft>
+              <a:buNone/>
+            </a:pPr>
+            <a:r>
+              <a:rPr lang="en"/>
+              <a:t>Redes recurrentes - Back propagation through time (BPTT)</a:t>
+            </a:r>
+            <a:endParaRPr/>
+          </a:p>
+        </p:txBody>
+      </p:sp>
+      <p:sp>
+        <p:nvSpPr>
+          <p:cNvPr id="6" name="TextBox 5">
+            <a:extLst>
+              <a:ext uri="{FF2B5EF4-FFF2-40B4-BE49-F238E27FC236}">
+                <a16:creationId xmlns:a16="http://schemas.microsoft.com/office/drawing/2014/main" id="{AACFD0A2-88F0-4AE4-7F1B-9F16BBC3122C}"/>
+              </a:ext>
+            </a:extLst>
+          </p:cNvPr>
+          <p:cNvSpPr txBox="1"/>
+          <p:nvPr/>
+        </p:nvSpPr>
+        <p:spPr>
+          <a:xfrm>
+            <a:off x="2126255" y="2145984"/>
+            <a:ext cx="1151262" cy="307777"/>
+          </a:xfrm>
+          <a:prstGeom prst="rect">
+            <a:avLst/>
+          </a:prstGeom>
+          <a:noFill/>
+        </p:spPr>
+        <p:txBody>
+          <a:bodyPr wrap="square">
+            <a:spAutoFit/>
+          </a:bodyPr>
+          <a:lstStyle/>
+          <a:p>
+            <a:r>
+              <a:rPr lang="es-AR" sz="1400" dirty="0" err="1">
+                <a:solidFill>
+                  <a:srgbClr val="FF0000"/>
+                </a:solidFill>
+              </a:rPr>
+              <a:t>reset</a:t>
+            </a:r>
+            <a:r>
+              <a:rPr lang="es-AR" sz="1400" dirty="0">
+                <a:solidFill>
+                  <a:srgbClr val="FF0000"/>
+                </a:solidFill>
+              </a:rPr>
+              <a:t> gate</a:t>
+            </a:r>
+          </a:p>
+        </p:txBody>
+      </p:sp>
+      <p:sp>
+        <p:nvSpPr>
+          <p:cNvPr id="8" name="TextBox 7">
+            <a:extLst>
+              <a:ext uri="{FF2B5EF4-FFF2-40B4-BE49-F238E27FC236}">
+                <a16:creationId xmlns:a16="http://schemas.microsoft.com/office/drawing/2014/main" id="{BC4E8ACB-9FB5-EF51-BBFD-4D43E4723E28}"/>
+              </a:ext>
+            </a:extLst>
+          </p:cNvPr>
+          <p:cNvSpPr txBox="1"/>
+          <p:nvPr/>
+        </p:nvSpPr>
+        <p:spPr>
+          <a:xfrm>
+            <a:off x="974993" y="1478857"/>
+            <a:ext cx="1151262" cy="307777"/>
+          </a:xfrm>
+          <a:prstGeom prst="rect">
+            <a:avLst/>
+          </a:prstGeom>
+          <a:noFill/>
+        </p:spPr>
+        <p:txBody>
+          <a:bodyPr wrap="square">
+            <a:spAutoFit/>
+          </a:bodyPr>
+          <a:lstStyle/>
+          <a:p>
+            <a:r>
+              <a:rPr lang="es-AR" sz="1400" dirty="0" err="1">
+                <a:solidFill>
+                  <a:srgbClr val="FF0000"/>
+                </a:solidFill>
+              </a:rPr>
+              <a:t>update</a:t>
+            </a:r>
+            <a:r>
+              <a:rPr lang="es-AR" sz="1400" dirty="0">
+                <a:solidFill>
+                  <a:srgbClr val="FF0000"/>
+                </a:solidFill>
+              </a:rPr>
+              <a:t> gate</a:t>
+            </a:r>
+          </a:p>
+        </p:txBody>
+      </p:sp>
+      <p:sp>
+        <p:nvSpPr>
+          <p:cNvPr id="4" name="Rectangle 3">
+            <a:extLst>
+              <a:ext uri="{FF2B5EF4-FFF2-40B4-BE49-F238E27FC236}">
+                <a16:creationId xmlns:a16="http://schemas.microsoft.com/office/drawing/2014/main" id="{DF83B887-C749-C288-7354-0A08D04B3CA0}"/>
+              </a:ext>
+            </a:extLst>
+          </p:cNvPr>
+          <p:cNvSpPr/>
+          <p:nvPr/>
+        </p:nvSpPr>
+        <p:spPr>
+          <a:xfrm>
+            <a:off x="252146" y="4733631"/>
+            <a:ext cx="6159671" cy="307777"/>
+          </a:xfrm>
+          <a:prstGeom prst="rect">
+            <a:avLst/>
+          </a:prstGeom>
+        </p:spPr>
+        <p:txBody>
+          <a:bodyPr wrap="square">
+            <a:spAutoFit/>
+          </a:bodyPr>
+          <a:lstStyle/>
+          <a:p>
+            <a:r>
+              <a:rPr lang="es-AR" dirty="0"/>
+              <a:t>https://towardsdatascience.com/understanding-gru-networks-2ef37df6c9be</a:t>
+            </a:r>
+          </a:p>
+        </p:txBody>
+      </p:sp>
+    </p:spTree>
+    <p:extLst>
+      <p:ext uri="{BB962C8B-B14F-4D97-AF65-F5344CB8AC3E}">
+        <p14:creationId xmlns:p14="http://schemas.microsoft.com/office/powerpoint/2010/main" val="238751435"/>
+      </p:ext>
+    </p:extLst>
+  </p:cSld>
+  <p:clrMapOvr>
+    <a:masterClrMapping/>
+  </p:clrMapOvr>
+</p:sld>
+</file>
+
+<file path=ppt/slides/slide25.xml><?xml version="1.0" encoding="utf-8"?>
 <p:sld xmlns:a="http://schemas.openxmlformats.org/drawingml/2006/main" xmlns:r="http://schemas.openxmlformats.org/officeDocument/2006/relationships" xmlns:p="http://schemas.openxmlformats.org/presentationml/2006/main">
   <p:cSld>
     <p:spTree>
@@ -23518,7 +25049,7 @@
 </p:sld>
 </file>
 
-<file path=ppt/slides/slide23.xml><?xml version="1.0" encoding="utf-8"?>
+<file path=ppt/slides/slide26.xml><?xml version="1.0" encoding="utf-8"?>
 <p:sld xmlns:a="http://schemas.openxmlformats.org/drawingml/2006/main" xmlns:r="http://schemas.openxmlformats.org/officeDocument/2006/relationships" xmlns:p="http://schemas.openxmlformats.org/presentationml/2006/main">
   <p:cSld>
     <p:spTree>
@@ -23648,216 +25179,7 @@
 </p:sld>
 </file>
 
-<file path=ppt/slides/slide24.xml><?xml version="1.0" encoding="utf-8"?>
-<p:sld xmlns:a="http://schemas.openxmlformats.org/drawingml/2006/main" xmlns:r="http://schemas.openxmlformats.org/officeDocument/2006/relationships" xmlns:p="http://schemas.openxmlformats.org/presentationml/2006/main">
-  <p:cSld>
-    <p:spTree>
-      <p:nvGrpSpPr>
-        <p:cNvPr id="1" name="Shape 250"/>
-        <p:cNvGrpSpPr/>
-        <p:nvPr/>
-      </p:nvGrpSpPr>
-      <p:grpSpPr>
-        <a:xfrm>
-          <a:off x="0" y="0"/>
-          <a:ext cx="0" cy="0"/>
-          <a:chOff x="0" y="0"/>
-          <a:chExt cx="0" cy="0"/>
-        </a:xfrm>
-      </p:grpSpPr>
-      <p:sp>
-        <p:nvSpPr>
-          <p:cNvPr id="251" name="Google Shape;251;g21c03c1d1e6_1_145"/>
-          <p:cNvSpPr txBox="1"/>
-          <p:nvPr/>
-        </p:nvSpPr>
-        <p:spPr>
-          <a:xfrm>
-            <a:off x="2044342" y="774713"/>
-            <a:ext cx="4813500" cy="608400"/>
-          </a:xfrm>
-          <a:prstGeom prst="rect">
-            <a:avLst/>
-          </a:prstGeom>
-          <a:noFill/>
-          <a:ln>
-            <a:noFill/>
-          </a:ln>
-        </p:spPr>
-        <p:txBody>
-          <a:bodyPr spcFirstLastPara="1" wrap="square" lIns="68575" tIns="34275" rIns="68575" bIns="34275" anchor="t" anchorCtr="0">
-            <a:noAutofit/>
-          </a:bodyPr>
-          <a:lstStyle/>
-          <a:p>
-            <a:pPr marL="0" marR="0" lvl="0" indent="0" algn="ctr" rtl="0">
-              <a:lnSpc>
-                <a:spcPct val="120000"/>
-              </a:lnSpc>
-              <a:spcBef>
-                <a:spcPts val="800"/>
-              </a:spcBef>
-              <a:spcAft>
-                <a:spcPts val="0"/>
-              </a:spcAft>
-              <a:buClr>
-                <a:schemeClr val="dk1"/>
-              </a:buClr>
-              <a:buSzPts val="3000"/>
-              <a:buFont typeface="Arial"/>
-              <a:buNone/>
-            </a:pPr>
-            <a:r>
-              <a:rPr lang="en" sz="2400">
-                <a:latin typeface="Twentieth Century"/>
-                <a:ea typeface="Twentieth Century"/>
-                <a:cs typeface="Twentieth Century"/>
-                <a:sym typeface="Twentieth Century"/>
-              </a:rPr>
-              <a:t>Bi-directional </a:t>
-            </a:r>
-            <a:endParaRPr sz="2400">
-              <a:latin typeface="Twentieth Century"/>
-              <a:ea typeface="Twentieth Century"/>
-              <a:cs typeface="Twentieth Century"/>
-              <a:sym typeface="Twentieth Century"/>
-            </a:endParaRPr>
-          </a:p>
-        </p:txBody>
-      </p:sp>
-      <p:sp>
-        <p:nvSpPr>
-          <p:cNvPr id="252" name="Google Shape;252;g21c03c1d1e6_1_145"/>
-          <p:cNvSpPr txBox="1"/>
-          <p:nvPr/>
-        </p:nvSpPr>
-        <p:spPr>
-          <a:xfrm>
-            <a:off x="1173245" y="4210024"/>
-            <a:ext cx="6555668" cy="392518"/>
-          </a:xfrm>
-          <a:prstGeom prst="rect">
-            <a:avLst/>
-          </a:prstGeom>
-          <a:noFill/>
-          <a:ln>
-            <a:noFill/>
-          </a:ln>
-        </p:spPr>
-        <p:txBody>
-          <a:bodyPr spcFirstLastPara="1" wrap="square" lIns="68575" tIns="34275" rIns="68575" bIns="34275" anchor="t" anchorCtr="0">
-            <a:noAutofit/>
-          </a:bodyPr>
-          <a:lstStyle/>
-          <a:p>
-            <a:pPr marL="0" marR="0" lvl="0" indent="0" algn="ctr" rtl="0">
-              <a:lnSpc>
-                <a:spcPct val="90000"/>
-              </a:lnSpc>
-              <a:spcBef>
-                <a:spcPts val="0"/>
-              </a:spcBef>
-              <a:spcAft>
-                <a:spcPts val="0"/>
-              </a:spcAft>
-              <a:buClr>
-                <a:schemeClr val="dk1"/>
-              </a:buClr>
-              <a:buSzPts val="1800"/>
-              <a:buFont typeface="Arial"/>
-              <a:buNone/>
-            </a:pPr>
-            <a:r>
-              <a:rPr lang="en" sz="1800">
-                <a:latin typeface="Twentieth Century"/>
-                <a:ea typeface="Twentieth Century"/>
-                <a:cs typeface="Twentieth Century"/>
-                <a:sym typeface="Twentieth Century"/>
-              </a:rPr>
-              <a:t>Para la traducción, suele ser útil tener la frase entera.</a:t>
-            </a:r>
-            <a:endParaRPr sz="1100"/>
-          </a:p>
-        </p:txBody>
-      </p:sp>
-      <p:pic>
-        <p:nvPicPr>
-          <p:cNvPr id="253" name="Google Shape;253;g21c03c1d1e6_1_145"/>
-          <p:cNvPicPr preferRelativeResize="0"/>
-          <p:nvPr/>
-        </p:nvPicPr>
-        <p:blipFill rotWithShape="1">
-          <a:blip r:embed="rId3">
-            <a:alphaModFix/>
-          </a:blip>
-          <a:srcRect/>
-          <a:stretch/>
-        </p:blipFill>
-        <p:spPr>
-          <a:xfrm>
-            <a:off x="1016911" y="1555124"/>
-            <a:ext cx="6868339" cy="2427292"/>
-          </a:xfrm>
-          <a:prstGeom prst="rect">
-            <a:avLst/>
-          </a:prstGeom>
-          <a:noFill/>
-          <a:ln>
-            <a:noFill/>
-          </a:ln>
-        </p:spPr>
-      </p:pic>
-      <p:sp>
-        <p:nvSpPr>
-          <p:cNvPr id="254" name="Google Shape;254;g21c03c1d1e6_1_145"/>
-          <p:cNvSpPr txBox="1">
-            <a:spLocks noGrp="1"/>
-          </p:cNvSpPr>
-          <p:nvPr>
-            <p:ph type="title"/>
-          </p:nvPr>
-        </p:nvSpPr>
-        <p:spPr>
-          <a:xfrm>
-            <a:off x="0" y="0"/>
-            <a:ext cx="8826600" cy="602700"/>
-          </a:xfrm>
-          <a:prstGeom prst="rect">
-            <a:avLst/>
-          </a:prstGeom>
-        </p:spPr>
-        <p:txBody>
-          <a:bodyPr spcFirstLastPara="1" wrap="square" lIns="91425" tIns="91425" rIns="91425" bIns="91425" anchor="ctr" anchorCtr="0">
-            <a:normAutofit/>
-          </a:bodyPr>
-          <a:lstStyle/>
-          <a:p>
-            <a:pPr marL="0" lvl="0" indent="0" algn="l" rtl="0">
-              <a:spcBef>
-                <a:spcPts val="0"/>
-              </a:spcBef>
-              <a:spcAft>
-                <a:spcPts val="0"/>
-              </a:spcAft>
-              <a:buNone/>
-            </a:pPr>
-            <a:r>
-              <a:rPr lang="en"/>
-              <a:t>Redes recurrentes - Birideccionalidad</a:t>
-            </a:r>
-            <a:endParaRPr/>
-          </a:p>
-        </p:txBody>
-      </p:sp>
-    </p:spTree>
-  </p:cSld>
-  <p:clrMapOvr>
-    <a:masterClrMapping/>
-  </p:clrMapOvr>
-</p:sld>
-</file>
-
-<file path=ppt/slides/slide25.xml><?xml version="1.0" encoding="utf-8"?>
+<file path=ppt/slides/slide27.xml><?xml version="1.0" encoding="utf-8"?>
 <p:sld xmlns:a="http://schemas.openxmlformats.org/drawingml/2006/main" xmlns:r="http://schemas.openxmlformats.org/officeDocument/2006/relationships" xmlns:p="http://schemas.openxmlformats.org/presentationml/2006/main">
   <p:cSld>
     <p:spTree>
@@ -24170,7 +25492,7 @@
 </p:sld>
 </file>
 
-<file path=ppt/slides/slide26.xml><?xml version="1.0" encoding="utf-8"?>
+<file path=ppt/slides/slide28.xml><?xml version="1.0" encoding="utf-8"?>
 <p:sld xmlns:a="http://schemas.openxmlformats.org/drawingml/2006/main" xmlns:r="http://schemas.openxmlformats.org/officeDocument/2006/relationships" xmlns:p="http://schemas.openxmlformats.org/presentationml/2006/main">
   <p:cSld>
     <p:spTree>
@@ -24368,7 +25690,7 @@
 </p:sld>
 </file>
 
-<file path=ppt/slides/slide27.xml><?xml version="1.0" encoding="utf-8"?>
+<file path=ppt/slides/slide29.xml><?xml version="1.0" encoding="utf-8"?>
 <p:sld xmlns:a="http://schemas.openxmlformats.org/drawingml/2006/main" xmlns:r="http://schemas.openxmlformats.org/officeDocument/2006/relationships" xmlns:p="http://schemas.openxmlformats.org/presentationml/2006/main">
   <p:cSld>
     <p:spTree>
@@ -24955,7 +26277,394 @@
 </p:sld>
 </file>
 
-<file path=ppt/slides/slide28.xml><?xml version="1.0" encoding="utf-8"?>
+<file path=ppt/slides/slide3.xml><?xml version="1.0" encoding="utf-8"?>
+<p:sld xmlns:a="http://schemas.openxmlformats.org/drawingml/2006/main" xmlns:r="http://schemas.openxmlformats.org/officeDocument/2006/relationships" xmlns:p="http://schemas.openxmlformats.org/presentationml/2006/main">
+  <p:cSld>
+    <p:spTree>
+      <p:nvGrpSpPr>
+        <p:cNvPr id="1" name="Shape 88"/>
+        <p:cNvGrpSpPr/>
+        <p:nvPr/>
+      </p:nvGrpSpPr>
+      <p:grpSpPr>
+        <a:xfrm>
+          <a:off x="0" y="0"/>
+          <a:ext cx="0" cy="0"/>
+          <a:chOff x="0" y="0"/>
+          <a:chExt cx="0" cy="0"/>
+        </a:xfrm>
+      </p:grpSpPr>
+      <p:sp>
+        <p:nvSpPr>
+          <p:cNvPr id="89" name="Google Shape;89;g21c03c1d1e6_1_8"/>
+          <p:cNvSpPr txBox="1"/>
+          <p:nvPr/>
+        </p:nvSpPr>
+        <p:spPr>
+          <a:xfrm>
+            <a:off x="251252" y="1021834"/>
+            <a:ext cx="8641500" cy="814500"/>
+          </a:xfrm>
+          <a:prstGeom prst="rect">
+            <a:avLst/>
+          </a:prstGeom>
+          <a:noFill/>
+          <a:ln>
+            <a:noFill/>
+          </a:ln>
+        </p:spPr>
+        <p:txBody>
+          <a:bodyPr spcFirstLastPara="1" wrap="square" lIns="68575" tIns="34275" rIns="68575" bIns="34275" anchor="t" anchorCtr="0">
+            <a:noAutofit/>
+          </a:bodyPr>
+          <a:lstStyle/>
+          <a:p>
+            <a:pPr marL="0" marR="0" lvl="0" indent="0" algn="l" rtl="0">
+              <a:lnSpc>
+                <a:spcPct val="90000"/>
+              </a:lnSpc>
+              <a:spcBef>
+                <a:spcPts val="0"/>
+              </a:spcBef>
+              <a:spcAft>
+                <a:spcPts val="0"/>
+              </a:spcAft>
+              <a:buClr>
+                <a:schemeClr val="dk1"/>
+              </a:buClr>
+              <a:buSzPts val="2100"/>
+              <a:buFont typeface="Arial"/>
+              <a:buNone/>
+            </a:pPr>
+            <a:r>
+              <a:rPr lang="en" sz="2100" b="0" i="0" u="none" strike="noStrike" cap="none">
+                <a:latin typeface="Twentieth Century"/>
+                <a:ea typeface="Twentieth Century"/>
+                <a:cs typeface="Twentieth Century"/>
+                <a:sym typeface="Twentieth Century"/>
+              </a:rPr>
+              <a:t>Red neuronal </a:t>
+            </a:r>
+            <a:r>
+              <a:rPr lang="en" sz="2100" b="1" i="0" u="none" strike="noStrike" cap="none">
+                <a:latin typeface="Twentieth Century"/>
+                <a:ea typeface="Twentieth Century"/>
+                <a:cs typeface="Twentieth Century"/>
+                <a:sym typeface="Twentieth Century"/>
+              </a:rPr>
+              <a:t>favorita</a:t>
+            </a:r>
+            <a:r>
+              <a:rPr lang="en" sz="2100" b="0" i="0" u="none" strike="noStrike" cap="none">
+                <a:latin typeface="Twentieth Century"/>
+                <a:ea typeface="Twentieth Century"/>
+                <a:cs typeface="Twentieth Century"/>
+                <a:sym typeface="Twentieth Century"/>
+              </a:rPr>
+              <a:t> para el trabajo secuencias ( datos que en cuya naturaleza exista un </a:t>
+            </a:r>
+            <a:r>
+              <a:rPr lang="en" sz="2100" b="1" i="0" u="none" strike="noStrike" cap="none">
+                <a:latin typeface="Twentieth Century"/>
+                <a:ea typeface="Twentieth Century"/>
+                <a:cs typeface="Twentieth Century"/>
+                <a:sym typeface="Twentieth Century"/>
+              </a:rPr>
+              <a:t>comportamiento secuencial</a:t>
+            </a:r>
+            <a:r>
+              <a:rPr lang="en" sz="2100" b="0" i="0" u="none" strike="noStrike" cap="none">
+                <a:latin typeface="Twentieth Century"/>
+                <a:ea typeface="Twentieth Century"/>
+                <a:cs typeface="Twentieth Century"/>
+                <a:sym typeface="Twentieth Century"/>
+              </a:rPr>
+              <a:t>):</a:t>
+            </a:r>
+            <a:endParaRPr sz="1100"/>
+          </a:p>
+          <a:p>
+            <a:pPr marL="0" marR="0" lvl="0" indent="0" algn="l" rtl="0">
+              <a:lnSpc>
+                <a:spcPct val="90000"/>
+              </a:lnSpc>
+              <a:spcBef>
+                <a:spcPts val="800"/>
+              </a:spcBef>
+              <a:spcAft>
+                <a:spcPts val="0"/>
+              </a:spcAft>
+              <a:buClr>
+                <a:schemeClr val="lt1"/>
+              </a:buClr>
+              <a:buSzPts val="2100"/>
+              <a:buFont typeface="Arial"/>
+              <a:buNone/>
+            </a:pPr>
+            <a:endParaRPr sz="2100" b="0" i="0" u="none" strike="noStrike" cap="none">
+              <a:latin typeface="Twentieth Century"/>
+              <a:ea typeface="Twentieth Century"/>
+              <a:cs typeface="Twentieth Century"/>
+              <a:sym typeface="Twentieth Century"/>
+            </a:endParaRPr>
+          </a:p>
+          <a:p>
+            <a:pPr marL="0" marR="0" lvl="0" indent="0" algn="l" rtl="0">
+              <a:lnSpc>
+                <a:spcPct val="90000"/>
+              </a:lnSpc>
+              <a:spcBef>
+                <a:spcPts val="800"/>
+              </a:spcBef>
+              <a:spcAft>
+                <a:spcPts val="0"/>
+              </a:spcAft>
+              <a:buClr>
+                <a:schemeClr val="dk1"/>
+              </a:buClr>
+              <a:buSzPts val="2100"/>
+              <a:buFont typeface="Arial"/>
+              <a:buNone/>
+            </a:pPr>
+            <a:r>
+              <a:rPr lang="en" sz="2100" b="0" i="0" u="none" strike="noStrike" cap="none">
+                <a:latin typeface="Twentieth Century"/>
+                <a:ea typeface="Twentieth Century"/>
+                <a:cs typeface="Twentieth Century"/>
+                <a:sym typeface="Twentieth Century"/>
+              </a:rPr>
+              <a:t>	- señales temporales</a:t>
+            </a:r>
+            <a:endParaRPr sz="1100"/>
+          </a:p>
+          <a:p>
+            <a:pPr marL="0" marR="0" lvl="0" indent="0" algn="l" rtl="0">
+              <a:lnSpc>
+                <a:spcPct val="90000"/>
+              </a:lnSpc>
+              <a:spcBef>
+                <a:spcPts val="800"/>
+              </a:spcBef>
+              <a:spcAft>
+                <a:spcPts val="0"/>
+              </a:spcAft>
+              <a:buClr>
+                <a:schemeClr val="dk1"/>
+              </a:buClr>
+              <a:buSzPts val="2100"/>
+              <a:buFont typeface="Arial"/>
+              <a:buNone/>
+            </a:pPr>
+            <a:r>
+              <a:rPr lang="en" sz="2100" b="0" i="0" u="none" strike="noStrike" cap="none">
+                <a:latin typeface="Twentieth Century"/>
+                <a:ea typeface="Twentieth Century"/>
+                <a:cs typeface="Twentieth Century"/>
+                <a:sym typeface="Twentieth Century"/>
+              </a:rPr>
+              <a:t>	- series temporales</a:t>
+            </a:r>
+            <a:endParaRPr sz="1100"/>
+          </a:p>
+          <a:p>
+            <a:pPr marL="0" marR="0" lvl="0" indent="0" algn="l" rtl="0">
+              <a:lnSpc>
+                <a:spcPct val="90000"/>
+              </a:lnSpc>
+              <a:spcBef>
+                <a:spcPts val="800"/>
+              </a:spcBef>
+              <a:spcAft>
+                <a:spcPts val="0"/>
+              </a:spcAft>
+              <a:buClr>
+                <a:schemeClr val="dk1"/>
+              </a:buClr>
+              <a:buSzPts val="2100"/>
+              <a:buFont typeface="Arial"/>
+              <a:buNone/>
+            </a:pPr>
+            <a:r>
+              <a:rPr lang="en" sz="2100" b="0" i="0" u="none" strike="noStrike" cap="none">
+                <a:latin typeface="Twentieth Century"/>
+                <a:ea typeface="Twentieth Century"/>
+                <a:cs typeface="Twentieth Century"/>
+                <a:sym typeface="Twentieth Century"/>
+              </a:rPr>
+              <a:t>	- texto</a:t>
+            </a:r>
+            <a:endParaRPr sz="1100"/>
+          </a:p>
+          <a:p>
+            <a:pPr marL="0" marR="0" lvl="0" indent="0" algn="l" rtl="0">
+              <a:lnSpc>
+                <a:spcPct val="90000"/>
+              </a:lnSpc>
+              <a:spcBef>
+                <a:spcPts val="800"/>
+              </a:spcBef>
+              <a:spcAft>
+                <a:spcPts val="0"/>
+              </a:spcAft>
+              <a:buClr>
+                <a:schemeClr val="dk1"/>
+              </a:buClr>
+              <a:buSzPts val="2100"/>
+              <a:buFont typeface="Arial"/>
+              <a:buNone/>
+            </a:pPr>
+            <a:r>
+              <a:rPr lang="en" sz="2100" b="0" i="0" u="none" strike="noStrike" cap="none">
+                <a:latin typeface="Twentieth Century"/>
+                <a:ea typeface="Twentieth Century"/>
+                <a:cs typeface="Twentieth Century"/>
+                <a:sym typeface="Twentieth Century"/>
+              </a:rPr>
+              <a:t>	- habla</a:t>
+            </a:r>
+            <a:endParaRPr sz="1100"/>
+          </a:p>
+          <a:p>
+            <a:pPr marL="0" marR="0" lvl="0" indent="0" algn="l" rtl="0">
+              <a:lnSpc>
+                <a:spcPct val="90000"/>
+              </a:lnSpc>
+              <a:spcBef>
+                <a:spcPts val="800"/>
+              </a:spcBef>
+              <a:spcAft>
+                <a:spcPts val="0"/>
+              </a:spcAft>
+              <a:buClr>
+                <a:schemeClr val="dk1"/>
+              </a:buClr>
+              <a:buSzPts val="2100"/>
+              <a:buFont typeface="Arial"/>
+              <a:buNone/>
+            </a:pPr>
+            <a:r>
+              <a:rPr lang="en" sz="2100" b="0" i="0" u="none" strike="noStrike" cap="none">
+                <a:latin typeface="Twentieth Century"/>
+                <a:ea typeface="Twentieth Century"/>
+                <a:cs typeface="Twentieth Century"/>
+                <a:sym typeface="Twentieth Century"/>
+              </a:rPr>
+              <a:t>	- música</a:t>
+            </a:r>
+            <a:endParaRPr sz="1100"/>
+          </a:p>
+          <a:p>
+            <a:pPr marL="0" marR="0" lvl="0" indent="0" algn="l" rtl="0">
+              <a:lnSpc>
+                <a:spcPct val="90000"/>
+              </a:lnSpc>
+              <a:spcBef>
+                <a:spcPts val="800"/>
+              </a:spcBef>
+              <a:spcAft>
+                <a:spcPts val="0"/>
+              </a:spcAft>
+              <a:buClr>
+                <a:schemeClr val="dk1"/>
+              </a:buClr>
+              <a:buSzPts val="2100"/>
+              <a:buFont typeface="Arial"/>
+              <a:buNone/>
+            </a:pPr>
+            <a:r>
+              <a:rPr lang="en" sz="2100" b="0" i="0" u="none" strike="noStrike" cap="none">
+                <a:latin typeface="Twentieth Century"/>
+                <a:ea typeface="Twentieth Century"/>
+                <a:cs typeface="Twentieth Century"/>
+                <a:sym typeface="Twentieth Century"/>
+              </a:rPr>
+              <a:t>	- etc</a:t>
+            </a:r>
+            <a:endParaRPr sz="2100" b="0" i="0" u="none" strike="noStrike" cap="none">
+              <a:latin typeface="Twentieth Century"/>
+              <a:ea typeface="Twentieth Century"/>
+              <a:cs typeface="Twentieth Century"/>
+              <a:sym typeface="Twentieth Century"/>
+            </a:endParaRPr>
+          </a:p>
+          <a:p>
+            <a:pPr marL="0" marR="0" lvl="0" indent="0" algn="l" rtl="0">
+              <a:lnSpc>
+                <a:spcPct val="90000"/>
+              </a:lnSpc>
+              <a:spcBef>
+                <a:spcPts val="800"/>
+              </a:spcBef>
+              <a:spcAft>
+                <a:spcPts val="0"/>
+              </a:spcAft>
+              <a:buClr>
+                <a:schemeClr val="lt1"/>
+              </a:buClr>
+              <a:buSzPts val="2100"/>
+              <a:buFont typeface="Arial"/>
+              <a:buNone/>
+            </a:pPr>
+            <a:endParaRPr sz="2100" b="0" i="0" u="none" strike="noStrike" cap="none">
+              <a:latin typeface="Twentieth Century"/>
+              <a:ea typeface="Twentieth Century"/>
+              <a:cs typeface="Twentieth Century"/>
+              <a:sym typeface="Twentieth Century"/>
+            </a:endParaRPr>
+          </a:p>
+        </p:txBody>
+      </p:sp>
+      <p:sp>
+        <p:nvSpPr>
+          <p:cNvPr id="90" name="Google Shape;90;g21c03c1d1e6_1_8"/>
+          <p:cNvSpPr txBox="1">
+            <a:spLocks noGrp="1"/>
+          </p:cNvSpPr>
+          <p:nvPr>
+            <p:ph type="title"/>
+          </p:nvPr>
+        </p:nvSpPr>
+        <p:spPr>
+          <a:xfrm>
+            <a:off x="98250" y="16350"/>
+            <a:ext cx="8826600" cy="602700"/>
+          </a:xfrm>
+          <a:prstGeom prst="rect">
+            <a:avLst/>
+          </a:prstGeom>
+        </p:spPr>
+        <p:txBody>
+          <a:bodyPr spcFirstLastPara="1" wrap="square" lIns="91425" tIns="91425" rIns="91425" bIns="91425" anchor="ctr" anchorCtr="0">
+            <a:normAutofit/>
+          </a:bodyPr>
+          <a:lstStyle/>
+          <a:p>
+            <a:pPr marL="0" lvl="0" indent="0" algn="l" rtl="0">
+              <a:spcBef>
+                <a:spcPts val="0"/>
+              </a:spcBef>
+              <a:spcAft>
+                <a:spcPts val="0"/>
+              </a:spcAft>
+              <a:buNone/>
+            </a:pPr>
+            <a:r>
+              <a:rPr lang="en"/>
+              <a:t>Redes recurrentes - Introducción</a:t>
+            </a:r>
+            <a:endParaRPr/>
+          </a:p>
+        </p:txBody>
+      </p:sp>
+    </p:spTree>
+  </p:cSld>
+  <p:clrMapOvr>
+    <a:masterClrMapping/>
+  </p:clrMapOvr>
+</p:sld>
+</file>
+
+<file path=ppt/slides/slide30.xml><?xml version="1.0" encoding="utf-8"?>
 <p:sld xmlns:a="http://schemas.openxmlformats.org/drawingml/2006/main" xmlns:r="http://schemas.openxmlformats.org/officeDocument/2006/relationships" xmlns:p="http://schemas.openxmlformats.org/presentationml/2006/main">
   <p:cSld>
     <p:spTree>
@@ -25547,7 +27256,7 @@
 </p:sld>
 </file>
 
-<file path=ppt/slides/slide29.xml><?xml version="1.0" encoding="utf-8"?>
+<file path=ppt/slides/slide31.xml><?xml version="1.0" encoding="utf-8"?>
 <p:sld xmlns:a="http://schemas.openxmlformats.org/drawingml/2006/main" xmlns:r="http://schemas.openxmlformats.org/officeDocument/2006/relationships" xmlns:p="http://schemas.openxmlformats.org/presentationml/2006/main">
   <p:cSld>
     <p:spTree>
@@ -26500,394 +28209,7 @@
 </p:sld>
 </file>
 
-<file path=ppt/slides/slide3.xml><?xml version="1.0" encoding="utf-8"?>
-<p:sld xmlns:a="http://schemas.openxmlformats.org/drawingml/2006/main" xmlns:r="http://schemas.openxmlformats.org/officeDocument/2006/relationships" xmlns:p="http://schemas.openxmlformats.org/presentationml/2006/main">
-  <p:cSld>
-    <p:spTree>
-      <p:nvGrpSpPr>
-        <p:cNvPr id="1" name="Shape 88"/>
-        <p:cNvGrpSpPr/>
-        <p:nvPr/>
-      </p:nvGrpSpPr>
-      <p:grpSpPr>
-        <a:xfrm>
-          <a:off x="0" y="0"/>
-          <a:ext cx="0" cy="0"/>
-          <a:chOff x="0" y="0"/>
-          <a:chExt cx="0" cy="0"/>
-        </a:xfrm>
-      </p:grpSpPr>
-      <p:sp>
-        <p:nvSpPr>
-          <p:cNvPr id="89" name="Google Shape;89;g21c03c1d1e6_1_8"/>
-          <p:cNvSpPr txBox="1"/>
-          <p:nvPr/>
-        </p:nvSpPr>
-        <p:spPr>
-          <a:xfrm>
-            <a:off x="251252" y="1021834"/>
-            <a:ext cx="8641500" cy="814500"/>
-          </a:xfrm>
-          <a:prstGeom prst="rect">
-            <a:avLst/>
-          </a:prstGeom>
-          <a:noFill/>
-          <a:ln>
-            <a:noFill/>
-          </a:ln>
-        </p:spPr>
-        <p:txBody>
-          <a:bodyPr spcFirstLastPara="1" wrap="square" lIns="68575" tIns="34275" rIns="68575" bIns="34275" anchor="t" anchorCtr="0">
-            <a:noAutofit/>
-          </a:bodyPr>
-          <a:lstStyle/>
-          <a:p>
-            <a:pPr marL="0" marR="0" lvl="0" indent="0" algn="l" rtl="0">
-              <a:lnSpc>
-                <a:spcPct val="90000"/>
-              </a:lnSpc>
-              <a:spcBef>
-                <a:spcPts val="0"/>
-              </a:spcBef>
-              <a:spcAft>
-                <a:spcPts val="0"/>
-              </a:spcAft>
-              <a:buClr>
-                <a:schemeClr val="dk1"/>
-              </a:buClr>
-              <a:buSzPts val="2100"/>
-              <a:buFont typeface="Arial"/>
-              <a:buNone/>
-            </a:pPr>
-            <a:r>
-              <a:rPr lang="en" sz="2100" b="0" i="0" u="none" strike="noStrike" cap="none">
-                <a:latin typeface="Twentieth Century"/>
-                <a:ea typeface="Twentieth Century"/>
-                <a:cs typeface="Twentieth Century"/>
-                <a:sym typeface="Twentieth Century"/>
-              </a:rPr>
-              <a:t>Red neuronal </a:t>
-            </a:r>
-            <a:r>
-              <a:rPr lang="en" sz="2100" b="1" i="0" u="none" strike="noStrike" cap="none">
-                <a:latin typeface="Twentieth Century"/>
-                <a:ea typeface="Twentieth Century"/>
-                <a:cs typeface="Twentieth Century"/>
-                <a:sym typeface="Twentieth Century"/>
-              </a:rPr>
-              <a:t>favorita</a:t>
-            </a:r>
-            <a:r>
-              <a:rPr lang="en" sz="2100" b="0" i="0" u="none" strike="noStrike" cap="none">
-                <a:latin typeface="Twentieth Century"/>
-                <a:ea typeface="Twentieth Century"/>
-                <a:cs typeface="Twentieth Century"/>
-                <a:sym typeface="Twentieth Century"/>
-              </a:rPr>
-              <a:t> para el trabajo secuencias ( datos que en cuya naturaleza exista un </a:t>
-            </a:r>
-            <a:r>
-              <a:rPr lang="en" sz="2100" b="1" i="0" u="none" strike="noStrike" cap="none">
-                <a:latin typeface="Twentieth Century"/>
-                <a:ea typeface="Twentieth Century"/>
-                <a:cs typeface="Twentieth Century"/>
-                <a:sym typeface="Twentieth Century"/>
-              </a:rPr>
-              <a:t>comportamiento secuencial</a:t>
-            </a:r>
-            <a:r>
-              <a:rPr lang="en" sz="2100" b="0" i="0" u="none" strike="noStrike" cap="none">
-                <a:latin typeface="Twentieth Century"/>
-                <a:ea typeface="Twentieth Century"/>
-                <a:cs typeface="Twentieth Century"/>
-                <a:sym typeface="Twentieth Century"/>
-              </a:rPr>
-              <a:t>):</a:t>
-            </a:r>
-            <a:endParaRPr sz="1100"/>
-          </a:p>
-          <a:p>
-            <a:pPr marL="0" marR="0" lvl="0" indent="0" algn="l" rtl="0">
-              <a:lnSpc>
-                <a:spcPct val="90000"/>
-              </a:lnSpc>
-              <a:spcBef>
-                <a:spcPts val="800"/>
-              </a:spcBef>
-              <a:spcAft>
-                <a:spcPts val="0"/>
-              </a:spcAft>
-              <a:buClr>
-                <a:schemeClr val="lt1"/>
-              </a:buClr>
-              <a:buSzPts val="2100"/>
-              <a:buFont typeface="Arial"/>
-              <a:buNone/>
-            </a:pPr>
-            <a:endParaRPr sz="2100" b="0" i="0" u="none" strike="noStrike" cap="none">
-              <a:latin typeface="Twentieth Century"/>
-              <a:ea typeface="Twentieth Century"/>
-              <a:cs typeface="Twentieth Century"/>
-              <a:sym typeface="Twentieth Century"/>
-            </a:endParaRPr>
-          </a:p>
-          <a:p>
-            <a:pPr marL="0" marR="0" lvl="0" indent="0" algn="l" rtl="0">
-              <a:lnSpc>
-                <a:spcPct val="90000"/>
-              </a:lnSpc>
-              <a:spcBef>
-                <a:spcPts val="800"/>
-              </a:spcBef>
-              <a:spcAft>
-                <a:spcPts val="0"/>
-              </a:spcAft>
-              <a:buClr>
-                <a:schemeClr val="dk1"/>
-              </a:buClr>
-              <a:buSzPts val="2100"/>
-              <a:buFont typeface="Arial"/>
-              <a:buNone/>
-            </a:pPr>
-            <a:r>
-              <a:rPr lang="en" sz="2100" b="0" i="0" u="none" strike="noStrike" cap="none">
-                <a:latin typeface="Twentieth Century"/>
-                <a:ea typeface="Twentieth Century"/>
-                <a:cs typeface="Twentieth Century"/>
-                <a:sym typeface="Twentieth Century"/>
-              </a:rPr>
-              <a:t>	- señales temporales</a:t>
-            </a:r>
-            <a:endParaRPr sz="1100"/>
-          </a:p>
-          <a:p>
-            <a:pPr marL="0" marR="0" lvl="0" indent="0" algn="l" rtl="0">
-              <a:lnSpc>
-                <a:spcPct val="90000"/>
-              </a:lnSpc>
-              <a:spcBef>
-                <a:spcPts val="800"/>
-              </a:spcBef>
-              <a:spcAft>
-                <a:spcPts val="0"/>
-              </a:spcAft>
-              <a:buClr>
-                <a:schemeClr val="dk1"/>
-              </a:buClr>
-              <a:buSzPts val="2100"/>
-              <a:buFont typeface="Arial"/>
-              <a:buNone/>
-            </a:pPr>
-            <a:r>
-              <a:rPr lang="en" sz="2100" b="0" i="0" u="none" strike="noStrike" cap="none">
-                <a:latin typeface="Twentieth Century"/>
-                <a:ea typeface="Twentieth Century"/>
-                <a:cs typeface="Twentieth Century"/>
-                <a:sym typeface="Twentieth Century"/>
-              </a:rPr>
-              <a:t>	- series temporales</a:t>
-            </a:r>
-            <a:endParaRPr sz="1100"/>
-          </a:p>
-          <a:p>
-            <a:pPr marL="0" marR="0" lvl="0" indent="0" algn="l" rtl="0">
-              <a:lnSpc>
-                <a:spcPct val="90000"/>
-              </a:lnSpc>
-              <a:spcBef>
-                <a:spcPts val="800"/>
-              </a:spcBef>
-              <a:spcAft>
-                <a:spcPts val="0"/>
-              </a:spcAft>
-              <a:buClr>
-                <a:schemeClr val="dk1"/>
-              </a:buClr>
-              <a:buSzPts val="2100"/>
-              <a:buFont typeface="Arial"/>
-              <a:buNone/>
-            </a:pPr>
-            <a:r>
-              <a:rPr lang="en" sz="2100" b="0" i="0" u="none" strike="noStrike" cap="none">
-                <a:latin typeface="Twentieth Century"/>
-                <a:ea typeface="Twentieth Century"/>
-                <a:cs typeface="Twentieth Century"/>
-                <a:sym typeface="Twentieth Century"/>
-              </a:rPr>
-              <a:t>	- texto</a:t>
-            </a:r>
-            <a:endParaRPr sz="1100"/>
-          </a:p>
-          <a:p>
-            <a:pPr marL="0" marR="0" lvl="0" indent="0" algn="l" rtl="0">
-              <a:lnSpc>
-                <a:spcPct val="90000"/>
-              </a:lnSpc>
-              <a:spcBef>
-                <a:spcPts val="800"/>
-              </a:spcBef>
-              <a:spcAft>
-                <a:spcPts val="0"/>
-              </a:spcAft>
-              <a:buClr>
-                <a:schemeClr val="dk1"/>
-              </a:buClr>
-              <a:buSzPts val="2100"/>
-              <a:buFont typeface="Arial"/>
-              <a:buNone/>
-            </a:pPr>
-            <a:r>
-              <a:rPr lang="en" sz="2100" b="0" i="0" u="none" strike="noStrike" cap="none">
-                <a:latin typeface="Twentieth Century"/>
-                <a:ea typeface="Twentieth Century"/>
-                <a:cs typeface="Twentieth Century"/>
-                <a:sym typeface="Twentieth Century"/>
-              </a:rPr>
-              <a:t>	- habla</a:t>
-            </a:r>
-            <a:endParaRPr sz="1100"/>
-          </a:p>
-          <a:p>
-            <a:pPr marL="0" marR="0" lvl="0" indent="0" algn="l" rtl="0">
-              <a:lnSpc>
-                <a:spcPct val="90000"/>
-              </a:lnSpc>
-              <a:spcBef>
-                <a:spcPts val="800"/>
-              </a:spcBef>
-              <a:spcAft>
-                <a:spcPts val="0"/>
-              </a:spcAft>
-              <a:buClr>
-                <a:schemeClr val="dk1"/>
-              </a:buClr>
-              <a:buSzPts val="2100"/>
-              <a:buFont typeface="Arial"/>
-              <a:buNone/>
-            </a:pPr>
-            <a:r>
-              <a:rPr lang="en" sz="2100" b="0" i="0" u="none" strike="noStrike" cap="none">
-                <a:latin typeface="Twentieth Century"/>
-                <a:ea typeface="Twentieth Century"/>
-                <a:cs typeface="Twentieth Century"/>
-                <a:sym typeface="Twentieth Century"/>
-              </a:rPr>
-              <a:t>	- música</a:t>
-            </a:r>
-            <a:endParaRPr sz="1100"/>
-          </a:p>
-          <a:p>
-            <a:pPr marL="0" marR="0" lvl="0" indent="0" algn="l" rtl="0">
-              <a:lnSpc>
-                <a:spcPct val="90000"/>
-              </a:lnSpc>
-              <a:spcBef>
-                <a:spcPts val="800"/>
-              </a:spcBef>
-              <a:spcAft>
-                <a:spcPts val="0"/>
-              </a:spcAft>
-              <a:buClr>
-                <a:schemeClr val="dk1"/>
-              </a:buClr>
-              <a:buSzPts val="2100"/>
-              <a:buFont typeface="Arial"/>
-              <a:buNone/>
-            </a:pPr>
-            <a:r>
-              <a:rPr lang="en" sz="2100" b="0" i="0" u="none" strike="noStrike" cap="none">
-                <a:latin typeface="Twentieth Century"/>
-                <a:ea typeface="Twentieth Century"/>
-                <a:cs typeface="Twentieth Century"/>
-                <a:sym typeface="Twentieth Century"/>
-              </a:rPr>
-              <a:t>	- etc</a:t>
-            </a:r>
-            <a:endParaRPr sz="2100" b="0" i="0" u="none" strike="noStrike" cap="none">
-              <a:latin typeface="Twentieth Century"/>
-              <a:ea typeface="Twentieth Century"/>
-              <a:cs typeface="Twentieth Century"/>
-              <a:sym typeface="Twentieth Century"/>
-            </a:endParaRPr>
-          </a:p>
-          <a:p>
-            <a:pPr marL="0" marR="0" lvl="0" indent="0" algn="l" rtl="0">
-              <a:lnSpc>
-                <a:spcPct val="90000"/>
-              </a:lnSpc>
-              <a:spcBef>
-                <a:spcPts val="800"/>
-              </a:spcBef>
-              <a:spcAft>
-                <a:spcPts val="0"/>
-              </a:spcAft>
-              <a:buClr>
-                <a:schemeClr val="lt1"/>
-              </a:buClr>
-              <a:buSzPts val="2100"/>
-              <a:buFont typeface="Arial"/>
-              <a:buNone/>
-            </a:pPr>
-            <a:endParaRPr sz="2100" b="0" i="0" u="none" strike="noStrike" cap="none">
-              <a:latin typeface="Twentieth Century"/>
-              <a:ea typeface="Twentieth Century"/>
-              <a:cs typeface="Twentieth Century"/>
-              <a:sym typeface="Twentieth Century"/>
-            </a:endParaRPr>
-          </a:p>
-        </p:txBody>
-      </p:sp>
-      <p:sp>
-        <p:nvSpPr>
-          <p:cNvPr id="90" name="Google Shape;90;g21c03c1d1e6_1_8"/>
-          <p:cNvSpPr txBox="1">
-            <a:spLocks noGrp="1"/>
-          </p:cNvSpPr>
-          <p:nvPr>
-            <p:ph type="title"/>
-          </p:nvPr>
-        </p:nvSpPr>
-        <p:spPr>
-          <a:xfrm>
-            <a:off x="98250" y="16350"/>
-            <a:ext cx="8826600" cy="602700"/>
-          </a:xfrm>
-          <a:prstGeom prst="rect">
-            <a:avLst/>
-          </a:prstGeom>
-        </p:spPr>
-        <p:txBody>
-          <a:bodyPr spcFirstLastPara="1" wrap="square" lIns="91425" tIns="91425" rIns="91425" bIns="91425" anchor="ctr" anchorCtr="0">
-            <a:normAutofit/>
-          </a:bodyPr>
-          <a:lstStyle/>
-          <a:p>
-            <a:pPr marL="0" lvl="0" indent="0" algn="l" rtl="0">
-              <a:spcBef>
-                <a:spcPts val="0"/>
-              </a:spcBef>
-              <a:spcAft>
-                <a:spcPts val="0"/>
-              </a:spcAft>
-              <a:buNone/>
-            </a:pPr>
-            <a:r>
-              <a:rPr lang="en"/>
-              <a:t>Redes recurrentes - Introducción</a:t>
-            </a:r>
-            <a:endParaRPr/>
-          </a:p>
-        </p:txBody>
-      </p:sp>
-    </p:spTree>
-  </p:cSld>
-  <p:clrMapOvr>
-    <a:masterClrMapping/>
-  </p:clrMapOvr>
-</p:sld>
-</file>
-
-<file path=ppt/slides/slide30.xml><?xml version="1.0" encoding="utf-8"?>
+<file path=ppt/slides/slide32.xml><?xml version="1.0" encoding="utf-8"?>
 <p:sld xmlns:a="http://schemas.openxmlformats.org/drawingml/2006/main" xmlns:r="http://schemas.openxmlformats.org/officeDocument/2006/relationships" xmlns:p="http://schemas.openxmlformats.org/presentationml/2006/main">
   <p:cSld>
     <p:spTree>
@@ -27201,7 +28523,7 @@
 </p:sld>
 </file>
 
-<file path=ppt/slides/slide31.xml><?xml version="1.0" encoding="utf-8"?>
+<file path=ppt/slides/slide33.xml><?xml version="1.0" encoding="utf-8"?>
 <p:sld xmlns:a="http://schemas.openxmlformats.org/drawingml/2006/main" xmlns:r="http://schemas.openxmlformats.org/officeDocument/2006/relationships" xmlns:p="http://schemas.openxmlformats.org/presentationml/2006/main">
   <p:cSld>
     <p:spTree>
@@ -27513,7 +28835,7 @@
 </p:sld>
 </file>
 
-<file path=ppt/slides/slide32.xml><?xml version="1.0" encoding="utf-8"?>
+<file path=ppt/slides/slide34.xml><?xml version="1.0" encoding="utf-8"?>
 <p:sld xmlns:a="http://schemas.openxmlformats.org/drawingml/2006/main" xmlns:r="http://schemas.openxmlformats.org/officeDocument/2006/relationships" xmlns:p="http://schemas.openxmlformats.org/presentationml/2006/main">
   <p:cSld>
     <p:spTree>
@@ -27827,7 +29149,7 @@
 </p:sld>
 </file>
 
-<file path=ppt/slides/slide33.xml><?xml version="1.0" encoding="utf-8"?>
+<file path=ppt/slides/slide35.xml><?xml version="1.0" encoding="utf-8"?>
 <p:sld xmlns:a="http://schemas.openxmlformats.org/drawingml/2006/main" xmlns:r="http://schemas.openxmlformats.org/officeDocument/2006/relationships" xmlns:p="http://schemas.openxmlformats.org/presentationml/2006/main">
   <p:cSld>
     <p:spTree>
@@ -28249,7 +29571,7 @@
 </p:sld>
 </file>
 
-<file path=ppt/slides/slide34.xml><?xml version="1.0" encoding="utf-8"?>
+<file path=ppt/slides/slide36.xml><?xml version="1.0" encoding="utf-8"?>
 <p:sld xmlns:a="http://schemas.openxmlformats.org/drawingml/2006/main" xmlns:r="http://schemas.openxmlformats.org/officeDocument/2006/relationships" xmlns:p="http://schemas.openxmlformats.org/presentationml/2006/main">
   <p:cSld>
     <p:spTree>
@@ -28941,7 +30263,7 @@
 </p:sld>
 </file>
 
-<file path=ppt/slides/slide35.xml><?xml version="1.0" encoding="utf-8"?>
+<file path=ppt/slides/slide37.xml><?xml version="1.0" encoding="utf-8"?>
 <p:sld xmlns:a="http://schemas.openxmlformats.org/drawingml/2006/main" xmlns:r="http://schemas.openxmlformats.org/officeDocument/2006/relationships" xmlns:p="http://schemas.openxmlformats.org/presentationml/2006/main">
   <p:cSld>
     <p:spTree>
@@ -29795,7 +31117,7 @@
 </p:sld>
 </file>
 
-<file path=ppt/slides/slide36.xml><?xml version="1.0" encoding="utf-8"?>
+<file path=ppt/slides/slide38.xml><?xml version="1.0" encoding="utf-8"?>
 <p:sld xmlns:a="http://schemas.openxmlformats.org/drawingml/2006/main" xmlns:r="http://schemas.openxmlformats.org/officeDocument/2006/relationships" xmlns:p="http://schemas.openxmlformats.org/presentationml/2006/main">
   <p:cSld>
     <p:spTree>
@@ -30793,7 +32115,7 @@
 </p:sld>
 </file>
 
-<file path=ppt/slides/slide37.xml><?xml version="1.0" encoding="utf-8"?>
+<file path=ppt/slides/slide39.xml><?xml version="1.0" encoding="utf-8"?>
 <p:sld xmlns:a="http://schemas.openxmlformats.org/drawingml/2006/main" xmlns:r="http://schemas.openxmlformats.org/officeDocument/2006/relationships" xmlns:p="http://schemas.openxmlformats.org/presentationml/2006/main">
   <p:cSld>
     <p:spTree>
@@ -31345,650 +32667,6 @@
       <p:sp>
         <p:nvSpPr>
           <p:cNvPr id="420" name="Google Shape;420;g21c03c1d1e6_1_282"/>
-          <p:cNvSpPr txBox="1">
-            <a:spLocks noGrp="1"/>
-          </p:cNvSpPr>
-          <p:nvPr>
-            <p:ph type="title"/>
-          </p:nvPr>
-        </p:nvSpPr>
-        <p:spPr>
-          <a:xfrm>
-            <a:off x="0" y="0"/>
-            <a:ext cx="8826600" cy="602700"/>
-          </a:xfrm>
-          <a:prstGeom prst="rect">
-            <a:avLst/>
-          </a:prstGeom>
-        </p:spPr>
-        <p:txBody>
-          <a:bodyPr spcFirstLastPara="1" wrap="square" lIns="91425" tIns="91425" rIns="91425" bIns="91425" anchor="ctr" anchorCtr="0">
-            <a:normAutofit/>
-          </a:bodyPr>
-          <a:lstStyle/>
-          <a:p>
-            <a:pPr marL="0" lvl="0" indent="0" algn="l" rtl="0">
-              <a:spcBef>
-                <a:spcPts val="0"/>
-              </a:spcBef>
-              <a:spcAft>
-                <a:spcPts val="0"/>
-              </a:spcAft>
-              <a:buNone/>
-            </a:pPr>
-            <a:r>
-              <a:rPr lang="en"/>
-              <a:t>Redes recurrentes - Mecanismos de atención</a:t>
-            </a:r>
-            <a:endParaRPr/>
-          </a:p>
-        </p:txBody>
-      </p:sp>
-    </p:spTree>
-  </p:cSld>
-  <p:clrMapOvr>
-    <a:masterClrMapping/>
-  </p:clrMapOvr>
-</p:sld>
-</file>
-
-<file path=ppt/slides/slide38.xml><?xml version="1.0" encoding="utf-8"?>
-<p:sld xmlns:a="http://schemas.openxmlformats.org/drawingml/2006/main" xmlns:r="http://schemas.openxmlformats.org/officeDocument/2006/relationships" xmlns:p="http://schemas.openxmlformats.org/presentationml/2006/main">
-  <p:cSld>
-    <p:spTree>
-      <p:nvGrpSpPr>
-        <p:cNvPr id="1" name="Shape 424"/>
-        <p:cNvGrpSpPr/>
-        <p:nvPr/>
-      </p:nvGrpSpPr>
-      <p:grpSpPr>
-        <a:xfrm>
-          <a:off x="0" y="0"/>
-          <a:ext cx="0" cy="0"/>
-          <a:chOff x="0" y="0"/>
-          <a:chExt cx="0" cy="0"/>
-        </a:xfrm>
-      </p:grpSpPr>
-      <p:sp>
-        <p:nvSpPr>
-          <p:cNvPr id="425" name="Google Shape;425;g21c03c1d1e6_1_296"/>
-          <p:cNvSpPr/>
-          <p:nvPr/>
-        </p:nvSpPr>
-        <p:spPr>
-          <a:xfrm>
-            <a:off x="334370" y="4169795"/>
-            <a:ext cx="8475260" cy="761747"/>
-          </a:xfrm>
-          <a:prstGeom prst="rect">
-            <a:avLst/>
-          </a:prstGeom>
-          <a:noFill/>
-          <a:ln>
-            <a:noFill/>
-          </a:ln>
-        </p:spPr>
-        <p:txBody>
-          <a:bodyPr spcFirstLastPara="1" wrap="square" lIns="68575" tIns="34275" rIns="68575" bIns="34275" anchor="ctr" anchorCtr="0">
-            <a:noAutofit/>
-          </a:bodyPr>
-          <a:lstStyle/>
-          <a:p>
-            <a:pPr marL="0" marR="0" lvl="0" indent="0" algn="l" rtl="0">
-              <a:lnSpc>
-                <a:spcPct val="100000"/>
-              </a:lnSpc>
-              <a:spcBef>
-                <a:spcPts val="0"/>
-              </a:spcBef>
-              <a:spcAft>
-                <a:spcPts val="0"/>
-              </a:spcAft>
-              <a:buClr>
-                <a:schemeClr val="dk1"/>
-              </a:buClr>
-              <a:buSzPts val="1500"/>
-              <a:buFont typeface="Arial"/>
-              <a:buNone/>
-            </a:pPr>
-            <a:r>
-              <a:rPr lang="en" sz="1500" b="0" u="none" strike="noStrike" cap="none">
-                <a:solidFill>
-                  <a:schemeClr val="dk2"/>
-                </a:solidFill>
-                <a:latin typeface="Arial"/>
-                <a:ea typeface="Arial"/>
-                <a:cs typeface="Arial"/>
-                <a:sym typeface="Arial"/>
-              </a:rPr>
-              <a:t>Una definición más general:</a:t>
-            </a:r>
-            <a:endParaRPr sz="1100">
-              <a:solidFill>
-                <a:schemeClr val="dk2"/>
-              </a:solidFill>
-            </a:endParaRPr>
-          </a:p>
-          <a:p>
-            <a:pPr marL="0" marR="0" lvl="0" indent="0" algn="ctr" rtl="0">
-              <a:lnSpc>
-                <a:spcPct val="100000"/>
-              </a:lnSpc>
-              <a:spcBef>
-                <a:spcPts val="0"/>
-              </a:spcBef>
-              <a:spcAft>
-                <a:spcPts val="0"/>
-              </a:spcAft>
-              <a:buClr>
-                <a:schemeClr val="dk1"/>
-              </a:buClr>
-              <a:buSzPts val="1500"/>
-              <a:buFont typeface="Arial"/>
-              <a:buNone/>
-            </a:pPr>
-            <a:r>
-              <a:rPr lang="en" sz="1500">
-                <a:solidFill>
-                  <a:schemeClr val="dk2"/>
-                </a:solidFill>
-                <a:latin typeface="Arial"/>
-                <a:ea typeface="Arial"/>
-                <a:cs typeface="Arial"/>
-                <a:sym typeface="Arial"/>
-              </a:rPr>
-              <a:t>Dado un </a:t>
-            </a:r>
-            <a:r>
-              <a:rPr lang="en" sz="1500" b="1">
-                <a:solidFill>
-                  <a:schemeClr val="dk2"/>
-                </a:solidFill>
-                <a:latin typeface="Arial"/>
-                <a:ea typeface="Arial"/>
-                <a:cs typeface="Arial"/>
-                <a:sym typeface="Arial"/>
-              </a:rPr>
-              <a:t>conjunto de valores</a:t>
-            </a:r>
-            <a:r>
-              <a:rPr lang="en" sz="1500">
-                <a:solidFill>
-                  <a:schemeClr val="dk2"/>
-                </a:solidFill>
-                <a:latin typeface="Arial"/>
-                <a:ea typeface="Arial"/>
-                <a:cs typeface="Arial"/>
-                <a:sym typeface="Arial"/>
-              </a:rPr>
-              <a:t> y una </a:t>
-            </a:r>
-            <a:r>
-              <a:rPr lang="en" sz="1500" b="1">
-                <a:solidFill>
-                  <a:schemeClr val="dk2"/>
-                </a:solidFill>
-                <a:latin typeface="Arial"/>
-                <a:ea typeface="Arial"/>
-                <a:cs typeface="Arial"/>
-                <a:sym typeface="Arial"/>
-              </a:rPr>
-              <a:t>consulta</a:t>
-            </a:r>
-            <a:r>
-              <a:rPr lang="en" sz="1500">
-                <a:solidFill>
-                  <a:schemeClr val="dk2"/>
-                </a:solidFill>
-                <a:latin typeface="Arial"/>
-                <a:ea typeface="Arial"/>
-                <a:cs typeface="Arial"/>
-                <a:sym typeface="Arial"/>
-              </a:rPr>
-              <a:t>; el mecanismo de atención devuelve una </a:t>
-            </a:r>
-            <a:r>
-              <a:rPr lang="en" sz="1500" b="1">
-                <a:solidFill>
-                  <a:schemeClr val="dk2"/>
-                </a:solidFill>
-                <a:latin typeface="Arial"/>
-                <a:ea typeface="Arial"/>
-                <a:cs typeface="Arial"/>
-                <a:sym typeface="Arial"/>
-              </a:rPr>
-              <a:t>suma ponderada</a:t>
-            </a:r>
-            <a:r>
-              <a:rPr lang="en" sz="1500">
-                <a:solidFill>
-                  <a:schemeClr val="dk2"/>
-                </a:solidFill>
-                <a:latin typeface="Arial"/>
-                <a:ea typeface="Arial"/>
-                <a:cs typeface="Arial"/>
-                <a:sym typeface="Arial"/>
-              </a:rPr>
-              <a:t> (resumen selectivo) de los valores, </a:t>
-            </a:r>
-            <a:r>
-              <a:rPr lang="en" sz="1500" b="1">
-                <a:solidFill>
-                  <a:schemeClr val="dk2"/>
-                </a:solidFill>
-                <a:latin typeface="Arial"/>
-                <a:ea typeface="Arial"/>
-                <a:cs typeface="Arial"/>
-                <a:sym typeface="Arial"/>
-              </a:rPr>
-              <a:t>dependiente de la consulta</a:t>
-            </a:r>
-            <a:r>
-              <a:rPr lang="en" sz="1500">
-                <a:solidFill>
-                  <a:schemeClr val="dk2"/>
-                </a:solidFill>
-                <a:latin typeface="Arial"/>
-                <a:ea typeface="Arial"/>
-                <a:cs typeface="Arial"/>
-                <a:sym typeface="Arial"/>
-              </a:rPr>
-              <a:t>. </a:t>
-            </a:r>
-            <a:endParaRPr sz="1500" b="0" u="none" strike="noStrike" cap="none">
-              <a:solidFill>
-                <a:schemeClr val="dk2"/>
-              </a:solidFill>
-              <a:latin typeface="Arial"/>
-              <a:ea typeface="Arial"/>
-              <a:cs typeface="Arial"/>
-              <a:sym typeface="Arial"/>
-            </a:endParaRPr>
-          </a:p>
-        </p:txBody>
-      </p:sp>
-      <p:sp>
-        <p:nvSpPr>
-          <p:cNvPr id="426" name="Google Shape;426;g21c03c1d1e6_1_296" descr="\alpha_j"/>
-          <p:cNvSpPr/>
-          <p:nvPr/>
-        </p:nvSpPr>
-        <p:spPr>
-          <a:xfrm>
-            <a:off x="5442229" y="2065320"/>
-            <a:ext cx="228600" cy="228601"/>
-          </a:xfrm>
-          <a:prstGeom prst="rect">
-            <a:avLst/>
-          </a:prstGeom>
-          <a:noFill/>
-          <a:ln>
-            <a:noFill/>
-          </a:ln>
-        </p:spPr>
-        <p:txBody>
-          <a:bodyPr spcFirstLastPara="1" wrap="square" lIns="68575" tIns="34275" rIns="68575" bIns="34275" anchor="t" anchorCtr="0">
-            <a:noAutofit/>
-          </a:bodyPr>
-          <a:lstStyle/>
-          <a:p>
-            <a:pPr marL="0" marR="0" lvl="0" indent="0" algn="l" rtl="0">
-              <a:spcBef>
-                <a:spcPts val="0"/>
-              </a:spcBef>
-              <a:spcAft>
-                <a:spcPts val="0"/>
-              </a:spcAft>
-              <a:buNone/>
-            </a:pPr>
-            <a:endParaRPr sz="1400">
-              <a:solidFill>
-                <a:schemeClr val="lt1"/>
-              </a:solidFill>
-              <a:latin typeface="Twentieth Century"/>
-              <a:ea typeface="Twentieth Century"/>
-              <a:cs typeface="Twentieth Century"/>
-              <a:sym typeface="Twentieth Century"/>
-            </a:endParaRPr>
-          </a:p>
-        </p:txBody>
-      </p:sp>
-      <p:sp>
-        <p:nvSpPr>
-          <p:cNvPr id="427" name="Google Shape;427;g21c03c1d1e6_1_296" descr="T"/>
-          <p:cNvSpPr/>
-          <p:nvPr/>
-        </p:nvSpPr>
-        <p:spPr>
-          <a:xfrm>
-            <a:off x="13715882" y="2065320"/>
-            <a:ext cx="228600" cy="228601"/>
-          </a:xfrm>
-          <a:prstGeom prst="rect">
-            <a:avLst/>
-          </a:prstGeom>
-          <a:noFill/>
-          <a:ln>
-            <a:noFill/>
-          </a:ln>
-        </p:spPr>
-        <p:txBody>
-          <a:bodyPr spcFirstLastPara="1" wrap="square" lIns="68575" tIns="34275" rIns="68575" bIns="34275" anchor="t" anchorCtr="0">
-            <a:noAutofit/>
-          </a:bodyPr>
-          <a:lstStyle/>
-          <a:p>
-            <a:pPr marL="0" marR="0" lvl="0" indent="0" algn="l" rtl="0">
-              <a:spcBef>
-                <a:spcPts val="0"/>
-              </a:spcBef>
-              <a:spcAft>
-                <a:spcPts val="0"/>
-              </a:spcAft>
-              <a:buNone/>
-            </a:pPr>
-            <a:endParaRPr sz="1400">
-              <a:solidFill>
-                <a:schemeClr val="lt1"/>
-              </a:solidFill>
-              <a:latin typeface="Twentieth Century"/>
-              <a:ea typeface="Twentieth Century"/>
-              <a:cs typeface="Twentieth Century"/>
-              <a:sym typeface="Twentieth Century"/>
-            </a:endParaRPr>
-          </a:p>
-        </p:txBody>
-      </p:sp>
-      <p:pic>
-        <p:nvPicPr>
-          <p:cNvPr id="428" name="Google Shape;428;g21c03c1d1e6_1_296"/>
-          <p:cNvPicPr preferRelativeResize="0"/>
-          <p:nvPr/>
-        </p:nvPicPr>
-        <p:blipFill rotWithShape="1">
-          <a:blip r:embed="rId3">
-            <a:alphaModFix/>
-          </a:blip>
-          <a:srcRect/>
-          <a:stretch/>
-        </p:blipFill>
-        <p:spPr>
-          <a:xfrm>
-            <a:off x="2075170" y="1741172"/>
-            <a:ext cx="4993660" cy="2310364"/>
-          </a:xfrm>
-          <a:prstGeom prst="rect">
-            <a:avLst/>
-          </a:prstGeom>
-          <a:noFill/>
-          <a:ln>
-            <a:noFill/>
-          </a:ln>
-        </p:spPr>
-      </p:pic>
-      <p:sp>
-        <p:nvSpPr>
-          <p:cNvPr id="429" name="Google Shape;429;g21c03c1d1e6_1_296"/>
-          <p:cNvSpPr/>
-          <p:nvPr/>
-        </p:nvSpPr>
-        <p:spPr>
-          <a:xfrm>
-            <a:off x="448670" y="783059"/>
-            <a:ext cx="8475260" cy="783580"/>
-          </a:xfrm>
-          <a:prstGeom prst="rect">
-            <a:avLst/>
-          </a:prstGeom>
-          <a:blipFill rotWithShape="1">
-            <a:blip r:embed="rId4">
-              <a:alphaModFix/>
-            </a:blip>
-            <a:stretch>
-              <a:fillRect l="-538" t="-1743" b="-9883"/>
-            </a:stretch>
-          </a:blipFill>
-          <a:ln>
-            <a:noFill/>
-          </a:ln>
-        </p:spPr>
-        <p:txBody>
-          <a:bodyPr spcFirstLastPara="1" wrap="square" lIns="68575" tIns="34275" rIns="68575" bIns="34275" anchor="t" anchorCtr="0">
-            <a:noAutofit/>
-          </a:bodyPr>
-          <a:lstStyle/>
-          <a:p>
-            <a:pPr marL="0" marR="0" lvl="0" indent="0" algn="l" rtl="0">
-              <a:spcBef>
-                <a:spcPts val="0"/>
-              </a:spcBef>
-              <a:spcAft>
-                <a:spcPts val="0"/>
-              </a:spcAft>
-              <a:buNone/>
-            </a:pPr>
-            <a:r>
-              <a:rPr lang="en" sz="1400">
-                <a:latin typeface="Twentieth Century"/>
-                <a:ea typeface="Twentieth Century"/>
-                <a:cs typeface="Twentieth Century"/>
-                <a:sym typeface="Twentieth Century"/>
-              </a:rPr>
-              <a:t> </a:t>
-            </a:r>
-            <a:endParaRPr sz="1100"/>
-          </a:p>
-        </p:txBody>
-      </p:sp>
-      <p:sp>
-        <p:nvSpPr>
-          <p:cNvPr id="430" name="Google Shape;430;g21c03c1d1e6_1_296"/>
-          <p:cNvSpPr txBox="1"/>
-          <p:nvPr/>
-        </p:nvSpPr>
-        <p:spPr>
-          <a:xfrm>
-            <a:off x="69574" y="40993"/>
-            <a:ext cx="8770513" cy="608527"/>
-          </a:xfrm>
-          <a:prstGeom prst="rect">
-            <a:avLst/>
-          </a:prstGeom>
-          <a:noFill/>
-          <a:ln>
-            <a:noFill/>
-          </a:ln>
-        </p:spPr>
-        <p:txBody>
-          <a:bodyPr spcFirstLastPara="1" wrap="square" lIns="68575" tIns="34275" rIns="68575" bIns="34275" anchor="t" anchorCtr="0">
-            <a:noAutofit/>
-          </a:bodyPr>
-          <a:lstStyle/>
-          <a:p>
-            <a:pPr marL="0" marR="0" lvl="0" indent="0" algn="ctr" rtl="0">
-              <a:lnSpc>
-                <a:spcPct val="120000"/>
-              </a:lnSpc>
-              <a:spcBef>
-                <a:spcPts val="0"/>
-              </a:spcBef>
-              <a:spcAft>
-                <a:spcPts val="0"/>
-              </a:spcAft>
-              <a:buClr>
-                <a:schemeClr val="dk1"/>
-              </a:buClr>
-              <a:buSzPts val="3000"/>
-              <a:buFont typeface="Arial"/>
-              <a:buNone/>
-            </a:pPr>
-            <a:r>
-              <a:rPr lang="en" sz="2400">
-                <a:solidFill>
-                  <a:schemeClr val="dk1"/>
-                </a:solidFill>
-                <a:latin typeface="Twentieth Century"/>
-                <a:ea typeface="Twentieth Century"/>
-                <a:cs typeface="Twentieth Century"/>
-                <a:sym typeface="Twentieth Century"/>
-              </a:rPr>
-              <a:t>Recurrent Neural Network (RNN) – Self Attention!!</a:t>
-            </a:r>
-            <a:endParaRPr sz="1100"/>
-          </a:p>
-        </p:txBody>
-      </p:sp>
-      <p:sp>
-        <p:nvSpPr>
-          <p:cNvPr id="431" name="Google Shape;431;g21c03c1d1e6_1_296"/>
-          <p:cNvSpPr txBox="1">
-            <a:spLocks noGrp="1"/>
-          </p:cNvSpPr>
-          <p:nvPr>
-            <p:ph type="title"/>
-          </p:nvPr>
-        </p:nvSpPr>
-        <p:spPr>
-          <a:xfrm>
-            <a:off x="0" y="0"/>
-            <a:ext cx="8826600" cy="602700"/>
-          </a:xfrm>
-          <a:prstGeom prst="rect">
-            <a:avLst/>
-          </a:prstGeom>
-        </p:spPr>
-        <p:txBody>
-          <a:bodyPr spcFirstLastPara="1" wrap="square" lIns="91425" tIns="91425" rIns="91425" bIns="91425" anchor="ctr" anchorCtr="0">
-            <a:normAutofit/>
-          </a:bodyPr>
-          <a:lstStyle/>
-          <a:p>
-            <a:pPr marL="0" lvl="0" indent="0" algn="l" rtl="0">
-              <a:spcBef>
-                <a:spcPts val="0"/>
-              </a:spcBef>
-              <a:spcAft>
-                <a:spcPts val="0"/>
-              </a:spcAft>
-              <a:buNone/>
-            </a:pPr>
-            <a:r>
-              <a:rPr lang="en"/>
-              <a:t>Redes recurrentes - Mecanismos de atención</a:t>
-            </a:r>
-            <a:endParaRPr/>
-          </a:p>
-        </p:txBody>
-      </p:sp>
-    </p:spTree>
-  </p:cSld>
-  <p:clrMapOvr>
-    <a:masterClrMapping/>
-  </p:clrMapOvr>
-</p:sld>
-</file>
-
-<file path=ppt/slides/slide39.xml><?xml version="1.0" encoding="utf-8"?>
-<p:sld xmlns:a="http://schemas.openxmlformats.org/drawingml/2006/main" xmlns:r="http://schemas.openxmlformats.org/officeDocument/2006/relationships" xmlns:p="http://schemas.openxmlformats.org/presentationml/2006/main">
-  <p:cSld>
-    <p:spTree>
-      <p:nvGrpSpPr>
-        <p:cNvPr id="1" name="Shape 435"/>
-        <p:cNvGrpSpPr/>
-        <p:nvPr/>
-      </p:nvGrpSpPr>
-      <p:grpSpPr>
-        <a:xfrm>
-          <a:off x="0" y="0"/>
-          <a:ext cx="0" cy="0"/>
-          <a:chOff x="0" y="0"/>
-          <a:chExt cx="0" cy="0"/>
-        </a:xfrm>
-      </p:grpSpPr>
-      <p:pic>
-        <p:nvPicPr>
-          <p:cNvPr id="436" name="Google Shape;436;g21c03c1d1e6_1_305"/>
-          <p:cNvPicPr preferRelativeResize="0"/>
-          <p:nvPr/>
-        </p:nvPicPr>
-        <p:blipFill rotWithShape="1">
-          <a:blip r:embed="rId3">
-            <a:alphaModFix/>
-          </a:blip>
-          <a:srcRect/>
-          <a:stretch/>
-        </p:blipFill>
-        <p:spPr>
-          <a:xfrm>
-            <a:off x="425303" y="797442"/>
-            <a:ext cx="7837474" cy="4054975"/>
-          </a:xfrm>
-          <a:prstGeom prst="rect">
-            <a:avLst/>
-          </a:prstGeom>
-          <a:noFill/>
-          <a:ln>
-            <a:noFill/>
-          </a:ln>
-        </p:spPr>
-      </p:pic>
-      <p:sp>
-        <p:nvSpPr>
-          <p:cNvPr id="437" name="Google Shape;437;g21c03c1d1e6_1_305"/>
-          <p:cNvSpPr/>
-          <p:nvPr/>
-        </p:nvSpPr>
-        <p:spPr>
-          <a:xfrm>
-            <a:off x="1210612" y="4866501"/>
-            <a:ext cx="6542467" cy="276999"/>
-          </a:xfrm>
-          <a:prstGeom prst="rect">
-            <a:avLst/>
-          </a:prstGeom>
-          <a:noFill/>
-          <a:ln>
-            <a:noFill/>
-          </a:ln>
-        </p:spPr>
-        <p:txBody>
-          <a:bodyPr spcFirstLastPara="1" wrap="square" lIns="68575" tIns="34275" rIns="68575" bIns="34275" anchor="t" anchorCtr="0">
-            <a:noAutofit/>
-          </a:bodyPr>
-          <a:lstStyle/>
-          <a:p>
-            <a:pPr marL="0" marR="0" lvl="0" indent="0" algn="l" rtl="0">
-              <a:spcBef>
-                <a:spcPts val="0"/>
-              </a:spcBef>
-              <a:spcAft>
-                <a:spcPts val="0"/>
-              </a:spcAft>
-              <a:buNone/>
-            </a:pPr>
-            <a:r>
-              <a:rPr lang="en" sz="1400" dirty="0">
-                <a:solidFill>
-                  <a:schemeClr val="bg2"/>
-                </a:solidFill>
-                <a:latin typeface="Twentieth Century"/>
-                <a:ea typeface="Twentieth Century"/>
-                <a:cs typeface="Twentieth Century"/>
-                <a:sym typeface="Twentieth Century"/>
-              </a:rPr>
-              <a:t>http://cs231n.stanford.edu/slides/2017/cs231n_2017_lecture10.pdf</a:t>
-            </a:r>
-            <a:endParaRPr sz="1100" dirty="0">
-              <a:solidFill>
-                <a:schemeClr val="bg2"/>
-              </a:solidFill>
-            </a:endParaRPr>
-          </a:p>
-        </p:txBody>
-      </p:sp>
-      <p:sp>
-        <p:nvSpPr>
-          <p:cNvPr id="439" name="Google Shape;439;g21c03c1d1e6_1_305"/>
           <p:cNvSpPr txBox="1">
             <a:spLocks noGrp="1"/>
           </p:cNvSpPr>
@@ -33672,6 +34350,650 @@
 </p:sld>
 </file>
 
+<file path=ppt/slides/slide40.xml><?xml version="1.0" encoding="utf-8"?>
+<p:sld xmlns:a="http://schemas.openxmlformats.org/drawingml/2006/main" xmlns:r="http://schemas.openxmlformats.org/officeDocument/2006/relationships" xmlns:p="http://schemas.openxmlformats.org/presentationml/2006/main">
+  <p:cSld>
+    <p:spTree>
+      <p:nvGrpSpPr>
+        <p:cNvPr id="1" name="Shape 424"/>
+        <p:cNvGrpSpPr/>
+        <p:nvPr/>
+      </p:nvGrpSpPr>
+      <p:grpSpPr>
+        <a:xfrm>
+          <a:off x="0" y="0"/>
+          <a:ext cx="0" cy="0"/>
+          <a:chOff x="0" y="0"/>
+          <a:chExt cx="0" cy="0"/>
+        </a:xfrm>
+      </p:grpSpPr>
+      <p:sp>
+        <p:nvSpPr>
+          <p:cNvPr id="425" name="Google Shape;425;g21c03c1d1e6_1_296"/>
+          <p:cNvSpPr/>
+          <p:nvPr/>
+        </p:nvSpPr>
+        <p:spPr>
+          <a:xfrm>
+            <a:off x="334370" y="4169795"/>
+            <a:ext cx="8475260" cy="761747"/>
+          </a:xfrm>
+          <a:prstGeom prst="rect">
+            <a:avLst/>
+          </a:prstGeom>
+          <a:noFill/>
+          <a:ln>
+            <a:noFill/>
+          </a:ln>
+        </p:spPr>
+        <p:txBody>
+          <a:bodyPr spcFirstLastPara="1" wrap="square" lIns="68575" tIns="34275" rIns="68575" bIns="34275" anchor="ctr" anchorCtr="0">
+            <a:noAutofit/>
+          </a:bodyPr>
+          <a:lstStyle/>
+          <a:p>
+            <a:pPr marL="0" marR="0" lvl="0" indent="0" algn="l" rtl="0">
+              <a:lnSpc>
+                <a:spcPct val="100000"/>
+              </a:lnSpc>
+              <a:spcBef>
+                <a:spcPts val="0"/>
+              </a:spcBef>
+              <a:spcAft>
+                <a:spcPts val="0"/>
+              </a:spcAft>
+              <a:buClr>
+                <a:schemeClr val="dk1"/>
+              </a:buClr>
+              <a:buSzPts val="1500"/>
+              <a:buFont typeface="Arial"/>
+              <a:buNone/>
+            </a:pPr>
+            <a:r>
+              <a:rPr lang="en" sz="1500" b="0" u="none" strike="noStrike" cap="none">
+                <a:solidFill>
+                  <a:schemeClr val="dk2"/>
+                </a:solidFill>
+                <a:latin typeface="Arial"/>
+                <a:ea typeface="Arial"/>
+                <a:cs typeface="Arial"/>
+                <a:sym typeface="Arial"/>
+              </a:rPr>
+              <a:t>Una definición más general:</a:t>
+            </a:r>
+            <a:endParaRPr sz="1100">
+              <a:solidFill>
+                <a:schemeClr val="dk2"/>
+              </a:solidFill>
+            </a:endParaRPr>
+          </a:p>
+          <a:p>
+            <a:pPr marL="0" marR="0" lvl="0" indent="0" algn="ctr" rtl="0">
+              <a:lnSpc>
+                <a:spcPct val="100000"/>
+              </a:lnSpc>
+              <a:spcBef>
+                <a:spcPts val="0"/>
+              </a:spcBef>
+              <a:spcAft>
+                <a:spcPts val="0"/>
+              </a:spcAft>
+              <a:buClr>
+                <a:schemeClr val="dk1"/>
+              </a:buClr>
+              <a:buSzPts val="1500"/>
+              <a:buFont typeface="Arial"/>
+              <a:buNone/>
+            </a:pPr>
+            <a:r>
+              <a:rPr lang="en" sz="1500">
+                <a:solidFill>
+                  <a:schemeClr val="dk2"/>
+                </a:solidFill>
+                <a:latin typeface="Arial"/>
+                <a:ea typeface="Arial"/>
+                <a:cs typeface="Arial"/>
+                <a:sym typeface="Arial"/>
+              </a:rPr>
+              <a:t>Dado un </a:t>
+            </a:r>
+            <a:r>
+              <a:rPr lang="en" sz="1500" b="1">
+                <a:solidFill>
+                  <a:schemeClr val="dk2"/>
+                </a:solidFill>
+                <a:latin typeface="Arial"/>
+                <a:ea typeface="Arial"/>
+                <a:cs typeface="Arial"/>
+                <a:sym typeface="Arial"/>
+              </a:rPr>
+              <a:t>conjunto de valores</a:t>
+            </a:r>
+            <a:r>
+              <a:rPr lang="en" sz="1500">
+                <a:solidFill>
+                  <a:schemeClr val="dk2"/>
+                </a:solidFill>
+                <a:latin typeface="Arial"/>
+                <a:ea typeface="Arial"/>
+                <a:cs typeface="Arial"/>
+                <a:sym typeface="Arial"/>
+              </a:rPr>
+              <a:t> y una </a:t>
+            </a:r>
+            <a:r>
+              <a:rPr lang="en" sz="1500" b="1">
+                <a:solidFill>
+                  <a:schemeClr val="dk2"/>
+                </a:solidFill>
+                <a:latin typeface="Arial"/>
+                <a:ea typeface="Arial"/>
+                <a:cs typeface="Arial"/>
+                <a:sym typeface="Arial"/>
+              </a:rPr>
+              <a:t>consulta</a:t>
+            </a:r>
+            <a:r>
+              <a:rPr lang="en" sz="1500">
+                <a:solidFill>
+                  <a:schemeClr val="dk2"/>
+                </a:solidFill>
+                <a:latin typeface="Arial"/>
+                <a:ea typeface="Arial"/>
+                <a:cs typeface="Arial"/>
+                <a:sym typeface="Arial"/>
+              </a:rPr>
+              <a:t>; el mecanismo de atención devuelve una </a:t>
+            </a:r>
+            <a:r>
+              <a:rPr lang="en" sz="1500" b="1">
+                <a:solidFill>
+                  <a:schemeClr val="dk2"/>
+                </a:solidFill>
+                <a:latin typeface="Arial"/>
+                <a:ea typeface="Arial"/>
+                <a:cs typeface="Arial"/>
+                <a:sym typeface="Arial"/>
+              </a:rPr>
+              <a:t>suma ponderada</a:t>
+            </a:r>
+            <a:r>
+              <a:rPr lang="en" sz="1500">
+                <a:solidFill>
+                  <a:schemeClr val="dk2"/>
+                </a:solidFill>
+                <a:latin typeface="Arial"/>
+                <a:ea typeface="Arial"/>
+                <a:cs typeface="Arial"/>
+                <a:sym typeface="Arial"/>
+              </a:rPr>
+              <a:t> (resumen selectivo) de los valores, </a:t>
+            </a:r>
+            <a:r>
+              <a:rPr lang="en" sz="1500" b="1">
+                <a:solidFill>
+                  <a:schemeClr val="dk2"/>
+                </a:solidFill>
+                <a:latin typeface="Arial"/>
+                <a:ea typeface="Arial"/>
+                <a:cs typeface="Arial"/>
+                <a:sym typeface="Arial"/>
+              </a:rPr>
+              <a:t>dependiente de la consulta</a:t>
+            </a:r>
+            <a:r>
+              <a:rPr lang="en" sz="1500">
+                <a:solidFill>
+                  <a:schemeClr val="dk2"/>
+                </a:solidFill>
+                <a:latin typeface="Arial"/>
+                <a:ea typeface="Arial"/>
+                <a:cs typeface="Arial"/>
+                <a:sym typeface="Arial"/>
+              </a:rPr>
+              <a:t>. </a:t>
+            </a:r>
+            <a:endParaRPr sz="1500" b="0" u="none" strike="noStrike" cap="none">
+              <a:solidFill>
+                <a:schemeClr val="dk2"/>
+              </a:solidFill>
+              <a:latin typeface="Arial"/>
+              <a:ea typeface="Arial"/>
+              <a:cs typeface="Arial"/>
+              <a:sym typeface="Arial"/>
+            </a:endParaRPr>
+          </a:p>
+        </p:txBody>
+      </p:sp>
+      <p:sp>
+        <p:nvSpPr>
+          <p:cNvPr id="426" name="Google Shape;426;g21c03c1d1e6_1_296" descr="\alpha_j"/>
+          <p:cNvSpPr/>
+          <p:nvPr/>
+        </p:nvSpPr>
+        <p:spPr>
+          <a:xfrm>
+            <a:off x="5442229" y="2065320"/>
+            <a:ext cx="228600" cy="228601"/>
+          </a:xfrm>
+          <a:prstGeom prst="rect">
+            <a:avLst/>
+          </a:prstGeom>
+          <a:noFill/>
+          <a:ln>
+            <a:noFill/>
+          </a:ln>
+        </p:spPr>
+        <p:txBody>
+          <a:bodyPr spcFirstLastPara="1" wrap="square" lIns="68575" tIns="34275" rIns="68575" bIns="34275" anchor="t" anchorCtr="0">
+            <a:noAutofit/>
+          </a:bodyPr>
+          <a:lstStyle/>
+          <a:p>
+            <a:pPr marL="0" marR="0" lvl="0" indent="0" algn="l" rtl="0">
+              <a:spcBef>
+                <a:spcPts val="0"/>
+              </a:spcBef>
+              <a:spcAft>
+                <a:spcPts val="0"/>
+              </a:spcAft>
+              <a:buNone/>
+            </a:pPr>
+            <a:endParaRPr sz="1400">
+              <a:solidFill>
+                <a:schemeClr val="lt1"/>
+              </a:solidFill>
+              <a:latin typeface="Twentieth Century"/>
+              <a:ea typeface="Twentieth Century"/>
+              <a:cs typeface="Twentieth Century"/>
+              <a:sym typeface="Twentieth Century"/>
+            </a:endParaRPr>
+          </a:p>
+        </p:txBody>
+      </p:sp>
+      <p:sp>
+        <p:nvSpPr>
+          <p:cNvPr id="427" name="Google Shape;427;g21c03c1d1e6_1_296" descr="T"/>
+          <p:cNvSpPr/>
+          <p:nvPr/>
+        </p:nvSpPr>
+        <p:spPr>
+          <a:xfrm>
+            <a:off x="13715882" y="2065320"/>
+            <a:ext cx="228600" cy="228601"/>
+          </a:xfrm>
+          <a:prstGeom prst="rect">
+            <a:avLst/>
+          </a:prstGeom>
+          <a:noFill/>
+          <a:ln>
+            <a:noFill/>
+          </a:ln>
+        </p:spPr>
+        <p:txBody>
+          <a:bodyPr spcFirstLastPara="1" wrap="square" lIns="68575" tIns="34275" rIns="68575" bIns="34275" anchor="t" anchorCtr="0">
+            <a:noAutofit/>
+          </a:bodyPr>
+          <a:lstStyle/>
+          <a:p>
+            <a:pPr marL="0" marR="0" lvl="0" indent="0" algn="l" rtl="0">
+              <a:spcBef>
+                <a:spcPts val="0"/>
+              </a:spcBef>
+              <a:spcAft>
+                <a:spcPts val="0"/>
+              </a:spcAft>
+              <a:buNone/>
+            </a:pPr>
+            <a:endParaRPr sz="1400">
+              <a:solidFill>
+                <a:schemeClr val="lt1"/>
+              </a:solidFill>
+              <a:latin typeface="Twentieth Century"/>
+              <a:ea typeface="Twentieth Century"/>
+              <a:cs typeface="Twentieth Century"/>
+              <a:sym typeface="Twentieth Century"/>
+            </a:endParaRPr>
+          </a:p>
+        </p:txBody>
+      </p:sp>
+      <p:pic>
+        <p:nvPicPr>
+          <p:cNvPr id="428" name="Google Shape;428;g21c03c1d1e6_1_296"/>
+          <p:cNvPicPr preferRelativeResize="0"/>
+          <p:nvPr/>
+        </p:nvPicPr>
+        <p:blipFill rotWithShape="1">
+          <a:blip r:embed="rId3">
+            <a:alphaModFix/>
+          </a:blip>
+          <a:srcRect/>
+          <a:stretch/>
+        </p:blipFill>
+        <p:spPr>
+          <a:xfrm>
+            <a:off x="2075170" y="1741172"/>
+            <a:ext cx="4993660" cy="2310364"/>
+          </a:xfrm>
+          <a:prstGeom prst="rect">
+            <a:avLst/>
+          </a:prstGeom>
+          <a:noFill/>
+          <a:ln>
+            <a:noFill/>
+          </a:ln>
+        </p:spPr>
+      </p:pic>
+      <p:sp>
+        <p:nvSpPr>
+          <p:cNvPr id="429" name="Google Shape;429;g21c03c1d1e6_1_296"/>
+          <p:cNvSpPr/>
+          <p:nvPr/>
+        </p:nvSpPr>
+        <p:spPr>
+          <a:xfrm>
+            <a:off x="448670" y="783059"/>
+            <a:ext cx="8475260" cy="783580"/>
+          </a:xfrm>
+          <a:prstGeom prst="rect">
+            <a:avLst/>
+          </a:prstGeom>
+          <a:blipFill rotWithShape="1">
+            <a:blip r:embed="rId4">
+              <a:alphaModFix/>
+            </a:blip>
+            <a:stretch>
+              <a:fillRect l="-538" t="-1743" b="-9883"/>
+            </a:stretch>
+          </a:blipFill>
+          <a:ln>
+            <a:noFill/>
+          </a:ln>
+        </p:spPr>
+        <p:txBody>
+          <a:bodyPr spcFirstLastPara="1" wrap="square" lIns="68575" tIns="34275" rIns="68575" bIns="34275" anchor="t" anchorCtr="0">
+            <a:noAutofit/>
+          </a:bodyPr>
+          <a:lstStyle/>
+          <a:p>
+            <a:pPr marL="0" marR="0" lvl="0" indent="0" algn="l" rtl="0">
+              <a:spcBef>
+                <a:spcPts val="0"/>
+              </a:spcBef>
+              <a:spcAft>
+                <a:spcPts val="0"/>
+              </a:spcAft>
+              <a:buNone/>
+            </a:pPr>
+            <a:r>
+              <a:rPr lang="en" sz="1400">
+                <a:latin typeface="Twentieth Century"/>
+                <a:ea typeface="Twentieth Century"/>
+                <a:cs typeface="Twentieth Century"/>
+                <a:sym typeface="Twentieth Century"/>
+              </a:rPr>
+              <a:t> </a:t>
+            </a:r>
+            <a:endParaRPr sz="1100"/>
+          </a:p>
+        </p:txBody>
+      </p:sp>
+      <p:sp>
+        <p:nvSpPr>
+          <p:cNvPr id="430" name="Google Shape;430;g21c03c1d1e6_1_296"/>
+          <p:cNvSpPr txBox="1"/>
+          <p:nvPr/>
+        </p:nvSpPr>
+        <p:spPr>
+          <a:xfrm>
+            <a:off x="69574" y="40993"/>
+            <a:ext cx="8770513" cy="608527"/>
+          </a:xfrm>
+          <a:prstGeom prst="rect">
+            <a:avLst/>
+          </a:prstGeom>
+          <a:noFill/>
+          <a:ln>
+            <a:noFill/>
+          </a:ln>
+        </p:spPr>
+        <p:txBody>
+          <a:bodyPr spcFirstLastPara="1" wrap="square" lIns="68575" tIns="34275" rIns="68575" bIns="34275" anchor="t" anchorCtr="0">
+            <a:noAutofit/>
+          </a:bodyPr>
+          <a:lstStyle/>
+          <a:p>
+            <a:pPr marL="0" marR="0" lvl="0" indent="0" algn="ctr" rtl="0">
+              <a:lnSpc>
+                <a:spcPct val="120000"/>
+              </a:lnSpc>
+              <a:spcBef>
+                <a:spcPts val="0"/>
+              </a:spcBef>
+              <a:spcAft>
+                <a:spcPts val="0"/>
+              </a:spcAft>
+              <a:buClr>
+                <a:schemeClr val="dk1"/>
+              </a:buClr>
+              <a:buSzPts val="3000"/>
+              <a:buFont typeface="Arial"/>
+              <a:buNone/>
+            </a:pPr>
+            <a:r>
+              <a:rPr lang="en" sz="2400">
+                <a:solidFill>
+                  <a:schemeClr val="dk1"/>
+                </a:solidFill>
+                <a:latin typeface="Twentieth Century"/>
+                <a:ea typeface="Twentieth Century"/>
+                <a:cs typeface="Twentieth Century"/>
+                <a:sym typeface="Twentieth Century"/>
+              </a:rPr>
+              <a:t>Recurrent Neural Network (RNN) – Self Attention!!</a:t>
+            </a:r>
+            <a:endParaRPr sz="1100"/>
+          </a:p>
+        </p:txBody>
+      </p:sp>
+      <p:sp>
+        <p:nvSpPr>
+          <p:cNvPr id="431" name="Google Shape;431;g21c03c1d1e6_1_296"/>
+          <p:cNvSpPr txBox="1">
+            <a:spLocks noGrp="1"/>
+          </p:cNvSpPr>
+          <p:nvPr>
+            <p:ph type="title"/>
+          </p:nvPr>
+        </p:nvSpPr>
+        <p:spPr>
+          <a:xfrm>
+            <a:off x="0" y="0"/>
+            <a:ext cx="8826600" cy="602700"/>
+          </a:xfrm>
+          <a:prstGeom prst="rect">
+            <a:avLst/>
+          </a:prstGeom>
+        </p:spPr>
+        <p:txBody>
+          <a:bodyPr spcFirstLastPara="1" wrap="square" lIns="91425" tIns="91425" rIns="91425" bIns="91425" anchor="ctr" anchorCtr="0">
+            <a:normAutofit/>
+          </a:bodyPr>
+          <a:lstStyle/>
+          <a:p>
+            <a:pPr marL="0" lvl="0" indent="0" algn="l" rtl="0">
+              <a:spcBef>
+                <a:spcPts val="0"/>
+              </a:spcBef>
+              <a:spcAft>
+                <a:spcPts val="0"/>
+              </a:spcAft>
+              <a:buNone/>
+            </a:pPr>
+            <a:r>
+              <a:rPr lang="en"/>
+              <a:t>Redes recurrentes - Mecanismos de atención</a:t>
+            </a:r>
+            <a:endParaRPr/>
+          </a:p>
+        </p:txBody>
+      </p:sp>
+    </p:spTree>
+  </p:cSld>
+  <p:clrMapOvr>
+    <a:masterClrMapping/>
+  </p:clrMapOvr>
+</p:sld>
+</file>
+
+<file path=ppt/slides/slide41.xml><?xml version="1.0" encoding="utf-8"?>
+<p:sld xmlns:a="http://schemas.openxmlformats.org/drawingml/2006/main" xmlns:r="http://schemas.openxmlformats.org/officeDocument/2006/relationships" xmlns:p="http://schemas.openxmlformats.org/presentationml/2006/main">
+  <p:cSld>
+    <p:spTree>
+      <p:nvGrpSpPr>
+        <p:cNvPr id="1" name="Shape 435"/>
+        <p:cNvGrpSpPr/>
+        <p:nvPr/>
+      </p:nvGrpSpPr>
+      <p:grpSpPr>
+        <a:xfrm>
+          <a:off x="0" y="0"/>
+          <a:ext cx="0" cy="0"/>
+          <a:chOff x="0" y="0"/>
+          <a:chExt cx="0" cy="0"/>
+        </a:xfrm>
+      </p:grpSpPr>
+      <p:pic>
+        <p:nvPicPr>
+          <p:cNvPr id="436" name="Google Shape;436;g21c03c1d1e6_1_305"/>
+          <p:cNvPicPr preferRelativeResize="0"/>
+          <p:nvPr/>
+        </p:nvPicPr>
+        <p:blipFill rotWithShape="1">
+          <a:blip r:embed="rId3">
+            <a:alphaModFix/>
+          </a:blip>
+          <a:srcRect/>
+          <a:stretch/>
+        </p:blipFill>
+        <p:spPr>
+          <a:xfrm>
+            <a:off x="425303" y="797442"/>
+            <a:ext cx="7837474" cy="4054975"/>
+          </a:xfrm>
+          <a:prstGeom prst="rect">
+            <a:avLst/>
+          </a:prstGeom>
+          <a:noFill/>
+          <a:ln>
+            <a:noFill/>
+          </a:ln>
+        </p:spPr>
+      </p:pic>
+      <p:sp>
+        <p:nvSpPr>
+          <p:cNvPr id="437" name="Google Shape;437;g21c03c1d1e6_1_305"/>
+          <p:cNvSpPr/>
+          <p:nvPr/>
+        </p:nvSpPr>
+        <p:spPr>
+          <a:xfrm>
+            <a:off x="1210612" y="4866501"/>
+            <a:ext cx="6542467" cy="276999"/>
+          </a:xfrm>
+          <a:prstGeom prst="rect">
+            <a:avLst/>
+          </a:prstGeom>
+          <a:noFill/>
+          <a:ln>
+            <a:noFill/>
+          </a:ln>
+        </p:spPr>
+        <p:txBody>
+          <a:bodyPr spcFirstLastPara="1" wrap="square" lIns="68575" tIns="34275" rIns="68575" bIns="34275" anchor="t" anchorCtr="0">
+            <a:noAutofit/>
+          </a:bodyPr>
+          <a:lstStyle/>
+          <a:p>
+            <a:pPr marL="0" marR="0" lvl="0" indent="0" algn="l" rtl="0">
+              <a:spcBef>
+                <a:spcPts val="0"/>
+              </a:spcBef>
+              <a:spcAft>
+                <a:spcPts val="0"/>
+              </a:spcAft>
+              <a:buNone/>
+            </a:pPr>
+            <a:r>
+              <a:rPr lang="en" sz="1400" dirty="0">
+                <a:solidFill>
+                  <a:schemeClr val="bg2"/>
+                </a:solidFill>
+                <a:latin typeface="Twentieth Century"/>
+                <a:ea typeface="Twentieth Century"/>
+                <a:cs typeface="Twentieth Century"/>
+                <a:sym typeface="Twentieth Century"/>
+              </a:rPr>
+              <a:t>http://cs231n.stanford.edu/slides/2017/cs231n_2017_lecture10.pdf</a:t>
+            </a:r>
+            <a:endParaRPr sz="1100" dirty="0">
+              <a:solidFill>
+                <a:schemeClr val="bg2"/>
+              </a:solidFill>
+            </a:endParaRPr>
+          </a:p>
+        </p:txBody>
+      </p:sp>
+      <p:sp>
+        <p:nvSpPr>
+          <p:cNvPr id="439" name="Google Shape;439;g21c03c1d1e6_1_305"/>
+          <p:cNvSpPr txBox="1">
+            <a:spLocks noGrp="1"/>
+          </p:cNvSpPr>
+          <p:nvPr>
+            <p:ph type="title"/>
+          </p:nvPr>
+        </p:nvSpPr>
+        <p:spPr>
+          <a:xfrm>
+            <a:off x="0" y="0"/>
+            <a:ext cx="8826600" cy="602700"/>
+          </a:xfrm>
+          <a:prstGeom prst="rect">
+            <a:avLst/>
+          </a:prstGeom>
+        </p:spPr>
+        <p:txBody>
+          <a:bodyPr spcFirstLastPara="1" wrap="square" lIns="91425" tIns="91425" rIns="91425" bIns="91425" anchor="ctr" anchorCtr="0">
+            <a:normAutofit/>
+          </a:bodyPr>
+          <a:lstStyle/>
+          <a:p>
+            <a:pPr marL="0" lvl="0" indent="0" algn="l" rtl="0">
+              <a:spcBef>
+                <a:spcPts val="0"/>
+              </a:spcBef>
+              <a:spcAft>
+                <a:spcPts val="0"/>
+              </a:spcAft>
+              <a:buNone/>
+            </a:pPr>
+            <a:r>
+              <a:rPr lang="en"/>
+              <a:t>Redes recurrentes - Mecanismos de atención</a:t>
+            </a:r>
+            <a:endParaRPr/>
+          </a:p>
+        </p:txBody>
+      </p:sp>
+    </p:spTree>
+  </p:cSld>
+  <p:clrMapOvr>
+    <a:masterClrMapping/>
+  </p:clrMapOvr>
+</p:sld>
+</file>
+
 <file path=ppt/slides/slide5.xml><?xml version="1.0" encoding="utf-8"?>
 <p:sld xmlns:a="http://schemas.openxmlformats.org/drawingml/2006/main" xmlns:r="http://schemas.openxmlformats.org/officeDocument/2006/relationships" xmlns:p="http://schemas.openxmlformats.org/presentationml/2006/main">
   <p:cSld>
@@ -34893,7 +36215,7 @@
   <p:cSld>
     <p:spTree>
       <p:nvGrpSpPr>
-        <p:cNvPr id="1" name="Shape 146"/>
+        <p:cNvPr id="1" name="Shape 250"/>
         <p:cNvGrpSpPr/>
         <p:nvPr/>
       </p:nvGrpSpPr>
@@ -34907,14 +36229,14 @@
       </p:grpSpPr>
       <p:sp>
         <p:nvSpPr>
-          <p:cNvPr id="147" name="Google Shape;147;g21c03c1d1e6_1_60"/>
+          <p:cNvPr id="251" name="Google Shape;251;g21c03c1d1e6_1_145"/>
           <p:cNvSpPr txBox="1"/>
           <p:nvPr/>
         </p:nvSpPr>
         <p:spPr>
           <a:xfrm>
-            <a:off x="-119743" y="0"/>
-            <a:ext cx="9383486" cy="608527"/>
+            <a:off x="2044342" y="774713"/>
+            <a:ext cx="4813500" cy="608400"/>
           </a:xfrm>
           <a:prstGeom prst="rect">
             <a:avLst/>
@@ -34935,7 +36257,7 @@
                 <a:spcPct val="120000"/>
               </a:lnSpc>
               <a:spcBef>
-                <a:spcPts val="0"/>
+                <a:spcPts val="800"/>
               </a:spcBef>
               <a:spcAft>
                 <a:spcPts val="0"/>
@@ -34949,140 +36271,14 @@
             </a:pPr>
             <a:r>
               <a:rPr lang="en" sz="2400">
-                <a:solidFill>
-                  <a:schemeClr val="dk1"/>
-                </a:solidFill>
                 <a:latin typeface="Twentieth Century"/>
                 <a:ea typeface="Twentieth Century"/>
                 <a:cs typeface="Twentieth Century"/>
                 <a:sym typeface="Twentieth Century"/>
               </a:rPr>
-              <a:t>Recurrent Neural Network (RNN) - Dimensiones</a:t>
+              <a:t>Bi-directional </a:t>
             </a:r>
-            <a:endParaRPr sz="1100"/>
-          </a:p>
-        </p:txBody>
-      </p:sp>
-      <p:sp>
-        <p:nvSpPr>
-          <p:cNvPr id="148" name="Google Shape;148;g21c03c1d1e6_1_60"/>
-          <p:cNvSpPr txBox="1"/>
-          <p:nvPr/>
-        </p:nvSpPr>
-        <p:spPr>
-          <a:xfrm>
-            <a:off x="516181" y="4716035"/>
-            <a:ext cx="859665" cy="271779"/>
-          </a:xfrm>
-          <a:prstGeom prst="rect">
-            <a:avLst/>
-          </a:prstGeom>
-          <a:noFill/>
-          <a:ln>
-            <a:noFill/>
-          </a:ln>
-        </p:spPr>
-        <p:txBody>
-          <a:bodyPr spcFirstLastPara="1" wrap="square" lIns="68575" tIns="34275" rIns="68575" bIns="34275" anchor="t" anchorCtr="0">
-            <a:noAutofit/>
-          </a:bodyPr>
-          <a:lstStyle/>
-          <a:p>
-            <a:pPr marL="0" marR="0" lvl="0" indent="0" algn="ctr" rtl="0">
-              <a:lnSpc>
-                <a:spcPct val="90000"/>
-              </a:lnSpc>
-              <a:spcBef>
-                <a:spcPts val="0"/>
-              </a:spcBef>
-              <a:spcAft>
-                <a:spcPts val="0"/>
-              </a:spcAft>
-              <a:buClr>
-                <a:schemeClr val="dk1"/>
-              </a:buClr>
-              <a:buSzPts val="1500"/>
-              <a:buFont typeface="Arial"/>
-              <a:buNone/>
-            </a:pPr>
-            <a:r>
-              <a:rPr lang="en" sz="1500">
-                <a:solidFill>
-                  <a:schemeClr val="dk2"/>
-                </a:solidFill>
-                <a:latin typeface="Twentieth Century"/>
-                <a:ea typeface="Twentieth Century"/>
-                <a:cs typeface="Twentieth Century"/>
-                <a:sym typeface="Twentieth Century"/>
-              </a:rPr>
-              <a:t>Básica</a:t>
-            </a:r>
-            <a:endParaRPr sz="1100">
-              <a:solidFill>
-                <a:schemeClr val="dk2"/>
-              </a:solidFill>
-            </a:endParaRPr>
-          </a:p>
-        </p:txBody>
-      </p:sp>
-      <p:sp>
-        <p:nvSpPr>
-          <p:cNvPr id="149" name="Google Shape;149;g21c03c1d1e6_1_60"/>
-          <p:cNvSpPr txBox="1"/>
-          <p:nvPr/>
-        </p:nvSpPr>
-        <p:spPr>
-          <a:xfrm>
-            <a:off x="2608285" y="4696716"/>
-            <a:ext cx="1569838" cy="271779"/>
-          </a:xfrm>
-          <a:prstGeom prst="rect">
-            <a:avLst/>
-          </a:prstGeom>
-          <a:noFill/>
-          <a:ln>
-            <a:noFill/>
-          </a:ln>
-        </p:spPr>
-        <p:txBody>
-          <a:bodyPr spcFirstLastPara="1" wrap="square" lIns="68575" tIns="34275" rIns="68575" bIns="34275" anchor="t" anchorCtr="0">
-            <a:noAutofit/>
-          </a:bodyPr>
-          <a:lstStyle/>
-          <a:p>
-            <a:pPr marL="0" marR="0" lvl="0" indent="0" algn="ctr" rtl="0">
-              <a:lnSpc>
-                <a:spcPct val="90000"/>
-              </a:lnSpc>
-              <a:spcBef>
-                <a:spcPts val="0"/>
-              </a:spcBef>
-              <a:spcAft>
-                <a:spcPts val="0"/>
-              </a:spcAft>
-              <a:buClr>
-                <a:schemeClr val="dk1"/>
-              </a:buClr>
-              <a:buSzPts val="1500"/>
-              <a:buFont typeface="Arial"/>
-              <a:buNone/>
-            </a:pPr>
-            <a:r>
-              <a:rPr lang="en" sz="1500">
-                <a:solidFill>
-                  <a:schemeClr val="dk2"/>
-                </a:solidFill>
-                <a:latin typeface="Twentieth Century"/>
-                <a:ea typeface="Twentieth Century"/>
-                <a:cs typeface="Twentieth Century"/>
-                <a:sym typeface="Twentieth Century"/>
-              </a:rPr>
-              <a:t>Varias hidden</a:t>
-            </a:r>
-            <a:endParaRPr sz="1500">
-              <a:solidFill>
-                <a:schemeClr val="dk2"/>
-              </a:solidFill>
+            <a:endParaRPr sz="2400">
               <a:latin typeface="Twentieth Century"/>
               <a:ea typeface="Twentieth Century"/>
               <a:cs typeface="Twentieth Century"/>
@@ -35093,14 +36289,14 @@
       </p:sp>
       <p:sp>
         <p:nvSpPr>
-          <p:cNvPr id="150" name="Google Shape;150;g21c03c1d1e6_1_60"/>
+          <p:cNvPr id="252" name="Google Shape;252;g21c03c1d1e6_1_145"/>
           <p:cNvSpPr txBox="1"/>
           <p:nvPr/>
         </p:nvSpPr>
         <p:spPr>
           <a:xfrm>
-            <a:off x="5102092" y="4578347"/>
-            <a:ext cx="1569838" cy="271779"/>
+            <a:off x="1173245" y="4210024"/>
+            <a:ext cx="6555668" cy="392518"/>
           </a:xfrm>
           <a:prstGeom prst="rect">
             <a:avLst/>
@@ -35129,103 +36325,26 @@
               <a:buClr>
                 <a:schemeClr val="dk1"/>
               </a:buClr>
-              <a:buSzPts val="1500"/>
+              <a:buSzPts val="1800"/>
               <a:buFont typeface="Arial"/>
               <a:buNone/>
             </a:pPr>
             <a:r>
-              <a:rPr lang="en" sz="1500">
-                <a:solidFill>
-                  <a:schemeClr val="dk2"/>
-                </a:solidFill>
+              <a:rPr lang="en" sz="1800">
                 <a:latin typeface="Twentieth Century"/>
                 <a:ea typeface="Twentieth Century"/>
                 <a:cs typeface="Twentieth Century"/>
                 <a:sym typeface="Twentieth Century"/>
               </a:rPr>
-              <a:t>Input multivariable</a:t>
+              <a:t>Para la traducción, suele ser útil tener la frase entera.</a:t>
             </a:r>
-            <a:endParaRPr sz="1500">
-              <a:solidFill>
-                <a:schemeClr val="dk2"/>
-              </a:solidFill>
-              <a:latin typeface="Twentieth Century"/>
-              <a:ea typeface="Twentieth Century"/>
-              <a:cs typeface="Twentieth Century"/>
-              <a:sym typeface="Twentieth Century"/>
-            </a:endParaRPr>
-          </a:p>
-        </p:txBody>
-      </p:sp>
-      <p:sp>
-        <p:nvSpPr>
-          <p:cNvPr id="151" name="Google Shape;151;g21c03c1d1e6_1_60"/>
-          <p:cNvSpPr txBox="1"/>
-          <p:nvPr/>
-        </p:nvSpPr>
-        <p:spPr>
-          <a:xfrm>
-            <a:off x="7243032" y="4695142"/>
-            <a:ext cx="1569838" cy="271779"/>
-          </a:xfrm>
-          <a:prstGeom prst="rect">
-            <a:avLst/>
-          </a:prstGeom>
-          <a:noFill/>
-          <a:ln>
-            <a:noFill/>
-          </a:ln>
-        </p:spPr>
-        <p:txBody>
-          <a:bodyPr spcFirstLastPara="1" wrap="square" lIns="68575" tIns="34275" rIns="68575" bIns="34275" anchor="t" anchorCtr="0">
-            <a:noAutofit/>
-          </a:bodyPr>
-          <a:lstStyle/>
-          <a:p>
-            <a:pPr marL="0" marR="0" lvl="0" indent="0" algn="ctr" rtl="0">
-              <a:lnSpc>
-                <a:spcPct val="90000"/>
-              </a:lnSpc>
-              <a:spcBef>
-                <a:spcPts val="0"/>
-              </a:spcBef>
-              <a:spcAft>
-                <a:spcPts val="0"/>
-              </a:spcAft>
-              <a:buClr>
-                <a:schemeClr val="dk1"/>
-              </a:buClr>
-              <a:buSzPts val="1500"/>
-              <a:buFont typeface="Arial"/>
-              <a:buNone/>
-            </a:pPr>
-            <a:r>
-              <a:rPr lang="en" sz="1500">
-                <a:solidFill>
-                  <a:schemeClr val="dk2"/>
-                </a:solidFill>
-                <a:latin typeface="Twentieth Century"/>
-                <a:ea typeface="Twentieth Century"/>
-                <a:cs typeface="Twentieth Century"/>
-                <a:sym typeface="Twentieth Century"/>
-              </a:rPr>
-              <a:t>2 layers</a:t>
-            </a:r>
-            <a:endParaRPr sz="1500">
-              <a:solidFill>
-                <a:schemeClr val="dk2"/>
-              </a:solidFill>
-              <a:latin typeface="Twentieth Century"/>
-              <a:ea typeface="Twentieth Century"/>
-              <a:cs typeface="Twentieth Century"/>
-              <a:sym typeface="Twentieth Century"/>
-            </a:endParaRPr>
+            <a:endParaRPr sz="1100"/>
           </a:p>
         </p:txBody>
       </p:sp>
       <p:pic>
         <p:nvPicPr>
-          <p:cNvPr id="152" name="Google Shape;152;g21c03c1d1e6_1_60"/>
+          <p:cNvPr id="253" name="Google Shape;253;g21c03c1d1e6_1_145"/>
           <p:cNvPicPr preferRelativeResize="0"/>
           <p:nvPr/>
         </p:nvPicPr>
@@ -35238,8 +36357,8 @@
         </p:blipFill>
         <p:spPr>
           <a:xfrm>
-            <a:off x="448422" y="1052272"/>
-            <a:ext cx="3907631" cy="378619"/>
+            <a:off x="1016911" y="1555124"/>
+            <a:ext cx="6868339" cy="2427292"/>
           </a:xfrm>
           <a:prstGeom prst="rect">
             <a:avLst/>
@@ -35252,239 +36371,7 @@
       </p:pic>
       <p:sp>
         <p:nvSpPr>
-          <p:cNvPr id="153" name="Google Shape;153;g21c03c1d1e6_1_60"/>
-          <p:cNvSpPr/>
-          <p:nvPr/>
-        </p:nvSpPr>
-        <p:spPr>
-          <a:xfrm>
-            <a:off x="2021003" y="740776"/>
-            <a:ext cx="762469" cy="276999"/>
-          </a:xfrm>
-          <a:prstGeom prst="rect">
-            <a:avLst/>
-          </a:prstGeom>
-          <a:noFill/>
-          <a:ln>
-            <a:noFill/>
-          </a:ln>
-        </p:spPr>
-        <p:txBody>
-          <a:bodyPr spcFirstLastPara="1" wrap="square" lIns="68575" tIns="34275" rIns="68575" bIns="34275" anchor="t" anchorCtr="0">
-            <a:noAutofit/>
-          </a:bodyPr>
-          <a:lstStyle/>
-          <a:p>
-            <a:pPr marL="0" marR="0" lvl="0" indent="0" algn="ctr" rtl="0">
-              <a:spcBef>
-                <a:spcPts val="0"/>
-              </a:spcBef>
-              <a:spcAft>
-                <a:spcPts val="0"/>
-              </a:spcAft>
-              <a:buNone/>
-            </a:pPr>
-            <a:r>
-              <a:rPr lang="en" sz="1400">
-                <a:solidFill>
-                  <a:schemeClr val="dk1"/>
-                </a:solidFill>
-                <a:latin typeface="Twentieth Century"/>
-                <a:ea typeface="Twentieth Century"/>
-                <a:cs typeface="Twentieth Century"/>
-                <a:sym typeface="Twentieth Century"/>
-              </a:rPr>
-              <a:t>Pytorch</a:t>
-            </a:r>
-            <a:endParaRPr sz="1400">
-              <a:solidFill>
-                <a:schemeClr val="dk1"/>
-              </a:solidFill>
-              <a:latin typeface="Twentieth Century"/>
-              <a:ea typeface="Twentieth Century"/>
-              <a:cs typeface="Twentieth Century"/>
-              <a:sym typeface="Twentieth Century"/>
-            </a:endParaRPr>
-          </a:p>
-        </p:txBody>
-      </p:sp>
-      <p:pic>
-        <p:nvPicPr>
-          <p:cNvPr id="154" name="Google Shape;154;g21c03c1d1e6_1_60"/>
-          <p:cNvPicPr preferRelativeResize="0"/>
-          <p:nvPr/>
-        </p:nvPicPr>
-        <p:blipFill rotWithShape="1">
-          <a:blip r:embed="rId4">
-            <a:alphaModFix/>
-          </a:blip>
-          <a:srcRect/>
-          <a:stretch/>
-        </p:blipFill>
-        <p:spPr>
-          <a:xfrm rot="-5400000">
-            <a:off x="78264" y="2720632"/>
-            <a:ext cx="1866275" cy="1583001"/>
-          </a:xfrm>
-          <a:prstGeom prst="rect">
-            <a:avLst/>
-          </a:prstGeom>
-          <a:noFill/>
-          <a:ln>
-            <a:noFill/>
-          </a:ln>
-        </p:spPr>
-      </p:pic>
-      <p:pic>
-        <p:nvPicPr>
-          <p:cNvPr id="155" name="Google Shape;155;g21c03c1d1e6_1_60"/>
-          <p:cNvPicPr preferRelativeResize="0"/>
-          <p:nvPr/>
-        </p:nvPicPr>
-        <p:blipFill rotWithShape="1">
-          <a:blip r:embed="rId5">
-            <a:alphaModFix/>
-          </a:blip>
-          <a:srcRect/>
-          <a:stretch/>
-        </p:blipFill>
-        <p:spPr>
-          <a:xfrm rot="-5400000">
-            <a:off x="2204006" y="2180339"/>
-            <a:ext cx="2344483" cy="2185382"/>
-          </a:xfrm>
-          <a:prstGeom prst="rect">
-            <a:avLst/>
-          </a:prstGeom>
-          <a:noFill/>
-          <a:ln>
-            <a:noFill/>
-          </a:ln>
-        </p:spPr>
-      </p:pic>
-      <p:pic>
-        <p:nvPicPr>
-          <p:cNvPr id="156" name="Google Shape;156;g21c03c1d1e6_1_60"/>
-          <p:cNvPicPr preferRelativeResize="0"/>
-          <p:nvPr/>
-        </p:nvPicPr>
-        <p:blipFill rotWithShape="1">
-          <a:blip r:embed="rId6">
-            <a:alphaModFix/>
-          </a:blip>
-          <a:srcRect/>
-          <a:stretch/>
-        </p:blipFill>
-        <p:spPr>
-          <a:xfrm rot="-5400000">
-            <a:off x="4596185" y="2369524"/>
-            <a:ext cx="2344481" cy="1807011"/>
-          </a:xfrm>
-          <a:prstGeom prst="rect">
-            <a:avLst/>
-          </a:prstGeom>
-          <a:noFill/>
-          <a:ln>
-            <a:noFill/>
-          </a:ln>
-        </p:spPr>
-      </p:pic>
-      <p:pic>
-        <p:nvPicPr>
-          <p:cNvPr id="157" name="Google Shape;157;g21c03c1d1e6_1_60"/>
-          <p:cNvPicPr preferRelativeResize="0"/>
-          <p:nvPr/>
-        </p:nvPicPr>
-        <p:blipFill rotWithShape="1">
-          <a:blip r:embed="rId7">
-            <a:alphaModFix/>
-          </a:blip>
-          <a:srcRect/>
-          <a:stretch/>
-        </p:blipFill>
-        <p:spPr>
-          <a:xfrm rot="-5400000">
-            <a:off x="6260084" y="1735063"/>
-            <a:ext cx="3315094" cy="2105321"/>
-          </a:xfrm>
-          <a:prstGeom prst="rect">
-            <a:avLst/>
-          </a:prstGeom>
-          <a:noFill/>
-          <a:ln>
-            <a:noFill/>
-          </a:ln>
-        </p:spPr>
-      </p:pic>
-      <p:sp>
-        <p:nvSpPr>
-          <p:cNvPr id="158" name="Google Shape;158;g21c03c1d1e6_1_60"/>
-          <p:cNvSpPr txBox="1"/>
-          <p:nvPr/>
-        </p:nvSpPr>
-        <p:spPr>
-          <a:xfrm>
-            <a:off x="4047019" y="615104"/>
-            <a:ext cx="3679985" cy="378317"/>
-          </a:xfrm>
-          <a:prstGeom prst="rect">
-            <a:avLst/>
-          </a:prstGeom>
-          <a:noFill/>
-          <a:ln>
-            <a:noFill/>
-          </a:ln>
-        </p:spPr>
-        <p:txBody>
-          <a:bodyPr spcFirstLastPara="1" wrap="square" lIns="68575" tIns="34275" rIns="68575" bIns="34275" anchor="t" anchorCtr="0">
-            <a:noAutofit/>
-          </a:bodyPr>
-          <a:lstStyle/>
-          <a:p>
-            <a:pPr marL="0" marR="0" lvl="0" indent="0" algn="ctr" rtl="0">
-              <a:lnSpc>
-                <a:spcPct val="120000"/>
-              </a:lnSpc>
-              <a:spcBef>
-                <a:spcPts val="0"/>
-              </a:spcBef>
-              <a:spcAft>
-                <a:spcPts val="0"/>
-              </a:spcAft>
-              <a:buClr>
-                <a:srgbClr val="FF0000"/>
-              </a:buClr>
-              <a:buSzPts val="2300"/>
-              <a:buFont typeface="Arial"/>
-              <a:buNone/>
-            </a:pPr>
-            <a:r>
-              <a:rPr lang="en" sz="1800" b="1">
-                <a:solidFill>
-                  <a:srgbClr val="FF0000"/>
-                </a:solidFill>
-                <a:latin typeface="Twentieth Century"/>
-                <a:ea typeface="Twentieth Century"/>
-                <a:cs typeface="Twentieth Century"/>
-                <a:sym typeface="Twentieth Century"/>
-              </a:rPr>
-              <a:t>Ver colab RNN_teoria.ipynb</a:t>
-            </a:r>
-            <a:endParaRPr sz="1800" b="1">
-              <a:solidFill>
-                <a:srgbClr val="FF0000"/>
-              </a:solidFill>
-              <a:latin typeface="Twentieth Century"/>
-              <a:ea typeface="Twentieth Century"/>
-              <a:cs typeface="Twentieth Century"/>
-              <a:sym typeface="Twentieth Century"/>
-            </a:endParaRPr>
-          </a:p>
-        </p:txBody>
-      </p:sp>
-      <p:sp>
-        <p:nvSpPr>
-          <p:cNvPr id="159" name="Google Shape;159;g21c03c1d1e6_1_60"/>
+          <p:cNvPr id="254" name="Google Shape;254;g21c03c1d1e6_1_145"/>
           <p:cNvSpPr txBox="1">
             <a:spLocks noGrp="1"/>
           </p:cNvSpPr>
@@ -35494,7 +36381,7 @@
         </p:nvSpPr>
         <p:spPr>
           <a:xfrm>
-            <a:off x="98250" y="16350"/>
+            <a:off x="0" y="0"/>
             <a:ext cx="8826600" cy="602700"/>
           </a:xfrm>
           <a:prstGeom prst="rect">
@@ -35518,7 +36405,7 @@
             </a:pPr>
             <a:r>
               <a:rPr lang="en"/>
-              <a:t>Redes recurrentes - Implementación en pytorch</a:t>
+              <a:t>Redes recurrentes - Birideccionalidad</a:t>
             </a:r>
             <a:endParaRPr/>
           </a:p>
